--- a/Assicurazioni/Distributed Ledger Technology_ita.pptx
+++ b/Assicurazioni/Distributed Ledger Technology_ita.pptx
@@ -5,13 +5,15 @@
     <p:sldMasterId id="2147483648" r:id="rId5"/>
   </p:sldMasterIdLst>
   <p:notesMasterIdLst>
-    <p:notesMasterId r:id="rId10"/>
+    <p:notesMasterId r:id="rId12"/>
   </p:notesMasterIdLst>
   <p:sldIdLst>
     <p:sldId id="256" r:id="rId6"/>
     <p:sldId id="365" r:id="rId7"/>
     <p:sldId id="366" r:id="rId8"/>
-    <p:sldId id="343" r:id="rId9"/>
+    <p:sldId id="367" r:id="rId9"/>
+    <p:sldId id="368" r:id="rId10"/>
+    <p:sldId id="343" r:id="rId11"/>
   </p:sldIdLst>
   <p:sldSz cx="12192000" cy="6858000"/>
   <p:notesSz cx="6858000" cy="9144000"/>
@@ -269,7 +271,7 @@
               <a:pPr>
                 <a:defRPr/>
               </a:pPr>
-              <a:t>3/8/2023</a:t>
+              <a:t>3/11/2023</a:t>
             </a:fld>
             <a:endParaRPr lang="en-US"/>
           </a:p>
@@ -7498,6 +7500,151 @@
       </p:grpSpPr>
       <p:sp>
         <p:nvSpPr>
+          <p:cNvPr id="2" name="Segnaposto testo 1">
+            <a:extLst>
+              <a:ext uri="{FF2B5EF4-FFF2-40B4-BE49-F238E27FC236}">
+                <a16:creationId xmlns:a16="http://schemas.microsoft.com/office/drawing/2014/main" id="{E5AE986C-196F-4141-A898-FA4C4198CDCC}"/>
+              </a:ext>
+            </a:extLst>
+          </p:cNvPr>
+          <p:cNvSpPr>
+            <a:spLocks noGrp="1"/>
+          </p:cNvSpPr>
+          <p:nvPr>
+            <p:ph type="body" idx="1"/>
+          </p:nvPr>
+        </p:nvSpPr>
+        <p:spPr>
+          <a:xfrm>
+            <a:off x="4304713" y="1213806"/>
+            <a:ext cx="7291245" cy="4392612"/>
+          </a:xfrm>
+        </p:spPr>
+        <p:txBody>
+          <a:bodyPr/>
+          <a:lstStyle/>
+          <a:p>
+            <a:pPr marL="342900" indent="-342900" algn="just">
+              <a:lnSpc>
+                <a:spcPct val="115000"/>
+              </a:lnSpc>
+              <a:spcBef>
+                <a:spcPts val="2400"/>
+              </a:spcBef>
+              <a:buFont typeface="Wingdings" panose="05000000000000000000" pitchFamily="2" charset="2"/>
+              <a:buChar char="ü"/>
+              <a:tabLst>
+                <a:tab pos="457200" algn="l"/>
+              </a:tabLst>
+            </a:pPr>
+            <a:r>
+              <a:rPr lang="it-IT" sz="2400">
+                <a:solidFill>
+                  <a:schemeClr val="tx1"/>
+                </a:solidFill>
+                <a:latin typeface="Tahoma" panose="020B0604030504040204" pitchFamily="34" charset="0"/>
+                <a:ea typeface="Tahoma" panose="020B0604030504040204" pitchFamily="34" charset="0"/>
+                <a:cs typeface="Tahoma" panose="020B0604030504040204" pitchFamily="34" charset="0"/>
+              </a:rPr>
+              <a:t>Le tecnologie </a:t>
+            </a:r>
+            <a:r>
+              <a:rPr lang="it-IT" sz="2400" b="1">
+                <a:solidFill>
+                  <a:schemeClr val="tx1"/>
+                </a:solidFill>
+                <a:latin typeface="Tahoma" panose="020B0604030504040204" pitchFamily="34" charset="0"/>
+                <a:ea typeface="Tahoma" panose="020B0604030504040204" pitchFamily="34" charset="0"/>
+                <a:cs typeface="Tahoma" panose="020B0604030504040204" pitchFamily="34" charset="0"/>
+              </a:rPr>
+              <a:t>Blockchain</a:t>
+            </a:r>
+            <a:r>
+              <a:rPr lang="it-IT" sz="2400">
+                <a:solidFill>
+                  <a:schemeClr val="tx1"/>
+                </a:solidFill>
+                <a:latin typeface="Tahoma" panose="020B0604030504040204" pitchFamily="34" charset="0"/>
+                <a:ea typeface="Tahoma" panose="020B0604030504040204" pitchFamily="34" charset="0"/>
+                <a:cs typeface="Tahoma" panose="020B0604030504040204" pitchFamily="34" charset="0"/>
+              </a:rPr>
+              <a:t> sono dunque incluse nella più ampia famiglia delle tecnologie di Distributed Ledger, ossia sistemi che si basano su un registro distribuito, che può essere letto e modificato da più nodi di una rete. </a:t>
+            </a:r>
+          </a:p>
+          <a:p>
+            <a:pPr marL="342900" indent="-342900" algn="just">
+              <a:lnSpc>
+                <a:spcPct val="115000"/>
+              </a:lnSpc>
+              <a:spcBef>
+                <a:spcPts val="2400"/>
+              </a:spcBef>
+              <a:buFont typeface="Wingdings" panose="05000000000000000000" pitchFamily="2" charset="2"/>
+              <a:buChar char="ü"/>
+              <a:tabLst>
+                <a:tab pos="457200" algn="l"/>
+              </a:tabLst>
+            </a:pPr>
+            <a:r>
+              <a:rPr lang="it-IT" sz="2400">
+                <a:solidFill>
+                  <a:schemeClr val="tx1"/>
+                </a:solidFill>
+                <a:latin typeface="Tahoma" panose="020B0604030504040204" pitchFamily="34" charset="0"/>
+                <a:ea typeface="Tahoma" panose="020B0604030504040204" pitchFamily="34" charset="0"/>
+                <a:cs typeface="Tahoma" panose="020B0604030504040204" pitchFamily="34" charset="0"/>
+              </a:rPr>
+              <a:t>Per validare le modifiche da effettuare al registro, in assenza di un ente centrale, i nodi devono raggiungere il consenso. Le modalità con cui si raggiunge il consenso e la struttura del registro sono alcune delle caratteristiche che connotano le diverse tecnologie </a:t>
+            </a:r>
+            <a:r>
+              <a:rPr lang="it-IT" sz="2400" b="1">
+                <a:solidFill>
+                  <a:schemeClr val="tx1"/>
+                </a:solidFill>
+                <a:latin typeface="Tahoma" panose="020B0604030504040204" pitchFamily="34" charset="0"/>
+                <a:ea typeface="Tahoma" panose="020B0604030504040204" pitchFamily="34" charset="0"/>
+                <a:cs typeface="Tahoma" panose="020B0604030504040204" pitchFamily="34" charset="0"/>
+              </a:rPr>
+              <a:t>Distributed</a:t>
+            </a:r>
+            <a:r>
+              <a:rPr lang="it-IT" sz="2400">
+                <a:solidFill>
+                  <a:schemeClr val="tx1"/>
+                </a:solidFill>
+                <a:latin typeface="Tahoma" panose="020B0604030504040204" pitchFamily="34" charset="0"/>
+                <a:ea typeface="Tahoma" panose="020B0604030504040204" pitchFamily="34" charset="0"/>
+                <a:cs typeface="Tahoma" panose="020B0604030504040204" pitchFamily="34" charset="0"/>
+              </a:rPr>
+              <a:t> </a:t>
+            </a:r>
+            <a:r>
+              <a:rPr lang="it-IT" sz="2400" b="1">
+                <a:solidFill>
+                  <a:schemeClr val="tx1"/>
+                </a:solidFill>
+                <a:latin typeface="Tahoma" panose="020B0604030504040204" pitchFamily="34" charset="0"/>
+                <a:ea typeface="Tahoma" panose="020B0604030504040204" pitchFamily="34" charset="0"/>
+                <a:cs typeface="Tahoma" panose="020B0604030504040204" pitchFamily="34" charset="0"/>
+              </a:rPr>
+              <a:t>Ledger</a:t>
+            </a:r>
+            <a:r>
+              <a:rPr lang="it-IT" sz="2400">
+                <a:solidFill>
+                  <a:schemeClr val="tx1"/>
+                </a:solidFill>
+                <a:latin typeface="Tahoma" panose="020B0604030504040204" pitchFamily="34" charset="0"/>
+                <a:ea typeface="Tahoma" panose="020B0604030504040204" pitchFamily="34" charset="0"/>
+                <a:cs typeface="Tahoma" panose="020B0604030504040204" pitchFamily="34" charset="0"/>
+              </a:rPr>
+              <a:t>.</a:t>
+            </a:r>
+          </a:p>
+        </p:txBody>
+      </p:sp>
+      <p:sp>
+        <p:nvSpPr>
           <p:cNvPr id="7" name="Segnaposto numero diapositiva 6">
             <a:extLst>
               <a:ext uri="{FF2B5EF4-FFF2-40B4-BE49-F238E27FC236}">
@@ -7533,10 +7680,10 @@
       </p:sp>
       <p:sp>
         <p:nvSpPr>
-          <p:cNvPr id="5" name="Titolo 4">
-            <a:extLst>
-              <a:ext uri="{FF2B5EF4-FFF2-40B4-BE49-F238E27FC236}">
-                <a16:creationId xmlns:a16="http://schemas.microsoft.com/office/drawing/2014/main" id="{82C46BA2-B380-4357-B125-BA9F08A643F5}"/>
+          <p:cNvPr id="6" name="Titolo 4">
+            <a:extLst>
+              <a:ext uri="{FF2B5EF4-FFF2-40B4-BE49-F238E27FC236}">
+                <a16:creationId xmlns:a16="http://schemas.microsoft.com/office/drawing/2014/main" id="{CF9A4806-60B4-80DC-1F76-D2EB3E6C376B}"/>
               </a:ext>
             </a:extLst>
           </p:cNvPr>
@@ -7549,8 +7696,8 @@
         </p:nvSpPr>
         <p:spPr>
           <a:xfrm>
-            <a:off x="468895" y="503475"/>
-            <a:ext cx="11269308" cy="384721"/>
+            <a:off x="468313" y="286788"/>
+            <a:ext cx="11269662" cy="769441"/>
           </a:xfrm>
         </p:spPr>
         <p:txBody>
@@ -7558,19 +7705,94 @@
           <a:lstStyle/>
           <a:p>
             <a:r>
-              <a:rPr lang="it-IT" altLang="it-IT"/>
-              <a:t>Bibliografia</a:t>
+              <a:rPr lang="it-IT">
+                <a:solidFill>
+                  <a:schemeClr val="tx1"/>
+                </a:solidFill>
+              </a:rPr>
+              <a:t>Blockchain</a:t>
             </a:r>
-            <a:endParaRPr lang="it-IT" dirty="0"/>
+            <a:br>
+              <a:rPr lang="it-IT">
+                <a:solidFill>
+                  <a:schemeClr val="tx1"/>
+                </a:solidFill>
+              </a:rPr>
+            </a:br>
+            <a:endParaRPr lang="it-IT" dirty="0">
+              <a:solidFill>
+                <a:schemeClr val="tx1"/>
+              </a:solidFill>
+            </a:endParaRPr>
           </a:p>
         </p:txBody>
       </p:sp>
-      <p:sp>
-        <p:nvSpPr>
-          <p:cNvPr id="3" name="Segnaposto testo 2">
-            <a:extLst>
-              <a:ext uri="{FF2B5EF4-FFF2-40B4-BE49-F238E27FC236}">
-                <a16:creationId xmlns:a16="http://schemas.microsoft.com/office/drawing/2014/main" id="{15CD42DB-61E6-AA3D-7125-BF4BEDB5D886}"/>
+      <p:pic>
+        <p:nvPicPr>
+          <p:cNvPr id="5" name="Immagine 4" descr="Immagine che contiene testo, elettronico, tastiera&#10;&#10;Descrizione generata automaticamente">
+            <a:extLst>
+              <a:ext uri="{FF2B5EF4-FFF2-40B4-BE49-F238E27FC236}">
+                <a16:creationId xmlns:a16="http://schemas.microsoft.com/office/drawing/2014/main" id="{61E14583-8F41-08F0-5B7D-9E589C7FC950}"/>
+              </a:ext>
+            </a:extLst>
+          </p:cNvPr>
+          <p:cNvPicPr>
+            <a:picLocks noChangeAspect="1"/>
+          </p:cNvPicPr>
+          <p:nvPr/>
+        </p:nvPicPr>
+        <p:blipFill>
+          <a:blip r:embed="rId2"/>
+          <a:stretch>
+            <a:fillRect/>
+          </a:stretch>
+        </p:blipFill>
+        <p:spPr>
+          <a:xfrm>
+            <a:off x="468313" y="2231300"/>
+            <a:ext cx="3721543" cy="2692391"/>
+          </a:xfrm>
+          <a:prstGeom prst="rect">
+            <a:avLst/>
+          </a:prstGeom>
+        </p:spPr>
+      </p:pic>
+    </p:spTree>
+    <p:extLst>
+      <p:ext uri="{BB962C8B-B14F-4D97-AF65-F5344CB8AC3E}">
+        <p14:creationId xmlns:p14="http://schemas.microsoft.com/office/powerpoint/2010/main" val="1392778304"/>
+      </p:ext>
+    </p:extLst>
+  </p:cSld>
+  <p:clrMapOvr>
+    <a:masterClrMapping/>
+  </p:clrMapOvr>
+</p:sld>
+</file>
+
+<file path=ppt/slides/slide5.xml><?xml version="1.0" encoding="utf-8"?>
+<p:sld xmlns:a="http://schemas.openxmlformats.org/drawingml/2006/main" xmlns:r="http://schemas.openxmlformats.org/officeDocument/2006/relationships" xmlns:p="http://schemas.openxmlformats.org/presentationml/2006/main">
+  <p:cSld>
+    <p:spTree>
+      <p:nvGrpSpPr>
+        <p:cNvPr id="1" name=""/>
+        <p:cNvGrpSpPr/>
+        <p:nvPr/>
+      </p:nvGrpSpPr>
+      <p:grpSpPr>
+        <a:xfrm>
+          <a:off x="0" y="0"/>
+          <a:ext cx="0" cy="0"/>
+          <a:chOff x="0" y="0"/>
+          <a:chExt cx="0" cy="0"/>
+        </a:xfrm>
+      </p:grpSpPr>
+      <p:sp>
+        <p:nvSpPr>
+          <p:cNvPr id="2" name="Segnaposto testo 1">
+            <a:extLst>
+              <a:ext uri="{FF2B5EF4-FFF2-40B4-BE49-F238E27FC236}">
+                <a16:creationId xmlns:a16="http://schemas.microsoft.com/office/drawing/2014/main" id="{E5AE986C-196F-4141-A898-FA4C4198CDCC}"/>
               </a:ext>
             </a:extLst>
           </p:cNvPr>
@@ -7583,18 +7805,367 @@
         </p:nvSpPr>
         <p:spPr>
           <a:xfrm>
-            <a:off x="477519" y="1557338"/>
-            <a:ext cx="11043921" cy="4392612"/>
+            <a:off x="574294" y="1232694"/>
+            <a:ext cx="6065657" cy="4392612"/>
           </a:xfrm>
         </p:spPr>
         <p:txBody>
           <a:bodyPr/>
           <a:lstStyle/>
           <a:p>
+            <a:pPr marL="342900" indent="-342900" algn="just">
+              <a:lnSpc>
+                <a:spcPct val="115000"/>
+              </a:lnSpc>
+              <a:spcBef>
+                <a:spcPts val="2400"/>
+              </a:spcBef>
+              <a:buFont typeface="Wingdings" panose="05000000000000000000" pitchFamily="2" charset="2"/>
+              <a:buChar char="ü"/>
+              <a:tabLst>
+                <a:tab pos="457200" algn="l"/>
+              </a:tabLst>
+            </a:pPr>
+            <a:r>
+              <a:rPr lang="it-IT" sz="2400">
+                <a:solidFill>
+                  <a:schemeClr val="tx1"/>
+                </a:solidFill>
+                <a:latin typeface="Tahoma" panose="020B0604030504040204" pitchFamily="34" charset="0"/>
+                <a:ea typeface="Tahoma" panose="020B0604030504040204" pitchFamily="34" charset="0"/>
+                <a:cs typeface="Tahoma" panose="020B0604030504040204" pitchFamily="34" charset="0"/>
+              </a:rPr>
+              <a:t>La </a:t>
+            </a:r>
+            <a:r>
+              <a:rPr lang="it-IT" sz="2400" b="1">
+                <a:solidFill>
+                  <a:schemeClr val="tx1"/>
+                </a:solidFill>
+                <a:latin typeface="Tahoma" panose="020B0604030504040204" pitchFamily="34" charset="0"/>
+                <a:ea typeface="Tahoma" panose="020B0604030504040204" pitchFamily="34" charset="0"/>
+                <a:cs typeface="Tahoma" panose="020B0604030504040204" pitchFamily="34" charset="0"/>
+              </a:rPr>
+              <a:t>Blockchain</a:t>
+            </a:r>
+            <a:r>
+              <a:rPr lang="it-IT" sz="2400">
+                <a:solidFill>
+                  <a:schemeClr val="tx1"/>
+                </a:solidFill>
+                <a:latin typeface="Tahoma" panose="020B0604030504040204" pitchFamily="34" charset="0"/>
+                <a:ea typeface="Tahoma" panose="020B0604030504040204" pitchFamily="34" charset="0"/>
+                <a:cs typeface="Tahoma" panose="020B0604030504040204" pitchFamily="34" charset="0"/>
+              </a:rPr>
+              <a:t> è quindi una sottofamiglia di tecnologie, o come viene spesso precisato, un insieme di tecnologie, in cui il registro è strutturato come una catena di blocchi contenenti le transazioni e il consenso è distribuito su tutti i nodi della rete. </a:t>
+            </a:r>
+          </a:p>
+          <a:p>
+            <a:pPr marL="342900" indent="-342900" algn="just">
+              <a:lnSpc>
+                <a:spcPct val="115000"/>
+              </a:lnSpc>
+              <a:spcBef>
+                <a:spcPts val="2400"/>
+              </a:spcBef>
+              <a:buFont typeface="Wingdings" panose="05000000000000000000" pitchFamily="2" charset="2"/>
+              <a:buChar char="ü"/>
+              <a:tabLst>
+                <a:tab pos="457200" algn="l"/>
+              </a:tabLst>
+            </a:pPr>
+            <a:r>
+              <a:rPr lang="it-IT" sz="2400">
+                <a:solidFill>
+                  <a:schemeClr val="tx1"/>
+                </a:solidFill>
+                <a:latin typeface="Tahoma" panose="020B0604030504040204" pitchFamily="34" charset="0"/>
+                <a:ea typeface="Tahoma" panose="020B0604030504040204" pitchFamily="34" charset="0"/>
+                <a:cs typeface="Tahoma" panose="020B0604030504040204" pitchFamily="34" charset="0"/>
+              </a:rPr>
+              <a:t>Tutti i nodi possono partecipare al processo di validazione delle transazioni da includere nel registro.</a:t>
+            </a:r>
+          </a:p>
+        </p:txBody>
+      </p:sp>
+      <p:sp>
+        <p:nvSpPr>
+          <p:cNvPr id="7" name="Segnaposto numero diapositiva 6">
+            <a:extLst>
+              <a:ext uri="{FF2B5EF4-FFF2-40B4-BE49-F238E27FC236}">
+                <a16:creationId xmlns:a16="http://schemas.microsoft.com/office/drawing/2014/main" id="{AB740BE9-E218-4144-BFDE-AE473D230A3D}"/>
+              </a:ext>
+            </a:extLst>
+          </p:cNvPr>
+          <p:cNvSpPr>
+            <a:spLocks noGrp="1"/>
+          </p:cNvSpPr>
+          <p:nvPr>
+            <p:ph type="sldNum" sz="quarter" idx="12"/>
+          </p:nvPr>
+        </p:nvSpPr>
+        <p:spPr/>
+        <p:txBody>
+          <a:bodyPr/>
+          <a:lstStyle/>
+          <a:p>
+            <a:pPr>
+              <a:defRPr/>
+            </a:pPr>
+            <a:fld id="{48B4153A-D4C5-4CEF-8992-0D8815C829E3}" type="slidenum">
+              <a:rPr lang="en-US" smtClean="0"/>
+              <a:pPr>
+                <a:defRPr/>
+              </a:pPr>
+              <a:t>5</a:t>
+            </a:fld>
+            <a:endParaRPr lang="en-US" dirty="0"/>
+          </a:p>
+        </p:txBody>
+      </p:sp>
+      <p:sp>
+        <p:nvSpPr>
+          <p:cNvPr id="6" name="Titolo 4">
+            <a:extLst>
+              <a:ext uri="{FF2B5EF4-FFF2-40B4-BE49-F238E27FC236}">
+                <a16:creationId xmlns:a16="http://schemas.microsoft.com/office/drawing/2014/main" id="{CF9A4806-60B4-80DC-1F76-D2EB3E6C376B}"/>
+              </a:ext>
+            </a:extLst>
+          </p:cNvPr>
+          <p:cNvSpPr>
+            <a:spLocks noGrp="1"/>
+          </p:cNvSpPr>
+          <p:nvPr>
+            <p:ph type="title"/>
+          </p:nvPr>
+        </p:nvSpPr>
+        <p:spPr>
+          <a:xfrm>
+            <a:off x="468313" y="286788"/>
+            <a:ext cx="11269662" cy="769441"/>
+          </a:xfrm>
+        </p:spPr>
+        <p:txBody>
+          <a:bodyPr/>
+          <a:lstStyle/>
+          <a:p>
+            <a:r>
+              <a:rPr lang="it-IT">
+                <a:solidFill>
+                  <a:schemeClr val="tx1"/>
+                </a:solidFill>
+              </a:rPr>
+              <a:t>Blockchain</a:t>
+            </a:r>
+            <a:br>
+              <a:rPr lang="it-IT">
+                <a:solidFill>
+                  <a:schemeClr val="tx1"/>
+                </a:solidFill>
+              </a:rPr>
+            </a:br>
+            <a:endParaRPr lang="it-IT" dirty="0">
+              <a:solidFill>
+                <a:schemeClr val="tx1"/>
+              </a:solidFill>
+            </a:endParaRPr>
+          </a:p>
+        </p:txBody>
+      </p:sp>
+      <p:pic>
+        <p:nvPicPr>
+          <p:cNvPr id="4" name="Immagine 3">
+            <a:extLst>
+              <a:ext uri="{FF2B5EF4-FFF2-40B4-BE49-F238E27FC236}">
+                <a16:creationId xmlns:a16="http://schemas.microsoft.com/office/drawing/2014/main" id="{FAE32093-7C83-3977-F993-593579764B9A}"/>
+              </a:ext>
+            </a:extLst>
+          </p:cNvPr>
+          <p:cNvPicPr>
+            <a:picLocks noChangeAspect="1"/>
+          </p:cNvPicPr>
+          <p:nvPr/>
+        </p:nvPicPr>
+        <p:blipFill>
+          <a:blip r:embed="rId2"/>
+          <a:stretch>
+            <a:fillRect/>
+          </a:stretch>
+        </p:blipFill>
+        <p:spPr>
+          <a:xfrm>
+            <a:off x="7013331" y="2001402"/>
+            <a:ext cx="4441414" cy="3119238"/>
+          </a:xfrm>
+          <a:prstGeom prst="rect">
+            <a:avLst/>
+          </a:prstGeom>
+        </p:spPr>
+      </p:pic>
+    </p:spTree>
+    <p:extLst>
+      <p:ext uri="{BB962C8B-B14F-4D97-AF65-F5344CB8AC3E}">
+        <p14:creationId xmlns:p14="http://schemas.microsoft.com/office/powerpoint/2010/main" val="3430430039"/>
+      </p:ext>
+    </p:extLst>
+  </p:cSld>
+  <p:clrMapOvr>
+    <a:masterClrMapping/>
+  </p:clrMapOvr>
+</p:sld>
+</file>
+
+<file path=ppt/slides/slide6.xml><?xml version="1.0" encoding="utf-8"?>
+<p:sld xmlns:a="http://schemas.openxmlformats.org/drawingml/2006/main" xmlns:r="http://schemas.openxmlformats.org/officeDocument/2006/relationships" xmlns:p="http://schemas.openxmlformats.org/presentationml/2006/main">
+  <p:cSld>
+    <p:spTree>
+      <p:nvGrpSpPr>
+        <p:cNvPr id="1" name=""/>
+        <p:cNvGrpSpPr/>
+        <p:nvPr/>
+      </p:nvGrpSpPr>
+      <p:grpSpPr>
+        <a:xfrm>
+          <a:off x="0" y="0"/>
+          <a:ext cx="0" cy="0"/>
+          <a:chOff x="0" y="0"/>
+          <a:chExt cx="0" cy="0"/>
+        </a:xfrm>
+      </p:grpSpPr>
+      <p:sp>
+        <p:nvSpPr>
+          <p:cNvPr id="7" name="Segnaposto numero diapositiva 6">
+            <a:extLst>
+              <a:ext uri="{FF2B5EF4-FFF2-40B4-BE49-F238E27FC236}">
+                <a16:creationId xmlns:a16="http://schemas.microsoft.com/office/drawing/2014/main" id="{AB740BE9-E218-4144-BFDE-AE473D230A3D}"/>
+              </a:ext>
+            </a:extLst>
+          </p:cNvPr>
+          <p:cNvSpPr>
+            <a:spLocks noGrp="1"/>
+          </p:cNvSpPr>
+          <p:nvPr>
+            <p:ph type="sldNum" sz="quarter" idx="12"/>
+          </p:nvPr>
+        </p:nvSpPr>
+        <p:spPr/>
+        <p:txBody>
+          <a:bodyPr/>
+          <a:lstStyle/>
+          <a:p>
+            <a:pPr>
+              <a:defRPr/>
+            </a:pPr>
+            <a:fld id="{48B4153A-D4C5-4CEF-8992-0D8815C829E3}" type="slidenum">
+              <a:rPr lang="en-US" smtClean="0"/>
+              <a:pPr>
+                <a:defRPr/>
+              </a:pPr>
+              <a:t>6</a:t>
+            </a:fld>
+            <a:endParaRPr lang="en-US" dirty="0"/>
+          </a:p>
+        </p:txBody>
+      </p:sp>
+      <p:sp>
+        <p:nvSpPr>
+          <p:cNvPr id="5" name="Titolo 4">
+            <a:extLst>
+              <a:ext uri="{FF2B5EF4-FFF2-40B4-BE49-F238E27FC236}">
+                <a16:creationId xmlns:a16="http://schemas.microsoft.com/office/drawing/2014/main" id="{82C46BA2-B380-4357-B125-BA9F08A643F5}"/>
+              </a:ext>
+            </a:extLst>
+          </p:cNvPr>
+          <p:cNvSpPr>
+            <a:spLocks noGrp="1"/>
+          </p:cNvSpPr>
+          <p:nvPr>
+            <p:ph type="title"/>
+          </p:nvPr>
+        </p:nvSpPr>
+        <p:spPr>
+          <a:xfrm>
+            <a:off x="468895" y="503475"/>
+            <a:ext cx="11269308" cy="384721"/>
+          </a:xfrm>
+        </p:spPr>
+        <p:txBody>
+          <a:bodyPr/>
+          <a:lstStyle/>
+          <a:p>
+            <a:r>
+              <a:rPr lang="it-IT" altLang="it-IT"/>
+              <a:t>Bibliografia</a:t>
+            </a:r>
             <a:endParaRPr lang="it-IT" dirty="0"/>
           </a:p>
+        </p:txBody>
+      </p:sp>
+      <p:sp>
+        <p:nvSpPr>
+          <p:cNvPr id="3" name="Segnaposto testo 2">
+            <a:extLst>
+              <a:ext uri="{FF2B5EF4-FFF2-40B4-BE49-F238E27FC236}">
+                <a16:creationId xmlns:a16="http://schemas.microsoft.com/office/drawing/2014/main" id="{15CD42DB-61E6-AA3D-7125-BF4BEDB5D886}"/>
+              </a:ext>
+            </a:extLst>
+          </p:cNvPr>
+          <p:cNvSpPr>
+            <a:spLocks noGrp="1"/>
+          </p:cNvSpPr>
+          <p:nvPr>
+            <p:ph type="body" idx="1"/>
+          </p:nvPr>
+        </p:nvSpPr>
+        <p:spPr>
+          <a:xfrm>
+            <a:off x="477519" y="1557338"/>
+            <a:ext cx="11043921" cy="4392612"/>
+          </a:xfrm>
+        </p:spPr>
+        <p:txBody>
+          <a:bodyPr/>
+          <a:lstStyle/>
           <a:p>
             <a:endParaRPr lang="it-IT" dirty="0"/>
+          </a:p>
+          <a:p>
+            <a:endParaRPr lang="it-IT" dirty="0"/>
+          </a:p>
+        </p:txBody>
+      </p:sp>
+      <p:sp>
+        <p:nvSpPr>
+          <p:cNvPr id="4" name="CasellaDiTesto 3">
+            <a:extLst>
+              <a:ext uri="{FF2B5EF4-FFF2-40B4-BE49-F238E27FC236}">
+                <a16:creationId xmlns:a16="http://schemas.microsoft.com/office/drawing/2014/main" id="{3A57F920-DCCD-CF89-645E-EE041C3494AA}"/>
+              </a:ext>
+            </a:extLst>
+          </p:cNvPr>
+          <p:cNvSpPr txBox="1"/>
+          <p:nvPr/>
+        </p:nvSpPr>
+        <p:spPr>
+          <a:xfrm>
+            <a:off x="825119" y="1557338"/>
+            <a:ext cx="10105478" cy="369332"/>
+          </a:xfrm>
+          <a:prstGeom prst="rect">
+            <a:avLst/>
+          </a:prstGeom>
+          <a:noFill/>
+        </p:spPr>
+        <p:txBody>
+          <a:bodyPr wrap="square">
+            <a:spAutoFit/>
+          </a:bodyPr>
+          <a:lstStyle/>
+          <a:p>
+            <a:r>
+              <a:rPr lang="it-IT"/>
+              <a:t>https://blog.osservatori.net/it_it/blockchain-spiegazione-significato-applicazioni</a:t>
+            </a:r>
           </a:p>
         </p:txBody>
       </p:sp>
@@ -8177,28 +8748,55 @@
 
 <file path=customXml/item1.xml><?xml version="1.0" encoding="utf-8"?>
 <?mso-contentType ?>
-<FormTemplates xmlns="http://schemas.microsoft.com/sharepoint/v3/contenttype/forms">
-  <Display>DocumentLibraryForm</Display>
-  <Edit>DocumentLibraryForm</Edit>
-  <New>DocumentLibraryForm</New>
-</FormTemplates>
+<spe:Receivers xmlns:spe="http://schemas.microsoft.com/sharepoint/events">
+  <Receiver>
+    <Name>Document ID Generator</Name>
+    <Synchronization>Synchronous</Synchronization>
+    <Type>10001</Type>
+    <SequenceNumber>1000</SequenceNumber>
+    <Url/>
+    <Assembly>Microsoft.Office.DocumentManagement, Version=15.0.0.0, Culture=neutral, PublicKeyToken=71e9bce111e9429c</Assembly>
+    <Class>Microsoft.Office.DocumentManagement.Internal.DocIdHandler</Class>
+    <Data/>
+    <Filter/>
+  </Receiver>
+  <Receiver>
+    <Name>Document ID Generator</Name>
+    <Synchronization>Synchronous</Synchronization>
+    <Type>10002</Type>
+    <SequenceNumber>1001</SequenceNumber>
+    <Url/>
+    <Assembly>Microsoft.Office.DocumentManagement, Version=15.0.0.0, Culture=neutral, PublicKeyToken=71e9bce111e9429c</Assembly>
+    <Class>Microsoft.Office.DocumentManagement.Internal.DocIdHandler</Class>
+    <Data/>
+    <Filter/>
+  </Receiver>
+  <Receiver>
+    <Name>Document ID Generator</Name>
+    <Synchronization>Synchronous</Synchronization>
+    <Type>10004</Type>
+    <SequenceNumber>1002</SequenceNumber>
+    <Url/>
+    <Assembly>Microsoft.Office.DocumentManagement, Version=15.0.0.0, Culture=neutral, PublicKeyToken=71e9bce111e9429c</Assembly>
+    <Class>Microsoft.Office.DocumentManagement.Internal.DocIdHandler</Class>
+    <Data/>
+    <Filter/>
+  </Receiver>
+  <Receiver>
+    <Name>Document ID Generator</Name>
+    <Synchronization>Synchronous</Synchronization>
+    <Type>10006</Type>
+    <SequenceNumber>1003</SequenceNumber>
+    <Url/>
+    <Assembly>Microsoft.Office.DocumentManagement, Version=15.0.0.0, Culture=neutral, PublicKeyToken=71e9bce111e9429c</Assembly>
+    <Class>Microsoft.Office.DocumentManagement.Internal.DocIdHandler</Class>
+    <Data/>
+    <Filter/>
+  </Receiver>
+</spe:Receivers>
 </file>
 
 <file path=customXml/item2.xml><?xml version="1.0" encoding="utf-8"?>
-<p:properties xmlns:p="http://schemas.microsoft.com/office/2006/metadata/properties" xmlns:xsi="http://www.w3.org/2001/XMLSchema-instance" xmlns:pc="http://schemas.microsoft.com/office/infopath/2007/PartnerControls">
-  <documentManagement>
-    <SottoCategoria xmlns="679261c3-551f-4e86-913f-177e0e529669">-</SottoCategoria>
-    <Categoria xmlns="c58f2efd-82a8-4ecf-b395-8c25e928921d">Power Point</Categoria>
-    <_dlc_DocId xmlns="459159c4-d20a-4ff3-9b11-fbd127bd52e5">INTRANET-14-158</_dlc_DocId>
-    <_dlc_DocIdUrl xmlns="459159c4-d20a-4ff3-9b11-fbd127bd52e5">
-      <Url>https://intranet.istat.it/Collaborativi/_layouts/15/DocIdRedir.aspx?ID=INTRANET-14-158</Url>
-      <Description>INTRANET-14-158</Description>
-    </_dlc_DocIdUrl>
-  </documentManagement>
-</p:properties>
-</file>
-
-<file path=customXml/item3.xml><?xml version="1.0" encoding="utf-8"?>
 <ct:contentTypeSchema xmlns:ct="http://schemas.microsoft.com/office/2006/metadata/contentType" xmlns:ma="http://schemas.microsoft.com/office/2006/metadata/properties/metaAttributes" ct:_="" ma:_="" ma:contentTypeName="Documento" ma:contentTypeID="0x010100661A2BE3120D674DA36C11D6006822D4" ma:contentTypeVersion="3" ma:contentTypeDescription="Creare un nuovo documento." ma:contentTypeScope="" ma:versionID="2ad8b07f9840a1ce9cd199d874146b74">
   <xsd:schema xmlns:xsd="http://www.w3.org/2001/XMLSchema" xmlns:xs="http://www.w3.org/2001/XMLSchema" xmlns:p="http://schemas.microsoft.com/office/2006/metadata/properties" xmlns:ns2="c58f2efd-82a8-4ecf-b395-8c25e928921d" xmlns:ns3="459159c4-d20a-4ff3-9b11-fbd127bd52e5" xmlns:ns4="679261c3-551f-4e86-913f-177e0e529669" targetNamespace="http://schemas.microsoft.com/office/2006/metadata/properties" ma:root="true" ma:fieldsID="fffb0e16fb90ffea59fef1085e90ecca" ns2:_="" ns3:_="" ns4:_="">
     <xsd:import namespace="c58f2efd-82a8-4ecf-b395-8c25e928921d"/>
@@ -8385,83 +8983,38 @@
 </ct:contentTypeSchema>
 </file>
 
+<file path=customXml/item3.xml><?xml version="1.0" encoding="utf-8"?>
+<p:properties xmlns:p="http://schemas.microsoft.com/office/2006/metadata/properties" xmlns:xsi="http://www.w3.org/2001/XMLSchema-instance" xmlns:pc="http://schemas.microsoft.com/office/infopath/2007/PartnerControls">
+  <documentManagement>
+    <SottoCategoria xmlns="679261c3-551f-4e86-913f-177e0e529669">-</SottoCategoria>
+    <Categoria xmlns="c58f2efd-82a8-4ecf-b395-8c25e928921d">Power Point</Categoria>
+    <_dlc_DocId xmlns="459159c4-d20a-4ff3-9b11-fbd127bd52e5">INTRANET-14-158</_dlc_DocId>
+    <_dlc_DocIdUrl xmlns="459159c4-d20a-4ff3-9b11-fbd127bd52e5">
+      <Url>https://intranet.istat.it/Collaborativi/_layouts/15/DocIdRedir.aspx?ID=INTRANET-14-158</Url>
+      <Description>INTRANET-14-158</Description>
+    </_dlc_DocIdUrl>
+  </documentManagement>
+</p:properties>
+</file>
+
 <file path=customXml/item4.xml><?xml version="1.0" encoding="utf-8"?>
 <?mso-contentType ?>
-<spe:Receivers xmlns:spe="http://schemas.microsoft.com/sharepoint/events">
-  <Receiver>
-    <Name>Document ID Generator</Name>
-    <Synchronization>Synchronous</Synchronization>
-    <Type>10001</Type>
-    <SequenceNumber>1000</SequenceNumber>
-    <Url/>
-    <Assembly>Microsoft.Office.DocumentManagement, Version=15.0.0.0, Culture=neutral, PublicKeyToken=71e9bce111e9429c</Assembly>
-    <Class>Microsoft.Office.DocumentManagement.Internal.DocIdHandler</Class>
-    <Data/>
-    <Filter/>
-  </Receiver>
-  <Receiver>
-    <Name>Document ID Generator</Name>
-    <Synchronization>Synchronous</Synchronization>
-    <Type>10002</Type>
-    <SequenceNumber>1001</SequenceNumber>
-    <Url/>
-    <Assembly>Microsoft.Office.DocumentManagement, Version=15.0.0.0, Culture=neutral, PublicKeyToken=71e9bce111e9429c</Assembly>
-    <Class>Microsoft.Office.DocumentManagement.Internal.DocIdHandler</Class>
-    <Data/>
-    <Filter/>
-  </Receiver>
-  <Receiver>
-    <Name>Document ID Generator</Name>
-    <Synchronization>Synchronous</Synchronization>
-    <Type>10004</Type>
-    <SequenceNumber>1002</SequenceNumber>
-    <Url/>
-    <Assembly>Microsoft.Office.DocumentManagement, Version=15.0.0.0, Culture=neutral, PublicKeyToken=71e9bce111e9429c</Assembly>
-    <Class>Microsoft.Office.DocumentManagement.Internal.DocIdHandler</Class>
-    <Data/>
-    <Filter/>
-  </Receiver>
-  <Receiver>
-    <Name>Document ID Generator</Name>
-    <Synchronization>Synchronous</Synchronization>
-    <Type>10006</Type>
-    <SequenceNumber>1003</SequenceNumber>
-    <Url/>
-    <Assembly>Microsoft.Office.DocumentManagement, Version=15.0.0.0, Culture=neutral, PublicKeyToken=71e9bce111e9429c</Assembly>
-    <Class>Microsoft.Office.DocumentManagement.Internal.DocIdHandler</Class>
-    <Data/>
-    <Filter/>
-  </Receiver>
-</spe:Receivers>
+<FormTemplates xmlns="http://schemas.microsoft.com/sharepoint/v3/contenttype/forms">
+  <Display>DocumentLibraryForm</Display>
+  <Edit>DocumentLibraryForm</Edit>
+  <New>DocumentLibraryForm</New>
+</FormTemplates>
 </file>
 
 <file path=customXml/itemProps1.xml><?xml version="1.0" encoding="utf-8"?>
-<ds:datastoreItem xmlns:ds="http://schemas.openxmlformats.org/officeDocument/2006/customXml" ds:itemID="{BD9C238D-4D5C-4783-820B-4854DCE45D41}">
+<ds:datastoreItem xmlns:ds="http://schemas.openxmlformats.org/officeDocument/2006/customXml" ds:itemID="{D9296C4F-9DE9-4B43-AA80-1FC85656CFFA}">
   <ds:schemaRefs>
-    <ds:schemaRef ds:uri="http://schemas.microsoft.com/sharepoint/v3/contenttype/forms"/>
+    <ds:schemaRef ds:uri="http://schemas.microsoft.com/sharepoint/events"/>
   </ds:schemaRefs>
 </ds:datastoreItem>
 </file>
 
 <file path=customXml/itemProps2.xml><?xml version="1.0" encoding="utf-8"?>
-<ds:datastoreItem xmlns:ds="http://schemas.openxmlformats.org/officeDocument/2006/customXml" ds:itemID="{3EF378BC-F4D0-4510-B4EC-07B6EFE18CF8}">
-  <ds:schemaRefs>
-    <ds:schemaRef ds:uri="http://schemas.microsoft.com/office/infopath/2007/PartnerControls"/>
-    <ds:schemaRef ds:uri="http://purl.org/dc/elements/1.1/"/>
-    <ds:schemaRef ds:uri="http://schemas.microsoft.com/office/2006/metadata/properties"/>
-    <ds:schemaRef ds:uri="http://schemas.openxmlformats.org/package/2006/metadata/core-properties"/>
-    <ds:schemaRef ds:uri="http://purl.org/dc/terms/"/>
-    <ds:schemaRef ds:uri="679261c3-551f-4e86-913f-177e0e529669"/>
-    <ds:schemaRef ds:uri="459159c4-d20a-4ff3-9b11-fbd127bd52e5"/>
-    <ds:schemaRef ds:uri="http://schemas.microsoft.com/office/2006/documentManagement/types"/>
-    <ds:schemaRef ds:uri="c58f2efd-82a8-4ecf-b395-8c25e928921d"/>
-    <ds:schemaRef ds:uri="http://www.w3.org/XML/1998/namespace"/>
-    <ds:schemaRef ds:uri="http://purl.org/dc/dcmitype/"/>
-  </ds:schemaRefs>
-</ds:datastoreItem>
-</file>
-
-<file path=customXml/itemProps3.xml><?xml version="1.0" encoding="utf-8"?>
 <ds:datastoreItem xmlns:ds="http://schemas.openxmlformats.org/officeDocument/2006/customXml" ds:itemID="{3F66F418-6054-4EA5-BF8E-6AF3CEAE6265}">
   <ds:schemaRefs>
     <ds:schemaRef ds:uri="http://schemas.microsoft.com/office/2006/metadata/contentType"/>
@@ -8481,10 +9034,28 @@
 </ds:datastoreItem>
 </file>
 
+<file path=customXml/itemProps3.xml><?xml version="1.0" encoding="utf-8"?>
+<ds:datastoreItem xmlns:ds="http://schemas.openxmlformats.org/officeDocument/2006/customXml" ds:itemID="{3EF378BC-F4D0-4510-B4EC-07B6EFE18CF8}">
+  <ds:schemaRefs>
+    <ds:schemaRef ds:uri="http://schemas.microsoft.com/office/infopath/2007/PartnerControls"/>
+    <ds:schemaRef ds:uri="http://purl.org/dc/elements/1.1/"/>
+    <ds:schemaRef ds:uri="http://schemas.microsoft.com/office/2006/metadata/properties"/>
+    <ds:schemaRef ds:uri="http://schemas.openxmlformats.org/package/2006/metadata/core-properties"/>
+    <ds:schemaRef ds:uri="http://purl.org/dc/terms/"/>
+    <ds:schemaRef ds:uri="679261c3-551f-4e86-913f-177e0e529669"/>
+    <ds:schemaRef ds:uri="459159c4-d20a-4ff3-9b11-fbd127bd52e5"/>
+    <ds:schemaRef ds:uri="http://schemas.microsoft.com/office/2006/documentManagement/types"/>
+    <ds:schemaRef ds:uri="c58f2efd-82a8-4ecf-b395-8c25e928921d"/>
+    <ds:schemaRef ds:uri="http://www.w3.org/XML/1998/namespace"/>
+    <ds:schemaRef ds:uri="http://purl.org/dc/dcmitype/"/>
+  </ds:schemaRefs>
+</ds:datastoreItem>
+</file>
+
 <file path=customXml/itemProps4.xml><?xml version="1.0" encoding="utf-8"?>
-<ds:datastoreItem xmlns:ds="http://schemas.openxmlformats.org/officeDocument/2006/customXml" ds:itemID="{D9296C4F-9DE9-4B43-AA80-1FC85656CFFA}">
+<ds:datastoreItem xmlns:ds="http://schemas.openxmlformats.org/officeDocument/2006/customXml" ds:itemID="{BD9C238D-4D5C-4783-820B-4854DCE45D41}">
   <ds:schemaRefs>
-    <ds:schemaRef ds:uri="http://schemas.microsoft.com/sharepoint/events"/>
+    <ds:schemaRef ds:uri="http://schemas.microsoft.com/sharepoint/v3/contenttype/forms"/>
   </ds:schemaRefs>
 </ds:datastoreItem>
 </file>
--- a/Assicurazioni/Distributed Ledger Technology_ita.pptx
+++ b/Assicurazioni/Distributed Ledger Technology_ita.pptx
@@ -5,7 +5,7 @@
     <p:sldMasterId id="2147483648" r:id="rId5"/>
   </p:sldMasterIdLst>
   <p:notesMasterIdLst>
-    <p:notesMasterId r:id="rId12"/>
+    <p:notesMasterId r:id="rId15"/>
   </p:notesMasterIdLst>
   <p:sldIdLst>
     <p:sldId id="256" r:id="rId6"/>
@@ -13,7 +13,10 @@
     <p:sldId id="366" r:id="rId8"/>
     <p:sldId id="367" r:id="rId9"/>
     <p:sldId id="368" r:id="rId10"/>
-    <p:sldId id="343" r:id="rId11"/>
+    <p:sldId id="370" r:id="rId11"/>
+    <p:sldId id="371" r:id="rId12"/>
+    <p:sldId id="369" r:id="rId13"/>
+    <p:sldId id="343" r:id="rId14"/>
   </p:sldIdLst>
   <p:sldSz cx="12192000" cy="6858000"/>
   <p:notesSz cx="6858000" cy="9144000"/>
@@ -271,7 +274,7 @@
               <a:pPr>
                 <a:defRPr/>
               </a:pPr>
-              <a:t>3/11/2023</a:t>
+              <a:t>3/14/2023</a:t>
             </a:fld>
             <a:endParaRPr lang="en-US"/>
           </a:p>
@@ -8034,6 +8037,162 @@
       </p:grpSpPr>
       <p:sp>
         <p:nvSpPr>
+          <p:cNvPr id="2" name="Segnaposto testo 1">
+            <a:extLst>
+              <a:ext uri="{FF2B5EF4-FFF2-40B4-BE49-F238E27FC236}">
+                <a16:creationId xmlns:a16="http://schemas.microsoft.com/office/drawing/2014/main" id="{E5AE986C-196F-4141-A898-FA4C4198CDCC}"/>
+              </a:ext>
+            </a:extLst>
+          </p:cNvPr>
+          <p:cNvSpPr>
+            <a:spLocks noGrp="1"/>
+          </p:cNvSpPr>
+          <p:nvPr>
+            <p:ph type="body" idx="1"/>
+          </p:nvPr>
+        </p:nvSpPr>
+        <p:spPr>
+          <a:xfrm>
+            <a:off x="574294" y="1232694"/>
+            <a:ext cx="6065657" cy="4392612"/>
+          </a:xfrm>
+        </p:spPr>
+        <p:txBody>
+          <a:bodyPr/>
+          <a:lstStyle/>
+          <a:p>
+            <a:pPr marL="342900" indent="-342900" algn="just">
+              <a:lnSpc>
+                <a:spcPct val="115000"/>
+              </a:lnSpc>
+              <a:spcBef>
+                <a:spcPts val="2400"/>
+              </a:spcBef>
+              <a:buFont typeface="Wingdings" panose="05000000000000000000" pitchFamily="2" charset="2"/>
+              <a:buChar char="ü"/>
+              <a:tabLst>
+                <a:tab pos="457200" algn="l"/>
+              </a:tabLst>
+            </a:pPr>
+            <a:r>
+              <a:rPr lang="it-IT" sz="2400" b="1">
+                <a:solidFill>
+                  <a:schemeClr val="tx1"/>
+                </a:solidFill>
+                <a:latin typeface="Tahoma" panose="020B0604030504040204" pitchFamily="34" charset="0"/>
+                <a:ea typeface="Tahoma" panose="020B0604030504040204" pitchFamily="34" charset="0"/>
+                <a:cs typeface="Tahoma" panose="020B0604030504040204" pitchFamily="34" charset="0"/>
+              </a:rPr>
+              <a:t>Un'Architettura</a:t>
+            </a:r>
+            <a:r>
+              <a:rPr lang="it-IT" sz="2400">
+                <a:solidFill>
+                  <a:schemeClr val="tx1"/>
+                </a:solidFill>
+                <a:latin typeface="Tahoma" panose="020B0604030504040204" pitchFamily="34" charset="0"/>
+                <a:ea typeface="Tahoma" panose="020B0604030504040204" pitchFamily="34" charset="0"/>
+                <a:cs typeface="Tahoma" panose="020B0604030504040204" pitchFamily="34" charset="0"/>
+              </a:rPr>
+              <a:t> </a:t>
+            </a:r>
+            <a:r>
+              <a:rPr lang="it-IT" sz="2400" b="1">
+                <a:solidFill>
+                  <a:schemeClr val="tx1"/>
+                </a:solidFill>
+                <a:latin typeface="Tahoma" panose="020B0604030504040204" pitchFamily="34" charset="0"/>
+                <a:ea typeface="Tahoma" panose="020B0604030504040204" pitchFamily="34" charset="0"/>
+                <a:cs typeface="Tahoma" panose="020B0604030504040204" pitchFamily="34" charset="0"/>
+              </a:rPr>
+              <a:t>Blockchain</a:t>
+            </a:r>
+            <a:r>
+              <a:rPr lang="it-IT" sz="2400">
+                <a:solidFill>
+                  <a:schemeClr val="tx1"/>
+                </a:solidFill>
+                <a:latin typeface="Tahoma" panose="020B0604030504040204" pitchFamily="34" charset="0"/>
+                <a:ea typeface="Tahoma" panose="020B0604030504040204" pitchFamily="34" charset="0"/>
+                <a:cs typeface="Tahoma" panose="020B0604030504040204" pitchFamily="34" charset="0"/>
+              </a:rPr>
+              <a:t>, in sostanza, </a:t>
+            </a:r>
+            <a:r>
+              <a:rPr lang="it-IT" sz="2400" b="1">
+                <a:solidFill>
+                  <a:schemeClr val="tx1"/>
+                </a:solidFill>
+                <a:latin typeface="Tahoma" panose="020B0604030504040204" pitchFamily="34" charset="0"/>
+                <a:ea typeface="Tahoma" panose="020B0604030504040204" pitchFamily="34" charset="0"/>
+                <a:cs typeface="Tahoma" panose="020B0604030504040204" pitchFamily="34" charset="0"/>
+              </a:rPr>
+              <a:t>'custodisce</a:t>
+            </a:r>
+            <a:r>
+              <a:rPr lang="it-IT" sz="2400">
+                <a:solidFill>
+                  <a:schemeClr val="tx1"/>
+                </a:solidFill>
+                <a:latin typeface="Tahoma" panose="020B0604030504040204" pitchFamily="34" charset="0"/>
+                <a:ea typeface="Tahoma" panose="020B0604030504040204" pitchFamily="34" charset="0"/>
+                <a:cs typeface="Tahoma" panose="020B0604030504040204" pitchFamily="34" charset="0"/>
+              </a:rPr>
+              <a:t>' un deposito di dati formalmente costituito da una lista di record che continua a crescere, ma che resiste ad eventuali modifiche.</a:t>
+            </a:r>
+          </a:p>
+          <a:p>
+            <a:pPr marL="342900" indent="-342900" algn="just">
+              <a:lnSpc>
+                <a:spcPct val="115000"/>
+              </a:lnSpc>
+              <a:spcBef>
+                <a:spcPts val="2400"/>
+              </a:spcBef>
+              <a:buFont typeface="Wingdings" panose="05000000000000000000" pitchFamily="2" charset="2"/>
+              <a:buChar char="ü"/>
+              <a:tabLst>
+                <a:tab pos="457200" algn="l"/>
+              </a:tabLst>
+            </a:pPr>
+            <a:r>
+              <a:rPr lang="it-IT" sz="2400">
+                <a:solidFill>
+                  <a:schemeClr val="tx1"/>
+                </a:solidFill>
+                <a:latin typeface="Tahoma" panose="020B0604030504040204" pitchFamily="34" charset="0"/>
+                <a:ea typeface="Tahoma" panose="020B0604030504040204" pitchFamily="34" charset="0"/>
+                <a:cs typeface="Tahoma" panose="020B0604030504040204" pitchFamily="34" charset="0"/>
+              </a:rPr>
+              <a:t>Tutto inizia nel </a:t>
+            </a:r>
+            <a:r>
+              <a:rPr lang="it-IT" sz="2400" b="1">
+                <a:solidFill>
+                  <a:schemeClr val="tx1"/>
+                </a:solidFill>
+                <a:latin typeface="Tahoma" panose="020B0604030504040204" pitchFamily="34" charset="0"/>
+                <a:ea typeface="Tahoma" panose="020B0604030504040204" pitchFamily="34" charset="0"/>
+                <a:cs typeface="Tahoma" panose="020B0604030504040204" pitchFamily="34" charset="0"/>
+              </a:rPr>
+              <a:t>2008</a:t>
+            </a:r>
+            <a:r>
+              <a:rPr lang="it-IT" sz="2400">
+                <a:solidFill>
+                  <a:schemeClr val="tx1"/>
+                </a:solidFill>
+                <a:latin typeface="Tahoma" panose="020B0604030504040204" pitchFamily="34" charset="0"/>
+                <a:ea typeface="Tahoma" panose="020B0604030504040204" pitchFamily="34" charset="0"/>
+                <a:cs typeface="Tahoma" panose="020B0604030504040204" pitchFamily="34" charset="0"/>
+              </a:rPr>
+              <a:t>, anno che tutti ricordiamo per il tracollo del sistema finanziario globale di cui ancora oggi sentiamo le conseguenze. </a:t>
+            </a:r>
+          </a:p>
+        </p:txBody>
+      </p:sp>
+      <p:sp>
+        <p:nvSpPr>
           <p:cNvPr id="7" name="Segnaposto numero diapositiva 6">
             <a:extLst>
               <a:ext uri="{FF2B5EF4-FFF2-40B4-BE49-F238E27FC236}">
@@ -8069,10 +8228,10 @@
       </p:sp>
       <p:sp>
         <p:nvSpPr>
-          <p:cNvPr id="5" name="Titolo 4">
-            <a:extLst>
-              <a:ext uri="{FF2B5EF4-FFF2-40B4-BE49-F238E27FC236}">
-                <a16:creationId xmlns:a16="http://schemas.microsoft.com/office/drawing/2014/main" id="{82C46BA2-B380-4357-B125-BA9F08A643F5}"/>
+          <p:cNvPr id="6" name="Titolo 4">
+            <a:extLst>
+              <a:ext uri="{FF2B5EF4-FFF2-40B4-BE49-F238E27FC236}">
+                <a16:creationId xmlns:a16="http://schemas.microsoft.com/office/drawing/2014/main" id="{CF9A4806-60B4-80DC-1F76-D2EB3E6C376B}"/>
               </a:ext>
             </a:extLst>
           </p:cNvPr>
@@ -8085,8 +8244,8 @@
         </p:nvSpPr>
         <p:spPr>
           <a:xfrm>
-            <a:off x="468895" y="503475"/>
-            <a:ext cx="11269308" cy="384721"/>
+            <a:off x="468313" y="286788"/>
+            <a:ext cx="11269662" cy="769441"/>
           </a:xfrm>
         </p:spPr>
         <p:txBody>
@@ -8094,19 +8253,94 @@
           <a:lstStyle/>
           <a:p>
             <a:r>
-              <a:rPr lang="it-IT" altLang="it-IT"/>
-              <a:t>Bibliografia</a:t>
-            </a:r>
-            <a:endParaRPr lang="it-IT" dirty="0"/>
+              <a:rPr lang="it-IT">
+                <a:solidFill>
+                  <a:schemeClr val="tx1"/>
+                </a:solidFill>
+              </a:rPr>
+              <a:t>Architetture di Blockchain</a:t>
+            </a:r>
+            <a:br>
+              <a:rPr lang="it-IT">
+                <a:solidFill>
+                  <a:schemeClr val="tx1"/>
+                </a:solidFill>
+              </a:rPr>
+            </a:br>
+            <a:endParaRPr lang="it-IT" dirty="0">
+              <a:solidFill>
+                <a:schemeClr val="tx1"/>
+              </a:solidFill>
+            </a:endParaRPr>
           </a:p>
         </p:txBody>
       </p:sp>
-      <p:sp>
-        <p:nvSpPr>
-          <p:cNvPr id="3" name="Segnaposto testo 2">
-            <a:extLst>
-              <a:ext uri="{FF2B5EF4-FFF2-40B4-BE49-F238E27FC236}">
-                <a16:creationId xmlns:a16="http://schemas.microsoft.com/office/drawing/2014/main" id="{15CD42DB-61E6-AA3D-7125-BF4BEDB5D886}"/>
+      <p:pic>
+        <p:nvPicPr>
+          <p:cNvPr id="5" name="Immagine 4">
+            <a:extLst>
+              <a:ext uri="{FF2B5EF4-FFF2-40B4-BE49-F238E27FC236}">
+                <a16:creationId xmlns:a16="http://schemas.microsoft.com/office/drawing/2014/main" id="{B1450B9E-1AC0-E05D-D153-8F5D24EB013A}"/>
+              </a:ext>
+            </a:extLst>
+          </p:cNvPr>
+          <p:cNvPicPr>
+            <a:picLocks noChangeAspect="1"/>
+          </p:cNvPicPr>
+          <p:nvPr/>
+        </p:nvPicPr>
+        <p:blipFill>
+          <a:blip r:embed="rId2"/>
+          <a:stretch>
+            <a:fillRect/>
+          </a:stretch>
+        </p:blipFill>
+        <p:spPr>
+          <a:xfrm>
+            <a:off x="6977575" y="1710925"/>
+            <a:ext cx="4890955" cy="4088087"/>
+          </a:xfrm>
+          <a:prstGeom prst="rect">
+            <a:avLst/>
+          </a:prstGeom>
+        </p:spPr>
+      </p:pic>
+    </p:spTree>
+    <p:extLst>
+      <p:ext uri="{BB962C8B-B14F-4D97-AF65-F5344CB8AC3E}">
+        <p14:creationId xmlns:p14="http://schemas.microsoft.com/office/powerpoint/2010/main" val="1724877924"/>
+      </p:ext>
+    </p:extLst>
+  </p:cSld>
+  <p:clrMapOvr>
+    <a:masterClrMapping/>
+  </p:clrMapOvr>
+</p:sld>
+</file>
+
+<file path=ppt/slides/slide7.xml><?xml version="1.0" encoding="utf-8"?>
+<p:sld xmlns:a="http://schemas.openxmlformats.org/drawingml/2006/main" xmlns:r="http://schemas.openxmlformats.org/officeDocument/2006/relationships" xmlns:p="http://schemas.openxmlformats.org/presentationml/2006/main">
+  <p:cSld>
+    <p:spTree>
+      <p:nvGrpSpPr>
+        <p:cNvPr id="1" name=""/>
+        <p:cNvGrpSpPr/>
+        <p:nvPr/>
+      </p:nvGrpSpPr>
+      <p:grpSpPr>
+        <a:xfrm>
+          <a:off x="0" y="0"/>
+          <a:ext cx="0" cy="0"/>
+          <a:chOff x="0" y="0"/>
+          <a:chExt cx="0" cy="0"/>
+        </a:xfrm>
+      </p:grpSpPr>
+      <p:sp>
+        <p:nvSpPr>
+          <p:cNvPr id="2" name="Segnaposto testo 1">
+            <a:extLst>
+              <a:ext uri="{FF2B5EF4-FFF2-40B4-BE49-F238E27FC236}">
+                <a16:creationId xmlns:a16="http://schemas.microsoft.com/office/drawing/2014/main" id="{E5AE986C-196F-4141-A898-FA4C4198CDCC}"/>
               </a:ext>
             </a:extLst>
           </p:cNvPr>
@@ -8119,6 +8353,533 @@
         </p:nvSpPr>
         <p:spPr>
           <a:xfrm>
+            <a:off x="646716" y="1232694"/>
+            <a:ext cx="10912856" cy="4392612"/>
+          </a:xfrm>
+        </p:spPr>
+        <p:txBody>
+          <a:bodyPr/>
+          <a:lstStyle/>
+          <a:p>
+            <a:pPr marL="342900" indent="-342900" algn="just">
+              <a:lnSpc>
+                <a:spcPct val="115000"/>
+              </a:lnSpc>
+              <a:spcBef>
+                <a:spcPts val="2400"/>
+              </a:spcBef>
+              <a:buFont typeface="Wingdings" panose="05000000000000000000" pitchFamily="2" charset="2"/>
+              <a:buChar char="ü"/>
+              <a:tabLst>
+                <a:tab pos="457200" algn="l"/>
+              </a:tabLst>
+            </a:pPr>
+            <a:r>
+              <a:rPr lang="it-IT" sz="2400">
+                <a:solidFill>
+                  <a:schemeClr val="tx1"/>
+                </a:solidFill>
+                <a:latin typeface="Tahoma" panose="020B0604030504040204" pitchFamily="34" charset="0"/>
+                <a:ea typeface="Tahoma" panose="020B0604030504040204" pitchFamily="34" charset="0"/>
+                <a:cs typeface="Tahoma" panose="020B0604030504040204" pitchFamily="34" charset="0"/>
+              </a:rPr>
+              <a:t>U</a:t>
+            </a:r>
+            <a:r>
+              <a:rPr lang="it-IT" sz="2400">
+                <a:solidFill>
+                  <a:srgbClr val="5F5858"/>
+                </a:solidFill>
+                <a:latin typeface="Domine"/>
+              </a:rPr>
+              <a:t> </a:t>
+            </a:r>
+            <a:r>
+              <a:rPr lang="it-IT" sz="2400">
+                <a:solidFill>
+                  <a:schemeClr val="tx1"/>
+                </a:solidFill>
+                <a:latin typeface="Tahoma" panose="020B0604030504040204" pitchFamily="34" charset="0"/>
+                <a:ea typeface="Tahoma" panose="020B0604030504040204" pitchFamily="34" charset="0"/>
+                <a:cs typeface="Tahoma" panose="020B0604030504040204" pitchFamily="34" charset="0"/>
+              </a:rPr>
+              <a:t>Satoshi Nakamoto, personaggio attorno al quale tutt’oggi aleggia una nube di mistero pubblica il protocollo Bitcoin attraverso un white paper nel quale viene descritta un’architettura tecnologica atta a reggere la circolazione di bitcoin, criptovaluta, ossia moneta digitale la cui implementazione si basa sui principi della crittografia per convalidare le transazioni e la generazione di moneta stessa</a:t>
+            </a:r>
+          </a:p>
+          <a:p>
+            <a:pPr marL="342900" indent="-342900" algn="just">
+              <a:lnSpc>
+                <a:spcPct val="115000"/>
+              </a:lnSpc>
+              <a:spcBef>
+                <a:spcPts val="2400"/>
+              </a:spcBef>
+              <a:buFont typeface="Wingdings" panose="05000000000000000000" pitchFamily="2" charset="2"/>
+              <a:buChar char="ü"/>
+              <a:tabLst>
+                <a:tab pos="457200" algn="l"/>
+              </a:tabLst>
+            </a:pPr>
+            <a:r>
+              <a:rPr lang="it-IT" sz="2400">
+                <a:solidFill>
+                  <a:schemeClr val="tx1"/>
+                </a:solidFill>
+                <a:latin typeface="Tahoma" panose="020B0604030504040204" pitchFamily="34" charset="0"/>
+                <a:ea typeface="Tahoma" panose="020B0604030504040204" pitchFamily="34" charset="0"/>
+                <a:cs typeface="Tahoma" panose="020B0604030504040204" pitchFamily="34" charset="0"/>
+              </a:rPr>
+              <a:t>La moneta transita liberamente tra gli utenti senza costi sulle operazioni e senza il controllo di un organo centrale. Bitcoin con la maiuscola indica l’architettura tecnologica di cui sono stati rilasciati dettagli e codice nel 2009, bitcoin con la minuscola indica la moneta digitale criptata la cui prima emissione risale al 2010. </a:t>
+            </a:r>
+          </a:p>
+        </p:txBody>
+      </p:sp>
+      <p:sp>
+        <p:nvSpPr>
+          <p:cNvPr id="7" name="Segnaposto numero diapositiva 6">
+            <a:extLst>
+              <a:ext uri="{FF2B5EF4-FFF2-40B4-BE49-F238E27FC236}">
+                <a16:creationId xmlns:a16="http://schemas.microsoft.com/office/drawing/2014/main" id="{AB740BE9-E218-4144-BFDE-AE473D230A3D}"/>
+              </a:ext>
+            </a:extLst>
+          </p:cNvPr>
+          <p:cNvSpPr>
+            <a:spLocks noGrp="1"/>
+          </p:cNvSpPr>
+          <p:nvPr>
+            <p:ph type="sldNum" sz="quarter" idx="12"/>
+          </p:nvPr>
+        </p:nvSpPr>
+        <p:spPr/>
+        <p:txBody>
+          <a:bodyPr/>
+          <a:lstStyle/>
+          <a:p>
+            <a:pPr>
+              <a:defRPr/>
+            </a:pPr>
+            <a:fld id="{48B4153A-D4C5-4CEF-8992-0D8815C829E3}" type="slidenum">
+              <a:rPr lang="en-US" smtClean="0"/>
+              <a:pPr>
+                <a:defRPr/>
+              </a:pPr>
+              <a:t>7</a:t>
+            </a:fld>
+            <a:endParaRPr lang="en-US" dirty="0"/>
+          </a:p>
+        </p:txBody>
+      </p:sp>
+      <p:sp>
+        <p:nvSpPr>
+          <p:cNvPr id="6" name="Titolo 4">
+            <a:extLst>
+              <a:ext uri="{FF2B5EF4-FFF2-40B4-BE49-F238E27FC236}">
+                <a16:creationId xmlns:a16="http://schemas.microsoft.com/office/drawing/2014/main" id="{CF9A4806-60B4-80DC-1F76-D2EB3E6C376B}"/>
+              </a:ext>
+            </a:extLst>
+          </p:cNvPr>
+          <p:cNvSpPr>
+            <a:spLocks noGrp="1"/>
+          </p:cNvSpPr>
+          <p:nvPr>
+            <p:ph type="title"/>
+          </p:nvPr>
+        </p:nvSpPr>
+        <p:spPr>
+          <a:xfrm>
+            <a:off x="468313" y="286788"/>
+            <a:ext cx="11269662" cy="769441"/>
+          </a:xfrm>
+        </p:spPr>
+        <p:txBody>
+          <a:bodyPr/>
+          <a:lstStyle/>
+          <a:p>
+            <a:r>
+              <a:rPr lang="it-IT">
+                <a:solidFill>
+                  <a:schemeClr val="tx1"/>
+                </a:solidFill>
+              </a:rPr>
+              <a:t>Architetture di Blockchain</a:t>
+            </a:r>
+            <a:br>
+              <a:rPr lang="it-IT">
+                <a:solidFill>
+                  <a:schemeClr val="tx1"/>
+                </a:solidFill>
+              </a:rPr>
+            </a:br>
+            <a:endParaRPr lang="it-IT" dirty="0">
+              <a:solidFill>
+                <a:schemeClr val="tx1"/>
+              </a:solidFill>
+            </a:endParaRPr>
+          </a:p>
+        </p:txBody>
+      </p:sp>
+    </p:spTree>
+    <p:extLst>
+      <p:ext uri="{BB962C8B-B14F-4D97-AF65-F5344CB8AC3E}">
+        <p14:creationId xmlns:p14="http://schemas.microsoft.com/office/powerpoint/2010/main" val="1083131822"/>
+      </p:ext>
+    </p:extLst>
+  </p:cSld>
+  <p:clrMapOvr>
+    <a:masterClrMapping/>
+  </p:clrMapOvr>
+</p:sld>
+</file>
+
+<file path=ppt/slides/slide8.xml><?xml version="1.0" encoding="utf-8"?>
+<p:sld xmlns:a="http://schemas.openxmlformats.org/drawingml/2006/main" xmlns:r="http://schemas.openxmlformats.org/officeDocument/2006/relationships" xmlns:p="http://schemas.openxmlformats.org/presentationml/2006/main">
+  <p:cSld>
+    <p:spTree>
+      <p:nvGrpSpPr>
+        <p:cNvPr id="1" name=""/>
+        <p:cNvGrpSpPr/>
+        <p:nvPr/>
+      </p:nvGrpSpPr>
+      <p:grpSpPr>
+        <a:xfrm>
+          <a:off x="0" y="0"/>
+          <a:ext cx="0" cy="0"/>
+          <a:chOff x="0" y="0"/>
+          <a:chExt cx="0" cy="0"/>
+        </a:xfrm>
+      </p:grpSpPr>
+      <p:sp>
+        <p:nvSpPr>
+          <p:cNvPr id="2" name="Segnaposto testo 1">
+            <a:extLst>
+              <a:ext uri="{FF2B5EF4-FFF2-40B4-BE49-F238E27FC236}">
+                <a16:creationId xmlns:a16="http://schemas.microsoft.com/office/drawing/2014/main" id="{E5AE986C-196F-4141-A898-FA4C4198CDCC}"/>
+              </a:ext>
+            </a:extLst>
+          </p:cNvPr>
+          <p:cNvSpPr>
+            <a:spLocks noGrp="1"/>
+          </p:cNvSpPr>
+          <p:nvPr>
+            <p:ph type="body" idx="1"/>
+          </p:nvPr>
+        </p:nvSpPr>
+        <p:spPr>
+          <a:xfrm>
+            <a:off x="2433711" y="1232694"/>
+            <a:ext cx="9304264" cy="4392612"/>
+          </a:xfrm>
+        </p:spPr>
+        <p:txBody>
+          <a:bodyPr/>
+          <a:lstStyle/>
+          <a:p>
+            <a:pPr marL="342900" indent="-342900" algn="just">
+              <a:lnSpc>
+                <a:spcPct val="115000"/>
+              </a:lnSpc>
+              <a:spcBef>
+                <a:spcPts val="2400"/>
+              </a:spcBef>
+              <a:buFont typeface="Wingdings" panose="05000000000000000000" pitchFamily="2" charset="2"/>
+              <a:buChar char="ü"/>
+              <a:tabLst>
+                <a:tab pos="457200" algn="l"/>
+              </a:tabLst>
+            </a:pPr>
+            <a:r>
+              <a:rPr lang="it-IT" sz="2400">
+                <a:solidFill>
+                  <a:schemeClr val="tx1"/>
+                </a:solidFill>
+                <a:latin typeface="Tahoma" panose="020B0604030504040204" pitchFamily="34" charset="0"/>
+                <a:ea typeface="Tahoma" panose="020B0604030504040204" pitchFamily="34" charset="0"/>
+                <a:cs typeface="Tahoma" panose="020B0604030504040204" pitchFamily="34" charset="0"/>
+              </a:rPr>
+              <a:t>L’architettura che ‘</a:t>
+            </a:r>
+            <a:r>
+              <a:rPr lang="it-IT" sz="2400" b="1">
+                <a:solidFill>
+                  <a:schemeClr val="tx1"/>
+                </a:solidFill>
+                <a:latin typeface="Tahoma" panose="020B0604030504040204" pitchFamily="34" charset="0"/>
+                <a:ea typeface="Tahoma" panose="020B0604030504040204" pitchFamily="34" charset="0"/>
+                <a:cs typeface="Tahoma" panose="020B0604030504040204" pitchFamily="34" charset="0"/>
+              </a:rPr>
+              <a:t>regge</a:t>
+            </a:r>
+            <a:r>
+              <a:rPr lang="it-IT" sz="2400">
+                <a:solidFill>
+                  <a:schemeClr val="tx1"/>
+                </a:solidFill>
+                <a:latin typeface="Tahoma" panose="020B0604030504040204" pitchFamily="34" charset="0"/>
+                <a:ea typeface="Tahoma" panose="020B0604030504040204" pitchFamily="34" charset="0"/>
+                <a:cs typeface="Tahoma" panose="020B0604030504040204" pitchFamily="34" charset="0"/>
+              </a:rPr>
+              <a:t>’ la fiducia distribuita è la Blockchain. La grande rivoluzione, da un punto di vista teorico, sta proprio nell’assenza di ‘intermediari’, come una banca; il libro contabile, il cosiddetto bank ledger, ossia il libro mastro sul quale viene registrata tutta la contabilità di una banca</a:t>
+            </a:r>
+          </a:p>
+          <a:p>
+            <a:pPr marL="342900" indent="-342900" algn="just">
+              <a:lnSpc>
+                <a:spcPct val="115000"/>
+              </a:lnSpc>
+              <a:spcBef>
+                <a:spcPts val="2400"/>
+              </a:spcBef>
+              <a:buFont typeface="Wingdings" panose="05000000000000000000" pitchFamily="2" charset="2"/>
+              <a:buChar char="ü"/>
+              <a:tabLst>
+                <a:tab pos="457200" algn="l"/>
+              </a:tabLst>
+            </a:pPr>
+            <a:r>
+              <a:rPr lang="it-IT" sz="2400">
+                <a:solidFill>
+                  <a:schemeClr val="tx1"/>
+                </a:solidFill>
+                <a:latin typeface="Tahoma" panose="020B0604030504040204" pitchFamily="34" charset="0"/>
+                <a:ea typeface="Tahoma" panose="020B0604030504040204" pitchFamily="34" charset="0"/>
+                <a:cs typeface="Tahoma" panose="020B0604030504040204" pitchFamily="34" charset="0"/>
+              </a:rPr>
+              <a:t>Questo libro mastro ora iventa in realtà un ‘distributed ledger’ accessibile da qualsiasi utente che effettui una transazione ed entri quindi a far parte della ‘catena di distribuzione’, cui è affidato il controllo dell’intero sistema o di una parte di esso (tutte le informazioni del ‘libro mastro’ sono distribuite e condivise da tutti i soggetti del network, cioè da coloro che partecipano alla Blockchain).</a:t>
+            </a:r>
+          </a:p>
+        </p:txBody>
+      </p:sp>
+      <p:sp>
+        <p:nvSpPr>
+          <p:cNvPr id="7" name="Segnaposto numero diapositiva 6">
+            <a:extLst>
+              <a:ext uri="{FF2B5EF4-FFF2-40B4-BE49-F238E27FC236}">
+                <a16:creationId xmlns:a16="http://schemas.microsoft.com/office/drawing/2014/main" id="{AB740BE9-E218-4144-BFDE-AE473D230A3D}"/>
+              </a:ext>
+            </a:extLst>
+          </p:cNvPr>
+          <p:cNvSpPr>
+            <a:spLocks noGrp="1"/>
+          </p:cNvSpPr>
+          <p:nvPr>
+            <p:ph type="sldNum" sz="quarter" idx="12"/>
+          </p:nvPr>
+        </p:nvSpPr>
+        <p:spPr/>
+        <p:txBody>
+          <a:bodyPr/>
+          <a:lstStyle/>
+          <a:p>
+            <a:pPr>
+              <a:defRPr/>
+            </a:pPr>
+            <a:fld id="{48B4153A-D4C5-4CEF-8992-0D8815C829E3}" type="slidenum">
+              <a:rPr lang="en-US" smtClean="0"/>
+              <a:pPr>
+                <a:defRPr/>
+              </a:pPr>
+              <a:t>8</a:t>
+            </a:fld>
+            <a:endParaRPr lang="en-US" dirty="0"/>
+          </a:p>
+        </p:txBody>
+      </p:sp>
+      <p:sp>
+        <p:nvSpPr>
+          <p:cNvPr id="6" name="Titolo 4">
+            <a:extLst>
+              <a:ext uri="{FF2B5EF4-FFF2-40B4-BE49-F238E27FC236}">
+                <a16:creationId xmlns:a16="http://schemas.microsoft.com/office/drawing/2014/main" id="{CF9A4806-60B4-80DC-1F76-D2EB3E6C376B}"/>
+              </a:ext>
+            </a:extLst>
+          </p:cNvPr>
+          <p:cNvSpPr>
+            <a:spLocks noGrp="1"/>
+          </p:cNvSpPr>
+          <p:nvPr>
+            <p:ph type="title"/>
+          </p:nvPr>
+        </p:nvSpPr>
+        <p:spPr>
+          <a:xfrm>
+            <a:off x="468313" y="286788"/>
+            <a:ext cx="11269662" cy="769441"/>
+          </a:xfrm>
+        </p:spPr>
+        <p:txBody>
+          <a:bodyPr/>
+          <a:lstStyle/>
+          <a:p>
+            <a:r>
+              <a:rPr lang="it-IT">
+                <a:solidFill>
+                  <a:schemeClr val="tx1"/>
+                </a:solidFill>
+              </a:rPr>
+              <a:t>Architetture di Blockchain</a:t>
+            </a:r>
+            <a:br>
+              <a:rPr lang="it-IT">
+                <a:solidFill>
+                  <a:schemeClr val="tx1"/>
+                </a:solidFill>
+              </a:rPr>
+            </a:br>
+            <a:endParaRPr lang="it-IT" dirty="0">
+              <a:solidFill>
+                <a:schemeClr val="tx1"/>
+              </a:solidFill>
+            </a:endParaRPr>
+          </a:p>
+        </p:txBody>
+      </p:sp>
+      <p:pic>
+        <p:nvPicPr>
+          <p:cNvPr id="9" name="Immagine 8" descr="Immagine che contiene diagramma&#10;&#10;Descrizione generata automaticamente">
+            <a:extLst>
+              <a:ext uri="{FF2B5EF4-FFF2-40B4-BE49-F238E27FC236}">
+                <a16:creationId xmlns:a16="http://schemas.microsoft.com/office/drawing/2014/main" id="{23BD3C40-D5B7-4378-9A31-5DEE467A3F50}"/>
+              </a:ext>
+            </a:extLst>
+          </p:cNvPr>
+          <p:cNvPicPr>
+            <a:picLocks noChangeAspect="1"/>
+          </p:cNvPicPr>
+          <p:nvPr/>
+        </p:nvPicPr>
+        <p:blipFill>
+          <a:blip r:embed="rId2"/>
+          <a:stretch>
+            <a:fillRect/>
+          </a:stretch>
+        </p:blipFill>
+        <p:spPr>
+          <a:xfrm>
+            <a:off x="154744" y="2025748"/>
+            <a:ext cx="2152358" cy="2500532"/>
+          </a:xfrm>
+          <a:prstGeom prst="rect">
+            <a:avLst/>
+          </a:prstGeom>
+        </p:spPr>
+      </p:pic>
+    </p:spTree>
+    <p:extLst>
+      <p:ext uri="{BB962C8B-B14F-4D97-AF65-F5344CB8AC3E}">
+        <p14:creationId xmlns:p14="http://schemas.microsoft.com/office/powerpoint/2010/main" val="2124004875"/>
+      </p:ext>
+    </p:extLst>
+  </p:cSld>
+  <p:clrMapOvr>
+    <a:masterClrMapping/>
+  </p:clrMapOvr>
+</p:sld>
+</file>
+
+<file path=ppt/slides/slide9.xml><?xml version="1.0" encoding="utf-8"?>
+<p:sld xmlns:a="http://schemas.openxmlformats.org/drawingml/2006/main" xmlns:r="http://schemas.openxmlformats.org/officeDocument/2006/relationships" xmlns:p="http://schemas.openxmlformats.org/presentationml/2006/main">
+  <p:cSld>
+    <p:spTree>
+      <p:nvGrpSpPr>
+        <p:cNvPr id="1" name=""/>
+        <p:cNvGrpSpPr/>
+        <p:nvPr/>
+      </p:nvGrpSpPr>
+      <p:grpSpPr>
+        <a:xfrm>
+          <a:off x="0" y="0"/>
+          <a:ext cx="0" cy="0"/>
+          <a:chOff x="0" y="0"/>
+          <a:chExt cx="0" cy="0"/>
+        </a:xfrm>
+      </p:grpSpPr>
+      <p:sp>
+        <p:nvSpPr>
+          <p:cNvPr id="7" name="Segnaposto numero diapositiva 6">
+            <a:extLst>
+              <a:ext uri="{FF2B5EF4-FFF2-40B4-BE49-F238E27FC236}">
+                <a16:creationId xmlns:a16="http://schemas.microsoft.com/office/drawing/2014/main" id="{AB740BE9-E218-4144-BFDE-AE473D230A3D}"/>
+              </a:ext>
+            </a:extLst>
+          </p:cNvPr>
+          <p:cNvSpPr>
+            <a:spLocks noGrp="1"/>
+          </p:cNvSpPr>
+          <p:nvPr>
+            <p:ph type="sldNum" sz="quarter" idx="12"/>
+          </p:nvPr>
+        </p:nvSpPr>
+        <p:spPr/>
+        <p:txBody>
+          <a:bodyPr/>
+          <a:lstStyle/>
+          <a:p>
+            <a:pPr>
+              <a:defRPr/>
+            </a:pPr>
+            <a:fld id="{48B4153A-D4C5-4CEF-8992-0D8815C829E3}" type="slidenum">
+              <a:rPr lang="en-US" smtClean="0"/>
+              <a:pPr>
+                <a:defRPr/>
+              </a:pPr>
+              <a:t>9</a:t>
+            </a:fld>
+            <a:endParaRPr lang="en-US" dirty="0"/>
+          </a:p>
+        </p:txBody>
+      </p:sp>
+      <p:sp>
+        <p:nvSpPr>
+          <p:cNvPr id="5" name="Titolo 4">
+            <a:extLst>
+              <a:ext uri="{FF2B5EF4-FFF2-40B4-BE49-F238E27FC236}">
+                <a16:creationId xmlns:a16="http://schemas.microsoft.com/office/drawing/2014/main" id="{82C46BA2-B380-4357-B125-BA9F08A643F5}"/>
+              </a:ext>
+            </a:extLst>
+          </p:cNvPr>
+          <p:cNvSpPr>
+            <a:spLocks noGrp="1"/>
+          </p:cNvSpPr>
+          <p:nvPr>
+            <p:ph type="title"/>
+          </p:nvPr>
+        </p:nvSpPr>
+        <p:spPr>
+          <a:xfrm>
+            <a:off x="468895" y="503475"/>
+            <a:ext cx="11269308" cy="384721"/>
+          </a:xfrm>
+        </p:spPr>
+        <p:txBody>
+          <a:bodyPr/>
+          <a:lstStyle/>
+          <a:p>
+            <a:r>
+              <a:rPr lang="it-IT" altLang="it-IT"/>
+              <a:t>Bibliografia</a:t>
+            </a:r>
+            <a:endParaRPr lang="it-IT" dirty="0"/>
+          </a:p>
+        </p:txBody>
+      </p:sp>
+      <p:sp>
+        <p:nvSpPr>
+          <p:cNvPr id="3" name="Segnaposto testo 2">
+            <a:extLst>
+              <a:ext uri="{FF2B5EF4-FFF2-40B4-BE49-F238E27FC236}">
+                <a16:creationId xmlns:a16="http://schemas.microsoft.com/office/drawing/2014/main" id="{15CD42DB-61E6-AA3D-7125-BF4BEDB5D886}"/>
+              </a:ext>
+            </a:extLst>
+          </p:cNvPr>
+          <p:cNvSpPr>
+            <a:spLocks noGrp="1"/>
+          </p:cNvSpPr>
+          <p:nvPr>
+            <p:ph type="body" idx="1"/>
+          </p:nvPr>
+        </p:nvSpPr>
+        <p:spPr>
+          <a:xfrm>
             <a:off x="477519" y="1557338"/>
             <a:ext cx="11043921" cy="4392612"/>
           </a:xfrm>
@@ -8165,6 +8926,41 @@
             <a:r>
               <a:rPr lang="it-IT"/>
               <a:t>https://blog.osservatori.net/it_it/blockchain-spiegazione-significato-applicazioni</a:t>
+            </a:r>
+          </a:p>
+        </p:txBody>
+      </p:sp>
+      <p:sp>
+        <p:nvSpPr>
+          <p:cNvPr id="6" name="CasellaDiTesto 5">
+            <a:extLst>
+              <a:ext uri="{FF2B5EF4-FFF2-40B4-BE49-F238E27FC236}">
+                <a16:creationId xmlns:a16="http://schemas.microsoft.com/office/drawing/2014/main" id="{0DA09C18-D12E-BFB8-4B6E-19C2D19894CD}"/>
+              </a:ext>
+            </a:extLst>
+          </p:cNvPr>
+          <p:cNvSpPr txBox="1"/>
+          <p:nvPr/>
+        </p:nvSpPr>
+        <p:spPr>
+          <a:xfrm>
+            <a:off x="825119" y="2050779"/>
+            <a:ext cx="6098344" cy="646331"/>
+          </a:xfrm>
+          <a:prstGeom prst="rect">
+            <a:avLst/>
+          </a:prstGeom>
+          <a:noFill/>
+        </p:spPr>
+        <p:txBody>
+          <a:bodyPr wrap="square">
+            <a:spAutoFit/>
+          </a:bodyPr>
+          <a:lstStyle/>
+          <a:p>
+            <a:r>
+              <a:rPr lang="it-IT"/>
+              <a:t>https://www.zerounoweb.it/cio-innovation/blockchain-architettura-applicazioni-scenari-futuri/</a:t>
             </a:r>
           </a:p>
         </p:txBody>
@@ -8797,6 +9593,29 @@
 </file>
 
 <file path=customXml/item2.xml><?xml version="1.0" encoding="utf-8"?>
+<?mso-contentType ?>
+<FormTemplates xmlns="http://schemas.microsoft.com/sharepoint/v3/contenttype/forms">
+  <Display>DocumentLibraryForm</Display>
+  <Edit>DocumentLibraryForm</Edit>
+  <New>DocumentLibraryForm</New>
+</FormTemplates>
+</file>
+
+<file path=customXml/item3.xml><?xml version="1.0" encoding="utf-8"?>
+<p:properties xmlns:p="http://schemas.microsoft.com/office/2006/metadata/properties" xmlns:xsi="http://www.w3.org/2001/XMLSchema-instance" xmlns:pc="http://schemas.microsoft.com/office/infopath/2007/PartnerControls">
+  <documentManagement>
+    <SottoCategoria xmlns="679261c3-551f-4e86-913f-177e0e529669">-</SottoCategoria>
+    <Categoria xmlns="c58f2efd-82a8-4ecf-b395-8c25e928921d">Power Point</Categoria>
+    <_dlc_DocId xmlns="459159c4-d20a-4ff3-9b11-fbd127bd52e5">INTRANET-14-158</_dlc_DocId>
+    <_dlc_DocIdUrl xmlns="459159c4-d20a-4ff3-9b11-fbd127bd52e5">
+      <Url>https://intranet.istat.it/Collaborativi/_layouts/15/DocIdRedir.aspx?ID=INTRANET-14-158</Url>
+      <Description>INTRANET-14-158</Description>
+    </_dlc_DocIdUrl>
+  </documentManagement>
+</p:properties>
+</file>
+
+<file path=customXml/item4.xml><?xml version="1.0" encoding="utf-8"?>
 <ct:contentTypeSchema xmlns:ct="http://schemas.microsoft.com/office/2006/metadata/contentType" xmlns:ma="http://schemas.microsoft.com/office/2006/metadata/properties/metaAttributes" ct:_="" ma:_="" ma:contentTypeName="Documento" ma:contentTypeID="0x010100661A2BE3120D674DA36C11D6006822D4" ma:contentTypeVersion="3" ma:contentTypeDescription="Creare un nuovo documento." ma:contentTypeScope="" ma:versionID="2ad8b07f9840a1ce9cd199d874146b74">
   <xsd:schema xmlns:xsd="http://www.w3.org/2001/XMLSchema" xmlns:xs="http://www.w3.org/2001/XMLSchema" xmlns:p="http://schemas.microsoft.com/office/2006/metadata/properties" xmlns:ns2="c58f2efd-82a8-4ecf-b395-8c25e928921d" xmlns:ns3="459159c4-d20a-4ff3-9b11-fbd127bd52e5" xmlns:ns4="679261c3-551f-4e86-913f-177e0e529669" targetNamespace="http://schemas.microsoft.com/office/2006/metadata/properties" ma:root="true" ma:fieldsID="fffb0e16fb90ffea59fef1085e90ecca" ns2:_="" ns3:_="" ns4:_="">
     <xsd:import namespace="c58f2efd-82a8-4ecf-b395-8c25e928921d"/>
@@ -8983,29 +9802,6 @@
 </ct:contentTypeSchema>
 </file>
 
-<file path=customXml/item3.xml><?xml version="1.0" encoding="utf-8"?>
-<p:properties xmlns:p="http://schemas.microsoft.com/office/2006/metadata/properties" xmlns:xsi="http://www.w3.org/2001/XMLSchema-instance" xmlns:pc="http://schemas.microsoft.com/office/infopath/2007/PartnerControls">
-  <documentManagement>
-    <SottoCategoria xmlns="679261c3-551f-4e86-913f-177e0e529669">-</SottoCategoria>
-    <Categoria xmlns="c58f2efd-82a8-4ecf-b395-8c25e928921d">Power Point</Categoria>
-    <_dlc_DocId xmlns="459159c4-d20a-4ff3-9b11-fbd127bd52e5">INTRANET-14-158</_dlc_DocId>
-    <_dlc_DocIdUrl xmlns="459159c4-d20a-4ff3-9b11-fbd127bd52e5">
-      <Url>https://intranet.istat.it/Collaborativi/_layouts/15/DocIdRedir.aspx?ID=INTRANET-14-158</Url>
-      <Description>INTRANET-14-158</Description>
-    </_dlc_DocIdUrl>
-  </documentManagement>
-</p:properties>
-</file>
-
-<file path=customXml/item4.xml><?xml version="1.0" encoding="utf-8"?>
-<?mso-contentType ?>
-<FormTemplates xmlns="http://schemas.microsoft.com/sharepoint/v3/contenttype/forms">
-  <Display>DocumentLibraryForm</Display>
-  <Edit>DocumentLibraryForm</Edit>
-  <New>DocumentLibraryForm</New>
-</FormTemplates>
-</file>
-
 <file path=customXml/itemProps1.xml><?xml version="1.0" encoding="utf-8"?>
 <ds:datastoreItem xmlns:ds="http://schemas.openxmlformats.org/officeDocument/2006/customXml" ds:itemID="{D9296C4F-9DE9-4B43-AA80-1FC85656CFFA}">
   <ds:schemaRefs>
@@ -9015,21 +9811,9 @@
 </file>
 
 <file path=customXml/itemProps2.xml><?xml version="1.0" encoding="utf-8"?>
-<ds:datastoreItem xmlns:ds="http://schemas.openxmlformats.org/officeDocument/2006/customXml" ds:itemID="{3F66F418-6054-4EA5-BF8E-6AF3CEAE6265}">
+<ds:datastoreItem xmlns:ds="http://schemas.openxmlformats.org/officeDocument/2006/customXml" ds:itemID="{BD9C238D-4D5C-4783-820B-4854DCE45D41}">
   <ds:schemaRefs>
-    <ds:schemaRef ds:uri="http://schemas.microsoft.com/office/2006/metadata/contentType"/>
-    <ds:schemaRef ds:uri="http://schemas.microsoft.com/office/2006/metadata/properties/metaAttributes"/>
-    <ds:schemaRef ds:uri="http://www.w3.org/2001/XMLSchema"/>
-    <ds:schemaRef ds:uri="http://schemas.microsoft.com/office/2006/metadata/properties"/>
-    <ds:schemaRef ds:uri="c58f2efd-82a8-4ecf-b395-8c25e928921d"/>
-    <ds:schemaRef ds:uri="459159c4-d20a-4ff3-9b11-fbd127bd52e5"/>
-    <ds:schemaRef ds:uri="679261c3-551f-4e86-913f-177e0e529669"/>
-    <ds:schemaRef ds:uri="http://schemas.microsoft.com/office/2006/documentManagement/types"/>
-    <ds:schemaRef ds:uri="http://schemas.microsoft.com/office/infopath/2007/PartnerControls"/>
-    <ds:schemaRef ds:uri="http://schemas.openxmlformats.org/package/2006/metadata/core-properties"/>
-    <ds:schemaRef ds:uri="http://purl.org/dc/elements/1.1/"/>
-    <ds:schemaRef ds:uri="http://purl.org/dc/terms/"/>
-    <ds:schemaRef ds:uri="http://schemas.microsoft.com/internal/obd"/>
+    <ds:schemaRef ds:uri="http://schemas.microsoft.com/sharepoint/v3/contenttype/forms"/>
   </ds:schemaRefs>
 </ds:datastoreItem>
 </file>
@@ -9053,9 +9837,21 @@
 </file>
 
 <file path=customXml/itemProps4.xml><?xml version="1.0" encoding="utf-8"?>
-<ds:datastoreItem xmlns:ds="http://schemas.openxmlformats.org/officeDocument/2006/customXml" ds:itemID="{BD9C238D-4D5C-4783-820B-4854DCE45D41}">
+<ds:datastoreItem xmlns:ds="http://schemas.openxmlformats.org/officeDocument/2006/customXml" ds:itemID="{3F66F418-6054-4EA5-BF8E-6AF3CEAE6265}">
   <ds:schemaRefs>
-    <ds:schemaRef ds:uri="http://schemas.microsoft.com/sharepoint/v3/contenttype/forms"/>
+    <ds:schemaRef ds:uri="http://schemas.microsoft.com/office/2006/metadata/contentType"/>
+    <ds:schemaRef ds:uri="http://schemas.microsoft.com/office/2006/metadata/properties/metaAttributes"/>
+    <ds:schemaRef ds:uri="http://www.w3.org/2001/XMLSchema"/>
+    <ds:schemaRef ds:uri="http://schemas.microsoft.com/office/2006/metadata/properties"/>
+    <ds:schemaRef ds:uri="c58f2efd-82a8-4ecf-b395-8c25e928921d"/>
+    <ds:schemaRef ds:uri="459159c4-d20a-4ff3-9b11-fbd127bd52e5"/>
+    <ds:schemaRef ds:uri="679261c3-551f-4e86-913f-177e0e529669"/>
+    <ds:schemaRef ds:uri="http://schemas.microsoft.com/office/2006/documentManagement/types"/>
+    <ds:schemaRef ds:uri="http://schemas.microsoft.com/office/infopath/2007/PartnerControls"/>
+    <ds:schemaRef ds:uri="http://schemas.openxmlformats.org/package/2006/metadata/core-properties"/>
+    <ds:schemaRef ds:uri="http://purl.org/dc/elements/1.1/"/>
+    <ds:schemaRef ds:uri="http://purl.org/dc/terms/"/>
+    <ds:schemaRef ds:uri="http://schemas.microsoft.com/internal/obd"/>
   </ds:schemaRefs>
 </ds:datastoreItem>
 </file>
--- a/Assicurazioni/Distributed Ledger Technology_ita.pptx
+++ b/Assicurazioni/Distributed Ledger Technology_ita.pptx
@@ -5,7 +5,7 @@
     <p:sldMasterId id="2147483648" r:id="rId5"/>
   </p:sldMasterIdLst>
   <p:notesMasterIdLst>
-    <p:notesMasterId r:id="rId15"/>
+    <p:notesMasterId r:id="rId17"/>
   </p:notesMasterIdLst>
   <p:sldIdLst>
     <p:sldId id="256" r:id="rId6"/>
@@ -16,7 +16,9 @@
     <p:sldId id="370" r:id="rId11"/>
     <p:sldId id="371" r:id="rId12"/>
     <p:sldId id="369" r:id="rId13"/>
-    <p:sldId id="343" r:id="rId14"/>
+    <p:sldId id="372" r:id="rId14"/>
+    <p:sldId id="373" r:id="rId15"/>
+    <p:sldId id="343" r:id="rId16"/>
   </p:sldIdLst>
   <p:sldSz cx="12192000" cy="6858000"/>
   <p:notesSz cx="6858000" cy="9144000"/>
@@ -274,7 +276,7 @@
               <a:pPr>
                 <a:defRPr/>
               </a:pPr>
-              <a:t>3/14/2023</a:t>
+              <a:t>4/1/2023</a:t>
             </a:fld>
             <a:endParaRPr lang="en-US"/>
           </a:p>
@@ -6795,6 +6797,499 @@
 </p:sld>
 </file>
 
+<file path=ppt/slides/slide10.xml><?xml version="1.0" encoding="utf-8"?>
+<p:sld xmlns:a="http://schemas.openxmlformats.org/drawingml/2006/main" xmlns:r="http://schemas.openxmlformats.org/officeDocument/2006/relationships" xmlns:p="http://schemas.openxmlformats.org/presentationml/2006/main">
+  <p:cSld>
+    <p:spTree>
+      <p:nvGrpSpPr>
+        <p:cNvPr id="1" name=""/>
+        <p:cNvGrpSpPr/>
+        <p:nvPr/>
+      </p:nvGrpSpPr>
+      <p:grpSpPr>
+        <a:xfrm>
+          <a:off x="0" y="0"/>
+          <a:ext cx="0" cy="0"/>
+          <a:chOff x="0" y="0"/>
+          <a:chExt cx="0" cy="0"/>
+        </a:xfrm>
+      </p:grpSpPr>
+      <p:sp>
+        <p:nvSpPr>
+          <p:cNvPr id="2" name="Segnaposto testo 1">
+            <a:extLst>
+              <a:ext uri="{FF2B5EF4-FFF2-40B4-BE49-F238E27FC236}">
+                <a16:creationId xmlns:a16="http://schemas.microsoft.com/office/drawing/2014/main" id="{E5AE986C-196F-4141-A898-FA4C4198CDCC}"/>
+              </a:ext>
+            </a:extLst>
+          </p:cNvPr>
+          <p:cNvSpPr>
+            <a:spLocks noGrp="1"/>
+          </p:cNvSpPr>
+          <p:nvPr>
+            <p:ph type="body" idx="1"/>
+          </p:nvPr>
+        </p:nvSpPr>
+        <p:spPr>
+          <a:xfrm>
+            <a:off x="468313" y="1372394"/>
+            <a:ext cx="9304264" cy="4392612"/>
+          </a:xfrm>
+        </p:spPr>
+        <p:txBody>
+          <a:bodyPr/>
+          <a:lstStyle/>
+          <a:p>
+            <a:pPr marL="342900" indent="-342900" algn="just">
+              <a:lnSpc>
+                <a:spcPct val="115000"/>
+              </a:lnSpc>
+              <a:spcBef>
+                <a:spcPts val="2400"/>
+              </a:spcBef>
+              <a:buFont typeface="Wingdings" panose="05000000000000000000" pitchFamily="2" charset="2"/>
+              <a:buChar char="ü"/>
+              <a:tabLst>
+                <a:tab pos="457200" algn="l"/>
+              </a:tabLst>
+            </a:pPr>
+            <a:r>
+              <a:rPr lang="it-IT" sz="2400">
+                <a:solidFill>
+                  <a:schemeClr val="tx1"/>
+                </a:solidFill>
+                <a:latin typeface="Tahoma" panose="020B0604030504040204" pitchFamily="34" charset="0"/>
+                <a:ea typeface="Tahoma" panose="020B0604030504040204" pitchFamily="34" charset="0"/>
+                <a:cs typeface="Tahoma" panose="020B0604030504040204" pitchFamily="34" charset="0"/>
+              </a:rPr>
+              <a:t>Blockchain, e più o meno dal 2013 che lo si utilizza per descrivere la piattaforma tecnologica che sta alla base di meccanismi di ‘trust’ che potrebbero abilitare nuove forme di scambio (di valuta, di beni, di informazioni, di </a:t>
+            </a:r>
+            <a:r>
+              <a:rPr lang="it-IT" sz="2400">
+                <a:solidFill>
+                  <a:schemeClr val="tx1"/>
+                </a:solidFill>
+                <a:latin typeface="Tahoma" panose="020B0604030504040204" pitchFamily="34" charset="0"/>
+                <a:ea typeface="Tahoma" panose="020B0604030504040204" pitchFamily="34" charset="0"/>
+                <a:cs typeface="Tahoma" panose="020B0604030504040204" pitchFamily="34" charset="0"/>
+                <a:hlinkClick r:id="rId2">
+                  <a:extLst>
+                    <a:ext uri="{A12FA001-AC4F-418D-AE19-62706E023703}">
+                      <ahyp:hlinkClr xmlns:ahyp="http://schemas.microsoft.com/office/drawing/2018/hyperlinkcolor" val="tx"/>
+                    </a:ext>
+                  </a:extLst>
+                </a:hlinkClick>
+              </a:rPr>
+              <a:t>contratti</a:t>
+            </a:r>
+            <a:r>
+              <a:rPr lang="it-IT" sz="2400">
+                <a:solidFill>
+                  <a:schemeClr val="tx1"/>
+                </a:solidFill>
+                <a:latin typeface="Tahoma" panose="020B0604030504040204" pitchFamily="34" charset="0"/>
+                <a:ea typeface="Tahoma" panose="020B0604030504040204" pitchFamily="34" charset="0"/>
+                <a:cs typeface="Tahoma" panose="020B0604030504040204" pitchFamily="34" charset="0"/>
+              </a:rPr>
+              <a:t>, ecc.) dove la fiducia non è più riposta in una entità centrale ma distribuita tra tutti i partecipanti dello ‘scambio’.</a:t>
+            </a:r>
+          </a:p>
+          <a:p>
+            <a:pPr marL="342900" indent="-342900" algn="just">
+              <a:lnSpc>
+                <a:spcPct val="115000"/>
+              </a:lnSpc>
+              <a:spcBef>
+                <a:spcPts val="2400"/>
+              </a:spcBef>
+              <a:buFont typeface="Wingdings" panose="05000000000000000000" pitchFamily="2" charset="2"/>
+              <a:buChar char="ü"/>
+              <a:tabLst>
+                <a:tab pos="457200" algn="l"/>
+              </a:tabLst>
+            </a:pPr>
+            <a:r>
+              <a:rPr lang="en-US" sz="2400" b="0" i="0">
+                <a:solidFill>
+                  <a:srgbClr val="040C28"/>
+                </a:solidFill>
+                <a:effectLst/>
+                <a:latin typeface="Tahoma" panose="020B0604030504040204" pitchFamily="34" charset="0"/>
+                <a:ea typeface="Tahoma" panose="020B0604030504040204" pitchFamily="34" charset="0"/>
+                <a:cs typeface="Tahoma" panose="020B0604030504040204" pitchFamily="34" charset="0"/>
+              </a:rPr>
+              <a:t>Differenza tra </a:t>
+            </a:r>
+            <a:r>
+              <a:rPr lang="en-US" sz="2400" b="1" i="0">
+                <a:solidFill>
+                  <a:srgbClr val="040C28"/>
+                </a:solidFill>
+                <a:effectLst/>
+                <a:latin typeface="Tahoma" panose="020B0604030504040204" pitchFamily="34" charset="0"/>
+                <a:ea typeface="Tahoma" panose="020B0604030504040204" pitchFamily="34" charset="0"/>
+                <a:cs typeface="Tahoma" panose="020B0604030504040204" pitchFamily="34" charset="0"/>
+              </a:rPr>
+              <a:t>Bitcoin</a:t>
+            </a:r>
+            <a:r>
+              <a:rPr lang="en-US" sz="2400" b="0" i="0">
+                <a:solidFill>
+                  <a:srgbClr val="040C28"/>
+                </a:solidFill>
+                <a:effectLst/>
+                <a:latin typeface="Tahoma" panose="020B0604030504040204" pitchFamily="34" charset="0"/>
+                <a:ea typeface="Tahoma" panose="020B0604030504040204" pitchFamily="34" charset="0"/>
+                <a:cs typeface="Tahoma" panose="020B0604030504040204" pitchFamily="34" charset="0"/>
+              </a:rPr>
+              <a:t> e </a:t>
+            </a:r>
+            <a:r>
+              <a:rPr lang="en-US" sz="2400" b="1" i="0">
+                <a:solidFill>
+                  <a:srgbClr val="040C28"/>
+                </a:solidFill>
+                <a:effectLst/>
+                <a:latin typeface="Tahoma" panose="020B0604030504040204" pitchFamily="34" charset="0"/>
+                <a:ea typeface="Tahoma" panose="020B0604030504040204" pitchFamily="34" charset="0"/>
+                <a:cs typeface="Tahoma" panose="020B0604030504040204" pitchFamily="34" charset="0"/>
+              </a:rPr>
+              <a:t>Blockchain</a:t>
+            </a:r>
+            <a:r>
+              <a:rPr lang="en-US" sz="2400" b="0" i="0">
+                <a:solidFill>
+                  <a:srgbClr val="040C28"/>
+                </a:solidFill>
+                <a:effectLst/>
+                <a:latin typeface="Tahoma" panose="020B0604030504040204" pitchFamily="34" charset="0"/>
+                <a:ea typeface="Tahoma" panose="020B0604030504040204" pitchFamily="34" charset="0"/>
+                <a:cs typeface="Tahoma" panose="020B0604030504040204" pitchFamily="34" charset="0"/>
+              </a:rPr>
+              <a:t>: Bitcoin è una criptovaluta mentre la blockchain è un database distribuito, possiamo dire. Bitcoin è </a:t>
+            </a:r>
+            <a:r>
+              <a:rPr lang="en-US" sz="2400" b="0" i="0">
+                <a:solidFill>
+                  <a:srgbClr val="202124"/>
+                </a:solidFill>
+                <a:effectLst/>
+                <a:latin typeface="Tahoma" panose="020B0604030504040204" pitchFamily="34" charset="0"/>
+                <a:ea typeface="Tahoma" panose="020B0604030504040204" pitchFamily="34" charset="0"/>
+                <a:cs typeface="Tahoma" panose="020B0604030504040204" pitchFamily="34" charset="0"/>
+              </a:rPr>
+              <a:t>hain has found many uses beyond Bitcoin. Bitcoin promotes anonymity, while blockchain is about transparency.</a:t>
+            </a:r>
+            <a:endParaRPr lang="it-IT" sz="2400">
+              <a:solidFill>
+                <a:schemeClr val="tx1"/>
+              </a:solidFill>
+              <a:latin typeface="Tahoma" panose="020B0604030504040204" pitchFamily="34" charset="0"/>
+              <a:ea typeface="Tahoma" panose="020B0604030504040204" pitchFamily="34" charset="0"/>
+              <a:cs typeface="Tahoma" panose="020B0604030504040204" pitchFamily="34" charset="0"/>
+            </a:endParaRPr>
+          </a:p>
+        </p:txBody>
+      </p:sp>
+      <p:sp>
+        <p:nvSpPr>
+          <p:cNvPr id="7" name="Segnaposto numero diapositiva 6">
+            <a:extLst>
+              <a:ext uri="{FF2B5EF4-FFF2-40B4-BE49-F238E27FC236}">
+                <a16:creationId xmlns:a16="http://schemas.microsoft.com/office/drawing/2014/main" id="{AB740BE9-E218-4144-BFDE-AE473D230A3D}"/>
+              </a:ext>
+            </a:extLst>
+          </p:cNvPr>
+          <p:cNvSpPr>
+            <a:spLocks noGrp="1"/>
+          </p:cNvSpPr>
+          <p:nvPr>
+            <p:ph type="sldNum" sz="quarter" idx="12"/>
+          </p:nvPr>
+        </p:nvSpPr>
+        <p:spPr/>
+        <p:txBody>
+          <a:bodyPr/>
+          <a:lstStyle/>
+          <a:p>
+            <a:pPr>
+              <a:defRPr/>
+            </a:pPr>
+            <a:fld id="{48B4153A-D4C5-4CEF-8992-0D8815C829E3}" type="slidenum">
+              <a:rPr lang="en-US" smtClean="0"/>
+              <a:pPr>
+                <a:defRPr/>
+              </a:pPr>
+              <a:t>10</a:t>
+            </a:fld>
+            <a:endParaRPr lang="en-US" dirty="0"/>
+          </a:p>
+        </p:txBody>
+      </p:sp>
+      <p:sp>
+        <p:nvSpPr>
+          <p:cNvPr id="6" name="Titolo 4">
+            <a:extLst>
+              <a:ext uri="{FF2B5EF4-FFF2-40B4-BE49-F238E27FC236}">
+                <a16:creationId xmlns:a16="http://schemas.microsoft.com/office/drawing/2014/main" id="{CF9A4806-60B4-80DC-1F76-D2EB3E6C376B}"/>
+              </a:ext>
+            </a:extLst>
+          </p:cNvPr>
+          <p:cNvSpPr>
+            <a:spLocks noGrp="1"/>
+          </p:cNvSpPr>
+          <p:nvPr>
+            <p:ph type="title"/>
+          </p:nvPr>
+        </p:nvSpPr>
+        <p:spPr>
+          <a:xfrm>
+            <a:off x="468313" y="286788"/>
+            <a:ext cx="11269662" cy="769441"/>
+          </a:xfrm>
+        </p:spPr>
+        <p:txBody>
+          <a:bodyPr/>
+          <a:lstStyle/>
+          <a:p>
+            <a:r>
+              <a:rPr lang="it-IT">
+                <a:solidFill>
+                  <a:schemeClr val="tx1"/>
+                </a:solidFill>
+              </a:rPr>
+              <a:t>Architetture di Blockchain</a:t>
+            </a:r>
+            <a:br>
+              <a:rPr lang="it-IT">
+                <a:solidFill>
+                  <a:schemeClr val="tx1"/>
+                </a:solidFill>
+              </a:rPr>
+            </a:br>
+            <a:endParaRPr lang="it-IT" dirty="0">
+              <a:solidFill>
+                <a:schemeClr val="tx1"/>
+              </a:solidFill>
+            </a:endParaRPr>
+          </a:p>
+        </p:txBody>
+      </p:sp>
+    </p:spTree>
+    <p:extLst>
+      <p:ext uri="{BB962C8B-B14F-4D97-AF65-F5344CB8AC3E}">
+        <p14:creationId xmlns:p14="http://schemas.microsoft.com/office/powerpoint/2010/main" val="3752129226"/>
+      </p:ext>
+    </p:extLst>
+  </p:cSld>
+  <p:clrMapOvr>
+    <a:masterClrMapping/>
+  </p:clrMapOvr>
+</p:sld>
+</file>
+
+<file path=ppt/slides/slide11.xml><?xml version="1.0" encoding="utf-8"?>
+<p:sld xmlns:a="http://schemas.openxmlformats.org/drawingml/2006/main" xmlns:r="http://schemas.openxmlformats.org/officeDocument/2006/relationships" xmlns:p="http://schemas.openxmlformats.org/presentationml/2006/main">
+  <p:cSld>
+    <p:spTree>
+      <p:nvGrpSpPr>
+        <p:cNvPr id="1" name=""/>
+        <p:cNvGrpSpPr/>
+        <p:nvPr/>
+      </p:nvGrpSpPr>
+      <p:grpSpPr>
+        <a:xfrm>
+          <a:off x="0" y="0"/>
+          <a:ext cx="0" cy="0"/>
+          <a:chOff x="0" y="0"/>
+          <a:chExt cx="0" cy="0"/>
+        </a:xfrm>
+      </p:grpSpPr>
+      <p:sp>
+        <p:nvSpPr>
+          <p:cNvPr id="7" name="Segnaposto numero diapositiva 6">
+            <a:extLst>
+              <a:ext uri="{FF2B5EF4-FFF2-40B4-BE49-F238E27FC236}">
+                <a16:creationId xmlns:a16="http://schemas.microsoft.com/office/drawing/2014/main" id="{AB740BE9-E218-4144-BFDE-AE473D230A3D}"/>
+              </a:ext>
+            </a:extLst>
+          </p:cNvPr>
+          <p:cNvSpPr>
+            <a:spLocks noGrp="1"/>
+          </p:cNvSpPr>
+          <p:nvPr>
+            <p:ph type="sldNum" sz="quarter" idx="12"/>
+          </p:nvPr>
+        </p:nvSpPr>
+        <p:spPr/>
+        <p:txBody>
+          <a:bodyPr/>
+          <a:lstStyle/>
+          <a:p>
+            <a:pPr>
+              <a:defRPr/>
+            </a:pPr>
+            <a:fld id="{48B4153A-D4C5-4CEF-8992-0D8815C829E3}" type="slidenum">
+              <a:rPr lang="en-US" smtClean="0"/>
+              <a:pPr>
+                <a:defRPr/>
+              </a:pPr>
+              <a:t>11</a:t>
+            </a:fld>
+            <a:endParaRPr lang="en-US" dirty="0"/>
+          </a:p>
+        </p:txBody>
+      </p:sp>
+      <p:sp>
+        <p:nvSpPr>
+          <p:cNvPr id="5" name="Titolo 4">
+            <a:extLst>
+              <a:ext uri="{FF2B5EF4-FFF2-40B4-BE49-F238E27FC236}">
+                <a16:creationId xmlns:a16="http://schemas.microsoft.com/office/drawing/2014/main" id="{82C46BA2-B380-4357-B125-BA9F08A643F5}"/>
+              </a:ext>
+            </a:extLst>
+          </p:cNvPr>
+          <p:cNvSpPr>
+            <a:spLocks noGrp="1"/>
+          </p:cNvSpPr>
+          <p:nvPr>
+            <p:ph type="title"/>
+          </p:nvPr>
+        </p:nvSpPr>
+        <p:spPr>
+          <a:xfrm>
+            <a:off x="468895" y="503475"/>
+            <a:ext cx="11269308" cy="384721"/>
+          </a:xfrm>
+        </p:spPr>
+        <p:txBody>
+          <a:bodyPr/>
+          <a:lstStyle/>
+          <a:p>
+            <a:r>
+              <a:rPr lang="it-IT" altLang="it-IT"/>
+              <a:t>Bibliografia</a:t>
+            </a:r>
+            <a:endParaRPr lang="it-IT" dirty="0"/>
+          </a:p>
+        </p:txBody>
+      </p:sp>
+      <p:sp>
+        <p:nvSpPr>
+          <p:cNvPr id="3" name="Segnaposto testo 2">
+            <a:extLst>
+              <a:ext uri="{FF2B5EF4-FFF2-40B4-BE49-F238E27FC236}">
+                <a16:creationId xmlns:a16="http://schemas.microsoft.com/office/drawing/2014/main" id="{15CD42DB-61E6-AA3D-7125-BF4BEDB5D886}"/>
+              </a:ext>
+            </a:extLst>
+          </p:cNvPr>
+          <p:cNvSpPr>
+            <a:spLocks noGrp="1"/>
+          </p:cNvSpPr>
+          <p:nvPr>
+            <p:ph type="body" idx="1"/>
+          </p:nvPr>
+        </p:nvSpPr>
+        <p:spPr>
+          <a:xfrm>
+            <a:off x="477519" y="1557338"/>
+            <a:ext cx="11043921" cy="4392612"/>
+          </a:xfrm>
+        </p:spPr>
+        <p:txBody>
+          <a:bodyPr/>
+          <a:lstStyle/>
+          <a:p>
+            <a:endParaRPr lang="it-IT" dirty="0"/>
+          </a:p>
+          <a:p>
+            <a:endParaRPr lang="it-IT" dirty="0"/>
+          </a:p>
+        </p:txBody>
+      </p:sp>
+      <p:sp>
+        <p:nvSpPr>
+          <p:cNvPr id="4" name="CasellaDiTesto 3">
+            <a:extLst>
+              <a:ext uri="{FF2B5EF4-FFF2-40B4-BE49-F238E27FC236}">
+                <a16:creationId xmlns:a16="http://schemas.microsoft.com/office/drawing/2014/main" id="{3A57F920-DCCD-CF89-645E-EE041C3494AA}"/>
+              </a:ext>
+            </a:extLst>
+          </p:cNvPr>
+          <p:cNvSpPr txBox="1"/>
+          <p:nvPr/>
+        </p:nvSpPr>
+        <p:spPr>
+          <a:xfrm>
+            <a:off x="825119" y="1557338"/>
+            <a:ext cx="10105478" cy="369332"/>
+          </a:xfrm>
+          <a:prstGeom prst="rect">
+            <a:avLst/>
+          </a:prstGeom>
+          <a:noFill/>
+        </p:spPr>
+        <p:txBody>
+          <a:bodyPr wrap="square">
+            <a:spAutoFit/>
+          </a:bodyPr>
+          <a:lstStyle/>
+          <a:p>
+            <a:r>
+              <a:rPr lang="it-IT"/>
+              <a:t>https://blog.osservatori.net/it_it/blockchain-spiegazione-significato-applicazioni</a:t>
+            </a:r>
+          </a:p>
+        </p:txBody>
+      </p:sp>
+      <p:sp>
+        <p:nvSpPr>
+          <p:cNvPr id="6" name="CasellaDiTesto 5">
+            <a:extLst>
+              <a:ext uri="{FF2B5EF4-FFF2-40B4-BE49-F238E27FC236}">
+                <a16:creationId xmlns:a16="http://schemas.microsoft.com/office/drawing/2014/main" id="{0DA09C18-D12E-BFB8-4B6E-19C2D19894CD}"/>
+              </a:ext>
+            </a:extLst>
+          </p:cNvPr>
+          <p:cNvSpPr txBox="1"/>
+          <p:nvPr/>
+        </p:nvSpPr>
+        <p:spPr>
+          <a:xfrm>
+            <a:off x="825119" y="2253504"/>
+            <a:ext cx="6098344" cy="646331"/>
+          </a:xfrm>
+          <a:prstGeom prst="rect">
+            <a:avLst/>
+          </a:prstGeom>
+          <a:noFill/>
+        </p:spPr>
+        <p:txBody>
+          <a:bodyPr wrap="square">
+            <a:spAutoFit/>
+          </a:bodyPr>
+          <a:lstStyle/>
+          <a:p>
+            <a:r>
+              <a:rPr lang="it-IT"/>
+              <a:t>https://www.zerounoweb.it/cio-innovation/blockchain-architettura-applicazioni-scenari-futuri/</a:t>
+            </a:r>
+          </a:p>
+        </p:txBody>
+      </p:sp>
+    </p:spTree>
+    <p:extLst>
+      <p:ext uri="{BB962C8B-B14F-4D97-AF65-F5344CB8AC3E}">
+        <p14:creationId xmlns:p14="http://schemas.microsoft.com/office/powerpoint/2010/main" val="3490964097"/>
+      </p:ext>
+    </p:extLst>
+  </p:cSld>
+  <p:clrMapOvr>
+    <a:masterClrMapping/>
+  </p:clrMapOvr>
+</p:sld>
+</file>
+
 <file path=ppt/slides/slide2.xml><?xml version="1.0" encoding="utf-8"?>
 <p:sld xmlns:a="http://schemas.openxmlformats.org/drawingml/2006/main" xmlns:r="http://schemas.openxmlformats.org/officeDocument/2006/relationships" xmlns:p="http://schemas.openxmlformats.org/presentationml/2006/main">
   <p:cSld>
@@ -7571,7 +8066,95 @@
                 <a:ea typeface="Tahoma" panose="020B0604030504040204" pitchFamily="34" charset="0"/>
                 <a:cs typeface="Tahoma" panose="020B0604030504040204" pitchFamily="34" charset="0"/>
               </a:rPr>
-              <a:t> sono dunque incluse nella più ampia famiglia delle tecnologie di Distributed Ledger, ossia sistemi che si basano su un registro distribuito, che può essere letto e modificato da più nodi di una rete. </a:t>
+              <a:t> sono dunque incluse nella più ampia famiglia delle tecnologie di </a:t>
+            </a:r>
+            <a:r>
+              <a:rPr lang="it-IT" sz="2400" b="1">
+                <a:solidFill>
+                  <a:schemeClr val="tx1"/>
+                </a:solidFill>
+                <a:latin typeface="Tahoma" panose="020B0604030504040204" pitchFamily="34" charset="0"/>
+                <a:ea typeface="Tahoma" panose="020B0604030504040204" pitchFamily="34" charset="0"/>
+                <a:cs typeface="Tahoma" panose="020B0604030504040204" pitchFamily="34" charset="0"/>
+              </a:rPr>
+              <a:t>Distributed</a:t>
+            </a:r>
+            <a:r>
+              <a:rPr lang="it-IT" sz="2400">
+                <a:solidFill>
+                  <a:schemeClr val="tx1"/>
+                </a:solidFill>
+                <a:latin typeface="Tahoma" panose="020B0604030504040204" pitchFamily="34" charset="0"/>
+                <a:ea typeface="Tahoma" panose="020B0604030504040204" pitchFamily="34" charset="0"/>
+                <a:cs typeface="Tahoma" panose="020B0604030504040204" pitchFamily="34" charset="0"/>
+              </a:rPr>
+              <a:t> </a:t>
+            </a:r>
+            <a:r>
+              <a:rPr lang="it-IT" sz="2400" b="1">
+                <a:solidFill>
+                  <a:schemeClr val="tx1"/>
+                </a:solidFill>
+                <a:latin typeface="Tahoma" panose="020B0604030504040204" pitchFamily="34" charset="0"/>
+                <a:ea typeface="Tahoma" panose="020B0604030504040204" pitchFamily="34" charset="0"/>
+                <a:cs typeface="Tahoma" panose="020B0604030504040204" pitchFamily="34" charset="0"/>
+              </a:rPr>
+              <a:t>Ledger</a:t>
+            </a:r>
+            <a:r>
+              <a:rPr lang="it-IT" sz="2400">
+                <a:solidFill>
+                  <a:schemeClr val="tx1"/>
+                </a:solidFill>
+                <a:latin typeface="Tahoma" panose="020B0604030504040204" pitchFamily="34" charset="0"/>
+                <a:ea typeface="Tahoma" panose="020B0604030504040204" pitchFamily="34" charset="0"/>
+                <a:cs typeface="Tahoma" panose="020B0604030504040204" pitchFamily="34" charset="0"/>
+              </a:rPr>
+              <a:t>, ossia sistemi che si basano su un </a:t>
+            </a:r>
+            <a:r>
+              <a:rPr lang="it-IT" sz="2400" b="1">
+                <a:solidFill>
+                  <a:schemeClr val="tx1"/>
+                </a:solidFill>
+                <a:latin typeface="Tahoma" panose="020B0604030504040204" pitchFamily="34" charset="0"/>
+                <a:ea typeface="Tahoma" panose="020B0604030504040204" pitchFamily="34" charset="0"/>
+                <a:cs typeface="Tahoma" panose="020B0604030504040204" pitchFamily="34" charset="0"/>
+              </a:rPr>
+              <a:t>registro</a:t>
+            </a:r>
+            <a:r>
+              <a:rPr lang="it-IT" sz="2400">
+                <a:solidFill>
+                  <a:schemeClr val="tx1"/>
+                </a:solidFill>
+                <a:latin typeface="Tahoma" panose="020B0604030504040204" pitchFamily="34" charset="0"/>
+                <a:ea typeface="Tahoma" panose="020B0604030504040204" pitchFamily="34" charset="0"/>
+                <a:cs typeface="Tahoma" panose="020B0604030504040204" pitchFamily="34" charset="0"/>
+              </a:rPr>
+              <a:t> </a:t>
+            </a:r>
+            <a:r>
+              <a:rPr lang="it-IT" sz="2400" b="1">
+                <a:solidFill>
+                  <a:schemeClr val="tx1"/>
+                </a:solidFill>
+                <a:latin typeface="Tahoma" panose="020B0604030504040204" pitchFamily="34" charset="0"/>
+                <a:ea typeface="Tahoma" panose="020B0604030504040204" pitchFamily="34" charset="0"/>
+                <a:cs typeface="Tahoma" panose="020B0604030504040204" pitchFamily="34" charset="0"/>
+              </a:rPr>
+              <a:t>distribuito</a:t>
+            </a:r>
+            <a:r>
+              <a:rPr lang="it-IT" sz="2400">
+                <a:solidFill>
+                  <a:schemeClr val="tx1"/>
+                </a:solidFill>
+                <a:latin typeface="Tahoma" panose="020B0604030504040204" pitchFamily="34" charset="0"/>
+                <a:ea typeface="Tahoma" panose="020B0604030504040204" pitchFamily="34" charset="0"/>
+                <a:cs typeface="Tahoma" panose="020B0604030504040204" pitchFamily="34" charset="0"/>
+              </a:rPr>
+              <a:t>, che può essere letto e modificato da più nodi di una rete. </a:t>
             </a:r>
           </a:p>
           <a:p>
@@ -7597,7 +8180,117 @@
                 <a:ea typeface="Tahoma" panose="020B0604030504040204" pitchFamily="34" charset="0"/>
                 <a:cs typeface="Tahoma" panose="020B0604030504040204" pitchFamily="34" charset="0"/>
               </a:rPr>
-              <a:t>Per validare le modifiche da effettuare al registro, in assenza di un ente centrale, i nodi devono raggiungere il consenso. Le modalità con cui si raggiunge il consenso e la struttura del registro sono alcune delle caratteristiche che connotano le diverse tecnologie </a:t>
+              <a:t>Per validare le modifiche da effettuare al registro, in assenza di un ente centrale, i nodi devono raggiungere il consenso. Le </a:t>
+            </a:r>
+            <a:r>
+              <a:rPr lang="it-IT" sz="2400" b="1">
+                <a:solidFill>
+                  <a:schemeClr val="tx1"/>
+                </a:solidFill>
+                <a:latin typeface="Tahoma" panose="020B0604030504040204" pitchFamily="34" charset="0"/>
+                <a:ea typeface="Tahoma" panose="020B0604030504040204" pitchFamily="34" charset="0"/>
+                <a:cs typeface="Tahoma" panose="020B0604030504040204" pitchFamily="34" charset="0"/>
+              </a:rPr>
+              <a:t>modalità</a:t>
+            </a:r>
+            <a:r>
+              <a:rPr lang="it-IT" sz="2400">
+                <a:solidFill>
+                  <a:schemeClr val="tx1"/>
+                </a:solidFill>
+                <a:latin typeface="Tahoma" panose="020B0604030504040204" pitchFamily="34" charset="0"/>
+                <a:ea typeface="Tahoma" panose="020B0604030504040204" pitchFamily="34" charset="0"/>
+                <a:cs typeface="Tahoma" panose="020B0604030504040204" pitchFamily="34" charset="0"/>
+              </a:rPr>
+              <a:t> con cui si raggiunge il </a:t>
+            </a:r>
+            <a:r>
+              <a:rPr lang="it-IT" sz="2400" b="1">
+                <a:solidFill>
+                  <a:schemeClr val="tx1"/>
+                </a:solidFill>
+                <a:latin typeface="Tahoma" panose="020B0604030504040204" pitchFamily="34" charset="0"/>
+                <a:ea typeface="Tahoma" panose="020B0604030504040204" pitchFamily="34" charset="0"/>
+                <a:cs typeface="Tahoma" panose="020B0604030504040204" pitchFamily="34" charset="0"/>
+              </a:rPr>
+              <a:t>consenso</a:t>
+            </a:r>
+            <a:r>
+              <a:rPr lang="it-IT" sz="2400">
+                <a:solidFill>
+                  <a:schemeClr val="tx1"/>
+                </a:solidFill>
+                <a:latin typeface="Tahoma" panose="020B0604030504040204" pitchFamily="34" charset="0"/>
+                <a:ea typeface="Tahoma" panose="020B0604030504040204" pitchFamily="34" charset="0"/>
+                <a:cs typeface="Tahoma" panose="020B0604030504040204" pitchFamily="34" charset="0"/>
+              </a:rPr>
+              <a:t> e la </a:t>
+            </a:r>
+            <a:r>
+              <a:rPr lang="it-IT" sz="2400" b="1">
+                <a:solidFill>
+                  <a:schemeClr val="tx1"/>
+                </a:solidFill>
+                <a:latin typeface="Tahoma" panose="020B0604030504040204" pitchFamily="34" charset="0"/>
+                <a:ea typeface="Tahoma" panose="020B0604030504040204" pitchFamily="34" charset="0"/>
+                <a:cs typeface="Tahoma" panose="020B0604030504040204" pitchFamily="34" charset="0"/>
+              </a:rPr>
+              <a:t>struttura</a:t>
+            </a:r>
+            <a:r>
+              <a:rPr lang="it-IT" sz="2400">
+                <a:solidFill>
+                  <a:schemeClr val="tx1"/>
+                </a:solidFill>
+                <a:latin typeface="Tahoma" panose="020B0604030504040204" pitchFamily="34" charset="0"/>
+                <a:ea typeface="Tahoma" panose="020B0604030504040204" pitchFamily="34" charset="0"/>
+                <a:cs typeface="Tahoma" panose="020B0604030504040204" pitchFamily="34" charset="0"/>
+              </a:rPr>
+              <a:t> </a:t>
+            </a:r>
+            <a:r>
+              <a:rPr lang="it-IT" sz="2400" b="1">
+                <a:solidFill>
+                  <a:schemeClr val="tx1"/>
+                </a:solidFill>
+                <a:latin typeface="Tahoma" panose="020B0604030504040204" pitchFamily="34" charset="0"/>
+                <a:ea typeface="Tahoma" panose="020B0604030504040204" pitchFamily="34" charset="0"/>
+                <a:cs typeface="Tahoma" panose="020B0604030504040204" pitchFamily="34" charset="0"/>
+              </a:rPr>
+              <a:t>del</a:t>
+            </a:r>
+            <a:r>
+              <a:rPr lang="it-IT" sz="2400">
+                <a:solidFill>
+                  <a:schemeClr val="tx1"/>
+                </a:solidFill>
+                <a:latin typeface="Tahoma" panose="020B0604030504040204" pitchFamily="34" charset="0"/>
+                <a:ea typeface="Tahoma" panose="020B0604030504040204" pitchFamily="34" charset="0"/>
+                <a:cs typeface="Tahoma" panose="020B0604030504040204" pitchFamily="34" charset="0"/>
+              </a:rPr>
+              <a:t> </a:t>
+            </a:r>
+            <a:r>
+              <a:rPr lang="it-IT" sz="2400" b="1">
+                <a:solidFill>
+                  <a:schemeClr val="tx1"/>
+                </a:solidFill>
+                <a:latin typeface="Tahoma" panose="020B0604030504040204" pitchFamily="34" charset="0"/>
+                <a:ea typeface="Tahoma" panose="020B0604030504040204" pitchFamily="34" charset="0"/>
+                <a:cs typeface="Tahoma" panose="020B0604030504040204" pitchFamily="34" charset="0"/>
+              </a:rPr>
+              <a:t>registro</a:t>
+            </a:r>
+            <a:r>
+              <a:rPr lang="it-IT" sz="2400">
+                <a:solidFill>
+                  <a:schemeClr val="tx1"/>
+                </a:solidFill>
+                <a:latin typeface="Tahoma" panose="020B0604030504040204" pitchFamily="34" charset="0"/>
+                <a:ea typeface="Tahoma" panose="020B0604030504040204" pitchFamily="34" charset="0"/>
+                <a:cs typeface="Tahoma" panose="020B0604030504040204" pitchFamily="34" charset="0"/>
+              </a:rPr>
+              <a:t> sono alcune delle caratteristiche che connotano le diverse tecnologie </a:t>
             </a:r>
             <a:r>
               <a:rPr lang="it-IT" sz="2400" b="1">
@@ -7860,7 +8553,95 @@
                 <a:ea typeface="Tahoma" panose="020B0604030504040204" pitchFamily="34" charset="0"/>
                 <a:cs typeface="Tahoma" panose="020B0604030504040204" pitchFamily="34" charset="0"/>
               </a:rPr>
-              <a:t> è quindi una sottofamiglia di tecnologie, o come viene spesso precisato, un insieme di tecnologie, in cui il registro è strutturato come una catena di blocchi contenenti le transazioni e il consenso è distribuito su tutti i nodi della rete. </a:t>
+              <a:t> è quindi una sottofamiglia di tecnologie, o come viene spesso precisato, un insieme di tecnologie, in cui il registro è </a:t>
+            </a:r>
+            <a:r>
+              <a:rPr lang="it-IT" sz="2400" b="1">
+                <a:solidFill>
+                  <a:schemeClr val="tx1"/>
+                </a:solidFill>
+                <a:latin typeface="Tahoma" panose="020B0604030504040204" pitchFamily="34" charset="0"/>
+                <a:ea typeface="Tahoma" panose="020B0604030504040204" pitchFamily="34" charset="0"/>
+                <a:cs typeface="Tahoma" panose="020B0604030504040204" pitchFamily="34" charset="0"/>
+              </a:rPr>
+              <a:t>strutturato</a:t>
+            </a:r>
+            <a:r>
+              <a:rPr lang="it-IT" sz="2400">
+                <a:solidFill>
+                  <a:schemeClr val="tx1"/>
+                </a:solidFill>
+                <a:latin typeface="Tahoma" panose="020B0604030504040204" pitchFamily="34" charset="0"/>
+                <a:ea typeface="Tahoma" panose="020B0604030504040204" pitchFamily="34" charset="0"/>
+                <a:cs typeface="Tahoma" panose="020B0604030504040204" pitchFamily="34" charset="0"/>
+              </a:rPr>
+              <a:t> come una </a:t>
+            </a:r>
+            <a:r>
+              <a:rPr lang="it-IT" sz="2400" b="1">
+                <a:solidFill>
+                  <a:schemeClr val="tx1"/>
+                </a:solidFill>
+                <a:latin typeface="Tahoma" panose="020B0604030504040204" pitchFamily="34" charset="0"/>
+                <a:ea typeface="Tahoma" panose="020B0604030504040204" pitchFamily="34" charset="0"/>
+                <a:cs typeface="Tahoma" panose="020B0604030504040204" pitchFamily="34" charset="0"/>
+              </a:rPr>
+              <a:t>catena</a:t>
+            </a:r>
+            <a:r>
+              <a:rPr lang="it-IT" sz="2400">
+                <a:solidFill>
+                  <a:schemeClr val="tx1"/>
+                </a:solidFill>
+                <a:latin typeface="Tahoma" panose="020B0604030504040204" pitchFamily="34" charset="0"/>
+                <a:ea typeface="Tahoma" panose="020B0604030504040204" pitchFamily="34" charset="0"/>
+                <a:cs typeface="Tahoma" panose="020B0604030504040204" pitchFamily="34" charset="0"/>
+              </a:rPr>
+              <a:t> </a:t>
+            </a:r>
+            <a:r>
+              <a:rPr lang="it-IT" sz="2400" b="1">
+                <a:solidFill>
+                  <a:schemeClr val="tx1"/>
+                </a:solidFill>
+                <a:latin typeface="Tahoma" panose="020B0604030504040204" pitchFamily="34" charset="0"/>
+                <a:ea typeface="Tahoma" panose="020B0604030504040204" pitchFamily="34" charset="0"/>
+                <a:cs typeface="Tahoma" panose="020B0604030504040204" pitchFamily="34" charset="0"/>
+              </a:rPr>
+              <a:t>di</a:t>
+            </a:r>
+            <a:r>
+              <a:rPr lang="it-IT" sz="2400">
+                <a:solidFill>
+                  <a:schemeClr val="tx1"/>
+                </a:solidFill>
+                <a:latin typeface="Tahoma" panose="020B0604030504040204" pitchFamily="34" charset="0"/>
+                <a:ea typeface="Tahoma" panose="020B0604030504040204" pitchFamily="34" charset="0"/>
+                <a:cs typeface="Tahoma" panose="020B0604030504040204" pitchFamily="34" charset="0"/>
+              </a:rPr>
+              <a:t> </a:t>
+            </a:r>
+            <a:r>
+              <a:rPr lang="it-IT" sz="2400" b="1">
+                <a:solidFill>
+                  <a:schemeClr val="tx1"/>
+                </a:solidFill>
+                <a:latin typeface="Tahoma" panose="020B0604030504040204" pitchFamily="34" charset="0"/>
+                <a:ea typeface="Tahoma" panose="020B0604030504040204" pitchFamily="34" charset="0"/>
+                <a:cs typeface="Tahoma" panose="020B0604030504040204" pitchFamily="34" charset="0"/>
+              </a:rPr>
+              <a:t>blocchi</a:t>
+            </a:r>
+            <a:r>
+              <a:rPr lang="it-IT" sz="2400">
+                <a:solidFill>
+                  <a:schemeClr val="tx1"/>
+                </a:solidFill>
+                <a:latin typeface="Tahoma" panose="020B0604030504040204" pitchFamily="34" charset="0"/>
+                <a:ea typeface="Tahoma" panose="020B0604030504040204" pitchFamily="34" charset="0"/>
+                <a:cs typeface="Tahoma" panose="020B0604030504040204" pitchFamily="34" charset="0"/>
+              </a:rPr>
+              <a:t> contenenti le transazioni e il consenso è distribuito su tutti i nodi della rete. </a:t>
             </a:r>
           </a:p>
           <a:p>
@@ -8186,7 +8967,117 @@
                 <a:ea typeface="Tahoma" panose="020B0604030504040204" pitchFamily="34" charset="0"/>
                 <a:cs typeface="Tahoma" panose="020B0604030504040204" pitchFamily="34" charset="0"/>
               </a:rPr>
-              <a:t>, anno che tutti ricordiamo per il tracollo del sistema finanziario globale di cui ancora oggi sentiamo le conseguenze. </a:t>
+              <a:t>, anno che tutti ricordiamo per il </a:t>
+            </a:r>
+            <a:r>
+              <a:rPr lang="it-IT" sz="2400" b="1">
+                <a:solidFill>
+                  <a:schemeClr val="tx1"/>
+                </a:solidFill>
+                <a:latin typeface="Tahoma" panose="020B0604030504040204" pitchFamily="34" charset="0"/>
+                <a:ea typeface="Tahoma" panose="020B0604030504040204" pitchFamily="34" charset="0"/>
+                <a:cs typeface="Tahoma" panose="020B0604030504040204" pitchFamily="34" charset="0"/>
+              </a:rPr>
+              <a:t>tracollo</a:t>
+            </a:r>
+            <a:r>
+              <a:rPr lang="it-IT" sz="2400">
+                <a:solidFill>
+                  <a:schemeClr val="tx1"/>
+                </a:solidFill>
+                <a:latin typeface="Tahoma" panose="020B0604030504040204" pitchFamily="34" charset="0"/>
+                <a:ea typeface="Tahoma" panose="020B0604030504040204" pitchFamily="34" charset="0"/>
+                <a:cs typeface="Tahoma" panose="020B0604030504040204" pitchFamily="34" charset="0"/>
+              </a:rPr>
+              <a:t> </a:t>
+            </a:r>
+            <a:r>
+              <a:rPr lang="it-IT" sz="2400" b="1">
+                <a:solidFill>
+                  <a:schemeClr val="tx1"/>
+                </a:solidFill>
+                <a:latin typeface="Tahoma" panose="020B0604030504040204" pitchFamily="34" charset="0"/>
+                <a:ea typeface="Tahoma" panose="020B0604030504040204" pitchFamily="34" charset="0"/>
+                <a:cs typeface="Tahoma" panose="020B0604030504040204" pitchFamily="34" charset="0"/>
+              </a:rPr>
+              <a:t>del</a:t>
+            </a:r>
+            <a:r>
+              <a:rPr lang="it-IT" sz="2400">
+                <a:solidFill>
+                  <a:schemeClr val="tx1"/>
+                </a:solidFill>
+                <a:latin typeface="Tahoma" panose="020B0604030504040204" pitchFamily="34" charset="0"/>
+                <a:ea typeface="Tahoma" panose="020B0604030504040204" pitchFamily="34" charset="0"/>
+                <a:cs typeface="Tahoma" panose="020B0604030504040204" pitchFamily="34" charset="0"/>
+              </a:rPr>
+              <a:t> </a:t>
+            </a:r>
+            <a:r>
+              <a:rPr lang="it-IT" sz="2400" b="1">
+                <a:solidFill>
+                  <a:schemeClr val="tx1"/>
+                </a:solidFill>
+                <a:latin typeface="Tahoma" panose="020B0604030504040204" pitchFamily="34" charset="0"/>
+                <a:ea typeface="Tahoma" panose="020B0604030504040204" pitchFamily="34" charset="0"/>
+                <a:cs typeface="Tahoma" panose="020B0604030504040204" pitchFamily="34" charset="0"/>
+              </a:rPr>
+              <a:t>sistema</a:t>
+            </a:r>
+            <a:r>
+              <a:rPr lang="it-IT" sz="2400">
+                <a:solidFill>
+                  <a:schemeClr val="tx1"/>
+                </a:solidFill>
+                <a:latin typeface="Tahoma" panose="020B0604030504040204" pitchFamily="34" charset="0"/>
+                <a:ea typeface="Tahoma" panose="020B0604030504040204" pitchFamily="34" charset="0"/>
+                <a:cs typeface="Tahoma" panose="020B0604030504040204" pitchFamily="34" charset="0"/>
+              </a:rPr>
+              <a:t> </a:t>
+            </a:r>
+            <a:r>
+              <a:rPr lang="it-IT" sz="2400" b="1">
+                <a:solidFill>
+                  <a:schemeClr val="tx1"/>
+                </a:solidFill>
+                <a:latin typeface="Tahoma" panose="020B0604030504040204" pitchFamily="34" charset="0"/>
+                <a:ea typeface="Tahoma" panose="020B0604030504040204" pitchFamily="34" charset="0"/>
+                <a:cs typeface="Tahoma" panose="020B0604030504040204" pitchFamily="34" charset="0"/>
+              </a:rPr>
+              <a:t>finanziario</a:t>
+            </a:r>
+            <a:r>
+              <a:rPr lang="it-IT" sz="2400">
+                <a:solidFill>
+                  <a:schemeClr val="tx1"/>
+                </a:solidFill>
+                <a:latin typeface="Tahoma" panose="020B0604030504040204" pitchFamily="34" charset="0"/>
+                <a:ea typeface="Tahoma" panose="020B0604030504040204" pitchFamily="34" charset="0"/>
+                <a:cs typeface="Tahoma" panose="020B0604030504040204" pitchFamily="34" charset="0"/>
+              </a:rPr>
+              <a:t> </a:t>
+            </a:r>
+            <a:r>
+              <a:rPr lang="it-IT" sz="2400" b="1">
+                <a:solidFill>
+                  <a:schemeClr val="tx1"/>
+                </a:solidFill>
+                <a:latin typeface="Tahoma" panose="020B0604030504040204" pitchFamily="34" charset="0"/>
+                <a:ea typeface="Tahoma" panose="020B0604030504040204" pitchFamily="34" charset="0"/>
+                <a:cs typeface="Tahoma" panose="020B0604030504040204" pitchFamily="34" charset="0"/>
+              </a:rPr>
+              <a:t>globale</a:t>
+            </a:r>
+            <a:r>
+              <a:rPr lang="it-IT" sz="2400">
+                <a:solidFill>
+                  <a:schemeClr val="tx1"/>
+                </a:solidFill>
+                <a:latin typeface="Tahoma" panose="020B0604030504040204" pitchFamily="34" charset="0"/>
+                <a:ea typeface="Tahoma" panose="020B0604030504040204" pitchFamily="34" charset="0"/>
+                <a:cs typeface="Tahoma" panose="020B0604030504040204" pitchFamily="34" charset="0"/>
+              </a:rPr>
+              <a:t> di cui ancora oggi sentiamo le conseguenze. </a:t>
             </a:r>
           </a:p>
         </p:txBody>
@@ -8403,7 +9294,183 @@
                 <a:ea typeface="Tahoma" panose="020B0604030504040204" pitchFamily="34" charset="0"/>
                 <a:cs typeface="Tahoma" panose="020B0604030504040204" pitchFamily="34" charset="0"/>
               </a:rPr>
-              <a:t>Satoshi Nakamoto, personaggio attorno al quale tutt’oggi aleggia una nube di mistero pubblica il protocollo Bitcoin attraverso un white paper nel quale viene descritta un’architettura tecnologica atta a reggere la circolazione di bitcoin, criptovaluta, ossia moneta digitale la cui implementazione si basa sui principi della crittografia per convalidare le transazioni e la generazione di moneta stessa</a:t>
+              <a:t>Satoshi Nakamoto, personaggio attorno al quale tutt’oggi aleggia una </a:t>
+            </a:r>
+            <a:r>
+              <a:rPr lang="it-IT" sz="2400" b="1">
+                <a:solidFill>
+                  <a:schemeClr val="tx1"/>
+                </a:solidFill>
+                <a:latin typeface="Tahoma" panose="020B0604030504040204" pitchFamily="34" charset="0"/>
+                <a:ea typeface="Tahoma" panose="020B0604030504040204" pitchFamily="34" charset="0"/>
+                <a:cs typeface="Tahoma" panose="020B0604030504040204" pitchFamily="34" charset="0"/>
+              </a:rPr>
+              <a:t>nube</a:t>
+            </a:r>
+            <a:r>
+              <a:rPr lang="it-IT" sz="2400">
+                <a:solidFill>
+                  <a:schemeClr val="tx1"/>
+                </a:solidFill>
+                <a:latin typeface="Tahoma" panose="020B0604030504040204" pitchFamily="34" charset="0"/>
+                <a:ea typeface="Tahoma" panose="020B0604030504040204" pitchFamily="34" charset="0"/>
+                <a:cs typeface="Tahoma" panose="020B0604030504040204" pitchFamily="34" charset="0"/>
+              </a:rPr>
+              <a:t> </a:t>
+            </a:r>
+            <a:r>
+              <a:rPr lang="it-IT" sz="2400" b="1">
+                <a:solidFill>
+                  <a:schemeClr val="tx1"/>
+                </a:solidFill>
+                <a:latin typeface="Tahoma" panose="020B0604030504040204" pitchFamily="34" charset="0"/>
+                <a:ea typeface="Tahoma" panose="020B0604030504040204" pitchFamily="34" charset="0"/>
+                <a:cs typeface="Tahoma" panose="020B0604030504040204" pitchFamily="34" charset="0"/>
+              </a:rPr>
+              <a:t>di</a:t>
+            </a:r>
+            <a:r>
+              <a:rPr lang="it-IT" sz="2400">
+                <a:solidFill>
+                  <a:schemeClr val="tx1"/>
+                </a:solidFill>
+                <a:latin typeface="Tahoma" panose="020B0604030504040204" pitchFamily="34" charset="0"/>
+                <a:ea typeface="Tahoma" panose="020B0604030504040204" pitchFamily="34" charset="0"/>
+                <a:cs typeface="Tahoma" panose="020B0604030504040204" pitchFamily="34" charset="0"/>
+              </a:rPr>
+              <a:t> </a:t>
+            </a:r>
+            <a:r>
+              <a:rPr lang="it-IT" sz="2400" b="1">
+                <a:solidFill>
+                  <a:schemeClr val="tx1"/>
+                </a:solidFill>
+                <a:latin typeface="Tahoma" panose="020B0604030504040204" pitchFamily="34" charset="0"/>
+                <a:ea typeface="Tahoma" panose="020B0604030504040204" pitchFamily="34" charset="0"/>
+                <a:cs typeface="Tahoma" panose="020B0604030504040204" pitchFamily="34" charset="0"/>
+              </a:rPr>
+              <a:t>mistero</a:t>
+            </a:r>
+            <a:r>
+              <a:rPr lang="it-IT" sz="2400">
+                <a:solidFill>
+                  <a:schemeClr val="tx1"/>
+                </a:solidFill>
+                <a:latin typeface="Tahoma" panose="020B0604030504040204" pitchFamily="34" charset="0"/>
+                <a:ea typeface="Tahoma" panose="020B0604030504040204" pitchFamily="34" charset="0"/>
+                <a:cs typeface="Tahoma" panose="020B0604030504040204" pitchFamily="34" charset="0"/>
+              </a:rPr>
+              <a:t> pubblica il protocollo </a:t>
+            </a:r>
+            <a:r>
+              <a:rPr lang="it-IT" sz="2400" b="1">
+                <a:solidFill>
+                  <a:schemeClr val="tx1"/>
+                </a:solidFill>
+                <a:latin typeface="Tahoma" panose="020B0604030504040204" pitchFamily="34" charset="0"/>
+                <a:ea typeface="Tahoma" panose="020B0604030504040204" pitchFamily="34" charset="0"/>
+                <a:cs typeface="Tahoma" panose="020B0604030504040204" pitchFamily="34" charset="0"/>
+              </a:rPr>
+              <a:t>Bitcoin</a:t>
+            </a:r>
+            <a:r>
+              <a:rPr lang="it-IT" sz="2400">
+                <a:solidFill>
+                  <a:schemeClr val="tx1"/>
+                </a:solidFill>
+                <a:latin typeface="Tahoma" panose="020B0604030504040204" pitchFamily="34" charset="0"/>
+                <a:ea typeface="Tahoma" panose="020B0604030504040204" pitchFamily="34" charset="0"/>
+                <a:cs typeface="Tahoma" panose="020B0604030504040204" pitchFamily="34" charset="0"/>
+              </a:rPr>
+              <a:t> attraverso un white paper nel quale viene descritta </a:t>
+            </a:r>
+            <a:r>
+              <a:rPr lang="it-IT" sz="2400" b="1">
+                <a:solidFill>
+                  <a:schemeClr val="tx1"/>
+                </a:solidFill>
+                <a:latin typeface="Tahoma" panose="020B0604030504040204" pitchFamily="34" charset="0"/>
+                <a:ea typeface="Tahoma" panose="020B0604030504040204" pitchFamily="34" charset="0"/>
+                <a:cs typeface="Tahoma" panose="020B0604030504040204" pitchFamily="34" charset="0"/>
+              </a:rPr>
+              <a:t>un’architettura</a:t>
+            </a:r>
+            <a:r>
+              <a:rPr lang="it-IT" sz="2400">
+                <a:solidFill>
+                  <a:schemeClr val="tx1"/>
+                </a:solidFill>
+                <a:latin typeface="Tahoma" panose="020B0604030504040204" pitchFamily="34" charset="0"/>
+                <a:ea typeface="Tahoma" panose="020B0604030504040204" pitchFamily="34" charset="0"/>
+                <a:cs typeface="Tahoma" panose="020B0604030504040204" pitchFamily="34" charset="0"/>
+              </a:rPr>
+              <a:t> </a:t>
+            </a:r>
+            <a:r>
+              <a:rPr lang="it-IT" sz="2400" b="1">
+                <a:solidFill>
+                  <a:schemeClr val="tx1"/>
+                </a:solidFill>
+                <a:latin typeface="Tahoma" panose="020B0604030504040204" pitchFamily="34" charset="0"/>
+                <a:ea typeface="Tahoma" panose="020B0604030504040204" pitchFamily="34" charset="0"/>
+                <a:cs typeface="Tahoma" panose="020B0604030504040204" pitchFamily="34" charset="0"/>
+              </a:rPr>
+              <a:t>tecnologica</a:t>
+            </a:r>
+            <a:r>
+              <a:rPr lang="it-IT" sz="2400">
+                <a:solidFill>
+                  <a:schemeClr val="tx1"/>
+                </a:solidFill>
+                <a:latin typeface="Tahoma" panose="020B0604030504040204" pitchFamily="34" charset="0"/>
+                <a:ea typeface="Tahoma" panose="020B0604030504040204" pitchFamily="34" charset="0"/>
+                <a:cs typeface="Tahoma" panose="020B0604030504040204" pitchFamily="34" charset="0"/>
+              </a:rPr>
+              <a:t> atta a reggere la circolazione di bitcoin, </a:t>
+            </a:r>
+            <a:r>
+              <a:rPr lang="it-IT" sz="2400" b="1">
+                <a:solidFill>
+                  <a:schemeClr val="tx1"/>
+                </a:solidFill>
+                <a:latin typeface="Tahoma" panose="020B0604030504040204" pitchFamily="34" charset="0"/>
+                <a:ea typeface="Tahoma" panose="020B0604030504040204" pitchFamily="34" charset="0"/>
+                <a:cs typeface="Tahoma" panose="020B0604030504040204" pitchFamily="34" charset="0"/>
+              </a:rPr>
+              <a:t>criptovaluta</a:t>
+            </a:r>
+            <a:r>
+              <a:rPr lang="it-IT" sz="2400">
+                <a:solidFill>
+                  <a:schemeClr val="tx1"/>
+                </a:solidFill>
+                <a:latin typeface="Tahoma" panose="020B0604030504040204" pitchFamily="34" charset="0"/>
+                <a:ea typeface="Tahoma" panose="020B0604030504040204" pitchFamily="34" charset="0"/>
+                <a:cs typeface="Tahoma" panose="020B0604030504040204" pitchFamily="34" charset="0"/>
+              </a:rPr>
+              <a:t>, ossia moneta digitale la cui implementazione si basa sui principi della </a:t>
+            </a:r>
+            <a:r>
+              <a:rPr lang="it-IT" sz="2400" b="1">
+                <a:solidFill>
+                  <a:schemeClr val="tx1"/>
+                </a:solidFill>
+                <a:latin typeface="Tahoma" panose="020B0604030504040204" pitchFamily="34" charset="0"/>
+                <a:ea typeface="Tahoma" panose="020B0604030504040204" pitchFamily="34" charset="0"/>
+                <a:cs typeface="Tahoma" panose="020B0604030504040204" pitchFamily="34" charset="0"/>
+              </a:rPr>
+              <a:t>crittografia</a:t>
+            </a:r>
+            <a:r>
+              <a:rPr lang="it-IT" sz="2400">
+                <a:solidFill>
+                  <a:schemeClr val="tx1"/>
+                </a:solidFill>
+                <a:latin typeface="Tahoma" panose="020B0604030504040204" pitchFamily="34" charset="0"/>
+                <a:ea typeface="Tahoma" panose="020B0604030504040204" pitchFamily="34" charset="0"/>
+                <a:cs typeface="Tahoma" panose="020B0604030504040204" pitchFamily="34" charset="0"/>
+              </a:rPr>
+              <a:t> per convalidare le transazioni e la generazione di moneta stessa</a:t>
             </a:r>
           </a:p>
           <a:p>
@@ -8429,7 +9496,227 @@
                 <a:ea typeface="Tahoma" panose="020B0604030504040204" pitchFamily="34" charset="0"/>
                 <a:cs typeface="Tahoma" panose="020B0604030504040204" pitchFamily="34" charset="0"/>
               </a:rPr>
-              <a:t>La moneta transita liberamente tra gli utenti senza costi sulle operazioni e senza il controllo di un organo centrale. Bitcoin con la maiuscola indica l’architettura tecnologica di cui sono stati rilasciati dettagli e codice nel 2009, bitcoin con la minuscola indica la moneta digitale criptata la cui prima emissione risale al 2010. </a:t>
+              <a:t>La moneta transita </a:t>
+            </a:r>
+            <a:r>
+              <a:rPr lang="it-IT" sz="2400" b="1">
+                <a:solidFill>
+                  <a:schemeClr val="tx1"/>
+                </a:solidFill>
+                <a:latin typeface="Tahoma" panose="020B0604030504040204" pitchFamily="34" charset="0"/>
+                <a:ea typeface="Tahoma" panose="020B0604030504040204" pitchFamily="34" charset="0"/>
+                <a:cs typeface="Tahoma" panose="020B0604030504040204" pitchFamily="34" charset="0"/>
+              </a:rPr>
+              <a:t>liberamente</a:t>
+            </a:r>
+            <a:r>
+              <a:rPr lang="it-IT" sz="2400">
+                <a:solidFill>
+                  <a:schemeClr val="tx1"/>
+                </a:solidFill>
+                <a:latin typeface="Tahoma" panose="020B0604030504040204" pitchFamily="34" charset="0"/>
+                <a:ea typeface="Tahoma" panose="020B0604030504040204" pitchFamily="34" charset="0"/>
+                <a:cs typeface="Tahoma" panose="020B0604030504040204" pitchFamily="34" charset="0"/>
+              </a:rPr>
+              <a:t> tra gli utenti senza costi sulle operazioni e senza il controllo di un organo centrale. </a:t>
+            </a:r>
+            <a:r>
+              <a:rPr lang="it-IT" sz="2400" b="1">
+                <a:solidFill>
+                  <a:schemeClr val="tx1"/>
+                </a:solidFill>
+                <a:latin typeface="Tahoma" panose="020B0604030504040204" pitchFamily="34" charset="0"/>
+                <a:ea typeface="Tahoma" panose="020B0604030504040204" pitchFamily="34" charset="0"/>
+                <a:cs typeface="Tahoma" panose="020B0604030504040204" pitchFamily="34" charset="0"/>
+              </a:rPr>
+              <a:t>Bitcoin</a:t>
+            </a:r>
+            <a:r>
+              <a:rPr lang="it-IT" sz="2400">
+                <a:solidFill>
+                  <a:schemeClr val="tx1"/>
+                </a:solidFill>
+                <a:latin typeface="Tahoma" panose="020B0604030504040204" pitchFamily="34" charset="0"/>
+                <a:ea typeface="Tahoma" panose="020B0604030504040204" pitchFamily="34" charset="0"/>
+                <a:cs typeface="Tahoma" panose="020B0604030504040204" pitchFamily="34" charset="0"/>
+              </a:rPr>
+              <a:t> con la maiuscola indica </a:t>
+            </a:r>
+            <a:r>
+              <a:rPr lang="it-IT" sz="2400" b="1">
+                <a:solidFill>
+                  <a:schemeClr val="tx1"/>
+                </a:solidFill>
+                <a:latin typeface="Tahoma" panose="020B0604030504040204" pitchFamily="34" charset="0"/>
+                <a:ea typeface="Tahoma" panose="020B0604030504040204" pitchFamily="34" charset="0"/>
+                <a:cs typeface="Tahoma" panose="020B0604030504040204" pitchFamily="34" charset="0"/>
+              </a:rPr>
+              <a:t>l’architettura</a:t>
+            </a:r>
+            <a:r>
+              <a:rPr lang="it-IT" sz="2400">
+                <a:solidFill>
+                  <a:schemeClr val="tx1"/>
+                </a:solidFill>
+                <a:latin typeface="Tahoma" panose="020B0604030504040204" pitchFamily="34" charset="0"/>
+                <a:ea typeface="Tahoma" panose="020B0604030504040204" pitchFamily="34" charset="0"/>
+                <a:cs typeface="Tahoma" panose="020B0604030504040204" pitchFamily="34" charset="0"/>
+              </a:rPr>
+              <a:t> </a:t>
+            </a:r>
+            <a:r>
+              <a:rPr lang="it-IT" sz="2400" b="1">
+                <a:solidFill>
+                  <a:schemeClr val="tx1"/>
+                </a:solidFill>
+                <a:latin typeface="Tahoma" panose="020B0604030504040204" pitchFamily="34" charset="0"/>
+                <a:ea typeface="Tahoma" panose="020B0604030504040204" pitchFamily="34" charset="0"/>
+                <a:cs typeface="Tahoma" panose="020B0604030504040204" pitchFamily="34" charset="0"/>
+              </a:rPr>
+              <a:t>tecnologica</a:t>
+            </a:r>
+            <a:r>
+              <a:rPr lang="it-IT" sz="2400">
+                <a:solidFill>
+                  <a:schemeClr val="tx1"/>
+                </a:solidFill>
+                <a:latin typeface="Tahoma" panose="020B0604030504040204" pitchFamily="34" charset="0"/>
+                <a:ea typeface="Tahoma" panose="020B0604030504040204" pitchFamily="34" charset="0"/>
+                <a:cs typeface="Tahoma" panose="020B0604030504040204" pitchFamily="34" charset="0"/>
+              </a:rPr>
+              <a:t> di cui sono stati rilasciati dettagli e codice nel </a:t>
+            </a:r>
+            <a:r>
+              <a:rPr lang="it-IT" sz="2400" b="1">
+                <a:solidFill>
+                  <a:schemeClr val="tx1"/>
+                </a:solidFill>
+                <a:latin typeface="Tahoma" panose="020B0604030504040204" pitchFamily="34" charset="0"/>
+                <a:ea typeface="Tahoma" panose="020B0604030504040204" pitchFamily="34" charset="0"/>
+                <a:cs typeface="Tahoma" panose="020B0604030504040204" pitchFamily="34" charset="0"/>
+              </a:rPr>
+              <a:t>2009</a:t>
+            </a:r>
+            <a:r>
+              <a:rPr lang="it-IT" sz="2400">
+                <a:solidFill>
+                  <a:schemeClr val="tx1"/>
+                </a:solidFill>
+                <a:latin typeface="Tahoma" panose="020B0604030504040204" pitchFamily="34" charset="0"/>
+                <a:ea typeface="Tahoma" panose="020B0604030504040204" pitchFamily="34" charset="0"/>
+                <a:cs typeface="Tahoma" panose="020B0604030504040204" pitchFamily="34" charset="0"/>
+              </a:rPr>
+              <a:t>, </a:t>
+            </a:r>
+            <a:r>
+              <a:rPr lang="it-IT" sz="2400" b="1">
+                <a:solidFill>
+                  <a:schemeClr val="tx1"/>
+                </a:solidFill>
+                <a:latin typeface="Tahoma" panose="020B0604030504040204" pitchFamily="34" charset="0"/>
+                <a:ea typeface="Tahoma" panose="020B0604030504040204" pitchFamily="34" charset="0"/>
+                <a:cs typeface="Tahoma" panose="020B0604030504040204" pitchFamily="34" charset="0"/>
+              </a:rPr>
+              <a:t>bitcoin</a:t>
+            </a:r>
+            <a:r>
+              <a:rPr lang="it-IT" sz="2400">
+                <a:solidFill>
+                  <a:schemeClr val="tx1"/>
+                </a:solidFill>
+                <a:latin typeface="Tahoma" panose="020B0604030504040204" pitchFamily="34" charset="0"/>
+                <a:ea typeface="Tahoma" panose="020B0604030504040204" pitchFamily="34" charset="0"/>
+                <a:cs typeface="Tahoma" panose="020B0604030504040204" pitchFamily="34" charset="0"/>
+              </a:rPr>
+              <a:t> con la minuscola indica la </a:t>
+            </a:r>
+            <a:r>
+              <a:rPr lang="it-IT" sz="2400" b="1">
+                <a:solidFill>
+                  <a:schemeClr val="tx1"/>
+                </a:solidFill>
+                <a:latin typeface="Tahoma" panose="020B0604030504040204" pitchFamily="34" charset="0"/>
+                <a:ea typeface="Tahoma" panose="020B0604030504040204" pitchFamily="34" charset="0"/>
+                <a:cs typeface="Tahoma" panose="020B0604030504040204" pitchFamily="34" charset="0"/>
+              </a:rPr>
+              <a:t>moneta</a:t>
+            </a:r>
+            <a:r>
+              <a:rPr lang="it-IT" sz="2400">
+                <a:solidFill>
+                  <a:schemeClr val="tx1"/>
+                </a:solidFill>
+                <a:latin typeface="Tahoma" panose="020B0604030504040204" pitchFamily="34" charset="0"/>
+                <a:ea typeface="Tahoma" panose="020B0604030504040204" pitchFamily="34" charset="0"/>
+                <a:cs typeface="Tahoma" panose="020B0604030504040204" pitchFamily="34" charset="0"/>
+              </a:rPr>
+              <a:t> </a:t>
+            </a:r>
+            <a:r>
+              <a:rPr lang="it-IT" sz="2400" b="1">
+                <a:solidFill>
+                  <a:schemeClr val="tx1"/>
+                </a:solidFill>
+                <a:latin typeface="Tahoma" panose="020B0604030504040204" pitchFamily="34" charset="0"/>
+                <a:ea typeface="Tahoma" panose="020B0604030504040204" pitchFamily="34" charset="0"/>
+                <a:cs typeface="Tahoma" panose="020B0604030504040204" pitchFamily="34" charset="0"/>
+              </a:rPr>
+              <a:t>digitale</a:t>
+            </a:r>
+            <a:r>
+              <a:rPr lang="it-IT" sz="2400">
+                <a:solidFill>
+                  <a:schemeClr val="tx1"/>
+                </a:solidFill>
+                <a:latin typeface="Tahoma" panose="020B0604030504040204" pitchFamily="34" charset="0"/>
+                <a:ea typeface="Tahoma" panose="020B0604030504040204" pitchFamily="34" charset="0"/>
+                <a:cs typeface="Tahoma" panose="020B0604030504040204" pitchFamily="34" charset="0"/>
+              </a:rPr>
+              <a:t> </a:t>
+            </a:r>
+            <a:r>
+              <a:rPr lang="it-IT" sz="2400" b="1">
+                <a:solidFill>
+                  <a:schemeClr val="tx1"/>
+                </a:solidFill>
+                <a:latin typeface="Tahoma" panose="020B0604030504040204" pitchFamily="34" charset="0"/>
+                <a:ea typeface="Tahoma" panose="020B0604030504040204" pitchFamily="34" charset="0"/>
+                <a:cs typeface="Tahoma" panose="020B0604030504040204" pitchFamily="34" charset="0"/>
+              </a:rPr>
+              <a:t>criptata</a:t>
+            </a:r>
+            <a:r>
+              <a:rPr lang="it-IT" sz="2400">
+                <a:solidFill>
+                  <a:schemeClr val="tx1"/>
+                </a:solidFill>
+                <a:latin typeface="Tahoma" panose="020B0604030504040204" pitchFamily="34" charset="0"/>
+                <a:ea typeface="Tahoma" panose="020B0604030504040204" pitchFamily="34" charset="0"/>
+                <a:cs typeface="Tahoma" panose="020B0604030504040204" pitchFamily="34" charset="0"/>
+              </a:rPr>
+              <a:t> la cui prima emissione risale al </a:t>
+            </a:r>
+            <a:r>
+              <a:rPr lang="it-IT" sz="2400" b="1">
+                <a:solidFill>
+                  <a:schemeClr val="tx1"/>
+                </a:solidFill>
+                <a:latin typeface="Tahoma" panose="020B0604030504040204" pitchFamily="34" charset="0"/>
+                <a:ea typeface="Tahoma" panose="020B0604030504040204" pitchFamily="34" charset="0"/>
+                <a:cs typeface="Tahoma" panose="020B0604030504040204" pitchFamily="34" charset="0"/>
+              </a:rPr>
+              <a:t>2010</a:t>
+            </a:r>
+            <a:r>
+              <a:rPr lang="it-IT" sz="2400">
+                <a:solidFill>
+                  <a:schemeClr val="tx1"/>
+                </a:solidFill>
+                <a:latin typeface="Tahoma" panose="020B0604030504040204" pitchFamily="34" charset="0"/>
+                <a:ea typeface="Tahoma" panose="020B0604030504040204" pitchFamily="34" charset="0"/>
+                <a:cs typeface="Tahoma" panose="020B0604030504040204" pitchFamily="34" charset="0"/>
+              </a:rPr>
+              <a:t>. </a:t>
             </a:r>
           </a:p>
         </p:txBody>
@@ -8588,6 +9875,17 @@
               </a:tabLst>
             </a:pPr>
             <a:r>
+              <a:rPr lang="it-IT" sz="2400" b="1">
+                <a:solidFill>
+                  <a:schemeClr val="tx1"/>
+                </a:solidFill>
+                <a:latin typeface="Tahoma" panose="020B0604030504040204" pitchFamily="34" charset="0"/>
+                <a:ea typeface="Tahoma" panose="020B0604030504040204" pitchFamily="34" charset="0"/>
+                <a:cs typeface="Tahoma" panose="020B0604030504040204" pitchFamily="34" charset="0"/>
+              </a:rPr>
+              <a:t>L’architettura</a:t>
+            </a:r>
+            <a:r>
               <a:rPr lang="it-IT" sz="2400">
                 <a:solidFill>
                   <a:schemeClr val="tx1"/>
@@ -8596,7 +9894,7 @@
                 <a:ea typeface="Tahoma" panose="020B0604030504040204" pitchFamily="34" charset="0"/>
                 <a:cs typeface="Tahoma" panose="020B0604030504040204" pitchFamily="34" charset="0"/>
               </a:rPr>
-              <a:t>L’architettura che ‘</a:t>
+              <a:t> che ‘</a:t>
             </a:r>
             <a:r>
               <a:rPr lang="it-IT" sz="2400" b="1">
@@ -8618,7 +9916,216 @@
                 <a:ea typeface="Tahoma" panose="020B0604030504040204" pitchFamily="34" charset="0"/>
                 <a:cs typeface="Tahoma" panose="020B0604030504040204" pitchFamily="34" charset="0"/>
               </a:rPr>
-              <a:t>’ la fiducia distribuita è la Blockchain. La grande rivoluzione, da un punto di vista teorico, sta proprio nell’assenza di ‘intermediari’, come una banca; il libro contabile, il cosiddetto bank ledger, ossia il libro mastro sul quale viene registrata tutta la contabilità di una banca</a:t>
+              <a:t>’ la fiducia distribuita è la </a:t>
+            </a:r>
+            <a:r>
+              <a:rPr lang="it-IT" sz="2400" b="1">
+                <a:solidFill>
+                  <a:schemeClr val="tx1"/>
+                </a:solidFill>
+                <a:latin typeface="Tahoma" panose="020B0604030504040204" pitchFamily="34" charset="0"/>
+                <a:ea typeface="Tahoma" panose="020B0604030504040204" pitchFamily="34" charset="0"/>
+                <a:cs typeface="Tahoma" panose="020B0604030504040204" pitchFamily="34" charset="0"/>
+              </a:rPr>
+              <a:t>Blockchain</a:t>
+            </a:r>
+            <a:r>
+              <a:rPr lang="it-IT" sz="2400">
+                <a:solidFill>
+                  <a:schemeClr val="tx1"/>
+                </a:solidFill>
+                <a:latin typeface="Tahoma" panose="020B0604030504040204" pitchFamily="34" charset="0"/>
+                <a:ea typeface="Tahoma" panose="020B0604030504040204" pitchFamily="34" charset="0"/>
+                <a:cs typeface="Tahoma" panose="020B0604030504040204" pitchFamily="34" charset="0"/>
+              </a:rPr>
+              <a:t>. La grande rivoluzione, da un punto di vista teorico, sta proprio </a:t>
+            </a:r>
+            <a:r>
+              <a:rPr lang="it-IT" sz="2400" b="1">
+                <a:solidFill>
+                  <a:schemeClr val="tx1"/>
+                </a:solidFill>
+                <a:latin typeface="Tahoma" panose="020B0604030504040204" pitchFamily="34" charset="0"/>
+                <a:ea typeface="Tahoma" panose="020B0604030504040204" pitchFamily="34" charset="0"/>
+                <a:cs typeface="Tahoma" panose="020B0604030504040204" pitchFamily="34" charset="0"/>
+              </a:rPr>
+              <a:t>nell’assenza</a:t>
+            </a:r>
+            <a:r>
+              <a:rPr lang="it-IT" sz="2400">
+                <a:solidFill>
+                  <a:schemeClr val="tx1"/>
+                </a:solidFill>
+                <a:latin typeface="Tahoma" panose="020B0604030504040204" pitchFamily="34" charset="0"/>
+                <a:ea typeface="Tahoma" panose="020B0604030504040204" pitchFamily="34" charset="0"/>
+                <a:cs typeface="Tahoma" panose="020B0604030504040204" pitchFamily="34" charset="0"/>
+              </a:rPr>
+              <a:t> di ‘</a:t>
+            </a:r>
+            <a:r>
+              <a:rPr lang="it-IT" sz="2400" b="1">
+                <a:solidFill>
+                  <a:schemeClr val="tx1"/>
+                </a:solidFill>
+                <a:latin typeface="Tahoma" panose="020B0604030504040204" pitchFamily="34" charset="0"/>
+                <a:ea typeface="Tahoma" panose="020B0604030504040204" pitchFamily="34" charset="0"/>
+                <a:cs typeface="Tahoma" panose="020B0604030504040204" pitchFamily="34" charset="0"/>
+              </a:rPr>
+              <a:t>intermediari</a:t>
+            </a:r>
+            <a:r>
+              <a:rPr lang="it-IT" sz="2400">
+                <a:solidFill>
+                  <a:schemeClr val="tx1"/>
+                </a:solidFill>
+                <a:latin typeface="Tahoma" panose="020B0604030504040204" pitchFamily="34" charset="0"/>
+                <a:ea typeface="Tahoma" panose="020B0604030504040204" pitchFamily="34" charset="0"/>
+                <a:cs typeface="Tahoma" panose="020B0604030504040204" pitchFamily="34" charset="0"/>
+              </a:rPr>
+              <a:t>’, come una </a:t>
+            </a:r>
+            <a:r>
+              <a:rPr lang="it-IT" sz="2400" b="1">
+                <a:solidFill>
+                  <a:schemeClr val="tx1"/>
+                </a:solidFill>
+                <a:latin typeface="Tahoma" panose="020B0604030504040204" pitchFamily="34" charset="0"/>
+                <a:ea typeface="Tahoma" panose="020B0604030504040204" pitchFamily="34" charset="0"/>
+                <a:cs typeface="Tahoma" panose="020B0604030504040204" pitchFamily="34" charset="0"/>
+              </a:rPr>
+              <a:t>banca</a:t>
+            </a:r>
+            <a:r>
+              <a:rPr lang="it-IT" sz="2400">
+                <a:solidFill>
+                  <a:schemeClr val="tx1"/>
+                </a:solidFill>
+                <a:latin typeface="Tahoma" panose="020B0604030504040204" pitchFamily="34" charset="0"/>
+                <a:ea typeface="Tahoma" panose="020B0604030504040204" pitchFamily="34" charset="0"/>
+                <a:cs typeface="Tahoma" panose="020B0604030504040204" pitchFamily="34" charset="0"/>
+              </a:rPr>
+              <a:t>; il libro contabile, il cosiddetto bank ledger, ossia il </a:t>
+            </a:r>
+            <a:r>
+              <a:rPr lang="it-IT" sz="2400" b="1">
+                <a:solidFill>
+                  <a:schemeClr val="tx1"/>
+                </a:solidFill>
+                <a:latin typeface="Tahoma" panose="020B0604030504040204" pitchFamily="34" charset="0"/>
+                <a:ea typeface="Tahoma" panose="020B0604030504040204" pitchFamily="34" charset="0"/>
+                <a:cs typeface="Tahoma" panose="020B0604030504040204" pitchFamily="34" charset="0"/>
+              </a:rPr>
+              <a:t>libro</a:t>
+            </a:r>
+            <a:r>
+              <a:rPr lang="it-IT" sz="2400">
+                <a:solidFill>
+                  <a:schemeClr val="tx1"/>
+                </a:solidFill>
+                <a:latin typeface="Tahoma" panose="020B0604030504040204" pitchFamily="34" charset="0"/>
+                <a:ea typeface="Tahoma" panose="020B0604030504040204" pitchFamily="34" charset="0"/>
+                <a:cs typeface="Tahoma" panose="020B0604030504040204" pitchFamily="34" charset="0"/>
+              </a:rPr>
+              <a:t> </a:t>
+            </a:r>
+            <a:r>
+              <a:rPr lang="it-IT" sz="2400" b="1">
+                <a:solidFill>
+                  <a:schemeClr val="tx1"/>
+                </a:solidFill>
+                <a:latin typeface="Tahoma" panose="020B0604030504040204" pitchFamily="34" charset="0"/>
+                <a:ea typeface="Tahoma" panose="020B0604030504040204" pitchFamily="34" charset="0"/>
+                <a:cs typeface="Tahoma" panose="020B0604030504040204" pitchFamily="34" charset="0"/>
+              </a:rPr>
+              <a:t>mastro</a:t>
+            </a:r>
+            <a:r>
+              <a:rPr lang="it-IT" sz="2400">
+                <a:solidFill>
+                  <a:schemeClr val="tx1"/>
+                </a:solidFill>
+                <a:latin typeface="Tahoma" panose="020B0604030504040204" pitchFamily="34" charset="0"/>
+                <a:ea typeface="Tahoma" panose="020B0604030504040204" pitchFamily="34" charset="0"/>
+                <a:cs typeface="Tahoma" panose="020B0604030504040204" pitchFamily="34" charset="0"/>
+              </a:rPr>
+              <a:t> sul quale viene registrata tutta la </a:t>
+            </a:r>
+            <a:r>
+              <a:rPr lang="it-IT" sz="2400" b="1">
+                <a:solidFill>
+                  <a:schemeClr val="tx1"/>
+                </a:solidFill>
+                <a:latin typeface="Tahoma" panose="020B0604030504040204" pitchFamily="34" charset="0"/>
+                <a:ea typeface="Tahoma" panose="020B0604030504040204" pitchFamily="34" charset="0"/>
+                <a:cs typeface="Tahoma" panose="020B0604030504040204" pitchFamily="34" charset="0"/>
+              </a:rPr>
+              <a:t>contabilità</a:t>
+            </a:r>
+            <a:r>
+              <a:rPr lang="it-IT" sz="2400">
+                <a:solidFill>
+                  <a:schemeClr val="tx1"/>
+                </a:solidFill>
+                <a:latin typeface="Tahoma" panose="020B0604030504040204" pitchFamily="34" charset="0"/>
+                <a:ea typeface="Tahoma" panose="020B0604030504040204" pitchFamily="34" charset="0"/>
+                <a:cs typeface="Tahoma" panose="020B0604030504040204" pitchFamily="34" charset="0"/>
+              </a:rPr>
+              <a:t> </a:t>
+            </a:r>
+            <a:r>
+              <a:rPr lang="it-IT" sz="2400" b="1">
+                <a:solidFill>
+                  <a:schemeClr val="tx1"/>
+                </a:solidFill>
+                <a:latin typeface="Tahoma" panose="020B0604030504040204" pitchFamily="34" charset="0"/>
+                <a:ea typeface="Tahoma" panose="020B0604030504040204" pitchFamily="34" charset="0"/>
+                <a:cs typeface="Tahoma" panose="020B0604030504040204" pitchFamily="34" charset="0"/>
+              </a:rPr>
+              <a:t>di</a:t>
+            </a:r>
+            <a:r>
+              <a:rPr lang="it-IT" sz="2400">
+                <a:solidFill>
+                  <a:schemeClr val="tx1"/>
+                </a:solidFill>
+                <a:latin typeface="Tahoma" panose="020B0604030504040204" pitchFamily="34" charset="0"/>
+                <a:ea typeface="Tahoma" panose="020B0604030504040204" pitchFamily="34" charset="0"/>
+                <a:cs typeface="Tahoma" panose="020B0604030504040204" pitchFamily="34" charset="0"/>
+              </a:rPr>
+              <a:t> </a:t>
+            </a:r>
+            <a:r>
+              <a:rPr lang="it-IT" sz="2400" b="1">
+                <a:solidFill>
+                  <a:schemeClr val="tx1"/>
+                </a:solidFill>
+                <a:latin typeface="Tahoma" panose="020B0604030504040204" pitchFamily="34" charset="0"/>
+                <a:ea typeface="Tahoma" panose="020B0604030504040204" pitchFamily="34" charset="0"/>
+                <a:cs typeface="Tahoma" panose="020B0604030504040204" pitchFamily="34" charset="0"/>
+              </a:rPr>
+              <a:t>una</a:t>
+            </a:r>
+            <a:r>
+              <a:rPr lang="it-IT" sz="2400">
+                <a:solidFill>
+                  <a:schemeClr val="tx1"/>
+                </a:solidFill>
+                <a:latin typeface="Tahoma" panose="020B0604030504040204" pitchFamily="34" charset="0"/>
+                <a:ea typeface="Tahoma" panose="020B0604030504040204" pitchFamily="34" charset="0"/>
+                <a:cs typeface="Tahoma" panose="020B0604030504040204" pitchFamily="34" charset="0"/>
+              </a:rPr>
+              <a:t> </a:t>
+            </a:r>
+            <a:r>
+              <a:rPr lang="it-IT" sz="2400" b="1">
+                <a:solidFill>
+                  <a:schemeClr val="tx1"/>
+                </a:solidFill>
+                <a:latin typeface="Tahoma" panose="020B0604030504040204" pitchFamily="34" charset="0"/>
+                <a:ea typeface="Tahoma" panose="020B0604030504040204" pitchFamily="34" charset="0"/>
+                <a:cs typeface="Tahoma" panose="020B0604030504040204" pitchFamily="34" charset="0"/>
+              </a:rPr>
+              <a:t>banca.</a:t>
             </a:r>
           </a:p>
           <a:p>
@@ -8644,7 +10151,95 @@
                 <a:ea typeface="Tahoma" panose="020B0604030504040204" pitchFamily="34" charset="0"/>
                 <a:cs typeface="Tahoma" panose="020B0604030504040204" pitchFamily="34" charset="0"/>
               </a:rPr>
-              <a:t>Questo libro mastro ora iventa in realtà un ‘distributed ledger’ accessibile da qualsiasi utente che effettui una transazione ed entri quindi a far parte della ‘catena di distribuzione’, cui è affidato il controllo dell’intero sistema o di una parte di esso (tutte le informazioni del ‘libro mastro’ sono distribuite e condivise da tutti i soggetti del network, cioè da coloro che partecipano alla Blockchain).</a:t>
+              <a:t>Questo </a:t>
+            </a:r>
+            <a:r>
+              <a:rPr lang="it-IT" sz="2400" b="1">
+                <a:solidFill>
+                  <a:schemeClr val="tx1"/>
+                </a:solidFill>
+                <a:latin typeface="Tahoma" panose="020B0604030504040204" pitchFamily="34" charset="0"/>
+                <a:ea typeface="Tahoma" panose="020B0604030504040204" pitchFamily="34" charset="0"/>
+                <a:cs typeface="Tahoma" panose="020B0604030504040204" pitchFamily="34" charset="0"/>
+              </a:rPr>
+              <a:t>libro</a:t>
+            </a:r>
+            <a:r>
+              <a:rPr lang="it-IT" sz="2400">
+                <a:solidFill>
+                  <a:schemeClr val="tx1"/>
+                </a:solidFill>
+                <a:latin typeface="Tahoma" panose="020B0604030504040204" pitchFamily="34" charset="0"/>
+                <a:ea typeface="Tahoma" panose="020B0604030504040204" pitchFamily="34" charset="0"/>
+                <a:cs typeface="Tahoma" panose="020B0604030504040204" pitchFamily="34" charset="0"/>
+              </a:rPr>
+              <a:t> </a:t>
+            </a:r>
+            <a:r>
+              <a:rPr lang="it-IT" sz="2400" b="1">
+                <a:solidFill>
+                  <a:schemeClr val="tx1"/>
+                </a:solidFill>
+                <a:latin typeface="Tahoma" panose="020B0604030504040204" pitchFamily="34" charset="0"/>
+                <a:ea typeface="Tahoma" panose="020B0604030504040204" pitchFamily="34" charset="0"/>
+                <a:cs typeface="Tahoma" panose="020B0604030504040204" pitchFamily="34" charset="0"/>
+              </a:rPr>
+              <a:t>mastro</a:t>
+            </a:r>
+            <a:r>
+              <a:rPr lang="it-IT" sz="2400">
+                <a:solidFill>
+                  <a:schemeClr val="tx1"/>
+                </a:solidFill>
+                <a:latin typeface="Tahoma" panose="020B0604030504040204" pitchFamily="34" charset="0"/>
+                <a:ea typeface="Tahoma" panose="020B0604030504040204" pitchFamily="34" charset="0"/>
+                <a:cs typeface="Tahoma" panose="020B0604030504040204" pitchFamily="34" charset="0"/>
+              </a:rPr>
+              <a:t> ora diventa in realtà un ‘</a:t>
+            </a:r>
+            <a:r>
+              <a:rPr lang="it-IT" sz="2400" b="1">
+                <a:solidFill>
+                  <a:schemeClr val="tx1"/>
+                </a:solidFill>
+                <a:latin typeface="Tahoma" panose="020B0604030504040204" pitchFamily="34" charset="0"/>
+                <a:ea typeface="Tahoma" panose="020B0604030504040204" pitchFamily="34" charset="0"/>
+                <a:cs typeface="Tahoma" panose="020B0604030504040204" pitchFamily="34" charset="0"/>
+              </a:rPr>
+              <a:t>distributed</a:t>
+            </a:r>
+            <a:r>
+              <a:rPr lang="it-IT" sz="2400">
+                <a:solidFill>
+                  <a:schemeClr val="tx1"/>
+                </a:solidFill>
+                <a:latin typeface="Tahoma" panose="020B0604030504040204" pitchFamily="34" charset="0"/>
+                <a:ea typeface="Tahoma" panose="020B0604030504040204" pitchFamily="34" charset="0"/>
+                <a:cs typeface="Tahoma" panose="020B0604030504040204" pitchFamily="34" charset="0"/>
+              </a:rPr>
+              <a:t> </a:t>
+            </a:r>
+            <a:r>
+              <a:rPr lang="it-IT" sz="2400" b="1">
+                <a:solidFill>
+                  <a:schemeClr val="tx1"/>
+                </a:solidFill>
+                <a:latin typeface="Tahoma" panose="020B0604030504040204" pitchFamily="34" charset="0"/>
+                <a:ea typeface="Tahoma" panose="020B0604030504040204" pitchFamily="34" charset="0"/>
+                <a:cs typeface="Tahoma" panose="020B0604030504040204" pitchFamily="34" charset="0"/>
+              </a:rPr>
+              <a:t>ledger</a:t>
+            </a:r>
+            <a:r>
+              <a:rPr lang="it-IT" sz="2400">
+                <a:solidFill>
+                  <a:schemeClr val="tx1"/>
+                </a:solidFill>
+                <a:latin typeface="Tahoma" panose="020B0604030504040204" pitchFamily="34" charset="0"/>
+                <a:ea typeface="Tahoma" panose="020B0604030504040204" pitchFamily="34" charset="0"/>
+                <a:cs typeface="Tahoma" panose="020B0604030504040204" pitchFamily="34" charset="0"/>
+              </a:rPr>
+              <a:t>’ accessibile da qualsiasi utente che effettui una transazione ed entri quindi a far parte della ‘catena di distribuzione’, cui è affidato il controllo dell’intero sistema o di una parte di esso (tutte le informazioni del ‘libro mastro’ sono distribuite e condivise da tutti i soggetti del network, cioè da coloro che partecipano alla Blockchain).</a:t>
             </a:r>
           </a:p>
         </p:txBody>
@@ -8795,6 +10390,217 @@
       </p:grpSpPr>
       <p:sp>
         <p:nvSpPr>
+          <p:cNvPr id="2" name="Segnaposto testo 1">
+            <a:extLst>
+              <a:ext uri="{FF2B5EF4-FFF2-40B4-BE49-F238E27FC236}">
+                <a16:creationId xmlns:a16="http://schemas.microsoft.com/office/drawing/2014/main" id="{E5AE986C-196F-4141-A898-FA4C4198CDCC}"/>
+              </a:ext>
+            </a:extLst>
+          </p:cNvPr>
+          <p:cNvSpPr>
+            <a:spLocks noGrp="1"/>
+          </p:cNvSpPr>
+          <p:nvPr>
+            <p:ph type="body" idx="1"/>
+          </p:nvPr>
+        </p:nvSpPr>
+        <p:spPr>
+          <a:xfrm>
+            <a:off x="5232399" y="1232694"/>
+            <a:ext cx="6505575" cy="4392612"/>
+          </a:xfrm>
+        </p:spPr>
+        <p:txBody>
+          <a:bodyPr/>
+          <a:lstStyle/>
+          <a:p>
+            <a:pPr marL="342900" indent="-342900" algn="just">
+              <a:lnSpc>
+                <a:spcPct val="115000"/>
+              </a:lnSpc>
+              <a:spcBef>
+                <a:spcPts val="2400"/>
+              </a:spcBef>
+              <a:buFont typeface="Wingdings" panose="05000000000000000000" pitchFamily="2" charset="2"/>
+              <a:buChar char="ü"/>
+              <a:tabLst>
+                <a:tab pos="457200" algn="l"/>
+              </a:tabLst>
+            </a:pPr>
+            <a:r>
+              <a:rPr lang="it-IT" sz="2400">
+                <a:solidFill>
+                  <a:schemeClr val="tx1"/>
+                </a:solidFill>
+                <a:latin typeface="Tahoma" panose="020B0604030504040204" pitchFamily="34" charset="0"/>
+                <a:ea typeface="Tahoma" panose="020B0604030504040204" pitchFamily="34" charset="0"/>
+                <a:cs typeface="Tahoma" panose="020B0604030504040204" pitchFamily="34" charset="0"/>
+              </a:rPr>
+              <a:t>Sebbene </a:t>
+            </a:r>
+            <a:r>
+              <a:rPr lang="it-IT" sz="2400" b="1">
+                <a:solidFill>
+                  <a:schemeClr val="tx1"/>
+                </a:solidFill>
+                <a:latin typeface="Tahoma" panose="020B0604030504040204" pitchFamily="34" charset="0"/>
+                <a:ea typeface="Tahoma" panose="020B0604030504040204" pitchFamily="34" charset="0"/>
+                <a:cs typeface="Tahoma" panose="020B0604030504040204" pitchFamily="34" charset="0"/>
+              </a:rPr>
+              <a:t>Nakamoto</a:t>
+            </a:r>
+            <a:r>
+              <a:rPr lang="it-IT" sz="2400">
+                <a:solidFill>
+                  <a:schemeClr val="tx1"/>
+                </a:solidFill>
+                <a:latin typeface="Tahoma" panose="020B0604030504040204" pitchFamily="34" charset="0"/>
+                <a:ea typeface="Tahoma" panose="020B0604030504040204" pitchFamily="34" charset="0"/>
+                <a:cs typeface="Tahoma" panose="020B0604030504040204" pitchFamily="34" charset="0"/>
+              </a:rPr>
+              <a:t> abbia dato il via </a:t>
+            </a:r>
+            <a:r>
+              <a:rPr lang="it-IT" sz="2400" b="1">
+                <a:solidFill>
+                  <a:schemeClr val="tx1"/>
+                </a:solidFill>
+                <a:latin typeface="Tahoma" panose="020B0604030504040204" pitchFamily="34" charset="0"/>
+                <a:ea typeface="Tahoma" panose="020B0604030504040204" pitchFamily="34" charset="0"/>
+                <a:cs typeface="Tahoma" panose="020B0604030504040204" pitchFamily="34" charset="0"/>
+              </a:rPr>
+              <a:t>all’architettura</a:t>
+            </a:r>
+            <a:r>
+              <a:rPr lang="it-IT" sz="2400">
+                <a:solidFill>
+                  <a:schemeClr val="tx1"/>
+                </a:solidFill>
+                <a:latin typeface="Tahoma" panose="020B0604030504040204" pitchFamily="34" charset="0"/>
+                <a:ea typeface="Tahoma" panose="020B0604030504040204" pitchFamily="34" charset="0"/>
+                <a:cs typeface="Tahoma" panose="020B0604030504040204" pitchFamily="34" charset="0"/>
+              </a:rPr>
+              <a:t> </a:t>
+            </a:r>
+            <a:r>
+              <a:rPr lang="it-IT" sz="2400" b="1">
+                <a:solidFill>
+                  <a:schemeClr val="tx1"/>
+                </a:solidFill>
+                <a:latin typeface="Tahoma" panose="020B0604030504040204" pitchFamily="34" charset="0"/>
+                <a:ea typeface="Tahoma" panose="020B0604030504040204" pitchFamily="34" charset="0"/>
+                <a:cs typeface="Tahoma" panose="020B0604030504040204" pitchFamily="34" charset="0"/>
+              </a:rPr>
+              <a:t>Bitcoin</a:t>
+            </a:r>
+            <a:r>
+              <a:rPr lang="it-IT" sz="2400">
+                <a:solidFill>
+                  <a:schemeClr val="tx1"/>
+                </a:solidFill>
+                <a:latin typeface="Tahoma" panose="020B0604030504040204" pitchFamily="34" charset="0"/>
+                <a:ea typeface="Tahoma" panose="020B0604030504040204" pitchFamily="34" charset="0"/>
+                <a:cs typeface="Tahoma" panose="020B0604030504040204" pitchFamily="34" charset="0"/>
+              </a:rPr>
+              <a:t> (cioè l’infrastruttura che sottende alla circolazione della moneta criptata bitcoin), in poco tempo il</a:t>
+            </a:r>
+            <a:r>
+              <a:rPr lang="it-IT" sz="2400" b="1">
+                <a:solidFill>
+                  <a:schemeClr val="tx1"/>
+                </a:solidFill>
+                <a:latin typeface="Tahoma" panose="020B0604030504040204" pitchFamily="34" charset="0"/>
+                <a:ea typeface="Tahoma" panose="020B0604030504040204" pitchFamily="34" charset="0"/>
+                <a:cs typeface="Tahoma" panose="020B0604030504040204" pitchFamily="34" charset="0"/>
+              </a:rPr>
+              <a:t> concetto di Blockchain </a:t>
+            </a:r>
+            <a:r>
+              <a:rPr lang="it-IT" sz="2400">
+                <a:solidFill>
+                  <a:schemeClr val="tx1"/>
+                </a:solidFill>
+                <a:latin typeface="Tahoma" panose="020B0604030504040204" pitchFamily="34" charset="0"/>
+                <a:ea typeface="Tahoma" panose="020B0604030504040204" pitchFamily="34" charset="0"/>
+                <a:cs typeface="Tahoma" panose="020B0604030504040204" pitchFamily="34" charset="0"/>
+              </a:rPr>
+              <a:t>ha preso il sopravvento.</a:t>
+            </a:r>
+          </a:p>
+          <a:p>
+            <a:pPr marL="342900" indent="-342900" algn="just">
+              <a:lnSpc>
+                <a:spcPct val="115000"/>
+              </a:lnSpc>
+              <a:spcBef>
+                <a:spcPts val="2400"/>
+              </a:spcBef>
+              <a:buFont typeface="Wingdings" panose="05000000000000000000" pitchFamily="2" charset="2"/>
+              <a:buChar char="ü"/>
+              <a:tabLst>
+                <a:tab pos="457200" algn="l"/>
+              </a:tabLst>
+            </a:pPr>
+            <a:r>
+              <a:rPr lang="it-IT" sz="2400">
+                <a:solidFill>
+                  <a:schemeClr val="tx1"/>
+                </a:solidFill>
+                <a:latin typeface="Tahoma" panose="020B0604030504040204" pitchFamily="34" charset="0"/>
+                <a:ea typeface="Tahoma" panose="020B0604030504040204" pitchFamily="34" charset="0"/>
+                <a:cs typeface="Tahoma" panose="020B0604030504040204" pitchFamily="34" charset="0"/>
+              </a:rPr>
+              <a:t>E' stato dunque identificata la </a:t>
+            </a:r>
+            <a:r>
+              <a:rPr lang="it-IT" sz="2400" b="1">
+                <a:solidFill>
+                  <a:schemeClr val="tx1"/>
+                </a:solidFill>
+                <a:latin typeface="Tahoma" panose="020B0604030504040204" pitchFamily="34" charset="0"/>
+                <a:ea typeface="Tahoma" panose="020B0604030504040204" pitchFamily="34" charset="0"/>
+                <a:cs typeface="Tahoma" panose="020B0604030504040204" pitchFamily="34" charset="0"/>
+              </a:rPr>
+              <a:t>Blockchain</a:t>
+            </a:r>
+            <a:r>
+              <a:rPr lang="it-IT" sz="2400">
+                <a:solidFill>
+                  <a:schemeClr val="tx1"/>
+                </a:solidFill>
+                <a:latin typeface="Tahoma" panose="020B0604030504040204" pitchFamily="34" charset="0"/>
+                <a:ea typeface="Tahoma" panose="020B0604030504040204" pitchFamily="34" charset="0"/>
+                <a:cs typeface="Tahoma" panose="020B0604030504040204" pitchFamily="34" charset="0"/>
+              </a:rPr>
+              <a:t> con Bitcoin, identificando appunto con esso il nome dell’infrastruttura e preferendo parlare di Blockchain e non di </a:t>
+            </a:r>
+            <a:r>
+              <a:rPr lang="it-IT" sz="2400" b="1">
+                <a:solidFill>
+                  <a:schemeClr val="tx1"/>
+                </a:solidFill>
+                <a:latin typeface="Tahoma" panose="020B0604030504040204" pitchFamily="34" charset="0"/>
+                <a:ea typeface="Tahoma" panose="020B0604030504040204" pitchFamily="34" charset="0"/>
+                <a:cs typeface="Tahoma" panose="020B0604030504040204" pitchFamily="34" charset="0"/>
+              </a:rPr>
+              <a:t>Bitcoin</a:t>
+            </a:r>
+            <a:r>
+              <a:rPr lang="it-IT" sz="2400">
+                <a:solidFill>
+                  <a:schemeClr val="tx1"/>
+                </a:solidFill>
+                <a:latin typeface="Tahoma" panose="020B0604030504040204" pitchFamily="34" charset="0"/>
+                <a:ea typeface="Tahoma" panose="020B0604030504040204" pitchFamily="34" charset="0"/>
+                <a:cs typeface="Tahoma" panose="020B0604030504040204" pitchFamily="34" charset="0"/>
+              </a:rPr>
+              <a:t> per evitare che venga culturalmente associata solo alla moneta bitcoin. </a:t>
+            </a:r>
+          </a:p>
+        </p:txBody>
+      </p:sp>
+      <p:sp>
+        <p:nvSpPr>
           <p:cNvPr id="7" name="Segnaposto numero diapositiva 6">
             <a:extLst>
               <a:ext uri="{FF2B5EF4-FFF2-40B4-BE49-F238E27FC236}">
@@ -8830,10 +10636,10 @@
       </p:sp>
       <p:sp>
         <p:nvSpPr>
-          <p:cNvPr id="5" name="Titolo 4">
-            <a:extLst>
-              <a:ext uri="{FF2B5EF4-FFF2-40B4-BE49-F238E27FC236}">
-                <a16:creationId xmlns:a16="http://schemas.microsoft.com/office/drawing/2014/main" id="{82C46BA2-B380-4357-B125-BA9F08A643F5}"/>
+          <p:cNvPr id="6" name="Titolo 4">
+            <a:extLst>
+              <a:ext uri="{FF2B5EF4-FFF2-40B4-BE49-F238E27FC236}">
+                <a16:creationId xmlns:a16="http://schemas.microsoft.com/office/drawing/2014/main" id="{CF9A4806-60B4-80DC-1F76-D2EB3E6C376B}"/>
               </a:ext>
             </a:extLst>
           </p:cNvPr>
@@ -8846,8 +10652,8 @@
         </p:nvSpPr>
         <p:spPr>
           <a:xfrm>
-            <a:off x="468895" y="503475"/>
-            <a:ext cx="11269308" cy="384721"/>
+            <a:off x="468313" y="286788"/>
+            <a:ext cx="11269662" cy="769441"/>
           </a:xfrm>
         </p:spPr>
         <p:txBody>
@@ -8855,120 +10661,62 @@
           <a:lstStyle/>
           <a:p>
             <a:r>
-              <a:rPr lang="it-IT" altLang="it-IT"/>
-              <a:t>Bibliografia</a:t>
-            </a:r>
-            <a:endParaRPr lang="it-IT" dirty="0"/>
+              <a:rPr lang="it-IT">
+                <a:solidFill>
+                  <a:schemeClr val="tx1"/>
+                </a:solidFill>
+              </a:rPr>
+              <a:t>Architetture di Blockchain</a:t>
+            </a:r>
+            <a:br>
+              <a:rPr lang="it-IT">
+                <a:solidFill>
+                  <a:schemeClr val="tx1"/>
+                </a:solidFill>
+              </a:rPr>
+            </a:br>
+            <a:endParaRPr lang="it-IT" dirty="0">
+              <a:solidFill>
+                <a:schemeClr val="tx1"/>
+              </a:solidFill>
+            </a:endParaRPr>
           </a:p>
         </p:txBody>
       </p:sp>
-      <p:sp>
-        <p:nvSpPr>
-          <p:cNvPr id="3" name="Segnaposto testo 2">
-            <a:extLst>
-              <a:ext uri="{FF2B5EF4-FFF2-40B4-BE49-F238E27FC236}">
-                <a16:creationId xmlns:a16="http://schemas.microsoft.com/office/drawing/2014/main" id="{15CD42DB-61E6-AA3D-7125-BF4BEDB5D886}"/>
-              </a:ext>
-            </a:extLst>
-          </p:cNvPr>
-          <p:cNvSpPr>
-            <a:spLocks noGrp="1"/>
-          </p:cNvSpPr>
-          <p:nvPr>
-            <p:ph type="body" idx="1"/>
-          </p:nvPr>
-        </p:nvSpPr>
-        <p:spPr>
-          <a:xfrm>
-            <a:off x="477519" y="1557338"/>
-            <a:ext cx="11043921" cy="4392612"/>
-          </a:xfrm>
-        </p:spPr>
-        <p:txBody>
-          <a:bodyPr/>
-          <a:lstStyle/>
-          <a:p>
-            <a:endParaRPr lang="it-IT" dirty="0"/>
-          </a:p>
-          <a:p>
-            <a:endParaRPr lang="it-IT" dirty="0"/>
-          </a:p>
-        </p:txBody>
-      </p:sp>
-      <p:sp>
-        <p:nvSpPr>
-          <p:cNvPr id="4" name="CasellaDiTesto 3">
-            <a:extLst>
-              <a:ext uri="{FF2B5EF4-FFF2-40B4-BE49-F238E27FC236}">
-                <a16:creationId xmlns:a16="http://schemas.microsoft.com/office/drawing/2014/main" id="{3A57F920-DCCD-CF89-645E-EE041C3494AA}"/>
-              </a:ext>
-            </a:extLst>
-          </p:cNvPr>
-          <p:cNvSpPr txBox="1"/>
+      <p:pic>
+        <p:nvPicPr>
+          <p:cNvPr id="8" name="Immagine 7">
+            <a:extLst>
+              <a:ext uri="{FF2B5EF4-FFF2-40B4-BE49-F238E27FC236}">
+                <a16:creationId xmlns:a16="http://schemas.microsoft.com/office/drawing/2014/main" id="{89FDE205-8211-F6E6-B1D7-A3A51945A227}"/>
+              </a:ext>
+            </a:extLst>
+          </p:cNvPr>
+          <p:cNvPicPr>
+            <a:picLocks noChangeAspect="1"/>
+          </p:cNvPicPr>
           <p:nvPr/>
-        </p:nvSpPr>
-        <p:spPr>
-          <a:xfrm>
-            <a:off x="825119" y="1557338"/>
-            <a:ext cx="10105478" cy="369332"/>
+        </p:nvPicPr>
+        <p:blipFill>
+          <a:blip r:embed="rId2"/>
+          <a:stretch>
+            <a:fillRect/>
+          </a:stretch>
+        </p:blipFill>
+        <p:spPr>
+          <a:xfrm>
+            <a:off x="692150" y="2527300"/>
+            <a:ext cx="4368718" cy="2446482"/>
           </a:xfrm>
           <a:prstGeom prst="rect">
             <a:avLst/>
           </a:prstGeom>
-          <a:noFill/>
-        </p:spPr>
-        <p:txBody>
-          <a:bodyPr wrap="square">
-            <a:spAutoFit/>
-          </a:bodyPr>
-          <a:lstStyle/>
-          <a:p>
-            <a:r>
-              <a:rPr lang="it-IT"/>
-              <a:t>https://blog.osservatori.net/it_it/blockchain-spiegazione-significato-applicazioni</a:t>
-            </a:r>
-          </a:p>
-        </p:txBody>
-      </p:sp>
-      <p:sp>
-        <p:nvSpPr>
-          <p:cNvPr id="6" name="CasellaDiTesto 5">
-            <a:extLst>
-              <a:ext uri="{FF2B5EF4-FFF2-40B4-BE49-F238E27FC236}">
-                <a16:creationId xmlns:a16="http://schemas.microsoft.com/office/drawing/2014/main" id="{0DA09C18-D12E-BFB8-4B6E-19C2D19894CD}"/>
-              </a:ext>
-            </a:extLst>
-          </p:cNvPr>
-          <p:cNvSpPr txBox="1"/>
-          <p:nvPr/>
-        </p:nvSpPr>
-        <p:spPr>
-          <a:xfrm>
-            <a:off x="825119" y="2050779"/>
-            <a:ext cx="6098344" cy="646331"/>
-          </a:xfrm>
-          <a:prstGeom prst="rect">
-            <a:avLst/>
-          </a:prstGeom>
-          <a:noFill/>
-        </p:spPr>
-        <p:txBody>
-          <a:bodyPr wrap="square">
-            <a:spAutoFit/>
-          </a:bodyPr>
-          <a:lstStyle/>
-          <a:p>
-            <a:r>
-              <a:rPr lang="it-IT"/>
-              <a:t>https://www.zerounoweb.it/cio-innovation/blockchain-architettura-applicazioni-scenari-futuri/</a:t>
-            </a:r>
-          </a:p>
-        </p:txBody>
-      </p:sp>
+        </p:spPr>
+      </p:pic>
     </p:spTree>
     <p:extLst>
       <p:ext uri="{BB962C8B-B14F-4D97-AF65-F5344CB8AC3E}">
-        <p14:creationId xmlns:p14="http://schemas.microsoft.com/office/powerpoint/2010/main" val="3490964097"/>
+        <p14:creationId xmlns:p14="http://schemas.microsoft.com/office/powerpoint/2010/main" val="582468830"/>
       </p:ext>
     </p:extLst>
   </p:cSld>

--- a/Assicurazioni/Distributed Ledger Technology_ita.pptx
+++ b/Assicurazioni/Distributed Ledger Technology_ita.pptx
@@ -5,7 +5,7 @@
     <p:sldMasterId id="2147483648" r:id="rId5"/>
   </p:sldMasterIdLst>
   <p:notesMasterIdLst>
-    <p:notesMasterId r:id="rId17"/>
+    <p:notesMasterId r:id="rId27"/>
   </p:notesMasterIdLst>
   <p:sldIdLst>
     <p:sldId id="256" r:id="rId6"/>
@@ -18,7 +18,17 @@
     <p:sldId id="369" r:id="rId13"/>
     <p:sldId id="372" r:id="rId14"/>
     <p:sldId id="373" r:id="rId15"/>
-    <p:sldId id="343" r:id="rId16"/>
+    <p:sldId id="374" r:id="rId16"/>
+    <p:sldId id="375" r:id="rId17"/>
+    <p:sldId id="377" r:id="rId18"/>
+    <p:sldId id="376" r:id="rId19"/>
+    <p:sldId id="378" r:id="rId20"/>
+    <p:sldId id="379" r:id="rId21"/>
+    <p:sldId id="380" r:id="rId22"/>
+    <p:sldId id="381" r:id="rId23"/>
+    <p:sldId id="382" r:id="rId24"/>
+    <p:sldId id="383" r:id="rId25"/>
+    <p:sldId id="343" r:id="rId26"/>
   </p:sldIdLst>
   <p:sldSz cx="12192000" cy="6858000"/>
   <p:notesSz cx="6858000" cy="9144000"/>
@@ -276,7 +286,7 @@
               <a:pPr>
                 <a:defRPr/>
               </a:pPr>
-              <a:t>4/1/2023</a:t>
+              <a:t>4/2/2023</a:t>
             </a:fld>
             <a:endParaRPr lang="en-US"/>
           </a:p>
@@ -6833,7 +6843,7 @@
         <p:spPr>
           <a:xfrm>
             <a:off x="468313" y="1372394"/>
-            <a:ext cx="9304264" cy="4392612"/>
+            <a:ext cx="11269662" cy="4392612"/>
           </a:xfrm>
         </p:spPr>
         <p:txBody>
@@ -6854,44 +6864,290 @@
               </a:tabLst>
             </a:pPr>
             <a:r>
-              <a:rPr lang="it-IT" sz="2400">
-                <a:solidFill>
-                  <a:schemeClr val="tx1"/>
-                </a:solidFill>
-                <a:latin typeface="Tahoma" panose="020B0604030504040204" pitchFamily="34" charset="0"/>
-                <a:ea typeface="Tahoma" panose="020B0604030504040204" pitchFamily="34" charset="0"/>
-                <a:cs typeface="Tahoma" panose="020B0604030504040204" pitchFamily="34" charset="0"/>
-              </a:rPr>
-              <a:t>Blockchain, e più o meno dal 2013 che lo si utilizza per descrivere la piattaforma tecnologica che sta alla base di meccanismi di ‘trust’ che potrebbero abilitare nuove forme di scambio (di valuta, di beni, di informazioni, di </a:t>
-            </a:r>
-            <a:r>
-              <a:rPr lang="it-IT" sz="2400">
-                <a:solidFill>
-                  <a:schemeClr val="tx1"/>
-                </a:solidFill>
-                <a:latin typeface="Tahoma" panose="020B0604030504040204" pitchFamily="34" charset="0"/>
-                <a:ea typeface="Tahoma" panose="020B0604030504040204" pitchFamily="34" charset="0"/>
-                <a:cs typeface="Tahoma" panose="020B0604030504040204" pitchFamily="34" charset="0"/>
-                <a:hlinkClick r:id="rId2">
-                  <a:extLst>
-                    <a:ext uri="{A12FA001-AC4F-418D-AE19-62706E023703}">
-                      <ahyp:hlinkClr xmlns:ahyp="http://schemas.microsoft.com/office/drawing/2018/hyperlinkcolor" val="tx"/>
-                    </a:ext>
-                  </a:extLst>
-                </a:hlinkClick>
+              <a:rPr lang="it-IT" sz="2400" b="1" dirty="0" err="1">
+                <a:solidFill>
+                  <a:schemeClr val="tx1"/>
+                </a:solidFill>
+                <a:latin typeface="Tahoma" panose="020B0604030504040204" pitchFamily="34" charset="0"/>
+                <a:ea typeface="Tahoma" panose="020B0604030504040204" pitchFamily="34" charset="0"/>
+                <a:cs typeface="Tahoma" panose="020B0604030504040204" pitchFamily="34" charset="0"/>
+              </a:rPr>
+              <a:t>Blockchain</a:t>
+            </a:r>
+            <a:r>
+              <a:rPr lang="it-IT" sz="2400" dirty="0">
+                <a:solidFill>
+                  <a:schemeClr val="tx1"/>
+                </a:solidFill>
+                <a:latin typeface="Tahoma" panose="020B0604030504040204" pitchFamily="34" charset="0"/>
+                <a:ea typeface="Tahoma" panose="020B0604030504040204" pitchFamily="34" charset="0"/>
+                <a:cs typeface="Tahoma" panose="020B0604030504040204" pitchFamily="34" charset="0"/>
+              </a:rPr>
+              <a:t>, </a:t>
+            </a:r>
+            <a:r>
+              <a:rPr lang="it-IT" sz="2400" dirty="0" smtClean="0">
+                <a:solidFill>
+                  <a:schemeClr val="tx1"/>
+                </a:solidFill>
+                <a:latin typeface="Tahoma" panose="020B0604030504040204" pitchFamily="34" charset="0"/>
+                <a:ea typeface="Tahoma" panose="020B0604030504040204" pitchFamily="34" charset="0"/>
+                <a:cs typeface="Tahoma" panose="020B0604030504040204" pitchFamily="34" charset="0"/>
+              </a:rPr>
+              <a:t>è </a:t>
+            </a:r>
+            <a:r>
+              <a:rPr lang="it-IT" sz="2400" dirty="0">
+                <a:solidFill>
+                  <a:schemeClr val="tx1"/>
+                </a:solidFill>
+                <a:latin typeface="Tahoma" panose="020B0604030504040204" pitchFamily="34" charset="0"/>
+                <a:ea typeface="Tahoma" panose="020B0604030504040204" pitchFamily="34" charset="0"/>
+                <a:cs typeface="Tahoma" panose="020B0604030504040204" pitchFamily="34" charset="0"/>
+              </a:rPr>
+              <a:t>più o meno dal 2013 che lo si utilizza per descrivere la piattaforma tecnologica che sta alla base di meccanismi di ‘</a:t>
+            </a:r>
+            <a:r>
+              <a:rPr lang="it-IT" sz="2400" b="1" dirty="0">
+                <a:solidFill>
+                  <a:schemeClr val="tx1"/>
+                </a:solidFill>
+                <a:latin typeface="Tahoma" panose="020B0604030504040204" pitchFamily="34" charset="0"/>
+                <a:ea typeface="Tahoma" panose="020B0604030504040204" pitchFamily="34" charset="0"/>
+                <a:cs typeface="Tahoma" panose="020B0604030504040204" pitchFamily="34" charset="0"/>
+              </a:rPr>
+              <a:t>trust</a:t>
+            </a:r>
+            <a:r>
+              <a:rPr lang="it-IT" sz="2400" dirty="0">
+                <a:solidFill>
+                  <a:schemeClr val="tx1"/>
+                </a:solidFill>
+                <a:latin typeface="Tahoma" panose="020B0604030504040204" pitchFamily="34" charset="0"/>
+                <a:ea typeface="Tahoma" panose="020B0604030504040204" pitchFamily="34" charset="0"/>
+                <a:cs typeface="Tahoma" panose="020B0604030504040204" pitchFamily="34" charset="0"/>
+              </a:rPr>
+              <a:t>’ che potrebbero </a:t>
+            </a:r>
+            <a:r>
+              <a:rPr lang="it-IT" sz="2400" b="1" dirty="0">
+                <a:solidFill>
+                  <a:schemeClr val="tx1"/>
+                </a:solidFill>
+                <a:latin typeface="Tahoma" panose="020B0604030504040204" pitchFamily="34" charset="0"/>
+                <a:ea typeface="Tahoma" panose="020B0604030504040204" pitchFamily="34" charset="0"/>
+                <a:cs typeface="Tahoma" panose="020B0604030504040204" pitchFamily="34" charset="0"/>
+              </a:rPr>
+              <a:t>abilitare</a:t>
+            </a:r>
+            <a:r>
+              <a:rPr lang="it-IT" sz="2400" dirty="0">
+                <a:solidFill>
+                  <a:schemeClr val="tx1"/>
+                </a:solidFill>
+                <a:latin typeface="Tahoma" panose="020B0604030504040204" pitchFamily="34" charset="0"/>
+                <a:ea typeface="Tahoma" panose="020B0604030504040204" pitchFamily="34" charset="0"/>
+                <a:cs typeface="Tahoma" panose="020B0604030504040204" pitchFamily="34" charset="0"/>
+              </a:rPr>
+              <a:t> nuove forme di scambio (di </a:t>
+            </a:r>
+            <a:r>
+              <a:rPr lang="it-IT" sz="2400" b="1" dirty="0">
+                <a:solidFill>
+                  <a:schemeClr val="tx1"/>
+                </a:solidFill>
+                <a:latin typeface="Tahoma" panose="020B0604030504040204" pitchFamily="34" charset="0"/>
+                <a:ea typeface="Tahoma" panose="020B0604030504040204" pitchFamily="34" charset="0"/>
+                <a:cs typeface="Tahoma" panose="020B0604030504040204" pitchFamily="34" charset="0"/>
+              </a:rPr>
+              <a:t>valuta</a:t>
+            </a:r>
+            <a:r>
+              <a:rPr lang="it-IT" sz="2400" dirty="0">
+                <a:solidFill>
+                  <a:schemeClr val="tx1"/>
+                </a:solidFill>
+                <a:latin typeface="Tahoma" panose="020B0604030504040204" pitchFamily="34" charset="0"/>
+                <a:ea typeface="Tahoma" panose="020B0604030504040204" pitchFamily="34" charset="0"/>
+                <a:cs typeface="Tahoma" panose="020B0604030504040204" pitchFamily="34" charset="0"/>
+              </a:rPr>
+              <a:t>, di </a:t>
+            </a:r>
+            <a:r>
+              <a:rPr lang="it-IT" sz="2400" b="1" dirty="0">
+                <a:solidFill>
+                  <a:schemeClr val="tx1"/>
+                </a:solidFill>
+                <a:latin typeface="Tahoma" panose="020B0604030504040204" pitchFamily="34" charset="0"/>
+                <a:ea typeface="Tahoma" panose="020B0604030504040204" pitchFamily="34" charset="0"/>
+                <a:cs typeface="Tahoma" panose="020B0604030504040204" pitchFamily="34" charset="0"/>
+              </a:rPr>
+              <a:t>beni</a:t>
+            </a:r>
+            <a:r>
+              <a:rPr lang="it-IT" sz="2400" dirty="0">
+                <a:solidFill>
+                  <a:schemeClr val="tx1"/>
+                </a:solidFill>
+                <a:latin typeface="Tahoma" panose="020B0604030504040204" pitchFamily="34" charset="0"/>
+                <a:ea typeface="Tahoma" panose="020B0604030504040204" pitchFamily="34" charset="0"/>
+                <a:cs typeface="Tahoma" panose="020B0604030504040204" pitchFamily="34" charset="0"/>
+              </a:rPr>
+              <a:t>, di </a:t>
+            </a:r>
+            <a:r>
+              <a:rPr lang="it-IT" sz="2400" b="1" dirty="0">
+                <a:solidFill>
+                  <a:schemeClr val="tx1"/>
+                </a:solidFill>
+                <a:latin typeface="Tahoma" panose="020B0604030504040204" pitchFamily="34" charset="0"/>
+                <a:ea typeface="Tahoma" panose="020B0604030504040204" pitchFamily="34" charset="0"/>
+                <a:cs typeface="Tahoma" panose="020B0604030504040204" pitchFamily="34" charset="0"/>
+              </a:rPr>
+              <a:t>informazioni</a:t>
+            </a:r>
+            <a:r>
+              <a:rPr lang="it-IT" sz="2400" dirty="0">
+                <a:solidFill>
+                  <a:schemeClr val="tx1"/>
+                </a:solidFill>
+                <a:latin typeface="Tahoma" panose="020B0604030504040204" pitchFamily="34" charset="0"/>
+                <a:ea typeface="Tahoma" panose="020B0604030504040204" pitchFamily="34" charset="0"/>
+                <a:cs typeface="Tahoma" panose="020B0604030504040204" pitchFamily="34" charset="0"/>
+              </a:rPr>
+              <a:t>, </a:t>
+            </a:r>
+            <a:r>
+              <a:rPr lang="it-IT" sz="2400" dirty="0" smtClean="0">
+                <a:solidFill>
+                  <a:schemeClr val="tx1"/>
+                </a:solidFill>
+                <a:latin typeface="Tahoma" panose="020B0604030504040204" pitchFamily="34" charset="0"/>
+                <a:ea typeface="Tahoma" panose="020B0604030504040204" pitchFamily="34" charset="0"/>
+                <a:cs typeface="Tahoma" panose="020B0604030504040204" pitchFamily="34" charset="0"/>
+              </a:rPr>
+              <a:t>di </a:t>
+            </a:r>
+            <a:r>
+              <a:rPr lang="it-IT" sz="2400" b="1" dirty="0" smtClean="0">
+                <a:solidFill>
+                  <a:schemeClr val="tx1"/>
+                </a:solidFill>
+                <a:latin typeface="Tahoma" panose="020B0604030504040204" pitchFamily="34" charset="0"/>
+                <a:ea typeface="Tahoma" panose="020B0604030504040204" pitchFamily="34" charset="0"/>
+                <a:cs typeface="Tahoma" panose="020B0604030504040204" pitchFamily="34" charset="0"/>
               </a:rPr>
               <a:t>contratti</a:t>
             </a:r>
             <a:r>
-              <a:rPr lang="it-IT" sz="2400">
-                <a:solidFill>
-                  <a:schemeClr val="tx1"/>
-                </a:solidFill>
-                <a:latin typeface="Tahoma" panose="020B0604030504040204" pitchFamily="34" charset="0"/>
-                <a:ea typeface="Tahoma" panose="020B0604030504040204" pitchFamily="34" charset="0"/>
-                <a:cs typeface="Tahoma" panose="020B0604030504040204" pitchFamily="34" charset="0"/>
-              </a:rPr>
-              <a:t>, ecc.) dove la fiducia non è più riposta in una entità centrale ma distribuita tra tutti i partecipanti dello ‘scambio’.</a:t>
+              <a:rPr lang="it-IT" sz="2400" dirty="0" smtClean="0">
+                <a:solidFill>
+                  <a:schemeClr val="tx1"/>
+                </a:solidFill>
+                <a:latin typeface="Tahoma" panose="020B0604030504040204" pitchFamily="34" charset="0"/>
+                <a:ea typeface="Tahoma" panose="020B0604030504040204" pitchFamily="34" charset="0"/>
+                <a:cs typeface="Tahoma" panose="020B0604030504040204" pitchFamily="34" charset="0"/>
+              </a:rPr>
+              <a:t>, </a:t>
+            </a:r>
+            <a:r>
+              <a:rPr lang="it-IT" sz="2400" dirty="0">
+                <a:solidFill>
+                  <a:schemeClr val="tx1"/>
+                </a:solidFill>
+                <a:latin typeface="Tahoma" panose="020B0604030504040204" pitchFamily="34" charset="0"/>
+                <a:ea typeface="Tahoma" panose="020B0604030504040204" pitchFamily="34" charset="0"/>
+                <a:cs typeface="Tahoma" panose="020B0604030504040204" pitchFamily="34" charset="0"/>
+              </a:rPr>
+              <a:t>ecc.) dove la </a:t>
+            </a:r>
+            <a:r>
+              <a:rPr lang="it-IT" sz="2400" b="1" dirty="0">
+                <a:solidFill>
+                  <a:schemeClr val="tx1"/>
+                </a:solidFill>
+                <a:latin typeface="Tahoma" panose="020B0604030504040204" pitchFamily="34" charset="0"/>
+                <a:ea typeface="Tahoma" panose="020B0604030504040204" pitchFamily="34" charset="0"/>
+                <a:cs typeface="Tahoma" panose="020B0604030504040204" pitchFamily="34" charset="0"/>
+              </a:rPr>
+              <a:t>fiducia</a:t>
+            </a:r>
+            <a:r>
+              <a:rPr lang="it-IT" sz="2400" dirty="0">
+                <a:solidFill>
+                  <a:schemeClr val="tx1"/>
+                </a:solidFill>
+                <a:latin typeface="Tahoma" panose="020B0604030504040204" pitchFamily="34" charset="0"/>
+                <a:ea typeface="Tahoma" panose="020B0604030504040204" pitchFamily="34" charset="0"/>
+                <a:cs typeface="Tahoma" panose="020B0604030504040204" pitchFamily="34" charset="0"/>
+              </a:rPr>
+              <a:t> non è più riposta in una entità </a:t>
+            </a:r>
+            <a:r>
+              <a:rPr lang="it-IT" sz="2400" b="1" dirty="0">
+                <a:solidFill>
+                  <a:schemeClr val="tx1"/>
+                </a:solidFill>
+                <a:latin typeface="Tahoma" panose="020B0604030504040204" pitchFamily="34" charset="0"/>
+                <a:ea typeface="Tahoma" panose="020B0604030504040204" pitchFamily="34" charset="0"/>
+                <a:cs typeface="Tahoma" panose="020B0604030504040204" pitchFamily="34" charset="0"/>
+              </a:rPr>
+              <a:t>centrale</a:t>
+            </a:r>
+            <a:r>
+              <a:rPr lang="it-IT" sz="2400" dirty="0">
+                <a:solidFill>
+                  <a:schemeClr val="tx1"/>
+                </a:solidFill>
+                <a:latin typeface="Tahoma" panose="020B0604030504040204" pitchFamily="34" charset="0"/>
+                <a:ea typeface="Tahoma" panose="020B0604030504040204" pitchFamily="34" charset="0"/>
+                <a:cs typeface="Tahoma" panose="020B0604030504040204" pitchFamily="34" charset="0"/>
+              </a:rPr>
+              <a:t> ma </a:t>
+            </a:r>
+            <a:r>
+              <a:rPr lang="it-IT" sz="2400" b="1" dirty="0">
+                <a:solidFill>
+                  <a:schemeClr val="tx1"/>
+                </a:solidFill>
+                <a:latin typeface="Tahoma" panose="020B0604030504040204" pitchFamily="34" charset="0"/>
+                <a:ea typeface="Tahoma" panose="020B0604030504040204" pitchFamily="34" charset="0"/>
+                <a:cs typeface="Tahoma" panose="020B0604030504040204" pitchFamily="34" charset="0"/>
+              </a:rPr>
+              <a:t>distribuita</a:t>
+            </a:r>
+            <a:r>
+              <a:rPr lang="it-IT" sz="2400" dirty="0">
+                <a:solidFill>
+                  <a:schemeClr val="tx1"/>
+                </a:solidFill>
+                <a:latin typeface="Tahoma" panose="020B0604030504040204" pitchFamily="34" charset="0"/>
+                <a:ea typeface="Tahoma" panose="020B0604030504040204" pitchFamily="34" charset="0"/>
+                <a:cs typeface="Tahoma" panose="020B0604030504040204" pitchFamily="34" charset="0"/>
+              </a:rPr>
+              <a:t> tra tutti i partecipanti dello ‘</a:t>
+            </a:r>
+            <a:r>
+              <a:rPr lang="it-IT" sz="2400" b="1" dirty="0">
+                <a:solidFill>
+                  <a:schemeClr val="tx1"/>
+                </a:solidFill>
+                <a:latin typeface="Tahoma" panose="020B0604030504040204" pitchFamily="34" charset="0"/>
+                <a:ea typeface="Tahoma" panose="020B0604030504040204" pitchFamily="34" charset="0"/>
+                <a:cs typeface="Tahoma" panose="020B0604030504040204" pitchFamily="34" charset="0"/>
+              </a:rPr>
+              <a:t>scambio</a:t>
+            </a:r>
+            <a:r>
+              <a:rPr lang="it-IT" sz="2400" dirty="0">
+                <a:solidFill>
+                  <a:schemeClr val="tx1"/>
+                </a:solidFill>
+                <a:latin typeface="Tahoma" panose="020B0604030504040204" pitchFamily="34" charset="0"/>
+                <a:ea typeface="Tahoma" panose="020B0604030504040204" pitchFamily="34" charset="0"/>
+                <a:cs typeface="Tahoma" panose="020B0604030504040204" pitchFamily="34" charset="0"/>
+              </a:rPr>
+              <a:t>’.</a:t>
             </a:r>
           </a:p>
           <a:p>
@@ -6909,7 +7165,7 @@
               </a:tabLst>
             </a:pPr>
             <a:r>
-              <a:rPr lang="en-US" sz="2400" b="0" i="0">
+              <a:rPr lang="en-US" sz="2400" b="1" i="0" dirty="0" err="1">
                 <a:solidFill>
                   <a:srgbClr val="040C28"/>
                 </a:solidFill>
@@ -6918,10 +7174,10 @@
                 <a:ea typeface="Tahoma" panose="020B0604030504040204" pitchFamily="34" charset="0"/>
                 <a:cs typeface="Tahoma" panose="020B0604030504040204" pitchFamily="34" charset="0"/>
               </a:rPr>
-              <a:t>Differenza tra </a:t>
-            </a:r>
-            <a:r>
-              <a:rPr lang="en-US" sz="2400" b="1" i="0">
+              <a:t>Differenza</a:t>
+            </a:r>
+            <a:r>
+              <a:rPr lang="en-US" sz="2400" b="0" i="0" dirty="0">
                 <a:solidFill>
                   <a:srgbClr val="040C28"/>
                 </a:solidFill>
@@ -6930,10 +7186,46 @@
                 <a:ea typeface="Tahoma" panose="020B0604030504040204" pitchFamily="34" charset="0"/>
                 <a:cs typeface="Tahoma" panose="020B0604030504040204" pitchFamily="34" charset="0"/>
               </a:rPr>
+              <a:t> </a:t>
+            </a:r>
+            <a:r>
+              <a:rPr lang="en-US" sz="2400" b="0" i="0" dirty="0" err="1">
+                <a:solidFill>
+                  <a:srgbClr val="040C28"/>
+                </a:solidFill>
+                <a:effectLst/>
+                <a:latin typeface="Tahoma" panose="020B0604030504040204" pitchFamily="34" charset="0"/>
+                <a:ea typeface="Tahoma" panose="020B0604030504040204" pitchFamily="34" charset="0"/>
+                <a:cs typeface="Tahoma" panose="020B0604030504040204" pitchFamily="34" charset="0"/>
+              </a:rPr>
+              <a:t>tra</a:t>
+            </a:r>
+            <a:r>
+              <a:rPr lang="en-US" sz="2400" b="0" i="0" dirty="0">
+                <a:solidFill>
+                  <a:srgbClr val="040C28"/>
+                </a:solidFill>
+                <a:effectLst/>
+                <a:latin typeface="Tahoma" panose="020B0604030504040204" pitchFamily="34" charset="0"/>
+                <a:ea typeface="Tahoma" panose="020B0604030504040204" pitchFamily="34" charset="0"/>
+                <a:cs typeface="Tahoma" panose="020B0604030504040204" pitchFamily="34" charset="0"/>
+              </a:rPr>
+              <a:t> </a:t>
+            </a:r>
+            <a:r>
+              <a:rPr lang="en-US" sz="2400" b="1" i="0" dirty="0">
+                <a:solidFill>
+                  <a:srgbClr val="040C28"/>
+                </a:solidFill>
+                <a:effectLst/>
+                <a:latin typeface="Tahoma" panose="020B0604030504040204" pitchFamily="34" charset="0"/>
+                <a:ea typeface="Tahoma" panose="020B0604030504040204" pitchFamily="34" charset="0"/>
+                <a:cs typeface="Tahoma" panose="020B0604030504040204" pitchFamily="34" charset="0"/>
+              </a:rPr>
               <a:t>Bitcoin</a:t>
             </a:r>
             <a:r>
-              <a:rPr lang="en-US" sz="2400" b="0" i="0">
+              <a:rPr lang="en-US" sz="2400" b="0" i="0" dirty="0">
                 <a:solidFill>
                   <a:srgbClr val="040C28"/>
                 </a:solidFill>
@@ -6945,7 +7237,7 @@
               <a:t> e </a:t>
             </a:r>
             <a:r>
-              <a:rPr lang="en-US" sz="2400" b="1" i="0">
+              <a:rPr lang="en-US" sz="2400" b="1" i="0" dirty="0" err="1">
                 <a:solidFill>
                   <a:srgbClr val="040C28"/>
                 </a:solidFill>
@@ -6957,7 +7249,7 @@
               <a:t>Blockchain</a:t>
             </a:r>
             <a:r>
-              <a:rPr lang="en-US" sz="2400" b="0" i="0">
+              <a:rPr lang="en-US" sz="2400" b="0" i="0" dirty="0">
                 <a:solidFill>
                   <a:srgbClr val="040C28"/>
                 </a:solidFill>
@@ -6966,10 +7258,370 @@
                 <a:ea typeface="Tahoma" panose="020B0604030504040204" pitchFamily="34" charset="0"/>
                 <a:cs typeface="Tahoma" panose="020B0604030504040204" pitchFamily="34" charset="0"/>
               </a:rPr>
-              <a:t>: Bitcoin è una criptovaluta mentre la blockchain è un database distribuito, possiamo dire. Bitcoin è </a:t>
-            </a:r>
-            <a:r>
-              <a:rPr lang="en-US" sz="2400" b="0" i="0">
+              <a:t>: </a:t>
+            </a:r>
+            <a:r>
+              <a:rPr lang="en-US" sz="2400" b="1" i="0" dirty="0">
+                <a:solidFill>
+                  <a:srgbClr val="040C28"/>
+                </a:solidFill>
+                <a:effectLst/>
+                <a:latin typeface="Tahoma" panose="020B0604030504040204" pitchFamily="34" charset="0"/>
+                <a:ea typeface="Tahoma" panose="020B0604030504040204" pitchFamily="34" charset="0"/>
+                <a:cs typeface="Tahoma" panose="020B0604030504040204" pitchFamily="34" charset="0"/>
+              </a:rPr>
+              <a:t>Bitcoin</a:t>
+            </a:r>
+            <a:r>
+              <a:rPr lang="en-US" sz="2400" b="0" i="0" dirty="0">
+                <a:solidFill>
+                  <a:srgbClr val="040C28"/>
+                </a:solidFill>
+                <a:effectLst/>
+                <a:latin typeface="Tahoma" panose="020B0604030504040204" pitchFamily="34" charset="0"/>
+                <a:ea typeface="Tahoma" panose="020B0604030504040204" pitchFamily="34" charset="0"/>
+                <a:cs typeface="Tahoma" panose="020B0604030504040204" pitchFamily="34" charset="0"/>
+              </a:rPr>
+              <a:t> è </a:t>
+            </a:r>
+            <a:r>
+              <a:rPr lang="en-US" sz="2400" b="0" i="0" dirty="0" err="1">
+                <a:solidFill>
+                  <a:srgbClr val="040C28"/>
+                </a:solidFill>
+                <a:effectLst/>
+                <a:latin typeface="Tahoma" panose="020B0604030504040204" pitchFamily="34" charset="0"/>
+                <a:ea typeface="Tahoma" panose="020B0604030504040204" pitchFamily="34" charset="0"/>
+                <a:cs typeface="Tahoma" panose="020B0604030504040204" pitchFamily="34" charset="0"/>
+              </a:rPr>
+              <a:t>una</a:t>
+            </a:r>
+            <a:r>
+              <a:rPr lang="en-US" sz="2400" b="0" i="0" dirty="0">
+                <a:solidFill>
+                  <a:srgbClr val="040C28"/>
+                </a:solidFill>
+                <a:effectLst/>
+                <a:latin typeface="Tahoma" panose="020B0604030504040204" pitchFamily="34" charset="0"/>
+                <a:ea typeface="Tahoma" panose="020B0604030504040204" pitchFamily="34" charset="0"/>
+                <a:cs typeface="Tahoma" panose="020B0604030504040204" pitchFamily="34" charset="0"/>
+              </a:rPr>
+              <a:t> </a:t>
+            </a:r>
+            <a:r>
+              <a:rPr lang="en-US" sz="2400" b="1" i="0" dirty="0" err="1">
+                <a:solidFill>
+                  <a:srgbClr val="040C28"/>
+                </a:solidFill>
+                <a:effectLst/>
+                <a:latin typeface="Tahoma" panose="020B0604030504040204" pitchFamily="34" charset="0"/>
+                <a:ea typeface="Tahoma" panose="020B0604030504040204" pitchFamily="34" charset="0"/>
+                <a:cs typeface="Tahoma" panose="020B0604030504040204" pitchFamily="34" charset="0"/>
+              </a:rPr>
+              <a:t>criptovaluta</a:t>
+            </a:r>
+            <a:r>
+              <a:rPr lang="en-US" sz="2400" b="0" i="0" dirty="0">
+                <a:solidFill>
+                  <a:srgbClr val="040C28"/>
+                </a:solidFill>
+                <a:effectLst/>
+                <a:latin typeface="Tahoma" panose="020B0604030504040204" pitchFamily="34" charset="0"/>
+                <a:ea typeface="Tahoma" panose="020B0604030504040204" pitchFamily="34" charset="0"/>
+                <a:cs typeface="Tahoma" panose="020B0604030504040204" pitchFamily="34" charset="0"/>
+              </a:rPr>
+              <a:t> </a:t>
+            </a:r>
+            <a:r>
+              <a:rPr lang="en-US" sz="2400" b="0" i="0" dirty="0" err="1">
+                <a:solidFill>
+                  <a:srgbClr val="040C28"/>
+                </a:solidFill>
+                <a:effectLst/>
+                <a:latin typeface="Tahoma" panose="020B0604030504040204" pitchFamily="34" charset="0"/>
+                <a:ea typeface="Tahoma" panose="020B0604030504040204" pitchFamily="34" charset="0"/>
+                <a:cs typeface="Tahoma" panose="020B0604030504040204" pitchFamily="34" charset="0"/>
+              </a:rPr>
+              <a:t>mentre</a:t>
+            </a:r>
+            <a:r>
+              <a:rPr lang="en-US" sz="2400" b="0" i="0" dirty="0">
+                <a:solidFill>
+                  <a:srgbClr val="040C28"/>
+                </a:solidFill>
+                <a:effectLst/>
+                <a:latin typeface="Tahoma" panose="020B0604030504040204" pitchFamily="34" charset="0"/>
+                <a:ea typeface="Tahoma" panose="020B0604030504040204" pitchFamily="34" charset="0"/>
+                <a:cs typeface="Tahoma" panose="020B0604030504040204" pitchFamily="34" charset="0"/>
+              </a:rPr>
+              <a:t> la </a:t>
+            </a:r>
+            <a:r>
+              <a:rPr lang="en-US" sz="2400" b="0" i="0" dirty="0" err="1" smtClean="0">
+                <a:solidFill>
+                  <a:srgbClr val="040C28"/>
+                </a:solidFill>
+                <a:effectLst/>
+                <a:latin typeface="Tahoma" panose="020B0604030504040204" pitchFamily="34" charset="0"/>
+                <a:ea typeface="Tahoma" panose="020B0604030504040204" pitchFamily="34" charset="0"/>
+                <a:cs typeface="Tahoma" panose="020B0604030504040204" pitchFamily="34" charset="0"/>
+              </a:rPr>
+              <a:t>B</a:t>
+            </a:r>
+            <a:r>
+              <a:rPr lang="en-US" sz="2400" b="1" i="0" dirty="0" err="1" smtClean="0">
+                <a:solidFill>
+                  <a:srgbClr val="040C28"/>
+                </a:solidFill>
+                <a:effectLst/>
+                <a:latin typeface="Tahoma" panose="020B0604030504040204" pitchFamily="34" charset="0"/>
+                <a:ea typeface="Tahoma" panose="020B0604030504040204" pitchFamily="34" charset="0"/>
+                <a:cs typeface="Tahoma" panose="020B0604030504040204" pitchFamily="34" charset="0"/>
+              </a:rPr>
+              <a:t>lockchain</a:t>
+            </a:r>
+            <a:r>
+              <a:rPr lang="en-US" sz="2400" b="0" i="0" dirty="0" smtClean="0">
+                <a:solidFill>
+                  <a:srgbClr val="040C28"/>
+                </a:solidFill>
+                <a:effectLst/>
+                <a:latin typeface="Tahoma" panose="020B0604030504040204" pitchFamily="34" charset="0"/>
+                <a:ea typeface="Tahoma" panose="020B0604030504040204" pitchFamily="34" charset="0"/>
+                <a:cs typeface="Tahoma" panose="020B0604030504040204" pitchFamily="34" charset="0"/>
+              </a:rPr>
+              <a:t> </a:t>
+            </a:r>
+            <a:r>
+              <a:rPr lang="en-US" sz="2400" b="0" i="0" dirty="0">
+                <a:solidFill>
+                  <a:srgbClr val="040C28"/>
+                </a:solidFill>
+                <a:effectLst/>
+                <a:latin typeface="Tahoma" panose="020B0604030504040204" pitchFamily="34" charset="0"/>
+                <a:ea typeface="Tahoma" panose="020B0604030504040204" pitchFamily="34" charset="0"/>
+                <a:cs typeface="Tahoma" panose="020B0604030504040204" pitchFamily="34" charset="0"/>
+              </a:rPr>
+              <a:t>è un </a:t>
+            </a:r>
+            <a:r>
+              <a:rPr lang="en-US" sz="2400" b="1" i="0" dirty="0">
+                <a:solidFill>
+                  <a:srgbClr val="040C28"/>
+                </a:solidFill>
+                <a:effectLst/>
+                <a:latin typeface="Tahoma" panose="020B0604030504040204" pitchFamily="34" charset="0"/>
+                <a:ea typeface="Tahoma" panose="020B0604030504040204" pitchFamily="34" charset="0"/>
+                <a:cs typeface="Tahoma" panose="020B0604030504040204" pitchFamily="34" charset="0"/>
+              </a:rPr>
+              <a:t>database</a:t>
+            </a:r>
+            <a:r>
+              <a:rPr lang="en-US" sz="2400" b="0" i="0" dirty="0">
+                <a:solidFill>
+                  <a:srgbClr val="040C28"/>
+                </a:solidFill>
+                <a:effectLst/>
+                <a:latin typeface="Tahoma" panose="020B0604030504040204" pitchFamily="34" charset="0"/>
+                <a:ea typeface="Tahoma" panose="020B0604030504040204" pitchFamily="34" charset="0"/>
+                <a:cs typeface="Tahoma" panose="020B0604030504040204" pitchFamily="34" charset="0"/>
+              </a:rPr>
+              <a:t> </a:t>
+            </a:r>
+            <a:r>
+              <a:rPr lang="en-US" sz="2400" b="1" i="0" dirty="0" err="1">
+                <a:solidFill>
+                  <a:srgbClr val="040C28"/>
+                </a:solidFill>
+                <a:effectLst/>
+                <a:latin typeface="Tahoma" panose="020B0604030504040204" pitchFamily="34" charset="0"/>
+                <a:ea typeface="Tahoma" panose="020B0604030504040204" pitchFamily="34" charset="0"/>
+                <a:cs typeface="Tahoma" panose="020B0604030504040204" pitchFamily="34" charset="0"/>
+              </a:rPr>
+              <a:t>distribuito</a:t>
+            </a:r>
+            <a:r>
+              <a:rPr lang="en-US" sz="2400" b="0" i="0" dirty="0">
+                <a:solidFill>
+                  <a:srgbClr val="040C28"/>
+                </a:solidFill>
+                <a:effectLst/>
+                <a:latin typeface="Tahoma" panose="020B0604030504040204" pitchFamily="34" charset="0"/>
+                <a:ea typeface="Tahoma" panose="020B0604030504040204" pitchFamily="34" charset="0"/>
+                <a:cs typeface="Tahoma" panose="020B0604030504040204" pitchFamily="34" charset="0"/>
+              </a:rPr>
+              <a:t>, </a:t>
+            </a:r>
+            <a:r>
+              <a:rPr lang="en-US" sz="2400" b="0" i="0" dirty="0" err="1">
+                <a:solidFill>
+                  <a:srgbClr val="040C28"/>
+                </a:solidFill>
+                <a:effectLst/>
+                <a:latin typeface="Tahoma" panose="020B0604030504040204" pitchFamily="34" charset="0"/>
+                <a:ea typeface="Tahoma" panose="020B0604030504040204" pitchFamily="34" charset="0"/>
+                <a:cs typeface="Tahoma" panose="020B0604030504040204" pitchFamily="34" charset="0"/>
+              </a:rPr>
+              <a:t>possiamo</a:t>
+            </a:r>
+            <a:r>
+              <a:rPr lang="en-US" sz="2400" b="0" i="0" dirty="0">
+                <a:solidFill>
+                  <a:srgbClr val="040C28"/>
+                </a:solidFill>
+                <a:effectLst/>
+                <a:latin typeface="Tahoma" panose="020B0604030504040204" pitchFamily="34" charset="0"/>
+                <a:ea typeface="Tahoma" panose="020B0604030504040204" pitchFamily="34" charset="0"/>
+                <a:cs typeface="Tahoma" panose="020B0604030504040204" pitchFamily="34" charset="0"/>
+              </a:rPr>
+              <a:t> dire. Bitcoin </a:t>
+            </a:r>
+            <a:r>
+              <a:rPr lang="en-US" sz="2400" b="0" i="0" dirty="0" smtClean="0">
+                <a:solidFill>
+                  <a:srgbClr val="040C28"/>
+                </a:solidFill>
+                <a:effectLst/>
+                <a:latin typeface="Tahoma" panose="020B0604030504040204" pitchFamily="34" charset="0"/>
+                <a:ea typeface="Tahoma" panose="020B0604030504040204" pitchFamily="34" charset="0"/>
+                <a:cs typeface="Tahoma" panose="020B0604030504040204" pitchFamily="34" charset="0"/>
+              </a:rPr>
+              <a:t>ha </a:t>
+            </a:r>
+            <a:r>
+              <a:rPr lang="en-US" sz="2400" b="0" i="0" dirty="0" err="1" smtClean="0">
+                <a:solidFill>
+                  <a:srgbClr val="040C28"/>
+                </a:solidFill>
+                <a:effectLst/>
+                <a:latin typeface="Tahoma" panose="020B0604030504040204" pitchFamily="34" charset="0"/>
+                <a:ea typeface="Tahoma" panose="020B0604030504040204" pitchFamily="34" charset="0"/>
+                <a:cs typeface="Tahoma" panose="020B0604030504040204" pitchFamily="34" charset="0"/>
+              </a:rPr>
+              <a:t>trovato</a:t>
+            </a:r>
+            <a:r>
+              <a:rPr lang="en-US" sz="2400" b="0" i="0" dirty="0" smtClean="0">
+                <a:solidFill>
+                  <a:srgbClr val="040C28"/>
+                </a:solidFill>
+                <a:effectLst/>
+                <a:latin typeface="Tahoma" panose="020B0604030504040204" pitchFamily="34" charset="0"/>
+                <a:ea typeface="Tahoma" panose="020B0604030504040204" pitchFamily="34" charset="0"/>
+                <a:cs typeface="Tahoma" panose="020B0604030504040204" pitchFamily="34" charset="0"/>
+              </a:rPr>
+              <a:t> </a:t>
+            </a:r>
+            <a:r>
+              <a:rPr lang="en-US" sz="2400" b="0" i="0" dirty="0" err="1" smtClean="0">
+                <a:solidFill>
+                  <a:srgbClr val="040C28"/>
+                </a:solidFill>
+                <a:effectLst/>
+                <a:latin typeface="Tahoma" panose="020B0604030504040204" pitchFamily="34" charset="0"/>
+                <a:ea typeface="Tahoma" panose="020B0604030504040204" pitchFamily="34" charset="0"/>
+                <a:cs typeface="Tahoma" panose="020B0604030504040204" pitchFamily="34" charset="0"/>
+              </a:rPr>
+              <a:t>molti</a:t>
+            </a:r>
+            <a:r>
+              <a:rPr lang="en-US" sz="2400" b="0" i="0" dirty="0" smtClean="0">
+                <a:solidFill>
+                  <a:srgbClr val="040C28"/>
+                </a:solidFill>
+                <a:effectLst/>
+                <a:latin typeface="Tahoma" panose="020B0604030504040204" pitchFamily="34" charset="0"/>
+                <a:ea typeface="Tahoma" panose="020B0604030504040204" pitchFamily="34" charset="0"/>
+                <a:cs typeface="Tahoma" panose="020B0604030504040204" pitchFamily="34" charset="0"/>
+              </a:rPr>
+              <a:t> </a:t>
+            </a:r>
+            <a:r>
+              <a:rPr lang="en-US" sz="2400" b="0" i="0" dirty="0" err="1" smtClean="0">
+                <a:solidFill>
+                  <a:srgbClr val="040C28"/>
+                </a:solidFill>
+                <a:effectLst/>
+                <a:latin typeface="Tahoma" panose="020B0604030504040204" pitchFamily="34" charset="0"/>
+                <a:ea typeface="Tahoma" panose="020B0604030504040204" pitchFamily="34" charset="0"/>
+                <a:cs typeface="Tahoma" panose="020B0604030504040204" pitchFamily="34" charset="0"/>
+              </a:rPr>
+              <a:t>utilizzi</a:t>
+            </a:r>
+            <a:r>
+              <a:rPr lang="en-US" sz="2400" b="0" i="0" dirty="0" smtClean="0">
+                <a:solidFill>
+                  <a:srgbClr val="040C28"/>
+                </a:solidFill>
+                <a:effectLst/>
+                <a:latin typeface="Tahoma" panose="020B0604030504040204" pitchFamily="34" charset="0"/>
+                <a:ea typeface="Tahoma" panose="020B0604030504040204" pitchFamily="34" charset="0"/>
+                <a:cs typeface="Tahoma" panose="020B0604030504040204" pitchFamily="34" charset="0"/>
+              </a:rPr>
+              <a:t> </a:t>
+            </a:r>
+            <a:r>
+              <a:rPr lang="en-US" sz="2400" b="0" i="0" dirty="0" err="1" smtClean="0">
+                <a:solidFill>
+                  <a:srgbClr val="040C28"/>
+                </a:solidFill>
+                <a:effectLst/>
+                <a:latin typeface="Tahoma" panose="020B0604030504040204" pitchFamily="34" charset="0"/>
+                <a:ea typeface="Tahoma" panose="020B0604030504040204" pitchFamily="34" charset="0"/>
+                <a:cs typeface="Tahoma" panose="020B0604030504040204" pitchFamily="34" charset="0"/>
+              </a:rPr>
+              <a:t>aldilà</a:t>
+            </a:r>
+            <a:r>
+              <a:rPr lang="en-US" sz="2400" b="0" i="0" dirty="0" smtClean="0">
+                <a:solidFill>
+                  <a:srgbClr val="040C28"/>
+                </a:solidFill>
+                <a:effectLst/>
+                <a:latin typeface="Tahoma" panose="020B0604030504040204" pitchFamily="34" charset="0"/>
+                <a:ea typeface="Tahoma" panose="020B0604030504040204" pitchFamily="34" charset="0"/>
+                <a:cs typeface="Tahoma" panose="020B0604030504040204" pitchFamily="34" charset="0"/>
+              </a:rPr>
+              <a:t> </a:t>
+            </a:r>
+            <a:r>
+              <a:rPr lang="en-US" sz="2400" b="0" i="0" dirty="0" err="1" smtClean="0">
+                <a:solidFill>
+                  <a:srgbClr val="040C28"/>
+                </a:solidFill>
+                <a:effectLst/>
+                <a:latin typeface="Tahoma" panose="020B0604030504040204" pitchFamily="34" charset="0"/>
+                <a:ea typeface="Tahoma" panose="020B0604030504040204" pitchFamily="34" charset="0"/>
+                <a:cs typeface="Tahoma" panose="020B0604030504040204" pitchFamily="34" charset="0"/>
+              </a:rPr>
+              <a:t>della</a:t>
+            </a:r>
+            <a:r>
+              <a:rPr lang="en-US" sz="2400" b="0" i="0" dirty="0" smtClean="0">
+                <a:solidFill>
+                  <a:srgbClr val="040C28"/>
+                </a:solidFill>
+                <a:effectLst/>
+                <a:latin typeface="Tahoma" panose="020B0604030504040204" pitchFamily="34" charset="0"/>
+                <a:ea typeface="Tahoma" panose="020B0604030504040204" pitchFamily="34" charset="0"/>
+                <a:cs typeface="Tahoma" panose="020B0604030504040204" pitchFamily="34" charset="0"/>
+              </a:rPr>
+              <a:t> </a:t>
+            </a:r>
+            <a:r>
+              <a:rPr lang="en-US" sz="2400" b="0" i="0" dirty="0" err="1" smtClean="0">
+                <a:solidFill>
+                  <a:srgbClr val="040C28"/>
+                </a:solidFill>
+                <a:effectLst/>
+                <a:latin typeface="Tahoma" panose="020B0604030504040204" pitchFamily="34" charset="0"/>
+                <a:ea typeface="Tahoma" panose="020B0604030504040204" pitchFamily="34" charset="0"/>
+                <a:cs typeface="Tahoma" panose="020B0604030504040204" pitchFamily="34" charset="0"/>
+              </a:rPr>
+              <a:t>criptovaluta</a:t>
+            </a:r>
+            <a:r>
+              <a:rPr lang="en-US" sz="2400" b="0" i="0" dirty="0" smtClean="0">
                 <a:solidFill>
                   <a:srgbClr val="202124"/>
                 </a:solidFill>
@@ -6978,9 +7630,152 @@
                 <a:ea typeface="Tahoma" panose="020B0604030504040204" pitchFamily="34" charset="0"/>
                 <a:cs typeface="Tahoma" panose="020B0604030504040204" pitchFamily="34" charset="0"/>
               </a:rPr>
-              <a:t>hain has found many uses beyond Bitcoin. Bitcoin promotes anonymity, while blockchain is about transparency.</a:t>
-            </a:r>
-            <a:endParaRPr lang="it-IT" sz="2400">
+              <a:t>. </a:t>
+            </a:r>
+            <a:r>
+              <a:rPr lang="en-US" sz="2400" b="0" i="0" dirty="0">
+                <a:solidFill>
+                  <a:srgbClr val="202124"/>
+                </a:solidFill>
+                <a:effectLst/>
+                <a:latin typeface="Tahoma" panose="020B0604030504040204" pitchFamily="34" charset="0"/>
+                <a:ea typeface="Tahoma" panose="020B0604030504040204" pitchFamily="34" charset="0"/>
+                <a:cs typeface="Tahoma" panose="020B0604030504040204" pitchFamily="34" charset="0"/>
+              </a:rPr>
+              <a:t>Bitcoin </a:t>
+            </a:r>
+            <a:r>
+              <a:rPr lang="en-US" sz="2400" b="0" i="0" dirty="0" err="1" smtClean="0">
+                <a:solidFill>
+                  <a:srgbClr val="202124"/>
+                </a:solidFill>
+                <a:effectLst/>
+                <a:latin typeface="Tahoma" panose="020B0604030504040204" pitchFamily="34" charset="0"/>
+                <a:ea typeface="Tahoma" panose="020B0604030504040204" pitchFamily="34" charset="0"/>
+                <a:cs typeface="Tahoma" panose="020B0604030504040204" pitchFamily="34" charset="0"/>
+              </a:rPr>
+              <a:t>promuove</a:t>
+            </a:r>
+            <a:r>
+              <a:rPr lang="en-US" sz="2400" b="0" i="0" dirty="0" smtClean="0">
+                <a:solidFill>
+                  <a:srgbClr val="202124"/>
+                </a:solidFill>
+                <a:effectLst/>
+                <a:latin typeface="Tahoma" panose="020B0604030504040204" pitchFamily="34" charset="0"/>
+                <a:ea typeface="Tahoma" panose="020B0604030504040204" pitchFamily="34" charset="0"/>
+                <a:cs typeface="Tahoma" panose="020B0604030504040204" pitchFamily="34" charset="0"/>
+              </a:rPr>
+              <a:t> </a:t>
+            </a:r>
+            <a:r>
+              <a:rPr lang="en-US" sz="2400" b="1" i="0" dirty="0" err="1" smtClean="0">
+                <a:solidFill>
+                  <a:srgbClr val="202124"/>
+                </a:solidFill>
+                <a:effectLst/>
+                <a:latin typeface="Tahoma" panose="020B0604030504040204" pitchFamily="34" charset="0"/>
+                <a:ea typeface="Tahoma" panose="020B0604030504040204" pitchFamily="34" charset="0"/>
+                <a:cs typeface="Tahoma" panose="020B0604030504040204" pitchFamily="34" charset="0"/>
+              </a:rPr>
+              <a:t>l’anonymity</a:t>
+            </a:r>
+            <a:r>
+              <a:rPr lang="en-US" sz="2400" b="0" i="0" dirty="0">
+                <a:solidFill>
+                  <a:srgbClr val="202124"/>
+                </a:solidFill>
+                <a:effectLst/>
+                <a:latin typeface="Tahoma" panose="020B0604030504040204" pitchFamily="34" charset="0"/>
+                <a:ea typeface="Tahoma" panose="020B0604030504040204" pitchFamily="34" charset="0"/>
+                <a:cs typeface="Tahoma" panose="020B0604030504040204" pitchFamily="34" charset="0"/>
+              </a:rPr>
+              <a:t>, </a:t>
+            </a:r>
+            <a:r>
+              <a:rPr lang="en-US" sz="2400" dirty="0" err="1" smtClean="0">
+                <a:solidFill>
+                  <a:srgbClr val="202124"/>
+                </a:solidFill>
+                <a:latin typeface="Tahoma" panose="020B0604030504040204" pitchFamily="34" charset="0"/>
+                <a:ea typeface="Tahoma" panose="020B0604030504040204" pitchFamily="34" charset="0"/>
+                <a:cs typeface="Tahoma" panose="020B0604030504040204" pitchFamily="34" charset="0"/>
+              </a:rPr>
+              <a:t>mentre</a:t>
+            </a:r>
+            <a:r>
+              <a:rPr lang="en-US" sz="2400" b="0" i="0" dirty="0" smtClean="0">
+                <a:solidFill>
+                  <a:srgbClr val="202124"/>
+                </a:solidFill>
+                <a:effectLst/>
+                <a:latin typeface="Tahoma" panose="020B0604030504040204" pitchFamily="34" charset="0"/>
+                <a:ea typeface="Tahoma" panose="020B0604030504040204" pitchFamily="34" charset="0"/>
+                <a:cs typeface="Tahoma" panose="020B0604030504040204" pitchFamily="34" charset="0"/>
+              </a:rPr>
+              <a:t> </a:t>
+            </a:r>
+            <a:r>
+              <a:rPr lang="en-US" sz="2400" b="0" i="0" dirty="0" err="1">
+                <a:solidFill>
+                  <a:srgbClr val="202124"/>
+                </a:solidFill>
+                <a:effectLst/>
+                <a:latin typeface="Tahoma" panose="020B0604030504040204" pitchFamily="34" charset="0"/>
+                <a:ea typeface="Tahoma" panose="020B0604030504040204" pitchFamily="34" charset="0"/>
+                <a:cs typeface="Tahoma" panose="020B0604030504040204" pitchFamily="34" charset="0"/>
+              </a:rPr>
+              <a:t>blockchain</a:t>
+            </a:r>
+            <a:r>
+              <a:rPr lang="en-US" sz="2400" b="0" i="0" dirty="0">
+                <a:solidFill>
+                  <a:srgbClr val="202124"/>
+                </a:solidFill>
+                <a:effectLst/>
+                <a:latin typeface="Tahoma" panose="020B0604030504040204" pitchFamily="34" charset="0"/>
+                <a:ea typeface="Tahoma" panose="020B0604030504040204" pitchFamily="34" charset="0"/>
+                <a:cs typeface="Tahoma" panose="020B0604030504040204" pitchFamily="34" charset="0"/>
+              </a:rPr>
+              <a:t> </a:t>
+            </a:r>
+            <a:r>
+              <a:rPr lang="en-US" sz="2400" b="0" i="0" dirty="0" smtClean="0">
+                <a:solidFill>
+                  <a:srgbClr val="202124"/>
+                </a:solidFill>
+                <a:effectLst/>
+                <a:latin typeface="Tahoma" panose="020B0604030504040204" pitchFamily="34" charset="0"/>
+                <a:ea typeface="Tahoma" panose="020B0604030504040204" pitchFamily="34" charset="0"/>
+                <a:cs typeface="Tahoma" panose="020B0604030504040204" pitchFamily="34" charset="0"/>
+              </a:rPr>
+              <a:t>è per la </a:t>
+            </a:r>
+            <a:r>
+              <a:rPr lang="en-US" sz="2400" b="0" i="0" dirty="0" err="1" smtClean="0">
+                <a:solidFill>
+                  <a:srgbClr val="202124"/>
+                </a:solidFill>
+                <a:effectLst/>
+                <a:latin typeface="Tahoma" panose="020B0604030504040204" pitchFamily="34" charset="0"/>
+                <a:ea typeface="Tahoma" panose="020B0604030504040204" pitchFamily="34" charset="0"/>
+                <a:cs typeface="Tahoma" panose="020B0604030504040204" pitchFamily="34" charset="0"/>
+              </a:rPr>
+              <a:t>trasparenza</a:t>
+            </a:r>
+            <a:r>
+              <a:rPr lang="en-US" sz="2400" b="0" i="0" dirty="0" smtClean="0">
+                <a:solidFill>
+                  <a:srgbClr val="202124"/>
+                </a:solidFill>
+                <a:effectLst/>
+                <a:latin typeface="Tahoma" panose="020B0604030504040204" pitchFamily="34" charset="0"/>
+                <a:ea typeface="Tahoma" panose="020B0604030504040204" pitchFamily="34" charset="0"/>
+                <a:cs typeface="Tahoma" panose="020B0604030504040204" pitchFamily="34" charset="0"/>
+              </a:rPr>
+              <a:t>.</a:t>
+            </a:r>
+            <a:endParaRPr lang="it-IT" sz="2400" dirty="0">
               <a:solidFill>
                 <a:schemeClr val="tx1"/>
               </a:solidFill>
@@ -7075,6 +7870,36 @@
           </a:p>
         </p:txBody>
       </p:sp>
+      <p:pic>
+        <p:nvPicPr>
+          <p:cNvPr id="3" name="Immagine 2"/>
+          <p:cNvPicPr>
+            <a:picLocks noChangeAspect="1"/>
+          </p:cNvPicPr>
+          <p:nvPr/>
+        </p:nvPicPr>
+        <p:blipFill>
+          <a:blip r:embed="rId2">
+            <a:extLst>
+              <a:ext uri="{28A0092B-C50C-407E-A947-70E740481C1C}">
+                <a14:useLocalDpi xmlns:a14="http://schemas.microsoft.com/office/drawing/2010/main" val="0"/>
+              </a:ext>
+            </a:extLst>
+          </a:blip>
+          <a:stretch>
+            <a:fillRect/>
+          </a:stretch>
+        </p:blipFill>
+        <p:spPr>
+          <a:xfrm>
+            <a:off x="8161054" y="5472053"/>
+            <a:ext cx="1830516" cy="1218125"/>
+          </a:xfrm>
+          <a:prstGeom prst="rect">
+            <a:avLst/>
+          </a:prstGeom>
+        </p:spPr>
+      </p:pic>
     </p:spTree>
     <p:extLst>
       <p:ext uri="{BB962C8B-B14F-4D97-AF65-F5344CB8AC3E}">
@@ -7105,6 +7930,456 @@
           <a:chExt cx="0" cy="0"/>
         </a:xfrm>
       </p:grpSpPr>
+      <p:sp>
+        <p:nvSpPr>
+          <p:cNvPr id="2" name="Segnaposto testo 1">
+            <a:extLst>
+              <a:ext uri="{FF2B5EF4-FFF2-40B4-BE49-F238E27FC236}">
+                <a16:creationId xmlns:a16="http://schemas.microsoft.com/office/drawing/2014/main" id="{E5AE986C-196F-4141-A898-FA4C4198CDCC}"/>
+              </a:ext>
+            </a:extLst>
+          </p:cNvPr>
+          <p:cNvSpPr>
+            <a:spLocks noGrp="1"/>
+          </p:cNvSpPr>
+          <p:nvPr>
+            <p:ph type="body" idx="1"/>
+          </p:nvPr>
+        </p:nvSpPr>
+        <p:spPr>
+          <a:xfrm>
+            <a:off x="468314" y="1372394"/>
+            <a:ext cx="7082860" cy="4392612"/>
+          </a:xfrm>
+        </p:spPr>
+        <p:txBody>
+          <a:bodyPr/>
+          <a:lstStyle/>
+          <a:p>
+            <a:pPr marL="342900" indent="-342900" algn="just">
+              <a:lnSpc>
+                <a:spcPct val="115000"/>
+              </a:lnSpc>
+              <a:spcBef>
+                <a:spcPts val="2400"/>
+              </a:spcBef>
+              <a:buFont typeface="Wingdings" panose="05000000000000000000" pitchFamily="2" charset="2"/>
+              <a:buChar char="ü"/>
+              <a:tabLst>
+                <a:tab pos="457200" algn="l"/>
+              </a:tabLst>
+            </a:pPr>
+            <a:r>
+              <a:rPr lang="it-IT" sz="2400" dirty="0" smtClean="0">
+                <a:solidFill>
+                  <a:schemeClr val="tx1"/>
+                </a:solidFill>
+                <a:latin typeface="Tahoma" panose="020B0604030504040204" pitchFamily="34" charset="0"/>
+                <a:ea typeface="Tahoma" panose="020B0604030504040204" pitchFamily="34" charset="0"/>
+                <a:cs typeface="Tahoma" panose="020B0604030504040204" pitchFamily="34" charset="0"/>
+              </a:rPr>
+              <a:t>Le </a:t>
+            </a:r>
+            <a:r>
+              <a:rPr lang="it-IT" sz="2400" b="1" dirty="0">
+                <a:solidFill>
+                  <a:schemeClr val="tx1"/>
+                </a:solidFill>
+                <a:latin typeface="Tahoma" panose="020B0604030504040204" pitchFamily="34" charset="0"/>
+                <a:ea typeface="Tahoma" panose="020B0604030504040204" pitchFamily="34" charset="0"/>
+                <a:cs typeface="Tahoma" panose="020B0604030504040204" pitchFamily="34" charset="0"/>
+              </a:rPr>
+              <a:t>tecnologie</a:t>
+            </a:r>
+            <a:r>
+              <a:rPr lang="it-IT" sz="2400" dirty="0">
+                <a:solidFill>
+                  <a:schemeClr val="tx1"/>
+                </a:solidFill>
+                <a:latin typeface="Tahoma" panose="020B0604030504040204" pitchFamily="34" charset="0"/>
+                <a:ea typeface="Tahoma" panose="020B0604030504040204" pitchFamily="34" charset="0"/>
+                <a:cs typeface="Tahoma" panose="020B0604030504040204" pitchFamily="34" charset="0"/>
+              </a:rPr>
+              <a:t> alla base del funzionamento della </a:t>
+            </a:r>
+            <a:r>
+              <a:rPr lang="it-IT" sz="2400" b="1" dirty="0" err="1">
+                <a:solidFill>
+                  <a:schemeClr val="tx1"/>
+                </a:solidFill>
+                <a:latin typeface="Tahoma" panose="020B0604030504040204" pitchFamily="34" charset="0"/>
+                <a:ea typeface="Tahoma" panose="020B0604030504040204" pitchFamily="34" charset="0"/>
+                <a:cs typeface="Tahoma" panose="020B0604030504040204" pitchFamily="34" charset="0"/>
+              </a:rPr>
+              <a:t>Blockchain</a:t>
+            </a:r>
+            <a:r>
+              <a:rPr lang="it-IT" sz="2400" dirty="0">
+                <a:solidFill>
+                  <a:schemeClr val="tx1"/>
+                </a:solidFill>
+                <a:latin typeface="Tahoma" panose="020B0604030504040204" pitchFamily="34" charset="0"/>
+                <a:ea typeface="Tahoma" panose="020B0604030504040204" pitchFamily="34" charset="0"/>
+                <a:cs typeface="Tahoma" panose="020B0604030504040204" pitchFamily="34" charset="0"/>
+              </a:rPr>
+              <a:t> non rappresentano in realtà nulla di nuovo per il mondo </a:t>
+            </a:r>
+            <a:r>
+              <a:rPr lang="it-IT" sz="2400" b="1" dirty="0" err="1" smtClean="0">
+                <a:solidFill>
+                  <a:schemeClr val="tx1"/>
+                </a:solidFill>
+                <a:latin typeface="Tahoma" panose="020B0604030504040204" pitchFamily="34" charset="0"/>
+                <a:ea typeface="Tahoma" panose="020B0604030504040204" pitchFamily="34" charset="0"/>
+                <a:cs typeface="Tahoma" panose="020B0604030504040204" pitchFamily="34" charset="0"/>
+              </a:rPr>
+              <a:t>It</a:t>
+            </a:r>
+            <a:r>
+              <a:rPr lang="it-IT" sz="2400" b="1" dirty="0" smtClean="0">
+                <a:solidFill>
+                  <a:schemeClr val="tx1"/>
+                </a:solidFill>
+                <a:latin typeface="Tahoma" panose="020B0604030504040204" pitchFamily="34" charset="0"/>
+                <a:ea typeface="Tahoma" panose="020B0604030504040204" pitchFamily="34" charset="0"/>
+                <a:cs typeface="Tahoma" panose="020B0604030504040204" pitchFamily="34" charset="0"/>
+              </a:rPr>
+              <a:t>.</a:t>
+            </a:r>
+          </a:p>
+          <a:p>
+            <a:pPr marL="342900" indent="-342900" algn="just">
+              <a:lnSpc>
+                <a:spcPct val="115000"/>
+              </a:lnSpc>
+              <a:spcBef>
+                <a:spcPts val="2400"/>
+              </a:spcBef>
+              <a:buFont typeface="Wingdings" panose="05000000000000000000" pitchFamily="2" charset="2"/>
+              <a:buChar char="ü"/>
+              <a:tabLst>
+                <a:tab pos="457200" algn="l"/>
+              </a:tabLst>
+            </a:pPr>
+            <a:r>
+              <a:rPr lang="it-IT" sz="2400" dirty="0" smtClean="0">
+                <a:solidFill>
+                  <a:schemeClr val="tx1"/>
+                </a:solidFill>
+                <a:latin typeface="Tahoma" panose="020B0604030504040204" pitchFamily="34" charset="0"/>
+                <a:ea typeface="Tahoma" panose="020B0604030504040204" pitchFamily="34" charset="0"/>
+                <a:cs typeface="Tahoma" panose="020B0604030504040204" pitchFamily="34" charset="0"/>
+              </a:rPr>
+              <a:t>Si </a:t>
+            </a:r>
+            <a:r>
+              <a:rPr lang="it-IT" sz="2400" dirty="0">
+                <a:solidFill>
+                  <a:schemeClr val="tx1"/>
+                </a:solidFill>
+                <a:latin typeface="Tahoma" panose="020B0604030504040204" pitchFamily="34" charset="0"/>
+                <a:ea typeface="Tahoma" panose="020B0604030504040204" pitchFamily="34" charset="0"/>
+                <a:cs typeface="Tahoma" panose="020B0604030504040204" pitchFamily="34" charset="0"/>
+              </a:rPr>
+              <a:t>tratta di un </a:t>
+            </a:r>
+            <a:r>
+              <a:rPr lang="it-IT" sz="2400" b="1" dirty="0">
+                <a:solidFill>
+                  <a:schemeClr val="tx1"/>
+                </a:solidFill>
+                <a:latin typeface="Tahoma" panose="020B0604030504040204" pitchFamily="34" charset="0"/>
+                <a:ea typeface="Tahoma" panose="020B0604030504040204" pitchFamily="34" charset="0"/>
+                <a:cs typeface="Tahoma" panose="020B0604030504040204" pitchFamily="34" charset="0"/>
+              </a:rPr>
+              <a:t>mix</a:t>
+            </a:r>
+            <a:r>
+              <a:rPr lang="it-IT" sz="2400" dirty="0">
+                <a:solidFill>
+                  <a:schemeClr val="tx1"/>
+                </a:solidFill>
+                <a:latin typeface="Tahoma" panose="020B0604030504040204" pitchFamily="34" charset="0"/>
+                <a:ea typeface="Tahoma" panose="020B0604030504040204" pitchFamily="34" charset="0"/>
+                <a:cs typeface="Tahoma" panose="020B0604030504040204" pitchFamily="34" charset="0"/>
+              </a:rPr>
+              <a:t> di </a:t>
+            </a:r>
+            <a:r>
+              <a:rPr lang="it-IT" sz="2400" b="1" dirty="0">
+                <a:solidFill>
+                  <a:schemeClr val="tx1"/>
+                </a:solidFill>
+                <a:latin typeface="Tahoma" panose="020B0604030504040204" pitchFamily="34" charset="0"/>
+                <a:ea typeface="Tahoma" panose="020B0604030504040204" pitchFamily="34" charset="0"/>
+                <a:cs typeface="Tahoma" panose="020B0604030504040204" pitchFamily="34" charset="0"/>
+              </a:rPr>
+              <a:t>soluzioni</a:t>
+            </a:r>
+            <a:r>
+              <a:rPr lang="it-IT" sz="2400" dirty="0">
+                <a:solidFill>
+                  <a:schemeClr val="tx1"/>
+                </a:solidFill>
+                <a:latin typeface="Tahoma" panose="020B0604030504040204" pitchFamily="34" charset="0"/>
+                <a:ea typeface="Tahoma" panose="020B0604030504040204" pitchFamily="34" charset="0"/>
+                <a:cs typeface="Tahoma" panose="020B0604030504040204" pitchFamily="34" charset="0"/>
+              </a:rPr>
+              <a:t> </a:t>
+            </a:r>
+            <a:r>
+              <a:rPr lang="it-IT" sz="2400" b="1" dirty="0">
+                <a:solidFill>
+                  <a:schemeClr val="tx1"/>
+                </a:solidFill>
+                <a:latin typeface="Tahoma" panose="020B0604030504040204" pitchFamily="34" charset="0"/>
+                <a:ea typeface="Tahoma" panose="020B0604030504040204" pitchFamily="34" charset="0"/>
+                <a:cs typeface="Tahoma" panose="020B0604030504040204" pitchFamily="34" charset="0"/>
+              </a:rPr>
+              <a:t>informatiche</a:t>
+            </a:r>
+            <a:r>
+              <a:rPr lang="it-IT" sz="2400" dirty="0">
+                <a:solidFill>
+                  <a:schemeClr val="tx1"/>
+                </a:solidFill>
+                <a:latin typeface="Tahoma" panose="020B0604030504040204" pitchFamily="34" charset="0"/>
+                <a:ea typeface="Tahoma" panose="020B0604030504040204" pitchFamily="34" charset="0"/>
+                <a:cs typeface="Tahoma" panose="020B0604030504040204" pitchFamily="34" charset="0"/>
+              </a:rPr>
+              <a:t> che vanno dal </a:t>
+            </a:r>
+            <a:r>
+              <a:rPr lang="it-IT" sz="2400" b="1" dirty="0">
+                <a:solidFill>
+                  <a:schemeClr val="tx1"/>
+                </a:solidFill>
+                <a:latin typeface="Tahoma" panose="020B0604030504040204" pitchFamily="34" charset="0"/>
+                <a:ea typeface="Tahoma" panose="020B0604030504040204" pitchFamily="34" charset="0"/>
+                <a:cs typeface="Tahoma" panose="020B0604030504040204" pitchFamily="34" charset="0"/>
+              </a:rPr>
+              <a:t>file</a:t>
+            </a:r>
+            <a:r>
+              <a:rPr lang="it-IT" sz="2400" dirty="0">
+                <a:solidFill>
+                  <a:schemeClr val="tx1"/>
+                </a:solidFill>
+                <a:latin typeface="Tahoma" panose="020B0604030504040204" pitchFamily="34" charset="0"/>
+                <a:ea typeface="Tahoma" panose="020B0604030504040204" pitchFamily="34" charset="0"/>
+                <a:cs typeface="Tahoma" panose="020B0604030504040204" pitchFamily="34" charset="0"/>
+              </a:rPr>
+              <a:t> </a:t>
+            </a:r>
+            <a:r>
+              <a:rPr lang="it-IT" sz="2400" b="1" dirty="0" err="1">
+                <a:solidFill>
+                  <a:schemeClr val="tx1"/>
+                </a:solidFill>
+                <a:latin typeface="Tahoma" panose="020B0604030504040204" pitchFamily="34" charset="0"/>
+                <a:ea typeface="Tahoma" panose="020B0604030504040204" pitchFamily="34" charset="0"/>
+                <a:cs typeface="Tahoma" panose="020B0604030504040204" pitchFamily="34" charset="0"/>
+              </a:rPr>
+              <a:t>sharing</a:t>
+            </a:r>
+            <a:r>
+              <a:rPr lang="it-IT" sz="2400" dirty="0">
+                <a:solidFill>
+                  <a:schemeClr val="tx1"/>
+                </a:solidFill>
+                <a:latin typeface="Tahoma" panose="020B0604030504040204" pitchFamily="34" charset="0"/>
+                <a:ea typeface="Tahoma" panose="020B0604030504040204" pitchFamily="34" charset="0"/>
+                <a:cs typeface="Tahoma" panose="020B0604030504040204" pitchFamily="34" charset="0"/>
+              </a:rPr>
+              <a:t> </a:t>
+            </a:r>
+            <a:r>
+              <a:rPr lang="it-IT" sz="2400" b="1" dirty="0">
+                <a:solidFill>
+                  <a:schemeClr val="tx1"/>
+                </a:solidFill>
+                <a:latin typeface="Tahoma" panose="020B0604030504040204" pitchFamily="34" charset="0"/>
+                <a:ea typeface="Tahoma" panose="020B0604030504040204" pitchFamily="34" charset="0"/>
+                <a:cs typeface="Tahoma" panose="020B0604030504040204" pitchFamily="34" charset="0"/>
+              </a:rPr>
+              <a:t>peer-to-peer</a:t>
+            </a:r>
+            <a:r>
+              <a:rPr lang="it-IT" sz="2400" dirty="0">
+                <a:solidFill>
+                  <a:schemeClr val="tx1"/>
+                </a:solidFill>
+                <a:latin typeface="Tahoma" panose="020B0604030504040204" pitchFamily="34" charset="0"/>
+                <a:ea typeface="Tahoma" panose="020B0604030504040204" pitchFamily="34" charset="0"/>
+                <a:cs typeface="Tahoma" panose="020B0604030504040204" pitchFamily="34" charset="0"/>
+              </a:rPr>
+              <a:t> </a:t>
+            </a:r>
+            <a:r>
+              <a:rPr lang="it-IT" sz="2400" dirty="0" smtClean="0">
+                <a:solidFill>
+                  <a:schemeClr val="tx1"/>
+                </a:solidFill>
+                <a:latin typeface="Tahoma" panose="020B0604030504040204" pitchFamily="34" charset="0"/>
+                <a:ea typeface="Tahoma" panose="020B0604030504040204" pitchFamily="34" charset="0"/>
+                <a:cs typeface="Tahoma" panose="020B0604030504040204" pitchFamily="34" charset="0"/>
+              </a:rPr>
+              <a:t>(tipo Napster) alla </a:t>
+            </a:r>
+            <a:r>
+              <a:rPr lang="it-IT" sz="2400" b="1" dirty="0" smtClean="0">
+                <a:solidFill>
+                  <a:schemeClr val="tx1"/>
+                </a:solidFill>
+                <a:latin typeface="Tahoma" panose="020B0604030504040204" pitchFamily="34" charset="0"/>
+                <a:ea typeface="Tahoma" panose="020B0604030504040204" pitchFamily="34" charset="0"/>
+                <a:cs typeface="Tahoma" panose="020B0604030504040204" pitchFamily="34" charset="0"/>
+              </a:rPr>
+              <a:t>crittografia</a:t>
+            </a:r>
+            <a:r>
+              <a:rPr lang="it-IT" sz="2400" dirty="0" smtClean="0">
+                <a:solidFill>
+                  <a:schemeClr val="tx1"/>
+                </a:solidFill>
+                <a:latin typeface="Tahoma" panose="020B0604030504040204" pitchFamily="34" charset="0"/>
+                <a:ea typeface="Tahoma" panose="020B0604030504040204" pitchFamily="34" charset="0"/>
+                <a:cs typeface="Tahoma" panose="020B0604030504040204" pitchFamily="34" charset="0"/>
+              </a:rPr>
+              <a:t>, </a:t>
+            </a:r>
+            <a:r>
+              <a:rPr lang="it-IT" sz="2400" dirty="0">
+                <a:solidFill>
+                  <a:schemeClr val="tx1"/>
+                </a:solidFill>
+                <a:latin typeface="Tahoma" panose="020B0604030504040204" pitchFamily="34" charset="0"/>
+                <a:ea typeface="Tahoma" panose="020B0604030504040204" pitchFamily="34" charset="0"/>
+                <a:cs typeface="Tahoma" panose="020B0604030504040204" pitchFamily="34" charset="0"/>
+              </a:rPr>
+              <a:t>in particolare </a:t>
+            </a:r>
+            <a:r>
+              <a:rPr lang="it-IT" sz="2400" b="1" dirty="0" smtClean="0">
+                <a:solidFill>
+                  <a:schemeClr val="tx1"/>
+                </a:solidFill>
+                <a:latin typeface="Tahoma" panose="020B0604030504040204" pitchFamily="34" charset="0"/>
+                <a:ea typeface="Tahoma" panose="020B0604030504040204" pitchFamily="34" charset="0"/>
+                <a:cs typeface="Tahoma" panose="020B0604030504040204" pitchFamily="34" charset="0"/>
+              </a:rPr>
+              <a:t>a chiave pubblica e privata</a:t>
+            </a:r>
+            <a:r>
+              <a:rPr lang="it-IT" sz="2400" dirty="0" smtClean="0">
+                <a:solidFill>
+                  <a:schemeClr val="tx1"/>
+                </a:solidFill>
+                <a:latin typeface="Tahoma" panose="020B0604030504040204" pitchFamily="34" charset="0"/>
+                <a:ea typeface="Tahoma" panose="020B0604030504040204" pitchFamily="34" charset="0"/>
+                <a:cs typeface="Tahoma" panose="020B0604030504040204" pitchFamily="34" charset="0"/>
+              </a:rPr>
+              <a:t> (algoritmi </a:t>
+            </a:r>
+            <a:r>
+              <a:rPr lang="it-IT" sz="2400" b="1" dirty="0" smtClean="0">
+                <a:solidFill>
+                  <a:schemeClr val="tx1"/>
+                </a:solidFill>
+                <a:latin typeface="Tahoma" panose="020B0604030504040204" pitchFamily="34" charset="0"/>
+                <a:ea typeface="Tahoma" panose="020B0604030504040204" pitchFamily="34" charset="0"/>
+                <a:cs typeface="Tahoma" panose="020B0604030504040204" pitchFamily="34" charset="0"/>
+              </a:rPr>
+              <a:t>asimmetrici o simmetrici </a:t>
+            </a:r>
+            <a:r>
+              <a:rPr lang="it-IT" sz="2400" dirty="0" smtClean="0">
+                <a:solidFill>
+                  <a:schemeClr val="tx1"/>
+                </a:solidFill>
+                <a:latin typeface="Tahoma" panose="020B0604030504040204" pitchFamily="34" charset="0"/>
+                <a:ea typeface="Tahoma" panose="020B0604030504040204" pitchFamily="34" charset="0"/>
+                <a:cs typeface="Tahoma" panose="020B0604030504040204" pitchFamily="34" charset="0"/>
+              </a:rPr>
+              <a:t>che si basano sull’utilizzo di chiavi per cifrare </a:t>
+            </a:r>
+            <a:r>
+              <a:rPr lang="it-IT" sz="2400" dirty="0">
+                <a:solidFill>
+                  <a:schemeClr val="tx1"/>
+                </a:solidFill>
+                <a:latin typeface="Tahoma" panose="020B0604030504040204" pitchFamily="34" charset="0"/>
+                <a:ea typeface="Tahoma" panose="020B0604030504040204" pitchFamily="34" charset="0"/>
+                <a:cs typeface="Tahoma" panose="020B0604030504040204" pitchFamily="34" charset="0"/>
+              </a:rPr>
+              <a:t>e decifrare una </a:t>
+            </a:r>
+            <a:r>
+              <a:rPr lang="it-IT" sz="2400" dirty="0" smtClean="0">
+                <a:solidFill>
+                  <a:schemeClr val="tx1"/>
+                </a:solidFill>
+                <a:latin typeface="Tahoma" panose="020B0604030504040204" pitchFamily="34" charset="0"/>
+                <a:ea typeface="Tahoma" panose="020B0604030504040204" pitchFamily="34" charset="0"/>
+                <a:cs typeface="Tahoma" panose="020B0604030504040204" pitchFamily="34" charset="0"/>
+              </a:rPr>
+              <a:t>informazione) </a:t>
+            </a:r>
+            <a:r>
+              <a:rPr lang="it-IT" sz="2400" dirty="0">
+                <a:solidFill>
+                  <a:schemeClr val="tx1"/>
+                </a:solidFill>
+                <a:latin typeface="Tahoma" panose="020B0604030504040204" pitchFamily="34" charset="0"/>
+                <a:ea typeface="Tahoma" panose="020B0604030504040204" pitchFamily="34" charset="0"/>
+                <a:cs typeface="Tahoma" panose="020B0604030504040204" pitchFamily="34" charset="0"/>
+              </a:rPr>
+              <a:t>e la </a:t>
+            </a:r>
+            <a:r>
+              <a:rPr lang="it-IT" sz="2400" b="1" dirty="0">
+                <a:solidFill>
+                  <a:schemeClr val="tx1"/>
+                </a:solidFill>
+                <a:latin typeface="Tahoma" panose="020B0604030504040204" pitchFamily="34" charset="0"/>
+                <a:ea typeface="Tahoma" panose="020B0604030504040204" pitchFamily="34" charset="0"/>
+                <a:cs typeface="Tahoma" panose="020B0604030504040204" pitchFamily="34" charset="0"/>
+              </a:rPr>
+              <a:t>crittografia</a:t>
+            </a:r>
+            <a:r>
+              <a:rPr lang="it-IT" sz="2400" dirty="0">
+                <a:solidFill>
+                  <a:schemeClr val="tx1"/>
+                </a:solidFill>
+                <a:latin typeface="Tahoma" panose="020B0604030504040204" pitchFamily="34" charset="0"/>
+                <a:ea typeface="Tahoma" panose="020B0604030504040204" pitchFamily="34" charset="0"/>
+                <a:cs typeface="Tahoma" panose="020B0604030504040204" pitchFamily="34" charset="0"/>
+              </a:rPr>
+              <a:t> </a:t>
+            </a:r>
+            <a:r>
+              <a:rPr lang="it-IT" sz="2400" b="1" dirty="0" err="1" smtClean="0">
+                <a:solidFill>
+                  <a:schemeClr val="tx1"/>
+                </a:solidFill>
+                <a:latin typeface="Tahoma" panose="020B0604030504040204" pitchFamily="34" charset="0"/>
+                <a:ea typeface="Tahoma" panose="020B0604030504040204" pitchFamily="34" charset="0"/>
+                <a:cs typeface="Tahoma" panose="020B0604030504040204" pitchFamily="34" charset="0"/>
+              </a:rPr>
+              <a:t>hash</a:t>
+            </a:r>
+            <a:endParaRPr lang="it-IT" sz="2400" dirty="0">
+              <a:solidFill>
+                <a:schemeClr val="tx1"/>
+              </a:solidFill>
+              <a:latin typeface="Tahoma" panose="020B0604030504040204" pitchFamily="34" charset="0"/>
+              <a:ea typeface="Tahoma" panose="020B0604030504040204" pitchFamily="34" charset="0"/>
+              <a:cs typeface="Tahoma" panose="020B0604030504040204" pitchFamily="34" charset="0"/>
+            </a:endParaRPr>
+          </a:p>
+        </p:txBody>
+      </p:sp>
       <p:sp>
         <p:nvSpPr>
           <p:cNvPr id="7" name="Segnaposto numero diapositiva 6">
@@ -7142,10 +8417,10 @@
       </p:sp>
       <p:sp>
         <p:nvSpPr>
-          <p:cNvPr id="5" name="Titolo 4">
+          <p:cNvPr id="6" name="Titolo 4">
             <a:extLst>
               <a:ext uri="{FF2B5EF4-FFF2-40B4-BE49-F238E27FC236}">
-                <a16:creationId xmlns:a16="http://schemas.microsoft.com/office/drawing/2014/main" id="{82C46BA2-B380-4357-B125-BA9F08A643F5}"/>
+                <a16:creationId xmlns:a16="http://schemas.microsoft.com/office/drawing/2014/main" id="{CF9A4806-60B4-80DC-1F76-D2EB3E6C376B}"/>
               </a:ext>
             </a:extLst>
           </p:cNvPr>
@@ -7158,8 +8433,8 @@
         </p:nvSpPr>
         <p:spPr>
           <a:xfrm>
-            <a:off x="468895" y="503475"/>
-            <a:ext cx="11269308" cy="384721"/>
+            <a:off x="468313" y="286788"/>
+            <a:ext cx="11269662" cy="769441"/>
           </a:xfrm>
         </p:spPr>
         <p:txBody>
@@ -7167,19 +8442,94 @@
           <a:lstStyle/>
           <a:p>
             <a:r>
-              <a:rPr lang="it-IT" altLang="it-IT"/>
-              <a:t>Bibliografia</a:t>
-            </a:r>
-            <a:endParaRPr lang="it-IT" dirty="0"/>
+              <a:rPr lang="it-IT">
+                <a:solidFill>
+                  <a:schemeClr val="tx1"/>
+                </a:solidFill>
+              </a:rPr>
+              <a:t>Architetture di Blockchain</a:t>
+            </a:r>
+            <a:br>
+              <a:rPr lang="it-IT">
+                <a:solidFill>
+                  <a:schemeClr val="tx1"/>
+                </a:solidFill>
+              </a:rPr>
+            </a:br>
+            <a:endParaRPr lang="it-IT" dirty="0">
+              <a:solidFill>
+                <a:schemeClr val="tx1"/>
+              </a:solidFill>
+            </a:endParaRPr>
           </a:p>
         </p:txBody>
       </p:sp>
+      <p:pic>
+        <p:nvPicPr>
+          <p:cNvPr id="4" name="Immagine 3"/>
+          <p:cNvPicPr>
+            <a:picLocks noChangeAspect="1"/>
+          </p:cNvPicPr>
+          <p:nvPr/>
+        </p:nvPicPr>
+        <p:blipFill>
+          <a:blip r:embed="rId2">
+            <a:extLst>
+              <a:ext uri="{28A0092B-C50C-407E-A947-70E740481C1C}">
+                <a14:useLocalDpi xmlns:a14="http://schemas.microsoft.com/office/drawing/2010/main" val="0"/>
+              </a:ext>
+            </a:extLst>
+          </a:blip>
+          <a:stretch>
+            <a:fillRect/>
+          </a:stretch>
+        </p:blipFill>
+        <p:spPr>
+          <a:xfrm>
+            <a:off x="7871183" y="2121617"/>
+            <a:ext cx="4242754" cy="3472938"/>
+          </a:xfrm>
+          <a:prstGeom prst="rect">
+            <a:avLst/>
+          </a:prstGeom>
+        </p:spPr>
+      </p:pic>
+    </p:spTree>
+    <p:extLst>
+      <p:ext uri="{BB962C8B-B14F-4D97-AF65-F5344CB8AC3E}">
+        <p14:creationId xmlns:p14="http://schemas.microsoft.com/office/powerpoint/2010/main" val="2508185425"/>
+      </p:ext>
+    </p:extLst>
+  </p:cSld>
+  <p:clrMapOvr>
+    <a:masterClrMapping/>
+  </p:clrMapOvr>
+</p:sld>
+</file>
+
+<file path=ppt/slides/slide12.xml><?xml version="1.0" encoding="utf-8"?>
+<p:sld xmlns:a="http://schemas.openxmlformats.org/drawingml/2006/main" xmlns:r="http://schemas.openxmlformats.org/officeDocument/2006/relationships" xmlns:p="http://schemas.openxmlformats.org/presentationml/2006/main">
+  <p:cSld>
+    <p:spTree>
+      <p:nvGrpSpPr>
+        <p:cNvPr id="1" name=""/>
+        <p:cNvGrpSpPr/>
+        <p:nvPr/>
+      </p:nvGrpSpPr>
+      <p:grpSpPr>
+        <a:xfrm>
+          <a:off x="0" y="0"/>
+          <a:ext cx="0" cy="0"/>
+          <a:chOff x="0" y="0"/>
+          <a:chExt cx="0" cy="0"/>
+        </a:xfrm>
+      </p:grpSpPr>
       <p:sp>
         <p:nvSpPr>
-          <p:cNvPr id="3" name="Segnaposto testo 2">
+          <p:cNvPr id="2" name="Segnaposto testo 1">
             <a:extLst>
               <a:ext uri="{FF2B5EF4-FFF2-40B4-BE49-F238E27FC236}">
-                <a16:creationId xmlns:a16="http://schemas.microsoft.com/office/drawing/2014/main" id="{15CD42DB-61E6-AA3D-7125-BF4BEDB5D886}"/>
+                <a16:creationId xmlns:a16="http://schemas.microsoft.com/office/drawing/2014/main" id="{E5AE986C-196F-4141-A898-FA4C4198CDCC}"/>
               </a:ext>
             </a:extLst>
           </p:cNvPr>
@@ -7192,95 +8542,6296 @@
         </p:nvSpPr>
         <p:spPr>
           <a:xfrm>
-            <a:off x="477519" y="1557338"/>
-            <a:ext cx="11043921" cy="4392612"/>
+            <a:off x="468313" y="1205245"/>
+            <a:ext cx="8941158" cy="4392612"/>
           </a:xfrm>
         </p:spPr>
         <p:txBody>
           <a:bodyPr/>
           <a:lstStyle/>
           <a:p>
-            <a:endParaRPr lang="it-IT" dirty="0"/>
+            <a:pPr marL="342900" indent="-342900" algn="just">
+              <a:lnSpc>
+                <a:spcPct val="115000"/>
+              </a:lnSpc>
+              <a:spcBef>
+                <a:spcPts val="2400"/>
+              </a:spcBef>
+              <a:buFont typeface="Wingdings" panose="05000000000000000000" pitchFamily="2" charset="2"/>
+              <a:buChar char="ü"/>
+              <a:tabLst>
+                <a:tab pos="457200" algn="l"/>
+              </a:tabLst>
+            </a:pPr>
+            <a:r>
+              <a:rPr lang="it-IT" sz="2400" dirty="0" smtClean="0">
+                <a:solidFill>
+                  <a:schemeClr val="tx1"/>
+                </a:solidFill>
+                <a:latin typeface="Tahoma" panose="020B0604030504040204" pitchFamily="34" charset="0"/>
+                <a:ea typeface="Tahoma" panose="020B0604030504040204" pitchFamily="34" charset="0"/>
+                <a:cs typeface="Tahoma" panose="020B0604030504040204" pitchFamily="34" charset="0"/>
+              </a:rPr>
+              <a:t>La </a:t>
+            </a:r>
+            <a:r>
+              <a:rPr lang="it-IT" sz="2400" b="1" dirty="0" smtClean="0">
+                <a:solidFill>
+                  <a:schemeClr val="tx1"/>
+                </a:solidFill>
+                <a:latin typeface="Tahoma" panose="020B0604030504040204" pitchFamily="34" charset="0"/>
+                <a:ea typeface="Tahoma" panose="020B0604030504040204" pitchFamily="34" charset="0"/>
+                <a:cs typeface="Tahoma" panose="020B0604030504040204" pitchFamily="34" charset="0"/>
+              </a:rPr>
+              <a:t>crittografia</a:t>
+            </a:r>
+            <a:r>
+              <a:rPr lang="it-IT" sz="2400" dirty="0" smtClean="0">
+                <a:solidFill>
+                  <a:schemeClr val="tx1"/>
+                </a:solidFill>
+                <a:latin typeface="Tahoma" panose="020B0604030504040204" pitchFamily="34" charset="0"/>
+                <a:ea typeface="Tahoma" panose="020B0604030504040204" pitchFamily="34" charset="0"/>
+                <a:cs typeface="Tahoma" panose="020B0604030504040204" pitchFamily="34" charset="0"/>
+              </a:rPr>
+              <a:t> </a:t>
+            </a:r>
+            <a:r>
+              <a:rPr lang="it-IT" sz="2400" b="1" dirty="0" err="1" smtClean="0">
+                <a:solidFill>
+                  <a:schemeClr val="tx1"/>
+                </a:solidFill>
+                <a:latin typeface="Tahoma" panose="020B0604030504040204" pitchFamily="34" charset="0"/>
+                <a:ea typeface="Tahoma" panose="020B0604030504040204" pitchFamily="34" charset="0"/>
+                <a:cs typeface="Tahoma" panose="020B0604030504040204" pitchFamily="34" charset="0"/>
+              </a:rPr>
+              <a:t>hash</a:t>
+            </a:r>
+            <a:r>
+              <a:rPr lang="it-IT" sz="2400" dirty="0" smtClean="0">
+                <a:solidFill>
+                  <a:schemeClr val="tx1"/>
+                </a:solidFill>
+                <a:latin typeface="Tahoma" panose="020B0604030504040204" pitchFamily="34" charset="0"/>
+                <a:ea typeface="Tahoma" panose="020B0604030504040204" pitchFamily="34" charset="0"/>
+                <a:cs typeface="Tahoma" panose="020B0604030504040204" pitchFamily="34" charset="0"/>
+              </a:rPr>
+              <a:t> è un algoritmo </a:t>
+            </a:r>
+            <a:r>
+              <a:rPr lang="it-IT" sz="2400" dirty="0">
+                <a:solidFill>
+                  <a:schemeClr val="tx1"/>
+                </a:solidFill>
+                <a:latin typeface="Tahoma" panose="020B0604030504040204" pitchFamily="34" charset="0"/>
+                <a:ea typeface="Tahoma" panose="020B0604030504040204" pitchFamily="34" charset="0"/>
+                <a:cs typeface="Tahoma" panose="020B0604030504040204" pitchFamily="34" charset="0"/>
+              </a:rPr>
+              <a:t>matematico che </a:t>
+            </a:r>
+            <a:r>
+              <a:rPr lang="it-IT" sz="2400" b="1" dirty="0">
+                <a:solidFill>
+                  <a:schemeClr val="tx1"/>
+                </a:solidFill>
+                <a:latin typeface="Tahoma" panose="020B0604030504040204" pitchFamily="34" charset="0"/>
+                <a:ea typeface="Tahoma" panose="020B0604030504040204" pitchFamily="34" charset="0"/>
+                <a:cs typeface="Tahoma" panose="020B0604030504040204" pitchFamily="34" charset="0"/>
+              </a:rPr>
+              <a:t>trasforma</a:t>
+            </a:r>
+            <a:r>
+              <a:rPr lang="it-IT" sz="2400" dirty="0">
+                <a:solidFill>
+                  <a:schemeClr val="tx1"/>
+                </a:solidFill>
+                <a:latin typeface="Tahoma" panose="020B0604030504040204" pitchFamily="34" charset="0"/>
+                <a:ea typeface="Tahoma" panose="020B0604030504040204" pitchFamily="34" charset="0"/>
+                <a:cs typeface="Tahoma" panose="020B0604030504040204" pitchFamily="34" charset="0"/>
+              </a:rPr>
+              <a:t> dei dati di </a:t>
+            </a:r>
+            <a:r>
+              <a:rPr lang="it-IT" sz="2400" b="1" dirty="0">
+                <a:solidFill>
+                  <a:schemeClr val="tx1"/>
+                </a:solidFill>
+                <a:latin typeface="Tahoma" panose="020B0604030504040204" pitchFamily="34" charset="0"/>
+                <a:ea typeface="Tahoma" panose="020B0604030504040204" pitchFamily="34" charset="0"/>
+                <a:cs typeface="Tahoma" panose="020B0604030504040204" pitchFamily="34" charset="0"/>
+              </a:rPr>
+              <a:t>lunghezza</a:t>
+            </a:r>
+            <a:r>
+              <a:rPr lang="it-IT" sz="2400" dirty="0">
+                <a:solidFill>
+                  <a:schemeClr val="tx1"/>
+                </a:solidFill>
+                <a:latin typeface="Tahoma" panose="020B0604030504040204" pitchFamily="34" charset="0"/>
+                <a:ea typeface="Tahoma" panose="020B0604030504040204" pitchFamily="34" charset="0"/>
+                <a:cs typeface="Tahoma" panose="020B0604030504040204" pitchFamily="34" charset="0"/>
+              </a:rPr>
+              <a:t> </a:t>
+            </a:r>
+            <a:r>
+              <a:rPr lang="it-IT" sz="2400" b="1" dirty="0">
+                <a:solidFill>
+                  <a:schemeClr val="tx1"/>
+                </a:solidFill>
+                <a:latin typeface="Tahoma" panose="020B0604030504040204" pitchFamily="34" charset="0"/>
+                <a:ea typeface="Tahoma" panose="020B0604030504040204" pitchFamily="34" charset="0"/>
+                <a:cs typeface="Tahoma" panose="020B0604030504040204" pitchFamily="34" charset="0"/>
+              </a:rPr>
+              <a:t>arbitraria</a:t>
+            </a:r>
+            <a:r>
+              <a:rPr lang="it-IT" sz="2400" dirty="0">
+                <a:solidFill>
+                  <a:schemeClr val="tx1"/>
+                </a:solidFill>
+                <a:latin typeface="Tahoma" panose="020B0604030504040204" pitchFamily="34" charset="0"/>
+                <a:ea typeface="Tahoma" panose="020B0604030504040204" pitchFamily="34" charset="0"/>
+                <a:cs typeface="Tahoma" panose="020B0604030504040204" pitchFamily="34" charset="0"/>
+              </a:rPr>
+              <a:t> </a:t>
+            </a:r>
+            <a:r>
+              <a:rPr lang="it-IT" sz="2400" dirty="0" smtClean="0">
+                <a:solidFill>
+                  <a:schemeClr val="tx1"/>
+                </a:solidFill>
+                <a:latin typeface="Tahoma" panose="020B0604030504040204" pitchFamily="34" charset="0"/>
+                <a:ea typeface="Tahoma" panose="020B0604030504040204" pitchFamily="34" charset="0"/>
+                <a:cs typeface="Tahoma" panose="020B0604030504040204" pitchFamily="34" charset="0"/>
+              </a:rPr>
+              <a:t>(per esempio un messaggio) in </a:t>
+            </a:r>
+            <a:r>
+              <a:rPr lang="it-IT" sz="2400" dirty="0">
+                <a:solidFill>
+                  <a:schemeClr val="tx1"/>
+                </a:solidFill>
+                <a:latin typeface="Tahoma" panose="020B0604030504040204" pitchFamily="34" charset="0"/>
+                <a:ea typeface="Tahoma" panose="020B0604030504040204" pitchFamily="34" charset="0"/>
+                <a:cs typeface="Tahoma" panose="020B0604030504040204" pitchFamily="34" charset="0"/>
+              </a:rPr>
+              <a:t>una stringa binaria di </a:t>
+            </a:r>
+            <a:r>
+              <a:rPr lang="it-IT" sz="2400" b="1" dirty="0">
+                <a:solidFill>
+                  <a:schemeClr val="tx1"/>
+                </a:solidFill>
+                <a:latin typeface="Tahoma" panose="020B0604030504040204" pitchFamily="34" charset="0"/>
+                <a:ea typeface="Tahoma" panose="020B0604030504040204" pitchFamily="34" charset="0"/>
+                <a:cs typeface="Tahoma" panose="020B0604030504040204" pitchFamily="34" charset="0"/>
+              </a:rPr>
+              <a:t>dimensione</a:t>
+            </a:r>
+            <a:r>
+              <a:rPr lang="it-IT" sz="2400" dirty="0">
+                <a:solidFill>
+                  <a:schemeClr val="tx1"/>
+                </a:solidFill>
+                <a:latin typeface="Tahoma" panose="020B0604030504040204" pitchFamily="34" charset="0"/>
+                <a:ea typeface="Tahoma" panose="020B0604030504040204" pitchFamily="34" charset="0"/>
+                <a:cs typeface="Tahoma" panose="020B0604030504040204" pitchFamily="34" charset="0"/>
+              </a:rPr>
+              <a:t> </a:t>
+            </a:r>
+            <a:r>
+              <a:rPr lang="it-IT" sz="2400" b="1" dirty="0">
+                <a:solidFill>
+                  <a:schemeClr val="tx1"/>
+                </a:solidFill>
+                <a:latin typeface="Tahoma" panose="020B0604030504040204" pitchFamily="34" charset="0"/>
+                <a:ea typeface="Tahoma" panose="020B0604030504040204" pitchFamily="34" charset="0"/>
+                <a:cs typeface="Tahoma" panose="020B0604030504040204" pitchFamily="34" charset="0"/>
+              </a:rPr>
+              <a:t>fissa</a:t>
+            </a:r>
+            <a:r>
+              <a:rPr lang="it-IT" sz="2400" dirty="0">
+                <a:solidFill>
+                  <a:schemeClr val="tx1"/>
+                </a:solidFill>
+                <a:latin typeface="Tahoma" panose="020B0604030504040204" pitchFamily="34" charset="0"/>
+                <a:ea typeface="Tahoma" panose="020B0604030504040204" pitchFamily="34" charset="0"/>
+                <a:cs typeface="Tahoma" panose="020B0604030504040204" pitchFamily="34" charset="0"/>
+              </a:rPr>
+              <a:t> chiamata ‘</a:t>
+            </a:r>
+            <a:r>
+              <a:rPr lang="it-IT" sz="2400" b="1" dirty="0">
+                <a:solidFill>
+                  <a:schemeClr val="tx1"/>
+                </a:solidFill>
+                <a:latin typeface="Tahoma" panose="020B0604030504040204" pitchFamily="34" charset="0"/>
+                <a:ea typeface="Tahoma" panose="020B0604030504040204" pitchFamily="34" charset="0"/>
+                <a:cs typeface="Tahoma" panose="020B0604030504040204" pitchFamily="34" charset="0"/>
+              </a:rPr>
+              <a:t>valore</a:t>
+            </a:r>
+            <a:r>
+              <a:rPr lang="it-IT" sz="2400" dirty="0">
+                <a:solidFill>
+                  <a:schemeClr val="tx1"/>
+                </a:solidFill>
+                <a:latin typeface="Tahoma" panose="020B0604030504040204" pitchFamily="34" charset="0"/>
+                <a:ea typeface="Tahoma" panose="020B0604030504040204" pitchFamily="34" charset="0"/>
+                <a:cs typeface="Tahoma" panose="020B0604030504040204" pitchFamily="34" charset="0"/>
+              </a:rPr>
+              <a:t> </a:t>
+            </a:r>
+            <a:r>
+              <a:rPr lang="it-IT" sz="2400" b="1" dirty="0">
+                <a:solidFill>
+                  <a:schemeClr val="tx1"/>
+                </a:solidFill>
+                <a:latin typeface="Tahoma" panose="020B0604030504040204" pitchFamily="34" charset="0"/>
+                <a:ea typeface="Tahoma" panose="020B0604030504040204" pitchFamily="34" charset="0"/>
+                <a:cs typeface="Tahoma" panose="020B0604030504040204" pitchFamily="34" charset="0"/>
+              </a:rPr>
+              <a:t>di</a:t>
+            </a:r>
+            <a:r>
+              <a:rPr lang="it-IT" sz="2400" dirty="0">
+                <a:solidFill>
+                  <a:schemeClr val="tx1"/>
+                </a:solidFill>
+                <a:latin typeface="Tahoma" panose="020B0604030504040204" pitchFamily="34" charset="0"/>
+                <a:ea typeface="Tahoma" panose="020B0604030504040204" pitchFamily="34" charset="0"/>
+                <a:cs typeface="Tahoma" panose="020B0604030504040204" pitchFamily="34" charset="0"/>
+              </a:rPr>
+              <a:t> </a:t>
+            </a:r>
+            <a:r>
+              <a:rPr lang="it-IT" sz="2400" b="1" dirty="0" err="1" smtClean="0">
+                <a:solidFill>
+                  <a:schemeClr val="tx1"/>
+                </a:solidFill>
+                <a:latin typeface="Tahoma" panose="020B0604030504040204" pitchFamily="34" charset="0"/>
+                <a:ea typeface="Tahoma" panose="020B0604030504040204" pitchFamily="34" charset="0"/>
+                <a:cs typeface="Tahoma" panose="020B0604030504040204" pitchFamily="34" charset="0"/>
+              </a:rPr>
+              <a:t>hash</a:t>
+            </a:r>
+            <a:r>
+              <a:rPr lang="it-IT" sz="2400" dirty="0" smtClean="0">
+                <a:solidFill>
+                  <a:schemeClr val="tx1"/>
+                </a:solidFill>
+                <a:latin typeface="Tahoma" panose="020B0604030504040204" pitchFamily="34" charset="0"/>
+                <a:ea typeface="Tahoma" panose="020B0604030504040204" pitchFamily="34" charset="0"/>
+                <a:cs typeface="Tahoma" panose="020B0604030504040204" pitchFamily="34" charset="0"/>
+              </a:rPr>
+              <a:t>’. </a:t>
+            </a:r>
           </a:p>
           <a:p>
-            <a:endParaRPr lang="it-IT" dirty="0"/>
+            <a:pPr marL="342900" indent="-342900" algn="just">
+              <a:lnSpc>
+                <a:spcPct val="115000"/>
+              </a:lnSpc>
+              <a:spcBef>
+                <a:spcPts val="2400"/>
+              </a:spcBef>
+              <a:buFont typeface="Wingdings" panose="05000000000000000000" pitchFamily="2" charset="2"/>
+              <a:buChar char="ü"/>
+              <a:tabLst>
+                <a:tab pos="457200" algn="l"/>
+              </a:tabLst>
+            </a:pPr>
+            <a:r>
+              <a:rPr lang="it-IT" sz="2400" dirty="0" smtClean="0">
+                <a:solidFill>
+                  <a:schemeClr val="tx1"/>
+                </a:solidFill>
+                <a:latin typeface="Tahoma" panose="020B0604030504040204" pitchFamily="34" charset="0"/>
+                <a:ea typeface="Tahoma" panose="020B0604030504040204" pitchFamily="34" charset="0"/>
+                <a:cs typeface="Tahoma" panose="020B0604030504040204" pitchFamily="34" charset="0"/>
+              </a:rPr>
+              <a:t>Gli </a:t>
+            </a:r>
+            <a:r>
+              <a:rPr lang="it-IT" sz="2400" dirty="0">
+                <a:solidFill>
+                  <a:schemeClr val="tx1"/>
+                </a:solidFill>
+                <a:latin typeface="Tahoma" panose="020B0604030504040204" pitchFamily="34" charset="0"/>
+                <a:ea typeface="Tahoma" panose="020B0604030504040204" pitchFamily="34" charset="0"/>
+                <a:cs typeface="Tahoma" panose="020B0604030504040204" pitchFamily="34" charset="0"/>
+              </a:rPr>
+              <a:t>algoritmi di </a:t>
+            </a:r>
+            <a:r>
+              <a:rPr lang="it-IT" sz="2400" b="1" dirty="0">
+                <a:solidFill>
+                  <a:schemeClr val="tx1"/>
+                </a:solidFill>
+                <a:latin typeface="Tahoma" panose="020B0604030504040204" pitchFamily="34" charset="0"/>
+                <a:ea typeface="Tahoma" panose="020B0604030504040204" pitchFamily="34" charset="0"/>
+                <a:cs typeface="Tahoma" panose="020B0604030504040204" pitchFamily="34" charset="0"/>
+              </a:rPr>
+              <a:t>questo</a:t>
+            </a:r>
+            <a:r>
+              <a:rPr lang="it-IT" sz="2400" dirty="0">
+                <a:solidFill>
+                  <a:schemeClr val="tx1"/>
+                </a:solidFill>
+                <a:latin typeface="Tahoma" panose="020B0604030504040204" pitchFamily="34" charset="0"/>
+                <a:ea typeface="Tahoma" panose="020B0604030504040204" pitchFamily="34" charset="0"/>
+                <a:cs typeface="Tahoma" panose="020B0604030504040204" pitchFamily="34" charset="0"/>
+              </a:rPr>
+              <a:t> </a:t>
+            </a:r>
+            <a:r>
+              <a:rPr lang="it-IT" sz="2400" b="1" dirty="0">
+                <a:solidFill>
+                  <a:schemeClr val="tx1"/>
+                </a:solidFill>
+                <a:latin typeface="Tahoma" panose="020B0604030504040204" pitchFamily="34" charset="0"/>
+                <a:ea typeface="Tahoma" panose="020B0604030504040204" pitchFamily="34" charset="0"/>
+                <a:cs typeface="Tahoma" panose="020B0604030504040204" pitchFamily="34" charset="0"/>
+              </a:rPr>
+              <a:t>tipo</a:t>
+            </a:r>
+            <a:r>
+              <a:rPr lang="it-IT" sz="2400" dirty="0">
+                <a:solidFill>
+                  <a:schemeClr val="tx1"/>
+                </a:solidFill>
+                <a:latin typeface="Tahoma" panose="020B0604030504040204" pitchFamily="34" charset="0"/>
+                <a:ea typeface="Tahoma" panose="020B0604030504040204" pitchFamily="34" charset="0"/>
+                <a:cs typeface="Tahoma" panose="020B0604030504040204" pitchFamily="34" charset="0"/>
+              </a:rPr>
+              <a:t> sono </a:t>
+            </a:r>
+            <a:r>
+              <a:rPr lang="it-IT" sz="2400" b="1" dirty="0">
+                <a:solidFill>
+                  <a:schemeClr val="tx1"/>
+                </a:solidFill>
+                <a:latin typeface="Tahoma" panose="020B0604030504040204" pitchFamily="34" charset="0"/>
+                <a:ea typeface="Tahoma" panose="020B0604030504040204" pitchFamily="34" charset="0"/>
+                <a:cs typeface="Tahoma" panose="020B0604030504040204" pitchFamily="34" charset="0"/>
+              </a:rPr>
+              <a:t>unidirezionali</a:t>
+            </a:r>
+            <a:r>
+              <a:rPr lang="it-IT" sz="2400" dirty="0">
+                <a:solidFill>
+                  <a:schemeClr val="tx1"/>
+                </a:solidFill>
+                <a:latin typeface="Tahoma" panose="020B0604030504040204" pitchFamily="34" charset="0"/>
+                <a:ea typeface="Tahoma" panose="020B0604030504040204" pitchFamily="34" charset="0"/>
+                <a:cs typeface="Tahoma" panose="020B0604030504040204" pitchFamily="34" charset="0"/>
+              </a:rPr>
+              <a:t> quindi difficili da invertire, motivo per cui sono utilizzati nelle </a:t>
+            </a:r>
+            <a:r>
+              <a:rPr lang="it-IT" sz="2400" b="1" dirty="0">
+                <a:solidFill>
+                  <a:schemeClr val="tx1"/>
+                </a:solidFill>
+                <a:latin typeface="Tahoma" panose="020B0604030504040204" pitchFamily="34" charset="0"/>
+                <a:ea typeface="Tahoma" panose="020B0604030504040204" pitchFamily="34" charset="0"/>
+                <a:cs typeface="Tahoma" panose="020B0604030504040204" pitchFamily="34" charset="0"/>
+              </a:rPr>
+              <a:t>firme</a:t>
+            </a:r>
+            <a:r>
+              <a:rPr lang="it-IT" sz="2400" dirty="0">
+                <a:solidFill>
+                  <a:schemeClr val="tx1"/>
+                </a:solidFill>
+                <a:latin typeface="Tahoma" panose="020B0604030504040204" pitchFamily="34" charset="0"/>
+                <a:ea typeface="Tahoma" panose="020B0604030504040204" pitchFamily="34" charset="0"/>
+                <a:cs typeface="Tahoma" panose="020B0604030504040204" pitchFamily="34" charset="0"/>
+              </a:rPr>
+              <a:t> </a:t>
+            </a:r>
+            <a:r>
+              <a:rPr lang="it-IT" sz="2400" b="1" dirty="0">
+                <a:solidFill>
+                  <a:schemeClr val="tx1"/>
+                </a:solidFill>
+                <a:latin typeface="Tahoma" panose="020B0604030504040204" pitchFamily="34" charset="0"/>
+                <a:ea typeface="Tahoma" panose="020B0604030504040204" pitchFamily="34" charset="0"/>
+                <a:cs typeface="Tahoma" panose="020B0604030504040204" pitchFamily="34" charset="0"/>
+              </a:rPr>
+              <a:t>digitali</a:t>
+            </a:r>
+            <a:r>
+              <a:rPr lang="it-IT" sz="2400" dirty="0">
+                <a:solidFill>
+                  <a:schemeClr val="tx1"/>
+                </a:solidFill>
+                <a:latin typeface="Tahoma" panose="020B0604030504040204" pitchFamily="34" charset="0"/>
+                <a:ea typeface="Tahoma" panose="020B0604030504040204" pitchFamily="34" charset="0"/>
+                <a:cs typeface="Tahoma" panose="020B0604030504040204" pitchFamily="34" charset="0"/>
+              </a:rPr>
+              <a:t>, per </a:t>
+            </a:r>
+            <a:r>
+              <a:rPr lang="it-IT" sz="2400" b="1" dirty="0">
+                <a:solidFill>
+                  <a:schemeClr val="tx1"/>
+                </a:solidFill>
+                <a:latin typeface="Tahoma" panose="020B0604030504040204" pitchFamily="34" charset="0"/>
+                <a:ea typeface="Tahoma" panose="020B0604030504040204" pitchFamily="34" charset="0"/>
+                <a:cs typeface="Tahoma" panose="020B0604030504040204" pitchFamily="34" charset="0"/>
+              </a:rPr>
+              <a:t>l’autenticazione</a:t>
+            </a:r>
+            <a:r>
+              <a:rPr lang="it-IT" sz="2400" dirty="0">
+                <a:solidFill>
+                  <a:schemeClr val="tx1"/>
+                </a:solidFill>
+                <a:latin typeface="Tahoma" panose="020B0604030504040204" pitchFamily="34" charset="0"/>
+                <a:ea typeface="Tahoma" panose="020B0604030504040204" pitchFamily="34" charset="0"/>
+                <a:cs typeface="Tahoma" panose="020B0604030504040204" pitchFamily="34" charset="0"/>
+              </a:rPr>
+              <a:t> dei messaggi oppure proteggere le </a:t>
+            </a:r>
+            <a:r>
+              <a:rPr lang="it-IT" sz="2400" b="1" dirty="0">
+                <a:solidFill>
+                  <a:schemeClr val="tx1"/>
+                </a:solidFill>
+                <a:latin typeface="Tahoma" panose="020B0604030504040204" pitchFamily="34" charset="0"/>
+                <a:ea typeface="Tahoma" panose="020B0604030504040204" pitchFamily="34" charset="0"/>
+                <a:cs typeface="Tahoma" panose="020B0604030504040204" pitchFamily="34" charset="0"/>
+              </a:rPr>
+              <a:t>credenziali</a:t>
+            </a:r>
+            <a:r>
+              <a:rPr lang="it-IT" sz="2400" dirty="0">
+                <a:solidFill>
+                  <a:schemeClr val="tx1"/>
+                </a:solidFill>
+                <a:latin typeface="Tahoma" panose="020B0604030504040204" pitchFamily="34" charset="0"/>
+                <a:ea typeface="Tahoma" panose="020B0604030504040204" pitchFamily="34" charset="0"/>
+                <a:cs typeface="Tahoma" panose="020B0604030504040204" pitchFamily="34" charset="0"/>
+              </a:rPr>
+              <a:t> </a:t>
+            </a:r>
+            <a:r>
+              <a:rPr lang="it-IT" sz="2400" b="1" dirty="0">
+                <a:solidFill>
+                  <a:schemeClr val="tx1"/>
+                </a:solidFill>
+                <a:latin typeface="Tahoma" panose="020B0604030504040204" pitchFamily="34" charset="0"/>
+                <a:ea typeface="Tahoma" panose="020B0604030504040204" pitchFamily="34" charset="0"/>
+                <a:cs typeface="Tahoma" panose="020B0604030504040204" pitchFamily="34" charset="0"/>
+              </a:rPr>
+              <a:t>private</a:t>
+            </a:r>
+            <a:r>
+              <a:rPr lang="it-IT" sz="2400" dirty="0">
+                <a:solidFill>
+                  <a:schemeClr val="tx1"/>
+                </a:solidFill>
+                <a:latin typeface="Tahoma" panose="020B0604030504040204" pitchFamily="34" charset="0"/>
+                <a:ea typeface="Tahoma" panose="020B0604030504040204" pitchFamily="34" charset="0"/>
+                <a:cs typeface="Tahoma" panose="020B0604030504040204" pitchFamily="34" charset="0"/>
+              </a:rPr>
+              <a:t> degli utenti nell’accesso ai servizi </a:t>
+            </a:r>
+            <a:r>
+              <a:rPr lang="it-IT" sz="2400" dirty="0" smtClean="0">
+                <a:solidFill>
+                  <a:schemeClr val="tx1"/>
+                </a:solidFill>
+                <a:latin typeface="Tahoma" panose="020B0604030504040204" pitchFamily="34" charset="0"/>
+                <a:ea typeface="Tahoma" panose="020B0604030504040204" pitchFamily="34" charset="0"/>
+                <a:cs typeface="Tahoma" panose="020B0604030504040204" pitchFamily="34" charset="0"/>
+              </a:rPr>
+              <a:t>digitali. </a:t>
+            </a:r>
+            <a:r>
+              <a:rPr lang="it-IT" sz="2400" dirty="0">
+                <a:solidFill>
+                  <a:schemeClr val="tx1"/>
+                </a:solidFill>
+                <a:latin typeface="Tahoma" panose="020B0604030504040204" pitchFamily="34" charset="0"/>
+                <a:ea typeface="Tahoma" panose="020B0604030504040204" pitchFamily="34" charset="0"/>
+                <a:cs typeface="Tahoma" panose="020B0604030504040204" pitchFamily="34" charset="0"/>
+              </a:rPr>
+              <a:t>Ciò che appare </a:t>
+            </a:r>
+            <a:r>
+              <a:rPr lang="it-IT" sz="2400" b="1" dirty="0">
+                <a:solidFill>
+                  <a:schemeClr val="tx1"/>
+                </a:solidFill>
+                <a:latin typeface="Tahoma" panose="020B0604030504040204" pitchFamily="34" charset="0"/>
+                <a:ea typeface="Tahoma" panose="020B0604030504040204" pitchFamily="34" charset="0"/>
+                <a:cs typeface="Tahoma" panose="020B0604030504040204" pitchFamily="34" charset="0"/>
+              </a:rPr>
+              <a:t>rivoluzionario</a:t>
+            </a:r>
+            <a:r>
+              <a:rPr lang="it-IT" sz="2400" dirty="0">
+                <a:solidFill>
+                  <a:schemeClr val="tx1"/>
+                </a:solidFill>
+                <a:latin typeface="Tahoma" panose="020B0604030504040204" pitchFamily="34" charset="0"/>
+                <a:ea typeface="Tahoma" panose="020B0604030504040204" pitchFamily="34" charset="0"/>
+                <a:cs typeface="Tahoma" panose="020B0604030504040204" pitchFamily="34" charset="0"/>
+              </a:rPr>
+              <a:t>, seppur con l’impiego di tecnologie già esistenti, è la loro </a:t>
+            </a:r>
+            <a:r>
+              <a:rPr lang="it-IT" sz="2400" b="1" dirty="0">
+                <a:solidFill>
+                  <a:schemeClr val="tx1"/>
+                </a:solidFill>
+                <a:latin typeface="Tahoma" panose="020B0604030504040204" pitchFamily="34" charset="0"/>
+                <a:ea typeface="Tahoma" panose="020B0604030504040204" pitchFamily="34" charset="0"/>
+                <a:cs typeface="Tahoma" panose="020B0604030504040204" pitchFamily="34" charset="0"/>
+              </a:rPr>
+              <a:t>unione</a:t>
+            </a:r>
+            <a:r>
+              <a:rPr lang="it-IT" sz="2400" dirty="0">
+                <a:solidFill>
+                  <a:schemeClr val="tx1"/>
+                </a:solidFill>
+                <a:latin typeface="Tahoma" panose="020B0604030504040204" pitchFamily="34" charset="0"/>
+                <a:ea typeface="Tahoma" panose="020B0604030504040204" pitchFamily="34" charset="0"/>
+                <a:cs typeface="Tahoma" panose="020B0604030504040204" pitchFamily="34" charset="0"/>
+              </a:rPr>
+              <a:t> nel formare quella che appunto viene riconosciuta come una ‘</a:t>
+            </a:r>
+            <a:r>
+              <a:rPr lang="it-IT" sz="2400" b="1" dirty="0">
+                <a:solidFill>
+                  <a:schemeClr val="tx1"/>
+                </a:solidFill>
+                <a:latin typeface="Tahoma" panose="020B0604030504040204" pitchFamily="34" charset="0"/>
+                <a:ea typeface="Tahoma" panose="020B0604030504040204" pitchFamily="34" charset="0"/>
+                <a:cs typeface="Tahoma" panose="020B0604030504040204" pitchFamily="34" charset="0"/>
+              </a:rPr>
+              <a:t>catena</a:t>
+            </a:r>
+            <a:r>
+              <a:rPr lang="it-IT" sz="2400" dirty="0">
+                <a:solidFill>
+                  <a:schemeClr val="tx1"/>
+                </a:solidFill>
+                <a:latin typeface="Tahoma" panose="020B0604030504040204" pitchFamily="34" charset="0"/>
+                <a:ea typeface="Tahoma" panose="020B0604030504040204" pitchFamily="34" charset="0"/>
+                <a:cs typeface="Tahoma" panose="020B0604030504040204" pitchFamily="34" charset="0"/>
+              </a:rPr>
+              <a:t> </a:t>
+            </a:r>
+            <a:r>
+              <a:rPr lang="it-IT" sz="2400" b="1" dirty="0">
+                <a:solidFill>
+                  <a:schemeClr val="tx1"/>
+                </a:solidFill>
+                <a:latin typeface="Tahoma" panose="020B0604030504040204" pitchFamily="34" charset="0"/>
+                <a:ea typeface="Tahoma" panose="020B0604030504040204" pitchFamily="34" charset="0"/>
+                <a:cs typeface="Tahoma" panose="020B0604030504040204" pitchFamily="34" charset="0"/>
+              </a:rPr>
+              <a:t>di</a:t>
+            </a:r>
+            <a:r>
+              <a:rPr lang="it-IT" sz="2400" dirty="0">
+                <a:solidFill>
+                  <a:schemeClr val="tx1"/>
+                </a:solidFill>
+                <a:latin typeface="Tahoma" panose="020B0604030504040204" pitchFamily="34" charset="0"/>
+                <a:ea typeface="Tahoma" panose="020B0604030504040204" pitchFamily="34" charset="0"/>
+                <a:cs typeface="Tahoma" panose="020B0604030504040204" pitchFamily="34" charset="0"/>
+              </a:rPr>
+              <a:t> </a:t>
+            </a:r>
+            <a:r>
+              <a:rPr lang="it-IT" sz="2400" b="1" dirty="0">
+                <a:solidFill>
+                  <a:schemeClr val="tx1"/>
+                </a:solidFill>
+                <a:latin typeface="Tahoma" panose="020B0604030504040204" pitchFamily="34" charset="0"/>
+                <a:ea typeface="Tahoma" panose="020B0604030504040204" pitchFamily="34" charset="0"/>
+                <a:cs typeface="Tahoma" panose="020B0604030504040204" pitchFamily="34" charset="0"/>
+              </a:rPr>
+              <a:t>blocchi</a:t>
+            </a:r>
+            <a:r>
+              <a:rPr lang="it-IT" sz="2400" dirty="0">
+                <a:solidFill>
+                  <a:schemeClr val="tx1"/>
+                </a:solidFill>
+                <a:latin typeface="Tahoma" panose="020B0604030504040204" pitchFamily="34" charset="0"/>
+                <a:ea typeface="Tahoma" panose="020B0604030504040204" pitchFamily="34" charset="0"/>
+                <a:cs typeface="Tahoma" panose="020B0604030504040204" pitchFamily="34" charset="0"/>
+              </a:rPr>
+              <a:t>’.</a:t>
+            </a:r>
           </a:p>
         </p:txBody>
       </p:sp>
       <p:sp>
         <p:nvSpPr>
-          <p:cNvPr id="4" name="CasellaDiTesto 3">
+          <p:cNvPr id="7" name="Segnaposto numero diapositiva 6">
             <a:extLst>
               <a:ext uri="{FF2B5EF4-FFF2-40B4-BE49-F238E27FC236}">
-                <a16:creationId xmlns:a16="http://schemas.microsoft.com/office/drawing/2014/main" id="{3A57F920-DCCD-CF89-645E-EE041C3494AA}"/>
+                <a16:creationId xmlns:a16="http://schemas.microsoft.com/office/drawing/2014/main" id="{AB740BE9-E218-4144-BFDE-AE473D230A3D}"/>
               </a:ext>
             </a:extLst>
           </p:cNvPr>
-          <p:cNvSpPr txBox="1"/>
-          <p:nvPr/>
+          <p:cNvSpPr>
+            <a:spLocks noGrp="1"/>
+          </p:cNvSpPr>
+          <p:nvPr>
+            <p:ph type="sldNum" sz="quarter" idx="12"/>
+          </p:nvPr>
         </p:nvSpPr>
-        <p:spPr>
-          <a:xfrm>
-            <a:off x="825119" y="1557338"/>
-            <a:ext cx="10105478" cy="369332"/>
-          </a:xfrm>
-          <a:prstGeom prst="rect">
-            <a:avLst/>
-          </a:prstGeom>
-          <a:noFill/>
-        </p:spPr>
+        <p:spPr/>
         <p:txBody>
-          <a:bodyPr wrap="square">
-            <a:spAutoFit/>
-          </a:bodyPr>
+          <a:bodyPr/>
           <a:lstStyle/>
           <a:p>
-            <a:r>
-              <a:rPr lang="it-IT"/>
-              <a:t>https://blog.osservatori.net/it_it/blockchain-spiegazione-significato-applicazioni</a:t>
-            </a:r>
+            <a:pPr>
+              <a:defRPr/>
+            </a:pPr>
+            <a:fld id="{48B4153A-D4C5-4CEF-8992-0D8815C829E3}" type="slidenum">
+              <a:rPr lang="en-US" smtClean="0"/>
+              <a:pPr>
+                <a:defRPr/>
+              </a:pPr>
+              <a:t>12</a:t>
+            </a:fld>
+            <a:endParaRPr lang="en-US" dirty="0"/>
           </a:p>
         </p:txBody>
       </p:sp>
       <p:sp>
         <p:nvSpPr>
-          <p:cNvPr id="6" name="CasellaDiTesto 5">
+          <p:cNvPr id="6" name="Titolo 4">
             <a:extLst>
               <a:ext uri="{FF2B5EF4-FFF2-40B4-BE49-F238E27FC236}">
-                <a16:creationId xmlns:a16="http://schemas.microsoft.com/office/drawing/2014/main" id="{0DA09C18-D12E-BFB8-4B6E-19C2D19894CD}"/>
+                <a16:creationId xmlns:a16="http://schemas.microsoft.com/office/drawing/2014/main" id="{CF9A4806-60B4-80DC-1F76-D2EB3E6C376B}"/>
               </a:ext>
             </a:extLst>
           </p:cNvPr>
-          <p:cNvSpPr txBox="1"/>
-          <p:nvPr/>
+          <p:cNvSpPr>
+            <a:spLocks noGrp="1"/>
+          </p:cNvSpPr>
+          <p:nvPr>
+            <p:ph type="title"/>
+          </p:nvPr>
         </p:nvSpPr>
         <p:spPr>
           <a:xfrm>
-            <a:off x="825119" y="2253504"/>
-            <a:ext cx="6098344" cy="646331"/>
+            <a:off x="468313" y="286788"/>
+            <a:ext cx="11269662" cy="769441"/>
+          </a:xfrm>
+        </p:spPr>
+        <p:txBody>
+          <a:bodyPr/>
+          <a:lstStyle/>
+          <a:p>
+            <a:r>
+              <a:rPr lang="it-IT">
+                <a:solidFill>
+                  <a:schemeClr val="tx1"/>
+                </a:solidFill>
+              </a:rPr>
+              <a:t>Architetture di Blockchain</a:t>
+            </a:r>
+            <a:br>
+              <a:rPr lang="it-IT">
+                <a:solidFill>
+                  <a:schemeClr val="tx1"/>
+                </a:solidFill>
+              </a:rPr>
+            </a:br>
+            <a:endParaRPr lang="it-IT" dirty="0">
+              <a:solidFill>
+                <a:schemeClr val="tx1"/>
+              </a:solidFill>
+            </a:endParaRPr>
+          </a:p>
+        </p:txBody>
+      </p:sp>
+      <p:pic>
+        <p:nvPicPr>
+          <p:cNvPr id="3" name="Immagine 2"/>
+          <p:cNvPicPr>
+            <a:picLocks noChangeAspect="1"/>
+          </p:cNvPicPr>
+          <p:nvPr/>
+        </p:nvPicPr>
+        <p:blipFill>
+          <a:blip r:embed="rId2">
+            <a:extLst>
+              <a:ext uri="{28A0092B-C50C-407E-A947-70E740481C1C}">
+                <a14:useLocalDpi xmlns:a14="http://schemas.microsoft.com/office/drawing/2010/main" val="0"/>
+              </a:ext>
+            </a:extLst>
+          </a:blip>
+          <a:stretch>
+            <a:fillRect/>
+          </a:stretch>
+        </p:blipFill>
+        <p:spPr>
+          <a:xfrm>
+            <a:off x="9615948" y="2835121"/>
+            <a:ext cx="2423344" cy="1642193"/>
           </a:xfrm>
           <a:prstGeom prst="rect">
             <a:avLst/>
           </a:prstGeom>
-          <a:noFill/>
+        </p:spPr>
+      </p:pic>
+    </p:spTree>
+    <p:extLst>
+      <p:ext uri="{BB962C8B-B14F-4D97-AF65-F5344CB8AC3E}">
+        <p14:creationId xmlns:p14="http://schemas.microsoft.com/office/powerpoint/2010/main" val="373697605"/>
+      </p:ext>
+    </p:extLst>
+  </p:cSld>
+  <p:clrMapOvr>
+    <a:masterClrMapping/>
+  </p:clrMapOvr>
+</p:sld>
+</file>
+
+<file path=ppt/slides/slide13.xml><?xml version="1.0" encoding="utf-8"?>
+<p:sld xmlns:a="http://schemas.openxmlformats.org/drawingml/2006/main" xmlns:r="http://schemas.openxmlformats.org/officeDocument/2006/relationships" xmlns:p="http://schemas.openxmlformats.org/presentationml/2006/main">
+  <p:cSld>
+    <p:spTree>
+      <p:nvGrpSpPr>
+        <p:cNvPr id="1" name=""/>
+        <p:cNvGrpSpPr/>
+        <p:nvPr/>
+      </p:nvGrpSpPr>
+      <p:grpSpPr>
+        <a:xfrm>
+          <a:off x="0" y="0"/>
+          <a:ext cx="0" cy="0"/>
+          <a:chOff x="0" y="0"/>
+          <a:chExt cx="0" cy="0"/>
+        </a:xfrm>
+      </p:grpSpPr>
+      <p:sp>
+        <p:nvSpPr>
+          <p:cNvPr id="2" name="Segnaposto testo 1">
+            <a:extLst>
+              <a:ext uri="{FF2B5EF4-FFF2-40B4-BE49-F238E27FC236}">
+                <a16:creationId xmlns:a16="http://schemas.microsoft.com/office/drawing/2014/main" id="{E5AE986C-196F-4141-A898-FA4C4198CDCC}"/>
+              </a:ext>
+            </a:extLst>
+          </p:cNvPr>
+          <p:cNvSpPr>
+            <a:spLocks noGrp="1"/>
+          </p:cNvSpPr>
+          <p:nvPr>
+            <p:ph type="body" idx="1"/>
+          </p:nvPr>
+        </p:nvSpPr>
+        <p:spPr>
+          <a:xfrm>
+            <a:off x="468313" y="1205245"/>
+            <a:ext cx="7014035" cy="4392612"/>
+          </a:xfrm>
         </p:spPr>
         <p:txBody>
-          <a:bodyPr wrap="square">
-            <a:spAutoFit/>
-          </a:bodyPr>
+          <a:bodyPr/>
           <a:lstStyle/>
           <a:p>
-            <a:r>
-              <a:rPr lang="it-IT"/>
-              <a:t>https://www.zerounoweb.it/cio-innovation/blockchain-architettura-applicazioni-scenari-futuri/</a:t>
-            </a:r>
+            <a:pPr marL="342900" indent="-342900" algn="just">
+              <a:lnSpc>
+                <a:spcPct val="115000"/>
+              </a:lnSpc>
+              <a:spcBef>
+                <a:spcPts val="2400"/>
+              </a:spcBef>
+              <a:buFont typeface="Wingdings" panose="05000000000000000000" pitchFamily="2" charset="2"/>
+              <a:buChar char="ü"/>
+              <a:tabLst>
+                <a:tab pos="457200" algn="l"/>
+              </a:tabLst>
+            </a:pPr>
+            <a:r>
+              <a:rPr lang="it-IT" sz="2400" b="1" dirty="0" smtClean="0">
+                <a:solidFill>
+                  <a:schemeClr val="tx1"/>
+                </a:solidFill>
+                <a:latin typeface="Tahoma" panose="020B0604030504040204" pitchFamily="34" charset="0"/>
+                <a:ea typeface="Tahoma" panose="020B0604030504040204" pitchFamily="34" charset="0"/>
+                <a:cs typeface="Tahoma" panose="020B0604030504040204" pitchFamily="34" charset="0"/>
+              </a:rPr>
+              <a:t>Un’architettura</a:t>
+            </a:r>
+            <a:r>
+              <a:rPr lang="it-IT" sz="2400" dirty="0" smtClean="0">
+                <a:solidFill>
+                  <a:schemeClr val="tx1"/>
+                </a:solidFill>
+                <a:latin typeface="Tahoma" panose="020B0604030504040204" pitchFamily="34" charset="0"/>
+                <a:ea typeface="Tahoma" panose="020B0604030504040204" pitchFamily="34" charset="0"/>
+                <a:cs typeface="Tahoma" panose="020B0604030504040204" pitchFamily="34" charset="0"/>
+              </a:rPr>
+              <a:t> </a:t>
+            </a:r>
+            <a:r>
+              <a:rPr lang="it-IT" sz="2400" b="1" dirty="0" err="1">
+                <a:solidFill>
+                  <a:schemeClr val="tx1"/>
+                </a:solidFill>
+                <a:latin typeface="Tahoma" panose="020B0604030504040204" pitchFamily="34" charset="0"/>
+                <a:ea typeface="Tahoma" panose="020B0604030504040204" pitchFamily="34" charset="0"/>
+                <a:cs typeface="Tahoma" panose="020B0604030504040204" pitchFamily="34" charset="0"/>
+              </a:rPr>
+              <a:t>Blockchain</a:t>
+            </a:r>
+            <a:r>
+              <a:rPr lang="it-IT" sz="2400" dirty="0">
+                <a:solidFill>
+                  <a:schemeClr val="tx1"/>
+                </a:solidFill>
+                <a:latin typeface="Tahoma" panose="020B0604030504040204" pitchFamily="34" charset="0"/>
+                <a:ea typeface="Tahoma" panose="020B0604030504040204" pitchFamily="34" charset="0"/>
+                <a:cs typeface="Tahoma" panose="020B0604030504040204" pitchFamily="34" charset="0"/>
+              </a:rPr>
+              <a:t>, in sostanza, ‘</a:t>
+            </a:r>
+            <a:r>
+              <a:rPr lang="it-IT" sz="2400" b="1" dirty="0">
+                <a:solidFill>
+                  <a:schemeClr val="tx1"/>
+                </a:solidFill>
+                <a:latin typeface="Tahoma" panose="020B0604030504040204" pitchFamily="34" charset="0"/>
+                <a:ea typeface="Tahoma" panose="020B0604030504040204" pitchFamily="34" charset="0"/>
+                <a:cs typeface="Tahoma" panose="020B0604030504040204" pitchFamily="34" charset="0"/>
+              </a:rPr>
+              <a:t>custodisce</a:t>
+            </a:r>
+            <a:r>
+              <a:rPr lang="it-IT" sz="2400" dirty="0">
+                <a:solidFill>
+                  <a:schemeClr val="tx1"/>
+                </a:solidFill>
+                <a:latin typeface="Tahoma" panose="020B0604030504040204" pitchFamily="34" charset="0"/>
+                <a:ea typeface="Tahoma" panose="020B0604030504040204" pitchFamily="34" charset="0"/>
+                <a:cs typeface="Tahoma" panose="020B0604030504040204" pitchFamily="34" charset="0"/>
+              </a:rPr>
+              <a:t>’ un deposito di dati formalmente </a:t>
+            </a:r>
+            <a:r>
+              <a:rPr lang="it-IT" sz="2400" b="1" dirty="0">
+                <a:solidFill>
+                  <a:schemeClr val="tx1"/>
+                </a:solidFill>
+                <a:latin typeface="Tahoma" panose="020B0604030504040204" pitchFamily="34" charset="0"/>
+                <a:ea typeface="Tahoma" panose="020B0604030504040204" pitchFamily="34" charset="0"/>
+                <a:cs typeface="Tahoma" panose="020B0604030504040204" pitchFamily="34" charset="0"/>
+              </a:rPr>
+              <a:t>costituito</a:t>
+            </a:r>
+            <a:r>
+              <a:rPr lang="it-IT" sz="2400" dirty="0">
+                <a:solidFill>
+                  <a:schemeClr val="tx1"/>
+                </a:solidFill>
+                <a:latin typeface="Tahoma" panose="020B0604030504040204" pitchFamily="34" charset="0"/>
+                <a:ea typeface="Tahoma" panose="020B0604030504040204" pitchFamily="34" charset="0"/>
+                <a:cs typeface="Tahoma" panose="020B0604030504040204" pitchFamily="34" charset="0"/>
+              </a:rPr>
+              <a:t> da una lista di record che continua a crescere, ma che </a:t>
+            </a:r>
+            <a:r>
+              <a:rPr lang="it-IT" sz="2400" b="1" dirty="0">
+                <a:solidFill>
+                  <a:schemeClr val="tx1"/>
+                </a:solidFill>
+                <a:latin typeface="Tahoma" panose="020B0604030504040204" pitchFamily="34" charset="0"/>
+                <a:ea typeface="Tahoma" panose="020B0604030504040204" pitchFamily="34" charset="0"/>
+                <a:cs typeface="Tahoma" panose="020B0604030504040204" pitchFamily="34" charset="0"/>
+              </a:rPr>
+              <a:t>resiste</a:t>
+            </a:r>
+            <a:r>
+              <a:rPr lang="it-IT" sz="2400" dirty="0">
+                <a:solidFill>
+                  <a:schemeClr val="tx1"/>
+                </a:solidFill>
+                <a:latin typeface="Tahoma" panose="020B0604030504040204" pitchFamily="34" charset="0"/>
+                <a:ea typeface="Tahoma" panose="020B0604030504040204" pitchFamily="34" charset="0"/>
+                <a:cs typeface="Tahoma" panose="020B0604030504040204" pitchFamily="34" charset="0"/>
+              </a:rPr>
+              <a:t> ad eventuali </a:t>
+            </a:r>
+            <a:r>
+              <a:rPr lang="it-IT" sz="2400" b="1" dirty="0">
+                <a:solidFill>
+                  <a:schemeClr val="tx1"/>
+                </a:solidFill>
+                <a:latin typeface="Tahoma" panose="020B0604030504040204" pitchFamily="34" charset="0"/>
+                <a:ea typeface="Tahoma" panose="020B0604030504040204" pitchFamily="34" charset="0"/>
+                <a:cs typeface="Tahoma" panose="020B0604030504040204" pitchFamily="34" charset="0"/>
+              </a:rPr>
+              <a:t>modifiche</a:t>
+            </a:r>
+            <a:r>
+              <a:rPr lang="it-IT" sz="2400" dirty="0">
+                <a:solidFill>
+                  <a:schemeClr val="tx1"/>
+                </a:solidFill>
+                <a:latin typeface="Tahoma" panose="020B0604030504040204" pitchFamily="34" charset="0"/>
+                <a:ea typeface="Tahoma" panose="020B0604030504040204" pitchFamily="34" charset="0"/>
+                <a:cs typeface="Tahoma" panose="020B0604030504040204" pitchFamily="34" charset="0"/>
+              </a:rPr>
+              <a:t>. </a:t>
+            </a:r>
+            <a:endParaRPr lang="it-IT" sz="2400" dirty="0" smtClean="0">
+              <a:solidFill>
+                <a:schemeClr val="tx1"/>
+              </a:solidFill>
+              <a:latin typeface="Tahoma" panose="020B0604030504040204" pitchFamily="34" charset="0"/>
+              <a:ea typeface="Tahoma" panose="020B0604030504040204" pitchFamily="34" charset="0"/>
+              <a:cs typeface="Tahoma" panose="020B0604030504040204" pitchFamily="34" charset="0"/>
+            </a:endParaRPr>
+          </a:p>
+          <a:p>
+            <a:pPr marL="342900" indent="-342900" algn="just">
+              <a:lnSpc>
+                <a:spcPct val="115000"/>
+              </a:lnSpc>
+              <a:spcBef>
+                <a:spcPts val="2400"/>
+              </a:spcBef>
+              <a:buFont typeface="Wingdings" panose="05000000000000000000" pitchFamily="2" charset="2"/>
+              <a:buChar char="ü"/>
+              <a:tabLst>
+                <a:tab pos="457200" algn="l"/>
+              </a:tabLst>
+            </a:pPr>
+            <a:r>
+              <a:rPr lang="it-IT" sz="2400" dirty="0" smtClean="0">
+                <a:solidFill>
+                  <a:schemeClr val="tx1"/>
+                </a:solidFill>
+                <a:latin typeface="Tahoma" panose="020B0604030504040204" pitchFamily="34" charset="0"/>
+                <a:ea typeface="Tahoma" panose="020B0604030504040204" pitchFamily="34" charset="0"/>
+                <a:cs typeface="Tahoma" panose="020B0604030504040204" pitchFamily="34" charset="0"/>
+              </a:rPr>
+              <a:t>Tale </a:t>
+            </a:r>
+            <a:r>
+              <a:rPr lang="it-IT" sz="2400" b="1" dirty="0">
+                <a:solidFill>
+                  <a:schemeClr val="tx1"/>
+                </a:solidFill>
+                <a:latin typeface="Tahoma" panose="020B0604030504040204" pitchFamily="34" charset="0"/>
+                <a:ea typeface="Tahoma" panose="020B0604030504040204" pitchFamily="34" charset="0"/>
+                <a:cs typeface="Tahoma" panose="020B0604030504040204" pitchFamily="34" charset="0"/>
+              </a:rPr>
+              <a:t>deposito</a:t>
+            </a:r>
+            <a:r>
+              <a:rPr lang="it-IT" sz="2400" dirty="0">
+                <a:solidFill>
+                  <a:schemeClr val="tx1"/>
+                </a:solidFill>
+                <a:latin typeface="Tahoma" panose="020B0604030504040204" pitchFamily="34" charset="0"/>
+                <a:ea typeface="Tahoma" panose="020B0604030504040204" pitchFamily="34" charset="0"/>
+                <a:cs typeface="Tahoma" panose="020B0604030504040204" pitchFamily="34" charset="0"/>
+              </a:rPr>
+              <a:t> </a:t>
+            </a:r>
+            <a:r>
+              <a:rPr lang="it-IT" sz="2400" b="1" dirty="0">
+                <a:solidFill>
+                  <a:schemeClr val="tx1"/>
+                </a:solidFill>
+                <a:latin typeface="Tahoma" panose="020B0604030504040204" pitchFamily="34" charset="0"/>
+                <a:ea typeface="Tahoma" panose="020B0604030504040204" pitchFamily="34" charset="0"/>
+                <a:cs typeface="Tahoma" panose="020B0604030504040204" pitchFamily="34" charset="0"/>
+              </a:rPr>
+              <a:t>di</a:t>
+            </a:r>
+            <a:r>
+              <a:rPr lang="it-IT" sz="2400" dirty="0">
+                <a:solidFill>
+                  <a:schemeClr val="tx1"/>
+                </a:solidFill>
+                <a:latin typeface="Tahoma" panose="020B0604030504040204" pitchFamily="34" charset="0"/>
+                <a:ea typeface="Tahoma" panose="020B0604030504040204" pitchFamily="34" charset="0"/>
+                <a:cs typeface="Tahoma" panose="020B0604030504040204" pitchFamily="34" charset="0"/>
+              </a:rPr>
+              <a:t> </a:t>
+            </a:r>
+            <a:r>
+              <a:rPr lang="it-IT" sz="2400" b="1" dirty="0">
+                <a:solidFill>
+                  <a:schemeClr val="tx1"/>
+                </a:solidFill>
+                <a:latin typeface="Tahoma" panose="020B0604030504040204" pitchFamily="34" charset="0"/>
+                <a:ea typeface="Tahoma" panose="020B0604030504040204" pitchFamily="34" charset="0"/>
+                <a:cs typeface="Tahoma" panose="020B0604030504040204" pitchFamily="34" charset="0"/>
+              </a:rPr>
+              <a:t>dati</a:t>
+            </a:r>
+            <a:r>
+              <a:rPr lang="it-IT" sz="2400" dirty="0">
+                <a:solidFill>
+                  <a:schemeClr val="tx1"/>
+                </a:solidFill>
+                <a:latin typeface="Tahoma" panose="020B0604030504040204" pitchFamily="34" charset="0"/>
+                <a:ea typeface="Tahoma" panose="020B0604030504040204" pitchFamily="34" charset="0"/>
+                <a:cs typeface="Tahoma" panose="020B0604030504040204" pitchFamily="34" charset="0"/>
+              </a:rPr>
+              <a:t> (il </a:t>
+            </a:r>
+            <a:r>
+              <a:rPr lang="it-IT" sz="2400" b="1" dirty="0" err="1">
+                <a:solidFill>
+                  <a:schemeClr val="tx1"/>
+                </a:solidFill>
+                <a:latin typeface="Tahoma" panose="020B0604030504040204" pitchFamily="34" charset="0"/>
+                <a:ea typeface="Tahoma" panose="020B0604030504040204" pitchFamily="34" charset="0"/>
+                <a:cs typeface="Tahoma" panose="020B0604030504040204" pitchFamily="34" charset="0"/>
+              </a:rPr>
+              <a:t>distributed</a:t>
+            </a:r>
+            <a:r>
+              <a:rPr lang="it-IT" sz="2400" dirty="0">
+                <a:solidFill>
+                  <a:schemeClr val="tx1"/>
+                </a:solidFill>
+                <a:latin typeface="Tahoma" panose="020B0604030504040204" pitchFamily="34" charset="0"/>
+                <a:ea typeface="Tahoma" panose="020B0604030504040204" pitchFamily="34" charset="0"/>
+                <a:cs typeface="Tahoma" panose="020B0604030504040204" pitchFamily="34" charset="0"/>
+              </a:rPr>
+              <a:t> </a:t>
+            </a:r>
+            <a:r>
+              <a:rPr lang="it-IT" sz="2400" b="1" dirty="0" err="1">
+                <a:solidFill>
+                  <a:schemeClr val="tx1"/>
+                </a:solidFill>
+                <a:latin typeface="Tahoma" panose="020B0604030504040204" pitchFamily="34" charset="0"/>
+                <a:ea typeface="Tahoma" panose="020B0604030504040204" pitchFamily="34" charset="0"/>
+                <a:cs typeface="Tahoma" panose="020B0604030504040204" pitchFamily="34" charset="0"/>
+              </a:rPr>
+              <a:t>ledger</a:t>
+            </a:r>
+            <a:r>
+              <a:rPr lang="it-IT" sz="2400" dirty="0">
+                <a:solidFill>
+                  <a:schemeClr val="tx1"/>
+                </a:solidFill>
+                <a:latin typeface="Tahoma" panose="020B0604030504040204" pitchFamily="34" charset="0"/>
+                <a:ea typeface="Tahoma" panose="020B0604030504040204" pitchFamily="34" charset="0"/>
+                <a:cs typeface="Tahoma" panose="020B0604030504040204" pitchFamily="34" charset="0"/>
+              </a:rPr>
+              <a:t> che nel mondo finanziario potrebbe essere ‘</a:t>
+            </a:r>
+            <a:r>
+              <a:rPr lang="it-IT" sz="2400" b="1" dirty="0">
+                <a:solidFill>
+                  <a:schemeClr val="tx1"/>
+                </a:solidFill>
+                <a:latin typeface="Tahoma" panose="020B0604030504040204" pitchFamily="34" charset="0"/>
+                <a:ea typeface="Tahoma" panose="020B0604030504040204" pitchFamily="34" charset="0"/>
+                <a:cs typeface="Tahoma" panose="020B0604030504040204" pitchFamily="34" charset="0"/>
+              </a:rPr>
+              <a:t>paragonato</a:t>
+            </a:r>
+            <a:r>
+              <a:rPr lang="it-IT" sz="2400" dirty="0">
+                <a:solidFill>
+                  <a:schemeClr val="tx1"/>
+                </a:solidFill>
+                <a:latin typeface="Tahoma" panose="020B0604030504040204" pitchFamily="34" charset="0"/>
+                <a:ea typeface="Tahoma" panose="020B0604030504040204" pitchFamily="34" charset="0"/>
+                <a:cs typeface="Tahoma" panose="020B0604030504040204" pitchFamily="34" charset="0"/>
+              </a:rPr>
+              <a:t>’ al </a:t>
+            </a:r>
+            <a:r>
+              <a:rPr lang="it-IT" sz="2400" b="1" dirty="0">
+                <a:solidFill>
+                  <a:schemeClr val="tx1"/>
+                </a:solidFill>
+                <a:latin typeface="Tahoma" panose="020B0604030504040204" pitchFamily="34" charset="0"/>
+                <a:ea typeface="Tahoma" panose="020B0604030504040204" pitchFamily="34" charset="0"/>
+                <a:cs typeface="Tahoma" panose="020B0604030504040204" pitchFamily="34" charset="0"/>
+              </a:rPr>
+              <a:t>libro</a:t>
+            </a:r>
+            <a:r>
+              <a:rPr lang="it-IT" sz="2400" dirty="0">
+                <a:solidFill>
+                  <a:schemeClr val="tx1"/>
+                </a:solidFill>
+                <a:latin typeface="Tahoma" panose="020B0604030504040204" pitchFamily="34" charset="0"/>
+                <a:ea typeface="Tahoma" panose="020B0604030504040204" pitchFamily="34" charset="0"/>
+                <a:cs typeface="Tahoma" panose="020B0604030504040204" pitchFamily="34" charset="0"/>
+              </a:rPr>
+              <a:t> </a:t>
+            </a:r>
+            <a:r>
+              <a:rPr lang="it-IT" sz="2400" b="1" dirty="0">
+                <a:solidFill>
+                  <a:schemeClr val="tx1"/>
+                </a:solidFill>
+                <a:latin typeface="Tahoma" panose="020B0604030504040204" pitchFamily="34" charset="0"/>
+                <a:ea typeface="Tahoma" panose="020B0604030504040204" pitchFamily="34" charset="0"/>
+                <a:cs typeface="Tahoma" panose="020B0604030504040204" pitchFamily="34" charset="0"/>
+              </a:rPr>
+              <a:t>contabile</a:t>
+            </a:r>
+            <a:r>
+              <a:rPr lang="it-IT" sz="2400" dirty="0">
+                <a:solidFill>
+                  <a:schemeClr val="tx1"/>
+                </a:solidFill>
+                <a:latin typeface="Tahoma" panose="020B0604030504040204" pitchFamily="34" charset="0"/>
+                <a:ea typeface="Tahoma" panose="020B0604030504040204" pitchFamily="34" charset="0"/>
+                <a:cs typeface="Tahoma" panose="020B0604030504040204" pitchFamily="34" charset="0"/>
+              </a:rPr>
+              <a:t> della banca) risiede su ogni singolo nodo (computer) e non è quindi governabile e manipolabile da un ente centrale. </a:t>
+            </a:r>
+            <a:endParaRPr lang="it-IT" sz="2400" dirty="0" smtClean="0">
+              <a:solidFill>
+                <a:schemeClr val="tx1"/>
+              </a:solidFill>
+              <a:latin typeface="Tahoma" panose="020B0604030504040204" pitchFamily="34" charset="0"/>
+              <a:ea typeface="Tahoma" panose="020B0604030504040204" pitchFamily="34" charset="0"/>
+              <a:cs typeface="Tahoma" panose="020B0604030504040204" pitchFamily="34" charset="0"/>
+            </a:endParaRPr>
+          </a:p>
+        </p:txBody>
+      </p:sp>
+      <p:sp>
+        <p:nvSpPr>
+          <p:cNvPr id="7" name="Segnaposto numero diapositiva 6">
+            <a:extLst>
+              <a:ext uri="{FF2B5EF4-FFF2-40B4-BE49-F238E27FC236}">
+                <a16:creationId xmlns:a16="http://schemas.microsoft.com/office/drawing/2014/main" id="{AB740BE9-E218-4144-BFDE-AE473D230A3D}"/>
+              </a:ext>
+            </a:extLst>
+          </p:cNvPr>
+          <p:cNvSpPr>
+            <a:spLocks noGrp="1"/>
+          </p:cNvSpPr>
+          <p:nvPr>
+            <p:ph type="sldNum" sz="quarter" idx="12"/>
+          </p:nvPr>
+        </p:nvSpPr>
+        <p:spPr/>
+        <p:txBody>
+          <a:bodyPr/>
+          <a:lstStyle/>
+          <a:p>
+            <a:pPr>
+              <a:defRPr/>
+            </a:pPr>
+            <a:fld id="{48B4153A-D4C5-4CEF-8992-0D8815C829E3}" type="slidenum">
+              <a:rPr lang="en-US" smtClean="0"/>
+              <a:pPr>
+                <a:defRPr/>
+              </a:pPr>
+              <a:t>13</a:t>
+            </a:fld>
+            <a:endParaRPr lang="en-US" dirty="0"/>
+          </a:p>
+        </p:txBody>
+      </p:sp>
+      <p:sp>
+        <p:nvSpPr>
+          <p:cNvPr id="6" name="Titolo 4">
+            <a:extLst>
+              <a:ext uri="{FF2B5EF4-FFF2-40B4-BE49-F238E27FC236}">
+                <a16:creationId xmlns:a16="http://schemas.microsoft.com/office/drawing/2014/main" id="{CF9A4806-60B4-80DC-1F76-D2EB3E6C376B}"/>
+              </a:ext>
+            </a:extLst>
+          </p:cNvPr>
+          <p:cNvSpPr>
+            <a:spLocks noGrp="1"/>
+          </p:cNvSpPr>
+          <p:nvPr>
+            <p:ph type="title"/>
+          </p:nvPr>
+        </p:nvSpPr>
+        <p:spPr>
+          <a:xfrm>
+            <a:off x="468313" y="286788"/>
+            <a:ext cx="11269662" cy="769441"/>
+          </a:xfrm>
+        </p:spPr>
+        <p:txBody>
+          <a:bodyPr/>
+          <a:lstStyle/>
+          <a:p>
+            <a:r>
+              <a:rPr lang="it-IT">
+                <a:solidFill>
+                  <a:schemeClr val="tx1"/>
+                </a:solidFill>
+              </a:rPr>
+              <a:t>Architetture di Blockchain</a:t>
+            </a:r>
+            <a:br>
+              <a:rPr lang="it-IT">
+                <a:solidFill>
+                  <a:schemeClr val="tx1"/>
+                </a:solidFill>
+              </a:rPr>
+            </a:br>
+            <a:endParaRPr lang="it-IT" dirty="0">
+              <a:solidFill>
+                <a:schemeClr val="tx1"/>
+              </a:solidFill>
+            </a:endParaRPr>
+          </a:p>
+        </p:txBody>
+      </p:sp>
+      <p:pic>
+        <p:nvPicPr>
+          <p:cNvPr id="3" name="Immagine 2"/>
+          <p:cNvPicPr>
+            <a:picLocks noChangeAspect="1"/>
+          </p:cNvPicPr>
+          <p:nvPr/>
+        </p:nvPicPr>
+        <p:blipFill>
+          <a:blip r:embed="rId2">
+            <a:extLst>
+              <a:ext uri="{28A0092B-C50C-407E-A947-70E740481C1C}">
+                <a14:useLocalDpi xmlns:a14="http://schemas.microsoft.com/office/drawing/2010/main" val="0"/>
+              </a:ext>
+            </a:extLst>
+          </a:blip>
+          <a:stretch>
+            <a:fillRect/>
+          </a:stretch>
+        </p:blipFill>
+        <p:spPr>
+          <a:xfrm>
+            <a:off x="7782693" y="1974133"/>
+            <a:ext cx="4216501" cy="3158306"/>
+          </a:xfrm>
+          <a:prstGeom prst="rect">
+            <a:avLst/>
+          </a:prstGeom>
+        </p:spPr>
+      </p:pic>
+    </p:spTree>
+    <p:extLst>
+      <p:ext uri="{BB962C8B-B14F-4D97-AF65-F5344CB8AC3E}">
+        <p14:creationId xmlns:p14="http://schemas.microsoft.com/office/powerpoint/2010/main" val="2695829225"/>
+      </p:ext>
+    </p:extLst>
+  </p:cSld>
+  <p:clrMapOvr>
+    <a:masterClrMapping/>
+  </p:clrMapOvr>
+</p:sld>
+</file>
+
+<file path=ppt/slides/slide14.xml><?xml version="1.0" encoding="utf-8"?>
+<p:sld xmlns:a="http://schemas.openxmlformats.org/drawingml/2006/main" xmlns:r="http://schemas.openxmlformats.org/officeDocument/2006/relationships" xmlns:p="http://schemas.openxmlformats.org/presentationml/2006/main">
+  <p:cSld>
+    <p:spTree>
+      <p:nvGrpSpPr>
+        <p:cNvPr id="1" name=""/>
+        <p:cNvGrpSpPr/>
+        <p:nvPr/>
+      </p:nvGrpSpPr>
+      <p:grpSpPr>
+        <a:xfrm>
+          <a:off x="0" y="0"/>
+          <a:ext cx="0" cy="0"/>
+          <a:chOff x="0" y="0"/>
+          <a:chExt cx="0" cy="0"/>
+        </a:xfrm>
+      </p:grpSpPr>
+      <p:sp>
+        <p:nvSpPr>
+          <p:cNvPr id="2" name="Segnaposto testo 1">
+            <a:extLst>
+              <a:ext uri="{FF2B5EF4-FFF2-40B4-BE49-F238E27FC236}">
+                <a16:creationId xmlns:a16="http://schemas.microsoft.com/office/drawing/2014/main" id="{E5AE986C-196F-4141-A898-FA4C4198CDCC}"/>
+              </a:ext>
+            </a:extLst>
+          </p:cNvPr>
+          <p:cNvSpPr>
+            <a:spLocks noGrp="1"/>
+          </p:cNvSpPr>
+          <p:nvPr>
+            <p:ph type="body" idx="1"/>
+          </p:nvPr>
+        </p:nvSpPr>
+        <p:spPr>
+          <a:xfrm>
+            <a:off x="468313" y="1205245"/>
+            <a:ext cx="6640410" cy="4392612"/>
+          </a:xfrm>
+        </p:spPr>
+        <p:txBody>
+          <a:bodyPr/>
+          <a:lstStyle/>
+          <a:p>
+            <a:pPr marL="342900" indent="-342900" algn="just">
+              <a:lnSpc>
+                <a:spcPct val="115000"/>
+              </a:lnSpc>
+              <a:spcBef>
+                <a:spcPts val="2400"/>
+              </a:spcBef>
+              <a:buFont typeface="Wingdings" panose="05000000000000000000" pitchFamily="2" charset="2"/>
+              <a:buChar char="ü"/>
+              <a:tabLst>
+                <a:tab pos="457200" algn="l"/>
+              </a:tabLst>
+            </a:pPr>
+            <a:r>
+              <a:rPr lang="it-IT" sz="2400" dirty="0" smtClean="0">
+                <a:solidFill>
+                  <a:schemeClr val="tx1"/>
+                </a:solidFill>
+                <a:latin typeface="Tahoma" panose="020B0604030504040204" pitchFamily="34" charset="0"/>
+                <a:ea typeface="Tahoma" panose="020B0604030504040204" pitchFamily="34" charset="0"/>
+                <a:cs typeface="Tahoma" panose="020B0604030504040204" pitchFamily="34" charset="0"/>
+              </a:rPr>
+              <a:t>La </a:t>
+            </a:r>
+            <a:r>
+              <a:rPr lang="it-IT" sz="2400" b="1" dirty="0">
+                <a:solidFill>
+                  <a:schemeClr val="tx1"/>
+                </a:solidFill>
+                <a:latin typeface="Tahoma" panose="020B0604030504040204" pitchFamily="34" charset="0"/>
+                <a:ea typeface="Tahoma" panose="020B0604030504040204" pitchFamily="34" charset="0"/>
+                <a:cs typeface="Tahoma" panose="020B0604030504040204" pitchFamily="34" charset="0"/>
+              </a:rPr>
+              <a:t>lista</a:t>
+            </a:r>
+            <a:r>
+              <a:rPr lang="it-IT" sz="2400" dirty="0">
+                <a:solidFill>
+                  <a:schemeClr val="tx1"/>
+                </a:solidFill>
+                <a:latin typeface="Tahoma" panose="020B0604030504040204" pitchFamily="34" charset="0"/>
+                <a:ea typeface="Tahoma" panose="020B0604030504040204" pitchFamily="34" charset="0"/>
+                <a:cs typeface="Tahoma" panose="020B0604030504040204" pitchFamily="34" charset="0"/>
+              </a:rPr>
+              <a:t> </a:t>
+            </a:r>
+            <a:r>
+              <a:rPr lang="it-IT" sz="2400" b="1" dirty="0">
+                <a:solidFill>
+                  <a:schemeClr val="tx1"/>
+                </a:solidFill>
+                <a:latin typeface="Tahoma" panose="020B0604030504040204" pitchFamily="34" charset="0"/>
+                <a:ea typeface="Tahoma" panose="020B0604030504040204" pitchFamily="34" charset="0"/>
+                <a:cs typeface="Tahoma" panose="020B0604030504040204" pitchFamily="34" charset="0"/>
+              </a:rPr>
+              <a:t>di</a:t>
+            </a:r>
+            <a:r>
+              <a:rPr lang="it-IT" sz="2400" dirty="0">
+                <a:solidFill>
+                  <a:schemeClr val="tx1"/>
+                </a:solidFill>
+                <a:latin typeface="Tahoma" panose="020B0604030504040204" pitchFamily="34" charset="0"/>
+                <a:ea typeface="Tahoma" panose="020B0604030504040204" pitchFamily="34" charset="0"/>
+                <a:cs typeface="Tahoma" panose="020B0604030504040204" pitchFamily="34" charset="0"/>
+              </a:rPr>
+              <a:t> </a:t>
+            </a:r>
+            <a:r>
+              <a:rPr lang="it-IT" sz="2400" b="1" dirty="0">
+                <a:solidFill>
+                  <a:schemeClr val="tx1"/>
+                </a:solidFill>
+                <a:latin typeface="Tahoma" panose="020B0604030504040204" pitchFamily="34" charset="0"/>
+                <a:ea typeface="Tahoma" panose="020B0604030504040204" pitchFamily="34" charset="0"/>
+                <a:cs typeface="Tahoma" panose="020B0604030504040204" pitchFamily="34" charset="0"/>
+              </a:rPr>
+              <a:t>record</a:t>
+            </a:r>
+            <a:r>
+              <a:rPr lang="it-IT" sz="2400" dirty="0">
+                <a:solidFill>
+                  <a:schemeClr val="tx1"/>
+                </a:solidFill>
+                <a:latin typeface="Tahoma" panose="020B0604030504040204" pitchFamily="34" charset="0"/>
+                <a:ea typeface="Tahoma" panose="020B0604030504040204" pitchFamily="34" charset="0"/>
+                <a:cs typeface="Tahoma" panose="020B0604030504040204" pitchFamily="34" charset="0"/>
+              </a:rPr>
+              <a:t> contiene differenti tipi di </a:t>
+            </a:r>
+            <a:r>
+              <a:rPr lang="it-IT" sz="2400" b="1" dirty="0">
+                <a:solidFill>
+                  <a:schemeClr val="tx1"/>
+                </a:solidFill>
+                <a:latin typeface="Tahoma" panose="020B0604030504040204" pitchFamily="34" charset="0"/>
+                <a:ea typeface="Tahoma" panose="020B0604030504040204" pitchFamily="34" charset="0"/>
+                <a:cs typeface="Tahoma" panose="020B0604030504040204" pitchFamily="34" charset="0"/>
+              </a:rPr>
+              <a:t>informazioni</a:t>
+            </a:r>
+            <a:r>
+              <a:rPr lang="it-IT" sz="2400" dirty="0">
+                <a:solidFill>
+                  <a:schemeClr val="tx1"/>
+                </a:solidFill>
+                <a:latin typeface="Tahoma" panose="020B0604030504040204" pitchFamily="34" charset="0"/>
+                <a:ea typeface="Tahoma" panose="020B0604030504040204" pitchFamily="34" charset="0"/>
+                <a:cs typeface="Tahoma" panose="020B0604030504040204" pitchFamily="34" charset="0"/>
+              </a:rPr>
+              <a:t>: le </a:t>
+            </a:r>
+            <a:r>
+              <a:rPr lang="it-IT" sz="2400" b="1" dirty="0">
+                <a:solidFill>
+                  <a:schemeClr val="tx1"/>
+                </a:solidFill>
+                <a:latin typeface="Tahoma" panose="020B0604030504040204" pitchFamily="34" charset="0"/>
+                <a:ea typeface="Tahoma" panose="020B0604030504040204" pitchFamily="34" charset="0"/>
+                <a:cs typeface="Tahoma" panose="020B0604030504040204" pitchFamily="34" charset="0"/>
+              </a:rPr>
+              <a:t>transazioni</a:t>
+            </a:r>
+            <a:r>
+              <a:rPr lang="it-IT" sz="2400" dirty="0">
+                <a:solidFill>
+                  <a:schemeClr val="tx1"/>
+                </a:solidFill>
+                <a:latin typeface="Tahoma" panose="020B0604030504040204" pitchFamily="34" charset="0"/>
+                <a:ea typeface="Tahoma" panose="020B0604030504040204" pitchFamily="34" charset="0"/>
+                <a:cs typeface="Tahoma" panose="020B0604030504040204" pitchFamily="34" charset="0"/>
+              </a:rPr>
+              <a:t> (che contengono i dati di un fatto o un’operazione) e le </a:t>
+            </a:r>
+            <a:r>
+              <a:rPr lang="it-IT" sz="2400" b="1" dirty="0">
+                <a:solidFill>
+                  <a:schemeClr val="tx1"/>
+                </a:solidFill>
+                <a:latin typeface="Tahoma" panose="020B0604030504040204" pitchFamily="34" charset="0"/>
+                <a:ea typeface="Tahoma" panose="020B0604030504040204" pitchFamily="34" charset="0"/>
+                <a:cs typeface="Tahoma" panose="020B0604030504040204" pitchFamily="34" charset="0"/>
+              </a:rPr>
+              <a:t>tracce</a:t>
+            </a:r>
+            <a:r>
+              <a:rPr lang="it-IT" sz="2400" dirty="0">
+                <a:solidFill>
+                  <a:schemeClr val="tx1"/>
+                </a:solidFill>
+                <a:latin typeface="Tahoma" panose="020B0604030504040204" pitchFamily="34" charset="0"/>
+                <a:ea typeface="Tahoma" panose="020B0604030504040204" pitchFamily="34" charset="0"/>
+                <a:cs typeface="Tahoma" panose="020B0604030504040204" pitchFamily="34" charset="0"/>
+              </a:rPr>
+              <a:t> di come le transazioni vengono inserite nel </a:t>
+            </a:r>
+            <a:r>
+              <a:rPr lang="it-IT" sz="2400" b="1" dirty="0">
+                <a:solidFill>
+                  <a:schemeClr val="tx1"/>
+                </a:solidFill>
+                <a:latin typeface="Tahoma" panose="020B0604030504040204" pitchFamily="34" charset="0"/>
+                <a:ea typeface="Tahoma" panose="020B0604030504040204" pitchFamily="34" charset="0"/>
+                <a:cs typeface="Tahoma" panose="020B0604030504040204" pitchFamily="34" charset="0"/>
+              </a:rPr>
+              <a:t>database</a:t>
+            </a:r>
+            <a:r>
+              <a:rPr lang="it-IT" sz="2400" dirty="0">
+                <a:solidFill>
+                  <a:schemeClr val="tx1"/>
+                </a:solidFill>
+                <a:latin typeface="Tahoma" panose="020B0604030504040204" pitchFamily="34" charset="0"/>
+                <a:ea typeface="Tahoma" panose="020B0604030504040204" pitchFamily="34" charset="0"/>
+                <a:cs typeface="Tahoma" panose="020B0604030504040204" pitchFamily="34" charset="0"/>
+              </a:rPr>
+              <a:t> </a:t>
+            </a:r>
+            <a:r>
+              <a:rPr lang="it-IT" sz="2400" b="1" dirty="0">
+                <a:solidFill>
+                  <a:schemeClr val="tx1"/>
+                </a:solidFill>
+                <a:latin typeface="Tahoma" panose="020B0604030504040204" pitchFamily="34" charset="0"/>
+                <a:ea typeface="Tahoma" panose="020B0604030504040204" pitchFamily="34" charset="0"/>
+                <a:cs typeface="Tahoma" panose="020B0604030504040204" pitchFamily="34" charset="0"/>
+              </a:rPr>
+              <a:t>distribuito</a:t>
+            </a:r>
+            <a:r>
+              <a:rPr lang="it-IT" sz="2400" dirty="0">
+                <a:solidFill>
+                  <a:schemeClr val="tx1"/>
+                </a:solidFill>
+                <a:latin typeface="Tahoma" panose="020B0604030504040204" pitchFamily="34" charset="0"/>
+                <a:ea typeface="Tahoma" panose="020B0604030504040204" pitchFamily="34" charset="0"/>
+                <a:cs typeface="Tahoma" panose="020B0604030504040204" pitchFamily="34" charset="0"/>
+              </a:rPr>
+              <a:t> (che rappresentano i veri e propri blocchi). </a:t>
+            </a:r>
+            <a:endParaRPr lang="it-IT" sz="2400" dirty="0" smtClean="0">
+              <a:solidFill>
+                <a:schemeClr val="tx1"/>
+              </a:solidFill>
+              <a:latin typeface="Tahoma" panose="020B0604030504040204" pitchFamily="34" charset="0"/>
+              <a:ea typeface="Tahoma" panose="020B0604030504040204" pitchFamily="34" charset="0"/>
+              <a:cs typeface="Tahoma" panose="020B0604030504040204" pitchFamily="34" charset="0"/>
+            </a:endParaRPr>
+          </a:p>
+          <a:p>
+            <a:pPr marL="342900" indent="-342900" algn="just">
+              <a:lnSpc>
+                <a:spcPct val="115000"/>
+              </a:lnSpc>
+              <a:spcBef>
+                <a:spcPts val="2400"/>
+              </a:spcBef>
+              <a:buFont typeface="Wingdings" panose="05000000000000000000" pitchFamily="2" charset="2"/>
+              <a:buChar char="ü"/>
+              <a:tabLst>
+                <a:tab pos="457200" algn="l"/>
+              </a:tabLst>
+            </a:pPr>
+            <a:r>
+              <a:rPr lang="it-IT" sz="2400" dirty="0" smtClean="0">
+                <a:solidFill>
+                  <a:schemeClr val="tx1"/>
+                </a:solidFill>
+                <a:latin typeface="Tahoma" panose="020B0604030504040204" pitchFamily="34" charset="0"/>
+                <a:ea typeface="Tahoma" panose="020B0604030504040204" pitchFamily="34" charset="0"/>
+                <a:cs typeface="Tahoma" panose="020B0604030504040204" pitchFamily="34" charset="0"/>
+              </a:rPr>
+              <a:t>È </a:t>
+            </a:r>
+            <a:r>
+              <a:rPr lang="it-IT" sz="2400" dirty="0">
+                <a:solidFill>
+                  <a:schemeClr val="tx1"/>
+                </a:solidFill>
+                <a:latin typeface="Tahoma" panose="020B0604030504040204" pitchFamily="34" charset="0"/>
+                <a:ea typeface="Tahoma" panose="020B0604030504040204" pitchFamily="34" charset="0"/>
+                <a:cs typeface="Tahoma" panose="020B0604030504040204" pitchFamily="34" charset="0"/>
+              </a:rPr>
+              <a:t>importante comprendere la </a:t>
+            </a:r>
+            <a:r>
+              <a:rPr lang="it-IT" sz="2400" b="1" dirty="0">
+                <a:solidFill>
+                  <a:schemeClr val="tx1"/>
+                </a:solidFill>
+                <a:latin typeface="Tahoma" panose="020B0604030504040204" pitchFamily="34" charset="0"/>
+                <a:ea typeface="Tahoma" panose="020B0604030504040204" pitchFamily="34" charset="0"/>
+                <a:cs typeface="Tahoma" panose="020B0604030504040204" pitchFamily="34" charset="0"/>
+              </a:rPr>
+              <a:t>differenza</a:t>
+            </a:r>
+            <a:r>
+              <a:rPr lang="it-IT" sz="2400" dirty="0">
+                <a:solidFill>
+                  <a:schemeClr val="tx1"/>
+                </a:solidFill>
+                <a:latin typeface="Tahoma" panose="020B0604030504040204" pitchFamily="34" charset="0"/>
+                <a:ea typeface="Tahoma" panose="020B0604030504040204" pitchFamily="34" charset="0"/>
+                <a:cs typeface="Tahoma" panose="020B0604030504040204" pitchFamily="34" charset="0"/>
+              </a:rPr>
+              <a:t> </a:t>
+            </a:r>
+            <a:r>
+              <a:rPr lang="it-IT" sz="2400" b="1" dirty="0">
+                <a:solidFill>
+                  <a:schemeClr val="tx1"/>
+                </a:solidFill>
+                <a:latin typeface="Tahoma" panose="020B0604030504040204" pitchFamily="34" charset="0"/>
+                <a:ea typeface="Tahoma" panose="020B0604030504040204" pitchFamily="34" charset="0"/>
+                <a:cs typeface="Tahoma" panose="020B0604030504040204" pitchFamily="34" charset="0"/>
+              </a:rPr>
+              <a:t>tra</a:t>
+            </a:r>
+            <a:r>
+              <a:rPr lang="it-IT" sz="2400" dirty="0">
+                <a:solidFill>
+                  <a:schemeClr val="tx1"/>
+                </a:solidFill>
+                <a:latin typeface="Tahoma" panose="020B0604030504040204" pitchFamily="34" charset="0"/>
+                <a:ea typeface="Tahoma" panose="020B0604030504040204" pitchFamily="34" charset="0"/>
+                <a:cs typeface="Tahoma" panose="020B0604030504040204" pitchFamily="34" charset="0"/>
+              </a:rPr>
+              <a:t> </a:t>
+            </a:r>
+            <a:r>
+              <a:rPr lang="it-IT" sz="2400" b="1" dirty="0">
+                <a:solidFill>
+                  <a:schemeClr val="tx1"/>
+                </a:solidFill>
+                <a:latin typeface="Tahoma" panose="020B0604030504040204" pitchFamily="34" charset="0"/>
+                <a:ea typeface="Tahoma" panose="020B0604030504040204" pitchFamily="34" charset="0"/>
+                <a:cs typeface="Tahoma" panose="020B0604030504040204" pitchFamily="34" charset="0"/>
+              </a:rPr>
+              <a:t>transazioni</a:t>
+            </a:r>
+            <a:r>
+              <a:rPr lang="it-IT" sz="2400" dirty="0">
+                <a:solidFill>
+                  <a:schemeClr val="tx1"/>
+                </a:solidFill>
+                <a:latin typeface="Tahoma" panose="020B0604030504040204" pitchFamily="34" charset="0"/>
+                <a:ea typeface="Tahoma" panose="020B0604030504040204" pitchFamily="34" charset="0"/>
+                <a:cs typeface="Tahoma" panose="020B0604030504040204" pitchFamily="34" charset="0"/>
+              </a:rPr>
+              <a:t> e blocchi perché è su di essa che si basa anche la diversità tra utenti/partecipanti alla </a:t>
+            </a:r>
+            <a:r>
+              <a:rPr lang="it-IT" sz="2400" b="1" dirty="0" err="1">
+                <a:solidFill>
+                  <a:schemeClr val="tx1"/>
+                </a:solidFill>
+                <a:latin typeface="Tahoma" panose="020B0604030504040204" pitchFamily="34" charset="0"/>
+                <a:ea typeface="Tahoma" panose="020B0604030504040204" pitchFamily="34" charset="0"/>
+                <a:cs typeface="Tahoma" panose="020B0604030504040204" pitchFamily="34" charset="0"/>
+              </a:rPr>
+              <a:t>Blockchain</a:t>
+            </a:r>
+            <a:r>
+              <a:rPr lang="it-IT" sz="2400" dirty="0">
+                <a:solidFill>
+                  <a:schemeClr val="tx1"/>
+                </a:solidFill>
+                <a:latin typeface="Tahoma" panose="020B0604030504040204" pitchFamily="34" charset="0"/>
+                <a:ea typeface="Tahoma" panose="020B0604030504040204" pitchFamily="34" charset="0"/>
+                <a:cs typeface="Tahoma" panose="020B0604030504040204" pitchFamily="34" charset="0"/>
+              </a:rPr>
+              <a:t> e i cosiddetti ‘</a:t>
+            </a:r>
+            <a:r>
+              <a:rPr lang="it-IT" sz="2400" b="1" dirty="0" err="1">
+                <a:solidFill>
+                  <a:schemeClr val="tx1"/>
+                </a:solidFill>
+                <a:latin typeface="Tahoma" panose="020B0604030504040204" pitchFamily="34" charset="0"/>
+                <a:ea typeface="Tahoma" panose="020B0604030504040204" pitchFamily="34" charset="0"/>
+                <a:cs typeface="Tahoma" panose="020B0604030504040204" pitchFamily="34" charset="0"/>
+                <a:hlinkClick r:id="rId2"/>
+              </a:rPr>
+              <a:t>miners</a:t>
+            </a:r>
+            <a:r>
+              <a:rPr lang="it-IT" sz="2400" dirty="0" smtClean="0">
+                <a:solidFill>
+                  <a:schemeClr val="tx1"/>
+                </a:solidFill>
+                <a:latin typeface="Tahoma" panose="020B0604030504040204" pitchFamily="34" charset="0"/>
+                <a:ea typeface="Tahoma" panose="020B0604030504040204" pitchFamily="34" charset="0"/>
+                <a:cs typeface="Tahoma" panose="020B0604030504040204" pitchFamily="34" charset="0"/>
+              </a:rPr>
+              <a:t>’.</a:t>
+            </a:r>
+            <a:endParaRPr lang="it-IT" sz="2400" dirty="0">
+              <a:solidFill>
+                <a:schemeClr val="tx1"/>
+              </a:solidFill>
+              <a:latin typeface="Tahoma" panose="020B0604030504040204" pitchFamily="34" charset="0"/>
+              <a:ea typeface="Tahoma" panose="020B0604030504040204" pitchFamily="34" charset="0"/>
+              <a:cs typeface="Tahoma" panose="020B0604030504040204" pitchFamily="34" charset="0"/>
+            </a:endParaRPr>
+          </a:p>
+        </p:txBody>
+      </p:sp>
+      <p:sp>
+        <p:nvSpPr>
+          <p:cNvPr id="7" name="Segnaposto numero diapositiva 6">
+            <a:extLst>
+              <a:ext uri="{FF2B5EF4-FFF2-40B4-BE49-F238E27FC236}">
+                <a16:creationId xmlns:a16="http://schemas.microsoft.com/office/drawing/2014/main" id="{AB740BE9-E218-4144-BFDE-AE473D230A3D}"/>
+              </a:ext>
+            </a:extLst>
+          </p:cNvPr>
+          <p:cNvSpPr>
+            <a:spLocks noGrp="1"/>
+          </p:cNvSpPr>
+          <p:nvPr>
+            <p:ph type="sldNum" sz="quarter" idx="12"/>
+          </p:nvPr>
+        </p:nvSpPr>
+        <p:spPr/>
+        <p:txBody>
+          <a:bodyPr/>
+          <a:lstStyle/>
+          <a:p>
+            <a:pPr>
+              <a:defRPr/>
+            </a:pPr>
+            <a:fld id="{48B4153A-D4C5-4CEF-8992-0D8815C829E3}" type="slidenum">
+              <a:rPr lang="en-US" smtClean="0"/>
+              <a:pPr>
+                <a:defRPr/>
+              </a:pPr>
+              <a:t>14</a:t>
+            </a:fld>
+            <a:endParaRPr lang="en-US" dirty="0"/>
+          </a:p>
+        </p:txBody>
+      </p:sp>
+      <p:sp>
+        <p:nvSpPr>
+          <p:cNvPr id="6" name="Titolo 4">
+            <a:extLst>
+              <a:ext uri="{FF2B5EF4-FFF2-40B4-BE49-F238E27FC236}">
+                <a16:creationId xmlns:a16="http://schemas.microsoft.com/office/drawing/2014/main" id="{CF9A4806-60B4-80DC-1F76-D2EB3E6C376B}"/>
+              </a:ext>
+            </a:extLst>
+          </p:cNvPr>
+          <p:cNvSpPr>
+            <a:spLocks noGrp="1"/>
+          </p:cNvSpPr>
+          <p:nvPr>
+            <p:ph type="title"/>
+          </p:nvPr>
+        </p:nvSpPr>
+        <p:spPr>
+          <a:xfrm>
+            <a:off x="468313" y="286788"/>
+            <a:ext cx="11269662" cy="769441"/>
+          </a:xfrm>
+        </p:spPr>
+        <p:txBody>
+          <a:bodyPr/>
+          <a:lstStyle/>
+          <a:p>
+            <a:r>
+              <a:rPr lang="it-IT">
+                <a:solidFill>
+                  <a:schemeClr val="tx1"/>
+                </a:solidFill>
+              </a:rPr>
+              <a:t>Architetture di Blockchain</a:t>
+            </a:r>
+            <a:br>
+              <a:rPr lang="it-IT">
+                <a:solidFill>
+                  <a:schemeClr val="tx1"/>
+                </a:solidFill>
+              </a:rPr>
+            </a:br>
+            <a:endParaRPr lang="it-IT" dirty="0">
+              <a:solidFill>
+                <a:schemeClr val="tx1"/>
+              </a:solidFill>
+            </a:endParaRPr>
+          </a:p>
+        </p:txBody>
+      </p:sp>
+      <p:pic>
+        <p:nvPicPr>
+          <p:cNvPr id="4" name="Immagine 3"/>
+          <p:cNvPicPr>
+            <a:picLocks noChangeAspect="1"/>
+          </p:cNvPicPr>
+          <p:nvPr/>
+        </p:nvPicPr>
+        <p:blipFill>
+          <a:blip r:embed="rId3">
+            <a:extLst>
+              <a:ext uri="{28A0092B-C50C-407E-A947-70E740481C1C}">
+                <a14:useLocalDpi xmlns:a14="http://schemas.microsoft.com/office/drawing/2010/main" val="0"/>
+              </a:ext>
+            </a:extLst>
+          </a:blip>
+          <a:stretch>
+            <a:fillRect/>
+          </a:stretch>
+        </p:blipFill>
+        <p:spPr>
+          <a:xfrm>
+            <a:off x="7403690" y="2190136"/>
+            <a:ext cx="4442952" cy="2961968"/>
+          </a:xfrm>
+          <a:prstGeom prst="rect">
+            <a:avLst/>
+          </a:prstGeom>
+        </p:spPr>
+      </p:pic>
+    </p:spTree>
+    <p:extLst>
+      <p:ext uri="{BB962C8B-B14F-4D97-AF65-F5344CB8AC3E}">
+        <p14:creationId xmlns:p14="http://schemas.microsoft.com/office/powerpoint/2010/main" val="370520122"/>
+      </p:ext>
+    </p:extLst>
+  </p:cSld>
+  <p:clrMapOvr>
+    <a:masterClrMapping/>
+  </p:clrMapOvr>
+</p:sld>
+</file>
+
+<file path=ppt/slides/slide15.xml><?xml version="1.0" encoding="utf-8"?>
+<p:sld xmlns:a="http://schemas.openxmlformats.org/drawingml/2006/main" xmlns:r="http://schemas.openxmlformats.org/officeDocument/2006/relationships" xmlns:p="http://schemas.openxmlformats.org/presentationml/2006/main">
+  <p:cSld>
+    <p:spTree>
+      <p:nvGrpSpPr>
+        <p:cNvPr id="1" name=""/>
+        <p:cNvGrpSpPr/>
+        <p:nvPr/>
+      </p:nvGrpSpPr>
+      <p:grpSpPr>
+        <a:xfrm>
+          <a:off x="0" y="0"/>
+          <a:ext cx="0" cy="0"/>
+          <a:chOff x="0" y="0"/>
+          <a:chExt cx="0" cy="0"/>
+        </a:xfrm>
+      </p:grpSpPr>
+      <p:sp>
+        <p:nvSpPr>
+          <p:cNvPr id="2" name="Segnaposto testo 1">
+            <a:extLst>
+              <a:ext uri="{FF2B5EF4-FFF2-40B4-BE49-F238E27FC236}">
+                <a16:creationId xmlns:a16="http://schemas.microsoft.com/office/drawing/2014/main" id="{E5AE986C-196F-4141-A898-FA4C4198CDCC}"/>
+              </a:ext>
+            </a:extLst>
+          </p:cNvPr>
+          <p:cNvSpPr>
+            <a:spLocks noGrp="1"/>
+          </p:cNvSpPr>
+          <p:nvPr>
+            <p:ph type="body" idx="1"/>
+          </p:nvPr>
+        </p:nvSpPr>
+        <p:spPr>
+          <a:xfrm>
+            <a:off x="468313" y="1333064"/>
+            <a:ext cx="6738732" cy="4392612"/>
+          </a:xfrm>
+        </p:spPr>
+        <p:txBody>
+          <a:bodyPr/>
+          <a:lstStyle/>
+          <a:p>
+            <a:pPr marL="342900" indent="-342900" algn="just">
+              <a:lnSpc>
+                <a:spcPct val="115000"/>
+              </a:lnSpc>
+              <a:spcBef>
+                <a:spcPts val="2400"/>
+              </a:spcBef>
+              <a:buFont typeface="Wingdings" panose="05000000000000000000" pitchFamily="2" charset="2"/>
+              <a:buChar char="ü"/>
+              <a:tabLst>
+                <a:tab pos="457200" algn="l"/>
+              </a:tabLst>
+            </a:pPr>
+            <a:r>
+              <a:rPr lang="it-IT" sz="2400" dirty="0" smtClean="0">
+                <a:solidFill>
+                  <a:schemeClr val="tx1"/>
+                </a:solidFill>
+                <a:latin typeface="Tahoma" panose="020B0604030504040204" pitchFamily="34" charset="0"/>
+                <a:ea typeface="Tahoma" panose="020B0604030504040204" pitchFamily="34" charset="0"/>
+                <a:cs typeface="Tahoma" panose="020B0604030504040204" pitchFamily="34" charset="0"/>
+              </a:rPr>
+              <a:t>I </a:t>
+            </a:r>
+            <a:r>
+              <a:rPr lang="it-IT" sz="2400" dirty="0">
+                <a:solidFill>
+                  <a:schemeClr val="tx1"/>
+                </a:solidFill>
+                <a:latin typeface="Tahoma" panose="020B0604030504040204" pitchFamily="34" charset="0"/>
+                <a:ea typeface="Tahoma" panose="020B0604030504040204" pitchFamily="34" charset="0"/>
+                <a:cs typeface="Tahoma" panose="020B0604030504040204" pitchFamily="34" charset="0"/>
+              </a:rPr>
+              <a:t>primi sono gli </a:t>
+            </a:r>
+            <a:r>
+              <a:rPr lang="it-IT" sz="2400" b="1" dirty="0">
+                <a:solidFill>
+                  <a:schemeClr val="tx1"/>
+                </a:solidFill>
+                <a:latin typeface="Tahoma" panose="020B0604030504040204" pitchFamily="34" charset="0"/>
+                <a:ea typeface="Tahoma" panose="020B0604030504040204" pitchFamily="34" charset="0"/>
+                <a:cs typeface="Tahoma" panose="020B0604030504040204" pitchFamily="34" charset="0"/>
+              </a:rPr>
+              <a:t>utenti</a:t>
+            </a:r>
+            <a:r>
+              <a:rPr lang="it-IT" sz="2400" dirty="0">
+                <a:solidFill>
+                  <a:schemeClr val="tx1"/>
+                </a:solidFill>
+                <a:latin typeface="Tahoma" panose="020B0604030504040204" pitchFamily="34" charset="0"/>
+                <a:ea typeface="Tahoma" panose="020B0604030504040204" pitchFamily="34" charset="0"/>
+                <a:cs typeface="Tahoma" panose="020B0604030504040204" pitchFamily="34" charset="0"/>
+              </a:rPr>
+              <a:t> che vogliono effettuare una </a:t>
+            </a:r>
+            <a:r>
+              <a:rPr lang="it-IT" sz="2400" b="1" dirty="0">
+                <a:solidFill>
+                  <a:schemeClr val="tx1"/>
+                </a:solidFill>
+                <a:latin typeface="Tahoma" panose="020B0604030504040204" pitchFamily="34" charset="0"/>
+                <a:ea typeface="Tahoma" panose="020B0604030504040204" pitchFamily="34" charset="0"/>
+                <a:cs typeface="Tahoma" panose="020B0604030504040204" pitchFamily="34" charset="0"/>
+              </a:rPr>
+              <a:t>transazione</a:t>
+            </a:r>
+            <a:r>
+              <a:rPr lang="it-IT" sz="2400" dirty="0">
+                <a:solidFill>
+                  <a:schemeClr val="tx1"/>
+                </a:solidFill>
+                <a:latin typeface="Tahoma" panose="020B0604030504040204" pitchFamily="34" charset="0"/>
+                <a:ea typeface="Tahoma" panose="020B0604030504040204" pitchFamily="34" charset="0"/>
+                <a:cs typeface="Tahoma" panose="020B0604030504040204" pitchFamily="34" charset="0"/>
+              </a:rPr>
+              <a:t> (per esempio trasferire un bene ad un altro</a:t>
+            </a:r>
+            <a:r>
+              <a:rPr lang="it-IT" sz="2400" dirty="0" smtClean="0">
+                <a:solidFill>
+                  <a:schemeClr val="tx1"/>
+                </a:solidFill>
+                <a:latin typeface="Tahoma" panose="020B0604030504040204" pitchFamily="34" charset="0"/>
+                <a:ea typeface="Tahoma" panose="020B0604030504040204" pitchFamily="34" charset="0"/>
+                <a:cs typeface="Tahoma" panose="020B0604030504040204" pitchFamily="34" charset="0"/>
+              </a:rPr>
+              <a:t>).</a:t>
+            </a:r>
+          </a:p>
+          <a:p>
+            <a:pPr marL="342900" indent="-342900" algn="just">
+              <a:lnSpc>
+                <a:spcPct val="115000"/>
+              </a:lnSpc>
+              <a:spcBef>
+                <a:spcPts val="2400"/>
+              </a:spcBef>
+              <a:buFont typeface="Wingdings" panose="05000000000000000000" pitchFamily="2" charset="2"/>
+              <a:buChar char="ü"/>
+              <a:tabLst>
+                <a:tab pos="457200" algn="l"/>
+              </a:tabLst>
+            </a:pPr>
+            <a:r>
+              <a:rPr lang="it-IT" sz="2400" dirty="0" smtClean="0">
+                <a:solidFill>
+                  <a:schemeClr val="tx1"/>
+                </a:solidFill>
+                <a:latin typeface="Tahoma" panose="020B0604030504040204" pitchFamily="34" charset="0"/>
+                <a:ea typeface="Tahoma" panose="020B0604030504040204" pitchFamily="34" charset="0"/>
+                <a:cs typeface="Tahoma" panose="020B0604030504040204" pitchFamily="34" charset="0"/>
+              </a:rPr>
+              <a:t>I </a:t>
+            </a:r>
+            <a:r>
+              <a:rPr lang="it-IT" sz="2400" dirty="0">
+                <a:solidFill>
+                  <a:schemeClr val="tx1"/>
+                </a:solidFill>
+                <a:latin typeface="Tahoma" panose="020B0604030504040204" pitchFamily="34" charset="0"/>
+                <a:ea typeface="Tahoma" panose="020B0604030504040204" pitchFamily="34" charset="0"/>
+                <a:cs typeface="Tahoma" panose="020B0604030504040204" pitchFamily="34" charset="0"/>
+              </a:rPr>
+              <a:t>secondi sono coloro che </a:t>
+            </a:r>
+            <a:r>
+              <a:rPr lang="it-IT" sz="2400" b="1" dirty="0">
+                <a:solidFill>
+                  <a:schemeClr val="tx1"/>
+                </a:solidFill>
+                <a:latin typeface="Tahoma" panose="020B0604030504040204" pitchFamily="34" charset="0"/>
+                <a:ea typeface="Tahoma" panose="020B0604030504040204" pitchFamily="34" charset="0"/>
+                <a:cs typeface="Tahoma" panose="020B0604030504040204" pitchFamily="34" charset="0"/>
+              </a:rPr>
+              <a:t>creano</a:t>
+            </a:r>
+            <a:r>
+              <a:rPr lang="it-IT" sz="2400" dirty="0">
+                <a:solidFill>
+                  <a:schemeClr val="tx1"/>
+                </a:solidFill>
+                <a:latin typeface="Tahoma" panose="020B0604030504040204" pitchFamily="34" charset="0"/>
+                <a:ea typeface="Tahoma" panose="020B0604030504040204" pitchFamily="34" charset="0"/>
+                <a:cs typeface="Tahoma" panose="020B0604030504040204" pitchFamily="34" charset="0"/>
+              </a:rPr>
+              <a:t> </a:t>
+            </a:r>
+            <a:r>
+              <a:rPr lang="it-IT" sz="2400" b="1" dirty="0">
+                <a:solidFill>
+                  <a:schemeClr val="tx1"/>
+                </a:solidFill>
+                <a:latin typeface="Tahoma" panose="020B0604030504040204" pitchFamily="34" charset="0"/>
+                <a:ea typeface="Tahoma" panose="020B0604030504040204" pitchFamily="34" charset="0"/>
+                <a:cs typeface="Tahoma" panose="020B0604030504040204" pitchFamily="34" charset="0"/>
+              </a:rPr>
+              <a:t>i blocchi</a:t>
+            </a:r>
+            <a:r>
+              <a:rPr lang="it-IT" sz="2400" dirty="0">
+                <a:solidFill>
+                  <a:schemeClr val="tx1"/>
+                </a:solidFill>
+                <a:latin typeface="Tahoma" panose="020B0604030504040204" pitchFamily="34" charset="0"/>
+                <a:ea typeface="Tahoma" panose="020B0604030504040204" pitchFamily="34" charset="0"/>
+                <a:cs typeface="Tahoma" panose="020B0604030504040204" pitchFamily="34" charset="0"/>
+              </a:rPr>
+              <a:t> e che inseriscono la transazione nel </a:t>
+            </a:r>
+            <a:r>
+              <a:rPr lang="it-IT" sz="2400" b="1" dirty="0">
+                <a:solidFill>
+                  <a:schemeClr val="tx1"/>
+                </a:solidFill>
+                <a:latin typeface="Tahoma" panose="020B0604030504040204" pitchFamily="34" charset="0"/>
+                <a:ea typeface="Tahoma" panose="020B0604030504040204" pitchFamily="34" charset="0"/>
+                <a:cs typeface="Tahoma" panose="020B0604030504040204" pitchFamily="34" charset="0"/>
+              </a:rPr>
+              <a:t>database</a:t>
+            </a:r>
+            <a:r>
+              <a:rPr lang="it-IT" sz="2400" dirty="0">
+                <a:solidFill>
+                  <a:schemeClr val="tx1"/>
+                </a:solidFill>
+                <a:latin typeface="Tahoma" panose="020B0604030504040204" pitchFamily="34" charset="0"/>
+                <a:ea typeface="Tahoma" panose="020B0604030504040204" pitchFamily="34" charset="0"/>
+                <a:cs typeface="Tahoma" panose="020B0604030504040204" pitchFamily="34" charset="0"/>
+              </a:rPr>
+              <a:t> </a:t>
+            </a:r>
+            <a:r>
+              <a:rPr lang="it-IT" sz="2400" b="1" dirty="0">
+                <a:solidFill>
+                  <a:schemeClr val="tx1"/>
+                </a:solidFill>
+                <a:latin typeface="Tahoma" panose="020B0604030504040204" pitchFamily="34" charset="0"/>
+                <a:ea typeface="Tahoma" panose="020B0604030504040204" pitchFamily="34" charset="0"/>
+                <a:cs typeface="Tahoma" panose="020B0604030504040204" pitchFamily="34" charset="0"/>
+              </a:rPr>
+              <a:t>centralizzato</a:t>
+            </a:r>
+            <a:r>
+              <a:rPr lang="it-IT" sz="2400" dirty="0">
+                <a:solidFill>
+                  <a:schemeClr val="tx1"/>
+                </a:solidFill>
+                <a:latin typeface="Tahoma" panose="020B0604030504040204" pitchFamily="34" charset="0"/>
+                <a:ea typeface="Tahoma" panose="020B0604030504040204" pitchFamily="34" charset="0"/>
+                <a:cs typeface="Tahoma" panose="020B0604030504040204" pitchFamily="34" charset="0"/>
+              </a:rPr>
+              <a:t> (generalmente a fronte di una ‘</a:t>
+            </a:r>
+            <a:r>
+              <a:rPr lang="it-IT" sz="2400" b="1" dirty="0">
+                <a:solidFill>
+                  <a:schemeClr val="tx1"/>
+                </a:solidFill>
+                <a:latin typeface="Tahoma" panose="020B0604030504040204" pitchFamily="34" charset="0"/>
+                <a:ea typeface="Tahoma" panose="020B0604030504040204" pitchFamily="34" charset="0"/>
+                <a:cs typeface="Tahoma" panose="020B0604030504040204" pitchFamily="34" charset="0"/>
+              </a:rPr>
+              <a:t>ricompensa</a:t>
+            </a:r>
+            <a:r>
+              <a:rPr lang="it-IT" sz="2400" dirty="0">
+                <a:solidFill>
+                  <a:schemeClr val="tx1"/>
+                </a:solidFill>
+                <a:latin typeface="Tahoma" panose="020B0604030504040204" pitchFamily="34" charset="0"/>
+                <a:ea typeface="Tahoma" panose="020B0604030504040204" pitchFamily="34" charset="0"/>
+                <a:cs typeface="Tahoma" panose="020B0604030504040204" pitchFamily="34" charset="0"/>
+              </a:rPr>
+              <a:t>’ per il controllo effettuato sulla transazione, per non alimentare comportamenti illeciti che farebbero quindi cadere il meccanismo di fiducia della comunità).</a:t>
+            </a:r>
+          </a:p>
+        </p:txBody>
+      </p:sp>
+      <p:sp>
+        <p:nvSpPr>
+          <p:cNvPr id="7" name="Segnaposto numero diapositiva 6">
+            <a:extLst>
+              <a:ext uri="{FF2B5EF4-FFF2-40B4-BE49-F238E27FC236}">
+                <a16:creationId xmlns:a16="http://schemas.microsoft.com/office/drawing/2014/main" id="{AB740BE9-E218-4144-BFDE-AE473D230A3D}"/>
+              </a:ext>
+            </a:extLst>
+          </p:cNvPr>
+          <p:cNvSpPr>
+            <a:spLocks noGrp="1"/>
+          </p:cNvSpPr>
+          <p:nvPr>
+            <p:ph type="sldNum" sz="quarter" idx="12"/>
+          </p:nvPr>
+        </p:nvSpPr>
+        <p:spPr/>
+        <p:txBody>
+          <a:bodyPr/>
+          <a:lstStyle/>
+          <a:p>
+            <a:pPr>
+              <a:defRPr/>
+            </a:pPr>
+            <a:fld id="{48B4153A-D4C5-4CEF-8992-0D8815C829E3}" type="slidenum">
+              <a:rPr lang="en-US" smtClean="0"/>
+              <a:pPr>
+                <a:defRPr/>
+              </a:pPr>
+              <a:t>15</a:t>
+            </a:fld>
+            <a:endParaRPr lang="en-US" dirty="0"/>
+          </a:p>
+        </p:txBody>
+      </p:sp>
+      <p:sp>
+        <p:nvSpPr>
+          <p:cNvPr id="6" name="Titolo 4">
+            <a:extLst>
+              <a:ext uri="{FF2B5EF4-FFF2-40B4-BE49-F238E27FC236}">
+                <a16:creationId xmlns:a16="http://schemas.microsoft.com/office/drawing/2014/main" id="{CF9A4806-60B4-80DC-1F76-D2EB3E6C376B}"/>
+              </a:ext>
+            </a:extLst>
+          </p:cNvPr>
+          <p:cNvSpPr>
+            <a:spLocks noGrp="1"/>
+          </p:cNvSpPr>
+          <p:nvPr>
+            <p:ph type="title"/>
+          </p:nvPr>
+        </p:nvSpPr>
+        <p:spPr>
+          <a:xfrm>
+            <a:off x="468313" y="286788"/>
+            <a:ext cx="11269662" cy="769441"/>
+          </a:xfrm>
+        </p:spPr>
+        <p:txBody>
+          <a:bodyPr/>
+          <a:lstStyle/>
+          <a:p>
+            <a:r>
+              <a:rPr lang="it-IT">
+                <a:solidFill>
+                  <a:schemeClr val="tx1"/>
+                </a:solidFill>
+              </a:rPr>
+              <a:t>Architetture di Blockchain</a:t>
+            </a:r>
+            <a:br>
+              <a:rPr lang="it-IT">
+                <a:solidFill>
+                  <a:schemeClr val="tx1"/>
+                </a:solidFill>
+              </a:rPr>
+            </a:br>
+            <a:endParaRPr lang="it-IT" dirty="0">
+              <a:solidFill>
+                <a:schemeClr val="tx1"/>
+              </a:solidFill>
+            </a:endParaRPr>
+          </a:p>
+        </p:txBody>
+      </p:sp>
+      <p:pic>
+        <p:nvPicPr>
+          <p:cNvPr id="3" name="Immagine 2"/>
+          <p:cNvPicPr>
+            <a:picLocks noChangeAspect="1"/>
+          </p:cNvPicPr>
+          <p:nvPr/>
+        </p:nvPicPr>
+        <p:blipFill>
+          <a:blip r:embed="rId2">
+            <a:extLst>
+              <a:ext uri="{28A0092B-C50C-407E-A947-70E740481C1C}">
+                <a14:useLocalDpi xmlns:a14="http://schemas.microsoft.com/office/drawing/2010/main" val="0"/>
+              </a:ext>
+            </a:extLst>
+          </a:blip>
+          <a:stretch>
+            <a:fillRect/>
+          </a:stretch>
+        </p:blipFill>
+        <p:spPr>
+          <a:xfrm>
+            <a:off x="7525672" y="2287536"/>
+            <a:ext cx="4222628" cy="2363122"/>
+          </a:xfrm>
+          <a:prstGeom prst="rect">
+            <a:avLst/>
+          </a:prstGeom>
+        </p:spPr>
+      </p:pic>
+    </p:spTree>
+    <p:extLst>
+      <p:ext uri="{BB962C8B-B14F-4D97-AF65-F5344CB8AC3E}">
+        <p14:creationId xmlns:p14="http://schemas.microsoft.com/office/powerpoint/2010/main" val="4002794210"/>
+      </p:ext>
+    </p:extLst>
+  </p:cSld>
+  <p:clrMapOvr>
+    <a:masterClrMapping/>
+  </p:clrMapOvr>
+</p:sld>
+</file>
+
+<file path=ppt/slides/slide16.xml><?xml version="1.0" encoding="utf-8"?>
+<p:sld xmlns:a="http://schemas.openxmlformats.org/drawingml/2006/main" xmlns:r="http://schemas.openxmlformats.org/officeDocument/2006/relationships" xmlns:p="http://schemas.openxmlformats.org/presentationml/2006/main">
+  <p:cSld>
+    <p:spTree>
+      <p:nvGrpSpPr>
+        <p:cNvPr id="1" name=""/>
+        <p:cNvGrpSpPr/>
+        <p:nvPr/>
+      </p:nvGrpSpPr>
+      <p:grpSpPr>
+        <a:xfrm>
+          <a:off x="0" y="0"/>
+          <a:ext cx="0" cy="0"/>
+          <a:chOff x="0" y="0"/>
+          <a:chExt cx="0" cy="0"/>
+        </a:xfrm>
+      </p:grpSpPr>
+      <p:sp>
+        <p:nvSpPr>
+          <p:cNvPr id="2" name="Segnaposto testo 1">
+            <a:extLst>
+              <a:ext uri="{FF2B5EF4-FFF2-40B4-BE49-F238E27FC236}">
+                <a16:creationId xmlns:a16="http://schemas.microsoft.com/office/drawing/2014/main" id="{E5AE986C-196F-4141-A898-FA4C4198CDCC}"/>
+              </a:ext>
+            </a:extLst>
+          </p:cNvPr>
+          <p:cNvSpPr>
+            <a:spLocks noGrp="1"/>
+          </p:cNvSpPr>
+          <p:nvPr>
+            <p:ph type="body" idx="1"/>
+          </p:nvPr>
+        </p:nvSpPr>
+        <p:spPr>
+          <a:xfrm>
+            <a:off x="206476" y="1333064"/>
+            <a:ext cx="11916697" cy="4392612"/>
+          </a:xfrm>
+        </p:spPr>
+        <p:txBody>
+          <a:bodyPr/>
+          <a:lstStyle/>
+          <a:p>
+            <a:pPr marL="342900" indent="-342900" algn="just">
+              <a:lnSpc>
+                <a:spcPct val="115000"/>
+              </a:lnSpc>
+              <a:spcBef>
+                <a:spcPts val="2400"/>
+              </a:spcBef>
+              <a:buFont typeface="Wingdings" panose="05000000000000000000" pitchFamily="2" charset="2"/>
+              <a:buChar char="ü"/>
+              <a:tabLst>
+                <a:tab pos="457200" algn="l"/>
+              </a:tabLst>
+            </a:pPr>
+            <a:r>
+              <a:rPr lang="it-IT" sz="2400" dirty="0" smtClean="0">
+                <a:solidFill>
+                  <a:schemeClr val="tx1"/>
+                </a:solidFill>
+                <a:latin typeface="Tahoma" panose="020B0604030504040204" pitchFamily="34" charset="0"/>
+                <a:ea typeface="Tahoma" panose="020B0604030504040204" pitchFamily="34" charset="0"/>
+                <a:cs typeface="Tahoma" panose="020B0604030504040204" pitchFamily="34" charset="0"/>
+              </a:rPr>
+              <a:t>I </a:t>
+            </a:r>
+            <a:r>
+              <a:rPr lang="it-IT" sz="2400" b="1" dirty="0" smtClean="0">
+                <a:solidFill>
+                  <a:schemeClr val="tx1"/>
+                </a:solidFill>
+                <a:latin typeface="Tahoma" panose="020B0604030504040204" pitchFamily="34" charset="0"/>
+                <a:ea typeface="Tahoma" panose="020B0604030504040204" pitchFamily="34" charset="0"/>
+                <a:cs typeface="Tahoma" panose="020B0604030504040204" pitchFamily="34" charset="0"/>
+              </a:rPr>
+              <a:t>Blocchi </a:t>
+            </a:r>
+            <a:r>
+              <a:rPr lang="it-IT" sz="2400" dirty="0" smtClean="0">
+                <a:solidFill>
+                  <a:schemeClr val="tx1"/>
+                </a:solidFill>
+                <a:latin typeface="Tahoma" panose="020B0604030504040204" pitchFamily="34" charset="0"/>
+                <a:ea typeface="Tahoma" panose="020B0604030504040204" pitchFamily="34" charset="0"/>
+                <a:cs typeface="Tahoma" panose="020B0604030504040204" pitchFamily="34" charset="0"/>
+              </a:rPr>
+              <a:t>sono i contenitori di base dell’informazione all’interno di una </a:t>
+            </a:r>
+            <a:r>
+              <a:rPr lang="it-IT" sz="2400" dirty="0" err="1" smtClean="0">
+                <a:solidFill>
+                  <a:schemeClr val="tx1"/>
+                </a:solidFill>
+                <a:latin typeface="Tahoma" panose="020B0604030504040204" pitchFamily="34" charset="0"/>
+                <a:ea typeface="Tahoma" panose="020B0604030504040204" pitchFamily="34" charset="0"/>
+                <a:cs typeface="Tahoma" panose="020B0604030504040204" pitchFamily="34" charset="0"/>
+              </a:rPr>
+              <a:t>Blockchain</a:t>
+            </a:r>
+            <a:r>
+              <a:rPr lang="it-IT" sz="2400" dirty="0" smtClean="0">
+                <a:solidFill>
+                  <a:schemeClr val="tx1"/>
+                </a:solidFill>
+                <a:latin typeface="Tahoma" panose="020B0604030504040204" pitchFamily="34" charset="0"/>
+                <a:ea typeface="Tahoma" panose="020B0604030504040204" pitchFamily="34" charset="0"/>
+                <a:cs typeface="Tahoma" panose="020B0604030504040204" pitchFamily="34" charset="0"/>
+              </a:rPr>
+              <a:t>. </a:t>
+            </a:r>
+          </a:p>
+          <a:p>
+            <a:pPr marL="342900" indent="-342900" algn="just">
+              <a:lnSpc>
+                <a:spcPct val="115000"/>
+              </a:lnSpc>
+              <a:spcBef>
+                <a:spcPts val="2400"/>
+              </a:spcBef>
+              <a:buFont typeface="Wingdings" panose="05000000000000000000" pitchFamily="2" charset="2"/>
+              <a:buChar char="ü"/>
+              <a:tabLst>
+                <a:tab pos="457200" algn="l"/>
+              </a:tabLst>
+            </a:pPr>
+            <a:r>
+              <a:rPr lang="it-IT" sz="2400" dirty="0" smtClean="0">
+                <a:solidFill>
+                  <a:schemeClr val="tx1"/>
+                </a:solidFill>
+                <a:latin typeface="Tahoma" panose="020B0604030504040204" pitchFamily="34" charset="0"/>
+                <a:ea typeface="Tahoma" panose="020B0604030504040204" pitchFamily="34" charset="0"/>
+                <a:cs typeface="Tahoma" panose="020B0604030504040204" pitchFamily="34" charset="0"/>
+              </a:rPr>
+              <a:t>Contengono solo dati della transazione. Una volta aggiunti alla </a:t>
+            </a:r>
+            <a:r>
+              <a:rPr lang="it-IT" sz="2400" b="1" dirty="0" err="1" smtClean="0">
+                <a:solidFill>
+                  <a:schemeClr val="tx1"/>
+                </a:solidFill>
+                <a:latin typeface="Tahoma" panose="020B0604030504040204" pitchFamily="34" charset="0"/>
+                <a:ea typeface="Tahoma" panose="020B0604030504040204" pitchFamily="34" charset="0"/>
+                <a:cs typeface="Tahoma" panose="020B0604030504040204" pitchFamily="34" charset="0"/>
+              </a:rPr>
+              <a:t>Blockchain</a:t>
+            </a:r>
+            <a:r>
+              <a:rPr lang="it-IT" sz="2400" b="1" dirty="0" smtClean="0">
+                <a:solidFill>
+                  <a:schemeClr val="tx1"/>
+                </a:solidFill>
+                <a:latin typeface="Tahoma" panose="020B0604030504040204" pitchFamily="34" charset="0"/>
+                <a:ea typeface="Tahoma" panose="020B0604030504040204" pitchFamily="34" charset="0"/>
+                <a:cs typeface="Tahoma" panose="020B0604030504040204" pitchFamily="34" charset="0"/>
+              </a:rPr>
+              <a:t>, </a:t>
+            </a:r>
+            <a:r>
+              <a:rPr lang="it-IT" sz="2400" dirty="0" smtClean="0">
+                <a:solidFill>
+                  <a:schemeClr val="tx1"/>
+                </a:solidFill>
+                <a:latin typeface="Tahoma" panose="020B0604030504040204" pitchFamily="34" charset="0"/>
+                <a:ea typeface="Tahoma" panose="020B0604030504040204" pitchFamily="34" charset="0"/>
+                <a:cs typeface="Tahoma" panose="020B0604030504040204" pitchFamily="34" charset="0"/>
+              </a:rPr>
+              <a:t>i blocchi non possono essere cambiati. I blocchi sono messi in sicurezza attraverso le tecniche </a:t>
+            </a:r>
+            <a:r>
+              <a:rPr lang="it-IT" sz="2400" b="1" dirty="0" smtClean="0">
+                <a:solidFill>
+                  <a:schemeClr val="tx1"/>
+                </a:solidFill>
+                <a:latin typeface="Tahoma" panose="020B0604030504040204" pitchFamily="34" charset="0"/>
+                <a:ea typeface="Tahoma" panose="020B0604030504040204" pitchFamily="34" charset="0"/>
+                <a:cs typeface="Tahoma" panose="020B0604030504040204" pitchFamily="34" charset="0"/>
+              </a:rPr>
+              <a:t>crittografiche</a:t>
+            </a:r>
+            <a:r>
+              <a:rPr lang="it-IT" sz="2400" dirty="0" smtClean="0">
+                <a:solidFill>
+                  <a:schemeClr val="tx1"/>
+                </a:solidFill>
+                <a:latin typeface="Tahoma" panose="020B0604030504040204" pitchFamily="34" charset="0"/>
+                <a:ea typeface="Tahoma" panose="020B0604030504040204" pitchFamily="34" charset="0"/>
+                <a:cs typeface="Tahoma" panose="020B0604030504040204" pitchFamily="34" charset="0"/>
+              </a:rPr>
+              <a:t>. </a:t>
+            </a:r>
+          </a:p>
+          <a:p>
+            <a:pPr marL="342900" indent="-342900" algn="just">
+              <a:lnSpc>
+                <a:spcPct val="115000"/>
+              </a:lnSpc>
+              <a:spcBef>
+                <a:spcPts val="2400"/>
+              </a:spcBef>
+              <a:buFont typeface="Wingdings" panose="05000000000000000000" pitchFamily="2" charset="2"/>
+              <a:buChar char="ü"/>
+              <a:tabLst>
+                <a:tab pos="457200" algn="l"/>
+              </a:tabLst>
+            </a:pPr>
+            <a:r>
+              <a:rPr lang="en-US" sz="2400" dirty="0" err="1" smtClean="0">
+                <a:solidFill>
+                  <a:schemeClr val="tx1"/>
+                </a:solidFill>
+                <a:latin typeface="Tahoma" panose="020B0604030504040204" pitchFamily="34" charset="0"/>
+                <a:ea typeface="Tahoma" panose="020B0604030504040204" pitchFamily="34" charset="0"/>
+                <a:cs typeface="Tahoma" panose="020B0604030504040204" pitchFamily="34" charset="0"/>
+              </a:rPr>
+              <a:t>Una</a:t>
+            </a:r>
+            <a:r>
+              <a:rPr lang="en-US" sz="2400" dirty="0" smtClean="0">
+                <a:solidFill>
+                  <a:schemeClr val="tx1"/>
+                </a:solidFill>
+                <a:latin typeface="Tahoma" panose="020B0604030504040204" pitchFamily="34" charset="0"/>
+                <a:ea typeface="Tahoma" panose="020B0604030504040204" pitchFamily="34" charset="0"/>
+                <a:cs typeface="Tahoma" panose="020B0604030504040204" pitchFamily="34" charset="0"/>
+              </a:rPr>
+              <a:t> </a:t>
+            </a:r>
+            <a:r>
+              <a:rPr lang="en-US" sz="2400" b="1" dirty="0" err="1" smtClean="0">
+                <a:solidFill>
+                  <a:schemeClr val="tx1"/>
+                </a:solidFill>
+                <a:latin typeface="Tahoma" panose="020B0604030504040204" pitchFamily="34" charset="0"/>
+                <a:ea typeface="Tahoma" panose="020B0604030504040204" pitchFamily="34" charset="0"/>
+                <a:cs typeface="Tahoma" panose="020B0604030504040204" pitchFamily="34" charset="0"/>
+              </a:rPr>
+              <a:t>Blockchain</a:t>
+            </a:r>
+            <a:r>
+              <a:rPr lang="en-US" sz="2400" b="1" dirty="0" smtClean="0">
+                <a:solidFill>
+                  <a:schemeClr val="tx1"/>
+                </a:solidFill>
+                <a:latin typeface="Tahoma" panose="020B0604030504040204" pitchFamily="34" charset="0"/>
+                <a:ea typeface="Tahoma" panose="020B0604030504040204" pitchFamily="34" charset="0"/>
+                <a:cs typeface="Tahoma" panose="020B0604030504040204" pitchFamily="34" charset="0"/>
+              </a:rPr>
+              <a:t> </a:t>
+            </a:r>
+            <a:r>
+              <a:rPr lang="en-US" sz="2400" dirty="0" smtClean="0">
+                <a:solidFill>
+                  <a:schemeClr val="tx1"/>
+                </a:solidFill>
+                <a:latin typeface="Tahoma" panose="020B0604030504040204" pitchFamily="34" charset="0"/>
+                <a:ea typeface="Tahoma" panose="020B0604030504040204" pitchFamily="34" charset="0"/>
+                <a:cs typeface="Tahoma" panose="020B0604030504040204" pitchFamily="34" charset="0"/>
+              </a:rPr>
+              <a:t>è </a:t>
+            </a:r>
+            <a:r>
+              <a:rPr lang="en-US" sz="2400" dirty="0" err="1" smtClean="0">
+                <a:solidFill>
+                  <a:schemeClr val="tx1"/>
+                </a:solidFill>
+                <a:latin typeface="Tahoma" panose="020B0604030504040204" pitchFamily="34" charset="0"/>
+                <a:ea typeface="Tahoma" panose="020B0604030504040204" pitchFamily="34" charset="0"/>
+                <a:cs typeface="Tahoma" panose="020B0604030504040204" pitchFamily="34" charset="0"/>
+              </a:rPr>
+              <a:t>esattamente</a:t>
+            </a:r>
+            <a:r>
+              <a:rPr lang="en-US" sz="2400" dirty="0" smtClean="0">
+                <a:solidFill>
+                  <a:schemeClr val="tx1"/>
+                </a:solidFill>
+                <a:latin typeface="Tahoma" panose="020B0604030504040204" pitchFamily="34" charset="0"/>
+                <a:ea typeface="Tahoma" panose="020B0604030504040204" pitchFamily="34" charset="0"/>
+                <a:cs typeface="Tahoma" panose="020B0604030504040204" pitchFamily="34" charset="0"/>
+              </a:rPr>
+              <a:t> </a:t>
+            </a:r>
+            <a:r>
+              <a:rPr lang="en-US" sz="2400" dirty="0" err="1" smtClean="0">
+                <a:solidFill>
+                  <a:schemeClr val="tx1"/>
+                </a:solidFill>
+                <a:latin typeface="Tahoma" panose="020B0604030504040204" pitchFamily="34" charset="0"/>
+                <a:ea typeface="Tahoma" panose="020B0604030504040204" pitchFamily="34" charset="0"/>
+                <a:cs typeface="Tahoma" panose="020B0604030504040204" pitchFamily="34" charset="0"/>
+              </a:rPr>
+              <a:t>ciò</a:t>
+            </a:r>
+            <a:r>
+              <a:rPr lang="en-US" sz="2400" dirty="0" smtClean="0">
+                <a:solidFill>
+                  <a:schemeClr val="tx1"/>
+                </a:solidFill>
+                <a:latin typeface="Tahoma" panose="020B0604030504040204" pitchFamily="34" charset="0"/>
+                <a:ea typeface="Tahoma" panose="020B0604030504040204" pitchFamily="34" charset="0"/>
+                <a:cs typeface="Tahoma" panose="020B0604030504040204" pitchFamily="34" charset="0"/>
+              </a:rPr>
+              <a:t> </a:t>
+            </a:r>
+            <a:r>
+              <a:rPr lang="en-US" sz="2400" dirty="0" err="1" smtClean="0">
+                <a:solidFill>
+                  <a:schemeClr val="tx1"/>
+                </a:solidFill>
+                <a:latin typeface="Tahoma" panose="020B0604030504040204" pitchFamily="34" charset="0"/>
+                <a:ea typeface="Tahoma" panose="020B0604030504040204" pitchFamily="34" charset="0"/>
+                <a:cs typeface="Tahoma" panose="020B0604030504040204" pitchFamily="34" charset="0"/>
+              </a:rPr>
+              <a:t>che</a:t>
+            </a:r>
+            <a:r>
+              <a:rPr lang="en-US" sz="2400" dirty="0" smtClean="0">
+                <a:solidFill>
+                  <a:schemeClr val="tx1"/>
+                </a:solidFill>
+                <a:latin typeface="Tahoma" panose="020B0604030504040204" pitchFamily="34" charset="0"/>
+                <a:ea typeface="Tahoma" panose="020B0604030504040204" pitchFamily="34" charset="0"/>
+                <a:cs typeface="Tahoma" panose="020B0604030504040204" pitchFamily="34" charset="0"/>
+              </a:rPr>
+              <a:t> </a:t>
+            </a:r>
+            <a:r>
+              <a:rPr lang="en-US" sz="2400" dirty="0" err="1" smtClean="0">
+                <a:solidFill>
+                  <a:schemeClr val="tx1"/>
+                </a:solidFill>
+                <a:latin typeface="Tahoma" panose="020B0604030504040204" pitchFamily="34" charset="0"/>
+                <a:ea typeface="Tahoma" panose="020B0604030504040204" pitchFamily="34" charset="0"/>
+                <a:cs typeface="Tahoma" panose="020B0604030504040204" pitchFamily="34" charset="0"/>
+              </a:rPr>
+              <a:t>suggerisce</a:t>
+            </a:r>
+            <a:r>
+              <a:rPr lang="en-US" sz="2400" dirty="0" smtClean="0">
+                <a:solidFill>
+                  <a:schemeClr val="tx1"/>
+                </a:solidFill>
+                <a:latin typeface="Tahoma" panose="020B0604030504040204" pitchFamily="34" charset="0"/>
+                <a:ea typeface="Tahoma" panose="020B0604030504040204" pitchFamily="34" charset="0"/>
+                <a:cs typeface="Tahoma" panose="020B0604030504040204" pitchFamily="34" charset="0"/>
+              </a:rPr>
+              <a:t> </a:t>
+            </a:r>
+            <a:r>
+              <a:rPr lang="en-US" sz="2400" dirty="0" err="1" smtClean="0">
+                <a:solidFill>
+                  <a:schemeClr val="tx1"/>
+                </a:solidFill>
+                <a:latin typeface="Tahoma" panose="020B0604030504040204" pitchFamily="34" charset="0"/>
+                <a:ea typeface="Tahoma" panose="020B0604030504040204" pitchFamily="34" charset="0"/>
+                <a:cs typeface="Tahoma" panose="020B0604030504040204" pitchFamily="34" charset="0"/>
+              </a:rPr>
+              <a:t>il</a:t>
+            </a:r>
+            <a:r>
+              <a:rPr lang="en-US" sz="2400" dirty="0" smtClean="0">
+                <a:solidFill>
+                  <a:schemeClr val="tx1"/>
+                </a:solidFill>
+                <a:latin typeface="Tahoma" panose="020B0604030504040204" pitchFamily="34" charset="0"/>
+                <a:ea typeface="Tahoma" panose="020B0604030504040204" pitchFamily="34" charset="0"/>
+                <a:cs typeface="Tahoma" panose="020B0604030504040204" pitchFamily="34" charset="0"/>
+              </a:rPr>
+              <a:t> </a:t>
+            </a:r>
+            <a:r>
+              <a:rPr lang="en-US" sz="2400" b="1" dirty="0" err="1" smtClean="0">
+                <a:solidFill>
+                  <a:schemeClr val="tx1"/>
+                </a:solidFill>
+                <a:latin typeface="Tahoma" panose="020B0604030504040204" pitchFamily="34" charset="0"/>
+                <a:ea typeface="Tahoma" panose="020B0604030504040204" pitchFamily="34" charset="0"/>
+                <a:cs typeface="Tahoma" panose="020B0604030504040204" pitchFamily="34" charset="0"/>
+              </a:rPr>
+              <a:t>termine</a:t>
+            </a:r>
+            <a:r>
+              <a:rPr lang="en-US" sz="2400" dirty="0" smtClean="0">
+                <a:solidFill>
+                  <a:schemeClr val="tx1"/>
+                </a:solidFill>
+                <a:latin typeface="Tahoma" panose="020B0604030504040204" pitchFamily="34" charset="0"/>
+                <a:ea typeface="Tahoma" panose="020B0604030504040204" pitchFamily="34" charset="0"/>
+                <a:cs typeface="Tahoma" panose="020B0604030504040204" pitchFamily="34" charset="0"/>
+              </a:rPr>
+              <a:t>: </a:t>
+            </a:r>
+            <a:r>
+              <a:rPr lang="en-US" sz="2400" dirty="0" err="1" smtClean="0">
+                <a:solidFill>
+                  <a:schemeClr val="tx1"/>
+                </a:solidFill>
+                <a:latin typeface="Tahoma" panose="020B0604030504040204" pitchFamily="34" charset="0"/>
+                <a:ea typeface="Tahoma" panose="020B0604030504040204" pitchFamily="34" charset="0"/>
+                <a:cs typeface="Tahoma" panose="020B0604030504040204" pitchFamily="34" charset="0"/>
+              </a:rPr>
+              <a:t>una</a:t>
+            </a:r>
+            <a:r>
+              <a:rPr lang="en-US" sz="2400" dirty="0" smtClean="0">
+                <a:solidFill>
+                  <a:schemeClr val="tx1"/>
+                </a:solidFill>
+                <a:latin typeface="Tahoma" panose="020B0604030504040204" pitchFamily="34" charset="0"/>
+                <a:ea typeface="Tahoma" panose="020B0604030504040204" pitchFamily="34" charset="0"/>
+                <a:cs typeface="Tahoma" panose="020B0604030504040204" pitchFamily="34" charset="0"/>
+              </a:rPr>
+              <a:t> catena </a:t>
+            </a:r>
+            <a:r>
+              <a:rPr lang="en-US" sz="2400" dirty="0" err="1" smtClean="0">
+                <a:solidFill>
+                  <a:schemeClr val="tx1"/>
+                </a:solidFill>
+                <a:latin typeface="Tahoma" panose="020B0604030504040204" pitchFamily="34" charset="0"/>
+                <a:ea typeface="Tahoma" panose="020B0604030504040204" pitchFamily="34" charset="0"/>
+                <a:cs typeface="Tahoma" panose="020B0604030504040204" pitchFamily="34" charset="0"/>
+              </a:rPr>
+              <a:t>costituita</a:t>
+            </a:r>
+            <a:r>
+              <a:rPr lang="en-US" sz="2400" dirty="0" smtClean="0">
+                <a:solidFill>
+                  <a:schemeClr val="tx1"/>
+                </a:solidFill>
+                <a:latin typeface="Tahoma" panose="020B0604030504040204" pitchFamily="34" charset="0"/>
+                <a:ea typeface="Tahoma" panose="020B0604030504040204" pitchFamily="34" charset="0"/>
+                <a:cs typeface="Tahoma" panose="020B0604030504040204" pitchFamily="34" charset="0"/>
+              </a:rPr>
+              <a:t> di </a:t>
+            </a:r>
+            <a:r>
+              <a:rPr lang="en-US" sz="2400" dirty="0" err="1" smtClean="0">
+                <a:solidFill>
+                  <a:schemeClr val="tx1"/>
+                </a:solidFill>
+                <a:latin typeface="Tahoma" panose="020B0604030504040204" pitchFamily="34" charset="0"/>
+                <a:ea typeface="Tahoma" panose="020B0604030504040204" pitchFamily="34" charset="0"/>
+                <a:cs typeface="Tahoma" panose="020B0604030504040204" pitchFamily="34" charset="0"/>
+              </a:rPr>
+              <a:t>blocchi</a:t>
+            </a:r>
+            <a:r>
+              <a:rPr lang="en-US" sz="2400" dirty="0" smtClean="0">
+                <a:solidFill>
+                  <a:schemeClr val="tx1"/>
+                </a:solidFill>
+                <a:latin typeface="Tahoma" panose="020B0604030504040204" pitchFamily="34" charset="0"/>
+                <a:ea typeface="Tahoma" panose="020B0604030504040204" pitchFamily="34" charset="0"/>
+                <a:cs typeface="Tahoma" panose="020B0604030504040204" pitchFamily="34" charset="0"/>
+              </a:rPr>
+              <a:t> di </a:t>
+            </a:r>
+            <a:r>
+              <a:rPr lang="en-US" sz="2400" dirty="0" err="1" smtClean="0">
+                <a:solidFill>
+                  <a:schemeClr val="tx1"/>
+                </a:solidFill>
+                <a:latin typeface="Tahoma" panose="020B0604030504040204" pitchFamily="34" charset="0"/>
+                <a:ea typeface="Tahoma" panose="020B0604030504040204" pitchFamily="34" charset="0"/>
+                <a:cs typeface="Tahoma" panose="020B0604030504040204" pitchFamily="34" charset="0"/>
+              </a:rPr>
+              <a:t>informazione</a:t>
+            </a:r>
+            <a:r>
+              <a:rPr lang="en-US" sz="2400" dirty="0" smtClean="0">
+                <a:solidFill>
+                  <a:schemeClr val="tx1"/>
+                </a:solidFill>
+                <a:latin typeface="Tahoma" panose="020B0604030504040204" pitchFamily="34" charset="0"/>
+                <a:ea typeface="Tahoma" panose="020B0604030504040204" pitchFamily="34" charset="0"/>
+                <a:cs typeface="Tahoma" panose="020B0604030504040204" pitchFamily="34" charset="0"/>
+              </a:rPr>
+              <a:t>. </a:t>
+            </a:r>
+            <a:r>
+              <a:rPr lang="en-US" sz="2400" dirty="0" err="1" smtClean="0">
+                <a:solidFill>
+                  <a:schemeClr val="tx1"/>
+                </a:solidFill>
+                <a:latin typeface="Tahoma" panose="020B0604030504040204" pitchFamily="34" charset="0"/>
+                <a:ea typeface="Tahoma" panose="020B0604030504040204" pitchFamily="34" charset="0"/>
+                <a:cs typeface="Tahoma" panose="020B0604030504040204" pitchFamily="34" charset="0"/>
+              </a:rPr>
+              <a:t>Questi</a:t>
+            </a:r>
+            <a:r>
+              <a:rPr lang="en-US" sz="2400" dirty="0" smtClean="0">
+                <a:solidFill>
+                  <a:schemeClr val="tx1"/>
+                </a:solidFill>
+                <a:latin typeface="Tahoma" panose="020B0604030504040204" pitchFamily="34" charset="0"/>
+                <a:ea typeface="Tahoma" panose="020B0604030504040204" pitchFamily="34" charset="0"/>
+                <a:cs typeface="Tahoma" panose="020B0604030504040204" pitchFamily="34" charset="0"/>
+              </a:rPr>
+              <a:t> </a:t>
+            </a:r>
+            <a:r>
+              <a:rPr lang="en-US" sz="2400" dirty="0" err="1" smtClean="0">
+                <a:solidFill>
+                  <a:schemeClr val="tx1"/>
+                </a:solidFill>
+                <a:latin typeface="Tahoma" panose="020B0604030504040204" pitchFamily="34" charset="0"/>
+                <a:ea typeface="Tahoma" panose="020B0604030504040204" pitchFamily="34" charset="0"/>
+                <a:cs typeface="Tahoma" panose="020B0604030504040204" pitchFamily="34" charset="0"/>
+              </a:rPr>
+              <a:t>blocchi</a:t>
+            </a:r>
+            <a:r>
+              <a:rPr lang="en-US" sz="2400" dirty="0" smtClean="0">
+                <a:solidFill>
+                  <a:schemeClr val="tx1"/>
+                </a:solidFill>
+                <a:latin typeface="Tahoma" panose="020B0604030504040204" pitchFamily="34" charset="0"/>
+                <a:ea typeface="Tahoma" panose="020B0604030504040204" pitchFamily="34" charset="0"/>
+                <a:cs typeface="Tahoma" panose="020B0604030504040204" pitchFamily="34" charset="0"/>
+              </a:rPr>
+              <a:t> </a:t>
+            </a:r>
+            <a:r>
+              <a:rPr lang="en-US" sz="2400" dirty="0" err="1" smtClean="0">
+                <a:solidFill>
+                  <a:schemeClr val="tx1"/>
+                </a:solidFill>
+                <a:latin typeface="Tahoma" panose="020B0604030504040204" pitchFamily="34" charset="0"/>
+                <a:ea typeface="Tahoma" panose="020B0604030504040204" pitchFamily="34" charset="0"/>
+                <a:cs typeface="Tahoma" panose="020B0604030504040204" pitchFamily="34" charset="0"/>
+              </a:rPr>
+              <a:t>sono</a:t>
+            </a:r>
+            <a:r>
+              <a:rPr lang="en-US" sz="2400" dirty="0" smtClean="0">
+                <a:solidFill>
+                  <a:schemeClr val="tx1"/>
+                </a:solidFill>
+                <a:latin typeface="Tahoma" panose="020B0604030504040204" pitchFamily="34" charset="0"/>
+                <a:ea typeface="Tahoma" panose="020B0604030504040204" pitchFamily="34" charset="0"/>
+                <a:cs typeface="Tahoma" panose="020B0604030504040204" pitchFamily="34" charset="0"/>
+              </a:rPr>
+              <a:t> </a:t>
+            </a:r>
+            <a:r>
+              <a:rPr lang="en-US" sz="2400" dirty="0" err="1" smtClean="0">
+                <a:solidFill>
+                  <a:schemeClr val="tx1"/>
+                </a:solidFill>
+                <a:latin typeface="Tahoma" panose="020B0604030504040204" pitchFamily="34" charset="0"/>
+                <a:ea typeface="Tahoma" panose="020B0604030504040204" pitchFamily="34" charset="0"/>
+                <a:cs typeface="Tahoma" panose="020B0604030504040204" pitchFamily="34" charset="0"/>
+              </a:rPr>
+              <a:t>contenitori</a:t>
+            </a:r>
+            <a:r>
+              <a:rPr lang="en-US" sz="2400" dirty="0" smtClean="0">
+                <a:solidFill>
+                  <a:schemeClr val="tx1"/>
+                </a:solidFill>
+                <a:latin typeface="Tahoma" panose="020B0604030504040204" pitchFamily="34" charset="0"/>
+                <a:ea typeface="Tahoma" panose="020B0604030504040204" pitchFamily="34" charset="0"/>
+                <a:cs typeface="Tahoma" panose="020B0604030504040204" pitchFamily="34" charset="0"/>
+              </a:rPr>
+              <a:t> </a:t>
+            </a:r>
+            <a:r>
+              <a:rPr lang="en-US" sz="2400" dirty="0" err="1" smtClean="0">
+                <a:solidFill>
+                  <a:schemeClr val="tx1"/>
+                </a:solidFill>
+                <a:latin typeface="Tahoma" panose="020B0604030504040204" pitchFamily="34" charset="0"/>
+                <a:ea typeface="Tahoma" panose="020B0604030504040204" pitchFamily="34" charset="0"/>
+                <a:cs typeface="Tahoma" panose="020B0604030504040204" pitchFamily="34" charset="0"/>
+              </a:rPr>
+              <a:t>che</a:t>
+            </a:r>
+            <a:r>
+              <a:rPr lang="en-US" sz="2400" dirty="0" smtClean="0">
+                <a:solidFill>
+                  <a:schemeClr val="tx1"/>
+                </a:solidFill>
+                <a:latin typeface="Tahoma" panose="020B0604030504040204" pitchFamily="34" charset="0"/>
+                <a:ea typeface="Tahoma" panose="020B0604030504040204" pitchFamily="34" charset="0"/>
+                <a:cs typeface="Tahoma" panose="020B0604030504040204" pitchFamily="34" charset="0"/>
+              </a:rPr>
+              <a:t> </a:t>
+            </a:r>
+            <a:r>
+              <a:rPr lang="en-US" sz="2400" dirty="0" err="1" smtClean="0">
+                <a:solidFill>
+                  <a:schemeClr val="tx1"/>
+                </a:solidFill>
+                <a:latin typeface="Tahoma" panose="020B0604030504040204" pitchFamily="34" charset="0"/>
+                <a:ea typeface="Tahoma" panose="020B0604030504040204" pitchFamily="34" charset="0"/>
+                <a:cs typeface="Tahoma" panose="020B0604030504040204" pitchFamily="34" charset="0"/>
+              </a:rPr>
+              <a:t>mantengono</a:t>
+            </a:r>
+            <a:r>
+              <a:rPr lang="en-US" sz="2400" dirty="0" smtClean="0">
+                <a:solidFill>
+                  <a:schemeClr val="tx1"/>
+                </a:solidFill>
+                <a:latin typeface="Tahoma" panose="020B0604030504040204" pitchFamily="34" charset="0"/>
+                <a:ea typeface="Tahoma" panose="020B0604030504040204" pitchFamily="34" charset="0"/>
+                <a:cs typeface="Tahoma" panose="020B0604030504040204" pitchFamily="34" charset="0"/>
+              </a:rPr>
+              <a:t> al </a:t>
+            </a:r>
+            <a:r>
+              <a:rPr lang="en-US" sz="2400" dirty="0" err="1" smtClean="0">
+                <a:solidFill>
+                  <a:schemeClr val="tx1"/>
+                </a:solidFill>
+                <a:latin typeface="Tahoma" panose="020B0604030504040204" pitchFamily="34" charset="0"/>
+                <a:ea typeface="Tahoma" panose="020B0604030504040204" pitchFamily="34" charset="0"/>
+                <a:cs typeface="Tahoma" panose="020B0604030504040204" pitchFamily="34" charset="0"/>
+              </a:rPr>
+              <a:t>loro</a:t>
+            </a:r>
+            <a:r>
+              <a:rPr lang="en-US" sz="2400" dirty="0" smtClean="0">
+                <a:solidFill>
+                  <a:schemeClr val="tx1"/>
+                </a:solidFill>
+                <a:latin typeface="Tahoma" panose="020B0604030504040204" pitchFamily="34" charset="0"/>
+                <a:ea typeface="Tahoma" panose="020B0604030504040204" pitchFamily="34" charset="0"/>
+                <a:cs typeface="Tahoma" panose="020B0604030504040204" pitchFamily="34" charset="0"/>
+              </a:rPr>
+              <a:t> </a:t>
+            </a:r>
+            <a:r>
+              <a:rPr lang="en-US" sz="2400" dirty="0" err="1" smtClean="0">
+                <a:solidFill>
+                  <a:schemeClr val="tx1"/>
+                </a:solidFill>
+                <a:latin typeface="Tahoma" panose="020B0604030504040204" pitchFamily="34" charset="0"/>
+                <a:ea typeface="Tahoma" panose="020B0604030504040204" pitchFamily="34" charset="0"/>
+                <a:cs typeface="Tahoma" panose="020B0604030504040204" pitchFamily="34" charset="0"/>
+              </a:rPr>
+              <a:t>interno</a:t>
+            </a:r>
+            <a:r>
+              <a:rPr lang="en-US" sz="2400" dirty="0" smtClean="0">
+                <a:solidFill>
+                  <a:schemeClr val="tx1"/>
+                </a:solidFill>
+                <a:latin typeface="Tahoma" panose="020B0604030504040204" pitchFamily="34" charset="0"/>
+                <a:ea typeface="Tahoma" panose="020B0604030504040204" pitchFamily="34" charset="0"/>
+                <a:cs typeface="Tahoma" panose="020B0604030504040204" pitchFamily="34" charset="0"/>
+              </a:rPr>
+              <a:t> un </a:t>
+            </a:r>
+            <a:r>
+              <a:rPr lang="en-US" sz="2400" dirty="0" err="1" smtClean="0">
+                <a:solidFill>
+                  <a:schemeClr val="tx1"/>
+                </a:solidFill>
+                <a:latin typeface="Tahoma" panose="020B0604030504040204" pitchFamily="34" charset="0"/>
+                <a:ea typeface="Tahoma" panose="020B0604030504040204" pitchFamily="34" charset="0"/>
+                <a:cs typeface="Tahoma" panose="020B0604030504040204" pitchFamily="34" charset="0"/>
+              </a:rPr>
+              <a:t>registro</a:t>
+            </a:r>
+            <a:r>
+              <a:rPr lang="en-US" sz="2400" dirty="0" smtClean="0">
+                <a:solidFill>
+                  <a:schemeClr val="tx1"/>
+                </a:solidFill>
+                <a:latin typeface="Tahoma" panose="020B0604030504040204" pitchFamily="34" charset="0"/>
+                <a:ea typeface="Tahoma" panose="020B0604030504040204" pitchFamily="34" charset="0"/>
+                <a:cs typeface="Tahoma" panose="020B0604030504040204" pitchFamily="34" charset="0"/>
+              </a:rPr>
+              <a:t> </a:t>
+            </a:r>
+            <a:r>
+              <a:rPr lang="en-US" sz="2400" dirty="0" err="1" smtClean="0">
+                <a:solidFill>
+                  <a:schemeClr val="tx1"/>
+                </a:solidFill>
+                <a:latin typeface="Tahoma" panose="020B0604030504040204" pitchFamily="34" charset="0"/>
+                <a:ea typeface="Tahoma" panose="020B0604030504040204" pitchFamily="34" charset="0"/>
+                <a:cs typeface="Tahoma" panose="020B0604030504040204" pitchFamily="34" charset="0"/>
+              </a:rPr>
+              <a:t>delle</a:t>
+            </a:r>
+            <a:r>
+              <a:rPr lang="en-US" sz="2400" dirty="0" smtClean="0">
+                <a:solidFill>
+                  <a:schemeClr val="tx1"/>
+                </a:solidFill>
+                <a:latin typeface="Tahoma" panose="020B0604030504040204" pitchFamily="34" charset="0"/>
+                <a:ea typeface="Tahoma" panose="020B0604030504040204" pitchFamily="34" charset="0"/>
+                <a:cs typeface="Tahoma" panose="020B0604030504040204" pitchFamily="34" charset="0"/>
+              </a:rPr>
+              <a:t> </a:t>
+            </a:r>
+            <a:r>
+              <a:rPr lang="en-US" sz="2400" dirty="0" err="1" smtClean="0">
+                <a:solidFill>
+                  <a:schemeClr val="tx1"/>
+                </a:solidFill>
+                <a:latin typeface="Tahoma" panose="020B0604030504040204" pitchFamily="34" charset="0"/>
+                <a:ea typeface="Tahoma" panose="020B0604030504040204" pitchFamily="34" charset="0"/>
+                <a:cs typeface="Tahoma" panose="020B0604030504040204" pitchFamily="34" charset="0"/>
+              </a:rPr>
+              <a:t>transazioni</a:t>
+            </a:r>
+            <a:r>
+              <a:rPr lang="en-US" sz="2400" dirty="0" smtClean="0">
+                <a:solidFill>
+                  <a:schemeClr val="tx1"/>
+                </a:solidFill>
+                <a:latin typeface="Tahoma" panose="020B0604030504040204" pitchFamily="34" charset="0"/>
+                <a:ea typeface="Tahoma" panose="020B0604030504040204" pitchFamily="34" charset="0"/>
+                <a:cs typeface="Tahoma" panose="020B0604030504040204" pitchFamily="34" charset="0"/>
+              </a:rPr>
+              <a:t> </a:t>
+            </a:r>
+            <a:r>
+              <a:rPr lang="en-US" sz="2400" dirty="0" err="1" smtClean="0">
+                <a:solidFill>
+                  <a:schemeClr val="tx1"/>
+                </a:solidFill>
+                <a:latin typeface="Tahoma" panose="020B0604030504040204" pitchFamily="34" charset="0"/>
+                <a:ea typeface="Tahoma" panose="020B0604030504040204" pitchFamily="34" charset="0"/>
+                <a:cs typeface="Tahoma" panose="020B0604030504040204" pitchFamily="34" charset="0"/>
+              </a:rPr>
+              <a:t>della</a:t>
+            </a:r>
+            <a:r>
+              <a:rPr lang="en-US" sz="2400" dirty="0" smtClean="0">
+                <a:solidFill>
+                  <a:schemeClr val="tx1"/>
+                </a:solidFill>
+                <a:latin typeface="Tahoma" panose="020B0604030504040204" pitchFamily="34" charset="0"/>
+                <a:ea typeface="Tahoma" panose="020B0604030504040204" pitchFamily="34" charset="0"/>
+                <a:cs typeface="Tahoma" panose="020B0604030504040204" pitchFamily="34" charset="0"/>
+              </a:rPr>
+              <a:t> </a:t>
+            </a:r>
+            <a:r>
+              <a:rPr lang="en-US" sz="2400" dirty="0" err="1" smtClean="0">
+                <a:solidFill>
+                  <a:schemeClr val="tx1"/>
+                </a:solidFill>
+                <a:latin typeface="Tahoma" panose="020B0604030504040204" pitchFamily="34" charset="0"/>
+                <a:ea typeface="Tahoma" panose="020B0604030504040204" pitchFamily="34" charset="0"/>
+                <a:cs typeface="Tahoma" panose="020B0604030504040204" pitchFamily="34" charset="0"/>
+              </a:rPr>
+              <a:t>blockchain</a:t>
+            </a:r>
+            <a:r>
+              <a:rPr lang="en-US" sz="2400" dirty="0" smtClean="0">
+                <a:solidFill>
+                  <a:schemeClr val="tx1"/>
+                </a:solidFill>
+                <a:latin typeface="Tahoma" panose="020B0604030504040204" pitchFamily="34" charset="0"/>
+                <a:ea typeface="Tahoma" panose="020B0604030504040204" pitchFamily="34" charset="0"/>
+                <a:cs typeface="Tahoma" panose="020B0604030504040204" pitchFamily="34" charset="0"/>
+              </a:rPr>
+              <a:t>. </a:t>
+            </a:r>
+            <a:r>
+              <a:rPr lang="en-US" sz="2400" dirty="0" err="1" smtClean="0">
+                <a:solidFill>
+                  <a:schemeClr val="tx1"/>
+                </a:solidFill>
+                <a:latin typeface="Tahoma" panose="020B0604030504040204" pitchFamily="34" charset="0"/>
+                <a:ea typeface="Tahoma" panose="020B0604030504040204" pitchFamily="34" charset="0"/>
+                <a:cs typeface="Tahoma" panose="020B0604030504040204" pitchFamily="34" charset="0"/>
+              </a:rPr>
+              <a:t>Nel</a:t>
+            </a:r>
+            <a:r>
+              <a:rPr lang="en-US" sz="2400" dirty="0" smtClean="0">
+                <a:solidFill>
+                  <a:schemeClr val="tx1"/>
+                </a:solidFill>
+                <a:latin typeface="Tahoma" panose="020B0604030504040204" pitchFamily="34" charset="0"/>
+                <a:ea typeface="Tahoma" panose="020B0604030504040204" pitchFamily="34" charset="0"/>
+                <a:cs typeface="Tahoma" panose="020B0604030504040204" pitchFamily="34" charset="0"/>
+              </a:rPr>
+              <a:t> </a:t>
+            </a:r>
+            <a:r>
+              <a:rPr lang="en-US" sz="2400" dirty="0" err="1" smtClean="0">
+                <a:solidFill>
+                  <a:schemeClr val="tx1"/>
+                </a:solidFill>
+                <a:latin typeface="Tahoma" panose="020B0604030504040204" pitchFamily="34" charset="0"/>
+                <a:ea typeface="Tahoma" panose="020B0604030504040204" pitchFamily="34" charset="0"/>
+                <a:cs typeface="Tahoma" panose="020B0604030504040204" pitchFamily="34" charset="0"/>
+              </a:rPr>
+              <a:t>caso</a:t>
+            </a:r>
+            <a:r>
+              <a:rPr lang="en-US" sz="2400" dirty="0" smtClean="0">
+                <a:solidFill>
+                  <a:schemeClr val="tx1"/>
+                </a:solidFill>
+                <a:latin typeface="Tahoma" panose="020B0604030504040204" pitchFamily="34" charset="0"/>
+                <a:ea typeface="Tahoma" panose="020B0604030504040204" pitchFamily="34" charset="0"/>
+                <a:cs typeface="Tahoma" panose="020B0604030504040204" pitchFamily="34" charset="0"/>
+              </a:rPr>
+              <a:t> del </a:t>
+            </a:r>
+            <a:r>
+              <a:rPr lang="en-US" sz="2400" b="1" dirty="0" smtClean="0">
+                <a:solidFill>
+                  <a:schemeClr val="tx1"/>
+                </a:solidFill>
+                <a:latin typeface="Tahoma" panose="020B0604030504040204" pitchFamily="34" charset="0"/>
+                <a:ea typeface="Tahoma" panose="020B0604030504040204" pitchFamily="34" charset="0"/>
+                <a:cs typeface="Tahoma" panose="020B0604030504040204" pitchFamily="34" charset="0"/>
+              </a:rPr>
+              <a:t>Bitcoin</a:t>
+            </a:r>
+            <a:r>
+              <a:rPr lang="en-US" sz="2400" dirty="0" smtClean="0">
+                <a:solidFill>
+                  <a:schemeClr val="tx1"/>
+                </a:solidFill>
+                <a:latin typeface="Tahoma" panose="020B0604030504040204" pitchFamily="34" charset="0"/>
+                <a:ea typeface="Tahoma" panose="020B0604030504040204" pitchFamily="34" charset="0"/>
+                <a:cs typeface="Tahoma" panose="020B0604030504040204" pitchFamily="34" charset="0"/>
+              </a:rPr>
+              <a:t>, le </a:t>
+            </a:r>
+            <a:r>
+              <a:rPr lang="en-US" sz="2400" b="1" dirty="0" err="1" smtClean="0">
+                <a:solidFill>
+                  <a:schemeClr val="tx1"/>
+                </a:solidFill>
+                <a:latin typeface="Tahoma" panose="020B0604030504040204" pitchFamily="34" charset="0"/>
+                <a:ea typeface="Tahoma" panose="020B0604030504040204" pitchFamily="34" charset="0"/>
+                <a:cs typeface="Tahoma" panose="020B0604030504040204" pitchFamily="34" charset="0"/>
+              </a:rPr>
+              <a:t>transazioni</a:t>
+            </a:r>
+            <a:r>
+              <a:rPr lang="en-US" sz="2400" b="1" dirty="0" smtClean="0">
+                <a:solidFill>
+                  <a:schemeClr val="tx1"/>
+                </a:solidFill>
+                <a:latin typeface="Tahoma" panose="020B0604030504040204" pitchFamily="34" charset="0"/>
+                <a:ea typeface="Tahoma" panose="020B0604030504040204" pitchFamily="34" charset="0"/>
+                <a:cs typeface="Tahoma" panose="020B0604030504040204" pitchFamily="34" charset="0"/>
+              </a:rPr>
+              <a:t> </a:t>
+            </a:r>
+            <a:r>
+              <a:rPr lang="en-US" sz="2400" dirty="0" err="1" smtClean="0">
+                <a:solidFill>
+                  <a:schemeClr val="tx1"/>
+                </a:solidFill>
+                <a:latin typeface="Tahoma" panose="020B0604030504040204" pitchFamily="34" charset="0"/>
+                <a:ea typeface="Tahoma" panose="020B0604030504040204" pitchFamily="34" charset="0"/>
+                <a:cs typeface="Tahoma" panose="020B0604030504040204" pitchFamily="34" charset="0"/>
+              </a:rPr>
+              <a:t>sono</a:t>
+            </a:r>
+            <a:r>
+              <a:rPr lang="en-US" sz="2400" dirty="0" smtClean="0">
+                <a:solidFill>
+                  <a:schemeClr val="tx1"/>
+                </a:solidFill>
+                <a:latin typeface="Tahoma" panose="020B0604030504040204" pitchFamily="34" charset="0"/>
+                <a:ea typeface="Tahoma" panose="020B0604030504040204" pitchFamily="34" charset="0"/>
+                <a:cs typeface="Tahoma" panose="020B0604030504040204" pitchFamily="34" charset="0"/>
+              </a:rPr>
+              <a:t> </a:t>
+            </a:r>
+            <a:r>
+              <a:rPr lang="en-US" sz="2400" dirty="0" err="1" smtClean="0">
+                <a:solidFill>
+                  <a:schemeClr val="tx1"/>
+                </a:solidFill>
+                <a:latin typeface="Tahoma" panose="020B0604030504040204" pitchFamily="34" charset="0"/>
+                <a:ea typeface="Tahoma" panose="020B0604030504040204" pitchFamily="34" charset="0"/>
+                <a:cs typeface="Tahoma" panose="020B0604030504040204" pitchFamily="34" charset="0"/>
+              </a:rPr>
+              <a:t>principalmente</a:t>
+            </a:r>
+            <a:r>
+              <a:rPr lang="en-US" sz="2400" dirty="0" smtClean="0">
+                <a:solidFill>
+                  <a:schemeClr val="tx1"/>
+                </a:solidFill>
+                <a:latin typeface="Tahoma" panose="020B0604030504040204" pitchFamily="34" charset="0"/>
+                <a:ea typeface="Tahoma" panose="020B0604030504040204" pitchFamily="34" charset="0"/>
+                <a:cs typeface="Tahoma" panose="020B0604030504040204" pitchFamily="34" charset="0"/>
+              </a:rPr>
+              <a:t> </a:t>
+            </a:r>
+            <a:r>
+              <a:rPr lang="en-US" sz="2400" dirty="0" err="1" smtClean="0">
+                <a:solidFill>
+                  <a:schemeClr val="tx1"/>
+                </a:solidFill>
+                <a:latin typeface="Tahoma" panose="020B0604030504040204" pitchFamily="34" charset="0"/>
+                <a:ea typeface="Tahoma" panose="020B0604030504040204" pitchFamily="34" charset="0"/>
+                <a:cs typeface="Tahoma" panose="020B0604030504040204" pitchFamily="34" charset="0"/>
+              </a:rPr>
+              <a:t>trasferimenti</a:t>
+            </a:r>
+            <a:r>
+              <a:rPr lang="en-US" sz="2400" dirty="0" smtClean="0">
+                <a:solidFill>
+                  <a:schemeClr val="tx1"/>
+                </a:solidFill>
+                <a:latin typeface="Tahoma" panose="020B0604030504040204" pitchFamily="34" charset="0"/>
+                <a:ea typeface="Tahoma" panose="020B0604030504040204" pitchFamily="34" charset="0"/>
+                <a:cs typeface="Tahoma" panose="020B0604030504040204" pitchFamily="34" charset="0"/>
+              </a:rPr>
+              <a:t> di bitcoin. Su </a:t>
+            </a:r>
+            <a:r>
+              <a:rPr lang="en-US" sz="2400" dirty="0" err="1" smtClean="0">
+                <a:solidFill>
+                  <a:schemeClr val="tx1"/>
+                </a:solidFill>
+                <a:latin typeface="Tahoma" panose="020B0604030504040204" pitchFamily="34" charset="0"/>
+                <a:ea typeface="Tahoma" panose="020B0604030504040204" pitchFamily="34" charset="0"/>
+                <a:cs typeface="Tahoma" panose="020B0604030504040204" pitchFamily="34" charset="0"/>
+              </a:rPr>
+              <a:t>alcune</a:t>
+            </a:r>
+            <a:r>
+              <a:rPr lang="en-US" sz="2400" dirty="0" smtClean="0">
+                <a:solidFill>
+                  <a:schemeClr val="tx1"/>
+                </a:solidFill>
+                <a:latin typeface="Tahoma" panose="020B0604030504040204" pitchFamily="34" charset="0"/>
+                <a:ea typeface="Tahoma" panose="020B0604030504040204" pitchFamily="34" charset="0"/>
+                <a:cs typeface="Tahoma" panose="020B0604030504040204" pitchFamily="34" charset="0"/>
+              </a:rPr>
+              <a:t> </a:t>
+            </a:r>
+            <a:r>
+              <a:rPr lang="en-US" sz="2400" dirty="0" err="1" smtClean="0">
+                <a:solidFill>
+                  <a:schemeClr val="tx1"/>
+                </a:solidFill>
+                <a:latin typeface="Tahoma" panose="020B0604030504040204" pitchFamily="34" charset="0"/>
+                <a:ea typeface="Tahoma" panose="020B0604030504040204" pitchFamily="34" charset="0"/>
+                <a:cs typeface="Tahoma" panose="020B0604030504040204" pitchFamily="34" charset="0"/>
+              </a:rPr>
+              <a:t>blockchaim</a:t>
+            </a:r>
+            <a:r>
+              <a:rPr lang="en-US" sz="2400" dirty="0" smtClean="0">
+                <a:solidFill>
+                  <a:schemeClr val="tx1"/>
+                </a:solidFill>
+                <a:latin typeface="Tahoma" panose="020B0604030504040204" pitchFamily="34" charset="0"/>
+                <a:ea typeface="Tahoma" panose="020B0604030504040204" pitchFamily="34" charset="0"/>
+                <a:cs typeface="Tahoma" panose="020B0604030504040204" pitchFamily="34" charset="0"/>
+              </a:rPr>
+              <a:t>, </a:t>
+            </a:r>
+            <a:r>
+              <a:rPr lang="en-US" sz="2400" dirty="0" err="1" smtClean="0">
+                <a:solidFill>
+                  <a:schemeClr val="tx1"/>
+                </a:solidFill>
+                <a:latin typeface="Tahoma" panose="020B0604030504040204" pitchFamily="34" charset="0"/>
+                <a:ea typeface="Tahoma" panose="020B0604030504040204" pitchFamily="34" charset="0"/>
+                <a:cs typeface="Tahoma" panose="020B0604030504040204" pitchFamily="34" charset="0"/>
+              </a:rPr>
+              <a:t>esse</a:t>
+            </a:r>
+            <a:r>
+              <a:rPr lang="en-US" sz="2400" dirty="0" smtClean="0">
+                <a:solidFill>
+                  <a:schemeClr val="tx1"/>
+                </a:solidFill>
+                <a:latin typeface="Tahoma" panose="020B0604030504040204" pitchFamily="34" charset="0"/>
+                <a:ea typeface="Tahoma" panose="020B0604030504040204" pitchFamily="34" charset="0"/>
+                <a:cs typeface="Tahoma" panose="020B0604030504040204" pitchFamily="34" charset="0"/>
+              </a:rPr>
+              <a:t> </a:t>
+            </a:r>
+            <a:r>
+              <a:rPr lang="en-US" sz="2400" dirty="0" err="1" smtClean="0">
+                <a:solidFill>
+                  <a:schemeClr val="tx1"/>
+                </a:solidFill>
+                <a:latin typeface="Tahoma" panose="020B0604030504040204" pitchFamily="34" charset="0"/>
+                <a:ea typeface="Tahoma" panose="020B0604030504040204" pitchFamily="34" charset="0"/>
+                <a:cs typeface="Tahoma" panose="020B0604030504040204" pitchFamily="34" charset="0"/>
+              </a:rPr>
+              <a:t>possono</a:t>
+            </a:r>
+            <a:r>
+              <a:rPr lang="en-US" sz="2400" dirty="0" smtClean="0">
+                <a:solidFill>
+                  <a:schemeClr val="tx1"/>
+                </a:solidFill>
+                <a:latin typeface="Tahoma" panose="020B0604030504040204" pitchFamily="34" charset="0"/>
+                <a:ea typeface="Tahoma" panose="020B0604030504040204" pitchFamily="34" charset="0"/>
+                <a:cs typeface="Tahoma" panose="020B0604030504040204" pitchFamily="34" charset="0"/>
+              </a:rPr>
+              <a:t> </a:t>
+            </a:r>
+            <a:r>
+              <a:rPr lang="en-US" sz="2400" dirty="0" err="1" smtClean="0">
+                <a:solidFill>
+                  <a:schemeClr val="tx1"/>
+                </a:solidFill>
+                <a:latin typeface="Tahoma" panose="020B0604030504040204" pitchFamily="34" charset="0"/>
+                <a:ea typeface="Tahoma" panose="020B0604030504040204" pitchFamily="34" charset="0"/>
+                <a:cs typeface="Tahoma" panose="020B0604030504040204" pitchFamily="34" charset="0"/>
+              </a:rPr>
+              <a:t>anche</a:t>
+            </a:r>
+            <a:r>
+              <a:rPr lang="en-US" sz="2400" dirty="0" smtClean="0">
+                <a:solidFill>
+                  <a:schemeClr val="tx1"/>
+                </a:solidFill>
+                <a:latin typeface="Tahoma" panose="020B0604030504040204" pitchFamily="34" charset="0"/>
+                <a:ea typeface="Tahoma" panose="020B0604030504040204" pitchFamily="34" charset="0"/>
+                <a:cs typeface="Tahoma" panose="020B0604030504040204" pitchFamily="34" charset="0"/>
+              </a:rPr>
+              <a:t> </a:t>
+            </a:r>
+            <a:r>
+              <a:rPr lang="en-US" sz="2400" dirty="0" err="1" smtClean="0">
+                <a:solidFill>
+                  <a:schemeClr val="tx1"/>
+                </a:solidFill>
+                <a:latin typeface="Tahoma" panose="020B0604030504040204" pitchFamily="34" charset="0"/>
+                <a:ea typeface="Tahoma" panose="020B0604030504040204" pitchFamily="34" charset="0"/>
+                <a:cs typeface="Tahoma" panose="020B0604030504040204" pitchFamily="34" charset="0"/>
+              </a:rPr>
+              <a:t>contenere</a:t>
+            </a:r>
+            <a:r>
+              <a:rPr lang="en-US" sz="2400" dirty="0" smtClean="0">
+                <a:solidFill>
+                  <a:schemeClr val="tx1"/>
+                </a:solidFill>
+                <a:latin typeface="Tahoma" panose="020B0604030504040204" pitchFamily="34" charset="0"/>
+                <a:ea typeface="Tahoma" panose="020B0604030504040204" pitchFamily="34" charset="0"/>
+                <a:cs typeface="Tahoma" panose="020B0604030504040204" pitchFamily="34" charset="0"/>
+              </a:rPr>
+              <a:t> </a:t>
+            </a:r>
+            <a:r>
+              <a:rPr lang="en-US" sz="2400" dirty="0" err="1" smtClean="0">
+                <a:solidFill>
+                  <a:schemeClr val="tx1"/>
+                </a:solidFill>
+                <a:latin typeface="Tahoma" panose="020B0604030504040204" pitchFamily="34" charset="0"/>
+                <a:ea typeface="Tahoma" panose="020B0604030504040204" pitchFamily="34" charset="0"/>
+                <a:cs typeface="Tahoma" panose="020B0604030504040204" pitchFamily="34" charset="0"/>
+              </a:rPr>
+              <a:t>una</a:t>
+            </a:r>
+            <a:r>
+              <a:rPr lang="en-US" sz="2400" dirty="0" smtClean="0">
+                <a:solidFill>
+                  <a:schemeClr val="tx1"/>
+                </a:solidFill>
+                <a:latin typeface="Tahoma" panose="020B0604030504040204" pitchFamily="34" charset="0"/>
+                <a:ea typeface="Tahoma" panose="020B0604030504040204" pitchFamily="34" charset="0"/>
+                <a:cs typeface="Tahoma" panose="020B0604030504040204" pitchFamily="34" charset="0"/>
+              </a:rPr>
+              <a:t> </a:t>
+            </a:r>
+            <a:r>
+              <a:rPr lang="en-US" sz="2400" dirty="0" err="1" smtClean="0">
+                <a:solidFill>
+                  <a:schemeClr val="tx1"/>
+                </a:solidFill>
+                <a:latin typeface="Tahoma" panose="020B0604030504040204" pitchFamily="34" charset="0"/>
+                <a:ea typeface="Tahoma" panose="020B0604030504040204" pitchFamily="34" charset="0"/>
+                <a:cs typeface="Tahoma" panose="020B0604030504040204" pitchFamily="34" charset="0"/>
+              </a:rPr>
+              <a:t>certa</a:t>
+            </a:r>
+            <a:r>
+              <a:rPr lang="en-US" sz="2400" dirty="0" smtClean="0">
+                <a:solidFill>
+                  <a:schemeClr val="tx1"/>
+                </a:solidFill>
+                <a:latin typeface="Tahoma" panose="020B0604030504040204" pitchFamily="34" charset="0"/>
+                <a:ea typeface="Tahoma" panose="020B0604030504040204" pitchFamily="34" charset="0"/>
+                <a:cs typeface="Tahoma" panose="020B0604030504040204" pitchFamily="34" charset="0"/>
+              </a:rPr>
+              <a:t> </a:t>
+            </a:r>
+            <a:r>
+              <a:rPr lang="en-US" sz="2400" dirty="0" err="1" smtClean="0">
+                <a:solidFill>
+                  <a:schemeClr val="tx1"/>
+                </a:solidFill>
+                <a:latin typeface="Tahoma" panose="020B0604030504040204" pitchFamily="34" charset="0"/>
+                <a:ea typeface="Tahoma" panose="020B0604030504040204" pitchFamily="34" charset="0"/>
+                <a:cs typeface="Tahoma" panose="020B0604030504040204" pitchFamily="34" charset="0"/>
+              </a:rPr>
+              <a:t>varietà</a:t>
+            </a:r>
+            <a:r>
+              <a:rPr lang="en-US" sz="2400" dirty="0" smtClean="0">
+                <a:solidFill>
+                  <a:schemeClr val="tx1"/>
+                </a:solidFill>
+                <a:latin typeface="Tahoma" panose="020B0604030504040204" pitchFamily="34" charset="0"/>
+                <a:ea typeface="Tahoma" panose="020B0604030504040204" pitchFamily="34" charset="0"/>
+                <a:cs typeface="Tahoma" panose="020B0604030504040204" pitchFamily="34" charset="0"/>
+              </a:rPr>
+              <a:t> di alter </a:t>
+            </a:r>
+            <a:r>
+              <a:rPr lang="en-US" sz="2400" dirty="0" err="1" smtClean="0">
+                <a:solidFill>
+                  <a:schemeClr val="tx1"/>
+                </a:solidFill>
+                <a:latin typeface="Tahoma" panose="020B0604030504040204" pitchFamily="34" charset="0"/>
+                <a:ea typeface="Tahoma" panose="020B0604030504040204" pitchFamily="34" charset="0"/>
+                <a:cs typeface="Tahoma" panose="020B0604030504040204" pitchFamily="34" charset="0"/>
+              </a:rPr>
+              <a:t>informazioni</a:t>
+            </a:r>
+            <a:r>
+              <a:rPr lang="en-US" sz="2400" dirty="0" smtClean="0">
+                <a:solidFill>
+                  <a:schemeClr val="tx1"/>
+                </a:solidFill>
+                <a:latin typeface="Tahoma" panose="020B0604030504040204" pitchFamily="34" charset="0"/>
+                <a:ea typeface="Tahoma" panose="020B0604030504040204" pitchFamily="34" charset="0"/>
+                <a:cs typeface="Tahoma" panose="020B0604030504040204" pitchFamily="34" charset="0"/>
+              </a:rPr>
+              <a:t>, </a:t>
+            </a:r>
+            <a:r>
+              <a:rPr lang="en-US" sz="2400" dirty="0" err="1" smtClean="0">
+                <a:solidFill>
+                  <a:schemeClr val="tx1"/>
+                </a:solidFill>
+                <a:latin typeface="Tahoma" panose="020B0604030504040204" pitchFamily="34" charset="0"/>
+                <a:ea typeface="Tahoma" panose="020B0604030504040204" pitchFamily="34" charset="0"/>
+                <a:cs typeface="Tahoma" panose="020B0604030504040204" pitchFamily="34" charset="0"/>
+              </a:rPr>
+              <a:t>persino</a:t>
+            </a:r>
+            <a:r>
+              <a:rPr lang="en-US" sz="2400" dirty="0" smtClean="0">
+                <a:solidFill>
+                  <a:schemeClr val="tx1"/>
+                </a:solidFill>
+                <a:latin typeface="Tahoma" panose="020B0604030504040204" pitchFamily="34" charset="0"/>
+                <a:ea typeface="Tahoma" panose="020B0604030504040204" pitchFamily="34" charset="0"/>
+                <a:cs typeface="Tahoma" panose="020B0604030504040204" pitchFamily="34" charset="0"/>
+              </a:rPr>
+              <a:t> </a:t>
+            </a:r>
+            <a:r>
+              <a:rPr lang="en-US" sz="2400" dirty="0" err="1" smtClean="0">
+                <a:solidFill>
+                  <a:schemeClr val="tx1"/>
+                </a:solidFill>
+                <a:latin typeface="Tahoma" panose="020B0604030504040204" pitchFamily="34" charset="0"/>
+                <a:ea typeface="Tahoma" panose="020B0604030504040204" pitchFamily="34" charset="0"/>
+                <a:cs typeface="Tahoma" panose="020B0604030504040204" pitchFamily="34" charset="0"/>
+              </a:rPr>
+              <a:t>codice</a:t>
+            </a:r>
+            <a:r>
+              <a:rPr lang="en-US" sz="2400" dirty="0" smtClean="0">
+                <a:solidFill>
+                  <a:schemeClr val="tx1"/>
+                </a:solidFill>
+                <a:latin typeface="Tahoma" panose="020B0604030504040204" pitchFamily="34" charset="0"/>
+                <a:ea typeface="Tahoma" panose="020B0604030504040204" pitchFamily="34" charset="0"/>
+                <a:cs typeface="Tahoma" panose="020B0604030504040204" pitchFamily="34" charset="0"/>
+              </a:rPr>
+              <a:t> di </a:t>
+            </a:r>
+            <a:r>
+              <a:rPr lang="en-US" sz="2400" b="1" dirty="0" err="1" smtClean="0">
+                <a:solidFill>
+                  <a:schemeClr val="tx1"/>
+                </a:solidFill>
+                <a:latin typeface="Tahoma" panose="020B0604030504040204" pitchFamily="34" charset="0"/>
+                <a:ea typeface="Tahoma" panose="020B0604030504040204" pitchFamily="34" charset="0"/>
+                <a:cs typeface="Tahoma" panose="020B0604030504040204" pitchFamily="34" charset="0"/>
+              </a:rPr>
+              <a:t>programmi</a:t>
+            </a:r>
+            <a:r>
+              <a:rPr lang="en-US" sz="2400" dirty="0" smtClean="0">
+                <a:solidFill>
+                  <a:schemeClr val="tx1"/>
+                </a:solidFill>
+                <a:latin typeface="Tahoma" panose="020B0604030504040204" pitchFamily="34" charset="0"/>
+                <a:ea typeface="Tahoma" panose="020B0604030504040204" pitchFamily="34" charset="0"/>
+                <a:cs typeface="Tahoma" panose="020B0604030504040204" pitchFamily="34" charset="0"/>
+              </a:rPr>
+              <a:t> al </a:t>
+            </a:r>
+            <a:r>
+              <a:rPr lang="en-US" sz="2400" b="1" dirty="0" smtClean="0">
+                <a:solidFill>
+                  <a:schemeClr val="tx1"/>
+                </a:solidFill>
+                <a:latin typeface="Tahoma" panose="020B0604030504040204" pitchFamily="34" charset="0"/>
+                <a:ea typeface="Tahoma" panose="020B0604030504040204" pitchFamily="34" charset="0"/>
+                <a:cs typeface="Tahoma" panose="020B0604030504040204" pitchFamily="34" charset="0"/>
+              </a:rPr>
+              <a:t>computer</a:t>
+            </a:r>
+            <a:r>
+              <a:rPr lang="en-US" sz="2400" dirty="0" smtClean="0">
+                <a:solidFill>
+                  <a:schemeClr val="tx1"/>
+                </a:solidFill>
+                <a:latin typeface="Tahoma" panose="020B0604030504040204" pitchFamily="34" charset="0"/>
+                <a:ea typeface="Tahoma" panose="020B0604030504040204" pitchFamily="34" charset="0"/>
+                <a:cs typeface="Tahoma" panose="020B0604030504040204" pitchFamily="34" charset="0"/>
+              </a:rPr>
+              <a:t>. </a:t>
+            </a:r>
+            <a:endParaRPr lang="it-IT" sz="2400" dirty="0">
+              <a:solidFill>
+                <a:schemeClr val="tx1"/>
+              </a:solidFill>
+              <a:latin typeface="Tahoma" panose="020B0604030504040204" pitchFamily="34" charset="0"/>
+              <a:ea typeface="Tahoma" panose="020B0604030504040204" pitchFamily="34" charset="0"/>
+              <a:cs typeface="Tahoma" panose="020B0604030504040204" pitchFamily="34" charset="0"/>
+            </a:endParaRPr>
+          </a:p>
+        </p:txBody>
+      </p:sp>
+      <p:sp>
+        <p:nvSpPr>
+          <p:cNvPr id="7" name="Segnaposto numero diapositiva 6">
+            <a:extLst>
+              <a:ext uri="{FF2B5EF4-FFF2-40B4-BE49-F238E27FC236}">
+                <a16:creationId xmlns:a16="http://schemas.microsoft.com/office/drawing/2014/main" id="{AB740BE9-E218-4144-BFDE-AE473D230A3D}"/>
+              </a:ext>
+            </a:extLst>
+          </p:cNvPr>
+          <p:cNvSpPr>
+            <a:spLocks noGrp="1"/>
+          </p:cNvSpPr>
+          <p:nvPr>
+            <p:ph type="sldNum" sz="quarter" idx="12"/>
+          </p:nvPr>
+        </p:nvSpPr>
+        <p:spPr/>
+        <p:txBody>
+          <a:bodyPr/>
+          <a:lstStyle/>
+          <a:p>
+            <a:pPr>
+              <a:defRPr/>
+            </a:pPr>
+            <a:fld id="{48B4153A-D4C5-4CEF-8992-0D8815C829E3}" type="slidenum">
+              <a:rPr lang="en-US" smtClean="0"/>
+              <a:pPr>
+                <a:defRPr/>
+              </a:pPr>
+              <a:t>16</a:t>
+            </a:fld>
+            <a:endParaRPr lang="en-US" dirty="0"/>
+          </a:p>
+        </p:txBody>
+      </p:sp>
+      <p:sp>
+        <p:nvSpPr>
+          <p:cNvPr id="6" name="Titolo 4">
+            <a:extLst>
+              <a:ext uri="{FF2B5EF4-FFF2-40B4-BE49-F238E27FC236}">
+                <a16:creationId xmlns:a16="http://schemas.microsoft.com/office/drawing/2014/main" id="{CF9A4806-60B4-80DC-1F76-D2EB3E6C376B}"/>
+              </a:ext>
+            </a:extLst>
+          </p:cNvPr>
+          <p:cNvSpPr>
+            <a:spLocks noGrp="1"/>
+          </p:cNvSpPr>
+          <p:nvPr>
+            <p:ph type="title"/>
+          </p:nvPr>
+        </p:nvSpPr>
+        <p:spPr>
+          <a:xfrm>
+            <a:off x="468313" y="286788"/>
+            <a:ext cx="11269662" cy="769441"/>
+          </a:xfrm>
+        </p:spPr>
+        <p:txBody>
+          <a:bodyPr/>
+          <a:lstStyle/>
+          <a:p>
+            <a:r>
+              <a:rPr lang="it-IT">
+                <a:solidFill>
+                  <a:schemeClr val="tx1"/>
+                </a:solidFill>
+              </a:rPr>
+              <a:t>Architetture di Blockchain</a:t>
+            </a:r>
+            <a:br>
+              <a:rPr lang="it-IT">
+                <a:solidFill>
+                  <a:schemeClr val="tx1"/>
+                </a:solidFill>
+              </a:rPr>
+            </a:br>
+            <a:endParaRPr lang="it-IT" dirty="0">
+              <a:solidFill>
+                <a:schemeClr val="tx1"/>
+              </a:solidFill>
+            </a:endParaRPr>
           </a:p>
         </p:txBody>
       </p:sp>
     </p:spTree>
     <p:extLst>
       <p:ext uri="{BB962C8B-B14F-4D97-AF65-F5344CB8AC3E}">
-        <p14:creationId xmlns:p14="http://schemas.microsoft.com/office/powerpoint/2010/main" val="3490964097"/>
+        <p14:creationId xmlns:p14="http://schemas.microsoft.com/office/powerpoint/2010/main" val="1830713559"/>
+      </p:ext>
+    </p:extLst>
+  </p:cSld>
+  <p:clrMapOvr>
+    <a:masterClrMapping/>
+  </p:clrMapOvr>
+</p:sld>
+</file>
+
+<file path=ppt/slides/slide17.xml><?xml version="1.0" encoding="utf-8"?>
+<p:sld xmlns:a="http://schemas.openxmlformats.org/drawingml/2006/main" xmlns:r="http://schemas.openxmlformats.org/officeDocument/2006/relationships" xmlns:p="http://schemas.openxmlformats.org/presentationml/2006/main">
+  <p:cSld>
+    <p:spTree>
+      <p:nvGrpSpPr>
+        <p:cNvPr id="1" name=""/>
+        <p:cNvGrpSpPr/>
+        <p:nvPr/>
+      </p:nvGrpSpPr>
+      <p:grpSpPr>
+        <a:xfrm>
+          <a:off x="0" y="0"/>
+          <a:ext cx="0" cy="0"/>
+          <a:chOff x="0" y="0"/>
+          <a:chExt cx="0" cy="0"/>
+        </a:xfrm>
+      </p:grpSpPr>
+      <p:sp>
+        <p:nvSpPr>
+          <p:cNvPr id="2" name="Segnaposto testo 1">
+            <a:extLst>
+              <a:ext uri="{FF2B5EF4-FFF2-40B4-BE49-F238E27FC236}">
+                <a16:creationId xmlns:a16="http://schemas.microsoft.com/office/drawing/2014/main" id="{E5AE986C-196F-4141-A898-FA4C4198CDCC}"/>
+              </a:ext>
+            </a:extLst>
+          </p:cNvPr>
+          <p:cNvSpPr>
+            <a:spLocks noGrp="1"/>
+          </p:cNvSpPr>
+          <p:nvPr>
+            <p:ph type="body" idx="1"/>
+          </p:nvPr>
+        </p:nvSpPr>
+        <p:spPr>
+          <a:xfrm>
+            <a:off x="206476" y="1333064"/>
+            <a:ext cx="11916697" cy="4392612"/>
+          </a:xfrm>
+        </p:spPr>
+        <p:txBody>
+          <a:bodyPr/>
+          <a:lstStyle/>
+          <a:p>
+            <a:pPr marL="342900" indent="-342900" algn="just">
+              <a:lnSpc>
+                <a:spcPct val="115000"/>
+              </a:lnSpc>
+              <a:spcBef>
+                <a:spcPts val="2400"/>
+              </a:spcBef>
+              <a:buFont typeface="Wingdings" panose="05000000000000000000" pitchFamily="2" charset="2"/>
+              <a:buChar char="ü"/>
+              <a:tabLst>
+                <a:tab pos="457200" algn="l"/>
+              </a:tabLst>
+            </a:pPr>
+            <a:r>
+              <a:rPr lang="it-IT" sz="2400" dirty="0" smtClean="0">
+                <a:solidFill>
+                  <a:schemeClr val="tx1"/>
+                </a:solidFill>
+                <a:latin typeface="Tahoma" panose="020B0604030504040204" pitchFamily="34" charset="0"/>
+                <a:ea typeface="Tahoma" panose="020B0604030504040204" pitchFamily="34" charset="0"/>
+                <a:cs typeface="Tahoma" panose="020B0604030504040204" pitchFamily="34" charset="0"/>
+              </a:rPr>
+              <a:t>In </a:t>
+            </a:r>
+            <a:r>
+              <a:rPr lang="it-IT" sz="2400" dirty="0">
+                <a:solidFill>
+                  <a:schemeClr val="tx1"/>
+                </a:solidFill>
+                <a:latin typeface="Tahoma" panose="020B0604030504040204" pitchFamily="34" charset="0"/>
+                <a:ea typeface="Tahoma" panose="020B0604030504040204" pitchFamily="34" charset="0"/>
+                <a:cs typeface="Tahoma" panose="020B0604030504040204" pitchFamily="34" charset="0"/>
+              </a:rPr>
+              <a:t>linea teorica, un </a:t>
+            </a:r>
+            <a:r>
+              <a:rPr lang="it-IT" sz="2400" b="1" dirty="0">
+                <a:solidFill>
+                  <a:schemeClr val="tx1"/>
+                </a:solidFill>
+                <a:latin typeface="Tahoma" panose="020B0604030504040204" pitchFamily="34" charset="0"/>
+                <a:ea typeface="Tahoma" panose="020B0604030504040204" pitchFamily="34" charset="0"/>
+                <a:cs typeface="Tahoma" panose="020B0604030504040204" pitchFamily="34" charset="0"/>
+              </a:rPr>
+              <a:t>meccanismo</a:t>
+            </a:r>
+            <a:r>
+              <a:rPr lang="it-IT" sz="2400" dirty="0">
+                <a:solidFill>
+                  <a:schemeClr val="tx1"/>
+                </a:solidFill>
+                <a:latin typeface="Tahoma" panose="020B0604030504040204" pitchFamily="34" charset="0"/>
+                <a:ea typeface="Tahoma" panose="020B0604030504040204" pitchFamily="34" charset="0"/>
+                <a:cs typeface="Tahoma" panose="020B0604030504040204" pitchFamily="34" charset="0"/>
+              </a:rPr>
+              <a:t> di </a:t>
+            </a:r>
+            <a:r>
+              <a:rPr lang="it-IT" sz="2400" b="1" dirty="0">
+                <a:solidFill>
+                  <a:schemeClr val="tx1"/>
+                </a:solidFill>
+                <a:latin typeface="Tahoma" panose="020B0604030504040204" pitchFamily="34" charset="0"/>
+                <a:ea typeface="Tahoma" panose="020B0604030504040204" pitchFamily="34" charset="0"/>
+                <a:cs typeface="Tahoma" panose="020B0604030504040204" pitchFamily="34" charset="0"/>
+              </a:rPr>
+              <a:t>fiducia</a:t>
+            </a:r>
+            <a:r>
+              <a:rPr lang="it-IT" sz="2400" dirty="0">
+                <a:solidFill>
+                  <a:schemeClr val="tx1"/>
+                </a:solidFill>
+                <a:latin typeface="Tahoma" panose="020B0604030504040204" pitchFamily="34" charset="0"/>
+                <a:ea typeface="Tahoma" panose="020B0604030504040204" pitchFamily="34" charset="0"/>
+                <a:cs typeface="Tahoma" panose="020B0604030504040204" pitchFamily="34" charset="0"/>
+              </a:rPr>
+              <a:t> </a:t>
+            </a:r>
+            <a:r>
+              <a:rPr lang="it-IT" sz="2400" b="1" dirty="0">
+                <a:solidFill>
+                  <a:schemeClr val="tx1"/>
+                </a:solidFill>
+                <a:latin typeface="Tahoma" panose="020B0604030504040204" pitchFamily="34" charset="0"/>
+                <a:ea typeface="Tahoma" panose="020B0604030504040204" pitchFamily="34" charset="0"/>
+                <a:cs typeface="Tahoma" panose="020B0604030504040204" pitchFamily="34" charset="0"/>
+              </a:rPr>
+              <a:t>distribuita</a:t>
+            </a:r>
+            <a:r>
+              <a:rPr lang="it-IT" sz="2400" dirty="0">
+                <a:solidFill>
+                  <a:schemeClr val="tx1"/>
+                </a:solidFill>
+                <a:latin typeface="Tahoma" panose="020B0604030504040204" pitchFamily="34" charset="0"/>
+                <a:ea typeface="Tahoma" panose="020B0604030504040204" pitchFamily="34" charset="0"/>
+                <a:cs typeface="Tahoma" panose="020B0604030504040204" pitchFamily="34" charset="0"/>
+              </a:rPr>
+              <a:t> a livello globale, sorretto da tecnologie ‘</a:t>
+            </a:r>
+            <a:r>
+              <a:rPr lang="it-IT" sz="2400" b="1" dirty="0">
+                <a:solidFill>
+                  <a:schemeClr val="tx1"/>
+                </a:solidFill>
+                <a:latin typeface="Tahoma" panose="020B0604030504040204" pitchFamily="34" charset="0"/>
+                <a:ea typeface="Tahoma" panose="020B0604030504040204" pitchFamily="34" charset="0"/>
+                <a:cs typeface="Tahoma" panose="020B0604030504040204" pitchFamily="34" charset="0"/>
+              </a:rPr>
+              <a:t>nelle mani di tutti</a:t>
+            </a:r>
+            <a:r>
+              <a:rPr lang="it-IT" sz="2400" dirty="0">
+                <a:solidFill>
+                  <a:schemeClr val="tx1"/>
+                </a:solidFill>
+                <a:latin typeface="Tahoma" panose="020B0604030504040204" pitchFamily="34" charset="0"/>
+                <a:ea typeface="Tahoma" panose="020B0604030504040204" pitchFamily="34" charset="0"/>
+                <a:cs typeface="Tahoma" panose="020B0604030504040204" pitchFamily="34" charset="0"/>
+              </a:rPr>
+              <a:t>’, senza la possibilità che tale sistema possa essere corrotto, risulta a dir poco </a:t>
+            </a:r>
+            <a:r>
+              <a:rPr lang="it-IT" sz="2400" b="1" dirty="0">
+                <a:solidFill>
+                  <a:schemeClr val="tx1"/>
+                </a:solidFill>
+                <a:latin typeface="Tahoma" panose="020B0604030504040204" pitchFamily="34" charset="0"/>
+                <a:ea typeface="Tahoma" panose="020B0604030504040204" pitchFamily="34" charset="0"/>
+                <a:cs typeface="Tahoma" panose="020B0604030504040204" pitchFamily="34" charset="0"/>
+              </a:rPr>
+              <a:t>dirompente</a:t>
+            </a:r>
+            <a:r>
+              <a:rPr lang="it-IT" sz="2400" dirty="0">
+                <a:solidFill>
+                  <a:schemeClr val="tx1"/>
+                </a:solidFill>
+                <a:latin typeface="Tahoma" panose="020B0604030504040204" pitchFamily="34" charset="0"/>
+                <a:ea typeface="Tahoma" panose="020B0604030504040204" pitchFamily="34" charset="0"/>
+                <a:cs typeface="Tahoma" panose="020B0604030504040204" pitchFamily="34" charset="0"/>
+              </a:rPr>
+              <a:t>. </a:t>
+            </a:r>
+            <a:endParaRPr lang="it-IT" sz="2400" dirty="0" smtClean="0">
+              <a:solidFill>
+                <a:schemeClr val="tx1"/>
+              </a:solidFill>
+              <a:latin typeface="Tahoma" panose="020B0604030504040204" pitchFamily="34" charset="0"/>
+              <a:ea typeface="Tahoma" panose="020B0604030504040204" pitchFamily="34" charset="0"/>
+              <a:cs typeface="Tahoma" panose="020B0604030504040204" pitchFamily="34" charset="0"/>
+            </a:endParaRPr>
+          </a:p>
+          <a:p>
+            <a:pPr marL="342900" indent="-342900" algn="just">
+              <a:lnSpc>
+                <a:spcPct val="115000"/>
+              </a:lnSpc>
+              <a:spcBef>
+                <a:spcPts val="2400"/>
+              </a:spcBef>
+              <a:buFont typeface="Wingdings" panose="05000000000000000000" pitchFamily="2" charset="2"/>
+              <a:buChar char="ü"/>
+              <a:tabLst>
+                <a:tab pos="457200" algn="l"/>
+              </a:tabLst>
+            </a:pPr>
+            <a:r>
+              <a:rPr lang="it-IT" sz="2400" dirty="0" smtClean="0">
+                <a:solidFill>
+                  <a:schemeClr val="tx1"/>
+                </a:solidFill>
+                <a:latin typeface="Tahoma" panose="020B0604030504040204" pitchFamily="34" charset="0"/>
+                <a:ea typeface="Tahoma" panose="020B0604030504040204" pitchFamily="34" charset="0"/>
+                <a:cs typeface="Tahoma" panose="020B0604030504040204" pitchFamily="34" charset="0"/>
+              </a:rPr>
+              <a:t>È </a:t>
+            </a:r>
+            <a:r>
+              <a:rPr lang="it-IT" sz="2400" dirty="0">
+                <a:solidFill>
+                  <a:schemeClr val="tx1"/>
+                </a:solidFill>
+                <a:latin typeface="Tahoma" panose="020B0604030504040204" pitchFamily="34" charset="0"/>
+                <a:ea typeface="Tahoma" panose="020B0604030504040204" pitchFamily="34" charset="0"/>
+                <a:cs typeface="Tahoma" panose="020B0604030504040204" pitchFamily="34" charset="0"/>
+              </a:rPr>
+              <a:t>bene rimanere sul fronte della ‘</a:t>
+            </a:r>
+            <a:r>
+              <a:rPr lang="it-IT" sz="2400" b="1" dirty="0">
+                <a:solidFill>
+                  <a:schemeClr val="tx1"/>
+                </a:solidFill>
+                <a:latin typeface="Tahoma" panose="020B0604030504040204" pitchFamily="34" charset="0"/>
+                <a:ea typeface="Tahoma" panose="020B0604030504040204" pitchFamily="34" charset="0"/>
+                <a:cs typeface="Tahoma" panose="020B0604030504040204" pitchFamily="34" charset="0"/>
+              </a:rPr>
+              <a:t>teoria</a:t>
+            </a:r>
+            <a:r>
+              <a:rPr lang="it-IT" sz="2400" dirty="0">
+                <a:solidFill>
+                  <a:schemeClr val="tx1"/>
+                </a:solidFill>
+                <a:latin typeface="Tahoma" panose="020B0604030504040204" pitchFamily="34" charset="0"/>
+                <a:ea typeface="Tahoma" panose="020B0604030504040204" pitchFamily="34" charset="0"/>
+                <a:cs typeface="Tahoma" panose="020B0604030504040204" pitchFamily="34" charset="0"/>
+              </a:rPr>
+              <a:t>’ perché, in realtà, seppur i rischi di finire come in un film di </a:t>
+            </a:r>
+            <a:r>
+              <a:rPr lang="it-IT" sz="2400" b="1" dirty="0">
+                <a:solidFill>
+                  <a:schemeClr val="tx1"/>
+                </a:solidFill>
+                <a:latin typeface="Tahoma" panose="020B0604030504040204" pitchFamily="34" charset="0"/>
+                <a:ea typeface="Tahoma" panose="020B0604030504040204" pitchFamily="34" charset="0"/>
+                <a:cs typeface="Tahoma" panose="020B0604030504040204" pitchFamily="34" charset="0"/>
+              </a:rPr>
+              <a:t>fantascienza</a:t>
+            </a:r>
+            <a:r>
+              <a:rPr lang="it-IT" sz="2400" dirty="0">
+                <a:solidFill>
+                  <a:schemeClr val="tx1"/>
+                </a:solidFill>
+                <a:latin typeface="Tahoma" panose="020B0604030504040204" pitchFamily="34" charset="0"/>
+                <a:ea typeface="Tahoma" panose="020B0604030504040204" pitchFamily="34" charset="0"/>
+                <a:cs typeface="Tahoma" panose="020B0604030504040204" pitchFamily="34" charset="0"/>
+              </a:rPr>
+              <a:t> intrappolati all’interno di un’anarchica prigione </a:t>
+            </a:r>
+            <a:r>
+              <a:rPr lang="it-IT" sz="2400" b="1" dirty="0">
+                <a:solidFill>
+                  <a:schemeClr val="tx1"/>
+                </a:solidFill>
+                <a:latin typeface="Tahoma" panose="020B0604030504040204" pitchFamily="34" charset="0"/>
+                <a:ea typeface="Tahoma" panose="020B0604030504040204" pitchFamily="34" charset="0"/>
+                <a:cs typeface="Tahoma" panose="020B0604030504040204" pitchFamily="34" charset="0"/>
+              </a:rPr>
+              <a:t>cibernetica</a:t>
+            </a:r>
+            <a:r>
+              <a:rPr lang="it-IT" sz="2400" dirty="0">
+                <a:solidFill>
+                  <a:schemeClr val="tx1"/>
+                </a:solidFill>
+                <a:latin typeface="Tahoma" panose="020B0604030504040204" pitchFamily="34" charset="0"/>
+                <a:ea typeface="Tahoma" panose="020B0604030504040204" pitchFamily="34" charset="0"/>
+                <a:cs typeface="Tahoma" panose="020B0604030504040204" pitchFamily="34" charset="0"/>
+              </a:rPr>
+              <a:t> siano remoti, i limiti oggettivi allo sviluppo di una tecnica liberatrice e </a:t>
+            </a:r>
+            <a:r>
+              <a:rPr lang="it-IT" sz="2400" b="1" dirty="0" err="1">
+                <a:solidFill>
+                  <a:schemeClr val="tx1"/>
+                </a:solidFill>
+                <a:latin typeface="Tahoma" panose="020B0604030504040204" pitchFamily="34" charset="0"/>
+                <a:ea typeface="Tahoma" panose="020B0604030504040204" pitchFamily="34" charset="0"/>
+                <a:cs typeface="Tahoma" panose="020B0604030504040204" pitchFamily="34" charset="0"/>
+              </a:rPr>
+              <a:t>disintermediante</a:t>
+            </a:r>
+            <a:r>
+              <a:rPr lang="it-IT" sz="2400" dirty="0">
+                <a:solidFill>
+                  <a:schemeClr val="tx1"/>
+                </a:solidFill>
+                <a:latin typeface="Tahoma" panose="020B0604030504040204" pitchFamily="34" charset="0"/>
+                <a:ea typeface="Tahoma" panose="020B0604030504040204" pitchFamily="34" charset="0"/>
+                <a:cs typeface="Tahoma" panose="020B0604030504040204" pitchFamily="34" charset="0"/>
+              </a:rPr>
+              <a:t>, applicata a qualsiasi contesto, sono tutt’altro che superabili</a:t>
+            </a:r>
+            <a:r>
+              <a:rPr lang="it-IT" sz="2400" dirty="0" smtClean="0">
+                <a:solidFill>
+                  <a:schemeClr val="tx1"/>
+                </a:solidFill>
+                <a:latin typeface="Tahoma" panose="020B0604030504040204" pitchFamily="34" charset="0"/>
+                <a:ea typeface="Tahoma" panose="020B0604030504040204" pitchFamily="34" charset="0"/>
+                <a:cs typeface="Tahoma" panose="020B0604030504040204" pitchFamily="34" charset="0"/>
+              </a:rPr>
+              <a:t>.</a:t>
+            </a:r>
+          </a:p>
+          <a:p>
+            <a:pPr marL="342900" indent="-342900" algn="just">
+              <a:lnSpc>
+                <a:spcPct val="115000"/>
+              </a:lnSpc>
+              <a:spcBef>
+                <a:spcPts val="2400"/>
+              </a:spcBef>
+              <a:buFont typeface="Wingdings" panose="05000000000000000000" pitchFamily="2" charset="2"/>
+              <a:buChar char="ü"/>
+              <a:tabLst>
+                <a:tab pos="457200" algn="l"/>
+              </a:tabLst>
+            </a:pPr>
+            <a:r>
+              <a:rPr lang="it-IT" sz="2400" dirty="0" smtClean="0">
+                <a:solidFill>
+                  <a:schemeClr val="tx1"/>
+                </a:solidFill>
+                <a:latin typeface="Tahoma" panose="020B0604030504040204" pitchFamily="34" charset="0"/>
+                <a:ea typeface="Tahoma" panose="020B0604030504040204" pitchFamily="34" charset="0"/>
+                <a:cs typeface="Tahoma" panose="020B0604030504040204" pitchFamily="34" charset="0"/>
+              </a:rPr>
+              <a:t>Rimanendo </a:t>
+            </a:r>
+            <a:r>
+              <a:rPr lang="it-IT" sz="2400" dirty="0">
+                <a:solidFill>
+                  <a:schemeClr val="tx1"/>
+                </a:solidFill>
+                <a:latin typeface="Tahoma" panose="020B0604030504040204" pitchFamily="34" charset="0"/>
+                <a:ea typeface="Tahoma" panose="020B0604030504040204" pitchFamily="34" charset="0"/>
+                <a:cs typeface="Tahoma" panose="020B0604030504040204" pitchFamily="34" charset="0"/>
+              </a:rPr>
+              <a:t>all’interno dei nostri confini, quelli </a:t>
+            </a:r>
+            <a:r>
+              <a:rPr lang="it-IT" sz="2400" b="1" dirty="0" err="1">
+                <a:solidFill>
+                  <a:schemeClr val="tx1"/>
+                </a:solidFill>
+                <a:latin typeface="Tahoma" panose="020B0604030504040204" pitchFamily="34" charset="0"/>
+                <a:ea typeface="Tahoma" panose="020B0604030504040204" pitchFamily="34" charset="0"/>
+                <a:cs typeface="Tahoma" panose="020B0604030504040204" pitchFamily="34" charset="0"/>
+              </a:rPr>
+              <a:t>It</a:t>
+            </a:r>
+            <a:r>
+              <a:rPr lang="it-IT" sz="2400" dirty="0">
+                <a:solidFill>
+                  <a:schemeClr val="tx1"/>
+                </a:solidFill>
+                <a:latin typeface="Tahoma" panose="020B0604030504040204" pitchFamily="34" charset="0"/>
+                <a:ea typeface="Tahoma" panose="020B0604030504040204" pitchFamily="34" charset="0"/>
+                <a:cs typeface="Tahoma" panose="020B0604030504040204" pitchFamily="34" charset="0"/>
+              </a:rPr>
+              <a:t>, il funzionamento della </a:t>
+            </a:r>
+            <a:r>
+              <a:rPr lang="it-IT" sz="2400" b="1" dirty="0" err="1">
+                <a:solidFill>
+                  <a:schemeClr val="tx1"/>
+                </a:solidFill>
+                <a:latin typeface="Tahoma" panose="020B0604030504040204" pitchFamily="34" charset="0"/>
+                <a:ea typeface="Tahoma" panose="020B0604030504040204" pitchFamily="34" charset="0"/>
+                <a:cs typeface="Tahoma" panose="020B0604030504040204" pitchFamily="34" charset="0"/>
+              </a:rPr>
+              <a:t>Blockchain</a:t>
+            </a:r>
+            <a:r>
+              <a:rPr lang="it-IT" sz="2400" dirty="0">
+                <a:solidFill>
+                  <a:schemeClr val="tx1"/>
+                </a:solidFill>
+                <a:latin typeface="Tahoma" panose="020B0604030504040204" pitchFamily="34" charset="0"/>
+                <a:ea typeface="Tahoma" panose="020B0604030504040204" pitchFamily="34" charset="0"/>
+                <a:cs typeface="Tahoma" panose="020B0604030504040204" pitchFamily="34" charset="0"/>
+              </a:rPr>
+              <a:t> mostra evidenti difficoltà in termini di </a:t>
+            </a:r>
+            <a:r>
+              <a:rPr lang="it-IT" sz="2400" b="1" dirty="0">
+                <a:solidFill>
+                  <a:schemeClr val="tx1"/>
+                </a:solidFill>
+                <a:latin typeface="Tahoma" panose="020B0604030504040204" pitchFamily="34" charset="0"/>
+                <a:ea typeface="Tahoma" panose="020B0604030504040204" pitchFamily="34" charset="0"/>
+                <a:cs typeface="Tahoma" panose="020B0604030504040204" pitchFamily="34" charset="0"/>
+              </a:rPr>
+              <a:t>scalabilità</a:t>
+            </a:r>
+            <a:r>
+              <a:rPr lang="it-IT" sz="2400" dirty="0">
+                <a:solidFill>
+                  <a:schemeClr val="tx1"/>
+                </a:solidFill>
+                <a:latin typeface="Tahoma" panose="020B0604030504040204" pitchFamily="34" charset="0"/>
+                <a:ea typeface="Tahoma" panose="020B0604030504040204" pitchFamily="34" charset="0"/>
+                <a:cs typeface="Tahoma" panose="020B0604030504040204" pitchFamily="34" charset="0"/>
+              </a:rPr>
+              <a:t>. Per poter verificare un nuovo blocco o aggiungere una transazione all’interno della catena serve </a:t>
+            </a:r>
+            <a:r>
+              <a:rPr lang="it-IT" sz="2400" b="1" dirty="0" smtClean="0">
+                <a:solidFill>
+                  <a:schemeClr val="tx1"/>
+                </a:solidFill>
+                <a:latin typeface="Tahoma" panose="020B0604030504040204" pitchFamily="34" charset="0"/>
+                <a:ea typeface="Tahoma" panose="020B0604030504040204" pitchFamily="34" charset="0"/>
+                <a:cs typeface="Tahoma" panose="020B0604030504040204" pitchFamily="34" charset="0"/>
+              </a:rPr>
+              <a:t>tempo.</a:t>
+            </a:r>
+          </a:p>
+          <a:p>
+            <a:pPr marL="342900" indent="-342900" algn="just">
+              <a:lnSpc>
+                <a:spcPct val="115000"/>
+              </a:lnSpc>
+              <a:spcBef>
+                <a:spcPts val="2400"/>
+              </a:spcBef>
+              <a:buFont typeface="Wingdings" panose="05000000000000000000" pitchFamily="2" charset="2"/>
+              <a:buChar char="ü"/>
+              <a:tabLst>
+                <a:tab pos="457200" algn="l"/>
+              </a:tabLst>
+            </a:pPr>
+            <a:r>
+              <a:rPr lang="it-IT" sz="2400" dirty="0" smtClean="0">
+                <a:solidFill>
+                  <a:schemeClr val="tx1"/>
+                </a:solidFill>
+                <a:latin typeface="Tahoma" panose="020B0604030504040204" pitchFamily="34" charset="0"/>
+                <a:ea typeface="Tahoma" panose="020B0604030504040204" pitchFamily="34" charset="0"/>
+                <a:cs typeface="Tahoma" panose="020B0604030504040204" pitchFamily="34" charset="0"/>
+              </a:rPr>
+              <a:t> </a:t>
+            </a:r>
+            <a:r>
+              <a:rPr lang="it-IT" sz="2400" dirty="0">
+                <a:solidFill>
+                  <a:schemeClr val="tx1"/>
+                </a:solidFill>
+                <a:latin typeface="Tahoma" panose="020B0604030504040204" pitchFamily="34" charset="0"/>
+                <a:ea typeface="Tahoma" panose="020B0604030504040204" pitchFamily="34" charset="0"/>
+                <a:cs typeface="Tahoma" panose="020B0604030504040204" pitchFamily="34" charset="0"/>
+              </a:rPr>
+              <a:t>partendo dall’analisi fatta su </a:t>
+            </a:r>
+            <a:r>
+              <a:rPr lang="it-IT" sz="2400" dirty="0" err="1">
+                <a:solidFill>
+                  <a:schemeClr val="tx1"/>
+                </a:solidFill>
+                <a:latin typeface="Tahoma" panose="020B0604030504040204" pitchFamily="34" charset="0"/>
+                <a:ea typeface="Tahoma" panose="020B0604030504040204" pitchFamily="34" charset="0"/>
+                <a:cs typeface="Tahoma" panose="020B0604030504040204" pitchFamily="34" charset="0"/>
+              </a:rPr>
+              <a:t>Bitcoin</a:t>
+            </a:r>
+            <a:r>
+              <a:rPr lang="it-IT" sz="2400" dirty="0">
+                <a:solidFill>
+                  <a:schemeClr val="tx1"/>
+                </a:solidFill>
+                <a:latin typeface="Tahoma" panose="020B0604030504040204" pitchFamily="34" charset="0"/>
+                <a:ea typeface="Tahoma" panose="020B0604030504040204" pitchFamily="34" charset="0"/>
+                <a:cs typeface="Tahoma" panose="020B0604030504040204" pitchFamily="34" charset="0"/>
+              </a:rPr>
+              <a:t> gli analisti di </a:t>
+            </a:r>
+            <a:r>
+              <a:rPr lang="it-IT" sz="2400" dirty="0" err="1">
+                <a:solidFill>
+                  <a:schemeClr val="tx1"/>
+                </a:solidFill>
+                <a:latin typeface="Tahoma" panose="020B0604030504040204" pitchFamily="34" charset="0"/>
+                <a:ea typeface="Tahoma" panose="020B0604030504040204" pitchFamily="34" charset="0"/>
+                <a:cs typeface="Tahoma" panose="020B0604030504040204" pitchFamily="34" charset="0"/>
+              </a:rPr>
+              <a:t>Forrester</a:t>
+            </a:r>
+            <a:r>
+              <a:rPr lang="it-IT" sz="2400" dirty="0">
+                <a:solidFill>
+                  <a:schemeClr val="tx1"/>
+                </a:solidFill>
+                <a:latin typeface="Tahoma" panose="020B0604030504040204" pitchFamily="34" charset="0"/>
+                <a:ea typeface="Tahoma" panose="020B0604030504040204" pitchFamily="34" charset="0"/>
+                <a:cs typeface="Tahoma" panose="020B0604030504040204" pitchFamily="34" charset="0"/>
+              </a:rPr>
+              <a:t> stimano che il 50% dell’intero network in realtà lavori per questo tipo di operazioni e per ogni singola verifica servano in media 10 minuti (cosa che porta ad avere, all’interno di </a:t>
+            </a:r>
+            <a:r>
+              <a:rPr lang="it-IT" sz="2400" dirty="0" err="1">
+                <a:solidFill>
+                  <a:schemeClr val="tx1"/>
+                </a:solidFill>
+                <a:latin typeface="Tahoma" panose="020B0604030504040204" pitchFamily="34" charset="0"/>
+                <a:ea typeface="Tahoma" panose="020B0604030504040204" pitchFamily="34" charset="0"/>
+                <a:cs typeface="Tahoma" panose="020B0604030504040204" pitchFamily="34" charset="0"/>
+              </a:rPr>
+              <a:t>Bitcoin</a:t>
+            </a:r>
+            <a:r>
+              <a:rPr lang="it-IT" sz="2400" dirty="0">
+                <a:solidFill>
+                  <a:schemeClr val="tx1"/>
+                </a:solidFill>
+                <a:latin typeface="Tahoma" panose="020B0604030504040204" pitchFamily="34" charset="0"/>
+                <a:ea typeface="Tahoma" panose="020B0604030504040204" pitchFamily="34" charset="0"/>
+                <a:cs typeface="Tahoma" panose="020B0604030504040204" pitchFamily="34" charset="0"/>
+              </a:rPr>
+              <a:t>, 7 </a:t>
+            </a:r>
+            <a:r>
+              <a:rPr lang="it-IT" sz="2400" dirty="0" err="1">
+                <a:solidFill>
+                  <a:schemeClr val="tx1"/>
+                </a:solidFill>
+                <a:latin typeface="Tahoma" panose="020B0604030504040204" pitchFamily="34" charset="0"/>
+                <a:ea typeface="Tahoma" panose="020B0604030504040204" pitchFamily="34" charset="0"/>
+                <a:cs typeface="Tahoma" panose="020B0604030504040204" pitchFamily="34" charset="0"/>
+              </a:rPr>
+              <a:t>tps</a:t>
+            </a:r>
+            <a:r>
+              <a:rPr lang="it-IT" sz="2400" dirty="0">
+                <a:solidFill>
+                  <a:schemeClr val="tx1"/>
+                </a:solidFill>
+                <a:latin typeface="Tahoma" panose="020B0604030504040204" pitchFamily="34" charset="0"/>
+                <a:ea typeface="Tahoma" panose="020B0604030504040204" pitchFamily="34" charset="0"/>
+                <a:cs typeface="Tahoma" panose="020B0604030504040204" pitchFamily="34" charset="0"/>
+              </a:rPr>
+              <a:t> – transazioni al secondo). “Paragonando questi dati alla media di 2500 </a:t>
+            </a:r>
+            <a:r>
+              <a:rPr lang="it-IT" sz="2400" dirty="0" err="1">
+                <a:solidFill>
+                  <a:schemeClr val="tx1"/>
+                </a:solidFill>
+                <a:latin typeface="Tahoma" panose="020B0604030504040204" pitchFamily="34" charset="0"/>
+                <a:ea typeface="Tahoma" panose="020B0604030504040204" pitchFamily="34" charset="0"/>
+                <a:cs typeface="Tahoma" panose="020B0604030504040204" pitchFamily="34" charset="0"/>
+              </a:rPr>
+              <a:t>tps</a:t>
+            </a:r>
+            <a:r>
+              <a:rPr lang="it-IT" sz="2400" dirty="0">
+                <a:solidFill>
+                  <a:schemeClr val="tx1"/>
+                </a:solidFill>
+                <a:latin typeface="Tahoma" panose="020B0604030504040204" pitchFamily="34" charset="0"/>
+                <a:ea typeface="Tahoma" panose="020B0604030504040204" pitchFamily="34" charset="0"/>
+                <a:cs typeface="Tahoma" panose="020B0604030504040204" pitchFamily="34" charset="0"/>
+              </a:rPr>
+              <a:t> generate all’interno del circuito Visa che può reggere fino a 40mila e più </a:t>
+            </a:r>
+            <a:r>
+              <a:rPr lang="it-IT" sz="2400" dirty="0" err="1">
+                <a:solidFill>
+                  <a:schemeClr val="tx1"/>
+                </a:solidFill>
+                <a:latin typeface="Tahoma" panose="020B0604030504040204" pitchFamily="34" charset="0"/>
+                <a:ea typeface="Tahoma" panose="020B0604030504040204" pitchFamily="34" charset="0"/>
+                <a:cs typeface="Tahoma" panose="020B0604030504040204" pitchFamily="34" charset="0"/>
+              </a:rPr>
+              <a:t>tps</a:t>
+            </a:r>
+            <a:r>
+              <a:rPr lang="it-IT" sz="2400" dirty="0">
+                <a:solidFill>
+                  <a:schemeClr val="tx1"/>
+                </a:solidFill>
+                <a:latin typeface="Tahoma" panose="020B0604030504040204" pitchFamily="34" charset="0"/>
+                <a:ea typeface="Tahoma" panose="020B0604030504040204" pitchFamily="34" charset="0"/>
+                <a:cs typeface="Tahoma" panose="020B0604030504040204" pitchFamily="34" charset="0"/>
+              </a:rPr>
+              <a:t>, risulta ancora difficile pensare ad una </a:t>
+            </a:r>
+            <a:r>
+              <a:rPr lang="it-IT" sz="2400" dirty="0" err="1">
+                <a:solidFill>
+                  <a:schemeClr val="tx1"/>
+                </a:solidFill>
+                <a:latin typeface="Tahoma" panose="020B0604030504040204" pitchFamily="34" charset="0"/>
+                <a:ea typeface="Tahoma" panose="020B0604030504040204" pitchFamily="34" charset="0"/>
+                <a:cs typeface="Tahoma" panose="020B0604030504040204" pitchFamily="34" charset="0"/>
+              </a:rPr>
+              <a:t>Blockchain</a:t>
+            </a:r>
+            <a:r>
+              <a:rPr lang="it-IT" sz="2400" dirty="0">
+                <a:solidFill>
+                  <a:schemeClr val="tx1"/>
+                </a:solidFill>
+                <a:latin typeface="Tahoma" panose="020B0604030504040204" pitchFamily="34" charset="0"/>
+                <a:ea typeface="Tahoma" panose="020B0604030504040204" pitchFamily="34" charset="0"/>
+                <a:cs typeface="Tahoma" panose="020B0604030504040204" pitchFamily="34" charset="0"/>
+              </a:rPr>
+              <a:t> scalabile”, ammette Martha Bennett di </a:t>
+            </a:r>
+            <a:r>
+              <a:rPr lang="it-IT" sz="2400" dirty="0" err="1">
+                <a:solidFill>
+                  <a:schemeClr val="tx1"/>
+                </a:solidFill>
+                <a:latin typeface="Tahoma" panose="020B0604030504040204" pitchFamily="34" charset="0"/>
+                <a:ea typeface="Tahoma" panose="020B0604030504040204" pitchFamily="34" charset="0"/>
+                <a:cs typeface="Tahoma" panose="020B0604030504040204" pitchFamily="34" charset="0"/>
+              </a:rPr>
+              <a:t>Forrester</a:t>
+            </a:r>
+            <a:r>
+              <a:rPr lang="it-IT" sz="2400" dirty="0">
+                <a:solidFill>
+                  <a:schemeClr val="tx1"/>
+                </a:solidFill>
+                <a:latin typeface="Tahoma" panose="020B0604030504040204" pitchFamily="34" charset="0"/>
+                <a:ea typeface="Tahoma" panose="020B0604030504040204" pitchFamily="34" charset="0"/>
+                <a:cs typeface="Tahoma" panose="020B0604030504040204" pitchFamily="34" charset="0"/>
+              </a:rPr>
+              <a:t>.</a:t>
+            </a:r>
+            <a:br>
+              <a:rPr lang="it-IT" sz="2400" dirty="0">
+                <a:solidFill>
+                  <a:schemeClr val="tx1"/>
+                </a:solidFill>
+                <a:latin typeface="Tahoma" panose="020B0604030504040204" pitchFamily="34" charset="0"/>
+                <a:ea typeface="Tahoma" panose="020B0604030504040204" pitchFamily="34" charset="0"/>
+                <a:cs typeface="Tahoma" panose="020B0604030504040204" pitchFamily="34" charset="0"/>
+              </a:rPr>
+            </a:br>
+            <a:r>
+              <a:rPr lang="it-IT" sz="2400" dirty="0">
+                <a:solidFill>
+                  <a:schemeClr val="tx1"/>
+                </a:solidFill>
+                <a:latin typeface="Tahoma" panose="020B0604030504040204" pitchFamily="34" charset="0"/>
+                <a:ea typeface="Tahoma" panose="020B0604030504040204" pitchFamily="34" charset="0"/>
+                <a:cs typeface="Tahoma" panose="020B0604030504040204" pitchFamily="34" charset="0"/>
+              </a:rPr>
+              <a:t>Vero è che il mondo si è mosso, soprattutto sul fronte </a:t>
+            </a:r>
+            <a:r>
+              <a:rPr lang="it-IT" sz="2400" dirty="0" err="1">
+                <a:solidFill>
+                  <a:schemeClr val="tx1"/>
+                </a:solidFill>
+                <a:latin typeface="Tahoma" panose="020B0604030504040204" pitchFamily="34" charset="0"/>
+                <a:ea typeface="Tahoma" panose="020B0604030504040204" pitchFamily="34" charset="0"/>
+                <a:cs typeface="Tahoma" panose="020B0604030504040204" pitchFamily="34" charset="0"/>
+              </a:rPr>
+              <a:t>It</a:t>
+            </a:r>
+            <a:r>
+              <a:rPr lang="it-IT" sz="2400" dirty="0">
+                <a:solidFill>
+                  <a:schemeClr val="tx1"/>
+                </a:solidFill>
+                <a:latin typeface="Tahoma" panose="020B0604030504040204" pitchFamily="34" charset="0"/>
+                <a:ea typeface="Tahoma" panose="020B0604030504040204" pitchFamily="34" charset="0"/>
+                <a:cs typeface="Tahoma" panose="020B0604030504040204" pitchFamily="34" charset="0"/>
+              </a:rPr>
+              <a:t>, dallo sviluppo di software per inviare, ricevere e gestire il proprio conto </a:t>
+            </a:r>
+            <a:r>
+              <a:rPr lang="it-IT" sz="2400" dirty="0" err="1">
+                <a:solidFill>
+                  <a:schemeClr val="tx1"/>
+                </a:solidFill>
+                <a:latin typeface="Tahoma" panose="020B0604030504040204" pitchFamily="34" charset="0"/>
+                <a:ea typeface="Tahoma" panose="020B0604030504040204" pitchFamily="34" charset="0"/>
+                <a:cs typeface="Tahoma" panose="020B0604030504040204" pitchFamily="34" charset="0"/>
+              </a:rPr>
+              <a:t>bitcoin</a:t>
+            </a:r>
+            <a:r>
+              <a:rPr lang="it-IT" sz="2400" dirty="0">
+                <a:solidFill>
+                  <a:schemeClr val="tx1"/>
+                </a:solidFill>
+                <a:latin typeface="Tahoma" panose="020B0604030504040204" pitchFamily="34" charset="0"/>
+                <a:ea typeface="Tahoma" panose="020B0604030504040204" pitchFamily="34" charset="0"/>
+                <a:cs typeface="Tahoma" panose="020B0604030504040204" pitchFamily="34" charset="0"/>
+              </a:rPr>
+              <a:t> (Exchange </a:t>
+            </a:r>
+            <a:r>
+              <a:rPr lang="it-IT" sz="2400" dirty="0" err="1">
+                <a:solidFill>
+                  <a:schemeClr val="tx1"/>
+                </a:solidFill>
+                <a:latin typeface="Tahoma" panose="020B0604030504040204" pitchFamily="34" charset="0"/>
+                <a:ea typeface="Tahoma" panose="020B0604030504040204" pitchFamily="34" charset="0"/>
+                <a:cs typeface="Tahoma" panose="020B0604030504040204" pitchFamily="34" charset="0"/>
+              </a:rPr>
+              <a:t>bitcoin</a:t>
+            </a:r>
+            <a:r>
+              <a:rPr lang="it-IT" sz="2400" dirty="0">
+                <a:solidFill>
+                  <a:schemeClr val="tx1"/>
+                </a:solidFill>
+                <a:latin typeface="Tahoma" panose="020B0604030504040204" pitchFamily="34" charset="0"/>
+                <a:ea typeface="Tahoma" panose="020B0604030504040204" pitchFamily="34" charset="0"/>
+                <a:cs typeface="Tahoma" panose="020B0604030504040204" pitchFamily="34" charset="0"/>
+              </a:rPr>
+              <a:t>, </a:t>
+            </a:r>
+            <a:r>
+              <a:rPr lang="it-IT" sz="2400" dirty="0" err="1">
+                <a:solidFill>
+                  <a:schemeClr val="tx1"/>
+                </a:solidFill>
+                <a:latin typeface="Tahoma" panose="020B0604030504040204" pitchFamily="34" charset="0"/>
+                <a:ea typeface="Tahoma" panose="020B0604030504040204" pitchFamily="34" charset="0"/>
+                <a:cs typeface="Tahoma" panose="020B0604030504040204" pitchFamily="34" charset="0"/>
+              </a:rPr>
+              <a:t>Greenbits</a:t>
+            </a:r>
+            <a:r>
+              <a:rPr lang="it-IT" sz="2400" dirty="0">
+                <a:solidFill>
+                  <a:schemeClr val="tx1"/>
+                </a:solidFill>
+                <a:latin typeface="Tahoma" panose="020B0604030504040204" pitchFamily="34" charset="0"/>
+                <a:ea typeface="Tahoma" panose="020B0604030504040204" pitchFamily="34" charset="0"/>
+                <a:cs typeface="Tahoma" panose="020B0604030504040204" pitchFamily="34" charset="0"/>
+              </a:rPr>
+              <a:t>, </a:t>
+            </a:r>
+            <a:r>
+              <a:rPr lang="it-IT" sz="2400" dirty="0" err="1">
+                <a:solidFill>
+                  <a:schemeClr val="tx1"/>
+                </a:solidFill>
+                <a:latin typeface="Tahoma" panose="020B0604030504040204" pitchFamily="34" charset="0"/>
+                <a:ea typeface="Tahoma" panose="020B0604030504040204" pitchFamily="34" charset="0"/>
+                <a:cs typeface="Tahoma" panose="020B0604030504040204" pitchFamily="34" charset="0"/>
+              </a:rPr>
+              <a:t>posteBit</a:t>
+            </a:r>
+            <a:r>
+              <a:rPr lang="it-IT" sz="2400" dirty="0">
+                <a:solidFill>
+                  <a:schemeClr val="tx1"/>
+                </a:solidFill>
+                <a:latin typeface="Tahoma" panose="020B0604030504040204" pitchFamily="34" charset="0"/>
+                <a:ea typeface="Tahoma" panose="020B0604030504040204" pitchFamily="34" charset="0"/>
+                <a:cs typeface="Tahoma" panose="020B0604030504040204" pitchFamily="34" charset="0"/>
+              </a:rPr>
+              <a:t>, Blockchain.info, solo per citare alcuni nomi), fino a coloro che costruiscono le infrastrutture od offrono servizi di pagamento. Dal 2010 ad oggi, attorno a algoritmi </a:t>
+            </a:r>
+            <a:r>
+              <a:rPr lang="it-IT" sz="2400" dirty="0" err="1">
+                <a:solidFill>
+                  <a:schemeClr val="tx1"/>
+                </a:solidFill>
+                <a:latin typeface="Tahoma" panose="020B0604030504040204" pitchFamily="34" charset="0"/>
+                <a:ea typeface="Tahoma" panose="020B0604030504040204" pitchFamily="34" charset="0"/>
+                <a:cs typeface="Tahoma" panose="020B0604030504040204" pitchFamily="34" charset="0"/>
+              </a:rPr>
+              <a:t>Bitcoin</a:t>
+            </a:r>
+            <a:r>
+              <a:rPr lang="it-IT" sz="2400" dirty="0">
+                <a:solidFill>
+                  <a:schemeClr val="tx1"/>
+                </a:solidFill>
+                <a:latin typeface="Tahoma" panose="020B0604030504040204" pitchFamily="34" charset="0"/>
+                <a:ea typeface="Tahoma" panose="020B0604030504040204" pitchFamily="34" charset="0"/>
+                <a:cs typeface="Tahoma" panose="020B0604030504040204" pitchFamily="34" charset="0"/>
+              </a:rPr>
+              <a:t>/</a:t>
+            </a:r>
+            <a:r>
+              <a:rPr lang="it-IT" sz="2400" dirty="0" err="1">
+                <a:solidFill>
+                  <a:schemeClr val="tx1"/>
+                </a:solidFill>
+                <a:latin typeface="Tahoma" panose="020B0604030504040204" pitchFamily="34" charset="0"/>
+                <a:ea typeface="Tahoma" panose="020B0604030504040204" pitchFamily="34" charset="0"/>
+                <a:cs typeface="Tahoma" panose="020B0604030504040204" pitchFamily="34" charset="0"/>
+              </a:rPr>
+              <a:t>Blockchain</a:t>
+            </a:r>
+            <a:r>
+              <a:rPr lang="it-IT" sz="2400" dirty="0">
+                <a:solidFill>
+                  <a:schemeClr val="tx1"/>
+                </a:solidFill>
+                <a:latin typeface="Tahoma" panose="020B0604030504040204" pitchFamily="34" charset="0"/>
+                <a:ea typeface="Tahoma" panose="020B0604030504040204" pitchFamily="34" charset="0"/>
+                <a:cs typeface="Tahoma" panose="020B0604030504040204" pitchFamily="34" charset="0"/>
+              </a:rPr>
+              <a:t> si è sviluppato un mercato di aziende </a:t>
+            </a:r>
+            <a:r>
+              <a:rPr lang="it-IT" sz="2400" dirty="0" err="1">
+                <a:solidFill>
+                  <a:schemeClr val="tx1"/>
+                </a:solidFill>
+                <a:latin typeface="Tahoma" panose="020B0604030504040204" pitchFamily="34" charset="0"/>
+                <a:ea typeface="Tahoma" panose="020B0604030504040204" pitchFamily="34" charset="0"/>
+                <a:cs typeface="Tahoma" panose="020B0604030504040204" pitchFamily="34" charset="0"/>
+              </a:rPr>
+              <a:t>Ict</a:t>
+            </a:r>
+            <a:r>
+              <a:rPr lang="it-IT" sz="2400" dirty="0">
+                <a:solidFill>
+                  <a:schemeClr val="tx1"/>
+                </a:solidFill>
+                <a:latin typeface="Tahoma" panose="020B0604030504040204" pitchFamily="34" charset="0"/>
+                <a:ea typeface="Tahoma" panose="020B0604030504040204" pitchFamily="34" charset="0"/>
+                <a:cs typeface="Tahoma" panose="020B0604030504040204" pitchFamily="34" charset="0"/>
+              </a:rPr>
+              <a:t> specializzate – che nel primo trimestre 2016 valeva già oltre 1 miliardo di dollari – suddivise in 7 categorie (figura 1): </a:t>
+            </a:r>
+            <a:r>
+              <a:rPr lang="it-IT" sz="2400" dirty="0" err="1">
+                <a:solidFill>
+                  <a:schemeClr val="tx1"/>
+                </a:solidFill>
+                <a:latin typeface="Tahoma" panose="020B0604030504040204" pitchFamily="34" charset="0"/>
+                <a:ea typeface="Tahoma" panose="020B0604030504040204" pitchFamily="34" charset="0"/>
+                <a:cs typeface="Tahoma" panose="020B0604030504040204" pitchFamily="34" charset="0"/>
+              </a:rPr>
+              <a:t>payment</a:t>
+            </a:r>
+            <a:r>
+              <a:rPr lang="it-IT" sz="2400" dirty="0">
+                <a:solidFill>
+                  <a:schemeClr val="tx1"/>
+                </a:solidFill>
+                <a:latin typeface="Tahoma" panose="020B0604030504040204" pitchFamily="34" charset="0"/>
+                <a:ea typeface="Tahoma" panose="020B0604030504040204" pitchFamily="34" charset="0"/>
+                <a:cs typeface="Tahoma" panose="020B0604030504040204" pitchFamily="34" charset="0"/>
+              </a:rPr>
+              <a:t> processing, infrastrutture, </a:t>
+            </a:r>
+            <a:r>
+              <a:rPr lang="it-IT" sz="2400" dirty="0" err="1">
+                <a:solidFill>
+                  <a:schemeClr val="tx1"/>
+                </a:solidFill>
+                <a:latin typeface="Tahoma" panose="020B0604030504040204" pitchFamily="34" charset="0"/>
+                <a:ea typeface="Tahoma" panose="020B0604030504040204" pitchFamily="34" charset="0"/>
+                <a:cs typeface="Tahoma" panose="020B0604030504040204" pitchFamily="34" charset="0"/>
+              </a:rPr>
+              <a:t>exchange</a:t>
+            </a:r>
+            <a:r>
+              <a:rPr lang="it-IT" sz="2400" dirty="0">
+                <a:solidFill>
+                  <a:schemeClr val="tx1"/>
+                </a:solidFill>
+                <a:latin typeface="Tahoma" panose="020B0604030504040204" pitchFamily="34" charset="0"/>
+                <a:ea typeface="Tahoma" panose="020B0604030504040204" pitchFamily="34" charset="0"/>
+                <a:cs typeface="Tahoma" panose="020B0604030504040204" pitchFamily="34" charset="0"/>
+              </a:rPr>
+              <a:t>, </a:t>
+            </a:r>
+            <a:r>
+              <a:rPr lang="it-IT" sz="2400" dirty="0" err="1">
+                <a:solidFill>
+                  <a:schemeClr val="tx1"/>
+                </a:solidFill>
+                <a:latin typeface="Tahoma" panose="020B0604030504040204" pitchFamily="34" charset="0"/>
+                <a:ea typeface="Tahoma" panose="020B0604030504040204" pitchFamily="34" charset="0"/>
+                <a:cs typeface="Tahoma" panose="020B0604030504040204" pitchFamily="34" charset="0"/>
+              </a:rPr>
+              <a:t>financial</a:t>
+            </a:r>
+            <a:r>
+              <a:rPr lang="it-IT" sz="2400" dirty="0">
+                <a:solidFill>
+                  <a:schemeClr val="tx1"/>
+                </a:solidFill>
+                <a:latin typeface="Tahoma" panose="020B0604030504040204" pitchFamily="34" charset="0"/>
+                <a:ea typeface="Tahoma" panose="020B0604030504040204" pitchFamily="34" charset="0"/>
+                <a:cs typeface="Tahoma" panose="020B0604030504040204" pitchFamily="34" charset="0"/>
+              </a:rPr>
+              <a:t> </a:t>
+            </a:r>
+            <a:r>
+              <a:rPr lang="it-IT" sz="2400" dirty="0" err="1">
+                <a:solidFill>
+                  <a:schemeClr val="tx1"/>
+                </a:solidFill>
+                <a:latin typeface="Tahoma" panose="020B0604030504040204" pitchFamily="34" charset="0"/>
+                <a:ea typeface="Tahoma" panose="020B0604030504040204" pitchFamily="34" charset="0"/>
+                <a:cs typeface="Tahoma" panose="020B0604030504040204" pitchFamily="34" charset="0"/>
+              </a:rPr>
+              <a:t>services</a:t>
+            </a:r>
+            <a:r>
+              <a:rPr lang="it-IT" sz="2400" dirty="0">
+                <a:solidFill>
+                  <a:schemeClr val="tx1"/>
+                </a:solidFill>
+                <a:latin typeface="Tahoma" panose="020B0604030504040204" pitchFamily="34" charset="0"/>
+                <a:ea typeface="Tahoma" panose="020B0604030504040204" pitchFamily="34" charset="0"/>
+                <a:cs typeface="Tahoma" panose="020B0604030504040204" pitchFamily="34" charset="0"/>
+              </a:rPr>
+              <a:t>, </a:t>
+            </a:r>
+            <a:r>
+              <a:rPr lang="it-IT" sz="2400" dirty="0" err="1">
+                <a:solidFill>
+                  <a:schemeClr val="tx1"/>
+                </a:solidFill>
+                <a:latin typeface="Tahoma" panose="020B0604030504040204" pitchFamily="34" charset="0"/>
+                <a:ea typeface="Tahoma" panose="020B0604030504040204" pitchFamily="34" charset="0"/>
+                <a:cs typeface="Tahoma" panose="020B0604030504040204" pitchFamily="34" charset="0"/>
+              </a:rPr>
+              <a:t>mining</a:t>
+            </a:r>
+            <a:r>
+              <a:rPr lang="it-IT" sz="2400" dirty="0">
+                <a:solidFill>
+                  <a:schemeClr val="tx1"/>
+                </a:solidFill>
+                <a:latin typeface="Tahoma" panose="020B0604030504040204" pitchFamily="34" charset="0"/>
+                <a:ea typeface="Tahoma" panose="020B0604030504040204" pitchFamily="34" charset="0"/>
+                <a:cs typeface="Tahoma" panose="020B0604030504040204" pitchFamily="34" charset="0"/>
+              </a:rPr>
+              <a:t>, </a:t>
+            </a:r>
+            <a:r>
+              <a:rPr lang="it-IT" sz="2400" dirty="0" err="1">
+                <a:solidFill>
+                  <a:schemeClr val="tx1"/>
+                </a:solidFill>
+                <a:latin typeface="Tahoma" panose="020B0604030504040204" pitchFamily="34" charset="0"/>
+                <a:ea typeface="Tahoma" panose="020B0604030504040204" pitchFamily="34" charset="0"/>
+                <a:cs typeface="Tahoma" panose="020B0604030504040204" pitchFamily="34" charset="0"/>
+              </a:rPr>
+              <a:t>wallet</a:t>
+            </a:r>
+            <a:r>
+              <a:rPr lang="it-IT" sz="2400" dirty="0">
+                <a:solidFill>
+                  <a:schemeClr val="tx1"/>
+                </a:solidFill>
+                <a:latin typeface="Tahoma" panose="020B0604030504040204" pitchFamily="34" charset="0"/>
+                <a:ea typeface="Tahoma" panose="020B0604030504040204" pitchFamily="34" charset="0"/>
+                <a:cs typeface="Tahoma" panose="020B0604030504040204" pitchFamily="34" charset="0"/>
+              </a:rPr>
+              <a:t> e ‘</a:t>
+            </a:r>
+            <a:r>
+              <a:rPr lang="it-IT" sz="2400" dirty="0" err="1">
+                <a:solidFill>
+                  <a:schemeClr val="tx1"/>
+                </a:solidFill>
+                <a:latin typeface="Tahoma" panose="020B0604030504040204" pitchFamily="34" charset="0"/>
+                <a:ea typeface="Tahoma" panose="020B0604030504040204" pitchFamily="34" charset="0"/>
+                <a:cs typeface="Tahoma" panose="020B0604030504040204" pitchFamily="34" charset="0"/>
+              </a:rPr>
+              <a:t>universal</a:t>
+            </a:r>
+            <a:r>
+              <a:rPr lang="it-IT" sz="2400" dirty="0">
+                <a:solidFill>
+                  <a:schemeClr val="tx1"/>
+                </a:solidFill>
+                <a:latin typeface="Tahoma" panose="020B0604030504040204" pitchFamily="34" charset="0"/>
+                <a:ea typeface="Tahoma" panose="020B0604030504040204" pitchFamily="34" charset="0"/>
+                <a:cs typeface="Tahoma" panose="020B0604030504040204" pitchFamily="34" charset="0"/>
+              </a:rPr>
+              <a:t>’ (quelle di carattere un po’ più generale che lavorano magari in consorzi su specifici progetti di sperimentazione).</a:t>
+            </a:r>
+          </a:p>
+        </p:txBody>
+      </p:sp>
+      <p:sp>
+        <p:nvSpPr>
+          <p:cNvPr id="7" name="Segnaposto numero diapositiva 6">
+            <a:extLst>
+              <a:ext uri="{FF2B5EF4-FFF2-40B4-BE49-F238E27FC236}">
+                <a16:creationId xmlns:a16="http://schemas.microsoft.com/office/drawing/2014/main" id="{AB740BE9-E218-4144-BFDE-AE473D230A3D}"/>
+              </a:ext>
+            </a:extLst>
+          </p:cNvPr>
+          <p:cNvSpPr>
+            <a:spLocks noGrp="1"/>
+          </p:cNvSpPr>
+          <p:nvPr>
+            <p:ph type="sldNum" sz="quarter" idx="12"/>
+          </p:nvPr>
+        </p:nvSpPr>
+        <p:spPr/>
+        <p:txBody>
+          <a:bodyPr/>
+          <a:lstStyle/>
+          <a:p>
+            <a:pPr>
+              <a:defRPr/>
+            </a:pPr>
+            <a:fld id="{48B4153A-D4C5-4CEF-8992-0D8815C829E3}" type="slidenum">
+              <a:rPr lang="en-US" smtClean="0"/>
+              <a:pPr>
+                <a:defRPr/>
+              </a:pPr>
+              <a:t>17</a:t>
+            </a:fld>
+            <a:endParaRPr lang="en-US" dirty="0"/>
+          </a:p>
+        </p:txBody>
+      </p:sp>
+      <p:sp>
+        <p:nvSpPr>
+          <p:cNvPr id="6" name="Titolo 4">
+            <a:extLst>
+              <a:ext uri="{FF2B5EF4-FFF2-40B4-BE49-F238E27FC236}">
+                <a16:creationId xmlns:a16="http://schemas.microsoft.com/office/drawing/2014/main" id="{CF9A4806-60B4-80DC-1F76-D2EB3E6C376B}"/>
+              </a:ext>
+            </a:extLst>
+          </p:cNvPr>
+          <p:cNvSpPr>
+            <a:spLocks noGrp="1"/>
+          </p:cNvSpPr>
+          <p:nvPr>
+            <p:ph type="title"/>
+          </p:nvPr>
+        </p:nvSpPr>
+        <p:spPr>
+          <a:xfrm>
+            <a:off x="468313" y="286788"/>
+            <a:ext cx="11269662" cy="769441"/>
+          </a:xfrm>
+        </p:spPr>
+        <p:txBody>
+          <a:bodyPr/>
+          <a:lstStyle/>
+          <a:p>
+            <a:r>
+              <a:rPr lang="it-IT">
+                <a:solidFill>
+                  <a:schemeClr val="tx1"/>
+                </a:solidFill>
+              </a:rPr>
+              <a:t>Architetture di Blockchain</a:t>
+            </a:r>
+            <a:br>
+              <a:rPr lang="it-IT">
+                <a:solidFill>
+                  <a:schemeClr val="tx1"/>
+                </a:solidFill>
+              </a:rPr>
+            </a:br>
+            <a:endParaRPr lang="it-IT" dirty="0">
+              <a:solidFill>
+                <a:schemeClr val="tx1"/>
+              </a:solidFill>
+            </a:endParaRPr>
+          </a:p>
+        </p:txBody>
+      </p:sp>
+    </p:spTree>
+    <p:extLst>
+      <p:ext uri="{BB962C8B-B14F-4D97-AF65-F5344CB8AC3E}">
+        <p14:creationId xmlns:p14="http://schemas.microsoft.com/office/powerpoint/2010/main" val="1440037458"/>
+      </p:ext>
+    </p:extLst>
+  </p:cSld>
+  <p:clrMapOvr>
+    <a:masterClrMapping/>
+  </p:clrMapOvr>
+</p:sld>
+</file>
+
+<file path=ppt/slides/slide18.xml><?xml version="1.0" encoding="utf-8"?>
+<p:sld xmlns:a="http://schemas.openxmlformats.org/drawingml/2006/main" xmlns:r="http://schemas.openxmlformats.org/officeDocument/2006/relationships" xmlns:p="http://schemas.openxmlformats.org/presentationml/2006/main">
+  <p:cSld>
+    <p:spTree>
+      <p:nvGrpSpPr>
+        <p:cNvPr id="1" name=""/>
+        <p:cNvGrpSpPr/>
+        <p:nvPr/>
+      </p:nvGrpSpPr>
+      <p:grpSpPr>
+        <a:xfrm>
+          <a:off x="0" y="0"/>
+          <a:ext cx="0" cy="0"/>
+          <a:chOff x="0" y="0"/>
+          <a:chExt cx="0" cy="0"/>
+        </a:xfrm>
+      </p:grpSpPr>
+      <p:sp>
+        <p:nvSpPr>
+          <p:cNvPr id="2" name="Segnaposto testo 1">
+            <a:extLst>
+              <a:ext uri="{FF2B5EF4-FFF2-40B4-BE49-F238E27FC236}">
+                <a16:creationId xmlns:a16="http://schemas.microsoft.com/office/drawing/2014/main" id="{E5AE986C-196F-4141-A898-FA4C4198CDCC}"/>
+              </a:ext>
+            </a:extLst>
+          </p:cNvPr>
+          <p:cNvSpPr>
+            <a:spLocks noGrp="1"/>
+          </p:cNvSpPr>
+          <p:nvPr>
+            <p:ph type="body" idx="1"/>
+          </p:nvPr>
+        </p:nvSpPr>
+        <p:spPr>
+          <a:xfrm>
+            <a:off x="206477" y="1333064"/>
+            <a:ext cx="11680724" cy="4392612"/>
+          </a:xfrm>
+        </p:spPr>
+        <p:txBody>
+          <a:bodyPr/>
+          <a:lstStyle/>
+          <a:p>
+            <a:pPr marL="342900" indent="-342900" algn="just">
+              <a:lnSpc>
+                <a:spcPct val="115000"/>
+              </a:lnSpc>
+              <a:spcBef>
+                <a:spcPts val="2400"/>
+              </a:spcBef>
+              <a:buFont typeface="Wingdings" panose="05000000000000000000" pitchFamily="2" charset="2"/>
+              <a:buChar char="ü"/>
+              <a:tabLst>
+                <a:tab pos="457200" algn="l"/>
+              </a:tabLst>
+            </a:pPr>
+            <a:r>
+              <a:rPr lang="it-IT" sz="2400" dirty="0" smtClean="0">
+                <a:solidFill>
+                  <a:schemeClr val="tx1"/>
+                </a:solidFill>
+                <a:latin typeface="Tahoma" panose="020B0604030504040204" pitchFamily="34" charset="0"/>
+                <a:ea typeface="Tahoma" panose="020B0604030504040204" pitchFamily="34" charset="0"/>
+                <a:cs typeface="Tahoma" panose="020B0604030504040204" pitchFamily="34" charset="0"/>
+              </a:rPr>
+              <a:t>Partendo </a:t>
+            </a:r>
+            <a:r>
+              <a:rPr lang="it-IT" sz="2400" dirty="0">
+                <a:solidFill>
+                  <a:schemeClr val="tx1"/>
+                </a:solidFill>
+                <a:latin typeface="Tahoma" panose="020B0604030504040204" pitchFamily="34" charset="0"/>
+                <a:ea typeface="Tahoma" panose="020B0604030504040204" pitchFamily="34" charset="0"/>
+                <a:cs typeface="Tahoma" panose="020B0604030504040204" pitchFamily="34" charset="0"/>
+              </a:rPr>
+              <a:t>dall’analisi fatta su </a:t>
+            </a:r>
+            <a:r>
+              <a:rPr lang="it-IT" sz="2400" b="1" dirty="0" err="1" smtClean="0">
+                <a:solidFill>
+                  <a:schemeClr val="tx1"/>
+                </a:solidFill>
+                <a:latin typeface="Tahoma" panose="020B0604030504040204" pitchFamily="34" charset="0"/>
+                <a:ea typeface="Tahoma" panose="020B0604030504040204" pitchFamily="34" charset="0"/>
+                <a:cs typeface="Tahoma" panose="020B0604030504040204" pitchFamily="34" charset="0"/>
+              </a:rPr>
+              <a:t>Bitcoin</a:t>
+            </a:r>
+            <a:r>
+              <a:rPr lang="it-IT" sz="2400" b="1" dirty="0" smtClean="0">
+                <a:solidFill>
+                  <a:schemeClr val="tx1"/>
+                </a:solidFill>
+                <a:latin typeface="Tahoma" panose="020B0604030504040204" pitchFamily="34" charset="0"/>
+                <a:ea typeface="Tahoma" panose="020B0604030504040204" pitchFamily="34" charset="0"/>
+                <a:cs typeface="Tahoma" panose="020B0604030504040204" pitchFamily="34" charset="0"/>
+              </a:rPr>
+              <a:t>,</a:t>
+            </a:r>
+            <a:r>
+              <a:rPr lang="it-IT" sz="2400" dirty="0" smtClean="0">
+                <a:solidFill>
+                  <a:schemeClr val="tx1"/>
+                </a:solidFill>
+                <a:latin typeface="Tahoma" panose="020B0604030504040204" pitchFamily="34" charset="0"/>
+                <a:ea typeface="Tahoma" panose="020B0604030504040204" pitchFamily="34" charset="0"/>
+                <a:cs typeface="Tahoma" panose="020B0604030504040204" pitchFamily="34" charset="0"/>
+              </a:rPr>
+              <a:t> </a:t>
+            </a:r>
+            <a:r>
+              <a:rPr lang="it-IT" sz="2400" dirty="0">
+                <a:solidFill>
+                  <a:schemeClr val="tx1"/>
+                </a:solidFill>
+                <a:latin typeface="Tahoma" panose="020B0604030504040204" pitchFamily="34" charset="0"/>
+                <a:ea typeface="Tahoma" panose="020B0604030504040204" pitchFamily="34" charset="0"/>
+                <a:cs typeface="Tahoma" panose="020B0604030504040204" pitchFamily="34" charset="0"/>
+              </a:rPr>
+              <a:t>gli analisti di </a:t>
+            </a:r>
+            <a:r>
+              <a:rPr lang="it-IT" sz="2400" b="1" dirty="0" err="1">
+                <a:solidFill>
+                  <a:schemeClr val="tx1"/>
+                </a:solidFill>
+                <a:latin typeface="Tahoma" panose="020B0604030504040204" pitchFamily="34" charset="0"/>
+                <a:ea typeface="Tahoma" panose="020B0604030504040204" pitchFamily="34" charset="0"/>
+                <a:cs typeface="Tahoma" panose="020B0604030504040204" pitchFamily="34" charset="0"/>
+              </a:rPr>
+              <a:t>Forrester</a:t>
+            </a:r>
+            <a:r>
+              <a:rPr lang="it-IT" sz="2400" dirty="0">
+                <a:solidFill>
+                  <a:schemeClr val="tx1"/>
+                </a:solidFill>
+                <a:latin typeface="Tahoma" panose="020B0604030504040204" pitchFamily="34" charset="0"/>
+                <a:ea typeface="Tahoma" panose="020B0604030504040204" pitchFamily="34" charset="0"/>
+                <a:cs typeface="Tahoma" panose="020B0604030504040204" pitchFamily="34" charset="0"/>
+              </a:rPr>
+              <a:t> stimano che il </a:t>
+            </a:r>
+            <a:r>
+              <a:rPr lang="it-IT" sz="2400" b="1" dirty="0">
+                <a:solidFill>
+                  <a:schemeClr val="tx1"/>
+                </a:solidFill>
+                <a:latin typeface="Tahoma" panose="020B0604030504040204" pitchFamily="34" charset="0"/>
+                <a:ea typeface="Tahoma" panose="020B0604030504040204" pitchFamily="34" charset="0"/>
+                <a:cs typeface="Tahoma" panose="020B0604030504040204" pitchFamily="34" charset="0"/>
+              </a:rPr>
+              <a:t>50</a:t>
+            </a:r>
+            <a:r>
+              <a:rPr lang="it-IT" sz="2400" dirty="0">
+                <a:solidFill>
+                  <a:schemeClr val="tx1"/>
+                </a:solidFill>
+                <a:latin typeface="Tahoma" panose="020B0604030504040204" pitchFamily="34" charset="0"/>
+                <a:ea typeface="Tahoma" panose="020B0604030504040204" pitchFamily="34" charset="0"/>
+                <a:cs typeface="Tahoma" panose="020B0604030504040204" pitchFamily="34" charset="0"/>
+              </a:rPr>
+              <a:t>% dell’intero network in realtà lavori per questo tipo di operazioni e per ogni singola </a:t>
+            </a:r>
+            <a:r>
+              <a:rPr lang="it-IT" sz="2400" dirty="0" smtClean="0">
+                <a:solidFill>
+                  <a:schemeClr val="tx1"/>
+                </a:solidFill>
+                <a:latin typeface="Tahoma" panose="020B0604030504040204" pitchFamily="34" charset="0"/>
+                <a:ea typeface="Tahoma" panose="020B0604030504040204" pitchFamily="34" charset="0"/>
+                <a:cs typeface="Tahoma" panose="020B0604030504040204" pitchFamily="34" charset="0"/>
+              </a:rPr>
+              <a:t>verifica, </a:t>
+            </a:r>
+            <a:r>
+              <a:rPr lang="it-IT" sz="2400" dirty="0">
+                <a:solidFill>
+                  <a:schemeClr val="tx1"/>
+                </a:solidFill>
+                <a:latin typeface="Tahoma" panose="020B0604030504040204" pitchFamily="34" charset="0"/>
+                <a:ea typeface="Tahoma" panose="020B0604030504040204" pitchFamily="34" charset="0"/>
+                <a:cs typeface="Tahoma" panose="020B0604030504040204" pitchFamily="34" charset="0"/>
+              </a:rPr>
+              <a:t>servano in media </a:t>
+            </a:r>
+            <a:r>
+              <a:rPr lang="it-IT" sz="2400" b="1" dirty="0">
+                <a:solidFill>
+                  <a:schemeClr val="tx1"/>
+                </a:solidFill>
+                <a:latin typeface="Tahoma" panose="020B0604030504040204" pitchFamily="34" charset="0"/>
+                <a:ea typeface="Tahoma" panose="020B0604030504040204" pitchFamily="34" charset="0"/>
+                <a:cs typeface="Tahoma" panose="020B0604030504040204" pitchFamily="34" charset="0"/>
+              </a:rPr>
+              <a:t>10</a:t>
+            </a:r>
+            <a:r>
+              <a:rPr lang="it-IT" sz="2400" dirty="0">
+                <a:solidFill>
+                  <a:schemeClr val="tx1"/>
+                </a:solidFill>
+                <a:latin typeface="Tahoma" panose="020B0604030504040204" pitchFamily="34" charset="0"/>
+                <a:ea typeface="Tahoma" panose="020B0604030504040204" pitchFamily="34" charset="0"/>
+                <a:cs typeface="Tahoma" panose="020B0604030504040204" pitchFamily="34" charset="0"/>
+              </a:rPr>
+              <a:t> </a:t>
+            </a:r>
+            <a:r>
+              <a:rPr lang="it-IT" sz="2400" b="1" dirty="0">
+                <a:solidFill>
+                  <a:schemeClr val="tx1"/>
+                </a:solidFill>
+                <a:latin typeface="Tahoma" panose="020B0604030504040204" pitchFamily="34" charset="0"/>
+                <a:ea typeface="Tahoma" panose="020B0604030504040204" pitchFamily="34" charset="0"/>
+                <a:cs typeface="Tahoma" panose="020B0604030504040204" pitchFamily="34" charset="0"/>
+              </a:rPr>
+              <a:t>minuti</a:t>
+            </a:r>
+            <a:r>
+              <a:rPr lang="it-IT" sz="2400" dirty="0">
+                <a:solidFill>
+                  <a:schemeClr val="tx1"/>
+                </a:solidFill>
+                <a:latin typeface="Tahoma" panose="020B0604030504040204" pitchFamily="34" charset="0"/>
+                <a:ea typeface="Tahoma" panose="020B0604030504040204" pitchFamily="34" charset="0"/>
+                <a:cs typeface="Tahoma" panose="020B0604030504040204" pitchFamily="34" charset="0"/>
+              </a:rPr>
+              <a:t> (cosa che porta ad avere, all’interno di </a:t>
+            </a:r>
+            <a:r>
+              <a:rPr lang="it-IT" sz="2400" b="1" dirty="0" err="1">
+                <a:solidFill>
+                  <a:schemeClr val="tx1"/>
+                </a:solidFill>
+                <a:latin typeface="Tahoma" panose="020B0604030504040204" pitchFamily="34" charset="0"/>
+                <a:ea typeface="Tahoma" panose="020B0604030504040204" pitchFamily="34" charset="0"/>
+                <a:cs typeface="Tahoma" panose="020B0604030504040204" pitchFamily="34" charset="0"/>
+              </a:rPr>
+              <a:t>Bitcoin</a:t>
+            </a:r>
+            <a:r>
+              <a:rPr lang="it-IT" sz="2400" dirty="0">
+                <a:solidFill>
+                  <a:schemeClr val="tx1"/>
+                </a:solidFill>
+                <a:latin typeface="Tahoma" panose="020B0604030504040204" pitchFamily="34" charset="0"/>
+                <a:ea typeface="Tahoma" panose="020B0604030504040204" pitchFamily="34" charset="0"/>
+                <a:cs typeface="Tahoma" panose="020B0604030504040204" pitchFamily="34" charset="0"/>
+              </a:rPr>
+              <a:t>, </a:t>
+            </a:r>
+            <a:r>
+              <a:rPr lang="it-IT" sz="2400" b="1" dirty="0">
+                <a:solidFill>
+                  <a:schemeClr val="tx1"/>
+                </a:solidFill>
+                <a:latin typeface="Tahoma" panose="020B0604030504040204" pitchFamily="34" charset="0"/>
+                <a:ea typeface="Tahoma" panose="020B0604030504040204" pitchFamily="34" charset="0"/>
+                <a:cs typeface="Tahoma" panose="020B0604030504040204" pitchFamily="34" charset="0"/>
+              </a:rPr>
+              <a:t>7</a:t>
+            </a:r>
+            <a:r>
+              <a:rPr lang="it-IT" sz="2400" dirty="0">
+                <a:solidFill>
+                  <a:schemeClr val="tx1"/>
+                </a:solidFill>
+                <a:latin typeface="Tahoma" panose="020B0604030504040204" pitchFamily="34" charset="0"/>
+                <a:ea typeface="Tahoma" panose="020B0604030504040204" pitchFamily="34" charset="0"/>
+                <a:cs typeface="Tahoma" panose="020B0604030504040204" pitchFamily="34" charset="0"/>
+              </a:rPr>
+              <a:t> </a:t>
+            </a:r>
+            <a:r>
+              <a:rPr lang="it-IT" sz="2400" b="1" dirty="0" err="1">
+                <a:solidFill>
+                  <a:schemeClr val="tx1"/>
+                </a:solidFill>
+                <a:latin typeface="Tahoma" panose="020B0604030504040204" pitchFamily="34" charset="0"/>
+                <a:ea typeface="Tahoma" panose="020B0604030504040204" pitchFamily="34" charset="0"/>
+                <a:cs typeface="Tahoma" panose="020B0604030504040204" pitchFamily="34" charset="0"/>
+              </a:rPr>
+              <a:t>tps</a:t>
+            </a:r>
+            <a:r>
+              <a:rPr lang="it-IT" sz="2400" dirty="0">
+                <a:solidFill>
+                  <a:schemeClr val="tx1"/>
+                </a:solidFill>
+                <a:latin typeface="Tahoma" panose="020B0604030504040204" pitchFamily="34" charset="0"/>
+                <a:ea typeface="Tahoma" panose="020B0604030504040204" pitchFamily="34" charset="0"/>
+                <a:cs typeface="Tahoma" panose="020B0604030504040204" pitchFamily="34" charset="0"/>
+              </a:rPr>
+              <a:t> – transazioni al secondo). </a:t>
+            </a:r>
+            <a:endParaRPr lang="it-IT" sz="2400" dirty="0" smtClean="0">
+              <a:solidFill>
+                <a:schemeClr val="tx1"/>
+              </a:solidFill>
+              <a:latin typeface="Tahoma" panose="020B0604030504040204" pitchFamily="34" charset="0"/>
+              <a:ea typeface="Tahoma" panose="020B0604030504040204" pitchFamily="34" charset="0"/>
+              <a:cs typeface="Tahoma" panose="020B0604030504040204" pitchFamily="34" charset="0"/>
+            </a:endParaRPr>
+          </a:p>
+          <a:p>
+            <a:pPr marL="342900" indent="-342900" algn="just">
+              <a:lnSpc>
+                <a:spcPct val="115000"/>
+              </a:lnSpc>
+              <a:spcBef>
+                <a:spcPts val="2400"/>
+              </a:spcBef>
+              <a:buFont typeface="Wingdings" panose="05000000000000000000" pitchFamily="2" charset="2"/>
+              <a:buChar char="ü"/>
+              <a:tabLst>
+                <a:tab pos="457200" algn="l"/>
+              </a:tabLst>
+            </a:pPr>
+            <a:r>
+              <a:rPr lang="it-IT" sz="2400" dirty="0" smtClean="0">
+                <a:solidFill>
+                  <a:schemeClr val="tx1"/>
+                </a:solidFill>
+                <a:latin typeface="Tahoma" panose="020B0604030504040204" pitchFamily="34" charset="0"/>
+                <a:ea typeface="Tahoma" panose="020B0604030504040204" pitchFamily="34" charset="0"/>
+                <a:cs typeface="Tahoma" panose="020B0604030504040204" pitchFamily="34" charset="0"/>
+              </a:rPr>
+              <a:t>“</a:t>
+            </a:r>
+            <a:r>
+              <a:rPr lang="it-IT" sz="2400" dirty="0">
+                <a:solidFill>
+                  <a:schemeClr val="tx1"/>
+                </a:solidFill>
+                <a:latin typeface="Tahoma" panose="020B0604030504040204" pitchFamily="34" charset="0"/>
+                <a:ea typeface="Tahoma" panose="020B0604030504040204" pitchFamily="34" charset="0"/>
+                <a:cs typeface="Tahoma" panose="020B0604030504040204" pitchFamily="34" charset="0"/>
+              </a:rPr>
+              <a:t>Paragonando questi dati alla media di </a:t>
+            </a:r>
+            <a:r>
+              <a:rPr lang="it-IT" sz="2400" b="1" dirty="0">
+                <a:solidFill>
+                  <a:schemeClr val="tx1"/>
+                </a:solidFill>
+                <a:latin typeface="Tahoma" panose="020B0604030504040204" pitchFamily="34" charset="0"/>
+                <a:ea typeface="Tahoma" panose="020B0604030504040204" pitchFamily="34" charset="0"/>
+                <a:cs typeface="Tahoma" panose="020B0604030504040204" pitchFamily="34" charset="0"/>
+              </a:rPr>
+              <a:t>2500</a:t>
+            </a:r>
+            <a:r>
+              <a:rPr lang="it-IT" sz="2400" dirty="0">
+                <a:solidFill>
+                  <a:schemeClr val="tx1"/>
+                </a:solidFill>
+                <a:latin typeface="Tahoma" panose="020B0604030504040204" pitchFamily="34" charset="0"/>
+                <a:ea typeface="Tahoma" panose="020B0604030504040204" pitchFamily="34" charset="0"/>
+                <a:cs typeface="Tahoma" panose="020B0604030504040204" pitchFamily="34" charset="0"/>
+              </a:rPr>
+              <a:t> </a:t>
+            </a:r>
+            <a:r>
+              <a:rPr lang="it-IT" sz="2400" b="1" dirty="0" err="1">
+                <a:solidFill>
+                  <a:schemeClr val="tx1"/>
+                </a:solidFill>
+                <a:latin typeface="Tahoma" panose="020B0604030504040204" pitchFamily="34" charset="0"/>
+                <a:ea typeface="Tahoma" panose="020B0604030504040204" pitchFamily="34" charset="0"/>
+                <a:cs typeface="Tahoma" panose="020B0604030504040204" pitchFamily="34" charset="0"/>
+              </a:rPr>
+              <a:t>tps</a:t>
+            </a:r>
+            <a:r>
+              <a:rPr lang="it-IT" sz="2400" dirty="0">
+                <a:solidFill>
+                  <a:schemeClr val="tx1"/>
+                </a:solidFill>
+                <a:latin typeface="Tahoma" panose="020B0604030504040204" pitchFamily="34" charset="0"/>
+                <a:ea typeface="Tahoma" panose="020B0604030504040204" pitchFamily="34" charset="0"/>
+                <a:cs typeface="Tahoma" panose="020B0604030504040204" pitchFamily="34" charset="0"/>
+              </a:rPr>
+              <a:t> generate all’interno del circuito </a:t>
+            </a:r>
+            <a:r>
+              <a:rPr lang="it-IT" sz="2400" b="1" dirty="0">
+                <a:solidFill>
+                  <a:schemeClr val="tx1"/>
+                </a:solidFill>
+                <a:latin typeface="Tahoma" panose="020B0604030504040204" pitchFamily="34" charset="0"/>
+                <a:ea typeface="Tahoma" panose="020B0604030504040204" pitchFamily="34" charset="0"/>
+                <a:cs typeface="Tahoma" panose="020B0604030504040204" pitchFamily="34" charset="0"/>
+              </a:rPr>
+              <a:t>Visa</a:t>
+            </a:r>
+            <a:r>
+              <a:rPr lang="it-IT" sz="2400" dirty="0">
+                <a:solidFill>
+                  <a:schemeClr val="tx1"/>
+                </a:solidFill>
+                <a:latin typeface="Tahoma" panose="020B0604030504040204" pitchFamily="34" charset="0"/>
+                <a:ea typeface="Tahoma" panose="020B0604030504040204" pitchFamily="34" charset="0"/>
+                <a:cs typeface="Tahoma" panose="020B0604030504040204" pitchFamily="34" charset="0"/>
+              </a:rPr>
+              <a:t> che può reggere fino a 40mila e più </a:t>
+            </a:r>
+            <a:r>
+              <a:rPr lang="it-IT" sz="2400" b="1" dirty="0" err="1">
+                <a:solidFill>
+                  <a:schemeClr val="tx1"/>
+                </a:solidFill>
+                <a:latin typeface="Tahoma" panose="020B0604030504040204" pitchFamily="34" charset="0"/>
+                <a:ea typeface="Tahoma" panose="020B0604030504040204" pitchFamily="34" charset="0"/>
+                <a:cs typeface="Tahoma" panose="020B0604030504040204" pitchFamily="34" charset="0"/>
+              </a:rPr>
+              <a:t>tps</a:t>
+            </a:r>
+            <a:r>
+              <a:rPr lang="it-IT" sz="2400" dirty="0">
+                <a:solidFill>
+                  <a:schemeClr val="tx1"/>
+                </a:solidFill>
+                <a:latin typeface="Tahoma" panose="020B0604030504040204" pitchFamily="34" charset="0"/>
+                <a:ea typeface="Tahoma" panose="020B0604030504040204" pitchFamily="34" charset="0"/>
+                <a:cs typeface="Tahoma" panose="020B0604030504040204" pitchFamily="34" charset="0"/>
+              </a:rPr>
+              <a:t>, risulta </a:t>
+            </a:r>
+            <a:r>
+              <a:rPr lang="it-IT" sz="2400" b="1" dirty="0">
+                <a:solidFill>
+                  <a:schemeClr val="tx1"/>
+                </a:solidFill>
+                <a:latin typeface="Tahoma" panose="020B0604030504040204" pitchFamily="34" charset="0"/>
+                <a:ea typeface="Tahoma" panose="020B0604030504040204" pitchFamily="34" charset="0"/>
+                <a:cs typeface="Tahoma" panose="020B0604030504040204" pitchFamily="34" charset="0"/>
+              </a:rPr>
+              <a:t>ancora</a:t>
+            </a:r>
+            <a:r>
+              <a:rPr lang="it-IT" sz="2400" dirty="0">
+                <a:solidFill>
+                  <a:schemeClr val="tx1"/>
+                </a:solidFill>
+                <a:latin typeface="Tahoma" panose="020B0604030504040204" pitchFamily="34" charset="0"/>
+                <a:ea typeface="Tahoma" panose="020B0604030504040204" pitchFamily="34" charset="0"/>
+                <a:cs typeface="Tahoma" panose="020B0604030504040204" pitchFamily="34" charset="0"/>
+              </a:rPr>
+              <a:t> difficile pensare ad una </a:t>
+            </a:r>
+            <a:r>
+              <a:rPr lang="it-IT" sz="2400" b="1" dirty="0" err="1">
+                <a:solidFill>
+                  <a:schemeClr val="tx1"/>
+                </a:solidFill>
+                <a:latin typeface="Tahoma" panose="020B0604030504040204" pitchFamily="34" charset="0"/>
+                <a:ea typeface="Tahoma" panose="020B0604030504040204" pitchFamily="34" charset="0"/>
+                <a:cs typeface="Tahoma" panose="020B0604030504040204" pitchFamily="34" charset="0"/>
+              </a:rPr>
+              <a:t>Blockchain</a:t>
+            </a:r>
+            <a:r>
+              <a:rPr lang="it-IT" sz="2400" dirty="0">
+                <a:solidFill>
+                  <a:schemeClr val="tx1"/>
+                </a:solidFill>
+                <a:latin typeface="Tahoma" panose="020B0604030504040204" pitchFamily="34" charset="0"/>
+                <a:ea typeface="Tahoma" panose="020B0604030504040204" pitchFamily="34" charset="0"/>
+                <a:cs typeface="Tahoma" panose="020B0604030504040204" pitchFamily="34" charset="0"/>
+              </a:rPr>
+              <a:t> </a:t>
+            </a:r>
+            <a:r>
+              <a:rPr lang="it-IT" sz="2400" b="1" dirty="0">
+                <a:solidFill>
+                  <a:schemeClr val="tx1"/>
+                </a:solidFill>
+                <a:latin typeface="Tahoma" panose="020B0604030504040204" pitchFamily="34" charset="0"/>
+                <a:ea typeface="Tahoma" panose="020B0604030504040204" pitchFamily="34" charset="0"/>
+                <a:cs typeface="Tahoma" panose="020B0604030504040204" pitchFamily="34" charset="0"/>
+              </a:rPr>
+              <a:t>scalabile</a:t>
+            </a:r>
+            <a:r>
+              <a:rPr lang="it-IT" sz="2400" dirty="0">
+                <a:solidFill>
+                  <a:schemeClr val="tx1"/>
+                </a:solidFill>
+                <a:latin typeface="Tahoma" panose="020B0604030504040204" pitchFamily="34" charset="0"/>
+                <a:ea typeface="Tahoma" panose="020B0604030504040204" pitchFamily="34" charset="0"/>
+                <a:cs typeface="Tahoma" panose="020B0604030504040204" pitchFamily="34" charset="0"/>
+              </a:rPr>
+              <a:t>”, ammette </a:t>
+            </a:r>
+            <a:r>
+              <a:rPr lang="it-IT" sz="2400" b="1" dirty="0">
+                <a:solidFill>
+                  <a:schemeClr val="tx1"/>
+                </a:solidFill>
+                <a:latin typeface="Tahoma" panose="020B0604030504040204" pitchFamily="34" charset="0"/>
+                <a:ea typeface="Tahoma" panose="020B0604030504040204" pitchFamily="34" charset="0"/>
+                <a:cs typeface="Tahoma" panose="020B0604030504040204" pitchFamily="34" charset="0"/>
+              </a:rPr>
+              <a:t>Martha</a:t>
+            </a:r>
+            <a:r>
+              <a:rPr lang="it-IT" sz="2400" dirty="0">
+                <a:solidFill>
+                  <a:schemeClr val="tx1"/>
+                </a:solidFill>
+                <a:latin typeface="Tahoma" panose="020B0604030504040204" pitchFamily="34" charset="0"/>
+                <a:ea typeface="Tahoma" panose="020B0604030504040204" pitchFamily="34" charset="0"/>
+                <a:cs typeface="Tahoma" panose="020B0604030504040204" pitchFamily="34" charset="0"/>
+              </a:rPr>
+              <a:t> </a:t>
+            </a:r>
+            <a:r>
+              <a:rPr lang="it-IT" sz="2400" b="1" dirty="0">
+                <a:solidFill>
+                  <a:schemeClr val="tx1"/>
+                </a:solidFill>
+                <a:latin typeface="Tahoma" panose="020B0604030504040204" pitchFamily="34" charset="0"/>
+                <a:ea typeface="Tahoma" panose="020B0604030504040204" pitchFamily="34" charset="0"/>
+                <a:cs typeface="Tahoma" panose="020B0604030504040204" pitchFamily="34" charset="0"/>
+              </a:rPr>
+              <a:t>Bennett</a:t>
+            </a:r>
+            <a:r>
+              <a:rPr lang="it-IT" sz="2400" dirty="0">
+                <a:solidFill>
+                  <a:schemeClr val="tx1"/>
+                </a:solidFill>
+                <a:latin typeface="Tahoma" panose="020B0604030504040204" pitchFamily="34" charset="0"/>
+                <a:ea typeface="Tahoma" panose="020B0604030504040204" pitchFamily="34" charset="0"/>
+                <a:cs typeface="Tahoma" panose="020B0604030504040204" pitchFamily="34" charset="0"/>
+              </a:rPr>
+              <a:t> di </a:t>
+            </a:r>
+            <a:r>
+              <a:rPr lang="it-IT" sz="2400" b="1" dirty="0" err="1">
+                <a:solidFill>
+                  <a:schemeClr val="tx1"/>
+                </a:solidFill>
+                <a:latin typeface="Tahoma" panose="020B0604030504040204" pitchFamily="34" charset="0"/>
+                <a:ea typeface="Tahoma" panose="020B0604030504040204" pitchFamily="34" charset="0"/>
+                <a:cs typeface="Tahoma" panose="020B0604030504040204" pitchFamily="34" charset="0"/>
+              </a:rPr>
+              <a:t>Forrester</a:t>
+            </a:r>
+            <a:r>
+              <a:rPr lang="it-IT" sz="2400" dirty="0">
+                <a:solidFill>
+                  <a:schemeClr val="tx1"/>
+                </a:solidFill>
+                <a:latin typeface="Tahoma" panose="020B0604030504040204" pitchFamily="34" charset="0"/>
+                <a:ea typeface="Tahoma" panose="020B0604030504040204" pitchFamily="34" charset="0"/>
+                <a:cs typeface="Tahoma" panose="020B0604030504040204" pitchFamily="34" charset="0"/>
+              </a:rPr>
+              <a:t>.</a:t>
+            </a:r>
+            <a:br>
+              <a:rPr lang="it-IT" sz="2400" dirty="0">
+                <a:solidFill>
+                  <a:schemeClr val="tx1"/>
+                </a:solidFill>
+                <a:latin typeface="Tahoma" panose="020B0604030504040204" pitchFamily="34" charset="0"/>
+                <a:ea typeface="Tahoma" panose="020B0604030504040204" pitchFamily="34" charset="0"/>
+                <a:cs typeface="Tahoma" panose="020B0604030504040204" pitchFamily="34" charset="0"/>
+              </a:rPr>
+            </a:br>
+            <a:r>
+              <a:rPr lang="it-IT" sz="2400" dirty="0">
+                <a:solidFill>
+                  <a:schemeClr val="tx1"/>
+                </a:solidFill>
+                <a:latin typeface="Tahoma" panose="020B0604030504040204" pitchFamily="34" charset="0"/>
+                <a:ea typeface="Tahoma" panose="020B0604030504040204" pitchFamily="34" charset="0"/>
+                <a:cs typeface="Tahoma" panose="020B0604030504040204" pitchFamily="34" charset="0"/>
+              </a:rPr>
+              <a:t>Vero è che il mondo si è mosso, soprattutto sul fronte </a:t>
+            </a:r>
+            <a:r>
+              <a:rPr lang="it-IT" sz="2400" b="1" dirty="0" err="1">
+                <a:solidFill>
+                  <a:schemeClr val="tx1"/>
+                </a:solidFill>
+                <a:latin typeface="Tahoma" panose="020B0604030504040204" pitchFamily="34" charset="0"/>
+                <a:ea typeface="Tahoma" panose="020B0604030504040204" pitchFamily="34" charset="0"/>
+                <a:cs typeface="Tahoma" panose="020B0604030504040204" pitchFamily="34" charset="0"/>
+              </a:rPr>
+              <a:t>It</a:t>
+            </a:r>
+            <a:r>
+              <a:rPr lang="it-IT" sz="2400" dirty="0">
+                <a:solidFill>
+                  <a:schemeClr val="tx1"/>
+                </a:solidFill>
+                <a:latin typeface="Tahoma" panose="020B0604030504040204" pitchFamily="34" charset="0"/>
+                <a:ea typeface="Tahoma" panose="020B0604030504040204" pitchFamily="34" charset="0"/>
+                <a:cs typeface="Tahoma" panose="020B0604030504040204" pitchFamily="34" charset="0"/>
+              </a:rPr>
+              <a:t>, dallo sviluppo di software per inviare, ricevere e gestire il proprio conto </a:t>
+            </a:r>
+            <a:r>
+              <a:rPr lang="it-IT" sz="2400" b="1" dirty="0" err="1">
+                <a:solidFill>
+                  <a:schemeClr val="tx1"/>
+                </a:solidFill>
+                <a:latin typeface="Tahoma" panose="020B0604030504040204" pitchFamily="34" charset="0"/>
+                <a:ea typeface="Tahoma" panose="020B0604030504040204" pitchFamily="34" charset="0"/>
+                <a:cs typeface="Tahoma" panose="020B0604030504040204" pitchFamily="34" charset="0"/>
+              </a:rPr>
+              <a:t>bitcoin</a:t>
+            </a:r>
+            <a:r>
+              <a:rPr lang="it-IT" sz="2400" dirty="0">
+                <a:solidFill>
+                  <a:schemeClr val="tx1"/>
+                </a:solidFill>
+                <a:latin typeface="Tahoma" panose="020B0604030504040204" pitchFamily="34" charset="0"/>
+                <a:ea typeface="Tahoma" panose="020B0604030504040204" pitchFamily="34" charset="0"/>
+                <a:cs typeface="Tahoma" panose="020B0604030504040204" pitchFamily="34" charset="0"/>
+              </a:rPr>
+              <a:t> (</a:t>
+            </a:r>
+            <a:r>
+              <a:rPr lang="it-IT" sz="2400" b="1" dirty="0">
+                <a:solidFill>
+                  <a:schemeClr val="tx1"/>
+                </a:solidFill>
+                <a:latin typeface="Tahoma" panose="020B0604030504040204" pitchFamily="34" charset="0"/>
+                <a:ea typeface="Tahoma" panose="020B0604030504040204" pitchFamily="34" charset="0"/>
+                <a:cs typeface="Tahoma" panose="020B0604030504040204" pitchFamily="34" charset="0"/>
+              </a:rPr>
+              <a:t>Exchange</a:t>
+            </a:r>
+            <a:r>
+              <a:rPr lang="it-IT" sz="2400" dirty="0">
+                <a:solidFill>
+                  <a:schemeClr val="tx1"/>
+                </a:solidFill>
+                <a:latin typeface="Tahoma" panose="020B0604030504040204" pitchFamily="34" charset="0"/>
+                <a:ea typeface="Tahoma" panose="020B0604030504040204" pitchFamily="34" charset="0"/>
+                <a:cs typeface="Tahoma" panose="020B0604030504040204" pitchFamily="34" charset="0"/>
+              </a:rPr>
+              <a:t> </a:t>
+            </a:r>
+            <a:r>
+              <a:rPr lang="it-IT" sz="2400" b="1" dirty="0" err="1">
+                <a:solidFill>
+                  <a:schemeClr val="tx1"/>
+                </a:solidFill>
+                <a:latin typeface="Tahoma" panose="020B0604030504040204" pitchFamily="34" charset="0"/>
+                <a:ea typeface="Tahoma" panose="020B0604030504040204" pitchFamily="34" charset="0"/>
+                <a:cs typeface="Tahoma" panose="020B0604030504040204" pitchFamily="34" charset="0"/>
+              </a:rPr>
+              <a:t>bitcoin</a:t>
+            </a:r>
+            <a:r>
+              <a:rPr lang="it-IT" sz="2400" dirty="0">
+                <a:solidFill>
+                  <a:schemeClr val="tx1"/>
+                </a:solidFill>
+                <a:latin typeface="Tahoma" panose="020B0604030504040204" pitchFamily="34" charset="0"/>
+                <a:ea typeface="Tahoma" panose="020B0604030504040204" pitchFamily="34" charset="0"/>
+                <a:cs typeface="Tahoma" panose="020B0604030504040204" pitchFamily="34" charset="0"/>
+              </a:rPr>
+              <a:t>, </a:t>
+            </a:r>
+            <a:r>
+              <a:rPr lang="it-IT" sz="2400" dirty="0" err="1">
+                <a:solidFill>
+                  <a:schemeClr val="tx1"/>
+                </a:solidFill>
+                <a:latin typeface="Tahoma" panose="020B0604030504040204" pitchFamily="34" charset="0"/>
+                <a:ea typeface="Tahoma" panose="020B0604030504040204" pitchFamily="34" charset="0"/>
+                <a:cs typeface="Tahoma" panose="020B0604030504040204" pitchFamily="34" charset="0"/>
+              </a:rPr>
+              <a:t>Greenbits</a:t>
+            </a:r>
+            <a:r>
+              <a:rPr lang="it-IT" sz="2400" dirty="0">
+                <a:solidFill>
+                  <a:schemeClr val="tx1"/>
+                </a:solidFill>
+                <a:latin typeface="Tahoma" panose="020B0604030504040204" pitchFamily="34" charset="0"/>
+                <a:ea typeface="Tahoma" panose="020B0604030504040204" pitchFamily="34" charset="0"/>
+                <a:cs typeface="Tahoma" panose="020B0604030504040204" pitchFamily="34" charset="0"/>
+              </a:rPr>
+              <a:t>, </a:t>
+            </a:r>
+            <a:r>
+              <a:rPr lang="it-IT" sz="2400" dirty="0" err="1">
+                <a:solidFill>
+                  <a:schemeClr val="tx1"/>
+                </a:solidFill>
+                <a:latin typeface="Tahoma" panose="020B0604030504040204" pitchFamily="34" charset="0"/>
+                <a:ea typeface="Tahoma" panose="020B0604030504040204" pitchFamily="34" charset="0"/>
+                <a:cs typeface="Tahoma" panose="020B0604030504040204" pitchFamily="34" charset="0"/>
+              </a:rPr>
+              <a:t>posteBit</a:t>
+            </a:r>
+            <a:r>
+              <a:rPr lang="it-IT" sz="2400" dirty="0">
+                <a:solidFill>
+                  <a:schemeClr val="tx1"/>
+                </a:solidFill>
+                <a:latin typeface="Tahoma" panose="020B0604030504040204" pitchFamily="34" charset="0"/>
+                <a:ea typeface="Tahoma" panose="020B0604030504040204" pitchFamily="34" charset="0"/>
+                <a:cs typeface="Tahoma" panose="020B0604030504040204" pitchFamily="34" charset="0"/>
+              </a:rPr>
+              <a:t>, Blockchain.info, solo per citare alcuni nomi), fino a coloro che costruiscono le infrastrutture od offrono servizi di pagamento. </a:t>
+            </a:r>
+          </a:p>
+          <a:p>
+            <a:pPr marL="342900" indent="-342900" algn="just">
+              <a:lnSpc>
+                <a:spcPct val="115000"/>
+              </a:lnSpc>
+              <a:spcBef>
+                <a:spcPts val="2400"/>
+              </a:spcBef>
+              <a:buFont typeface="Wingdings" panose="05000000000000000000" pitchFamily="2" charset="2"/>
+              <a:buChar char="ü"/>
+              <a:tabLst>
+                <a:tab pos="457200" algn="l"/>
+              </a:tabLst>
+            </a:pPr>
+            <a:r>
+              <a:rPr lang="it-IT" sz="2400" dirty="0" smtClean="0">
+                <a:solidFill>
+                  <a:schemeClr val="tx1"/>
+                </a:solidFill>
+                <a:latin typeface="Tahoma" panose="020B0604030504040204" pitchFamily="34" charset="0"/>
+                <a:ea typeface="Tahoma" panose="020B0604030504040204" pitchFamily="34" charset="0"/>
+                <a:cs typeface="Tahoma" panose="020B0604030504040204" pitchFamily="34" charset="0"/>
+              </a:rPr>
+              <a:t>Dal 2010 ad oggi, attorno a algoritmi </a:t>
+            </a:r>
+            <a:r>
+              <a:rPr lang="it-IT" sz="2400" dirty="0" err="1" smtClean="0">
+                <a:solidFill>
+                  <a:schemeClr val="tx1"/>
+                </a:solidFill>
+                <a:latin typeface="Tahoma" panose="020B0604030504040204" pitchFamily="34" charset="0"/>
+                <a:ea typeface="Tahoma" panose="020B0604030504040204" pitchFamily="34" charset="0"/>
+                <a:cs typeface="Tahoma" panose="020B0604030504040204" pitchFamily="34" charset="0"/>
+              </a:rPr>
+              <a:t>Bitcoin</a:t>
+            </a:r>
+            <a:r>
+              <a:rPr lang="it-IT" sz="2400" dirty="0" smtClean="0">
+                <a:solidFill>
+                  <a:schemeClr val="tx1"/>
+                </a:solidFill>
+                <a:latin typeface="Tahoma" panose="020B0604030504040204" pitchFamily="34" charset="0"/>
+                <a:ea typeface="Tahoma" panose="020B0604030504040204" pitchFamily="34" charset="0"/>
+                <a:cs typeface="Tahoma" panose="020B0604030504040204" pitchFamily="34" charset="0"/>
+              </a:rPr>
+              <a:t>/</a:t>
+            </a:r>
+            <a:r>
+              <a:rPr lang="it-IT" sz="2400" dirty="0" err="1" smtClean="0">
+                <a:solidFill>
+                  <a:schemeClr val="tx1"/>
+                </a:solidFill>
+                <a:latin typeface="Tahoma" panose="020B0604030504040204" pitchFamily="34" charset="0"/>
+                <a:ea typeface="Tahoma" panose="020B0604030504040204" pitchFamily="34" charset="0"/>
+                <a:cs typeface="Tahoma" panose="020B0604030504040204" pitchFamily="34" charset="0"/>
+              </a:rPr>
+              <a:t>Blockchain</a:t>
+            </a:r>
+            <a:r>
+              <a:rPr lang="it-IT" sz="2400" dirty="0" smtClean="0">
+                <a:solidFill>
+                  <a:schemeClr val="tx1"/>
+                </a:solidFill>
+                <a:latin typeface="Tahoma" panose="020B0604030504040204" pitchFamily="34" charset="0"/>
+                <a:ea typeface="Tahoma" panose="020B0604030504040204" pitchFamily="34" charset="0"/>
+                <a:cs typeface="Tahoma" panose="020B0604030504040204" pitchFamily="34" charset="0"/>
+              </a:rPr>
+              <a:t> si è sviluppato un mercato di aziende </a:t>
+            </a:r>
+            <a:r>
+              <a:rPr lang="it-IT" sz="2400" dirty="0" err="1" smtClean="0">
+                <a:solidFill>
+                  <a:schemeClr val="tx1"/>
+                </a:solidFill>
+                <a:latin typeface="Tahoma" panose="020B0604030504040204" pitchFamily="34" charset="0"/>
+                <a:ea typeface="Tahoma" panose="020B0604030504040204" pitchFamily="34" charset="0"/>
+                <a:cs typeface="Tahoma" panose="020B0604030504040204" pitchFamily="34" charset="0"/>
+              </a:rPr>
+              <a:t>Ict</a:t>
+            </a:r>
+            <a:r>
+              <a:rPr lang="it-IT" sz="2400" dirty="0" smtClean="0">
+                <a:solidFill>
+                  <a:schemeClr val="tx1"/>
+                </a:solidFill>
+                <a:latin typeface="Tahoma" panose="020B0604030504040204" pitchFamily="34" charset="0"/>
+                <a:ea typeface="Tahoma" panose="020B0604030504040204" pitchFamily="34" charset="0"/>
+                <a:cs typeface="Tahoma" panose="020B0604030504040204" pitchFamily="34" charset="0"/>
+              </a:rPr>
+              <a:t> specializzate – che nel primo trimestre 2016 valeva già oltre 1 miliardo di dollari – suddivise in 7 categorie (figura 1): </a:t>
+            </a:r>
+            <a:r>
+              <a:rPr lang="it-IT" sz="2400" dirty="0" err="1" smtClean="0">
+                <a:solidFill>
+                  <a:schemeClr val="tx1"/>
+                </a:solidFill>
+                <a:latin typeface="Tahoma" panose="020B0604030504040204" pitchFamily="34" charset="0"/>
+                <a:ea typeface="Tahoma" panose="020B0604030504040204" pitchFamily="34" charset="0"/>
+                <a:cs typeface="Tahoma" panose="020B0604030504040204" pitchFamily="34" charset="0"/>
+              </a:rPr>
+              <a:t>payment</a:t>
+            </a:r>
+            <a:r>
+              <a:rPr lang="it-IT" sz="2400" dirty="0" smtClean="0">
+                <a:solidFill>
+                  <a:schemeClr val="tx1"/>
+                </a:solidFill>
+                <a:latin typeface="Tahoma" panose="020B0604030504040204" pitchFamily="34" charset="0"/>
+                <a:ea typeface="Tahoma" panose="020B0604030504040204" pitchFamily="34" charset="0"/>
+                <a:cs typeface="Tahoma" panose="020B0604030504040204" pitchFamily="34" charset="0"/>
+              </a:rPr>
+              <a:t> processing, infrastrutture, </a:t>
+            </a:r>
+            <a:r>
+              <a:rPr lang="it-IT" sz="2400" dirty="0" err="1" smtClean="0">
+                <a:solidFill>
+                  <a:schemeClr val="tx1"/>
+                </a:solidFill>
+                <a:latin typeface="Tahoma" panose="020B0604030504040204" pitchFamily="34" charset="0"/>
+                <a:ea typeface="Tahoma" panose="020B0604030504040204" pitchFamily="34" charset="0"/>
+                <a:cs typeface="Tahoma" panose="020B0604030504040204" pitchFamily="34" charset="0"/>
+              </a:rPr>
+              <a:t>exchange</a:t>
+            </a:r>
+            <a:r>
+              <a:rPr lang="it-IT" sz="2400" dirty="0" smtClean="0">
+                <a:solidFill>
+                  <a:schemeClr val="tx1"/>
+                </a:solidFill>
+                <a:latin typeface="Tahoma" panose="020B0604030504040204" pitchFamily="34" charset="0"/>
+                <a:ea typeface="Tahoma" panose="020B0604030504040204" pitchFamily="34" charset="0"/>
+                <a:cs typeface="Tahoma" panose="020B0604030504040204" pitchFamily="34" charset="0"/>
+              </a:rPr>
+              <a:t>, </a:t>
+            </a:r>
+            <a:r>
+              <a:rPr lang="it-IT" sz="2400" dirty="0" err="1" smtClean="0">
+                <a:solidFill>
+                  <a:schemeClr val="tx1"/>
+                </a:solidFill>
+                <a:latin typeface="Tahoma" panose="020B0604030504040204" pitchFamily="34" charset="0"/>
+                <a:ea typeface="Tahoma" panose="020B0604030504040204" pitchFamily="34" charset="0"/>
+                <a:cs typeface="Tahoma" panose="020B0604030504040204" pitchFamily="34" charset="0"/>
+              </a:rPr>
+              <a:t>financial</a:t>
+            </a:r>
+            <a:r>
+              <a:rPr lang="it-IT" sz="2400" dirty="0" smtClean="0">
+                <a:solidFill>
+                  <a:schemeClr val="tx1"/>
+                </a:solidFill>
+                <a:latin typeface="Tahoma" panose="020B0604030504040204" pitchFamily="34" charset="0"/>
+                <a:ea typeface="Tahoma" panose="020B0604030504040204" pitchFamily="34" charset="0"/>
+                <a:cs typeface="Tahoma" panose="020B0604030504040204" pitchFamily="34" charset="0"/>
+              </a:rPr>
+              <a:t> </a:t>
+            </a:r>
+            <a:r>
+              <a:rPr lang="it-IT" sz="2400" dirty="0" err="1" smtClean="0">
+                <a:solidFill>
+                  <a:schemeClr val="tx1"/>
+                </a:solidFill>
+                <a:latin typeface="Tahoma" panose="020B0604030504040204" pitchFamily="34" charset="0"/>
+                <a:ea typeface="Tahoma" panose="020B0604030504040204" pitchFamily="34" charset="0"/>
+                <a:cs typeface="Tahoma" panose="020B0604030504040204" pitchFamily="34" charset="0"/>
+              </a:rPr>
+              <a:t>services</a:t>
+            </a:r>
+            <a:r>
+              <a:rPr lang="it-IT" sz="2400" dirty="0" smtClean="0">
+                <a:solidFill>
+                  <a:schemeClr val="tx1"/>
+                </a:solidFill>
+                <a:latin typeface="Tahoma" panose="020B0604030504040204" pitchFamily="34" charset="0"/>
+                <a:ea typeface="Tahoma" panose="020B0604030504040204" pitchFamily="34" charset="0"/>
+                <a:cs typeface="Tahoma" panose="020B0604030504040204" pitchFamily="34" charset="0"/>
+              </a:rPr>
+              <a:t>, </a:t>
+            </a:r>
+            <a:r>
+              <a:rPr lang="it-IT" sz="2400" dirty="0" err="1" smtClean="0">
+                <a:solidFill>
+                  <a:schemeClr val="tx1"/>
+                </a:solidFill>
+                <a:latin typeface="Tahoma" panose="020B0604030504040204" pitchFamily="34" charset="0"/>
+                <a:ea typeface="Tahoma" panose="020B0604030504040204" pitchFamily="34" charset="0"/>
+                <a:cs typeface="Tahoma" panose="020B0604030504040204" pitchFamily="34" charset="0"/>
+              </a:rPr>
+              <a:t>mining</a:t>
+            </a:r>
+            <a:r>
+              <a:rPr lang="it-IT" sz="2400" dirty="0" smtClean="0">
+                <a:solidFill>
+                  <a:schemeClr val="tx1"/>
+                </a:solidFill>
+                <a:latin typeface="Tahoma" panose="020B0604030504040204" pitchFamily="34" charset="0"/>
+                <a:ea typeface="Tahoma" panose="020B0604030504040204" pitchFamily="34" charset="0"/>
+                <a:cs typeface="Tahoma" panose="020B0604030504040204" pitchFamily="34" charset="0"/>
+              </a:rPr>
+              <a:t>, </a:t>
+            </a:r>
+            <a:r>
+              <a:rPr lang="it-IT" sz="2400" dirty="0" err="1" smtClean="0">
+                <a:solidFill>
+                  <a:schemeClr val="tx1"/>
+                </a:solidFill>
+                <a:latin typeface="Tahoma" panose="020B0604030504040204" pitchFamily="34" charset="0"/>
+                <a:ea typeface="Tahoma" panose="020B0604030504040204" pitchFamily="34" charset="0"/>
+                <a:cs typeface="Tahoma" panose="020B0604030504040204" pitchFamily="34" charset="0"/>
+              </a:rPr>
+              <a:t>wallet</a:t>
+            </a:r>
+            <a:r>
+              <a:rPr lang="it-IT" sz="2400" dirty="0" smtClean="0">
+                <a:solidFill>
+                  <a:schemeClr val="tx1"/>
+                </a:solidFill>
+                <a:latin typeface="Tahoma" panose="020B0604030504040204" pitchFamily="34" charset="0"/>
+                <a:ea typeface="Tahoma" panose="020B0604030504040204" pitchFamily="34" charset="0"/>
+                <a:cs typeface="Tahoma" panose="020B0604030504040204" pitchFamily="34" charset="0"/>
+              </a:rPr>
+              <a:t> e ‘</a:t>
+            </a:r>
+            <a:r>
+              <a:rPr lang="it-IT" sz="2400" dirty="0" err="1" smtClean="0">
+                <a:solidFill>
+                  <a:schemeClr val="tx1"/>
+                </a:solidFill>
+                <a:latin typeface="Tahoma" panose="020B0604030504040204" pitchFamily="34" charset="0"/>
+                <a:ea typeface="Tahoma" panose="020B0604030504040204" pitchFamily="34" charset="0"/>
+                <a:cs typeface="Tahoma" panose="020B0604030504040204" pitchFamily="34" charset="0"/>
+              </a:rPr>
+              <a:t>universal</a:t>
+            </a:r>
+            <a:r>
+              <a:rPr lang="it-IT" sz="2400" dirty="0" smtClean="0">
+                <a:solidFill>
+                  <a:schemeClr val="tx1"/>
+                </a:solidFill>
+                <a:latin typeface="Tahoma" panose="020B0604030504040204" pitchFamily="34" charset="0"/>
+                <a:ea typeface="Tahoma" panose="020B0604030504040204" pitchFamily="34" charset="0"/>
+                <a:cs typeface="Tahoma" panose="020B0604030504040204" pitchFamily="34" charset="0"/>
+              </a:rPr>
+              <a:t>’ (quelle di carattere un po’ più generale che lavorano magari in consorzi su specifici progetti di sperimentazione).</a:t>
+            </a:r>
+            <a:endParaRPr lang="it-IT" sz="2400" dirty="0">
+              <a:solidFill>
+                <a:schemeClr val="tx1"/>
+              </a:solidFill>
+              <a:latin typeface="Tahoma" panose="020B0604030504040204" pitchFamily="34" charset="0"/>
+              <a:ea typeface="Tahoma" panose="020B0604030504040204" pitchFamily="34" charset="0"/>
+              <a:cs typeface="Tahoma" panose="020B0604030504040204" pitchFamily="34" charset="0"/>
+            </a:endParaRPr>
+          </a:p>
+        </p:txBody>
+      </p:sp>
+      <p:sp>
+        <p:nvSpPr>
+          <p:cNvPr id="7" name="Segnaposto numero diapositiva 6">
+            <a:extLst>
+              <a:ext uri="{FF2B5EF4-FFF2-40B4-BE49-F238E27FC236}">
+                <a16:creationId xmlns:a16="http://schemas.microsoft.com/office/drawing/2014/main" id="{AB740BE9-E218-4144-BFDE-AE473D230A3D}"/>
+              </a:ext>
+            </a:extLst>
+          </p:cNvPr>
+          <p:cNvSpPr>
+            <a:spLocks noGrp="1"/>
+          </p:cNvSpPr>
+          <p:nvPr>
+            <p:ph type="sldNum" sz="quarter" idx="12"/>
+          </p:nvPr>
+        </p:nvSpPr>
+        <p:spPr/>
+        <p:txBody>
+          <a:bodyPr/>
+          <a:lstStyle/>
+          <a:p>
+            <a:pPr>
+              <a:defRPr/>
+            </a:pPr>
+            <a:fld id="{48B4153A-D4C5-4CEF-8992-0D8815C829E3}" type="slidenum">
+              <a:rPr lang="en-US" smtClean="0"/>
+              <a:pPr>
+                <a:defRPr/>
+              </a:pPr>
+              <a:t>18</a:t>
+            </a:fld>
+            <a:endParaRPr lang="en-US" dirty="0"/>
+          </a:p>
+        </p:txBody>
+      </p:sp>
+      <p:sp>
+        <p:nvSpPr>
+          <p:cNvPr id="6" name="Titolo 4">
+            <a:extLst>
+              <a:ext uri="{FF2B5EF4-FFF2-40B4-BE49-F238E27FC236}">
+                <a16:creationId xmlns:a16="http://schemas.microsoft.com/office/drawing/2014/main" id="{CF9A4806-60B4-80DC-1F76-D2EB3E6C376B}"/>
+              </a:ext>
+            </a:extLst>
+          </p:cNvPr>
+          <p:cNvSpPr>
+            <a:spLocks noGrp="1"/>
+          </p:cNvSpPr>
+          <p:nvPr>
+            <p:ph type="title"/>
+          </p:nvPr>
+        </p:nvSpPr>
+        <p:spPr>
+          <a:xfrm>
+            <a:off x="468313" y="286788"/>
+            <a:ext cx="11269662" cy="769441"/>
+          </a:xfrm>
+        </p:spPr>
+        <p:txBody>
+          <a:bodyPr/>
+          <a:lstStyle/>
+          <a:p>
+            <a:r>
+              <a:rPr lang="it-IT">
+                <a:solidFill>
+                  <a:schemeClr val="tx1"/>
+                </a:solidFill>
+              </a:rPr>
+              <a:t>Architetture di Blockchain</a:t>
+            </a:r>
+            <a:br>
+              <a:rPr lang="it-IT">
+                <a:solidFill>
+                  <a:schemeClr val="tx1"/>
+                </a:solidFill>
+              </a:rPr>
+            </a:br>
+            <a:endParaRPr lang="it-IT" dirty="0">
+              <a:solidFill>
+                <a:schemeClr val="tx1"/>
+              </a:solidFill>
+            </a:endParaRPr>
+          </a:p>
+        </p:txBody>
+      </p:sp>
+    </p:spTree>
+    <p:extLst>
+      <p:ext uri="{BB962C8B-B14F-4D97-AF65-F5344CB8AC3E}">
+        <p14:creationId xmlns:p14="http://schemas.microsoft.com/office/powerpoint/2010/main" val="1598817610"/>
+      </p:ext>
+    </p:extLst>
+  </p:cSld>
+  <p:clrMapOvr>
+    <a:masterClrMapping/>
+  </p:clrMapOvr>
+</p:sld>
+</file>
+
+<file path=ppt/slides/slide19.xml><?xml version="1.0" encoding="utf-8"?>
+<p:sld xmlns:a="http://schemas.openxmlformats.org/drawingml/2006/main" xmlns:r="http://schemas.openxmlformats.org/officeDocument/2006/relationships" xmlns:p="http://schemas.openxmlformats.org/presentationml/2006/main">
+  <p:cSld>
+    <p:spTree>
+      <p:nvGrpSpPr>
+        <p:cNvPr id="1" name=""/>
+        <p:cNvGrpSpPr/>
+        <p:nvPr/>
+      </p:nvGrpSpPr>
+      <p:grpSpPr>
+        <a:xfrm>
+          <a:off x="0" y="0"/>
+          <a:ext cx="0" cy="0"/>
+          <a:chOff x="0" y="0"/>
+          <a:chExt cx="0" cy="0"/>
+        </a:xfrm>
+      </p:grpSpPr>
+      <p:sp>
+        <p:nvSpPr>
+          <p:cNvPr id="2" name="Segnaposto testo 1">
+            <a:extLst>
+              <a:ext uri="{FF2B5EF4-FFF2-40B4-BE49-F238E27FC236}">
+                <a16:creationId xmlns:a16="http://schemas.microsoft.com/office/drawing/2014/main" id="{E5AE986C-196F-4141-A898-FA4C4198CDCC}"/>
+              </a:ext>
+            </a:extLst>
+          </p:cNvPr>
+          <p:cNvSpPr>
+            <a:spLocks noGrp="1"/>
+          </p:cNvSpPr>
+          <p:nvPr>
+            <p:ph type="body" idx="1"/>
+          </p:nvPr>
+        </p:nvSpPr>
+        <p:spPr>
+          <a:xfrm>
+            <a:off x="206477" y="1333064"/>
+            <a:ext cx="6302478" cy="4392612"/>
+          </a:xfrm>
+        </p:spPr>
+        <p:txBody>
+          <a:bodyPr/>
+          <a:lstStyle/>
+          <a:p>
+            <a:pPr marL="342900" indent="-342900" algn="just">
+              <a:lnSpc>
+                <a:spcPct val="115000"/>
+              </a:lnSpc>
+              <a:spcBef>
+                <a:spcPts val="2400"/>
+              </a:spcBef>
+              <a:buFont typeface="Wingdings" panose="05000000000000000000" pitchFamily="2" charset="2"/>
+              <a:buChar char="ü"/>
+              <a:tabLst>
+                <a:tab pos="457200" algn="l"/>
+              </a:tabLst>
+            </a:pPr>
+            <a:r>
+              <a:rPr lang="it-IT" sz="2400" dirty="0" smtClean="0">
+                <a:solidFill>
+                  <a:schemeClr val="tx1"/>
+                </a:solidFill>
+                <a:latin typeface="Tahoma" panose="020B0604030504040204" pitchFamily="34" charset="0"/>
+                <a:ea typeface="Tahoma" panose="020B0604030504040204" pitchFamily="34" charset="0"/>
+                <a:cs typeface="Tahoma" panose="020B0604030504040204" pitchFamily="34" charset="0"/>
+              </a:rPr>
+              <a:t>Dal </a:t>
+            </a:r>
+            <a:r>
+              <a:rPr lang="it-IT" sz="2400" b="1" dirty="0">
+                <a:solidFill>
+                  <a:schemeClr val="tx1"/>
+                </a:solidFill>
+                <a:latin typeface="Tahoma" panose="020B0604030504040204" pitchFamily="34" charset="0"/>
+                <a:ea typeface="Tahoma" panose="020B0604030504040204" pitchFamily="34" charset="0"/>
+                <a:cs typeface="Tahoma" panose="020B0604030504040204" pitchFamily="34" charset="0"/>
+              </a:rPr>
+              <a:t>2010</a:t>
+            </a:r>
+            <a:r>
+              <a:rPr lang="it-IT" sz="2400" dirty="0">
+                <a:solidFill>
+                  <a:schemeClr val="tx1"/>
+                </a:solidFill>
+                <a:latin typeface="Tahoma" panose="020B0604030504040204" pitchFamily="34" charset="0"/>
+                <a:ea typeface="Tahoma" panose="020B0604030504040204" pitchFamily="34" charset="0"/>
+                <a:cs typeface="Tahoma" panose="020B0604030504040204" pitchFamily="34" charset="0"/>
+              </a:rPr>
+              <a:t> ad oggi, attorno a algoritmi </a:t>
+            </a:r>
+            <a:r>
+              <a:rPr lang="it-IT" sz="2400" b="1" dirty="0" err="1">
+                <a:solidFill>
+                  <a:schemeClr val="tx1"/>
+                </a:solidFill>
+                <a:latin typeface="Tahoma" panose="020B0604030504040204" pitchFamily="34" charset="0"/>
+                <a:ea typeface="Tahoma" panose="020B0604030504040204" pitchFamily="34" charset="0"/>
+                <a:cs typeface="Tahoma" panose="020B0604030504040204" pitchFamily="34" charset="0"/>
+              </a:rPr>
+              <a:t>Bitcoin</a:t>
+            </a:r>
+            <a:r>
+              <a:rPr lang="it-IT" sz="2400" b="1" dirty="0">
+                <a:solidFill>
+                  <a:schemeClr val="tx1"/>
+                </a:solidFill>
+                <a:latin typeface="Tahoma" panose="020B0604030504040204" pitchFamily="34" charset="0"/>
+                <a:ea typeface="Tahoma" panose="020B0604030504040204" pitchFamily="34" charset="0"/>
+                <a:cs typeface="Tahoma" panose="020B0604030504040204" pitchFamily="34" charset="0"/>
+              </a:rPr>
+              <a:t>/</a:t>
+            </a:r>
+            <a:r>
+              <a:rPr lang="it-IT" sz="2400" b="1" dirty="0" err="1">
+                <a:solidFill>
+                  <a:schemeClr val="tx1"/>
+                </a:solidFill>
+                <a:latin typeface="Tahoma" panose="020B0604030504040204" pitchFamily="34" charset="0"/>
+                <a:ea typeface="Tahoma" panose="020B0604030504040204" pitchFamily="34" charset="0"/>
+                <a:cs typeface="Tahoma" panose="020B0604030504040204" pitchFamily="34" charset="0"/>
+              </a:rPr>
+              <a:t>Blockchain</a:t>
+            </a:r>
+            <a:r>
+              <a:rPr lang="it-IT" sz="2400" dirty="0">
+                <a:solidFill>
+                  <a:schemeClr val="tx1"/>
+                </a:solidFill>
+                <a:latin typeface="Tahoma" panose="020B0604030504040204" pitchFamily="34" charset="0"/>
+                <a:ea typeface="Tahoma" panose="020B0604030504040204" pitchFamily="34" charset="0"/>
+                <a:cs typeface="Tahoma" panose="020B0604030504040204" pitchFamily="34" charset="0"/>
+              </a:rPr>
+              <a:t> si è sviluppato un mercato di aziende </a:t>
+            </a:r>
+            <a:r>
+              <a:rPr lang="it-IT" sz="2400" b="1" dirty="0" err="1">
+                <a:solidFill>
+                  <a:schemeClr val="tx1"/>
+                </a:solidFill>
+                <a:latin typeface="Tahoma" panose="020B0604030504040204" pitchFamily="34" charset="0"/>
+                <a:ea typeface="Tahoma" panose="020B0604030504040204" pitchFamily="34" charset="0"/>
+                <a:cs typeface="Tahoma" panose="020B0604030504040204" pitchFamily="34" charset="0"/>
+              </a:rPr>
+              <a:t>Ict</a:t>
+            </a:r>
+            <a:r>
+              <a:rPr lang="it-IT" sz="2400" dirty="0">
+                <a:solidFill>
+                  <a:schemeClr val="tx1"/>
+                </a:solidFill>
+                <a:latin typeface="Tahoma" panose="020B0604030504040204" pitchFamily="34" charset="0"/>
+                <a:ea typeface="Tahoma" panose="020B0604030504040204" pitchFamily="34" charset="0"/>
+                <a:cs typeface="Tahoma" panose="020B0604030504040204" pitchFamily="34" charset="0"/>
+              </a:rPr>
+              <a:t> specializzate – che nel primo trimestre </a:t>
+            </a:r>
+            <a:r>
+              <a:rPr lang="it-IT" sz="2400" b="1" dirty="0">
+                <a:solidFill>
+                  <a:schemeClr val="tx1"/>
+                </a:solidFill>
+                <a:latin typeface="Tahoma" panose="020B0604030504040204" pitchFamily="34" charset="0"/>
+                <a:ea typeface="Tahoma" panose="020B0604030504040204" pitchFamily="34" charset="0"/>
+                <a:cs typeface="Tahoma" panose="020B0604030504040204" pitchFamily="34" charset="0"/>
+              </a:rPr>
+              <a:t>2016</a:t>
+            </a:r>
+            <a:r>
+              <a:rPr lang="it-IT" sz="2400" dirty="0">
+                <a:solidFill>
+                  <a:schemeClr val="tx1"/>
+                </a:solidFill>
+                <a:latin typeface="Tahoma" panose="020B0604030504040204" pitchFamily="34" charset="0"/>
+                <a:ea typeface="Tahoma" panose="020B0604030504040204" pitchFamily="34" charset="0"/>
+                <a:cs typeface="Tahoma" panose="020B0604030504040204" pitchFamily="34" charset="0"/>
+              </a:rPr>
+              <a:t> valeva già oltre </a:t>
+            </a:r>
+            <a:r>
+              <a:rPr lang="it-IT" sz="2400" b="1" dirty="0">
+                <a:solidFill>
+                  <a:schemeClr val="tx1"/>
+                </a:solidFill>
+                <a:latin typeface="Tahoma" panose="020B0604030504040204" pitchFamily="34" charset="0"/>
+                <a:ea typeface="Tahoma" panose="020B0604030504040204" pitchFamily="34" charset="0"/>
+                <a:cs typeface="Tahoma" panose="020B0604030504040204" pitchFamily="34" charset="0"/>
+              </a:rPr>
+              <a:t>1 miliardo di dollari</a:t>
+            </a:r>
+            <a:r>
+              <a:rPr lang="it-IT" sz="2400" dirty="0">
+                <a:solidFill>
+                  <a:schemeClr val="tx1"/>
+                </a:solidFill>
+                <a:latin typeface="Tahoma" panose="020B0604030504040204" pitchFamily="34" charset="0"/>
+                <a:ea typeface="Tahoma" panose="020B0604030504040204" pitchFamily="34" charset="0"/>
+                <a:cs typeface="Tahoma" panose="020B0604030504040204" pitchFamily="34" charset="0"/>
+              </a:rPr>
+              <a:t> – suddivise in </a:t>
+            </a:r>
+            <a:r>
+              <a:rPr lang="it-IT" sz="2400" b="1" dirty="0">
+                <a:solidFill>
+                  <a:schemeClr val="tx1"/>
+                </a:solidFill>
+                <a:latin typeface="Tahoma" panose="020B0604030504040204" pitchFamily="34" charset="0"/>
+                <a:ea typeface="Tahoma" panose="020B0604030504040204" pitchFamily="34" charset="0"/>
+                <a:cs typeface="Tahoma" panose="020B0604030504040204" pitchFamily="34" charset="0"/>
+              </a:rPr>
+              <a:t>7 </a:t>
+            </a:r>
+            <a:r>
+              <a:rPr lang="it-IT" sz="2400" b="1" dirty="0" smtClean="0">
+                <a:solidFill>
+                  <a:schemeClr val="tx1"/>
+                </a:solidFill>
+                <a:latin typeface="Tahoma" panose="020B0604030504040204" pitchFamily="34" charset="0"/>
+                <a:ea typeface="Tahoma" panose="020B0604030504040204" pitchFamily="34" charset="0"/>
+                <a:cs typeface="Tahoma" panose="020B0604030504040204" pitchFamily="34" charset="0"/>
+              </a:rPr>
+              <a:t>categorie</a:t>
+            </a:r>
+            <a:r>
+              <a:rPr lang="it-IT" sz="2400" dirty="0" smtClean="0">
+                <a:solidFill>
+                  <a:schemeClr val="tx1"/>
+                </a:solidFill>
+                <a:latin typeface="Tahoma" panose="020B0604030504040204" pitchFamily="34" charset="0"/>
+                <a:ea typeface="Tahoma" panose="020B0604030504040204" pitchFamily="34" charset="0"/>
+                <a:cs typeface="Tahoma" panose="020B0604030504040204" pitchFamily="34" charset="0"/>
+              </a:rPr>
+              <a:t>: </a:t>
+            </a:r>
+            <a:r>
+              <a:rPr lang="it-IT" sz="2400" b="1" dirty="0" err="1">
+                <a:solidFill>
+                  <a:schemeClr val="tx1"/>
+                </a:solidFill>
+                <a:latin typeface="Tahoma" panose="020B0604030504040204" pitchFamily="34" charset="0"/>
+                <a:ea typeface="Tahoma" panose="020B0604030504040204" pitchFamily="34" charset="0"/>
+                <a:cs typeface="Tahoma" panose="020B0604030504040204" pitchFamily="34" charset="0"/>
+              </a:rPr>
+              <a:t>payment</a:t>
+            </a:r>
+            <a:r>
+              <a:rPr lang="it-IT" sz="2400" dirty="0">
+                <a:solidFill>
+                  <a:schemeClr val="tx1"/>
+                </a:solidFill>
+                <a:latin typeface="Tahoma" panose="020B0604030504040204" pitchFamily="34" charset="0"/>
+                <a:ea typeface="Tahoma" panose="020B0604030504040204" pitchFamily="34" charset="0"/>
+                <a:cs typeface="Tahoma" panose="020B0604030504040204" pitchFamily="34" charset="0"/>
+              </a:rPr>
+              <a:t> processing, </a:t>
+            </a:r>
+            <a:r>
+              <a:rPr lang="it-IT" sz="2400" b="1" dirty="0">
+                <a:solidFill>
+                  <a:schemeClr val="tx1"/>
+                </a:solidFill>
+                <a:latin typeface="Tahoma" panose="020B0604030504040204" pitchFamily="34" charset="0"/>
+                <a:ea typeface="Tahoma" panose="020B0604030504040204" pitchFamily="34" charset="0"/>
+                <a:cs typeface="Tahoma" panose="020B0604030504040204" pitchFamily="34" charset="0"/>
+              </a:rPr>
+              <a:t>infrastrutture</a:t>
+            </a:r>
+            <a:r>
+              <a:rPr lang="it-IT" sz="2400" dirty="0">
+                <a:solidFill>
+                  <a:schemeClr val="tx1"/>
+                </a:solidFill>
+                <a:latin typeface="Tahoma" panose="020B0604030504040204" pitchFamily="34" charset="0"/>
+                <a:ea typeface="Tahoma" panose="020B0604030504040204" pitchFamily="34" charset="0"/>
+                <a:cs typeface="Tahoma" panose="020B0604030504040204" pitchFamily="34" charset="0"/>
+              </a:rPr>
+              <a:t>, </a:t>
+            </a:r>
+            <a:r>
+              <a:rPr lang="it-IT" sz="2400" b="1" dirty="0" err="1">
+                <a:solidFill>
+                  <a:schemeClr val="tx1"/>
+                </a:solidFill>
+                <a:latin typeface="Tahoma" panose="020B0604030504040204" pitchFamily="34" charset="0"/>
+                <a:ea typeface="Tahoma" panose="020B0604030504040204" pitchFamily="34" charset="0"/>
+                <a:cs typeface="Tahoma" panose="020B0604030504040204" pitchFamily="34" charset="0"/>
+              </a:rPr>
+              <a:t>exchange</a:t>
+            </a:r>
+            <a:r>
+              <a:rPr lang="it-IT" sz="2400" dirty="0">
+                <a:solidFill>
+                  <a:schemeClr val="tx1"/>
+                </a:solidFill>
+                <a:latin typeface="Tahoma" panose="020B0604030504040204" pitchFamily="34" charset="0"/>
+                <a:ea typeface="Tahoma" panose="020B0604030504040204" pitchFamily="34" charset="0"/>
+                <a:cs typeface="Tahoma" panose="020B0604030504040204" pitchFamily="34" charset="0"/>
+              </a:rPr>
+              <a:t>, </a:t>
+            </a:r>
+            <a:r>
+              <a:rPr lang="it-IT" sz="2400" b="1" dirty="0" err="1">
+                <a:solidFill>
+                  <a:schemeClr val="tx1"/>
+                </a:solidFill>
+                <a:latin typeface="Tahoma" panose="020B0604030504040204" pitchFamily="34" charset="0"/>
+                <a:ea typeface="Tahoma" panose="020B0604030504040204" pitchFamily="34" charset="0"/>
+                <a:cs typeface="Tahoma" panose="020B0604030504040204" pitchFamily="34" charset="0"/>
+              </a:rPr>
+              <a:t>financial</a:t>
+            </a:r>
+            <a:r>
+              <a:rPr lang="it-IT" sz="2400" dirty="0">
+                <a:solidFill>
+                  <a:schemeClr val="tx1"/>
+                </a:solidFill>
+                <a:latin typeface="Tahoma" panose="020B0604030504040204" pitchFamily="34" charset="0"/>
+                <a:ea typeface="Tahoma" panose="020B0604030504040204" pitchFamily="34" charset="0"/>
+                <a:cs typeface="Tahoma" panose="020B0604030504040204" pitchFamily="34" charset="0"/>
+              </a:rPr>
+              <a:t> </a:t>
+            </a:r>
+            <a:r>
+              <a:rPr lang="it-IT" sz="2400" dirty="0" err="1">
+                <a:solidFill>
+                  <a:schemeClr val="tx1"/>
+                </a:solidFill>
+                <a:latin typeface="Tahoma" panose="020B0604030504040204" pitchFamily="34" charset="0"/>
+                <a:ea typeface="Tahoma" panose="020B0604030504040204" pitchFamily="34" charset="0"/>
+                <a:cs typeface="Tahoma" panose="020B0604030504040204" pitchFamily="34" charset="0"/>
+              </a:rPr>
+              <a:t>services</a:t>
+            </a:r>
+            <a:r>
+              <a:rPr lang="it-IT" sz="2400" dirty="0">
+                <a:solidFill>
+                  <a:schemeClr val="tx1"/>
+                </a:solidFill>
+                <a:latin typeface="Tahoma" panose="020B0604030504040204" pitchFamily="34" charset="0"/>
+                <a:ea typeface="Tahoma" panose="020B0604030504040204" pitchFamily="34" charset="0"/>
+                <a:cs typeface="Tahoma" panose="020B0604030504040204" pitchFamily="34" charset="0"/>
+              </a:rPr>
+              <a:t>, </a:t>
+            </a:r>
+            <a:r>
+              <a:rPr lang="it-IT" sz="2400" b="1" dirty="0" err="1">
+                <a:solidFill>
+                  <a:schemeClr val="tx1"/>
+                </a:solidFill>
+                <a:latin typeface="Tahoma" panose="020B0604030504040204" pitchFamily="34" charset="0"/>
+                <a:ea typeface="Tahoma" panose="020B0604030504040204" pitchFamily="34" charset="0"/>
+                <a:cs typeface="Tahoma" panose="020B0604030504040204" pitchFamily="34" charset="0"/>
+              </a:rPr>
+              <a:t>mining</a:t>
+            </a:r>
+            <a:r>
+              <a:rPr lang="it-IT" sz="2400" dirty="0">
+                <a:solidFill>
+                  <a:schemeClr val="tx1"/>
+                </a:solidFill>
+                <a:latin typeface="Tahoma" panose="020B0604030504040204" pitchFamily="34" charset="0"/>
+                <a:ea typeface="Tahoma" panose="020B0604030504040204" pitchFamily="34" charset="0"/>
+                <a:cs typeface="Tahoma" panose="020B0604030504040204" pitchFamily="34" charset="0"/>
+              </a:rPr>
+              <a:t>, </a:t>
+            </a:r>
+            <a:r>
+              <a:rPr lang="it-IT" sz="2400" b="1" dirty="0" err="1">
+                <a:solidFill>
+                  <a:schemeClr val="tx1"/>
+                </a:solidFill>
+                <a:latin typeface="Tahoma" panose="020B0604030504040204" pitchFamily="34" charset="0"/>
+                <a:ea typeface="Tahoma" panose="020B0604030504040204" pitchFamily="34" charset="0"/>
+                <a:cs typeface="Tahoma" panose="020B0604030504040204" pitchFamily="34" charset="0"/>
+              </a:rPr>
+              <a:t>wallet</a:t>
+            </a:r>
+            <a:r>
+              <a:rPr lang="it-IT" sz="2400" dirty="0">
+                <a:solidFill>
+                  <a:schemeClr val="tx1"/>
+                </a:solidFill>
+                <a:latin typeface="Tahoma" panose="020B0604030504040204" pitchFamily="34" charset="0"/>
+                <a:ea typeface="Tahoma" panose="020B0604030504040204" pitchFamily="34" charset="0"/>
+                <a:cs typeface="Tahoma" panose="020B0604030504040204" pitchFamily="34" charset="0"/>
+              </a:rPr>
+              <a:t> e ‘</a:t>
+            </a:r>
+            <a:r>
+              <a:rPr lang="it-IT" sz="2400" b="1" dirty="0" err="1">
+                <a:solidFill>
+                  <a:schemeClr val="tx1"/>
+                </a:solidFill>
+                <a:latin typeface="Tahoma" panose="020B0604030504040204" pitchFamily="34" charset="0"/>
+                <a:ea typeface="Tahoma" panose="020B0604030504040204" pitchFamily="34" charset="0"/>
+                <a:cs typeface="Tahoma" panose="020B0604030504040204" pitchFamily="34" charset="0"/>
+              </a:rPr>
+              <a:t>universal</a:t>
+            </a:r>
+            <a:r>
+              <a:rPr lang="it-IT" sz="2400" dirty="0">
+                <a:solidFill>
+                  <a:schemeClr val="tx1"/>
+                </a:solidFill>
+                <a:latin typeface="Tahoma" panose="020B0604030504040204" pitchFamily="34" charset="0"/>
+                <a:ea typeface="Tahoma" panose="020B0604030504040204" pitchFamily="34" charset="0"/>
+                <a:cs typeface="Tahoma" panose="020B0604030504040204" pitchFamily="34" charset="0"/>
+              </a:rPr>
+              <a:t>’ (quelle di carattere un po’ più generale che lavorano magari in consorzi su specifici progetti di sperimentazione).</a:t>
+            </a:r>
+          </a:p>
+        </p:txBody>
+      </p:sp>
+      <p:sp>
+        <p:nvSpPr>
+          <p:cNvPr id="7" name="Segnaposto numero diapositiva 6">
+            <a:extLst>
+              <a:ext uri="{FF2B5EF4-FFF2-40B4-BE49-F238E27FC236}">
+                <a16:creationId xmlns:a16="http://schemas.microsoft.com/office/drawing/2014/main" id="{AB740BE9-E218-4144-BFDE-AE473D230A3D}"/>
+              </a:ext>
+            </a:extLst>
+          </p:cNvPr>
+          <p:cNvSpPr>
+            <a:spLocks noGrp="1"/>
+          </p:cNvSpPr>
+          <p:nvPr>
+            <p:ph type="sldNum" sz="quarter" idx="12"/>
+          </p:nvPr>
+        </p:nvSpPr>
+        <p:spPr/>
+        <p:txBody>
+          <a:bodyPr/>
+          <a:lstStyle/>
+          <a:p>
+            <a:pPr>
+              <a:defRPr/>
+            </a:pPr>
+            <a:fld id="{48B4153A-D4C5-4CEF-8992-0D8815C829E3}" type="slidenum">
+              <a:rPr lang="en-US" smtClean="0"/>
+              <a:pPr>
+                <a:defRPr/>
+              </a:pPr>
+              <a:t>19</a:t>
+            </a:fld>
+            <a:endParaRPr lang="en-US" dirty="0"/>
+          </a:p>
+        </p:txBody>
+      </p:sp>
+      <p:sp>
+        <p:nvSpPr>
+          <p:cNvPr id="6" name="Titolo 4">
+            <a:extLst>
+              <a:ext uri="{FF2B5EF4-FFF2-40B4-BE49-F238E27FC236}">
+                <a16:creationId xmlns:a16="http://schemas.microsoft.com/office/drawing/2014/main" id="{CF9A4806-60B4-80DC-1F76-D2EB3E6C376B}"/>
+              </a:ext>
+            </a:extLst>
+          </p:cNvPr>
+          <p:cNvSpPr>
+            <a:spLocks noGrp="1"/>
+          </p:cNvSpPr>
+          <p:nvPr>
+            <p:ph type="title"/>
+          </p:nvPr>
+        </p:nvSpPr>
+        <p:spPr>
+          <a:xfrm>
+            <a:off x="468313" y="286788"/>
+            <a:ext cx="11269662" cy="769441"/>
+          </a:xfrm>
+        </p:spPr>
+        <p:txBody>
+          <a:bodyPr/>
+          <a:lstStyle/>
+          <a:p>
+            <a:r>
+              <a:rPr lang="it-IT">
+                <a:solidFill>
+                  <a:schemeClr val="tx1"/>
+                </a:solidFill>
+              </a:rPr>
+              <a:t>Architetture di Blockchain</a:t>
+            </a:r>
+            <a:br>
+              <a:rPr lang="it-IT">
+                <a:solidFill>
+                  <a:schemeClr val="tx1"/>
+                </a:solidFill>
+              </a:rPr>
+            </a:br>
+            <a:endParaRPr lang="it-IT" dirty="0">
+              <a:solidFill>
+                <a:schemeClr val="tx1"/>
+              </a:solidFill>
+            </a:endParaRPr>
+          </a:p>
+        </p:txBody>
+      </p:sp>
+      <p:pic>
+        <p:nvPicPr>
+          <p:cNvPr id="3" name="Immagine 2"/>
+          <p:cNvPicPr>
+            <a:picLocks noChangeAspect="1"/>
+          </p:cNvPicPr>
+          <p:nvPr/>
+        </p:nvPicPr>
+        <p:blipFill>
+          <a:blip r:embed="rId2">
+            <a:extLst>
+              <a:ext uri="{28A0092B-C50C-407E-A947-70E740481C1C}">
+                <a14:useLocalDpi xmlns:a14="http://schemas.microsoft.com/office/drawing/2010/main" val="0"/>
+              </a:ext>
+            </a:extLst>
+          </a:blip>
+          <a:stretch>
+            <a:fillRect/>
+          </a:stretch>
+        </p:blipFill>
+        <p:spPr>
+          <a:xfrm>
+            <a:off x="6888183" y="2316665"/>
+            <a:ext cx="4555016" cy="3032083"/>
+          </a:xfrm>
+          <a:prstGeom prst="rect">
+            <a:avLst/>
+          </a:prstGeom>
+        </p:spPr>
+      </p:pic>
+    </p:spTree>
+    <p:extLst>
+      <p:ext uri="{BB962C8B-B14F-4D97-AF65-F5344CB8AC3E}">
+        <p14:creationId xmlns:p14="http://schemas.microsoft.com/office/powerpoint/2010/main" val="3753117113"/>
       </p:ext>
     </p:extLst>
   </p:cSld>
@@ -7669,6 +15220,1251 @@
     <p:extLst>
       <p:ext uri="{BB962C8B-B14F-4D97-AF65-F5344CB8AC3E}">
         <p14:creationId xmlns:p14="http://schemas.microsoft.com/office/powerpoint/2010/main" val="3328770070"/>
+      </p:ext>
+    </p:extLst>
+  </p:cSld>
+  <p:clrMapOvr>
+    <a:masterClrMapping/>
+  </p:clrMapOvr>
+</p:sld>
+</file>
+
+<file path=ppt/slides/slide20.xml><?xml version="1.0" encoding="utf-8"?>
+<p:sld xmlns:a="http://schemas.openxmlformats.org/drawingml/2006/main" xmlns:r="http://schemas.openxmlformats.org/officeDocument/2006/relationships" xmlns:p="http://schemas.openxmlformats.org/presentationml/2006/main">
+  <p:cSld>
+    <p:spTree>
+      <p:nvGrpSpPr>
+        <p:cNvPr id="1" name=""/>
+        <p:cNvGrpSpPr/>
+        <p:nvPr/>
+      </p:nvGrpSpPr>
+      <p:grpSpPr>
+        <a:xfrm>
+          <a:off x="0" y="0"/>
+          <a:ext cx="0" cy="0"/>
+          <a:chOff x="0" y="0"/>
+          <a:chExt cx="0" cy="0"/>
+        </a:xfrm>
+      </p:grpSpPr>
+      <p:sp>
+        <p:nvSpPr>
+          <p:cNvPr id="2" name="Segnaposto testo 1">
+            <a:extLst>
+              <a:ext uri="{FF2B5EF4-FFF2-40B4-BE49-F238E27FC236}">
+                <a16:creationId xmlns:a16="http://schemas.microsoft.com/office/drawing/2014/main" id="{E5AE986C-196F-4141-A898-FA4C4198CDCC}"/>
+              </a:ext>
+            </a:extLst>
+          </p:cNvPr>
+          <p:cNvSpPr>
+            <a:spLocks noGrp="1"/>
+          </p:cNvSpPr>
+          <p:nvPr>
+            <p:ph type="body" idx="1"/>
+          </p:nvPr>
+        </p:nvSpPr>
+        <p:spPr>
+          <a:xfrm>
+            <a:off x="206477" y="1333064"/>
+            <a:ext cx="11395588" cy="4392612"/>
+          </a:xfrm>
+        </p:spPr>
+        <p:txBody>
+          <a:bodyPr/>
+          <a:lstStyle/>
+          <a:p>
+            <a:pPr marL="342900" indent="-342900">
+              <a:buFont typeface="Wingdings" panose="05000000000000000000" pitchFamily="2" charset="2"/>
+              <a:buChar char="ü"/>
+            </a:pPr>
+            <a:r>
+              <a:rPr lang="it-IT" sz="2400" dirty="0" smtClean="0">
+                <a:solidFill>
+                  <a:schemeClr val="tx1"/>
+                </a:solidFill>
+                <a:latin typeface="Tahoma" panose="020B0604030504040204" pitchFamily="34" charset="0"/>
+                <a:ea typeface="Tahoma" panose="020B0604030504040204" pitchFamily="34" charset="0"/>
+                <a:cs typeface="Tahoma" panose="020B0604030504040204" pitchFamily="34" charset="0"/>
+              </a:rPr>
+              <a:t>Una volta che le </a:t>
+            </a:r>
+            <a:r>
+              <a:rPr lang="it-IT" sz="2400" b="1" dirty="0" smtClean="0">
+                <a:solidFill>
+                  <a:schemeClr val="tx1"/>
+                </a:solidFill>
+                <a:latin typeface="Tahoma" panose="020B0604030504040204" pitchFamily="34" charset="0"/>
+                <a:ea typeface="Tahoma" panose="020B0604030504040204" pitchFamily="34" charset="0"/>
+                <a:cs typeface="Tahoma" panose="020B0604030504040204" pitchFamily="34" charset="0"/>
+              </a:rPr>
+              <a:t>transazioni</a:t>
+            </a:r>
+            <a:r>
+              <a:rPr lang="it-IT" sz="2400" dirty="0" smtClean="0">
+                <a:solidFill>
+                  <a:schemeClr val="tx1"/>
+                </a:solidFill>
+                <a:latin typeface="Tahoma" panose="020B0604030504040204" pitchFamily="34" charset="0"/>
+                <a:ea typeface="Tahoma" panose="020B0604030504040204" pitchFamily="34" charset="0"/>
+                <a:cs typeface="Tahoma" panose="020B0604030504040204" pitchFamily="34" charset="0"/>
+              </a:rPr>
+              <a:t> vengono aggiunte al </a:t>
+            </a:r>
+            <a:r>
+              <a:rPr lang="it-IT" sz="2400" b="1" dirty="0" smtClean="0">
+                <a:solidFill>
+                  <a:schemeClr val="tx1"/>
+                </a:solidFill>
+                <a:latin typeface="Tahoma" panose="020B0604030504040204" pitchFamily="34" charset="0"/>
+                <a:ea typeface="Tahoma" panose="020B0604030504040204" pitchFamily="34" charset="0"/>
+                <a:cs typeface="Tahoma" panose="020B0604030504040204" pitchFamily="34" charset="0"/>
+              </a:rPr>
+              <a:t>blocco</a:t>
+            </a:r>
+            <a:r>
+              <a:rPr lang="it-IT" sz="2400" dirty="0" smtClean="0">
+                <a:solidFill>
+                  <a:schemeClr val="tx1"/>
+                </a:solidFill>
+                <a:latin typeface="Tahoma" panose="020B0604030504040204" pitchFamily="34" charset="0"/>
+                <a:ea typeface="Tahoma" panose="020B0604030504040204" pitchFamily="34" charset="0"/>
+                <a:cs typeface="Tahoma" panose="020B0604030504040204" pitchFamily="34" charset="0"/>
+              </a:rPr>
+              <a:t>, esse non possono essere </a:t>
+            </a:r>
+            <a:r>
+              <a:rPr lang="it-IT" sz="2400" b="1" dirty="0" smtClean="0">
+                <a:solidFill>
+                  <a:schemeClr val="tx1"/>
+                </a:solidFill>
+                <a:latin typeface="Tahoma" panose="020B0604030504040204" pitchFamily="34" charset="0"/>
+                <a:ea typeface="Tahoma" panose="020B0604030504040204" pitchFamily="34" charset="0"/>
+                <a:cs typeface="Tahoma" panose="020B0604030504040204" pitchFamily="34" charset="0"/>
+              </a:rPr>
+              <a:t>rimosse</a:t>
+            </a:r>
+            <a:r>
+              <a:rPr lang="it-IT" sz="2400" dirty="0" smtClean="0">
+                <a:solidFill>
+                  <a:schemeClr val="tx1"/>
+                </a:solidFill>
+                <a:latin typeface="Tahoma" panose="020B0604030504040204" pitchFamily="34" charset="0"/>
+                <a:ea typeface="Tahoma" panose="020B0604030504040204" pitchFamily="34" charset="0"/>
+                <a:cs typeface="Tahoma" panose="020B0604030504040204" pitchFamily="34" charset="0"/>
+              </a:rPr>
+              <a:t>. </a:t>
+            </a:r>
+          </a:p>
+          <a:p>
+            <a:pPr marL="342900" indent="-342900">
+              <a:buFont typeface="Wingdings" panose="05000000000000000000" pitchFamily="2" charset="2"/>
+              <a:buChar char="ü"/>
+            </a:pPr>
+            <a:r>
+              <a:rPr lang="en-US" sz="2400" dirty="0" smtClean="0">
+                <a:solidFill>
+                  <a:schemeClr val="tx1"/>
+                </a:solidFill>
+                <a:latin typeface="Tahoma" panose="020B0604030504040204" pitchFamily="34" charset="0"/>
+                <a:ea typeface="Tahoma" panose="020B0604030504040204" pitchFamily="34" charset="0"/>
+                <a:cs typeface="Tahoma" panose="020B0604030504040204" pitchFamily="34" charset="0"/>
+              </a:rPr>
+              <a:t>E </a:t>
+            </a:r>
+            <a:r>
+              <a:rPr lang="en-US" sz="2400" dirty="0" err="1" smtClean="0">
+                <a:solidFill>
+                  <a:schemeClr val="tx1"/>
+                </a:solidFill>
+                <a:latin typeface="Tahoma" panose="020B0604030504040204" pitchFamily="34" charset="0"/>
+                <a:ea typeface="Tahoma" panose="020B0604030504040204" pitchFamily="34" charset="0"/>
+                <a:cs typeface="Tahoma" panose="020B0604030504040204" pitchFamily="34" charset="0"/>
+              </a:rPr>
+              <a:t>quando</a:t>
+            </a:r>
+            <a:r>
+              <a:rPr lang="en-US" sz="2400" dirty="0" smtClean="0">
+                <a:solidFill>
+                  <a:schemeClr val="tx1"/>
+                </a:solidFill>
+                <a:latin typeface="Tahoma" panose="020B0604030504040204" pitchFamily="34" charset="0"/>
+                <a:ea typeface="Tahoma" panose="020B0604030504040204" pitchFamily="34" charset="0"/>
+                <a:cs typeface="Tahoma" panose="020B0604030504040204" pitchFamily="34" charset="0"/>
+              </a:rPr>
+              <a:t> un </a:t>
+            </a:r>
+            <a:r>
+              <a:rPr lang="en-US" sz="2400" b="1" dirty="0" err="1" smtClean="0">
+                <a:solidFill>
+                  <a:schemeClr val="tx1"/>
+                </a:solidFill>
+                <a:latin typeface="Tahoma" panose="020B0604030504040204" pitchFamily="34" charset="0"/>
+                <a:ea typeface="Tahoma" panose="020B0604030504040204" pitchFamily="34" charset="0"/>
+                <a:cs typeface="Tahoma" panose="020B0604030504040204" pitchFamily="34" charset="0"/>
+              </a:rPr>
+              <a:t>blocco</a:t>
+            </a:r>
+            <a:r>
+              <a:rPr lang="en-US" sz="2400" dirty="0" smtClean="0">
+                <a:solidFill>
+                  <a:schemeClr val="tx1"/>
+                </a:solidFill>
+                <a:latin typeface="Tahoma" panose="020B0604030504040204" pitchFamily="34" charset="0"/>
+                <a:ea typeface="Tahoma" panose="020B0604030504040204" pitchFamily="34" charset="0"/>
+                <a:cs typeface="Tahoma" panose="020B0604030504040204" pitchFamily="34" charset="0"/>
+              </a:rPr>
+              <a:t> </a:t>
+            </a:r>
+            <a:r>
+              <a:rPr lang="en-US" sz="2400" dirty="0" err="1" smtClean="0">
+                <a:solidFill>
+                  <a:schemeClr val="tx1"/>
+                </a:solidFill>
+                <a:latin typeface="Tahoma" panose="020B0604030504040204" pitchFamily="34" charset="0"/>
+                <a:ea typeface="Tahoma" panose="020B0604030504040204" pitchFamily="34" charset="0"/>
+                <a:cs typeface="Tahoma" panose="020B0604030504040204" pitchFamily="34" charset="0"/>
+              </a:rPr>
+              <a:t>viene</a:t>
+            </a:r>
+            <a:r>
+              <a:rPr lang="en-US" sz="2400" dirty="0" smtClean="0">
+                <a:solidFill>
+                  <a:schemeClr val="tx1"/>
+                </a:solidFill>
+                <a:latin typeface="Tahoma" panose="020B0604030504040204" pitchFamily="34" charset="0"/>
+                <a:ea typeface="Tahoma" panose="020B0604030504040204" pitchFamily="34" charset="0"/>
+                <a:cs typeface="Tahoma" panose="020B0604030504040204" pitchFamily="34" charset="0"/>
+              </a:rPr>
+              <a:t> </a:t>
+            </a:r>
+            <a:r>
+              <a:rPr lang="en-US" sz="2400" dirty="0" err="1" smtClean="0">
+                <a:solidFill>
+                  <a:schemeClr val="tx1"/>
+                </a:solidFill>
+                <a:latin typeface="Tahoma" panose="020B0604030504040204" pitchFamily="34" charset="0"/>
+                <a:ea typeface="Tahoma" panose="020B0604030504040204" pitchFamily="34" charset="0"/>
+                <a:cs typeface="Tahoma" panose="020B0604030504040204" pitchFamily="34" charset="0"/>
+              </a:rPr>
+              <a:t>aggiunto</a:t>
+            </a:r>
+            <a:r>
+              <a:rPr lang="en-US" sz="2400" dirty="0" smtClean="0">
+                <a:solidFill>
+                  <a:schemeClr val="tx1"/>
+                </a:solidFill>
+                <a:latin typeface="Tahoma" panose="020B0604030504040204" pitchFamily="34" charset="0"/>
+                <a:ea typeface="Tahoma" panose="020B0604030504040204" pitchFamily="34" charset="0"/>
+                <a:cs typeface="Tahoma" panose="020B0604030504040204" pitchFamily="34" charset="0"/>
+              </a:rPr>
+              <a:t> </a:t>
+            </a:r>
+            <a:r>
+              <a:rPr lang="en-US" sz="2400" dirty="0" err="1" smtClean="0">
+                <a:solidFill>
+                  <a:schemeClr val="tx1"/>
+                </a:solidFill>
+                <a:latin typeface="Tahoma" panose="020B0604030504040204" pitchFamily="34" charset="0"/>
+                <a:ea typeface="Tahoma" panose="020B0604030504040204" pitchFamily="34" charset="0"/>
+                <a:cs typeface="Tahoma" panose="020B0604030504040204" pitchFamily="34" charset="0"/>
+              </a:rPr>
+              <a:t>alla</a:t>
+            </a:r>
+            <a:r>
+              <a:rPr lang="en-US" sz="2400" dirty="0" smtClean="0">
+                <a:solidFill>
+                  <a:schemeClr val="tx1"/>
+                </a:solidFill>
+                <a:latin typeface="Tahoma" panose="020B0604030504040204" pitchFamily="34" charset="0"/>
+                <a:ea typeface="Tahoma" panose="020B0604030504040204" pitchFamily="34" charset="0"/>
+                <a:cs typeface="Tahoma" panose="020B0604030504040204" pitchFamily="34" charset="0"/>
+              </a:rPr>
+              <a:t> </a:t>
+            </a:r>
+            <a:r>
+              <a:rPr lang="en-US" sz="2400" b="1" dirty="0" smtClean="0">
+                <a:solidFill>
+                  <a:schemeClr val="tx1"/>
+                </a:solidFill>
+                <a:latin typeface="Tahoma" panose="020B0604030504040204" pitchFamily="34" charset="0"/>
+                <a:ea typeface="Tahoma" panose="020B0604030504040204" pitchFamily="34" charset="0"/>
+                <a:cs typeface="Tahoma" panose="020B0604030504040204" pitchFamily="34" charset="0"/>
+              </a:rPr>
+              <a:t>catena</a:t>
+            </a:r>
+            <a:r>
+              <a:rPr lang="en-US" sz="2400" dirty="0" smtClean="0">
+                <a:solidFill>
+                  <a:schemeClr val="tx1"/>
+                </a:solidFill>
+                <a:latin typeface="Tahoma" panose="020B0604030504040204" pitchFamily="34" charset="0"/>
+                <a:ea typeface="Tahoma" panose="020B0604030504040204" pitchFamily="34" charset="0"/>
+                <a:cs typeface="Tahoma" panose="020B0604030504040204" pitchFamily="34" charset="0"/>
+              </a:rPr>
+              <a:t>, non </a:t>
+            </a:r>
+            <a:r>
+              <a:rPr lang="en-US" sz="2400" dirty="0" err="1" smtClean="0">
+                <a:solidFill>
+                  <a:schemeClr val="tx1"/>
+                </a:solidFill>
+                <a:latin typeface="Tahoma" panose="020B0604030504040204" pitchFamily="34" charset="0"/>
+                <a:ea typeface="Tahoma" panose="020B0604030504040204" pitchFamily="34" charset="0"/>
+                <a:cs typeface="Tahoma" panose="020B0604030504040204" pitchFamily="34" charset="0"/>
+              </a:rPr>
+              <a:t>può</a:t>
+            </a:r>
+            <a:r>
+              <a:rPr lang="en-US" sz="2400" dirty="0" smtClean="0">
+                <a:solidFill>
+                  <a:schemeClr val="tx1"/>
+                </a:solidFill>
+                <a:latin typeface="Tahoma" panose="020B0604030504040204" pitchFamily="34" charset="0"/>
+                <a:ea typeface="Tahoma" panose="020B0604030504040204" pitchFamily="34" charset="0"/>
+                <a:cs typeface="Tahoma" panose="020B0604030504040204" pitchFamily="34" charset="0"/>
+              </a:rPr>
+              <a:t> </a:t>
+            </a:r>
+            <a:r>
+              <a:rPr lang="en-US" sz="2400" dirty="0" err="1" smtClean="0">
+                <a:solidFill>
+                  <a:schemeClr val="tx1"/>
+                </a:solidFill>
+                <a:latin typeface="Tahoma" panose="020B0604030504040204" pitchFamily="34" charset="0"/>
+                <a:ea typeface="Tahoma" panose="020B0604030504040204" pitchFamily="34" charset="0"/>
+                <a:cs typeface="Tahoma" panose="020B0604030504040204" pitchFamily="34" charset="0"/>
+              </a:rPr>
+              <a:t>essere</a:t>
+            </a:r>
+            <a:r>
+              <a:rPr lang="en-US" sz="2400" dirty="0" smtClean="0">
+                <a:solidFill>
+                  <a:schemeClr val="tx1"/>
+                </a:solidFill>
+                <a:latin typeface="Tahoma" panose="020B0604030504040204" pitchFamily="34" charset="0"/>
+                <a:ea typeface="Tahoma" panose="020B0604030504040204" pitchFamily="34" charset="0"/>
+                <a:cs typeface="Tahoma" panose="020B0604030504040204" pitchFamily="34" charset="0"/>
+              </a:rPr>
+              <a:t> </a:t>
+            </a:r>
+            <a:r>
+              <a:rPr lang="en-US" sz="2400" dirty="0" err="1" smtClean="0">
+                <a:solidFill>
+                  <a:schemeClr val="tx1"/>
+                </a:solidFill>
+                <a:latin typeface="Tahoma" panose="020B0604030504040204" pitchFamily="34" charset="0"/>
+                <a:ea typeface="Tahoma" panose="020B0604030504040204" pitchFamily="34" charset="0"/>
+                <a:cs typeface="Tahoma" panose="020B0604030504040204" pitchFamily="34" charset="0"/>
+              </a:rPr>
+              <a:t>più</a:t>
+            </a:r>
+            <a:r>
+              <a:rPr lang="en-US" sz="2400" dirty="0" smtClean="0">
+                <a:solidFill>
+                  <a:schemeClr val="tx1"/>
+                </a:solidFill>
+                <a:latin typeface="Tahoma" panose="020B0604030504040204" pitchFamily="34" charset="0"/>
+                <a:ea typeface="Tahoma" panose="020B0604030504040204" pitchFamily="34" charset="0"/>
+                <a:cs typeface="Tahoma" panose="020B0604030504040204" pitchFamily="34" charset="0"/>
+              </a:rPr>
+              <a:t> </a:t>
+            </a:r>
+            <a:r>
+              <a:rPr lang="en-US" sz="2400" dirty="0" err="1" smtClean="0">
+                <a:solidFill>
+                  <a:schemeClr val="tx1"/>
+                </a:solidFill>
+                <a:latin typeface="Tahoma" panose="020B0604030504040204" pitchFamily="34" charset="0"/>
+                <a:ea typeface="Tahoma" panose="020B0604030504040204" pitchFamily="34" charset="0"/>
+                <a:cs typeface="Tahoma" panose="020B0604030504040204" pitchFamily="34" charset="0"/>
+              </a:rPr>
+              <a:t>cambiato</a:t>
+            </a:r>
+            <a:r>
+              <a:rPr lang="en-US" sz="2400" dirty="0" smtClean="0">
+                <a:solidFill>
+                  <a:schemeClr val="tx1"/>
+                </a:solidFill>
+                <a:latin typeface="Tahoma" panose="020B0604030504040204" pitchFamily="34" charset="0"/>
+                <a:ea typeface="Tahoma" panose="020B0604030504040204" pitchFamily="34" charset="0"/>
+                <a:cs typeface="Tahoma" panose="020B0604030504040204" pitchFamily="34" charset="0"/>
+              </a:rPr>
+              <a:t>. </a:t>
+            </a:r>
+            <a:r>
+              <a:rPr lang="en-US" sz="2400" dirty="0" err="1" smtClean="0">
+                <a:solidFill>
+                  <a:schemeClr val="tx1"/>
+                </a:solidFill>
+                <a:latin typeface="Tahoma" panose="020B0604030504040204" pitchFamily="34" charset="0"/>
+                <a:ea typeface="Tahoma" panose="020B0604030504040204" pitchFamily="34" charset="0"/>
+                <a:cs typeface="Tahoma" panose="020B0604030504040204" pitchFamily="34" charset="0"/>
+              </a:rPr>
+              <a:t>Tutte</a:t>
+            </a:r>
+            <a:r>
+              <a:rPr lang="en-US" sz="2400" dirty="0" smtClean="0">
+                <a:solidFill>
+                  <a:schemeClr val="tx1"/>
+                </a:solidFill>
+                <a:latin typeface="Tahoma" panose="020B0604030504040204" pitchFamily="34" charset="0"/>
+                <a:ea typeface="Tahoma" panose="020B0604030504040204" pitchFamily="34" charset="0"/>
+                <a:cs typeface="Tahoma" panose="020B0604030504040204" pitchFamily="34" charset="0"/>
+              </a:rPr>
+              <a:t> le </a:t>
+            </a:r>
+            <a:r>
+              <a:rPr lang="en-US" sz="2400" b="1" dirty="0" err="1" smtClean="0">
+                <a:solidFill>
+                  <a:schemeClr val="tx1"/>
+                </a:solidFill>
+                <a:latin typeface="Tahoma" panose="020B0604030504040204" pitchFamily="34" charset="0"/>
+                <a:ea typeface="Tahoma" panose="020B0604030504040204" pitchFamily="34" charset="0"/>
+                <a:cs typeface="Tahoma" panose="020B0604030504040204" pitchFamily="34" charset="0"/>
+              </a:rPr>
+              <a:t>informazioni</a:t>
+            </a:r>
+            <a:r>
+              <a:rPr lang="en-US" sz="2400" dirty="0" smtClean="0">
+                <a:solidFill>
+                  <a:schemeClr val="tx1"/>
+                </a:solidFill>
+                <a:latin typeface="Tahoma" panose="020B0604030504040204" pitchFamily="34" charset="0"/>
+                <a:ea typeface="Tahoma" panose="020B0604030504040204" pitchFamily="34" charset="0"/>
+                <a:cs typeface="Tahoma" panose="020B0604030504040204" pitchFamily="34" charset="0"/>
+              </a:rPr>
+              <a:t> </a:t>
+            </a:r>
+            <a:r>
+              <a:rPr lang="en-US" sz="2400" dirty="0" err="1" smtClean="0">
+                <a:solidFill>
+                  <a:schemeClr val="tx1"/>
+                </a:solidFill>
+                <a:latin typeface="Tahoma" panose="020B0604030504040204" pitchFamily="34" charset="0"/>
+                <a:ea typeface="Tahoma" panose="020B0604030504040204" pitchFamily="34" charset="0"/>
+                <a:cs typeface="Tahoma" panose="020B0604030504040204" pitchFamily="34" charset="0"/>
+              </a:rPr>
+              <a:t>che</a:t>
+            </a:r>
+            <a:r>
+              <a:rPr lang="en-US" sz="2400" dirty="0" smtClean="0">
+                <a:solidFill>
+                  <a:schemeClr val="tx1"/>
+                </a:solidFill>
+                <a:latin typeface="Tahoma" panose="020B0604030504040204" pitchFamily="34" charset="0"/>
+                <a:ea typeface="Tahoma" panose="020B0604030504040204" pitchFamily="34" charset="0"/>
+                <a:cs typeface="Tahoma" panose="020B0604030504040204" pitchFamily="34" charset="0"/>
+              </a:rPr>
+              <a:t> </a:t>
+            </a:r>
+            <a:r>
+              <a:rPr lang="en-US" sz="2400" dirty="0" err="1" smtClean="0">
+                <a:solidFill>
+                  <a:schemeClr val="tx1"/>
+                </a:solidFill>
+                <a:latin typeface="Tahoma" panose="020B0604030504040204" pitchFamily="34" charset="0"/>
+                <a:ea typeface="Tahoma" panose="020B0604030504040204" pitchFamily="34" charset="0"/>
+                <a:cs typeface="Tahoma" panose="020B0604030504040204" pitchFamily="34" charset="0"/>
+              </a:rPr>
+              <a:t>vengono</a:t>
+            </a:r>
+            <a:r>
+              <a:rPr lang="en-US" sz="2400" dirty="0" smtClean="0">
+                <a:solidFill>
+                  <a:schemeClr val="tx1"/>
+                </a:solidFill>
+                <a:latin typeface="Tahoma" panose="020B0604030504040204" pitchFamily="34" charset="0"/>
+                <a:ea typeface="Tahoma" panose="020B0604030504040204" pitchFamily="34" charset="0"/>
+                <a:cs typeface="Tahoma" panose="020B0604030504040204" pitchFamily="34" charset="0"/>
+              </a:rPr>
+              <a:t> </a:t>
+            </a:r>
+            <a:r>
+              <a:rPr lang="en-US" sz="2400" dirty="0" err="1" smtClean="0">
+                <a:solidFill>
+                  <a:schemeClr val="tx1"/>
+                </a:solidFill>
+                <a:latin typeface="Tahoma" panose="020B0604030504040204" pitchFamily="34" charset="0"/>
+                <a:ea typeface="Tahoma" panose="020B0604030504040204" pitchFamily="34" charset="0"/>
+                <a:cs typeface="Tahoma" panose="020B0604030504040204" pitchFamily="34" charset="0"/>
+              </a:rPr>
+              <a:t>mantenute</a:t>
+            </a:r>
+            <a:r>
+              <a:rPr lang="en-US" sz="2400" dirty="0" smtClean="0">
+                <a:solidFill>
+                  <a:schemeClr val="tx1"/>
+                </a:solidFill>
+                <a:latin typeface="Tahoma" panose="020B0604030504040204" pitchFamily="34" charset="0"/>
+                <a:ea typeface="Tahoma" panose="020B0604030504040204" pitchFamily="34" charset="0"/>
+                <a:cs typeface="Tahoma" panose="020B0604030504040204" pitchFamily="34" charset="0"/>
+              </a:rPr>
+              <a:t> </a:t>
+            </a:r>
+            <a:r>
+              <a:rPr lang="en-US" sz="2400" dirty="0" err="1" smtClean="0">
+                <a:solidFill>
+                  <a:schemeClr val="tx1"/>
+                </a:solidFill>
+                <a:latin typeface="Tahoma" panose="020B0604030504040204" pitchFamily="34" charset="0"/>
+                <a:ea typeface="Tahoma" panose="020B0604030504040204" pitchFamily="34" charset="0"/>
+                <a:cs typeface="Tahoma" panose="020B0604030504040204" pitchFamily="34" charset="0"/>
+              </a:rPr>
+              <a:t>nei</a:t>
+            </a:r>
+            <a:r>
+              <a:rPr lang="en-US" sz="2400" dirty="0" smtClean="0">
+                <a:solidFill>
+                  <a:schemeClr val="tx1"/>
+                </a:solidFill>
+                <a:latin typeface="Tahoma" panose="020B0604030504040204" pitchFamily="34" charset="0"/>
+                <a:ea typeface="Tahoma" panose="020B0604030504040204" pitchFamily="34" charset="0"/>
+                <a:cs typeface="Tahoma" panose="020B0604030504040204" pitchFamily="34" charset="0"/>
+              </a:rPr>
+              <a:t> </a:t>
+            </a:r>
+            <a:r>
+              <a:rPr lang="en-US" sz="2400" dirty="0" err="1" smtClean="0">
+                <a:solidFill>
+                  <a:schemeClr val="tx1"/>
+                </a:solidFill>
+                <a:latin typeface="Tahoma" panose="020B0604030504040204" pitchFamily="34" charset="0"/>
+                <a:ea typeface="Tahoma" panose="020B0604030504040204" pitchFamily="34" charset="0"/>
+                <a:cs typeface="Tahoma" panose="020B0604030504040204" pitchFamily="34" charset="0"/>
+              </a:rPr>
+              <a:t>blocchi</a:t>
+            </a:r>
+            <a:r>
+              <a:rPr lang="en-US" sz="2400" dirty="0" smtClean="0">
+                <a:solidFill>
+                  <a:schemeClr val="tx1"/>
+                </a:solidFill>
+                <a:latin typeface="Tahoma" panose="020B0604030504040204" pitchFamily="34" charset="0"/>
+                <a:ea typeface="Tahoma" panose="020B0604030504040204" pitchFamily="34" charset="0"/>
+                <a:cs typeface="Tahoma" panose="020B0604030504040204" pitchFamily="34" charset="0"/>
+              </a:rPr>
+              <a:t> </a:t>
+            </a:r>
+            <a:r>
+              <a:rPr lang="en-US" sz="2400" dirty="0" err="1" smtClean="0">
+                <a:solidFill>
+                  <a:schemeClr val="tx1"/>
+                </a:solidFill>
+                <a:latin typeface="Tahoma" panose="020B0604030504040204" pitchFamily="34" charset="0"/>
+                <a:ea typeface="Tahoma" panose="020B0604030504040204" pitchFamily="34" charset="0"/>
+                <a:cs typeface="Tahoma" panose="020B0604030504040204" pitchFamily="34" charset="0"/>
+              </a:rPr>
+              <a:t>vivranno</a:t>
+            </a:r>
+            <a:r>
+              <a:rPr lang="en-US" sz="2400" dirty="0" smtClean="0">
+                <a:solidFill>
+                  <a:schemeClr val="tx1"/>
+                </a:solidFill>
+                <a:latin typeface="Tahoma" panose="020B0604030504040204" pitchFamily="34" charset="0"/>
+                <a:ea typeface="Tahoma" panose="020B0604030504040204" pitchFamily="34" charset="0"/>
+                <a:cs typeface="Tahoma" panose="020B0604030504040204" pitchFamily="34" charset="0"/>
+              </a:rPr>
+              <a:t> li </a:t>
+            </a:r>
+            <a:r>
+              <a:rPr lang="en-US" sz="2400" dirty="0" err="1" smtClean="0">
+                <a:solidFill>
+                  <a:schemeClr val="tx1"/>
+                </a:solidFill>
+                <a:latin typeface="Tahoma" panose="020B0604030504040204" pitchFamily="34" charset="0"/>
+                <a:ea typeface="Tahoma" panose="020B0604030504040204" pitchFamily="34" charset="0"/>
+                <a:cs typeface="Tahoma" panose="020B0604030504040204" pitchFamily="34" charset="0"/>
+              </a:rPr>
+              <a:t>finchè</a:t>
+            </a:r>
+            <a:r>
+              <a:rPr lang="en-US" sz="2400" dirty="0" smtClean="0">
+                <a:solidFill>
+                  <a:schemeClr val="tx1"/>
+                </a:solidFill>
+                <a:latin typeface="Tahoma" panose="020B0604030504040204" pitchFamily="34" charset="0"/>
+                <a:ea typeface="Tahoma" panose="020B0604030504040204" pitchFamily="34" charset="0"/>
+                <a:cs typeface="Tahoma" panose="020B0604030504040204" pitchFamily="34" charset="0"/>
+              </a:rPr>
+              <a:t> la </a:t>
+            </a:r>
+            <a:r>
+              <a:rPr lang="en-US" sz="2400" dirty="0" err="1" smtClean="0">
+                <a:solidFill>
+                  <a:schemeClr val="tx1"/>
+                </a:solidFill>
+                <a:latin typeface="Tahoma" panose="020B0604030504040204" pitchFamily="34" charset="0"/>
+                <a:ea typeface="Tahoma" panose="020B0604030504040204" pitchFamily="34" charset="0"/>
+                <a:cs typeface="Tahoma" panose="020B0604030504040204" pitchFamily="34" charset="0"/>
+              </a:rPr>
+              <a:t>blockchain</a:t>
+            </a:r>
+            <a:r>
+              <a:rPr lang="en-US" sz="2400" dirty="0" smtClean="0">
+                <a:solidFill>
+                  <a:schemeClr val="tx1"/>
+                </a:solidFill>
+                <a:latin typeface="Tahoma" panose="020B0604030504040204" pitchFamily="34" charset="0"/>
+                <a:ea typeface="Tahoma" panose="020B0604030504040204" pitchFamily="34" charset="0"/>
+                <a:cs typeface="Tahoma" panose="020B0604030504040204" pitchFamily="34" charset="0"/>
+              </a:rPr>
+              <a:t> </a:t>
+            </a:r>
+            <a:r>
+              <a:rPr lang="en-US" sz="2400" dirty="0" err="1" smtClean="0">
+                <a:solidFill>
+                  <a:schemeClr val="tx1"/>
+                </a:solidFill>
+                <a:latin typeface="Tahoma" panose="020B0604030504040204" pitchFamily="34" charset="0"/>
+                <a:ea typeface="Tahoma" panose="020B0604030504040204" pitchFamily="34" charset="0"/>
+                <a:cs typeface="Tahoma" panose="020B0604030504040204" pitchFamily="34" charset="0"/>
+              </a:rPr>
+              <a:t>esiste</a:t>
+            </a:r>
+            <a:r>
+              <a:rPr lang="en-US" sz="2400" dirty="0" smtClean="0">
+                <a:solidFill>
+                  <a:schemeClr val="tx1"/>
+                </a:solidFill>
+                <a:latin typeface="Tahoma" panose="020B0604030504040204" pitchFamily="34" charset="0"/>
+                <a:ea typeface="Tahoma" panose="020B0604030504040204" pitchFamily="34" charset="0"/>
+                <a:cs typeface="Tahoma" panose="020B0604030504040204" pitchFamily="34" charset="0"/>
+              </a:rPr>
+              <a:t>. </a:t>
+            </a:r>
+          </a:p>
+          <a:p>
+            <a:pPr marL="342900" indent="-342900">
+              <a:buFont typeface="Wingdings" panose="05000000000000000000" pitchFamily="2" charset="2"/>
+              <a:buChar char="ü"/>
+            </a:pPr>
+            <a:r>
+              <a:rPr lang="en-US" sz="2400" dirty="0" smtClean="0">
+                <a:solidFill>
+                  <a:schemeClr val="tx1"/>
+                </a:solidFill>
+                <a:latin typeface="Tahoma" panose="020B0604030504040204" pitchFamily="34" charset="0"/>
+                <a:ea typeface="Tahoma" panose="020B0604030504040204" pitchFamily="34" charset="0"/>
+                <a:cs typeface="Tahoma" panose="020B0604030504040204" pitchFamily="34" charset="0"/>
+              </a:rPr>
+              <a:t>I </a:t>
+            </a:r>
+            <a:r>
+              <a:rPr lang="en-US" sz="2400" dirty="0" err="1" smtClean="0">
+                <a:solidFill>
+                  <a:schemeClr val="tx1"/>
+                </a:solidFill>
+                <a:latin typeface="Tahoma" panose="020B0604030504040204" pitchFamily="34" charset="0"/>
+                <a:ea typeface="Tahoma" panose="020B0604030504040204" pitchFamily="34" charset="0"/>
+                <a:cs typeface="Tahoma" panose="020B0604030504040204" pitchFamily="34" charset="0"/>
+              </a:rPr>
+              <a:t>blocchi</a:t>
+            </a:r>
+            <a:r>
+              <a:rPr lang="en-US" sz="2400" dirty="0" smtClean="0">
+                <a:solidFill>
+                  <a:schemeClr val="tx1"/>
+                </a:solidFill>
+                <a:latin typeface="Tahoma" panose="020B0604030504040204" pitchFamily="34" charset="0"/>
+                <a:ea typeface="Tahoma" panose="020B0604030504040204" pitchFamily="34" charset="0"/>
+                <a:cs typeface="Tahoma" panose="020B0604030504040204" pitchFamily="34" charset="0"/>
+              </a:rPr>
+              <a:t> </a:t>
+            </a:r>
+            <a:r>
+              <a:rPr lang="en-US" sz="2400" dirty="0" err="1" smtClean="0">
+                <a:solidFill>
+                  <a:schemeClr val="tx1"/>
+                </a:solidFill>
+                <a:latin typeface="Tahoma" panose="020B0604030504040204" pitchFamily="34" charset="0"/>
+                <a:ea typeface="Tahoma" panose="020B0604030504040204" pitchFamily="34" charset="0"/>
+                <a:cs typeface="Tahoma" panose="020B0604030504040204" pitchFamily="34" charset="0"/>
+              </a:rPr>
+              <a:t>vengono</a:t>
+            </a:r>
+            <a:r>
+              <a:rPr lang="en-US" sz="2400" dirty="0" smtClean="0">
+                <a:solidFill>
+                  <a:schemeClr val="tx1"/>
+                </a:solidFill>
+                <a:latin typeface="Tahoma" panose="020B0604030504040204" pitchFamily="34" charset="0"/>
+                <a:ea typeface="Tahoma" panose="020B0604030504040204" pitchFamily="34" charset="0"/>
+                <a:cs typeface="Tahoma" panose="020B0604030504040204" pitchFamily="34" charset="0"/>
+              </a:rPr>
+              <a:t> </a:t>
+            </a:r>
+            <a:r>
+              <a:rPr lang="en-US" sz="2400" dirty="0" err="1" smtClean="0">
+                <a:solidFill>
+                  <a:schemeClr val="tx1"/>
+                </a:solidFill>
+                <a:latin typeface="Tahoma" panose="020B0604030504040204" pitchFamily="34" charset="0"/>
+                <a:ea typeface="Tahoma" panose="020B0604030504040204" pitchFamily="34" charset="0"/>
+                <a:cs typeface="Tahoma" panose="020B0604030504040204" pitchFamily="34" charset="0"/>
+              </a:rPr>
+              <a:t>aggiunti</a:t>
+            </a:r>
+            <a:r>
+              <a:rPr lang="en-US" sz="2400" dirty="0" smtClean="0">
+                <a:solidFill>
+                  <a:schemeClr val="tx1"/>
+                </a:solidFill>
+                <a:latin typeface="Tahoma" panose="020B0604030504040204" pitchFamily="34" charset="0"/>
+                <a:ea typeface="Tahoma" panose="020B0604030504040204" pitchFamily="34" charset="0"/>
+                <a:cs typeface="Tahoma" panose="020B0604030504040204" pitchFamily="34" charset="0"/>
+              </a:rPr>
+              <a:t> </a:t>
+            </a:r>
+          </a:p>
+          <a:p>
+            <a:pPr marL="342900" indent="-342900">
+              <a:buFont typeface="Wingdings" panose="05000000000000000000" pitchFamily="2" charset="2"/>
+              <a:buChar char="ü"/>
+            </a:pPr>
+            <a:endParaRPr lang="en-US" sz="2400" dirty="0">
+              <a:solidFill>
+                <a:schemeClr val="tx1"/>
+              </a:solidFill>
+              <a:latin typeface="Tahoma" panose="020B0604030504040204" pitchFamily="34" charset="0"/>
+              <a:ea typeface="Tahoma" panose="020B0604030504040204" pitchFamily="34" charset="0"/>
+              <a:cs typeface="Tahoma" panose="020B0604030504040204" pitchFamily="34" charset="0"/>
+            </a:endParaRPr>
+          </a:p>
+          <a:p>
+            <a:pPr marL="342900" indent="-342900">
+              <a:buFont typeface="Wingdings" panose="05000000000000000000" pitchFamily="2" charset="2"/>
+              <a:buChar char="ü"/>
+            </a:pPr>
+            <a:r>
+              <a:rPr lang="en-US" sz="2400" dirty="0" smtClean="0">
+                <a:solidFill>
+                  <a:schemeClr val="tx1"/>
+                </a:solidFill>
+                <a:latin typeface="Tahoma" panose="020B0604030504040204" pitchFamily="34" charset="0"/>
+                <a:ea typeface="Tahoma" panose="020B0604030504040204" pitchFamily="34" charset="0"/>
+                <a:cs typeface="Tahoma" panose="020B0604030504040204" pitchFamily="34" charset="0"/>
+              </a:rPr>
+              <a:t>cannot </a:t>
+            </a:r>
+            <a:r>
+              <a:rPr lang="en-US" sz="2400" dirty="0">
+                <a:solidFill>
+                  <a:schemeClr val="tx1"/>
+                </a:solidFill>
+                <a:latin typeface="Tahoma" panose="020B0604030504040204" pitchFamily="34" charset="0"/>
+                <a:ea typeface="Tahoma" panose="020B0604030504040204" pitchFamily="34" charset="0"/>
+                <a:cs typeface="Tahoma" panose="020B0604030504040204" pitchFamily="34" charset="0"/>
+              </a:rPr>
+              <a:t>be reversed. </a:t>
+            </a:r>
+            <a:r>
+              <a:rPr lang="en-US" sz="2400" dirty="0">
+                <a:solidFill>
+                  <a:schemeClr val="tx1"/>
+                </a:solidFill>
+                <a:latin typeface="Tahoma" panose="020B0604030504040204" pitchFamily="34" charset="0"/>
+                <a:ea typeface="Tahoma" panose="020B0604030504040204" pitchFamily="34" charset="0"/>
+                <a:cs typeface="Tahoma" panose="020B0604030504040204" pitchFamily="34" charset="0"/>
+              </a:rPr>
+              <a:t>And when a block is added to the chain, it cannot be changed. All information held in blocks is going to stay there as long as the </a:t>
+            </a:r>
+            <a:r>
+              <a:rPr lang="en-US" sz="2400" dirty="0" err="1">
+                <a:solidFill>
+                  <a:schemeClr val="tx1"/>
+                </a:solidFill>
+                <a:latin typeface="Tahoma" panose="020B0604030504040204" pitchFamily="34" charset="0"/>
+                <a:ea typeface="Tahoma" panose="020B0604030504040204" pitchFamily="34" charset="0"/>
+                <a:cs typeface="Tahoma" panose="020B0604030504040204" pitchFamily="34" charset="0"/>
+              </a:rPr>
+              <a:t>blockchain</a:t>
+            </a:r>
+            <a:r>
+              <a:rPr lang="en-US" sz="2400" dirty="0">
+                <a:solidFill>
+                  <a:schemeClr val="tx1"/>
+                </a:solidFill>
+                <a:latin typeface="Tahoma" panose="020B0604030504040204" pitchFamily="34" charset="0"/>
+                <a:ea typeface="Tahoma" panose="020B0604030504040204" pitchFamily="34" charset="0"/>
+                <a:cs typeface="Tahoma" panose="020B0604030504040204" pitchFamily="34" charset="0"/>
+              </a:rPr>
+              <a:t> exists. Blocks are added on top of one another in a linear way. One by one, they form a chain holding the entire history of transactions on the network.</a:t>
+            </a:r>
+          </a:p>
+          <a:p>
+            <a:r>
+              <a:rPr lang="en-US" sz="2400" dirty="0">
+                <a:solidFill>
+                  <a:schemeClr val="tx1"/>
+                </a:solidFill>
+                <a:latin typeface="Tahoma" panose="020B0604030504040204" pitchFamily="34" charset="0"/>
+                <a:ea typeface="Tahoma" panose="020B0604030504040204" pitchFamily="34" charset="0"/>
+                <a:cs typeface="Tahoma" panose="020B0604030504040204" pitchFamily="34" charset="0"/>
+              </a:rPr>
+              <a:t>The exact structure of blocks can differ from </a:t>
+            </a:r>
+            <a:r>
+              <a:rPr lang="en-US" sz="2400" dirty="0" err="1">
+                <a:solidFill>
+                  <a:schemeClr val="tx1"/>
+                </a:solidFill>
+                <a:latin typeface="Tahoma" panose="020B0604030504040204" pitchFamily="34" charset="0"/>
+                <a:ea typeface="Tahoma" panose="020B0604030504040204" pitchFamily="34" charset="0"/>
+                <a:cs typeface="Tahoma" panose="020B0604030504040204" pitchFamily="34" charset="0"/>
+              </a:rPr>
+              <a:t>blockchain</a:t>
+            </a:r>
+            <a:r>
+              <a:rPr lang="en-US" sz="2400" dirty="0">
+                <a:solidFill>
+                  <a:schemeClr val="tx1"/>
+                </a:solidFill>
+                <a:latin typeface="Tahoma" panose="020B0604030504040204" pitchFamily="34" charset="0"/>
+                <a:ea typeface="Tahoma" panose="020B0604030504040204" pitchFamily="34" charset="0"/>
+                <a:cs typeface="Tahoma" panose="020B0604030504040204" pitchFamily="34" charset="0"/>
+              </a:rPr>
+              <a:t> to </a:t>
+            </a:r>
+            <a:r>
+              <a:rPr lang="en-US" sz="2400" dirty="0" err="1">
+                <a:solidFill>
+                  <a:schemeClr val="tx1"/>
+                </a:solidFill>
+                <a:latin typeface="Tahoma" panose="020B0604030504040204" pitchFamily="34" charset="0"/>
+                <a:ea typeface="Tahoma" panose="020B0604030504040204" pitchFamily="34" charset="0"/>
+                <a:cs typeface="Tahoma" panose="020B0604030504040204" pitchFamily="34" charset="0"/>
+              </a:rPr>
+              <a:t>blockchain</a:t>
+            </a:r>
+            <a:r>
+              <a:rPr lang="en-US" sz="2400" dirty="0">
+                <a:solidFill>
+                  <a:schemeClr val="tx1"/>
+                </a:solidFill>
+                <a:latin typeface="Tahoma" panose="020B0604030504040204" pitchFamily="34" charset="0"/>
+                <a:ea typeface="Tahoma" panose="020B0604030504040204" pitchFamily="34" charset="0"/>
+                <a:cs typeface="Tahoma" panose="020B0604030504040204" pitchFamily="34" charset="0"/>
+              </a:rPr>
+              <a:t>. This article will focus on explaining the structure of a Bitcoin block. After all, that is the basis on which most other </a:t>
+            </a:r>
+            <a:r>
+              <a:rPr lang="en-US" sz="2400" dirty="0" err="1">
+                <a:solidFill>
+                  <a:schemeClr val="tx1"/>
+                </a:solidFill>
+                <a:latin typeface="Tahoma" panose="020B0604030504040204" pitchFamily="34" charset="0"/>
+                <a:ea typeface="Tahoma" panose="020B0604030504040204" pitchFamily="34" charset="0"/>
+                <a:cs typeface="Tahoma" panose="020B0604030504040204" pitchFamily="34" charset="0"/>
+              </a:rPr>
+              <a:t>blockchains</a:t>
+            </a:r>
+            <a:r>
+              <a:rPr lang="en-US" sz="2400" dirty="0">
+                <a:solidFill>
+                  <a:schemeClr val="tx1"/>
+                </a:solidFill>
+                <a:latin typeface="Tahoma" panose="020B0604030504040204" pitchFamily="34" charset="0"/>
+                <a:ea typeface="Tahoma" panose="020B0604030504040204" pitchFamily="34" charset="0"/>
+                <a:cs typeface="Tahoma" panose="020B0604030504040204" pitchFamily="34" charset="0"/>
+              </a:rPr>
+              <a:t> were modelled.</a:t>
+            </a:r>
+          </a:p>
+          <a:p>
+            <a:pPr marL="342900" indent="-342900" algn="just">
+              <a:lnSpc>
+                <a:spcPct val="115000"/>
+              </a:lnSpc>
+              <a:spcBef>
+                <a:spcPts val="2400"/>
+              </a:spcBef>
+              <a:buFont typeface="Wingdings" panose="05000000000000000000" pitchFamily="2" charset="2"/>
+              <a:buChar char="ü"/>
+              <a:tabLst>
+                <a:tab pos="457200" algn="l"/>
+              </a:tabLst>
+            </a:pPr>
+            <a:endParaRPr lang="it-IT" sz="2400" dirty="0">
+              <a:solidFill>
+                <a:schemeClr val="tx1"/>
+              </a:solidFill>
+              <a:latin typeface="Tahoma" panose="020B0604030504040204" pitchFamily="34" charset="0"/>
+              <a:ea typeface="Tahoma" panose="020B0604030504040204" pitchFamily="34" charset="0"/>
+              <a:cs typeface="Tahoma" panose="020B0604030504040204" pitchFamily="34" charset="0"/>
+            </a:endParaRPr>
+          </a:p>
+        </p:txBody>
+      </p:sp>
+      <p:sp>
+        <p:nvSpPr>
+          <p:cNvPr id="7" name="Segnaposto numero diapositiva 6">
+            <a:extLst>
+              <a:ext uri="{FF2B5EF4-FFF2-40B4-BE49-F238E27FC236}">
+                <a16:creationId xmlns:a16="http://schemas.microsoft.com/office/drawing/2014/main" id="{AB740BE9-E218-4144-BFDE-AE473D230A3D}"/>
+              </a:ext>
+            </a:extLst>
+          </p:cNvPr>
+          <p:cNvSpPr>
+            <a:spLocks noGrp="1"/>
+          </p:cNvSpPr>
+          <p:nvPr>
+            <p:ph type="sldNum" sz="quarter" idx="12"/>
+          </p:nvPr>
+        </p:nvSpPr>
+        <p:spPr/>
+        <p:txBody>
+          <a:bodyPr/>
+          <a:lstStyle/>
+          <a:p>
+            <a:pPr>
+              <a:defRPr/>
+            </a:pPr>
+            <a:fld id="{48B4153A-D4C5-4CEF-8992-0D8815C829E3}" type="slidenum">
+              <a:rPr lang="en-US" smtClean="0"/>
+              <a:pPr>
+                <a:defRPr/>
+              </a:pPr>
+              <a:t>20</a:t>
+            </a:fld>
+            <a:endParaRPr lang="en-US" dirty="0"/>
+          </a:p>
+        </p:txBody>
+      </p:sp>
+      <p:sp>
+        <p:nvSpPr>
+          <p:cNvPr id="6" name="Titolo 4">
+            <a:extLst>
+              <a:ext uri="{FF2B5EF4-FFF2-40B4-BE49-F238E27FC236}">
+                <a16:creationId xmlns:a16="http://schemas.microsoft.com/office/drawing/2014/main" id="{CF9A4806-60B4-80DC-1F76-D2EB3E6C376B}"/>
+              </a:ext>
+            </a:extLst>
+          </p:cNvPr>
+          <p:cNvSpPr>
+            <a:spLocks noGrp="1"/>
+          </p:cNvSpPr>
+          <p:nvPr>
+            <p:ph type="title"/>
+          </p:nvPr>
+        </p:nvSpPr>
+        <p:spPr>
+          <a:xfrm>
+            <a:off x="468313" y="286788"/>
+            <a:ext cx="11269662" cy="769441"/>
+          </a:xfrm>
+        </p:spPr>
+        <p:txBody>
+          <a:bodyPr/>
+          <a:lstStyle/>
+          <a:p>
+            <a:r>
+              <a:rPr lang="it-IT" dirty="0">
+                <a:solidFill>
+                  <a:schemeClr val="tx1"/>
+                </a:solidFill>
+              </a:rPr>
+              <a:t>Architetture di </a:t>
+            </a:r>
+            <a:r>
+              <a:rPr lang="it-IT" dirty="0" err="1" smtClean="0">
+                <a:solidFill>
+                  <a:schemeClr val="tx1"/>
+                </a:solidFill>
+              </a:rPr>
+              <a:t>Blockchain</a:t>
+            </a:r>
+            <a:r>
+              <a:rPr lang="it-IT" dirty="0" smtClean="0">
+                <a:solidFill>
+                  <a:schemeClr val="tx1"/>
+                </a:solidFill>
+              </a:rPr>
+              <a:t> più nel dettaglio</a:t>
+            </a:r>
+            <a:r>
+              <a:rPr lang="it-IT" dirty="0">
+                <a:solidFill>
+                  <a:schemeClr val="tx1"/>
+                </a:solidFill>
+              </a:rPr>
+              <a:t/>
+            </a:r>
+            <a:br>
+              <a:rPr lang="it-IT" dirty="0">
+                <a:solidFill>
+                  <a:schemeClr val="tx1"/>
+                </a:solidFill>
+              </a:rPr>
+            </a:br>
+            <a:endParaRPr lang="it-IT" dirty="0">
+              <a:solidFill>
+                <a:schemeClr val="tx1"/>
+              </a:solidFill>
+            </a:endParaRPr>
+          </a:p>
+        </p:txBody>
+      </p:sp>
+    </p:spTree>
+    <p:extLst>
+      <p:ext uri="{BB962C8B-B14F-4D97-AF65-F5344CB8AC3E}">
+        <p14:creationId xmlns:p14="http://schemas.microsoft.com/office/powerpoint/2010/main" val="851601476"/>
+      </p:ext>
+    </p:extLst>
+  </p:cSld>
+  <p:clrMapOvr>
+    <a:masterClrMapping/>
+  </p:clrMapOvr>
+</p:sld>
+</file>
+
+<file path=ppt/slides/slide21.xml><?xml version="1.0" encoding="utf-8"?>
+<p:sld xmlns:a="http://schemas.openxmlformats.org/drawingml/2006/main" xmlns:r="http://schemas.openxmlformats.org/officeDocument/2006/relationships" xmlns:p="http://schemas.openxmlformats.org/presentationml/2006/main">
+  <p:cSld>
+    <p:spTree>
+      <p:nvGrpSpPr>
+        <p:cNvPr id="1" name=""/>
+        <p:cNvGrpSpPr/>
+        <p:nvPr/>
+      </p:nvGrpSpPr>
+      <p:grpSpPr>
+        <a:xfrm>
+          <a:off x="0" y="0"/>
+          <a:ext cx="0" cy="0"/>
+          <a:chOff x="0" y="0"/>
+          <a:chExt cx="0" cy="0"/>
+        </a:xfrm>
+      </p:grpSpPr>
+      <p:sp>
+        <p:nvSpPr>
+          <p:cNvPr id="7" name="Segnaposto numero diapositiva 6">
+            <a:extLst>
+              <a:ext uri="{FF2B5EF4-FFF2-40B4-BE49-F238E27FC236}">
+                <a16:creationId xmlns:a16="http://schemas.microsoft.com/office/drawing/2014/main" id="{AB740BE9-E218-4144-BFDE-AE473D230A3D}"/>
+              </a:ext>
+            </a:extLst>
+          </p:cNvPr>
+          <p:cNvSpPr>
+            <a:spLocks noGrp="1"/>
+          </p:cNvSpPr>
+          <p:nvPr>
+            <p:ph type="sldNum" sz="quarter" idx="12"/>
+          </p:nvPr>
+        </p:nvSpPr>
+        <p:spPr/>
+        <p:txBody>
+          <a:bodyPr/>
+          <a:lstStyle/>
+          <a:p>
+            <a:pPr>
+              <a:defRPr/>
+            </a:pPr>
+            <a:fld id="{48B4153A-D4C5-4CEF-8992-0D8815C829E3}" type="slidenum">
+              <a:rPr lang="en-US" smtClean="0"/>
+              <a:pPr>
+                <a:defRPr/>
+              </a:pPr>
+              <a:t>21</a:t>
+            </a:fld>
+            <a:endParaRPr lang="en-US" dirty="0"/>
+          </a:p>
+        </p:txBody>
+      </p:sp>
+      <p:sp>
+        <p:nvSpPr>
+          <p:cNvPr id="5" name="Titolo 4">
+            <a:extLst>
+              <a:ext uri="{FF2B5EF4-FFF2-40B4-BE49-F238E27FC236}">
+                <a16:creationId xmlns:a16="http://schemas.microsoft.com/office/drawing/2014/main" id="{82C46BA2-B380-4357-B125-BA9F08A643F5}"/>
+              </a:ext>
+            </a:extLst>
+          </p:cNvPr>
+          <p:cNvSpPr>
+            <a:spLocks noGrp="1"/>
+          </p:cNvSpPr>
+          <p:nvPr>
+            <p:ph type="title"/>
+          </p:nvPr>
+        </p:nvSpPr>
+        <p:spPr>
+          <a:xfrm>
+            <a:off x="468895" y="503475"/>
+            <a:ext cx="11269308" cy="384721"/>
+          </a:xfrm>
+        </p:spPr>
+        <p:txBody>
+          <a:bodyPr/>
+          <a:lstStyle/>
+          <a:p>
+            <a:r>
+              <a:rPr lang="it-IT" altLang="it-IT"/>
+              <a:t>Bibliografia</a:t>
+            </a:r>
+            <a:endParaRPr lang="it-IT" dirty="0"/>
+          </a:p>
+        </p:txBody>
+      </p:sp>
+      <p:sp>
+        <p:nvSpPr>
+          <p:cNvPr id="3" name="Segnaposto testo 2">
+            <a:extLst>
+              <a:ext uri="{FF2B5EF4-FFF2-40B4-BE49-F238E27FC236}">
+                <a16:creationId xmlns:a16="http://schemas.microsoft.com/office/drawing/2014/main" id="{15CD42DB-61E6-AA3D-7125-BF4BEDB5D886}"/>
+              </a:ext>
+            </a:extLst>
+          </p:cNvPr>
+          <p:cNvSpPr>
+            <a:spLocks noGrp="1"/>
+          </p:cNvSpPr>
+          <p:nvPr>
+            <p:ph type="body" idx="1"/>
+          </p:nvPr>
+        </p:nvSpPr>
+        <p:spPr>
+          <a:xfrm>
+            <a:off x="477519" y="1557338"/>
+            <a:ext cx="11043921" cy="4392612"/>
+          </a:xfrm>
+        </p:spPr>
+        <p:txBody>
+          <a:bodyPr/>
+          <a:lstStyle/>
+          <a:p>
+            <a:endParaRPr lang="it-IT" dirty="0"/>
+          </a:p>
+          <a:p>
+            <a:endParaRPr lang="it-IT" dirty="0"/>
+          </a:p>
+        </p:txBody>
+      </p:sp>
+      <p:sp>
+        <p:nvSpPr>
+          <p:cNvPr id="4" name="CasellaDiTesto 3">
+            <a:extLst>
+              <a:ext uri="{FF2B5EF4-FFF2-40B4-BE49-F238E27FC236}">
+                <a16:creationId xmlns:a16="http://schemas.microsoft.com/office/drawing/2014/main" id="{3A57F920-DCCD-CF89-645E-EE041C3494AA}"/>
+              </a:ext>
+            </a:extLst>
+          </p:cNvPr>
+          <p:cNvSpPr txBox="1"/>
+          <p:nvPr/>
+        </p:nvSpPr>
+        <p:spPr>
+          <a:xfrm>
+            <a:off x="825119" y="1557338"/>
+            <a:ext cx="10105478" cy="369332"/>
+          </a:xfrm>
+          <a:prstGeom prst="rect">
+            <a:avLst/>
+          </a:prstGeom>
+          <a:noFill/>
+        </p:spPr>
+        <p:txBody>
+          <a:bodyPr wrap="square">
+            <a:spAutoFit/>
+          </a:bodyPr>
+          <a:lstStyle/>
+          <a:p>
+            <a:r>
+              <a:rPr lang="it-IT"/>
+              <a:t>https://blog.osservatori.net/it_it/blockchain-spiegazione-significato-applicazioni</a:t>
+            </a:r>
+          </a:p>
+        </p:txBody>
+      </p:sp>
+      <p:sp>
+        <p:nvSpPr>
+          <p:cNvPr id="6" name="CasellaDiTesto 5">
+            <a:extLst>
+              <a:ext uri="{FF2B5EF4-FFF2-40B4-BE49-F238E27FC236}">
+                <a16:creationId xmlns:a16="http://schemas.microsoft.com/office/drawing/2014/main" id="{0DA09C18-D12E-BFB8-4B6E-19C2D19894CD}"/>
+              </a:ext>
+            </a:extLst>
+          </p:cNvPr>
+          <p:cNvSpPr txBox="1"/>
+          <p:nvPr/>
+        </p:nvSpPr>
+        <p:spPr>
+          <a:xfrm>
+            <a:off x="825119" y="2253504"/>
+            <a:ext cx="6098344" cy="646331"/>
+          </a:xfrm>
+          <a:prstGeom prst="rect">
+            <a:avLst/>
+          </a:prstGeom>
+          <a:noFill/>
+        </p:spPr>
+        <p:txBody>
+          <a:bodyPr wrap="square">
+            <a:spAutoFit/>
+          </a:bodyPr>
+          <a:lstStyle/>
+          <a:p>
+            <a:r>
+              <a:rPr lang="it-IT" dirty="0"/>
+              <a:t>https://www.zerounoweb.it/cio-innovation/blockchain-architettura-applicazioni-scenari-futuri/</a:t>
+            </a:r>
+          </a:p>
+        </p:txBody>
+      </p:sp>
+      <p:sp>
+        <p:nvSpPr>
+          <p:cNvPr id="2" name="Rettangolo 1"/>
+          <p:cNvSpPr/>
+          <p:nvPr/>
+        </p:nvSpPr>
+        <p:spPr>
+          <a:xfrm>
+            <a:off x="825119" y="3226669"/>
+            <a:ext cx="6096000" cy="646331"/>
+          </a:xfrm>
+          <a:prstGeom prst="rect">
+            <a:avLst/>
+          </a:prstGeom>
+        </p:spPr>
+        <p:txBody>
+          <a:bodyPr>
+            <a:spAutoFit/>
+          </a:bodyPr>
+          <a:lstStyle/>
+          <a:p>
+            <a:r>
+              <a:rPr lang="it-IT" dirty="0"/>
+              <a:t>https://www.fortuneita.com/2021/12/10/la-nuova-strada-del-crypto-il-mining-a-rate/</a:t>
+            </a:r>
+          </a:p>
+        </p:txBody>
+      </p:sp>
+      <p:sp>
+        <p:nvSpPr>
+          <p:cNvPr id="8" name="Rettangolo 7"/>
+          <p:cNvSpPr/>
+          <p:nvPr/>
+        </p:nvSpPr>
+        <p:spPr>
+          <a:xfrm>
+            <a:off x="825119" y="4101727"/>
+            <a:ext cx="6096000" cy="646331"/>
+          </a:xfrm>
+          <a:prstGeom prst="rect">
+            <a:avLst/>
+          </a:prstGeom>
+        </p:spPr>
+        <p:txBody>
+          <a:bodyPr>
+            <a:spAutoFit/>
+          </a:bodyPr>
+          <a:lstStyle/>
+          <a:p>
+            <a:r>
+              <a:rPr lang="it-IT" dirty="0"/>
+              <a:t>https://www.bitstamp.net/learn/crypto-101/what-are-blocks-in-the-blockchain/</a:t>
+            </a:r>
+          </a:p>
+        </p:txBody>
+      </p:sp>
+    </p:spTree>
+    <p:extLst>
+      <p:ext uri="{BB962C8B-B14F-4D97-AF65-F5344CB8AC3E}">
+        <p14:creationId xmlns:p14="http://schemas.microsoft.com/office/powerpoint/2010/main" val="3490964097"/>
       </p:ext>
     </p:extLst>
   </p:cSld>
@@ -10428,7 +19224,7 @@
               </a:tabLst>
             </a:pPr>
             <a:r>
-              <a:rPr lang="it-IT" sz="2400">
+              <a:rPr lang="it-IT" sz="2400" dirty="0">
                 <a:solidFill>
                   <a:schemeClr val="tx1"/>
                 </a:solidFill>
@@ -10439,7 +19235,7 @@
               <a:t>Sebbene </a:t>
             </a:r>
             <a:r>
-              <a:rPr lang="it-IT" sz="2400" b="1">
+              <a:rPr lang="it-IT" sz="2400" b="1" dirty="0" err="1">
                 <a:solidFill>
                   <a:schemeClr val="tx1"/>
                 </a:solidFill>
@@ -10450,7 +19246,7 @@
               <a:t>Nakamoto</a:t>
             </a:r>
             <a:r>
-              <a:rPr lang="it-IT" sz="2400">
+              <a:rPr lang="it-IT" sz="2400" dirty="0">
                 <a:solidFill>
                   <a:schemeClr val="tx1"/>
                 </a:solidFill>
@@ -10461,7 +19257,7 @@
               <a:t> abbia dato il via </a:t>
             </a:r>
             <a:r>
-              <a:rPr lang="it-IT" sz="2400" b="1">
+              <a:rPr lang="it-IT" sz="2400" b="1" dirty="0">
                 <a:solidFill>
                   <a:schemeClr val="tx1"/>
                 </a:solidFill>
@@ -10472,7 +19268,7 @@
               <a:t>all’architettura</a:t>
             </a:r>
             <a:r>
-              <a:rPr lang="it-IT" sz="2400">
+              <a:rPr lang="it-IT" sz="2400" dirty="0">
                 <a:solidFill>
                   <a:schemeClr val="tx1"/>
                 </a:solidFill>
@@ -10483,7 +19279,7 @@
               <a:t> </a:t>
             </a:r>
             <a:r>
-              <a:rPr lang="it-IT" sz="2400" b="1">
+              <a:rPr lang="it-IT" sz="2400" b="1" dirty="0" err="1">
                 <a:solidFill>
                   <a:schemeClr val="tx1"/>
                 </a:solidFill>
@@ -10494,29 +19290,73 @@
               <a:t>Bitcoin</a:t>
             </a:r>
             <a:r>
-              <a:rPr lang="it-IT" sz="2400">
-                <a:solidFill>
-                  <a:schemeClr val="tx1"/>
-                </a:solidFill>
-                <a:latin typeface="Tahoma" panose="020B0604030504040204" pitchFamily="34" charset="0"/>
-                <a:ea typeface="Tahoma" panose="020B0604030504040204" pitchFamily="34" charset="0"/>
-                <a:cs typeface="Tahoma" panose="020B0604030504040204" pitchFamily="34" charset="0"/>
-              </a:rPr>
-              <a:t> (cioè l’infrastruttura che sottende alla circolazione della moneta criptata bitcoin), in poco tempo il</a:t>
-            </a:r>
-            <a:r>
-              <a:rPr lang="it-IT" sz="2400" b="1">
-                <a:solidFill>
-                  <a:schemeClr val="tx1"/>
-                </a:solidFill>
-                <a:latin typeface="Tahoma" panose="020B0604030504040204" pitchFamily="34" charset="0"/>
-                <a:ea typeface="Tahoma" panose="020B0604030504040204" pitchFamily="34" charset="0"/>
-                <a:cs typeface="Tahoma" panose="020B0604030504040204" pitchFamily="34" charset="0"/>
-              </a:rPr>
-              <a:t> concetto di Blockchain </a:t>
-            </a:r>
-            <a:r>
-              <a:rPr lang="it-IT" sz="2400">
+              <a:rPr lang="it-IT" sz="2400" dirty="0">
+                <a:solidFill>
+                  <a:schemeClr val="tx1"/>
+                </a:solidFill>
+                <a:latin typeface="Tahoma" panose="020B0604030504040204" pitchFamily="34" charset="0"/>
+                <a:ea typeface="Tahoma" panose="020B0604030504040204" pitchFamily="34" charset="0"/>
+                <a:cs typeface="Tahoma" panose="020B0604030504040204" pitchFamily="34" charset="0"/>
+              </a:rPr>
+              <a:t> (cioè l’infrastruttura che sottende alla circolazione della moneta criptata </a:t>
+            </a:r>
+            <a:r>
+              <a:rPr lang="it-IT" sz="2400" dirty="0" err="1">
+                <a:solidFill>
+                  <a:schemeClr val="tx1"/>
+                </a:solidFill>
+                <a:latin typeface="Tahoma" panose="020B0604030504040204" pitchFamily="34" charset="0"/>
+                <a:ea typeface="Tahoma" panose="020B0604030504040204" pitchFamily="34" charset="0"/>
+                <a:cs typeface="Tahoma" panose="020B0604030504040204" pitchFamily="34" charset="0"/>
+              </a:rPr>
+              <a:t>bitcoin</a:t>
+            </a:r>
+            <a:r>
+              <a:rPr lang="it-IT" sz="2400" dirty="0">
+                <a:solidFill>
+                  <a:schemeClr val="tx1"/>
+                </a:solidFill>
+                <a:latin typeface="Tahoma" panose="020B0604030504040204" pitchFamily="34" charset="0"/>
+                <a:ea typeface="Tahoma" panose="020B0604030504040204" pitchFamily="34" charset="0"/>
+                <a:cs typeface="Tahoma" panose="020B0604030504040204" pitchFamily="34" charset="0"/>
+              </a:rPr>
+              <a:t>), in poco tempo il</a:t>
+            </a:r>
+            <a:r>
+              <a:rPr lang="it-IT" sz="2400" b="1" dirty="0">
+                <a:solidFill>
+                  <a:schemeClr val="tx1"/>
+                </a:solidFill>
+                <a:latin typeface="Tahoma" panose="020B0604030504040204" pitchFamily="34" charset="0"/>
+                <a:ea typeface="Tahoma" panose="020B0604030504040204" pitchFamily="34" charset="0"/>
+                <a:cs typeface="Tahoma" panose="020B0604030504040204" pitchFamily="34" charset="0"/>
+              </a:rPr>
+              <a:t> concetto di </a:t>
+            </a:r>
+            <a:r>
+              <a:rPr lang="it-IT" sz="2400" b="1" dirty="0" err="1">
+                <a:solidFill>
+                  <a:schemeClr val="tx1"/>
+                </a:solidFill>
+                <a:latin typeface="Tahoma" panose="020B0604030504040204" pitchFamily="34" charset="0"/>
+                <a:ea typeface="Tahoma" panose="020B0604030504040204" pitchFamily="34" charset="0"/>
+                <a:cs typeface="Tahoma" panose="020B0604030504040204" pitchFamily="34" charset="0"/>
+              </a:rPr>
+              <a:t>Blockchain</a:t>
+            </a:r>
+            <a:r>
+              <a:rPr lang="it-IT" sz="2400" b="1" dirty="0">
+                <a:solidFill>
+                  <a:schemeClr val="tx1"/>
+                </a:solidFill>
+                <a:latin typeface="Tahoma" panose="020B0604030504040204" pitchFamily="34" charset="0"/>
+                <a:ea typeface="Tahoma" panose="020B0604030504040204" pitchFamily="34" charset="0"/>
+                <a:cs typeface="Tahoma" panose="020B0604030504040204" pitchFamily="34" charset="0"/>
+              </a:rPr>
+              <a:t> </a:t>
+            </a:r>
+            <a:r>
+              <a:rPr lang="it-IT" sz="2400" dirty="0">
                 <a:solidFill>
                   <a:schemeClr val="tx1"/>
                 </a:solidFill>
@@ -10542,7 +19382,7 @@
               </a:tabLst>
             </a:pPr>
             <a:r>
-              <a:rPr lang="it-IT" sz="2400">
+              <a:rPr lang="it-IT" sz="2400" dirty="0">
                 <a:solidFill>
                   <a:schemeClr val="tx1"/>
                 </a:solidFill>
@@ -10553,7 +19393,7 @@
               <a:t>E' stato dunque identificata la </a:t>
             </a:r>
             <a:r>
-              <a:rPr lang="it-IT" sz="2400" b="1">
+              <a:rPr lang="it-IT" sz="2400" b="1" dirty="0" err="1">
                 <a:solidFill>
                   <a:schemeClr val="tx1"/>
                 </a:solidFill>
@@ -10564,18 +19404,18 @@
               <a:t>Blockchain</a:t>
             </a:r>
             <a:r>
-              <a:rPr lang="it-IT" sz="2400">
-                <a:solidFill>
-                  <a:schemeClr val="tx1"/>
-                </a:solidFill>
-                <a:latin typeface="Tahoma" panose="020B0604030504040204" pitchFamily="34" charset="0"/>
-                <a:ea typeface="Tahoma" panose="020B0604030504040204" pitchFamily="34" charset="0"/>
-                <a:cs typeface="Tahoma" panose="020B0604030504040204" pitchFamily="34" charset="0"/>
-              </a:rPr>
-              <a:t> con Bitcoin, identificando appunto con esso il nome dell’infrastruttura e preferendo parlare di Blockchain e non di </a:t>
-            </a:r>
-            <a:r>
-              <a:rPr lang="it-IT" sz="2400" b="1">
+              <a:rPr lang="it-IT" sz="2400" dirty="0">
+                <a:solidFill>
+                  <a:schemeClr val="tx1"/>
+                </a:solidFill>
+                <a:latin typeface="Tahoma" panose="020B0604030504040204" pitchFamily="34" charset="0"/>
+                <a:ea typeface="Tahoma" panose="020B0604030504040204" pitchFamily="34" charset="0"/>
+                <a:cs typeface="Tahoma" panose="020B0604030504040204" pitchFamily="34" charset="0"/>
+              </a:rPr>
+              <a:t> con </a:t>
+            </a:r>
+            <a:r>
+              <a:rPr lang="it-IT" sz="2400" b="1" dirty="0" err="1">
                 <a:solidFill>
                   <a:schemeClr val="tx1"/>
                 </a:solidFill>
@@ -10586,15 +19426,81 @@
               <a:t>Bitcoin</a:t>
             </a:r>
             <a:r>
-              <a:rPr lang="it-IT" sz="2400">
-                <a:solidFill>
-                  <a:schemeClr val="tx1"/>
-                </a:solidFill>
-                <a:latin typeface="Tahoma" panose="020B0604030504040204" pitchFamily="34" charset="0"/>
-                <a:ea typeface="Tahoma" panose="020B0604030504040204" pitchFamily="34" charset="0"/>
-                <a:cs typeface="Tahoma" panose="020B0604030504040204" pitchFamily="34" charset="0"/>
-              </a:rPr>
-              <a:t> per evitare che venga culturalmente associata solo alla moneta bitcoin. </a:t>
+              <a:rPr lang="it-IT" sz="2400" dirty="0">
+                <a:solidFill>
+                  <a:schemeClr val="tx1"/>
+                </a:solidFill>
+                <a:latin typeface="Tahoma" panose="020B0604030504040204" pitchFamily="34" charset="0"/>
+                <a:ea typeface="Tahoma" panose="020B0604030504040204" pitchFamily="34" charset="0"/>
+                <a:cs typeface="Tahoma" panose="020B0604030504040204" pitchFamily="34" charset="0"/>
+              </a:rPr>
+              <a:t>, identificando appunto con esso il nome dell’infrastruttura e preferendo parlare di </a:t>
+            </a:r>
+            <a:r>
+              <a:rPr lang="it-IT" sz="2400" dirty="0" err="1">
+                <a:solidFill>
+                  <a:schemeClr val="tx1"/>
+                </a:solidFill>
+                <a:latin typeface="Tahoma" panose="020B0604030504040204" pitchFamily="34" charset="0"/>
+                <a:ea typeface="Tahoma" panose="020B0604030504040204" pitchFamily="34" charset="0"/>
+                <a:cs typeface="Tahoma" panose="020B0604030504040204" pitchFamily="34" charset="0"/>
+              </a:rPr>
+              <a:t>Blockchain</a:t>
+            </a:r>
+            <a:r>
+              <a:rPr lang="it-IT" sz="2400" dirty="0">
+                <a:solidFill>
+                  <a:schemeClr val="tx1"/>
+                </a:solidFill>
+                <a:latin typeface="Tahoma" panose="020B0604030504040204" pitchFamily="34" charset="0"/>
+                <a:ea typeface="Tahoma" panose="020B0604030504040204" pitchFamily="34" charset="0"/>
+                <a:cs typeface="Tahoma" panose="020B0604030504040204" pitchFamily="34" charset="0"/>
+              </a:rPr>
+              <a:t> e non di </a:t>
+            </a:r>
+            <a:r>
+              <a:rPr lang="it-IT" sz="2400" b="1" dirty="0" err="1">
+                <a:solidFill>
+                  <a:schemeClr val="tx1"/>
+                </a:solidFill>
+                <a:latin typeface="Tahoma" panose="020B0604030504040204" pitchFamily="34" charset="0"/>
+                <a:ea typeface="Tahoma" panose="020B0604030504040204" pitchFamily="34" charset="0"/>
+                <a:cs typeface="Tahoma" panose="020B0604030504040204" pitchFamily="34" charset="0"/>
+              </a:rPr>
+              <a:t>Bitcoin</a:t>
+            </a:r>
+            <a:r>
+              <a:rPr lang="it-IT" sz="2400" dirty="0">
+                <a:solidFill>
+                  <a:schemeClr val="tx1"/>
+                </a:solidFill>
+                <a:latin typeface="Tahoma" panose="020B0604030504040204" pitchFamily="34" charset="0"/>
+                <a:ea typeface="Tahoma" panose="020B0604030504040204" pitchFamily="34" charset="0"/>
+                <a:cs typeface="Tahoma" panose="020B0604030504040204" pitchFamily="34" charset="0"/>
+              </a:rPr>
+              <a:t> per evitare che venga culturalmente associata solo alla moneta </a:t>
+            </a:r>
+            <a:r>
+              <a:rPr lang="it-IT" sz="2400" dirty="0" err="1">
+                <a:solidFill>
+                  <a:schemeClr val="tx1"/>
+                </a:solidFill>
+                <a:latin typeface="Tahoma" panose="020B0604030504040204" pitchFamily="34" charset="0"/>
+                <a:ea typeface="Tahoma" panose="020B0604030504040204" pitchFamily="34" charset="0"/>
+                <a:cs typeface="Tahoma" panose="020B0604030504040204" pitchFamily="34" charset="0"/>
+              </a:rPr>
+              <a:t>bitcoin</a:t>
+            </a:r>
+            <a:r>
+              <a:rPr lang="it-IT" sz="2400" dirty="0">
+                <a:solidFill>
+                  <a:schemeClr val="tx1"/>
+                </a:solidFill>
+                <a:latin typeface="Tahoma" panose="020B0604030504040204" pitchFamily="34" charset="0"/>
+                <a:ea typeface="Tahoma" panose="020B0604030504040204" pitchFamily="34" charset="0"/>
+                <a:cs typeface="Tahoma" panose="020B0604030504040204" pitchFamily="34" charset="0"/>
+              </a:rPr>
+              <a:t>. </a:t>
             </a:r>
           </a:p>
         </p:txBody>
@@ -11291,79 +20197,6 @@
 </file>
 
 <file path=customXml/item1.xml><?xml version="1.0" encoding="utf-8"?>
-<?mso-contentType ?>
-<spe:Receivers xmlns:spe="http://schemas.microsoft.com/sharepoint/events">
-  <Receiver>
-    <Name>Document ID Generator</Name>
-    <Synchronization>Synchronous</Synchronization>
-    <Type>10001</Type>
-    <SequenceNumber>1000</SequenceNumber>
-    <Url/>
-    <Assembly>Microsoft.Office.DocumentManagement, Version=15.0.0.0, Culture=neutral, PublicKeyToken=71e9bce111e9429c</Assembly>
-    <Class>Microsoft.Office.DocumentManagement.Internal.DocIdHandler</Class>
-    <Data/>
-    <Filter/>
-  </Receiver>
-  <Receiver>
-    <Name>Document ID Generator</Name>
-    <Synchronization>Synchronous</Synchronization>
-    <Type>10002</Type>
-    <SequenceNumber>1001</SequenceNumber>
-    <Url/>
-    <Assembly>Microsoft.Office.DocumentManagement, Version=15.0.0.0, Culture=neutral, PublicKeyToken=71e9bce111e9429c</Assembly>
-    <Class>Microsoft.Office.DocumentManagement.Internal.DocIdHandler</Class>
-    <Data/>
-    <Filter/>
-  </Receiver>
-  <Receiver>
-    <Name>Document ID Generator</Name>
-    <Synchronization>Synchronous</Synchronization>
-    <Type>10004</Type>
-    <SequenceNumber>1002</SequenceNumber>
-    <Url/>
-    <Assembly>Microsoft.Office.DocumentManagement, Version=15.0.0.0, Culture=neutral, PublicKeyToken=71e9bce111e9429c</Assembly>
-    <Class>Microsoft.Office.DocumentManagement.Internal.DocIdHandler</Class>
-    <Data/>
-    <Filter/>
-  </Receiver>
-  <Receiver>
-    <Name>Document ID Generator</Name>
-    <Synchronization>Synchronous</Synchronization>
-    <Type>10006</Type>
-    <SequenceNumber>1003</SequenceNumber>
-    <Url/>
-    <Assembly>Microsoft.Office.DocumentManagement, Version=15.0.0.0, Culture=neutral, PublicKeyToken=71e9bce111e9429c</Assembly>
-    <Class>Microsoft.Office.DocumentManagement.Internal.DocIdHandler</Class>
-    <Data/>
-    <Filter/>
-  </Receiver>
-</spe:Receivers>
-</file>
-
-<file path=customXml/item2.xml><?xml version="1.0" encoding="utf-8"?>
-<?mso-contentType ?>
-<FormTemplates xmlns="http://schemas.microsoft.com/sharepoint/v3/contenttype/forms">
-  <Display>DocumentLibraryForm</Display>
-  <Edit>DocumentLibraryForm</Edit>
-  <New>DocumentLibraryForm</New>
-</FormTemplates>
-</file>
-
-<file path=customXml/item3.xml><?xml version="1.0" encoding="utf-8"?>
-<p:properties xmlns:p="http://schemas.microsoft.com/office/2006/metadata/properties" xmlns:xsi="http://www.w3.org/2001/XMLSchema-instance" xmlns:pc="http://schemas.microsoft.com/office/infopath/2007/PartnerControls">
-  <documentManagement>
-    <SottoCategoria xmlns="679261c3-551f-4e86-913f-177e0e529669">-</SottoCategoria>
-    <Categoria xmlns="c58f2efd-82a8-4ecf-b395-8c25e928921d">Power Point</Categoria>
-    <_dlc_DocId xmlns="459159c4-d20a-4ff3-9b11-fbd127bd52e5">INTRANET-14-158</_dlc_DocId>
-    <_dlc_DocIdUrl xmlns="459159c4-d20a-4ff3-9b11-fbd127bd52e5">
-      <Url>https://intranet.istat.it/Collaborativi/_layouts/15/DocIdRedir.aspx?ID=INTRANET-14-158</Url>
-      <Description>INTRANET-14-158</Description>
-    </_dlc_DocIdUrl>
-  </documentManagement>
-</p:properties>
-</file>
-
-<file path=customXml/item4.xml><?xml version="1.0" encoding="utf-8"?>
 <ct:contentTypeSchema xmlns:ct="http://schemas.microsoft.com/office/2006/metadata/contentType" xmlns:ma="http://schemas.microsoft.com/office/2006/metadata/properties/metaAttributes" ct:_="" ma:_="" ma:contentTypeName="Documento" ma:contentTypeID="0x010100661A2BE3120D674DA36C11D6006822D4" ma:contentTypeVersion="3" ma:contentTypeDescription="Creare un nuovo documento." ma:contentTypeScope="" ma:versionID="2ad8b07f9840a1ce9cd199d874146b74">
   <xsd:schema xmlns:xsd="http://www.w3.org/2001/XMLSchema" xmlns:xs="http://www.w3.org/2001/XMLSchema" xmlns:p="http://schemas.microsoft.com/office/2006/metadata/properties" xmlns:ns2="c58f2efd-82a8-4ecf-b395-8c25e928921d" xmlns:ns3="459159c4-d20a-4ff3-9b11-fbd127bd52e5" xmlns:ns4="679261c3-551f-4e86-913f-177e0e529669" targetNamespace="http://schemas.microsoft.com/office/2006/metadata/properties" ma:root="true" ma:fieldsID="fffb0e16fb90ffea59fef1085e90ecca" ns2:_="" ns3:_="" ns4:_="">
     <xsd:import namespace="c58f2efd-82a8-4ecf-b395-8c25e928921d"/>
@@ -11550,41 +20383,80 @@
 </ct:contentTypeSchema>
 </file>
 
-<file path=customXml/itemProps1.xml><?xml version="1.0" encoding="utf-8"?>
-<ds:datastoreItem xmlns:ds="http://schemas.openxmlformats.org/officeDocument/2006/customXml" ds:itemID="{D9296C4F-9DE9-4B43-AA80-1FC85656CFFA}">
-  <ds:schemaRefs>
-    <ds:schemaRef ds:uri="http://schemas.microsoft.com/sharepoint/events"/>
-  </ds:schemaRefs>
-</ds:datastoreItem>
+<file path=customXml/item2.xml><?xml version="1.0" encoding="utf-8"?>
+<?mso-contentType ?>
+<spe:Receivers xmlns:spe="http://schemas.microsoft.com/sharepoint/events">
+  <Receiver>
+    <Name>Document ID Generator</Name>
+    <Synchronization>Synchronous</Synchronization>
+    <Type>10001</Type>
+    <SequenceNumber>1000</SequenceNumber>
+    <Url/>
+    <Assembly>Microsoft.Office.DocumentManagement, Version=15.0.0.0, Culture=neutral, PublicKeyToken=71e9bce111e9429c</Assembly>
+    <Class>Microsoft.Office.DocumentManagement.Internal.DocIdHandler</Class>
+    <Data/>
+    <Filter/>
+  </Receiver>
+  <Receiver>
+    <Name>Document ID Generator</Name>
+    <Synchronization>Synchronous</Synchronization>
+    <Type>10002</Type>
+    <SequenceNumber>1001</SequenceNumber>
+    <Url/>
+    <Assembly>Microsoft.Office.DocumentManagement, Version=15.0.0.0, Culture=neutral, PublicKeyToken=71e9bce111e9429c</Assembly>
+    <Class>Microsoft.Office.DocumentManagement.Internal.DocIdHandler</Class>
+    <Data/>
+    <Filter/>
+  </Receiver>
+  <Receiver>
+    <Name>Document ID Generator</Name>
+    <Synchronization>Synchronous</Synchronization>
+    <Type>10004</Type>
+    <SequenceNumber>1002</SequenceNumber>
+    <Url/>
+    <Assembly>Microsoft.Office.DocumentManagement, Version=15.0.0.0, Culture=neutral, PublicKeyToken=71e9bce111e9429c</Assembly>
+    <Class>Microsoft.Office.DocumentManagement.Internal.DocIdHandler</Class>
+    <Data/>
+    <Filter/>
+  </Receiver>
+  <Receiver>
+    <Name>Document ID Generator</Name>
+    <Synchronization>Synchronous</Synchronization>
+    <Type>10006</Type>
+    <SequenceNumber>1003</SequenceNumber>
+    <Url/>
+    <Assembly>Microsoft.Office.DocumentManagement, Version=15.0.0.0, Culture=neutral, PublicKeyToken=71e9bce111e9429c</Assembly>
+    <Class>Microsoft.Office.DocumentManagement.Internal.DocIdHandler</Class>
+    <Data/>
+    <Filter/>
+  </Receiver>
+</spe:Receivers>
 </file>
 
-<file path=customXml/itemProps2.xml><?xml version="1.0" encoding="utf-8"?>
-<ds:datastoreItem xmlns:ds="http://schemas.openxmlformats.org/officeDocument/2006/customXml" ds:itemID="{BD9C238D-4D5C-4783-820B-4854DCE45D41}">
-  <ds:schemaRefs>
-    <ds:schemaRef ds:uri="http://schemas.microsoft.com/sharepoint/v3/contenttype/forms"/>
-  </ds:schemaRefs>
-</ds:datastoreItem>
+<file path=customXml/item3.xml><?xml version="1.0" encoding="utf-8"?>
+<?mso-contentType ?>
+<FormTemplates xmlns="http://schemas.microsoft.com/sharepoint/v3/contenttype/forms">
+  <Display>DocumentLibraryForm</Display>
+  <Edit>DocumentLibraryForm</Edit>
+  <New>DocumentLibraryForm</New>
+</FormTemplates>
 </file>
 
-<file path=customXml/itemProps3.xml><?xml version="1.0" encoding="utf-8"?>
-<ds:datastoreItem xmlns:ds="http://schemas.openxmlformats.org/officeDocument/2006/customXml" ds:itemID="{3EF378BC-F4D0-4510-B4EC-07B6EFE18CF8}">
-  <ds:schemaRefs>
-    <ds:schemaRef ds:uri="http://schemas.microsoft.com/office/infopath/2007/PartnerControls"/>
-    <ds:schemaRef ds:uri="http://purl.org/dc/elements/1.1/"/>
-    <ds:schemaRef ds:uri="http://schemas.microsoft.com/office/2006/metadata/properties"/>
-    <ds:schemaRef ds:uri="http://schemas.openxmlformats.org/package/2006/metadata/core-properties"/>
-    <ds:schemaRef ds:uri="http://purl.org/dc/terms/"/>
-    <ds:schemaRef ds:uri="679261c3-551f-4e86-913f-177e0e529669"/>
-    <ds:schemaRef ds:uri="459159c4-d20a-4ff3-9b11-fbd127bd52e5"/>
-    <ds:schemaRef ds:uri="http://schemas.microsoft.com/office/2006/documentManagement/types"/>
-    <ds:schemaRef ds:uri="c58f2efd-82a8-4ecf-b395-8c25e928921d"/>
-    <ds:schemaRef ds:uri="http://www.w3.org/XML/1998/namespace"/>
-    <ds:schemaRef ds:uri="http://purl.org/dc/dcmitype/"/>
-  </ds:schemaRefs>
-</ds:datastoreItem>
+<file path=customXml/item4.xml><?xml version="1.0" encoding="utf-8"?>
+<p:properties xmlns:p="http://schemas.microsoft.com/office/2006/metadata/properties" xmlns:xsi="http://www.w3.org/2001/XMLSchema-instance" xmlns:pc="http://schemas.microsoft.com/office/infopath/2007/PartnerControls">
+  <documentManagement>
+    <SottoCategoria xmlns="679261c3-551f-4e86-913f-177e0e529669">-</SottoCategoria>
+    <Categoria xmlns="c58f2efd-82a8-4ecf-b395-8c25e928921d">Power Point</Categoria>
+    <_dlc_DocId xmlns="459159c4-d20a-4ff3-9b11-fbd127bd52e5">INTRANET-14-158</_dlc_DocId>
+    <_dlc_DocIdUrl xmlns="459159c4-d20a-4ff3-9b11-fbd127bd52e5">
+      <Url>https://intranet.istat.it/Collaborativi/_layouts/15/DocIdRedir.aspx?ID=INTRANET-14-158</Url>
+      <Description>INTRANET-14-158</Description>
+    </_dlc_DocIdUrl>
+  </documentManagement>
+</p:properties>
 </file>
 
-<file path=customXml/itemProps4.xml><?xml version="1.0" encoding="utf-8"?>
+<file path=customXml/itemProps1.xml><?xml version="1.0" encoding="utf-8"?>
 <ds:datastoreItem xmlns:ds="http://schemas.openxmlformats.org/officeDocument/2006/customXml" ds:itemID="{3F66F418-6054-4EA5-BF8E-6AF3CEAE6265}">
   <ds:schemaRefs>
     <ds:schemaRef ds:uri="http://schemas.microsoft.com/office/2006/metadata/contentType"/>
@@ -11602,4 +20474,38 @@
     <ds:schemaRef ds:uri="http://schemas.microsoft.com/internal/obd"/>
   </ds:schemaRefs>
 </ds:datastoreItem>
+</file>
+
+<file path=customXml/itemProps2.xml><?xml version="1.0" encoding="utf-8"?>
+<ds:datastoreItem xmlns:ds="http://schemas.openxmlformats.org/officeDocument/2006/customXml" ds:itemID="{D9296C4F-9DE9-4B43-AA80-1FC85656CFFA}">
+  <ds:schemaRefs>
+    <ds:schemaRef ds:uri="http://schemas.microsoft.com/sharepoint/events"/>
+  </ds:schemaRefs>
+</ds:datastoreItem>
+</file>
+
+<file path=customXml/itemProps3.xml><?xml version="1.0" encoding="utf-8"?>
+<ds:datastoreItem xmlns:ds="http://schemas.openxmlformats.org/officeDocument/2006/customXml" ds:itemID="{BD9C238D-4D5C-4783-820B-4854DCE45D41}">
+  <ds:schemaRefs>
+    <ds:schemaRef ds:uri="http://schemas.microsoft.com/sharepoint/v3/contenttype/forms"/>
+  </ds:schemaRefs>
+</ds:datastoreItem>
+</file>
+
+<file path=customXml/itemProps4.xml><?xml version="1.0" encoding="utf-8"?>
+<ds:datastoreItem xmlns:ds="http://schemas.openxmlformats.org/officeDocument/2006/customXml" ds:itemID="{3EF378BC-F4D0-4510-B4EC-07B6EFE18CF8}">
+  <ds:schemaRefs>
+    <ds:schemaRef ds:uri="http://schemas.microsoft.com/office/infopath/2007/PartnerControls"/>
+    <ds:schemaRef ds:uri="http://purl.org/dc/elements/1.1/"/>
+    <ds:schemaRef ds:uri="http://schemas.microsoft.com/office/2006/metadata/properties"/>
+    <ds:schemaRef ds:uri="http://schemas.openxmlformats.org/package/2006/metadata/core-properties"/>
+    <ds:schemaRef ds:uri="http://purl.org/dc/terms/"/>
+    <ds:schemaRef ds:uri="679261c3-551f-4e86-913f-177e0e529669"/>
+    <ds:schemaRef ds:uri="459159c4-d20a-4ff3-9b11-fbd127bd52e5"/>
+    <ds:schemaRef ds:uri="http://schemas.microsoft.com/office/2006/documentManagement/types"/>
+    <ds:schemaRef ds:uri="c58f2efd-82a8-4ecf-b395-8c25e928921d"/>
+    <ds:schemaRef ds:uri="http://www.w3.org/XML/1998/namespace"/>
+    <ds:schemaRef ds:uri="http://purl.org/dc/dcmitype/"/>
+  </ds:schemaRefs>
+</ds:datastoreItem>
 </file>
--- a/Assicurazioni/Distributed Ledger Technology_ita.pptx
+++ b/Assicurazioni/Distributed Ledger Technology_ita.pptx
@@ -5,7 +5,7 @@
     <p:sldMasterId id="2147483648" r:id="rId5"/>
   </p:sldMasterIdLst>
   <p:notesMasterIdLst>
-    <p:notesMasterId r:id="rId27"/>
+    <p:notesMasterId r:id="rId34"/>
   </p:notesMasterIdLst>
   <p:sldIdLst>
     <p:sldId id="256" r:id="rId6"/>
@@ -28,7 +28,14 @@
     <p:sldId id="381" r:id="rId23"/>
     <p:sldId id="382" r:id="rId24"/>
     <p:sldId id="383" r:id="rId25"/>
-    <p:sldId id="343" r:id="rId26"/>
+    <p:sldId id="384" r:id="rId26"/>
+    <p:sldId id="385" r:id="rId27"/>
+    <p:sldId id="386" r:id="rId28"/>
+    <p:sldId id="387" r:id="rId29"/>
+    <p:sldId id="388" r:id="rId30"/>
+    <p:sldId id="390" r:id="rId31"/>
+    <p:sldId id="389" r:id="rId32"/>
+    <p:sldId id="343" r:id="rId33"/>
   </p:sldIdLst>
   <p:sldSz cx="12192000" cy="6858000"/>
   <p:notesSz cx="6858000" cy="9144000"/>
@@ -15264,8 +15271,8 @@
         </p:nvSpPr>
         <p:spPr>
           <a:xfrm>
-            <a:off x="206477" y="1333064"/>
-            <a:ext cx="11395588" cy="4392612"/>
+            <a:off x="323469" y="1648408"/>
+            <a:ext cx="8662219" cy="4392612"/>
           </a:xfrm>
         </p:spPr>
         <p:txBody>
@@ -15850,6 +15857,28 @@
               <a:t>I </a:t>
             </a:r>
             <a:r>
+              <a:rPr lang="en-US" sz="2400" b="1" dirty="0" err="1" smtClean="0">
+                <a:solidFill>
+                  <a:schemeClr val="tx1"/>
+                </a:solidFill>
+                <a:latin typeface="Tahoma" panose="020B0604030504040204" pitchFamily="34" charset="0"/>
+                <a:ea typeface="Tahoma" panose="020B0604030504040204" pitchFamily="34" charset="0"/>
+                <a:cs typeface="Tahoma" panose="020B0604030504040204" pitchFamily="34" charset="0"/>
+              </a:rPr>
+              <a:t>blocchi</a:t>
+            </a:r>
+            <a:r>
+              <a:rPr lang="en-US" sz="2400" dirty="0" smtClean="0">
+                <a:solidFill>
+                  <a:schemeClr val="tx1"/>
+                </a:solidFill>
+                <a:latin typeface="Tahoma" panose="020B0604030504040204" pitchFamily="34" charset="0"/>
+                <a:ea typeface="Tahoma" panose="020B0604030504040204" pitchFamily="34" charset="0"/>
+                <a:cs typeface="Tahoma" panose="020B0604030504040204" pitchFamily="34" charset="0"/>
+              </a:rPr>
+              <a:t> </a:t>
+            </a:r>
+            <a:r>
               <a:rPr lang="en-US" sz="2400" dirty="0" err="1" smtClean="0">
                 <a:solidFill>
                   <a:schemeClr val="tx1"/>
@@ -15858,6 +15887,193 @@
                 <a:ea typeface="Tahoma" panose="020B0604030504040204" pitchFamily="34" charset="0"/>
                 <a:cs typeface="Tahoma" panose="020B0604030504040204" pitchFamily="34" charset="0"/>
               </a:rPr>
+              <a:t>vengono</a:t>
+            </a:r>
+            <a:r>
+              <a:rPr lang="en-US" sz="2400" dirty="0" smtClean="0">
+                <a:solidFill>
+                  <a:schemeClr val="tx1"/>
+                </a:solidFill>
+                <a:latin typeface="Tahoma" panose="020B0604030504040204" pitchFamily="34" charset="0"/>
+                <a:ea typeface="Tahoma" panose="020B0604030504040204" pitchFamily="34" charset="0"/>
+                <a:cs typeface="Tahoma" panose="020B0604030504040204" pitchFamily="34" charset="0"/>
+              </a:rPr>
+              <a:t> </a:t>
+            </a:r>
+            <a:r>
+              <a:rPr lang="en-US" sz="2400" dirty="0" err="1" smtClean="0">
+                <a:solidFill>
+                  <a:schemeClr val="tx1"/>
+                </a:solidFill>
+                <a:latin typeface="Tahoma" panose="020B0604030504040204" pitchFamily="34" charset="0"/>
+                <a:ea typeface="Tahoma" panose="020B0604030504040204" pitchFamily="34" charset="0"/>
+                <a:cs typeface="Tahoma" panose="020B0604030504040204" pitchFamily="34" charset="0"/>
+              </a:rPr>
+              <a:t>aggiunti</a:t>
+            </a:r>
+            <a:r>
+              <a:rPr lang="en-US" sz="2400" dirty="0" smtClean="0">
+                <a:solidFill>
+                  <a:schemeClr val="tx1"/>
+                </a:solidFill>
+                <a:latin typeface="Tahoma" panose="020B0604030504040204" pitchFamily="34" charset="0"/>
+                <a:ea typeface="Tahoma" panose="020B0604030504040204" pitchFamily="34" charset="0"/>
+                <a:cs typeface="Tahoma" panose="020B0604030504040204" pitchFamily="34" charset="0"/>
+              </a:rPr>
+              <a:t> </a:t>
+            </a:r>
+            <a:r>
+              <a:rPr lang="en-US" sz="2400" dirty="0" err="1" smtClean="0">
+                <a:solidFill>
+                  <a:schemeClr val="tx1"/>
+                </a:solidFill>
+                <a:latin typeface="Tahoma" panose="020B0604030504040204" pitchFamily="34" charset="0"/>
+                <a:ea typeface="Tahoma" panose="020B0604030504040204" pitchFamily="34" charset="0"/>
+                <a:cs typeface="Tahoma" panose="020B0604030504040204" pitchFamily="34" charset="0"/>
+              </a:rPr>
+              <a:t>sopra</a:t>
+            </a:r>
+            <a:r>
+              <a:rPr lang="en-US" sz="2400" dirty="0" smtClean="0">
+                <a:solidFill>
+                  <a:schemeClr val="tx1"/>
+                </a:solidFill>
+                <a:latin typeface="Tahoma" panose="020B0604030504040204" pitchFamily="34" charset="0"/>
+                <a:ea typeface="Tahoma" panose="020B0604030504040204" pitchFamily="34" charset="0"/>
+                <a:cs typeface="Tahoma" panose="020B0604030504040204" pitchFamily="34" charset="0"/>
+              </a:rPr>
+              <a:t> un </a:t>
+            </a:r>
+            <a:r>
+              <a:rPr lang="en-US" sz="2400" dirty="0" err="1" smtClean="0">
+                <a:solidFill>
+                  <a:schemeClr val="tx1"/>
+                </a:solidFill>
+                <a:latin typeface="Tahoma" panose="020B0604030504040204" pitchFamily="34" charset="0"/>
+                <a:ea typeface="Tahoma" panose="020B0604030504040204" pitchFamily="34" charset="0"/>
+                <a:cs typeface="Tahoma" panose="020B0604030504040204" pitchFamily="34" charset="0"/>
+              </a:rPr>
+              <a:t>altro</a:t>
+            </a:r>
+            <a:r>
+              <a:rPr lang="en-US" sz="2400" dirty="0" smtClean="0">
+                <a:solidFill>
+                  <a:schemeClr val="tx1"/>
+                </a:solidFill>
+                <a:latin typeface="Tahoma" panose="020B0604030504040204" pitchFamily="34" charset="0"/>
+                <a:ea typeface="Tahoma" panose="020B0604030504040204" pitchFamily="34" charset="0"/>
+                <a:cs typeface="Tahoma" panose="020B0604030504040204" pitchFamily="34" charset="0"/>
+              </a:rPr>
+              <a:t> </a:t>
+            </a:r>
+            <a:r>
+              <a:rPr lang="en-US" sz="2400" dirty="0" smtClean="0">
+                <a:solidFill>
+                  <a:schemeClr val="tx1"/>
+                </a:solidFill>
+                <a:latin typeface="Tahoma" panose="020B0604030504040204" pitchFamily="34" charset="0"/>
+                <a:ea typeface="Tahoma" panose="020B0604030504040204" pitchFamily="34" charset="0"/>
+                <a:cs typeface="Tahoma" panose="020B0604030504040204" pitchFamily="34" charset="0"/>
+              </a:rPr>
+              <a:t>in un </a:t>
+            </a:r>
+            <a:r>
+              <a:rPr lang="en-US" sz="2400" dirty="0" err="1" smtClean="0">
+                <a:solidFill>
+                  <a:schemeClr val="tx1"/>
+                </a:solidFill>
+                <a:latin typeface="Tahoma" panose="020B0604030504040204" pitchFamily="34" charset="0"/>
+                <a:ea typeface="Tahoma" panose="020B0604030504040204" pitchFamily="34" charset="0"/>
+                <a:cs typeface="Tahoma" panose="020B0604030504040204" pitchFamily="34" charset="0"/>
+              </a:rPr>
+              <a:t>modo</a:t>
+            </a:r>
+            <a:r>
+              <a:rPr lang="en-US" sz="2400" dirty="0" smtClean="0">
+                <a:solidFill>
+                  <a:schemeClr val="tx1"/>
+                </a:solidFill>
+                <a:latin typeface="Tahoma" panose="020B0604030504040204" pitchFamily="34" charset="0"/>
+                <a:ea typeface="Tahoma" panose="020B0604030504040204" pitchFamily="34" charset="0"/>
+                <a:cs typeface="Tahoma" panose="020B0604030504040204" pitchFamily="34" charset="0"/>
+              </a:rPr>
+              <a:t> </a:t>
+            </a:r>
+            <a:r>
+              <a:rPr lang="en-US" sz="2400" dirty="0" err="1" smtClean="0">
+                <a:solidFill>
+                  <a:schemeClr val="tx1"/>
+                </a:solidFill>
+                <a:latin typeface="Tahoma" panose="020B0604030504040204" pitchFamily="34" charset="0"/>
+                <a:ea typeface="Tahoma" panose="020B0604030504040204" pitchFamily="34" charset="0"/>
+                <a:cs typeface="Tahoma" panose="020B0604030504040204" pitchFamily="34" charset="0"/>
+              </a:rPr>
+              <a:t>sequenziale</a:t>
+            </a:r>
+            <a:r>
+              <a:rPr lang="en-US" sz="2400" dirty="0" smtClean="0">
+                <a:solidFill>
+                  <a:schemeClr val="tx1"/>
+                </a:solidFill>
+                <a:latin typeface="Tahoma" panose="020B0604030504040204" pitchFamily="34" charset="0"/>
+                <a:ea typeface="Tahoma" panose="020B0604030504040204" pitchFamily="34" charset="0"/>
+                <a:cs typeface="Tahoma" panose="020B0604030504040204" pitchFamily="34" charset="0"/>
+              </a:rPr>
+              <a:t>. Uno ad </a:t>
+            </a:r>
+            <a:r>
+              <a:rPr lang="en-US" sz="2400" dirty="0" err="1" smtClean="0">
+                <a:solidFill>
+                  <a:schemeClr val="tx1"/>
+                </a:solidFill>
+                <a:latin typeface="Tahoma" panose="020B0604030504040204" pitchFamily="34" charset="0"/>
+                <a:ea typeface="Tahoma" panose="020B0604030504040204" pitchFamily="34" charset="0"/>
+                <a:cs typeface="Tahoma" panose="020B0604030504040204" pitchFamily="34" charset="0"/>
+              </a:rPr>
+              <a:t>uno</a:t>
+            </a:r>
+            <a:r>
+              <a:rPr lang="en-US" sz="2400" dirty="0" smtClean="0">
+                <a:solidFill>
+                  <a:schemeClr val="tx1"/>
+                </a:solidFill>
+                <a:latin typeface="Tahoma" panose="020B0604030504040204" pitchFamily="34" charset="0"/>
+                <a:ea typeface="Tahoma" panose="020B0604030504040204" pitchFamily="34" charset="0"/>
+                <a:cs typeface="Tahoma" panose="020B0604030504040204" pitchFamily="34" charset="0"/>
+              </a:rPr>
+              <a:t>, </a:t>
+            </a:r>
+            <a:r>
+              <a:rPr lang="en-US" sz="2400" dirty="0" err="1" smtClean="0">
+                <a:solidFill>
+                  <a:schemeClr val="tx1"/>
+                </a:solidFill>
+                <a:latin typeface="Tahoma" panose="020B0604030504040204" pitchFamily="34" charset="0"/>
+                <a:ea typeface="Tahoma" panose="020B0604030504040204" pitchFamily="34" charset="0"/>
+                <a:cs typeface="Tahoma" panose="020B0604030504040204" pitchFamily="34" charset="0"/>
+              </a:rPr>
+              <a:t>questi</a:t>
+            </a:r>
+            <a:r>
+              <a:rPr lang="en-US" sz="2400" dirty="0" smtClean="0">
+                <a:solidFill>
+                  <a:schemeClr val="tx1"/>
+                </a:solidFill>
+                <a:latin typeface="Tahoma" panose="020B0604030504040204" pitchFamily="34" charset="0"/>
+                <a:ea typeface="Tahoma" panose="020B0604030504040204" pitchFamily="34" charset="0"/>
+                <a:cs typeface="Tahoma" panose="020B0604030504040204" pitchFamily="34" charset="0"/>
+              </a:rPr>
+              <a:t> </a:t>
+            </a:r>
+            <a:r>
+              <a:rPr lang="en-US" sz="2400" dirty="0" err="1" smtClean="0">
+                <a:solidFill>
+                  <a:schemeClr val="tx1"/>
+                </a:solidFill>
+                <a:latin typeface="Tahoma" panose="020B0604030504040204" pitchFamily="34" charset="0"/>
+                <a:ea typeface="Tahoma" panose="020B0604030504040204" pitchFamily="34" charset="0"/>
+                <a:cs typeface="Tahoma" panose="020B0604030504040204" pitchFamily="34" charset="0"/>
+              </a:rPr>
               <a:t>blocchi</a:t>
             </a:r>
             <a:r>
@@ -15880,7 +16096,7 @@
                 <a:ea typeface="Tahoma" panose="020B0604030504040204" pitchFamily="34" charset="0"/>
                 <a:cs typeface="Tahoma" panose="020B0604030504040204" pitchFamily="34" charset="0"/>
               </a:rPr>
-              <a:t>vengono</a:t>
+              <a:t>formano</a:t>
             </a:r>
             <a:r>
               <a:rPr lang="en-US" sz="2400" dirty="0" smtClean="0">
@@ -15902,7 +16118,7 @@
                 <a:ea typeface="Tahoma" panose="020B0604030504040204" pitchFamily="34" charset="0"/>
                 <a:cs typeface="Tahoma" panose="020B0604030504040204" pitchFamily="34" charset="0"/>
               </a:rPr>
-              <a:t>aggiunti</a:t>
+              <a:t>una</a:t>
             </a:r>
             <a:r>
               <a:rPr lang="en-US" sz="2400" dirty="0" smtClean="0">
@@ -15913,14 +16129,173 @@
                 <a:ea typeface="Tahoma" panose="020B0604030504040204" pitchFamily="34" charset="0"/>
                 <a:cs typeface="Tahoma" panose="020B0604030504040204" pitchFamily="34" charset="0"/>
               </a:rPr>
+              <a:t> catena </a:t>
+            </a:r>
+            <a:r>
+              <a:rPr lang="en-US" sz="2400" dirty="0" err="1" smtClean="0">
+                <a:solidFill>
+                  <a:schemeClr val="tx1"/>
+                </a:solidFill>
+                <a:latin typeface="Tahoma" panose="020B0604030504040204" pitchFamily="34" charset="0"/>
+                <a:ea typeface="Tahoma" panose="020B0604030504040204" pitchFamily="34" charset="0"/>
+                <a:cs typeface="Tahoma" panose="020B0604030504040204" pitchFamily="34" charset="0"/>
+              </a:rPr>
+              <a:t>che</a:t>
+            </a:r>
+            <a:r>
+              <a:rPr lang="en-US" sz="2400" dirty="0" smtClean="0">
+                <a:solidFill>
+                  <a:schemeClr val="tx1"/>
+                </a:solidFill>
+                <a:latin typeface="Tahoma" panose="020B0604030504040204" pitchFamily="34" charset="0"/>
+                <a:ea typeface="Tahoma" panose="020B0604030504040204" pitchFamily="34" charset="0"/>
+                <a:cs typeface="Tahoma" panose="020B0604030504040204" pitchFamily="34" charset="0"/>
+              </a:rPr>
               <a:t> </a:t>
             </a:r>
-          </a:p>
-          <a:p>
-            <a:pPr marL="342900" indent="-342900">
-              <a:buFont typeface="Wingdings" panose="05000000000000000000" pitchFamily="2" charset="2"/>
-              <a:buChar char="ü"/>
-            </a:pPr>
+            <a:r>
+              <a:rPr lang="en-US" sz="2400" dirty="0" err="1" smtClean="0">
+                <a:solidFill>
+                  <a:schemeClr val="tx1"/>
+                </a:solidFill>
+                <a:latin typeface="Tahoma" panose="020B0604030504040204" pitchFamily="34" charset="0"/>
+                <a:ea typeface="Tahoma" panose="020B0604030504040204" pitchFamily="34" charset="0"/>
+                <a:cs typeface="Tahoma" panose="020B0604030504040204" pitchFamily="34" charset="0"/>
+              </a:rPr>
+              <a:t>contiene</a:t>
+            </a:r>
+            <a:r>
+              <a:rPr lang="en-US" sz="2400" dirty="0" smtClean="0">
+                <a:solidFill>
+                  <a:schemeClr val="tx1"/>
+                </a:solidFill>
+                <a:latin typeface="Tahoma" panose="020B0604030504040204" pitchFamily="34" charset="0"/>
+                <a:ea typeface="Tahoma" panose="020B0604030504040204" pitchFamily="34" charset="0"/>
+                <a:cs typeface="Tahoma" panose="020B0604030504040204" pitchFamily="34" charset="0"/>
+              </a:rPr>
+              <a:t> </a:t>
+            </a:r>
+            <a:r>
+              <a:rPr lang="en-US" sz="2400" dirty="0" err="1" smtClean="0">
+                <a:solidFill>
+                  <a:schemeClr val="tx1"/>
+                </a:solidFill>
+                <a:latin typeface="Tahoma" panose="020B0604030504040204" pitchFamily="34" charset="0"/>
+                <a:ea typeface="Tahoma" panose="020B0604030504040204" pitchFamily="34" charset="0"/>
+                <a:cs typeface="Tahoma" panose="020B0604030504040204" pitchFamily="34" charset="0"/>
+              </a:rPr>
+              <a:t>l’intera</a:t>
+            </a:r>
+            <a:r>
+              <a:rPr lang="en-US" sz="2400" dirty="0" smtClean="0">
+                <a:solidFill>
+                  <a:schemeClr val="tx1"/>
+                </a:solidFill>
+                <a:latin typeface="Tahoma" panose="020B0604030504040204" pitchFamily="34" charset="0"/>
+                <a:ea typeface="Tahoma" panose="020B0604030504040204" pitchFamily="34" charset="0"/>
+                <a:cs typeface="Tahoma" panose="020B0604030504040204" pitchFamily="34" charset="0"/>
+              </a:rPr>
+              <a:t> </a:t>
+            </a:r>
+            <a:r>
+              <a:rPr lang="en-US" sz="2400" dirty="0" err="1" smtClean="0">
+                <a:solidFill>
+                  <a:schemeClr val="tx1"/>
+                </a:solidFill>
+                <a:latin typeface="Tahoma" panose="020B0604030504040204" pitchFamily="34" charset="0"/>
+                <a:ea typeface="Tahoma" panose="020B0604030504040204" pitchFamily="34" charset="0"/>
+                <a:cs typeface="Tahoma" panose="020B0604030504040204" pitchFamily="34" charset="0"/>
+              </a:rPr>
+              <a:t>storia</a:t>
+            </a:r>
+            <a:r>
+              <a:rPr lang="en-US" sz="2400" dirty="0" smtClean="0">
+                <a:solidFill>
+                  <a:schemeClr val="tx1"/>
+                </a:solidFill>
+                <a:latin typeface="Tahoma" panose="020B0604030504040204" pitchFamily="34" charset="0"/>
+                <a:ea typeface="Tahoma" panose="020B0604030504040204" pitchFamily="34" charset="0"/>
+                <a:cs typeface="Tahoma" panose="020B0604030504040204" pitchFamily="34" charset="0"/>
+              </a:rPr>
+              <a:t> </a:t>
+            </a:r>
+            <a:r>
+              <a:rPr lang="en-US" sz="2400" dirty="0" err="1" smtClean="0">
+                <a:solidFill>
+                  <a:schemeClr val="tx1"/>
+                </a:solidFill>
+                <a:latin typeface="Tahoma" panose="020B0604030504040204" pitchFamily="34" charset="0"/>
+                <a:ea typeface="Tahoma" panose="020B0604030504040204" pitchFamily="34" charset="0"/>
+                <a:cs typeface="Tahoma" panose="020B0604030504040204" pitchFamily="34" charset="0"/>
+              </a:rPr>
+              <a:t>delle</a:t>
+            </a:r>
+            <a:r>
+              <a:rPr lang="en-US" sz="2400" dirty="0" smtClean="0">
+                <a:solidFill>
+                  <a:schemeClr val="tx1"/>
+                </a:solidFill>
+                <a:latin typeface="Tahoma" panose="020B0604030504040204" pitchFamily="34" charset="0"/>
+                <a:ea typeface="Tahoma" panose="020B0604030504040204" pitchFamily="34" charset="0"/>
+                <a:cs typeface="Tahoma" panose="020B0604030504040204" pitchFamily="34" charset="0"/>
+              </a:rPr>
+              <a:t> </a:t>
+            </a:r>
+            <a:r>
+              <a:rPr lang="en-US" sz="2400" dirty="0" err="1" smtClean="0">
+                <a:solidFill>
+                  <a:schemeClr val="tx1"/>
+                </a:solidFill>
+                <a:latin typeface="Tahoma" panose="020B0604030504040204" pitchFamily="34" charset="0"/>
+                <a:ea typeface="Tahoma" panose="020B0604030504040204" pitchFamily="34" charset="0"/>
+                <a:cs typeface="Tahoma" panose="020B0604030504040204" pitchFamily="34" charset="0"/>
+              </a:rPr>
+              <a:t>transazioni</a:t>
+            </a:r>
+            <a:r>
+              <a:rPr lang="en-US" sz="2400" dirty="0" smtClean="0">
+                <a:solidFill>
+                  <a:schemeClr val="tx1"/>
+                </a:solidFill>
+                <a:latin typeface="Tahoma" panose="020B0604030504040204" pitchFamily="34" charset="0"/>
+                <a:ea typeface="Tahoma" panose="020B0604030504040204" pitchFamily="34" charset="0"/>
+                <a:cs typeface="Tahoma" panose="020B0604030504040204" pitchFamily="34" charset="0"/>
+              </a:rPr>
+              <a:t> </a:t>
+            </a:r>
+            <a:r>
+              <a:rPr lang="en-US" sz="2400" dirty="0" err="1" smtClean="0">
+                <a:solidFill>
+                  <a:schemeClr val="tx1"/>
+                </a:solidFill>
+                <a:latin typeface="Tahoma" panose="020B0604030504040204" pitchFamily="34" charset="0"/>
+                <a:ea typeface="Tahoma" panose="020B0604030504040204" pitchFamily="34" charset="0"/>
+                <a:cs typeface="Tahoma" panose="020B0604030504040204" pitchFamily="34" charset="0"/>
+              </a:rPr>
+              <a:t>nella</a:t>
+            </a:r>
+            <a:r>
+              <a:rPr lang="en-US" sz="2400" dirty="0" smtClean="0">
+                <a:solidFill>
+                  <a:schemeClr val="tx1"/>
+                </a:solidFill>
+                <a:latin typeface="Tahoma" panose="020B0604030504040204" pitchFamily="34" charset="0"/>
+                <a:ea typeface="Tahoma" panose="020B0604030504040204" pitchFamily="34" charset="0"/>
+                <a:cs typeface="Tahoma" panose="020B0604030504040204" pitchFamily="34" charset="0"/>
+              </a:rPr>
+              <a:t> rete</a:t>
+            </a:r>
+            <a:r>
+              <a:rPr lang="en-US" sz="2400" dirty="0" smtClean="0">
+                <a:solidFill>
+                  <a:schemeClr val="tx1"/>
+                </a:solidFill>
+                <a:latin typeface="Tahoma" panose="020B0604030504040204" pitchFamily="34" charset="0"/>
+                <a:ea typeface="Tahoma" panose="020B0604030504040204" pitchFamily="34" charset="0"/>
+                <a:cs typeface="Tahoma" panose="020B0604030504040204" pitchFamily="34" charset="0"/>
+              </a:rPr>
+              <a:t>.</a:t>
+            </a:r>
             <a:endParaRPr lang="en-US" sz="2400" dirty="0">
               <a:solidFill>
                 <a:schemeClr val="tx1"/>
@@ -15936,6 +16311,17 @@
               <a:buChar char="ü"/>
             </a:pPr>
             <a:r>
+              <a:rPr lang="en-US" sz="2400" dirty="0" err="1" smtClean="0">
+                <a:solidFill>
+                  <a:schemeClr val="tx1"/>
+                </a:solidFill>
+                <a:latin typeface="Tahoma" panose="020B0604030504040204" pitchFamily="34" charset="0"/>
+                <a:ea typeface="Tahoma" panose="020B0604030504040204" pitchFamily="34" charset="0"/>
+                <a:cs typeface="Tahoma" panose="020B0604030504040204" pitchFamily="34" charset="0"/>
+              </a:rPr>
+              <a:t>L’esatta</a:t>
+            </a:r>
+            <a:r>
               <a:rPr lang="en-US" sz="2400" dirty="0" smtClean="0">
                 <a:solidFill>
                   <a:schemeClr val="tx1"/>
@@ -15944,32 +16330,120 @@
                 <a:ea typeface="Tahoma" panose="020B0604030504040204" pitchFamily="34" charset="0"/>
                 <a:cs typeface="Tahoma" panose="020B0604030504040204" pitchFamily="34" charset="0"/>
               </a:rPr>
-              <a:t>cannot </a:t>
-            </a:r>
-            <a:r>
-              <a:rPr lang="en-US" sz="2400" dirty="0">
-                <a:solidFill>
-                  <a:schemeClr val="tx1"/>
-                </a:solidFill>
-                <a:latin typeface="Tahoma" panose="020B0604030504040204" pitchFamily="34" charset="0"/>
-                <a:ea typeface="Tahoma" panose="020B0604030504040204" pitchFamily="34" charset="0"/>
-                <a:cs typeface="Tahoma" panose="020B0604030504040204" pitchFamily="34" charset="0"/>
-              </a:rPr>
-              <a:t>be reversed. </a:t>
-            </a:r>
-            <a:r>
-              <a:rPr lang="en-US" sz="2400" dirty="0">
-                <a:solidFill>
-                  <a:schemeClr val="tx1"/>
-                </a:solidFill>
-                <a:latin typeface="Tahoma" panose="020B0604030504040204" pitchFamily="34" charset="0"/>
-                <a:ea typeface="Tahoma" panose="020B0604030504040204" pitchFamily="34" charset="0"/>
-                <a:cs typeface="Tahoma" panose="020B0604030504040204" pitchFamily="34" charset="0"/>
-              </a:rPr>
-              <a:t>And when a block is added to the chain, it cannot be changed. All information held in blocks is going to stay there as long as the </a:t>
-            </a:r>
-            <a:r>
-              <a:rPr lang="en-US" sz="2400" dirty="0" err="1">
+              <a:t> </a:t>
+            </a:r>
+            <a:r>
+              <a:rPr lang="en-US" sz="2400" dirty="0" err="1" smtClean="0">
+                <a:solidFill>
+                  <a:schemeClr val="tx1"/>
+                </a:solidFill>
+                <a:latin typeface="Tahoma" panose="020B0604030504040204" pitchFamily="34" charset="0"/>
+                <a:ea typeface="Tahoma" panose="020B0604030504040204" pitchFamily="34" charset="0"/>
+                <a:cs typeface="Tahoma" panose="020B0604030504040204" pitchFamily="34" charset="0"/>
+              </a:rPr>
+              <a:t>struttura</a:t>
+            </a:r>
+            <a:r>
+              <a:rPr lang="en-US" sz="2400" dirty="0" smtClean="0">
+                <a:solidFill>
+                  <a:schemeClr val="tx1"/>
+                </a:solidFill>
+                <a:latin typeface="Tahoma" panose="020B0604030504040204" pitchFamily="34" charset="0"/>
+                <a:ea typeface="Tahoma" panose="020B0604030504040204" pitchFamily="34" charset="0"/>
+                <a:cs typeface="Tahoma" panose="020B0604030504040204" pitchFamily="34" charset="0"/>
+              </a:rPr>
+              <a:t> </a:t>
+            </a:r>
+            <a:r>
+              <a:rPr lang="en-US" sz="2400" dirty="0" err="1" smtClean="0">
+                <a:solidFill>
+                  <a:schemeClr val="tx1"/>
+                </a:solidFill>
+                <a:latin typeface="Tahoma" panose="020B0604030504040204" pitchFamily="34" charset="0"/>
+                <a:ea typeface="Tahoma" panose="020B0604030504040204" pitchFamily="34" charset="0"/>
+                <a:cs typeface="Tahoma" panose="020B0604030504040204" pitchFamily="34" charset="0"/>
+              </a:rPr>
+              <a:t>dei</a:t>
+            </a:r>
+            <a:r>
+              <a:rPr lang="en-US" sz="2400" dirty="0" smtClean="0">
+                <a:solidFill>
+                  <a:schemeClr val="tx1"/>
+                </a:solidFill>
+                <a:latin typeface="Tahoma" panose="020B0604030504040204" pitchFamily="34" charset="0"/>
+                <a:ea typeface="Tahoma" panose="020B0604030504040204" pitchFamily="34" charset="0"/>
+                <a:cs typeface="Tahoma" panose="020B0604030504040204" pitchFamily="34" charset="0"/>
+              </a:rPr>
+              <a:t> </a:t>
+            </a:r>
+            <a:r>
+              <a:rPr lang="en-US" sz="2400" dirty="0" err="1" smtClean="0">
+                <a:solidFill>
+                  <a:schemeClr val="tx1"/>
+                </a:solidFill>
+                <a:latin typeface="Tahoma" panose="020B0604030504040204" pitchFamily="34" charset="0"/>
+                <a:ea typeface="Tahoma" panose="020B0604030504040204" pitchFamily="34" charset="0"/>
+                <a:cs typeface="Tahoma" panose="020B0604030504040204" pitchFamily="34" charset="0"/>
+              </a:rPr>
+              <a:t>blocchi</a:t>
+            </a:r>
+            <a:r>
+              <a:rPr lang="en-US" sz="2400" dirty="0" smtClean="0">
+                <a:solidFill>
+                  <a:schemeClr val="tx1"/>
+                </a:solidFill>
+                <a:latin typeface="Tahoma" panose="020B0604030504040204" pitchFamily="34" charset="0"/>
+                <a:ea typeface="Tahoma" panose="020B0604030504040204" pitchFamily="34" charset="0"/>
+                <a:cs typeface="Tahoma" panose="020B0604030504040204" pitchFamily="34" charset="0"/>
+              </a:rPr>
+              <a:t> </a:t>
+            </a:r>
+            <a:r>
+              <a:rPr lang="en-US" sz="2400" dirty="0" err="1" smtClean="0">
+                <a:solidFill>
+                  <a:schemeClr val="tx1"/>
+                </a:solidFill>
+                <a:latin typeface="Tahoma" panose="020B0604030504040204" pitchFamily="34" charset="0"/>
+                <a:ea typeface="Tahoma" panose="020B0604030504040204" pitchFamily="34" charset="0"/>
+                <a:cs typeface="Tahoma" panose="020B0604030504040204" pitchFamily="34" charset="0"/>
+              </a:rPr>
+              <a:t>differisce</a:t>
+            </a:r>
+            <a:r>
+              <a:rPr lang="en-US" sz="2400" dirty="0" smtClean="0">
+                <a:solidFill>
+                  <a:schemeClr val="tx1"/>
+                </a:solidFill>
+                <a:latin typeface="Tahoma" panose="020B0604030504040204" pitchFamily="34" charset="0"/>
+                <a:ea typeface="Tahoma" panose="020B0604030504040204" pitchFamily="34" charset="0"/>
+                <a:cs typeface="Tahoma" panose="020B0604030504040204" pitchFamily="34" charset="0"/>
+              </a:rPr>
+              <a:t> da </a:t>
+            </a:r>
+            <a:r>
+              <a:rPr lang="en-US" sz="2400" dirty="0" err="1" smtClean="0">
+                <a:solidFill>
+                  <a:schemeClr val="tx1"/>
+                </a:solidFill>
+                <a:latin typeface="Tahoma" panose="020B0604030504040204" pitchFamily="34" charset="0"/>
+                <a:ea typeface="Tahoma" panose="020B0604030504040204" pitchFamily="34" charset="0"/>
+                <a:cs typeface="Tahoma" panose="020B0604030504040204" pitchFamily="34" charset="0"/>
+              </a:rPr>
+              <a:t>una</a:t>
+            </a:r>
+            <a:r>
+              <a:rPr lang="en-US" sz="2400" dirty="0" smtClean="0">
+                <a:solidFill>
+                  <a:schemeClr val="tx1"/>
+                </a:solidFill>
+                <a:latin typeface="Tahoma" panose="020B0604030504040204" pitchFamily="34" charset="0"/>
+                <a:ea typeface="Tahoma" panose="020B0604030504040204" pitchFamily="34" charset="0"/>
+                <a:cs typeface="Tahoma" panose="020B0604030504040204" pitchFamily="34" charset="0"/>
+              </a:rPr>
+              <a:t> </a:t>
+            </a:r>
+            <a:r>
+              <a:rPr lang="en-US" sz="2400" b="1" dirty="0" err="1" smtClean="0">
                 <a:solidFill>
                   <a:schemeClr val="tx1"/>
                 </a:solidFill>
@@ -15980,31 +16454,18 @@
               <a:t>blockchain</a:t>
             </a:r>
             <a:r>
-              <a:rPr lang="en-US" sz="2400" dirty="0">
-                <a:solidFill>
-                  <a:schemeClr val="tx1"/>
-                </a:solidFill>
-                <a:latin typeface="Tahoma" panose="020B0604030504040204" pitchFamily="34" charset="0"/>
-                <a:ea typeface="Tahoma" panose="020B0604030504040204" pitchFamily="34" charset="0"/>
-                <a:cs typeface="Tahoma" panose="020B0604030504040204" pitchFamily="34" charset="0"/>
-              </a:rPr>
-              <a:t> exists. Blocks are added on top of one another in a linear way. One by one, they form a chain holding the entire history of transactions on the network.</a:t>
-            </a:r>
-          </a:p>
-          <a:p>
-            <a:r>
-              <a:rPr lang="en-US" sz="2400" dirty="0">
-                <a:solidFill>
-                  <a:schemeClr val="tx1"/>
-                </a:solidFill>
-                <a:latin typeface="Tahoma" panose="020B0604030504040204" pitchFamily="34" charset="0"/>
-                <a:ea typeface="Tahoma" panose="020B0604030504040204" pitchFamily="34" charset="0"/>
-                <a:cs typeface="Tahoma" panose="020B0604030504040204" pitchFamily="34" charset="0"/>
-              </a:rPr>
-              <a:t>The exact structure of blocks can differ from </a:t>
-            </a:r>
-            <a:r>
-              <a:rPr lang="en-US" sz="2400" dirty="0" err="1">
+              <a:rPr lang="en-US" sz="2400" dirty="0" smtClean="0">
+                <a:solidFill>
+                  <a:schemeClr val="tx1"/>
+                </a:solidFill>
+                <a:latin typeface="Tahoma" panose="020B0604030504040204" pitchFamily="34" charset="0"/>
+                <a:ea typeface="Tahoma" panose="020B0604030504040204" pitchFamily="34" charset="0"/>
+                <a:cs typeface="Tahoma" panose="020B0604030504040204" pitchFamily="34" charset="0"/>
+              </a:rPr>
+              <a:t> a </a:t>
+            </a:r>
+            <a:r>
+              <a:rPr lang="en-US" sz="2400" b="1" dirty="0" err="1" smtClean="0">
                 <a:solidFill>
                   <a:schemeClr val="tx1"/>
                 </a:solidFill>
@@ -16015,75 +16476,126 @@
               <a:t>blockchain</a:t>
             </a:r>
             <a:r>
-              <a:rPr lang="en-US" sz="2400" dirty="0">
-                <a:solidFill>
-                  <a:schemeClr val="tx1"/>
-                </a:solidFill>
-                <a:latin typeface="Tahoma" panose="020B0604030504040204" pitchFamily="34" charset="0"/>
-                <a:ea typeface="Tahoma" panose="020B0604030504040204" pitchFamily="34" charset="0"/>
-                <a:cs typeface="Tahoma" panose="020B0604030504040204" pitchFamily="34" charset="0"/>
-              </a:rPr>
-              <a:t> to </a:t>
-            </a:r>
-            <a:r>
-              <a:rPr lang="en-US" sz="2400" dirty="0" err="1">
-                <a:solidFill>
-                  <a:schemeClr val="tx1"/>
-                </a:solidFill>
-                <a:latin typeface="Tahoma" panose="020B0604030504040204" pitchFamily="34" charset="0"/>
-                <a:ea typeface="Tahoma" panose="020B0604030504040204" pitchFamily="34" charset="0"/>
-                <a:cs typeface="Tahoma" panose="020B0604030504040204" pitchFamily="34" charset="0"/>
-              </a:rPr>
-              <a:t>blockchain</a:t>
-            </a:r>
-            <a:r>
-              <a:rPr lang="en-US" sz="2400" dirty="0">
-                <a:solidFill>
-                  <a:schemeClr val="tx1"/>
-                </a:solidFill>
-                <a:latin typeface="Tahoma" panose="020B0604030504040204" pitchFamily="34" charset="0"/>
-                <a:ea typeface="Tahoma" panose="020B0604030504040204" pitchFamily="34" charset="0"/>
-                <a:cs typeface="Tahoma" panose="020B0604030504040204" pitchFamily="34" charset="0"/>
-              </a:rPr>
-              <a:t>. This article will focus on explaining the structure of a Bitcoin block. After all, that is the basis on which most other </a:t>
-            </a:r>
-            <a:r>
-              <a:rPr lang="en-US" sz="2400" dirty="0" err="1">
-                <a:solidFill>
-                  <a:schemeClr val="tx1"/>
-                </a:solidFill>
-                <a:latin typeface="Tahoma" panose="020B0604030504040204" pitchFamily="34" charset="0"/>
-                <a:ea typeface="Tahoma" panose="020B0604030504040204" pitchFamily="34" charset="0"/>
-                <a:cs typeface="Tahoma" panose="020B0604030504040204" pitchFamily="34" charset="0"/>
-              </a:rPr>
-              <a:t>blockchains</a:t>
-            </a:r>
-            <a:r>
-              <a:rPr lang="en-US" sz="2400" dirty="0">
-                <a:solidFill>
-                  <a:schemeClr val="tx1"/>
-                </a:solidFill>
-                <a:latin typeface="Tahoma" panose="020B0604030504040204" pitchFamily="34" charset="0"/>
-                <a:ea typeface="Tahoma" panose="020B0604030504040204" pitchFamily="34" charset="0"/>
-                <a:cs typeface="Tahoma" panose="020B0604030504040204" pitchFamily="34" charset="0"/>
-              </a:rPr>
-              <a:t> were modelled.</a:t>
-            </a:r>
-          </a:p>
-          <a:p>
-            <a:pPr marL="342900" indent="-342900" algn="just">
-              <a:lnSpc>
-                <a:spcPct val="115000"/>
-              </a:lnSpc>
-              <a:spcBef>
-                <a:spcPts val="2400"/>
-              </a:spcBef>
-              <a:buFont typeface="Wingdings" panose="05000000000000000000" pitchFamily="2" charset="2"/>
-              <a:buChar char="ü"/>
-              <a:tabLst>
-                <a:tab pos="457200" algn="l"/>
-              </a:tabLst>
-            </a:pPr>
+              <a:rPr lang="en-US" sz="2400" dirty="0" smtClean="0">
+                <a:solidFill>
+                  <a:schemeClr val="tx1"/>
+                </a:solidFill>
+                <a:latin typeface="Tahoma" panose="020B0604030504040204" pitchFamily="34" charset="0"/>
+                <a:ea typeface="Tahoma" panose="020B0604030504040204" pitchFamily="34" charset="0"/>
+                <a:cs typeface="Tahoma" panose="020B0604030504040204" pitchFamily="34" charset="0"/>
+              </a:rPr>
+              <a:t>, </a:t>
+            </a:r>
+            <a:r>
+              <a:rPr lang="en-US" sz="2400" dirty="0" err="1" smtClean="0">
+                <a:solidFill>
+                  <a:schemeClr val="tx1"/>
+                </a:solidFill>
+                <a:latin typeface="Tahoma" panose="020B0604030504040204" pitchFamily="34" charset="0"/>
+                <a:ea typeface="Tahoma" panose="020B0604030504040204" pitchFamily="34" charset="0"/>
+                <a:cs typeface="Tahoma" panose="020B0604030504040204" pitchFamily="34" charset="0"/>
+              </a:rPr>
+              <a:t>anche</a:t>
+            </a:r>
+            <a:r>
+              <a:rPr lang="en-US" sz="2400" dirty="0" smtClean="0">
+                <a:solidFill>
+                  <a:schemeClr val="tx1"/>
+                </a:solidFill>
+                <a:latin typeface="Tahoma" panose="020B0604030504040204" pitchFamily="34" charset="0"/>
+                <a:ea typeface="Tahoma" panose="020B0604030504040204" pitchFamily="34" charset="0"/>
+                <a:cs typeface="Tahoma" panose="020B0604030504040204" pitchFamily="34" charset="0"/>
+              </a:rPr>
+              <a:t> se </a:t>
+            </a:r>
+            <a:r>
+              <a:rPr lang="en-US" sz="2400" dirty="0" err="1" smtClean="0">
+                <a:solidFill>
+                  <a:schemeClr val="tx1"/>
+                </a:solidFill>
+                <a:latin typeface="Tahoma" panose="020B0604030504040204" pitchFamily="34" charset="0"/>
+                <a:ea typeface="Tahoma" panose="020B0604030504040204" pitchFamily="34" charset="0"/>
+                <a:cs typeface="Tahoma" panose="020B0604030504040204" pitchFamily="34" charset="0"/>
+              </a:rPr>
+              <a:t>c’è</a:t>
+            </a:r>
+            <a:r>
+              <a:rPr lang="en-US" sz="2400" dirty="0" smtClean="0">
+                <a:solidFill>
+                  <a:schemeClr val="tx1"/>
+                </a:solidFill>
+                <a:latin typeface="Tahoma" panose="020B0604030504040204" pitchFamily="34" charset="0"/>
+                <a:ea typeface="Tahoma" panose="020B0604030504040204" pitchFamily="34" charset="0"/>
+                <a:cs typeface="Tahoma" panose="020B0604030504040204" pitchFamily="34" charset="0"/>
+              </a:rPr>
+              <a:t> </a:t>
+            </a:r>
+            <a:r>
+              <a:rPr lang="en-US" sz="2400" dirty="0" err="1" smtClean="0">
+                <a:solidFill>
+                  <a:schemeClr val="tx1"/>
+                </a:solidFill>
+                <a:latin typeface="Tahoma" panose="020B0604030504040204" pitchFamily="34" charset="0"/>
+                <a:ea typeface="Tahoma" panose="020B0604030504040204" pitchFamily="34" charset="0"/>
+                <a:cs typeface="Tahoma" panose="020B0604030504040204" pitchFamily="34" charset="0"/>
+              </a:rPr>
+              <a:t>una</a:t>
+            </a:r>
+            <a:r>
+              <a:rPr lang="en-US" sz="2400" dirty="0" smtClean="0">
+                <a:solidFill>
+                  <a:schemeClr val="tx1"/>
+                </a:solidFill>
+                <a:latin typeface="Tahoma" panose="020B0604030504040204" pitchFamily="34" charset="0"/>
+                <a:ea typeface="Tahoma" panose="020B0604030504040204" pitchFamily="34" charset="0"/>
+                <a:cs typeface="Tahoma" panose="020B0604030504040204" pitchFamily="34" charset="0"/>
+              </a:rPr>
+              <a:t> base </a:t>
+            </a:r>
+            <a:r>
+              <a:rPr lang="en-US" sz="2400" dirty="0" err="1" smtClean="0">
+                <a:solidFill>
+                  <a:schemeClr val="tx1"/>
+                </a:solidFill>
+                <a:latin typeface="Tahoma" panose="020B0604030504040204" pitchFamily="34" charset="0"/>
+                <a:ea typeface="Tahoma" panose="020B0604030504040204" pitchFamily="34" charset="0"/>
+                <a:cs typeface="Tahoma" panose="020B0604030504040204" pitchFamily="34" charset="0"/>
+              </a:rPr>
+              <a:t>comune</a:t>
+            </a:r>
+            <a:r>
+              <a:rPr lang="en-US" sz="2400" dirty="0" smtClean="0">
+                <a:solidFill>
+                  <a:schemeClr val="tx1"/>
+                </a:solidFill>
+                <a:latin typeface="Tahoma" panose="020B0604030504040204" pitchFamily="34" charset="0"/>
+                <a:ea typeface="Tahoma" panose="020B0604030504040204" pitchFamily="34" charset="0"/>
+                <a:cs typeface="Tahoma" panose="020B0604030504040204" pitchFamily="34" charset="0"/>
+              </a:rPr>
+              <a:t> per </a:t>
+            </a:r>
+            <a:r>
+              <a:rPr lang="en-US" sz="2400" dirty="0" err="1" smtClean="0">
+                <a:solidFill>
+                  <a:schemeClr val="tx1"/>
+                </a:solidFill>
+                <a:latin typeface="Tahoma" panose="020B0604030504040204" pitchFamily="34" charset="0"/>
+                <a:ea typeface="Tahoma" panose="020B0604030504040204" pitchFamily="34" charset="0"/>
+                <a:cs typeface="Tahoma" panose="020B0604030504040204" pitchFamily="34" charset="0"/>
+              </a:rPr>
+              <a:t>tutti</a:t>
+            </a:r>
+            <a:r>
+              <a:rPr lang="en-US" sz="2400" dirty="0" smtClean="0">
+                <a:solidFill>
+                  <a:schemeClr val="tx1"/>
+                </a:solidFill>
+                <a:latin typeface="Tahoma" panose="020B0604030504040204" pitchFamily="34" charset="0"/>
+                <a:ea typeface="Tahoma" panose="020B0604030504040204" pitchFamily="34" charset="0"/>
+                <a:cs typeface="Tahoma" panose="020B0604030504040204" pitchFamily="34" charset="0"/>
+              </a:rPr>
+              <a:t>. </a:t>
+            </a:r>
             <a:endParaRPr lang="it-IT" sz="2400" dirty="0">
               <a:solidFill>
                 <a:schemeClr val="tx1"/>
@@ -16203,6 +16715,36 @@
           </a:p>
         </p:txBody>
       </p:sp>
+      <p:pic>
+        <p:nvPicPr>
+          <p:cNvPr id="3" name="Immagine 2"/>
+          <p:cNvPicPr>
+            <a:picLocks noChangeAspect="1"/>
+          </p:cNvPicPr>
+          <p:nvPr/>
+        </p:nvPicPr>
+        <p:blipFill>
+          <a:blip r:embed="rId2">
+            <a:extLst>
+              <a:ext uri="{28A0092B-C50C-407E-A947-70E740481C1C}">
+                <a14:useLocalDpi xmlns:a14="http://schemas.microsoft.com/office/drawing/2010/main" val="0"/>
+              </a:ext>
+            </a:extLst>
+          </a:blip>
+          <a:stretch>
+            <a:fillRect/>
+          </a:stretch>
+        </p:blipFill>
+        <p:spPr>
+          <a:xfrm>
+            <a:off x="8809704" y="1285333"/>
+            <a:ext cx="3215148" cy="5294454"/>
+          </a:xfrm>
+          <a:prstGeom prst="rect">
+            <a:avLst/>
+          </a:prstGeom>
+        </p:spPr>
+      </p:pic>
     </p:spTree>
     <p:extLst>
       <p:ext uri="{BB962C8B-B14F-4D97-AF65-F5344CB8AC3E}">
@@ -16217,6 +16759,6917 @@
 </file>
 
 <file path=ppt/slides/slide21.xml><?xml version="1.0" encoding="utf-8"?>
+<p:sld xmlns:a="http://schemas.openxmlformats.org/drawingml/2006/main" xmlns:r="http://schemas.openxmlformats.org/officeDocument/2006/relationships" xmlns:p="http://schemas.openxmlformats.org/presentationml/2006/main">
+  <p:cSld>
+    <p:spTree>
+      <p:nvGrpSpPr>
+        <p:cNvPr id="1" name=""/>
+        <p:cNvGrpSpPr/>
+        <p:nvPr/>
+      </p:nvGrpSpPr>
+      <p:grpSpPr>
+        <a:xfrm>
+          <a:off x="0" y="0"/>
+          <a:ext cx="0" cy="0"/>
+          <a:chOff x="0" y="0"/>
+          <a:chExt cx="0" cy="0"/>
+        </a:xfrm>
+      </p:grpSpPr>
+      <p:sp>
+        <p:nvSpPr>
+          <p:cNvPr id="2" name="Segnaposto testo 1">
+            <a:extLst>
+              <a:ext uri="{FF2B5EF4-FFF2-40B4-BE49-F238E27FC236}">
+                <a16:creationId xmlns:a16="http://schemas.microsoft.com/office/drawing/2014/main" id="{E5AE986C-196F-4141-A898-FA4C4198CDCC}"/>
+              </a:ext>
+            </a:extLst>
+          </p:cNvPr>
+          <p:cNvSpPr>
+            <a:spLocks noGrp="1"/>
+          </p:cNvSpPr>
+          <p:nvPr>
+            <p:ph type="body" idx="1"/>
+          </p:nvPr>
+        </p:nvSpPr>
+        <p:spPr>
+          <a:xfrm>
+            <a:off x="323469" y="1382937"/>
+            <a:ext cx="11414506" cy="4392612"/>
+          </a:xfrm>
+        </p:spPr>
+        <p:txBody>
+          <a:bodyPr/>
+          <a:lstStyle/>
+          <a:p>
+            <a:pPr marL="342900" indent="-342900">
+              <a:buFont typeface="Wingdings" panose="05000000000000000000" pitchFamily="2" charset="2"/>
+              <a:buChar char="ü"/>
+            </a:pPr>
+            <a:r>
+              <a:rPr lang="it-IT" sz="2400" dirty="0" smtClean="0">
+                <a:solidFill>
+                  <a:schemeClr val="tx1"/>
+                </a:solidFill>
+                <a:latin typeface="Tahoma" panose="020B0604030504040204" pitchFamily="34" charset="0"/>
+                <a:ea typeface="Tahoma" panose="020B0604030504040204" pitchFamily="34" charset="0"/>
+                <a:cs typeface="Tahoma" panose="020B0604030504040204" pitchFamily="34" charset="0"/>
+              </a:rPr>
+              <a:t>La </a:t>
+            </a:r>
+            <a:r>
+              <a:rPr lang="it-IT" sz="2400" b="1" dirty="0" err="1">
+                <a:solidFill>
+                  <a:schemeClr val="tx1"/>
+                </a:solidFill>
+                <a:latin typeface="Tahoma" panose="020B0604030504040204" pitchFamily="34" charset="0"/>
+                <a:ea typeface="Tahoma" panose="020B0604030504040204" pitchFamily="34" charset="0"/>
+                <a:cs typeface="Tahoma" panose="020B0604030504040204" pitchFamily="34" charset="0"/>
+              </a:rPr>
+              <a:t>blockchain</a:t>
+            </a:r>
+            <a:r>
+              <a:rPr lang="it-IT" sz="2400" dirty="0">
+                <a:solidFill>
+                  <a:schemeClr val="tx1"/>
+                </a:solidFill>
+                <a:latin typeface="Tahoma" panose="020B0604030504040204" pitchFamily="34" charset="0"/>
+                <a:ea typeface="Tahoma" panose="020B0604030504040204" pitchFamily="34" charset="0"/>
+                <a:cs typeface="Tahoma" panose="020B0604030504040204" pitchFamily="34" charset="0"/>
+              </a:rPr>
+              <a:t> (in italiano: blocchi concatenati) è una struttura dati che consiste in elenchi crescenti di </a:t>
+            </a:r>
+            <a:r>
+              <a:rPr lang="it-IT" sz="2400" b="1" dirty="0">
+                <a:solidFill>
+                  <a:schemeClr val="tx1"/>
+                </a:solidFill>
+                <a:latin typeface="Tahoma" panose="020B0604030504040204" pitchFamily="34" charset="0"/>
+                <a:ea typeface="Tahoma" panose="020B0604030504040204" pitchFamily="34" charset="0"/>
+                <a:cs typeface="Tahoma" panose="020B0604030504040204" pitchFamily="34" charset="0"/>
+              </a:rPr>
+              <a:t>record</a:t>
+            </a:r>
+            <a:r>
+              <a:rPr lang="it-IT" sz="2400" dirty="0">
+                <a:solidFill>
+                  <a:schemeClr val="tx1"/>
+                </a:solidFill>
+                <a:latin typeface="Tahoma" panose="020B0604030504040204" pitchFamily="34" charset="0"/>
+                <a:ea typeface="Tahoma" panose="020B0604030504040204" pitchFamily="34" charset="0"/>
+                <a:cs typeface="Tahoma" panose="020B0604030504040204" pitchFamily="34" charset="0"/>
+              </a:rPr>
+              <a:t>, denominati "</a:t>
+            </a:r>
+            <a:r>
+              <a:rPr lang="it-IT" sz="2400" b="1" dirty="0">
+                <a:solidFill>
+                  <a:schemeClr val="tx1"/>
+                </a:solidFill>
+                <a:latin typeface="Tahoma" panose="020B0604030504040204" pitchFamily="34" charset="0"/>
+                <a:ea typeface="Tahoma" panose="020B0604030504040204" pitchFamily="34" charset="0"/>
+                <a:cs typeface="Tahoma" panose="020B0604030504040204" pitchFamily="34" charset="0"/>
+              </a:rPr>
+              <a:t>blocchi</a:t>
+            </a:r>
+            <a:r>
+              <a:rPr lang="it-IT" sz="2400" dirty="0">
+                <a:solidFill>
+                  <a:schemeClr val="tx1"/>
+                </a:solidFill>
+                <a:latin typeface="Tahoma" panose="020B0604030504040204" pitchFamily="34" charset="0"/>
+                <a:ea typeface="Tahoma" panose="020B0604030504040204" pitchFamily="34" charset="0"/>
+                <a:cs typeface="Tahoma" panose="020B0604030504040204" pitchFamily="34" charset="0"/>
+              </a:rPr>
+              <a:t>", collegati tra loro in modo sicuro utilizzando la </a:t>
+            </a:r>
+            <a:r>
+              <a:rPr lang="it-IT" sz="2400" b="1" dirty="0">
+                <a:solidFill>
+                  <a:schemeClr val="tx1"/>
+                </a:solidFill>
+                <a:latin typeface="Tahoma" panose="020B0604030504040204" pitchFamily="34" charset="0"/>
+                <a:ea typeface="Tahoma" panose="020B0604030504040204" pitchFamily="34" charset="0"/>
+                <a:cs typeface="Tahoma" panose="020B0604030504040204" pitchFamily="34" charset="0"/>
+              </a:rPr>
+              <a:t>crittografia</a:t>
+            </a:r>
+            <a:r>
+              <a:rPr lang="it-IT" sz="2400" dirty="0">
+                <a:solidFill>
+                  <a:schemeClr val="tx1"/>
+                </a:solidFill>
+                <a:latin typeface="Tahoma" panose="020B0604030504040204" pitchFamily="34" charset="0"/>
+                <a:ea typeface="Tahoma" panose="020B0604030504040204" pitchFamily="34" charset="0"/>
+                <a:cs typeface="Tahoma" panose="020B0604030504040204" pitchFamily="34" charset="0"/>
+              </a:rPr>
+              <a:t>. Ogni blocco contiene un </a:t>
+            </a:r>
+            <a:r>
+              <a:rPr lang="it-IT" sz="2400" b="1" dirty="0" err="1">
+                <a:solidFill>
+                  <a:schemeClr val="tx1"/>
+                </a:solidFill>
+                <a:latin typeface="Tahoma" panose="020B0604030504040204" pitchFamily="34" charset="0"/>
+                <a:ea typeface="Tahoma" panose="020B0604030504040204" pitchFamily="34" charset="0"/>
+                <a:cs typeface="Tahoma" panose="020B0604030504040204" pitchFamily="34" charset="0"/>
+              </a:rPr>
+              <a:t>hash</a:t>
+            </a:r>
+            <a:r>
+              <a:rPr lang="it-IT" sz="2400" dirty="0">
+                <a:solidFill>
+                  <a:schemeClr val="tx1"/>
+                </a:solidFill>
+                <a:latin typeface="Tahoma" panose="020B0604030504040204" pitchFamily="34" charset="0"/>
+                <a:ea typeface="Tahoma" panose="020B0604030504040204" pitchFamily="34" charset="0"/>
+                <a:cs typeface="Tahoma" panose="020B0604030504040204" pitchFamily="34" charset="0"/>
+              </a:rPr>
+              <a:t> </a:t>
+            </a:r>
+            <a:r>
+              <a:rPr lang="it-IT" sz="2400" b="1" dirty="0">
+                <a:solidFill>
+                  <a:schemeClr val="tx1"/>
+                </a:solidFill>
+                <a:latin typeface="Tahoma" panose="020B0604030504040204" pitchFamily="34" charset="0"/>
+                <a:ea typeface="Tahoma" panose="020B0604030504040204" pitchFamily="34" charset="0"/>
+                <a:cs typeface="Tahoma" panose="020B0604030504040204" pitchFamily="34" charset="0"/>
+              </a:rPr>
+              <a:t>crittografico</a:t>
+            </a:r>
+            <a:r>
+              <a:rPr lang="it-IT" sz="2400" dirty="0">
+                <a:solidFill>
+                  <a:schemeClr val="tx1"/>
+                </a:solidFill>
+                <a:latin typeface="Tahoma" panose="020B0604030504040204" pitchFamily="34" charset="0"/>
+                <a:ea typeface="Tahoma" panose="020B0604030504040204" pitchFamily="34" charset="0"/>
+                <a:cs typeface="Tahoma" panose="020B0604030504040204" pitchFamily="34" charset="0"/>
+              </a:rPr>
+              <a:t> del blocco precedente, un </a:t>
+            </a:r>
+            <a:r>
+              <a:rPr lang="it-IT" sz="2400" b="1" dirty="0" err="1">
+                <a:solidFill>
+                  <a:schemeClr val="tx1"/>
+                </a:solidFill>
+                <a:latin typeface="Tahoma" panose="020B0604030504040204" pitchFamily="34" charset="0"/>
+                <a:ea typeface="Tahoma" panose="020B0604030504040204" pitchFamily="34" charset="0"/>
+                <a:cs typeface="Tahoma" panose="020B0604030504040204" pitchFamily="34" charset="0"/>
+              </a:rPr>
+              <a:t>timestamp</a:t>
+            </a:r>
+            <a:r>
+              <a:rPr lang="it-IT" sz="2400" dirty="0">
+                <a:solidFill>
+                  <a:schemeClr val="tx1"/>
+                </a:solidFill>
+                <a:latin typeface="Tahoma" panose="020B0604030504040204" pitchFamily="34" charset="0"/>
+                <a:ea typeface="Tahoma" panose="020B0604030504040204" pitchFamily="34" charset="0"/>
+                <a:cs typeface="Tahoma" panose="020B0604030504040204" pitchFamily="34" charset="0"/>
+              </a:rPr>
+              <a:t> e </a:t>
+            </a:r>
+            <a:r>
+              <a:rPr lang="it-IT" sz="2400" b="1" dirty="0">
+                <a:solidFill>
+                  <a:schemeClr val="tx1"/>
+                </a:solidFill>
+                <a:latin typeface="Tahoma" panose="020B0604030504040204" pitchFamily="34" charset="0"/>
+                <a:ea typeface="Tahoma" panose="020B0604030504040204" pitchFamily="34" charset="0"/>
+                <a:cs typeface="Tahoma" panose="020B0604030504040204" pitchFamily="34" charset="0"/>
+              </a:rPr>
+              <a:t>dati</a:t>
+            </a:r>
+            <a:r>
+              <a:rPr lang="it-IT" sz="2400" dirty="0">
+                <a:solidFill>
+                  <a:schemeClr val="tx1"/>
+                </a:solidFill>
+                <a:latin typeface="Tahoma" panose="020B0604030504040204" pitchFamily="34" charset="0"/>
+                <a:ea typeface="Tahoma" panose="020B0604030504040204" pitchFamily="34" charset="0"/>
+                <a:cs typeface="Tahoma" panose="020B0604030504040204" pitchFamily="34" charset="0"/>
+              </a:rPr>
+              <a:t> di </a:t>
+            </a:r>
+            <a:r>
+              <a:rPr lang="it-IT" sz="2400" b="1" dirty="0">
+                <a:solidFill>
+                  <a:schemeClr val="tx1"/>
+                </a:solidFill>
+                <a:latin typeface="Tahoma" panose="020B0604030504040204" pitchFamily="34" charset="0"/>
+                <a:ea typeface="Tahoma" panose="020B0604030504040204" pitchFamily="34" charset="0"/>
+                <a:cs typeface="Tahoma" panose="020B0604030504040204" pitchFamily="34" charset="0"/>
+              </a:rPr>
+              <a:t>transazione</a:t>
+            </a:r>
+            <a:r>
+              <a:rPr lang="it-IT" sz="2400" dirty="0" smtClean="0">
+                <a:solidFill>
+                  <a:schemeClr val="tx1"/>
+                </a:solidFill>
+                <a:latin typeface="Tahoma" panose="020B0604030504040204" pitchFamily="34" charset="0"/>
+                <a:ea typeface="Tahoma" panose="020B0604030504040204" pitchFamily="34" charset="0"/>
+                <a:cs typeface="Tahoma" panose="020B0604030504040204" pitchFamily="34" charset="0"/>
+              </a:rPr>
+              <a:t>.</a:t>
+            </a:r>
+          </a:p>
+          <a:p>
+            <a:pPr marL="342900" indent="-342900">
+              <a:buFont typeface="Wingdings" panose="05000000000000000000" pitchFamily="2" charset="2"/>
+              <a:buChar char="ü"/>
+            </a:pPr>
+            <a:r>
+              <a:rPr lang="it-IT" sz="2400" dirty="0">
+                <a:solidFill>
+                  <a:schemeClr val="tx1"/>
+                </a:solidFill>
+                <a:latin typeface="Tahoma" panose="020B0604030504040204" pitchFamily="34" charset="0"/>
+                <a:ea typeface="Tahoma" panose="020B0604030504040204" pitchFamily="34" charset="0"/>
+                <a:cs typeface="Tahoma" panose="020B0604030504040204" pitchFamily="34" charset="0"/>
+              </a:rPr>
+              <a:t>Poiché </a:t>
+            </a:r>
+            <a:r>
+              <a:rPr lang="it-IT" sz="2400" b="1" dirty="0">
+                <a:solidFill>
+                  <a:schemeClr val="tx1"/>
+                </a:solidFill>
+                <a:latin typeface="Tahoma" panose="020B0604030504040204" pitchFamily="34" charset="0"/>
+                <a:ea typeface="Tahoma" panose="020B0604030504040204" pitchFamily="34" charset="0"/>
+                <a:cs typeface="Tahoma" panose="020B0604030504040204" pitchFamily="34" charset="0"/>
+              </a:rPr>
+              <a:t>ogni</a:t>
+            </a:r>
+            <a:r>
+              <a:rPr lang="it-IT" sz="2400" dirty="0">
+                <a:solidFill>
+                  <a:schemeClr val="tx1"/>
+                </a:solidFill>
+                <a:latin typeface="Tahoma" panose="020B0604030504040204" pitchFamily="34" charset="0"/>
+                <a:ea typeface="Tahoma" panose="020B0604030504040204" pitchFamily="34" charset="0"/>
+                <a:cs typeface="Tahoma" panose="020B0604030504040204" pitchFamily="34" charset="0"/>
+              </a:rPr>
+              <a:t> </a:t>
+            </a:r>
+            <a:r>
+              <a:rPr lang="it-IT" sz="2400" b="1" dirty="0">
+                <a:solidFill>
+                  <a:schemeClr val="tx1"/>
+                </a:solidFill>
+                <a:latin typeface="Tahoma" panose="020B0604030504040204" pitchFamily="34" charset="0"/>
+                <a:ea typeface="Tahoma" panose="020B0604030504040204" pitchFamily="34" charset="0"/>
+                <a:cs typeface="Tahoma" panose="020B0604030504040204" pitchFamily="34" charset="0"/>
+              </a:rPr>
+              <a:t>blocco</a:t>
+            </a:r>
+            <a:r>
+              <a:rPr lang="it-IT" sz="2400" dirty="0">
+                <a:solidFill>
+                  <a:schemeClr val="tx1"/>
+                </a:solidFill>
+                <a:latin typeface="Tahoma" panose="020B0604030504040204" pitchFamily="34" charset="0"/>
+                <a:ea typeface="Tahoma" panose="020B0604030504040204" pitchFamily="34" charset="0"/>
+                <a:cs typeface="Tahoma" panose="020B0604030504040204" pitchFamily="34" charset="0"/>
+              </a:rPr>
+              <a:t> contiene </a:t>
+            </a:r>
+            <a:r>
+              <a:rPr lang="it-IT" sz="2400" b="1" dirty="0">
+                <a:solidFill>
+                  <a:schemeClr val="tx1"/>
+                </a:solidFill>
+                <a:latin typeface="Tahoma" panose="020B0604030504040204" pitchFamily="34" charset="0"/>
+                <a:ea typeface="Tahoma" panose="020B0604030504040204" pitchFamily="34" charset="0"/>
+                <a:cs typeface="Tahoma" panose="020B0604030504040204" pitchFamily="34" charset="0"/>
+              </a:rPr>
+              <a:t>informazioni</a:t>
+            </a:r>
+            <a:r>
+              <a:rPr lang="it-IT" sz="2400" dirty="0">
+                <a:solidFill>
+                  <a:schemeClr val="tx1"/>
+                </a:solidFill>
+                <a:latin typeface="Tahoma" panose="020B0604030504040204" pitchFamily="34" charset="0"/>
+                <a:ea typeface="Tahoma" panose="020B0604030504040204" pitchFamily="34" charset="0"/>
+                <a:cs typeface="Tahoma" panose="020B0604030504040204" pitchFamily="34" charset="0"/>
+              </a:rPr>
+              <a:t> sul blocco </a:t>
+            </a:r>
+            <a:r>
+              <a:rPr lang="it-IT" sz="2400" b="1" dirty="0">
+                <a:solidFill>
+                  <a:schemeClr val="tx1"/>
+                </a:solidFill>
+                <a:latin typeface="Tahoma" panose="020B0604030504040204" pitchFamily="34" charset="0"/>
+                <a:ea typeface="Tahoma" panose="020B0604030504040204" pitchFamily="34" charset="0"/>
+                <a:cs typeface="Tahoma" panose="020B0604030504040204" pitchFamily="34" charset="0"/>
+              </a:rPr>
+              <a:t>precedente</a:t>
+            </a:r>
+            <a:r>
+              <a:rPr lang="it-IT" sz="2400" dirty="0">
+                <a:solidFill>
+                  <a:schemeClr val="tx1"/>
+                </a:solidFill>
+                <a:latin typeface="Tahoma" panose="020B0604030504040204" pitchFamily="34" charset="0"/>
+                <a:ea typeface="Tahoma" panose="020B0604030504040204" pitchFamily="34" charset="0"/>
+                <a:cs typeface="Tahoma" panose="020B0604030504040204" pitchFamily="34" charset="0"/>
+              </a:rPr>
+              <a:t>, questi </a:t>
+            </a:r>
+            <a:r>
+              <a:rPr lang="it-IT" sz="2400" b="1" dirty="0" smtClean="0">
+                <a:solidFill>
+                  <a:schemeClr val="tx1"/>
+                </a:solidFill>
+                <a:latin typeface="Tahoma" panose="020B0604030504040204" pitchFamily="34" charset="0"/>
+                <a:ea typeface="Tahoma" panose="020B0604030504040204" pitchFamily="34" charset="0"/>
+                <a:cs typeface="Tahoma" panose="020B0604030504040204" pitchFamily="34" charset="0"/>
+              </a:rPr>
+              <a:t>formano</a:t>
+            </a:r>
+            <a:r>
+              <a:rPr lang="it-IT" sz="2400" dirty="0" smtClean="0">
+                <a:solidFill>
+                  <a:schemeClr val="tx1"/>
+                </a:solidFill>
+                <a:latin typeface="Tahoma" panose="020B0604030504040204" pitchFamily="34" charset="0"/>
+                <a:ea typeface="Tahoma" panose="020B0604030504040204" pitchFamily="34" charset="0"/>
+                <a:cs typeface="Tahoma" panose="020B0604030504040204" pitchFamily="34" charset="0"/>
+              </a:rPr>
+              <a:t> </a:t>
+            </a:r>
+            <a:r>
+              <a:rPr lang="it-IT" sz="2400" dirty="0">
+                <a:solidFill>
+                  <a:schemeClr val="tx1"/>
+                </a:solidFill>
+                <a:latin typeface="Tahoma" panose="020B0604030504040204" pitchFamily="34" charset="0"/>
+                <a:ea typeface="Tahoma" panose="020B0604030504040204" pitchFamily="34" charset="0"/>
+                <a:cs typeface="Tahoma" panose="020B0604030504040204" pitchFamily="34" charset="0"/>
+              </a:rPr>
+              <a:t>effettivamente una </a:t>
+            </a:r>
+            <a:r>
+              <a:rPr lang="it-IT" sz="2400" b="1" dirty="0" smtClean="0">
+                <a:solidFill>
+                  <a:schemeClr val="tx1"/>
+                </a:solidFill>
+                <a:latin typeface="Tahoma" panose="020B0604030504040204" pitchFamily="34" charset="0"/>
+                <a:ea typeface="Tahoma" panose="020B0604030504040204" pitchFamily="34" charset="0"/>
+                <a:cs typeface="Tahoma" panose="020B0604030504040204" pitchFamily="34" charset="0"/>
+              </a:rPr>
+              <a:t>catena</a:t>
+            </a:r>
+            <a:r>
+              <a:rPr lang="it-IT" sz="2400" dirty="0" smtClean="0">
+                <a:solidFill>
+                  <a:schemeClr val="tx1"/>
+                </a:solidFill>
+                <a:latin typeface="Tahoma" panose="020B0604030504040204" pitchFamily="34" charset="0"/>
+                <a:ea typeface="Tahoma" panose="020B0604030504040204" pitchFamily="34" charset="0"/>
+                <a:cs typeface="Tahoma" panose="020B0604030504040204" pitchFamily="34" charset="0"/>
+              </a:rPr>
+              <a:t> </a:t>
+            </a:r>
+            <a:r>
+              <a:rPr lang="it-IT" sz="2400" dirty="0">
+                <a:solidFill>
+                  <a:schemeClr val="tx1"/>
+                </a:solidFill>
+                <a:latin typeface="Tahoma" panose="020B0604030504040204" pitchFamily="34" charset="0"/>
+                <a:ea typeface="Tahoma" panose="020B0604030504040204" pitchFamily="34" charset="0"/>
+                <a:cs typeface="Tahoma" panose="020B0604030504040204" pitchFamily="34" charset="0"/>
+              </a:rPr>
+              <a:t>con ogni blocco </a:t>
+            </a:r>
+            <a:r>
+              <a:rPr lang="it-IT" sz="2400" b="1" dirty="0">
+                <a:solidFill>
+                  <a:schemeClr val="tx1"/>
+                </a:solidFill>
+                <a:latin typeface="Tahoma" panose="020B0604030504040204" pitchFamily="34" charset="0"/>
+                <a:ea typeface="Tahoma" panose="020B0604030504040204" pitchFamily="34" charset="0"/>
+                <a:cs typeface="Tahoma" panose="020B0604030504040204" pitchFamily="34" charset="0"/>
+              </a:rPr>
+              <a:t>aggiuntivo</a:t>
+            </a:r>
+            <a:r>
+              <a:rPr lang="it-IT" sz="2400" dirty="0">
+                <a:solidFill>
+                  <a:schemeClr val="tx1"/>
+                </a:solidFill>
+                <a:latin typeface="Tahoma" panose="020B0604030504040204" pitchFamily="34" charset="0"/>
+                <a:ea typeface="Tahoma" panose="020B0604030504040204" pitchFamily="34" charset="0"/>
+                <a:cs typeface="Tahoma" panose="020B0604030504040204" pitchFamily="34" charset="0"/>
+              </a:rPr>
+              <a:t> che si collega a quelli precedenti. </a:t>
+            </a:r>
+            <a:r>
+              <a:rPr lang="it-IT" sz="2400" dirty="0">
+                <a:solidFill>
+                  <a:schemeClr val="tx1"/>
+                </a:solidFill>
+                <a:latin typeface="Tahoma" panose="020B0604030504040204" pitchFamily="34" charset="0"/>
+                <a:ea typeface="Tahoma" panose="020B0604030504040204" pitchFamily="34" charset="0"/>
+                <a:cs typeface="Tahoma" panose="020B0604030504040204" pitchFamily="34" charset="0"/>
+              </a:rPr>
+              <a:t>Di conseguenza, le transazioni </a:t>
+            </a:r>
+            <a:r>
+              <a:rPr lang="it-IT" sz="2400" b="1" dirty="0" err="1">
+                <a:solidFill>
+                  <a:schemeClr val="tx1"/>
+                </a:solidFill>
+                <a:latin typeface="Tahoma" panose="020B0604030504040204" pitchFamily="34" charset="0"/>
+                <a:ea typeface="Tahoma" panose="020B0604030504040204" pitchFamily="34" charset="0"/>
+                <a:cs typeface="Tahoma" panose="020B0604030504040204" pitchFamily="34" charset="0"/>
+              </a:rPr>
+              <a:t>blockchain</a:t>
+            </a:r>
+            <a:r>
+              <a:rPr lang="it-IT" sz="2400" dirty="0">
+                <a:solidFill>
+                  <a:schemeClr val="tx1"/>
+                </a:solidFill>
+                <a:latin typeface="Tahoma" panose="020B0604030504040204" pitchFamily="34" charset="0"/>
+                <a:ea typeface="Tahoma" panose="020B0604030504040204" pitchFamily="34" charset="0"/>
+                <a:cs typeface="Tahoma" panose="020B0604030504040204" pitchFamily="34" charset="0"/>
+              </a:rPr>
+              <a:t> sono </a:t>
+            </a:r>
+            <a:r>
+              <a:rPr lang="it-IT" sz="2400" b="1" dirty="0">
+                <a:solidFill>
+                  <a:schemeClr val="tx1"/>
+                </a:solidFill>
+                <a:latin typeface="Tahoma" panose="020B0604030504040204" pitchFamily="34" charset="0"/>
+                <a:ea typeface="Tahoma" panose="020B0604030504040204" pitchFamily="34" charset="0"/>
+                <a:cs typeface="Tahoma" panose="020B0604030504040204" pitchFamily="34" charset="0"/>
+              </a:rPr>
+              <a:t>irreversibili</a:t>
+            </a:r>
+            <a:r>
+              <a:rPr lang="it-IT" sz="2400" dirty="0">
+                <a:solidFill>
+                  <a:schemeClr val="tx1"/>
+                </a:solidFill>
+                <a:latin typeface="Tahoma" panose="020B0604030504040204" pitchFamily="34" charset="0"/>
+                <a:ea typeface="Tahoma" panose="020B0604030504040204" pitchFamily="34" charset="0"/>
+                <a:cs typeface="Tahoma" panose="020B0604030504040204" pitchFamily="34" charset="0"/>
+              </a:rPr>
+              <a:t> in quanto, una volta </a:t>
+            </a:r>
+            <a:r>
+              <a:rPr lang="it-IT" sz="2400" b="1" dirty="0" smtClean="0">
+                <a:solidFill>
+                  <a:schemeClr val="tx1"/>
+                </a:solidFill>
+                <a:latin typeface="Tahoma" panose="020B0604030504040204" pitchFamily="34" charset="0"/>
+                <a:ea typeface="Tahoma" panose="020B0604030504040204" pitchFamily="34" charset="0"/>
+                <a:cs typeface="Tahoma" panose="020B0604030504040204" pitchFamily="34" charset="0"/>
+              </a:rPr>
+              <a:t>registrate</a:t>
+            </a:r>
+            <a:r>
+              <a:rPr lang="it-IT" sz="2400" dirty="0">
+                <a:solidFill>
+                  <a:schemeClr val="tx1"/>
+                </a:solidFill>
+                <a:latin typeface="Tahoma" panose="020B0604030504040204" pitchFamily="34" charset="0"/>
+                <a:ea typeface="Tahoma" panose="020B0604030504040204" pitchFamily="34" charset="0"/>
+                <a:cs typeface="Tahoma" panose="020B0604030504040204" pitchFamily="34" charset="0"/>
+              </a:rPr>
+              <a:t>, i dati in un determinato blocco non possono essere </a:t>
+            </a:r>
+            <a:r>
+              <a:rPr lang="it-IT" sz="2400" b="1" dirty="0">
+                <a:solidFill>
+                  <a:schemeClr val="tx1"/>
+                </a:solidFill>
+                <a:latin typeface="Tahoma" panose="020B0604030504040204" pitchFamily="34" charset="0"/>
+                <a:ea typeface="Tahoma" panose="020B0604030504040204" pitchFamily="34" charset="0"/>
+                <a:cs typeface="Tahoma" panose="020B0604030504040204" pitchFamily="34" charset="0"/>
+              </a:rPr>
+              <a:t>modificati</a:t>
+            </a:r>
+            <a:r>
+              <a:rPr lang="it-IT" sz="2400" dirty="0">
+                <a:solidFill>
+                  <a:schemeClr val="tx1"/>
+                </a:solidFill>
+                <a:latin typeface="Tahoma" panose="020B0604030504040204" pitchFamily="34" charset="0"/>
+                <a:ea typeface="Tahoma" panose="020B0604030504040204" pitchFamily="34" charset="0"/>
+                <a:cs typeface="Tahoma" panose="020B0604030504040204" pitchFamily="34" charset="0"/>
+              </a:rPr>
+              <a:t> </a:t>
+            </a:r>
+            <a:r>
+              <a:rPr lang="it-IT" sz="2400" b="1" dirty="0">
+                <a:solidFill>
+                  <a:schemeClr val="tx1"/>
+                </a:solidFill>
+                <a:latin typeface="Tahoma" panose="020B0604030504040204" pitchFamily="34" charset="0"/>
+                <a:ea typeface="Tahoma" panose="020B0604030504040204" pitchFamily="34" charset="0"/>
+                <a:cs typeface="Tahoma" panose="020B0604030504040204" pitchFamily="34" charset="0"/>
+              </a:rPr>
+              <a:t>retroattivamente</a:t>
+            </a:r>
+            <a:r>
+              <a:rPr lang="it-IT" sz="2400" dirty="0">
+                <a:solidFill>
+                  <a:schemeClr val="tx1"/>
+                </a:solidFill>
+                <a:latin typeface="Tahoma" panose="020B0604030504040204" pitchFamily="34" charset="0"/>
+                <a:ea typeface="Tahoma" panose="020B0604030504040204" pitchFamily="34" charset="0"/>
+                <a:cs typeface="Tahoma" panose="020B0604030504040204" pitchFamily="34" charset="0"/>
+              </a:rPr>
+              <a:t> senza alterare tutti i blocchi </a:t>
+            </a:r>
+            <a:r>
+              <a:rPr lang="it-IT" sz="2400" dirty="0" smtClean="0">
+                <a:solidFill>
+                  <a:schemeClr val="tx1"/>
+                </a:solidFill>
+                <a:latin typeface="Tahoma" panose="020B0604030504040204" pitchFamily="34" charset="0"/>
+                <a:ea typeface="Tahoma" panose="020B0604030504040204" pitchFamily="34" charset="0"/>
+                <a:cs typeface="Tahoma" panose="020B0604030504040204" pitchFamily="34" charset="0"/>
+              </a:rPr>
+              <a:t>successivi.</a:t>
+            </a:r>
+          </a:p>
+          <a:p>
+            <a:pPr marL="342900" indent="-342900">
+              <a:buFont typeface="Wingdings" panose="05000000000000000000" pitchFamily="2" charset="2"/>
+              <a:buChar char="ü"/>
+            </a:pPr>
+            <a:r>
+              <a:rPr lang="it-IT" sz="2400" dirty="0" smtClean="0">
+                <a:solidFill>
+                  <a:schemeClr val="tx1"/>
+                </a:solidFill>
+                <a:latin typeface="Tahoma" panose="020B0604030504040204" pitchFamily="34" charset="0"/>
+                <a:ea typeface="Tahoma" panose="020B0604030504040204" pitchFamily="34" charset="0"/>
+                <a:cs typeface="Tahoma" panose="020B0604030504040204" pitchFamily="34" charset="0"/>
+              </a:rPr>
+              <a:t>La </a:t>
+            </a:r>
+            <a:r>
+              <a:rPr lang="it-IT" sz="2400" b="1" dirty="0" err="1">
+                <a:solidFill>
+                  <a:schemeClr val="tx1"/>
+                </a:solidFill>
+                <a:latin typeface="Tahoma" panose="020B0604030504040204" pitchFamily="34" charset="0"/>
+                <a:ea typeface="Tahoma" panose="020B0604030504040204" pitchFamily="34" charset="0"/>
+                <a:cs typeface="Tahoma" panose="020B0604030504040204" pitchFamily="34" charset="0"/>
+              </a:rPr>
+              <a:t>blockchain</a:t>
+            </a:r>
+            <a:r>
+              <a:rPr lang="it-IT" sz="2400" dirty="0">
+                <a:solidFill>
+                  <a:schemeClr val="tx1"/>
+                </a:solidFill>
+                <a:latin typeface="Tahoma" panose="020B0604030504040204" pitchFamily="34" charset="0"/>
+                <a:ea typeface="Tahoma" panose="020B0604030504040204" pitchFamily="34" charset="0"/>
+                <a:cs typeface="Tahoma" panose="020B0604030504040204" pitchFamily="34" charset="0"/>
+              </a:rPr>
+              <a:t> rientra nella più ampia famiglia </a:t>
+            </a:r>
+            <a:r>
+              <a:rPr lang="it-IT" sz="2400" dirty="0" smtClean="0">
+                <a:solidFill>
+                  <a:schemeClr val="tx1"/>
+                </a:solidFill>
+                <a:latin typeface="Tahoma" panose="020B0604030504040204" pitchFamily="34" charset="0"/>
+                <a:ea typeface="Tahoma" panose="020B0604030504040204" pitchFamily="34" charset="0"/>
+                <a:cs typeface="Tahoma" panose="020B0604030504040204" pitchFamily="34" charset="0"/>
+              </a:rPr>
+              <a:t>dei </a:t>
+            </a:r>
+            <a:r>
+              <a:rPr lang="it-IT" sz="2400" b="1" dirty="0" smtClean="0">
+                <a:solidFill>
+                  <a:schemeClr val="tx1"/>
+                </a:solidFill>
+                <a:latin typeface="Tahoma" panose="020B0604030504040204" pitchFamily="34" charset="0"/>
+                <a:ea typeface="Tahoma" panose="020B0604030504040204" pitchFamily="34" charset="0"/>
+                <a:cs typeface="Tahoma" panose="020B0604030504040204" pitchFamily="34" charset="0"/>
+              </a:rPr>
+              <a:t>registri distribuiti </a:t>
+            </a:r>
+            <a:r>
+              <a:rPr lang="it-IT" sz="2400" dirty="0" smtClean="0">
+                <a:solidFill>
+                  <a:schemeClr val="tx1"/>
+                </a:solidFill>
+                <a:latin typeface="Tahoma" panose="020B0604030504040204" pitchFamily="34" charset="0"/>
+                <a:ea typeface="Tahoma" panose="020B0604030504040204" pitchFamily="34" charset="0"/>
+                <a:cs typeface="Tahoma" panose="020B0604030504040204" pitchFamily="34" charset="0"/>
+              </a:rPr>
+              <a:t>(</a:t>
+            </a:r>
+            <a:r>
+              <a:rPr lang="it-IT" sz="2400" b="1" dirty="0" err="1">
+                <a:solidFill>
+                  <a:schemeClr val="tx1"/>
+                </a:solidFill>
+                <a:latin typeface="Tahoma" panose="020B0604030504040204" pitchFamily="34" charset="0"/>
+                <a:ea typeface="Tahoma" panose="020B0604030504040204" pitchFamily="34" charset="0"/>
+                <a:cs typeface="Tahoma" panose="020B0604030504040204" pitchFamily="34" charset="0"/>
+              </a:rPr>
+              <a:t>distributed</a:t>
+            </a:r>
+            <a:r>
+              <a:rPr lang="it-IT" sz="2400" dirty="0">
+                <a:solidFill>
+                  <a:schemeClr val="tx1"/>
+                </a:solidFill>
+                <a:latin typeface="Tahoma" panose="020B0604030504040204" pitchFamily="34" charset="0"/>
+                <a:ea typeface="Tahoma" panose="020B0604030504040204" pitchFamily="34" charset="0"/>
+                <a:cs typeface="Tahoma" panose="020B0604030504040204" pitchFamily="34" charset="0"/>
+              </a:rPr>
+              <a:t> </a:t>
+            </a:r>
+            <a:r>
+              <a:rPr lang="it-IT" sz="2400" b="1" dirty="0" err="1">
+                <a:solidFill>
+                  <a:schemeClr val="tx1"/>
+                </a:solidFill>
+                <a:latin typeface="Tahoma" panose="020B0604030504040204" pitchFamily="34" charset="0"/>
+                <a:ea typeface="Tahoma" panose="020B0604030504040204" pitchFamily="34" charset="0"/>
+                <a:cs typeface="Tahoma" panose="020B0604030504040204" pitchFamily="34" charset="0"/>
+              </a:rPr>
+              <a:t>ledger</a:t>
+            </a:r>
+            <a:r>
+              <a:rPr lang="it-IT" sz="2400" dirty="0">
+                <a:solidFill>
+                  <a:schemeClr val="tx1"/>
+                </a:solidFill>
+                <a:latin typeface="Tahoma" panose="020B0604030504040204" pitchFamily="34" charset="0"/>
+                <a:ea typeface="Tahoma" panose="020B0604030504040204" pitchFamily="34" charset="0"/>
+                <a:cs typeface="Tahoma" panose="020B0604030504040204" pitchFamily="34" charset="0"/>
+              </a:rPr>
+              <a:t>), ossia sistemi che si basano su un </a:t>
+            </a:r>
+            <a:r>
+              <a:rPr lang="it-IT" sz="2400" b="1" dirty="0">
+                <a:solidFill>
+                  <a:schemeClr val="tx1"/>
+                </a:solidFill>
+                <a:latin typeface="Tahoma" panose="020B0604030504040204" pitchFamily="34" charset="0"/>
+                <a:ea typeface="Tahoma" panose="020B0604030504040204" pitchFamily="34" charset="0"/>
+                <a:cs typeface="Tahoma" panose="020B0604030504040204" pitchFamily="34" charset="0"/>
+              </a:rPr>
+              <a:t>registro</a:t>
+            </a:r>
+            <a:r>
+              <a:rPr lang="it-IT" sz="2400" dirty="0">
+                <a:solidFill>
+                  <a:schemeClr val="tx1"/>
+                </a:solidFill>
+                <a:latin typeface="Tahoma" panose="020B0604030504040204" pitchFamily="34" charset="0"/>
+                <a:ea typeface="Tahoma" panose="020B0604030504040204" pitchFamily="34" charset="0"/>
+                <a:cs typeface="Tahoma" panose="020B0604030504040204" pitchFamily="34" charset="0"/>
+              </a:rPr>
+              <a:t> </a:t>
+            </a:r>
+            <a:r>
+              <a:rPr lang="it-IT" sz="2400" b="1" dirty="0">
+                <a:solidFill>
+                  <a:schemeClr val="tx1"/>
+                </a:solidFill>
+                <a:latin typeface="Tahoma" panose="020B0604030504040204" pitchFamily="34" charset="0"/>
+                <a:ea typeface="Tahoma" panose="020B0604030504040204" pitchFamily="34" charset="0"/>
+                <a:cs typeface="Tahoma" panose="020B0604030504040204" pitchFamily="34" charset="0"/>
+              </a:rPr>
+              <a:t>replicato</a:t>
+            </a:r>
+            <a:r>
+              <a:rPr lang="it-IT" sz="2400" dirty="0">
+                <a:solidFill>
+                  <a:schemeClr val="tx1"/>
+                </a:solidFill>
+                <a:latin typeface="Tahoma" panose="020B0604030504040204" pitchFamily="34" charset="0"/>
+                <a:ea typeface="Tahoma" panose="020B0604030504040204" pitchFamily="34" charset="0"/>
+                <a:cs typeface="Tahoma" panose="020B0604030504040204" pitchFamily="34" charset="0"/>
+              </a:rPr>
+              <a:t>, </a:t>
+            </a:r>
+            <a:r>
+              <a:rPr lang="it-IT" sz="2400" b="1" dirty="0">
+                <a:solidFill>
+                  <a:schemeClr val="tx1"/>
+                </a:solidFill>
+                <a:latin typeface="Tahoma" panose="020B0604030504040204" pitchFamily="34" charset="0"/>
+                <a:ea typeface="Tahoma" panose="020B0604030504040204" pitchFamily="34" charset="0"/>
+                <a:cs typeface="Tahoma" panose="020B0604030504040204" pitchFamily="34" charset="0"/>
+              </a:rPr>
+              <a:t>condiviso</a:t>
+            </a:r>
+            <a:r>
+              <a:rPr lang="it-IT" sz="2400" dirty="0">
+                <a:solidFill>
+                  <a:schemeClr val="tx1"/>
+                </a:solidFill>
+                <a:latin typeface="Tahoma" panose="020B0604030504040204" pitchFamily="34" charset="0"/>
+                <a:ea typeface="Tahoma" panose="020B0604030504040204" pitchFamily="34" charset="0"/>
+                <a:cs typeface="Tahoma" panose="020B0604030504040204" pitchFamily="34" charset="0"/>
+              </a:rPr>
+              <a:t> e </a:t>
+            </a:r>
+            <a:r>
+              <a:rPr lang="it-IT" sz="2400" b="1" dirty="0">
+                <a:solidFill>
+                  <a:schemeClr val="tx1"/>
+                </a:solidFill>
+                <a:latin typeface="Tahoma" panose="020B0604030504040204" pitchFamily="34" charset="0"/>
+                <a:ea typeface="Tahoma" panose="020B0604030504040204" pitchFamily="34" charset="0"/>
+                <a:cs typeface="Tahoma" panose="020B0604030504040204" pitchFamily="34" charset="0"/>
+              </a:rPr>
+              <a:t>sincronizzato</a:t>
+            </a:r>
+            <a:r>
+              <a:rPr lang="it-IT" sz="2400" dirty="0">
+                <a:solidFill>
+                  <a:schemeClr val="tx1"/>
+                </a:solidFill>
+                <a:latin typeface="Tahoma" panose="020B0604030504040204" pitchFamily="34" charset="0"/>
+                <a:ea typeface="Tahoma" panose="020B0604030504040204" pitchFamily="34" charset="0"/>
+                <a:cs typeface="Tahoma" panose="020B0604030504040204" pitchFamily="34" charset="0"/>
+              </a:rPr>
+              <a:t> tra più soggetti presenti in molteplici luoghi, ma comunque appartenenti alla </a:t>
+            </a:r>
+            <a:r>
+              <a:rPr lang="it-IT" sz="2400" b="1" dirty="0">
+                <a:solidFill>
+                  <a:schemeClr val="tx1"/>
+                </a:solidFill>
+                <a:latin typeface="Tahoma" panose="020B0604030504040204" pitchFamily="34" charset="0"/>
+                <a:ea typeface="Tahoma" panose="020B0604030504040204" pitchFamily="34" charset="0"/>
+                <a:cs typeface="Tahoma" panose="020B0604030504040204" pitchFamily="34" charset="0"/>
+              </a:rPr>
+              <a:t>medesima</a:t>
+            </a:r>
+            <a:r>
+              <a:rPr lang="it-IT" sz="2400" dirty="0">
+                <a:solidFill>
+                  <a:schemeClr val="tx1"/>
+                </a:solidFill>
+                <a:latin typeface="Tahoma" panose="020B0604030504040204" pitchFamily="34" charset="0"/>
+                <a:ea typeface="Tahoma" panose="020B0604030504040204" pitchFamily="34" charset="0"/>
+                <a:cs typeface="Tahoma" panose="020B0604030504040204" pitchFamily="34" charset="0"/>
+              </a:rPr>
+              <a:t> </a:t>
+            </a:r>
+            <a:r>
+              <a:rPr lang="it-IT" sz="2400" b="1" dirty="0">
+                <a:solidFill>
+                  <a:schemeClr val="tx1"/>
+                </a:solidFill>
+                <a:latin typeface="Tahoma" panose="020B0604030504040204" pitchFamily="34" charset="0"/>
+                <a:ea typeface="Tahoma" panose="020B0604030504040204" pitchFamily="34" charset="0"/>
+                <a:cs typeface="Tahoma" panose="020B0604030504040204" pitchFamily="34" charset="0"/>
+              </a:rPr>
+              <a:t>entità</a:t>
+            </a:r>
+            <a:r>
+              <a:rPr lang="it-IT" sz="2400" dirty="0">
+                <a:solidFill>
+                  <a:schemeClr val="tx1"/>
+                </a:solidFill>
+                <a:latin typeface="Tahoma" panose="020B0604030504040204" pitchFamily="34" charset="0"/>
+                <a:ea typeface="Tahoma" panose="020B0604030504040204" pitchFamily="34" charset="0"/>
+                <a:cs typeface="Tahoma" panose="020B0604030504040204" pitchFamily="34" charset="0"/>
+              </a:rPr>
+              <a:t>. </a:t>
+            </a:r>
+          </a:p>
+        </p:txBody>
+      </p:sp>
+      <p:sp>
+        <p:nvSpPr>
+          <p:cNvPr id="7" name="Segnaposto numero diapositiva 6">
+            <a:extLst>
+              <a:ext uri="{FF2B5EF4-FFF2-40B4-BE49-F238E27FC236}">
+                <a16:creationId xmlns:a16="http://schemas.microsoft.com/office/drawing/2014/main" id="{AB740BE9-E218-4144-BFDE-AE473D230A3D}"/>
+              </a:ext>
+            </a:extLst>
+          </p:cNvPr>
+          <p:cNvSpPr>
+            <a:spLocks noGrp="1"/>
+          </p:cNvSpPr>
+          <p:nvPr>
+            <p:ph type="sldNum" sz="quarter" idx="12"/>
+          </p:nvPr>
+        </p:nvSpPr>
+        <p:spPr/>
+        <p:txBody>
+          <a:bodyPr/>
+          <a:lstStyle/>
+          <a:p>
+            <a:pPr>
+              <a:defRPr/>
+            </a:pPr>
+            <a:fld id="{48B4153A-D4C5-4CEF-8992-0D8815C829E3}" type="slidenum">
+              <a:rPr lang="en-US" smtClean="0"/>
+              <a:pPr>
+                <a:defRPr/>
+              </a:pPr>
+              <a:t>21</a:t>
+            </a:fld>
+            <a:endParaRPr lang="en-US" dirty="0"/>
+          </a:p>
+        </p:txBody>
+      </p:sp>
+      <p:sp>
+        <p:nvSpPr>
+          <p:cNvPr id="6" name="Titolo 4">
+            <a:extLst>
+              <a:ext uri="{FF2B5EF4-FFF2-40B4-BE49-F238E27FC236}">
+                <a16:creationId xmlns:a16="http://schemas.microsoft.com/office/drawing/2014/main" id="{CF9A4806-60B4-80DC-1F76-D2EB3E6C376B}"/>
+              </a:ext>
+            </a:extLst>
+          </p:cNvPr>
+          <p:cNvSpPr>
+            <a:spLocks noGrp="1"/>
+          </p:cNvSpPr>
+          <p:nvPr>
+            <p:ph type="title"/>
+          </p:nvPr>
+        </p:nvSpPr>
+        <p:spPr>
+          <a:xfrm>
+            <a:off x="468313" y="286788"/>
+            <a:ext cx="11269662" cy="769441"/>
+          </a:xfrm>
+        </p:spPr>
+        <p:txBody>
+          <a:bodyPr/>
+          <a:lstStyle/>
+          <a:p>
+            <a:r>
+              <a:rPr lang="it-IT" dirty="0">
+                <a:solidFill>
+                  <a:schemeClr val="tx1"/>
+                </a:solidFill>
+              </a:rPr>
+              <a:t>Architetture di </a:t>
+            </a:r>
+            <a:r>
+              <a:rPr lang="it-IT" dirty="0" err="1" smtClean="0">
+                <a:solidFill>
+                  <a:schemeClr val="tx1"/>
+                </a:solidFill>
+              </a:rPr>
+              <a:t>Blockchain</a:t>
+            </a:r>
+            <a:r>
+              <a:rPr lang="it-IT" dirty="0" smtClean="0">
+                <a:solidFill>
+                  <a:schemeClr val="tx1"/>
+                </a:solidFill>
+              </a:rPr>
+              <a:t> più nel dettaglio</a:t>
+            </a:r>
+            <a:r>
+              <a:rPr lang="it-IT" dirty="0">
+                <a:solidFill>
+                  <a:schemeClr val="tx1"/>
+                </a:solidFill>
+              </a:rPr>
+              <a:t/>
+            </a:r>
+            <a:br>
+              <a:rPr lang="it-IT" dirty="0">
+                <a:solidFill>
+                  <a:schemeClr val="tx1"/>
+                </a:solidFill>
+              </a:rPr>
+            </a:br>
+            <a:endParaRPr lang="it-IT" dirty="0">
+              <a:solidFill>
+                <a:schemeClr val="tx1"/>
+              </a:solidFill>
+            </a:endParaRPr>
+          </a:p>
+        </p:txBody>
+      </p:sp>
+    </p:spTree>
+    <p:extLst>
+      <p:ext uri="{BB962C8B-B14F-4D97-AF65-F5344CB8AC3E}">
+        <p14:creationId xmlns:p14="http://schemas.microsoft.com/office/powerpoint/2010/main" val="3271585931"/>
+      </p:ext>
+    </p:extLst>
+  </p:cSld>
+  <p:clrMapOvr>
+    <a:masterClrMapping/>
+  </p:clrMapOvr>
+</p:sld>
+</file>
+
+<file path=ppt/slides/slide22.xml><?xml version="1.0" encoding="utf-8"?>
+<p:sld xmlns:a="http://schemas.openxmlformats.org/drawingml/2006/main" xmlns:r="http://schemas.openxmlformats.org/officeDocument/2006/relationships" xmlns:p="http://schemas.openxmlformats.org/presentationml/2006/main">
+  <p:cSld>
+    <p:spTree>
+      <p:nvGrpSpPr>
+        <p:cNvPr id="1" name=""/>
+        <p:cNvGrpSpPr/>
+        <p:nvPr/>
+      </p:nvGrpSpPr>
+      <p:grpSpPr>
+        <a:xfrm>
+          <a:off x="0" y="0"/>
+          <a:ext cx="0" cy="0"/>
+          <a:chOff x="0" y="0"/>
+          <a:chExt cx="0" cy="0"/>
+        </a:xfrm>
+      </p:grpSpPr>
+      <p:sp>
+        <p:nvSpPr>
+          <p:cNvPr id="2" name="Segnaposto testo 1">
+            <a:extLst>
+              <a:ext uri="{FF2B5EF4-FFF2-40B4-BE49-F238E27FC236}">
+                <a16:creationId xmlns:a16="http://schemas.microsoft.com/office/drawing/2014/main" id="{E5AE986C-196F-4141-A898-FA4C4198CDCC}"/>
+              </a:ext>
+            </a:extLst>
+          </p:cNvPr>
+          <p:cNvSpPr>
+            <a:spLocks noGrp="1"/>
+          </p:cNvSpPr>
+          <p:nvPr>
+            <p:ph type="body" idx="1"/>
+          </p:nvPr>
+        </p:nvSpPr>
+        <p:spPr>
+          <a:xfrm>
+            <a:off x="323469" y="1382937"/>
+            <a:ext cx="11414506" cy="4392612"/>
+          </a:xfrm>
+        </p:spPr>
+        <p:txBody>
+          <a:bodyPr/>
+          <a:lstStyle/>
+          <a:p>
+            <a:pPr marL="342900" indent="-342900">
+              <a:buFont typeface="Wingdings" panose="05000000000000000000" pitchFamily="2" charset="2"/>
+              <a:buChar char="ü"/>
+            </a:pPr>
+            <a:r>
+              <a:rPr lang="it-IT" sz="2400" dirty="0" smtClean="0">
+                <a:solidFill>
+                  <a:schemeClr val="tx1"/>
+                </a:solidFill>
+                <a:latin typeface="Tahoma" panose="020B0604030504040204" pitchFamily="34" charset="0"/>
+                <a:ea typeface="Tahoma" panose="020B0604030504040204" pitchFamily="34" charset="0"/>
+                <a:cs typeface="Tahoma" panose="020B0604030504040204" pitchFamily="34" charset="0"/>
+              </a:rPr>
+              <a:t>Nel </a:t>
+            </a:r>
+            <a:r>
+              <a:rPr lang="it-IT" sz="2400" dirty="0">
+                <a:solidFill>
+                  <a:schemeClr val="tx1"/>
+                </a:solidFill>
+                <a:latin typeface="Tahoma" panose="020B0604030504040204" pitchFamily="34" charset="0"/>
+                <a:ea typeface="Tahoma" panose="020B0604030504040204" pitchFamily="34" charset="0"/>
+                <a:cs typeface="Tahoma" panose="020B0604030504040204" pitchFamily="34" charset="0"/>
+              </a:rPr>
+              <a:t>caso della </a:t>
+            </a:r>
+            <a:r>
+              <a:rPr lang="it-IT" sz="2400" b="1" dirty="0" err="1">
+                <a:solidFill>
+                  <a:schemeClr val="tx1"/>
+                </a:solidFill>
+                <a:latin typeface="Tahoma" panose="020B0604030504040204" pitchFamily="34" charset="0"/>
+                <a:ea typeface="Tahoma" panose="020B0604030504040204" pitchFamily="34" charset="0"/>
+                <a:cs typeface="Tahoma" panose="020B0604030504040204" pitchFamily="34" charset="0"/>
+              </a:rPr>
+              <a:t>blockchain</a:t>
+            </a:r>
+            <a:r>
+              <a:rPr lang="it-IT" sz="2400" dirty="0">
+                <a:solidFill>
+                  <a:schemeClr val="tx1"/>
+                </a:solidFill>
+                <a:latin typeface="Tahoma" panose="020B0604030504040204" pitchFamily="34" charset="0"/>
+                <a:ea typeface="Tahoma" panose="020B0604030504040204" pitchFamily="34" charset="0"/>
+                <a:cs typeface="Tahoma" panose="020B0604030504040204" pitchFamily="34" charset="0"/>
+              </a:rPr>
+              <a:t> non è richiesto che i </a:t>
+            </a:r>
+            <a:r>
+              <a:rPr lang="it-IT" sz="2400" b="1" dirty="0">
+                <a:solidFill>
+                  <a:schemeClr val="tx1"/>
+                </a:solidFill>
+                <a:latin typeface="Tahoma" panose="020B0604030504040204" pitchFamily="34" charset="0"/>
+                <a:ea typeface="Tahoma" panose="020B0604030504040204" pitchFamily="34" charset="0"/>
+                <a:cs typeface="Tahoma" panose="020B0604030504040204" pitchFamily="34" charset="0"/>
+              </a:rPr>
+              <a:t>nodi</a:t>
+            </a:r>
+            <a:r>
+              <a:rPr lang="it-IT" sz="2400" dirty="0">
+                <a:solidFill>
+                  <a:schemeClr val="tx1"/>
+                </a:solidFill>
+                <a:latin typeface="Tahoma" panose="020B0604030504040204" pitchFamily="34" charset="0"/>
+                <a:ea typeface="Tahoma" panose="020B0604030504040204" pitchFamily="34" charset="0"/>
+                <a:cs typeface="Tahoma" panose="020B0604030504040204" pitchFamily="34" charset="0"/>
+              </a:rPr>
+              <a:t> coinvolti conoscano l'identità </a:t>
+            </a:r>
+            <a:r>
+              <a:rPr lang="it-IT" sz="2400" b="1" dirty="0">
+                <a:solidFill>
+                  <a:schemeClr val="tx1"/>
+                </a:solidFill>
+                <a:latin typeface="Tahoma" panose="020B0604030504040204" pitchFamily="34" charset="0"/>
+                <a:ea typeface="Tahoma" panose="020B0604030504040204" pitchFamily="34" charset="0"/>
+                <a:cs typeface="Tahoma" panose="020B0604030504040204" pitchFamily="34" charset="0"/>
+              </a:rPr>
+              <a:t>reciproca</a:t>
+            </a:r>
+            <a:r>
+              <a:rPr lang="it-IT" sz="2400" dirty="0">
+                <a:solidFill>
+                  <a:schemeClr val="tx1"/>
+                </a:solidFill>
+                <a:latin typeface="Tahoma" panose="020B0604030504040204" pitchFamily="34" charset="0"/>
+                <a:ea typeface="Tahoma" panose="020B0604030504040204" pitchFamily="34" charset="0"/>
+                <a:cs typeface="Tahoma" panose="020B0604030504040204" pitchFamily="34" charset="0"/>
+              </a:rPr>
+              <a:t> o si fidino l'uno dell'altro perché, per garantire la </a:t>
+            </a:r>
+            <a:r>
+              <a:rPr lang="it-IT" sz="2400" b="1" dirty="0">
+                <a:solidFill>
+                  <a:schemeClr val="tx1"/>
+                </a:solidFill>
+                <a:latin typeface="Tahoma" panose="020B0604030504040204" pitchFamily="34" charset="0"/>
+                <a:ea typeface="Tahoma" panose="020B0604030504040204" pitchFamily="34" charset="0"/>
+                <a:cs typeface="Tahoma" panose="020B0604030504040204" pitchFamily="34" charset="0"/>
+              </a:rPr>
+              <a:t>coerenza</a:t>
+            </a:r>
+            <a:r>
+              <a:rPr lang="it-IT" sz="2400" dirty="0">
+                <a:solidFill>
+                  <a:schemeClr val="tx1"/>
+                </a:solidFill>
+                <a:latin typeface="Tahoma" panose="020B0604030504040204" pitchFamily="34" charset="0"/>
+                <a:ea typeface="Tahoma" panose="020B0604030504040204" pitchFamily="34" charset="0"/>
+                <a:cs typeface="Tahoma" panose="020B0604030504040204" pitchFamily="34" charset="0"/>
+              </a:rPr>
+              <a:t> tra le varie copie, l'aggiunta di un nuovo blocco è </a:t>
+            </a:r>
+            <a:r>
+              <a:rPr lang="it-IT" sz="2400" b="1" dirty="0">
+                <a:solidFill>
+                  <a:schemeClr val="tx1"/>
+                </a:solidFill>
+                <a:latin typeface="Tahoma" panose="020B0604030504040204" pitchFamily="34" charset="0"/>
+                <a:ea typeface="Tahoma" panose="020B0604030504040204" pitchFamily="34" charset="0"/>
+                <a:cs typeface="Tahoma" panose="020B0604030504040204" pitchFamily="34" charset="0"/>
+              </a:rPr>
+              <a:t>globalmente</a:t>
+            </a:r>
+            <a:r>
+              <a:rPr lang="it-IT" sz="2400" dirty="0">
+                <a:solidFill>
+                  <a:schemeClr val="tx1"/>
+                </a:solidFill>
+                <a:latin typeface="Tahoma" panose="020B0604030504040204" pitchFamily="34" charset="0"/>
+                <a:ea typeface="Tahoma" panose="020B0604030504040204" pitchFamily="34" charset="0"/>
+                <a:cs typeface="Tahoma" panose="020B0604030504040204" pitchFamily="34" charset="0"/>
+              </a:rPr>
+              <a:t> </a:t>
+            </a:r>
+            <a:r>
+              <a:rPr lang="it-IT" sz="2400" b="1" dirty="0">
+                <a:solidFill>
+                  <a:schemeClr val="tx1"/>
+                </a:solidFill>
+                <a:latin typeface="Tahoma" panose="020B0604030504040204" pitchFamily="34" charset="0"/>
+                <a:ea typeface="Tahoma" panose="020B0604030504040204" pitchFamily="34" charset="0"/>
+                <a:cs typeface="Tahoma" panose="020B0604030504040204" pitchFamily="34" charset="0"/>
+              </a:rPr>
+              <a:t>regolata</a:t>
+            </a:r>
+            <a:r>
+              <a:rPr lang="it-IT" sz="2400" dirty="0">
+                <a:solidFill>
+                  <a:schemeClr val="tx1"/>
+                </a:solidFill>
+                <a:latin typeface="Tahoma" panose="020B0604030504040204" pitchFamily="34" charset="0"/>
+                <a:ea typeface="Tahoma" panose="020B0604030504040204" pitchFamily="34" charset="0"/>
+                <a:cs typeface="Tahoma" panose="020B0604030504040204" pitchFamily="34" charset="0"/>
+              </a:rPr>
+              <a:t> da un </a:t>
+            </a:r>
+            <a:r>
+              <a:rPr lang="it-IT" sz="2400" b="1" dirty="0" smtClean="0">
+                <a:solidFill>
+                  <a:schemeClr val="tx1"/>
+                </a:solidFill>
+                <a:latin typeface="Tahoma" panose="020B0604030504040204" pitchFamily="34" charset="0"/>
+                <a:ea typeface="Tahoma" panose="020B0604030504040204" pitchFamily="34" charset="0"/>
+                <a:cs typeface="Tahoma" panose="020B0604030504040204" pitchFamily="34" charset="0"/>
+              </a:rPr>
+              <a:t>protocollo</a:t>
+            </a:r>
+            <a:r>
+              <a:rPr lang="it-IT" sz="2400" dirty="0" smtClean="0">
+                <a:solidFill>
+                  <a:schemeClr val="tx1"/>
+                </a:solidFill>
+                <a:latin typeface="Tahoma" panose="020B0604030504040204" pitchFamily="34" charset="0"/>
+                <a:ea typeface="Tahoma" panose="020B0604030504040204" pitchFamily="34" charset="0"/>
+                <a:cs typeface="Tahoma" panose="020B0604030504040204" pitchFamily="34" charset="0"/>
+              </a:rPr>
+              <a:t> </a:t>
+            </a:r>
+            <a:r>
+              <a:rPr lang="it-IT" sz="2400" dirty="0">
+                <a:solidFill>
+                  <a:schemeClr val="tx1"/>
+                </a:solidFill>
+                <a:latin typeface="Tahoma" panose="020B0604030504040204" pitchFamily="34" charset="0"/>
+                <a:ea typeface="Tahoma" panose="020B0604030504040204" pitchFamily="34" charset="0"/>
+                <a:cs typeface="Tahoma" panose="020B0604030504040204" pitchFamily="34" charset="0"/>
+              </a:rPr>
+              <a:t>condiviso. </a:t>
+            </a:r>
+            <a:endParaRPr lang="it-IT" sz="2400" dirty="0" smtClean="0">
+              <a:solidFill>
+                <a:schemeClr val="tx1"/>
+              </a:solidFill>
+              <a:latin typeface="Tahoma" panose="020B0604030504040204" pitchFamily="34" charset="0"/>
+              <a:ea typeface="Tahoma" panose="020B0604030504040204" pitchFamily="34" charset="0"/>
+              <a:cs typeface="Tahoma" panose="020B0604030504040204" pitchFamily="34" charset="0"/>
+            </a:endParaRPr>
+          </a:p>
+          <a:p>
+            <a:pPr marL="342900" indent="-342900">
+              <a:buFont typeface="Wingdings" panose="05000000000000000000" pitchFamily="2" charset="2"/>
+              <a:buChar char="ü"/>
+            </a:pPr>
+            <a:r>
+              <a:rPr lang="it-IT" sz="2400" dirty="0" smtClean="0">
+                <a:solidFill>
+                  <a:schemeClr val="tx1"/>
+                </a:solidFill>
+                <a:latin typeface="Tahoma" panose="020B0604030504040204" pitchFamily="34" charset="0"/>
+                <a:ea typeface="Tahoma" panose="020B0604030504040204" pitchFamily="34" charset="0"/>
+                <a:cs typeface="Tahoma" panose="020B0604030504040204" pitchFamily="34" charset="0"/>
+              </a:rPr>
+              <a:t>Una </a:t>
+            </a:r>
+            <a:r>
+              <a:rPr lang="it-IT" sz="2400" dirty="0">
+                <a:solidFill>
+                  <a:schemeClr val="tx1"/>
+                </a:solidFill>
+                <a:latin typeface="Tahoma" panose="020B0604030504040204" pitchFamily="34" charset="0"/>
+                <a:ea typeface="Tahoma" panose="020B0604030504040204" pitchFamily="34" charset="0"/>
+                <a:cs typeface="Tahoma" panose="020B0604030504040204" pitchFamily="34" charset="0"/>
+              </a:rPr>
+              <a:t>volta </a:t>
+            </a:r>
+            <a:r>
+              <a:rPr lang="it-IT" sz="2400" b="1" dirty="0">
+                <a:solidFill>
+                  <a:schemeClr val="tx1"/>
+                </a:solidFill>
+                <a:latin typeface="Tahoma" panose="020B0604030504040204" pitchFamily="34" charset="0"/>
+                <a:ea typeface="Tahoma" panose="020B0604030504040204" pitchFamily="34" charset="0"/>
+                <a:cs typeface="Tahoma" panose="020B0604030504040204" pitchFamily="34" charset="0"/>
+              </a:rPr>
+              <a:t>autorizzata</a:t>
+            </a:r>
+            <a:r>
+              <a:rPr lang="it-IT" sz="2400" dirty="0">
+                <a:solidFill>
+                  <a:schemeClr val="tx1"/>
+                </a:solidFill>
+                <a:latin typeface="Tahoma" panose="020B0604030504040204" pitchFamily="34" charset="0"/>
+                <a:ea typeface="Tahoma" panose="020B0604030504040204" pitchFamily="34" charset="0"/>
+                <a:cs typeface="Tahoma" panose="020B0604030504040204" pitchFamily="34" charset="0"/>
+              </a:rPr>
+              <a:t> l'aggiunta del </a:t>
+            </a:r>
+            <a:r>
+              <a:rPr lang="it-IT" sz="2400" b="1" dirty="0">
+                <a:solidFill>
+                  <a:schemeClr val="tx1"/>
+                </a:solidFill>
+                <a:latin typeface="Tahoma" panose="020B0604030504040204" pitchFamily="34" charset="0"/>
+                <a:ea typeface="Tahoma" panose="020B0604030504040204" pitchFamily="34" charset="0"/>
+                <a:cs typeface="Tahoma" panose="020B0604030504040204" pitchFamily="34" charset="0"/>
+              </a:rPr>
+              <a:t>nuovo</a:t>
+            </a:r>
+            <a:r>
+              <a:rPr lang="it-IT" sz="2400" dirty="0">
+                <a:solidFill>
+                  <a:schemeClr val="tx1"/>
+                </a:solidFill>
+                <a:latin typeface="Tahoma" panose="020B0604030504040204" pitchFamily="34" charset="0"/>
+                <a:ea typeface="Tahoma" panose="020B0604030504040204" pitchFamily="34" charset="0"/>
+                <a:cs typeface="Tahoma" panose="020B0604030504040204" pitchFamily="34" charset="0"/>
+              </a:rPr>
+              <a:t> </a:t>
+            </a:r>
+            <a:r>
+              <a:rPr lang="it-IT" sz="2400" b="1" dirty="0">
+                <a:solidFill>
+                  <a:schemeClr val="tx1"/>
+                </a:solidFill>
+                <a:latin typeface="Tahoma" panose="020B0604030504040204" pitchFamily="34" charset="0"/>
+                <a:ea typeface="Tahoma" panose="020B0604030504040204" pitchFamily="34" charset="0"/>
+                <a:cs typeface="Tahoma" panose="020B0604030504040204" pitchFamily="34" charset="0"/>
+              </a:rPr>
+              <a:t>blocco</a:t>
+            </a:r>
+            <a:r>
+              <a:rPr lang="it-IT" sz="2400" dirty="0">
+                <a:solidFill>
+                  <a:schemeClr val="tx1"/>
+                </a:solidFill>
+                <a:latin typeface="Tahoma" panose="020B0604030504040204" pitchFamily="34" charset="0"/>
+                <a:ea typeface="Tahoma" panose="020B0604030504040204" pitchFamily="34" charset="0"/>
+                <a:cs typeface="Tahoma" panose="020B0604030504040204" pitchFamily="34" charset="0"/>
+              </a:rPr>
+              <a:t>, ogni nodo aggiorna la propria </a:t>
+            </a:r>
+            <a:r>
+              <a:rPr lang="it-IT" sz="2400" b="1" dirty="0">
+                <a:solidFill>
+                  <a:schemeClr val="tx1"/>
+                </a:solidFill>
+                <a:latin typeface="Tahoma" panose="020B0604030504040204" pitchFamily="34" charset="0"/>
+                <a:ea typeface="Tahoma" panose="020B0604030504040204" pitchFamily="34" charset="0"/>
+                <a:cs typeface="Tahoma" panose="020B0604030504040204" pitchFamily="34" charset="0"/>
+              </a:rPr>
+              <a:t>copia</a:t>
+            </a:r>
+            <a:r>
+              <a:rPr lang="it-IT" sz="2400" dirty="0">
+                <a:solidFill>
+                  <a:schemeClr val="tx1"/>
+                </a:solidFill>
+                <a:latin typeface="Tahoma" panose="020B0604030504040204" pitchFamily="34" charset="0"/>
+                <a:ea typeface="Tahoma" panose="020B0604030504040204" pitchFamily="34" charset="0"/>
+                <a:cs typeface="Tahoma" panose="020B0604030504040204" pitchFamily="34" charset="0"/>
+              </a:rPr>
+              <a:t> </a:t>
+            </a:r>
+            <a:r>
+              <a:rPr lang="it-IT" sz="2400" b="1" dirty="0">
+                <a:solidFill>
+                  <a:schemeClr val="tx1"/>
+                </a:solidFill>
+                <a:latin typeface="Tahoma" panose="020B0604030504040204" pitchFamily="34" charset="0"/>
+                <a:ea typeface="Tahoma" panose="020B0604030504040204" pitchFamily="34" charset="0"/>
+                <a:cs typeface="Tahoma" panose="020B0604030504040204" pitchFamily="34" charset="0"/>
+              </a:rPr>
+              <a:t>privata</a:t>
+            </a:r>
+            <a:r>
+              <a:rPr lang="it-IT" sz="2400" dirty="0">
+                <a:solidFill>
+                  <a:schemeClr val="tx1"/>
+                </a:solidFill>
+                <a:latin typeface="Tahoma" panose="020B0604030504040204" pitchFamily="34" charset="0"/>
+                <a:ea typeface="Tahoma" panose="020B0604030504040204" pitchFamily="34" charset="0"/>
+                <a:cs typeface="Tahoma" panose="020B0604030504040204" pitchFamily="34" charset="0"/>
+              </a:rPr>
+              <a:t>. La natura stessa della </a:t>
+            </a:r>
+            <a:r>
+              <a:rPr lang="it-IT" sz="2400" b="1" dirty="0">
+                <a:solidFill>
+                  <a:schemeClr val="tx1"/>
+                </a:solidFill>
+                <a:latin typeface="Tahoma" panose="020B0604030504040204" pitchFamily="34" charset="0"/>
+                <a:ea typeface="Tahoma" panose="020B0604030504040204" pitchFamily="34" charset="0"/>
+                <a:cs typeface="Tahoma" panose="020B0604030504040204" pitchFamily="34" charset="0"/>
+              </a:rPr>
+              <a:t>struttura</a:t>
+            </a:r>
+            <a:r>
+              <a:rPr lang="it-IT" sz="2400" dirty="0">
+                <a:solidFill>
+                  <a:schemeClr val="tx1"/>
+                </a:solidFill>
+                <a:latin typeface="Tahoma" panose="020B0604030504040204" pitchFamily="34" charset="0"/>
+                <a:ea typeface="Tahoma" panose="020B0604030504040204" pitchFamily="34" charset="0"/>
+                <a:cs typeface="Tahoma" panose="020B0604030504040204" pitchFamily="34" charset="0"/>
+              </a:rPr>
+              <a:t> dati garantisce l'assenza di una sua </a:t>
+            </a:r>
+            <a:r>
+              <a:rPr lang="it-IT" sz="2400" b="1" dirty="0">
+                <a:solidFill>
+                  <a:schemeClr val="tx1"/>
+                </a:solidFill>
+                <a:latin typeface="Tahoma" panose="020B0604030504040204" pitchFamily="34" charset="0"/>
+                <a:ea typeface="Tahoma" panose="020B0604030504040204" pitchFamily="34" charset="0"/>
+                <a:cs typeface="Tahoma" panose="020B0604030504040204" pitchFamily="34" charset="0"/>
+              </a:rPr>
+              <a:t>manipolazione</a:t>
+            </a:r>
+            <a:r>
+              <a:rPr lang="it-IT" sz="2400" dirty="0">
+                <a:solidFill>
+                  <a:schemeClr val="tx1"/>
+                </a:solidFill>
+                <a:latin typeface="Tahoma" panose="020B0604030504040204" pitchFamily="34" charset="0"/>
+                <a:ea typeface="Tahoma" panose="020B0604030504040204" pitchFamily="34" charset="0"/>
+                <a:cs typeface="Tahoma" panose="020B0604030504040204" pitchFamily="34" charset="0"/>
+              </a:rPr>
+              <a:t> futura. </a:t>
+            </a:r>
+            <a:endParaRPr lang="it-IT" sz="2400" dirty="0" smtClean="0">
+              <a:solidFill>
+                <a:schemeClr val="tx1"/>
+              </a:solidFill>
+              <a:latin typeface="Tahoma" panose="020B0604030504040204" pitchFamily="34" charset="0"/>
+              <a:ea typeface="Tahoma" panose="020B0604030504040204" pitchFamily="34" charset="0"/>
+              <a:cs typeface="Tahoma" panose="020B0604030504040204" pitchFamily="34" charset="0"/>
+            </a:endParaRPr>
+          </a:p>
+          <a:p>
+            <a:pPr marL="342900" indent="-342900">
+              <a:buFont typeface="Wingdings" panose="05000000000000000000" pitchFamily="2" charset="2"/>
+              <a:buChar char="ü"/>
+            </a:pPr>
+            <a:r>
+              <a:rPr lang="it-IT" sz="2400" dirty="0">
+                <a:solidFill>
+                  <a:schemeClr val="tx1"/>
+                </a:solidFill>
+                <a:latin typeface="Tahoma" panose="020B0604030504040204" pitchFamily="34" charset="0"/>
+                <a:ea typeface="Tahoma" panose="020B0604030504040204" pitchFamily="34" charset="0"/>
+                <a:cs typeface="Tahoma" panose="020B0604030504040204" pitchFamily="34" charset="0"/>
+              </a:rPr>
+              <a:t>Le </a:t>
+            </a:r>
+            <a:r>
+              <a:rPr lang="it-IT" sz="2400" b="1" dirty="0">
+                <a:solidFill>
+                  <a:schemeClr val="tx1"/>
+                </a:solidFill>
+                <a:latin typeface="Tahoma" panose="020B0604030504040204" pitchFamily="34" charset="0"/>
+                <a:ea typeface="Tahoma" panose="020B0604030504040204" pitchFamily="34" charset="0"/>
+                <a:cs typeface="Tahoma" panose="020B0604030504040204" pitchFamily="34" charset="0"/>
+              </a:rPr>
+              <a:t>caratteristiche</a:t>
+            </a:r>
+            <a:r>
+              <a:rPr lang="it-IT" sz="2400" dirty="0">
+                <a:solidFill>
+                  <a:schemeClr val="tx1"/>
+                </a:solidFill>
+                <a:latin typeface="Tahoma" panose="020B0604030504040204" pitchFamily="34" charset="0"/>
+                <a:ea typeface="Tahoma" panose="020B0604030504040204" pitchFamily="34" charset="0"/>
+                <a:cs typeface="Tahoma" panose="020B0604030504040204" pitchFamily="34" charset="0"/>
+              </a:rPr>
+              <a:t> che accomunano i sistemi sviluppati con le tecnologie della </a:t>
+            </a:r>
+            <a:r>
+              <a:rPr lang="it-IT" sz="2400" dirty="0" err="1">
+                <a:solidFill>
+                  <a:schemeClr val="tx1"/>
+                </a:solidFill>
+                <a:latin typeface="Tahoma" panose="020B0604030504040204" pitchFamily="34" charset="0"/>
+                <a:ea typeface="Tahoma" panose="020B0604030504040204" pitchFamily="34" charset="0"/>
+                <a:cs typeface="Tahoma" panose="020B0604030504040204" pitchFamily="34" charset="0"/>
+              </a:rPr>
+              <a:t>blockchain</a:t>
+            </a:r>
+            <a:r>
+              <a:rPr lang="it-IT" sz="2400" dirty="0">
+                <a:solidFill>
+                  <a:schemeClr val="tx1"/>
+                </a:solidFill>
+                <a:latin typeface="Tahoma" panose="020B0604030504040204" pitchFamily="34" charset="0"/>
+                <a:ea typeface="Tahoma" panose="020B0604030504040204" pitchFamily="34" charset="0"/>
+                <a:cs typeface="Tahoma" panose="020B0604030504040204" pitchFamily="34" charset="0"/>
+              </a:rPr>
+              <a:t> e dei registri distribuiti sono: </a:t>
+            </a:r>
+            <a:r>
+              <a:rPr lang="it-IT" sz="2400" b="1" dirty="0">
+                <a:solidFill>
+                  <a:schemeClr val="tx1"/>
+                </a:solidFill>
+                <a:latin typeface="Tahoma" panose="020B0604030504040204" pitchFamily="34" charset="0"/>
+                <a:ea typeface="Tahoma" panose="020B0604030504040204" pitchFamily="34" charset="0"/>
+                <a:cs typeface="Tahoma" panose="020B0604030504040204" pitchFamily="34" charset="0"/>
+              </a:rPr>
+              <a:t>digitalizzazione</a:t>
+            </a:r>
+            <a:r>
+              <a:rPr lang="it-IT" sz="2400" dirty="0">
+                <a:solidFill>
+                  <a:schemeClr val="tx1"/>
+                </a:solidFill>
+                <a:latin typeface="Tahoma" panose="020B0604030504040204" pitchFamily="34" charset="0"/>
+                <a:ea typeface="Tahoma" panose="020B0604030504040204" pitchFamily="34" charset="0"/>
+                <a:cs typeface="Tahoma" panose="020B0604030504040204" pitchFamily="34" charset="0"/>
+              </a:rPr>
+              <a:t> dei dati, </a:t>
+            </a:r>
+            <a:r>
+              <a:rPr lang="it-IT" sz="2400" b="1" dirty="0">
+                <a:solidFill>
+                  <a:schemeClr val="tx1"/>
+                </a:solidFill>
+                <a:latin typeface="Tahoma" panose="020B0604030504040204" pitchFamily="34" charset="0"/>
+                <a:ea typeface="Tahoma" panose="020B0604030504040204" pitchFamily="34" charset="0"/>
+                <a:cs typeface="Tahoma" panose="020B0604030504040204" pitchFamily="34" charset="0"/>
+              </a:rPr>
+              <a:t>decentralizzazione</a:t>
+            </a:r>
+            <a:r>
+              <a:rPr lang="it-IT" sz="2400" dirty="0">
+                <a:solidFill>
+                  <a:schemeClr val="tx1"/>
+                </a:solidFill>
+                <a:latin typeface="Tahoma" panose="020B0604030504040204" pitchFamily="34" charset="0"/>
+                <a:ea typeface="Tahoma" panose="020B0604030504040204" pitchFamily="34" charset="0"/>
+                <a:cs typeface="Tahoma" panose="020B0604030504040204" pitchFamily="34" charset="0"/>
+              </a:rPr>
+              <a:t>, </a:t>
+            </a:r>
+            <a:r>
+              <a:rPr lang="it-IT" sz="2400" b="1" dirty="0">
+                <a:solidFill>
+                  <a:schemeClr val="tx1"/>
+                </a:solidFill>
+                <a:latin typeface="Tahoma" panose="020B0604030504040204" pitchFamily="34" charset="0"/>
+                <a:ea typeface="Tahoma" panose="020B0604030504040204" pitchFamily="34" charset="0"/>
+                <a:cs typeface="Tahoma" panose="020B0604030504040204" pitchFamily="34" charset="0"/>
+              </a:rPr>
+              <a:t>disintermediazione</a:t>
+            </a:r>
+            <a:r>
+              <a:rPr lang="it-IT" sz="2400" dirty="0">
+                <a:solidFill>
+                  <a:schemeClr val="tx1"/>
+                </a:solidFill>
+                <a:latin typeface="Tahoma" panose="020B0604030504040204" pitchFamily="34" charset="0"/>
+                <a:ea typeface="Tahoma" panose="020B0604030504040204" pitchFamily="34" charset="0"/>
+                <a:cs typeface="Tahoma" panose="020B0604030504040204" pitchFamily="34" charset="0"/>
+              </a:rPr>
+              <a:t>, </a:t>
+            </a:r>
+            <a:r>
+              <a:rPr lang="it-IT" sz="2400" b="1" dirty="0">
+                <a:solidFill>
+                  <a:schemeClr val="tx1"/>
+                </a:solidFill>
+                <a:latin typeface="Tahoma" panose="020B0604030504040204" pitchFamily="34" charset="0"/>
+                <a:ea typeface="Tahoma" panose="020B0604030504040204" pitchFamily="34" charset="0"/>
+                <a:cs typeface="Tahoma" panose="020B0604030504040204" pitchFamily="34" charset="0"/>
+              </a:rPr>
+              <a:t>tracciabilità</a:t>
+            </a:r>
+            <a:r>
+              <a:rPr lang="it-IT" sz="2400" dirty="0">
+                <a:solidFill>
+                  <a:schemeClr val="tx1"/>
+                </a:solidFill>
+                <a:latin typeface="Tahoma" panose="020B0604030504040204" pitchFamily="34" charset="0"/>
+                <a:ea typeface="Tahoma" panose="020B0604030504040204" pitchFamily="34" charset="0"/>
+                <a:cs typeface="Tahoma" panose="020B0604030504040204" pitchFamily="34" charset="0"/>
+              </a:rPr>
+              <a:t> dei trasferimenti, </a:t>
+            </a:r>
+            <a:r>
+              <a:rPr lang="it-IT" sz="2400" b="1" dirty="0">
+                <a:solidFill>
+                  <a:schemeClr val="tx1"/>
+                </a:solidFill>
+                <a:latin typeface="Tahoma" panose="020B0604030504040204" pitchFamily="34" charset="0"/>
+                <a:ea typeface="Tahoma" panose="020B0604030504040204" pitchFamily="34" charset="0"/>
+                <a:cs typeface="Tahoma" panose="020B0604030504040204" pitchFamily="34" charset="0"/>
+              </a:rPr>
+              <a:t>trasparenza/verificabilità</a:t>
+            </a:r>
+            <a:r>
+              <a:rPr lang="it-IT" sz="2400" dirty="0">
+                <a:solidFill>
+                  <a:schemeClr val="tx1"/>
+                </a:solidFill>
+                <a:latin typeface="Tahoma" panose="020B0604030504040204" pitchFamily="34" charset="0"/>
+                <a:ea typeface="Tahoma" panose="020B0604030504040204" pitchFamily="34" charset="0"/>
+                <a:cs typeface="Tahoma" panose="020B0604030504040204" pitchFamily="34" charset="0"/>
+              </a:rPr>
+              <a:t>, </a:t>
+            </a:r>
+            <a:r>
+              <a:rPr lang="it-IT" sz="2400" b="1" dirty="0">
+                <a:solidFill>
+                  <a:schemeClr val="tx1"/>
+                </a:solidFill>
+                <a:latin typeface="Tahoma" panose="020B0604030504040204" pitchFamily="34" charset="0"/>
+                <a:ea typeface="Tahoma" panose="020B0604030504040204" pitchFamily="34" charset="0"/>
+                <a:cs typeface="Tahoma" panose="020B0604030504040204" pitchFamily="34" charset="0"/>
+              </a:rPr>
+              <a:t>immutabilità</a:t>
+            </a:r>
+            <a:r>
+              <a:rPr lang="it-IT" sz="2400" dirty="0">
+                <a:solidFill>
+                  <a:schemeClr val="tx1"/>
+                </a:solidFill>
+                <a:latin typeface="Tahoma" panose="020B0604030504040204" pitchFamily="34" charset="0"/>
+                <a:ea typeface="Tahoma" panose="020B0604030504040204" pitchFamily="34" charset="0"/>
+                <a:cs typeface="Tahoma" panose="020B0604030504040204" pitchFamily="34" charset="0"/>
+              </a:rPr>
+              <a:t> del registro e </a:t>
+            </a:r>
+            <a:r>
+              <a:rPr lang="it-IT" sz="2400" b="1" dirty="0">
+                <a:solidFill>
+                  <a:schemeClr val="tx1"/>
+                </a:solidFill>
+                <a:latin typeface="Tahoma" panose="020B0604030504040204" pitchFamily="34" charset="0"/>
+                <a:ea typeface="Tahoma" panose="020B0604030504040204" pitchFamily="34" charset="0"/>
+                <a:cs typeface="Tahoma" panose="020B0604030504040204" pitchFamily="34" charset="0"/>
+              </a:rPr>
+              <a:t>programmabilità</a:t>
+            </a:r>
+            <a:r>
+              <a:rPr lang="it-IT" sz="2400" dirty="0">
+                <a:solidFill>
+                  <a:schemeClr val="tx1"/>
+                </a:solidFill>
+                <a:latin typeface="Tahoma" panose="020B0604030504040204" pitchFamily="34" charset="0"/>
+                <a:ea typeface="Tahoma" panose="020B0604030504040204" pitchFamily="34" charset="0"/>
+                <a:cs typeface="Tahoma" panose="020B0604030504040204" pitchFamily="34" charset="0"/>
+              </a:rPr>
+              <a:t> dei </a:t>
+            </a:r>
+            <a:r>
+              <a:rPr lang="it-IT" sz="2400" dirty="0" smtClean="0">
+                <a:solidFill>
+                  <a:schemeClr val="tx1"/>
+                </a:solidFill>
+                <a:latin typeface="Tahoma" panose="020B0604030504040204" pitchFamily="34" charset="0"/>
+                <a:ea typeface="Tahoma" panose="020B0604030504040204" pitchFamily="34" charset="0"/>
+                <a:cs typeface="Tahoma" panose="020B0604030504040204" pitchFamily="34" charset="0"/>
+              </a:rPr>
+              <a:t>trasferimenti.</a:t>
+            </a:r>
+            <a:endParaRPr lang="it-IT" sz="2400" dirty="0">
+              <a:solidFill>
+                <a:schemeClr val="tx1"/>
+              </a:solidFill>
+              <a:latin typeface="Tahoma" panose="020B0604030504040204" pitchFamily="34" charset="0"/>
+              <a:ea typeface="Tahoma" panose="020B0604030504040204" pitchFamily="34" charset="0"/>
+              <a:cs typeface="Tahoma" panose="020B0604030504040204" pitchFamily="34" charset="0"/>
+            </a:endParaRPr>
+          </a:p>
+        </p:txBody>
+      </p:sp>
+      <p:sp>
+        <p:nvSpPr>
+          <p:cNvPr id="7" name="Segnaposto numero diapositiva 6">
+            <a:extLst>
+              <a:ext uri="{FF2B5EF4-FFF2-40B4-BE49-F238E27FC236}">
+                <a16:creationId xmlns:a16="http://schemas.microsoft.com/office/drawing/2014/main" id="{AB740BE9-E218-4144-BFDE-AE473D230A3D}"/>
+              </a:ext>
+            </a:extLst>
+          </p:cNvPr>
+          <p:cNvSpPr>
+            <a:spLocks noGrp="1"/>
+          </p:cNvSpPr>
+          <p:nvPr>
+            <p:ph type="sldNum" sz="quarter" idx="12"/>
+          </p:nvPr>
+        </p:nvSpPr>
+        <p:spPr/>
+        <p:txBody>
+          <a:bodyPr/>
+          <a:lstStyle/>
+          <a:p>
+            <a:pPr>
+              <a:defRPr/>
+            </a:pPr>
+            <a:fld id="{48B4153A-D4C5-4CEF-8992-0D8815C829E3}" type="slidenum">
+              <a:rPr lang="en-US" smtClean="0"/>
+              <a:pPr>
+                <a:defRPr/>
+              </a:pPr>
+              <a:t>22</a:t>
+            </a:fld>
+            <a:endParaRPr lang="en-US" dirty="0"/>
+          </a:p>
+        </p:txBody>
+      </p:sp>
+      <p:sp>
+        <p:nvSpPr>
+          <p:cNvPr id="6" name="Titolo 4">
+            <a:extLst>
+              <a:ext uri="{FF2B5EF4-FFF2-40B4-BE49-F238E27FC236}">
+                <a16:creationId xmlns:a16="http://schemas.microsoft.com/office/drawing/2014/main" id="{CF9A4806-60B4-80DC-1F76-D2EB3E6C376B}"/>
+              </a:ext>
+            </a:extLst>
+          </p:cNvPr>
+          <p:cNvSpPr>
+            <a:spLocks noGrp="1"/>
+          </p:cNvSpPr>
+          <p:nvPr>
+            <p:ph type="title"/>
+          </p:nvPr>
+        </p:nvSpPr>
+        <p:spPr>
+          <a:xfrm>
+            <a:off x="468313" y="286788"/>
+            <a:ext cx="11269662" cy="769441"/>
+          </a:xfrm>
+        </p:spPr>
+        <p:txBody>
+          <a:bodyPr/>
+          <a:lstStyle/>
+          <a:p>
+            <a:r>
+              <a:rPr lang="it-IT" dirty="0">
+                <a:solidFill>
+                  <a:schemeClr val="tx1"/>
+                </a:solidFill>
+              </a:rPr>
+              <a:t>Architetture di </a:t>
+            </a:r>
+            <a:r>
+              <a:rPr lang="it-IT" dirty="0" err="1" smtClean="0">
+                <a:solidFill>
+                  <a:schemeClr val="tx1"/>
+                </a:solidFill>
+              </a:rPr>
+              <a:t>Blockchain</a:t>
+            </a:r>
+            <a:r>
+              <a:rPr lang="it-IT" dirty="0" smtClean="0">
+                <a:solidFill>
+                  <a:schemeClr val="tx1"/>
+                </a:solidFill>
+              </a:rPr>
+              <a:t> più nel dettaglio</a:t>
+            </a:r>
+            <a:r>
+              <a:rPr lang="it-IT" dirty="0">
+                <a:solidFill>
+                  <a:schemeClr val="tx1"/>
+                </a:solidFill>
+              </a:rPr>
+              <a:t/>
+            </a:r>
+            <a:br>
+              <a:rPr lang="it-IT" dirty="0">
+                <a:solidFill>
+                  <a:schemeClr val="tx1"/>
+                </a:solidFill>
+              </a:rPr>
+            </a:br>
+            <a:endParaRPr lang="it-IT" dirty="0">
+              <a:solidFill>
+                <a:schemeClr val="tx1"/>
+              </a:solidFill>
+            </a:endParaRPr>
+          </a:p>
+        </p:txBody>
+      </p:sp>
+    </p:spTree>
+    <p:extLst>
+      <p:ext uri="{BB962C8B-B14F-4D97-AF65-F5344CB8AC3E}">
+        <p14:creationId xmlns:p14="http://schemas.microsoft.com/office/powerpoint/2010/main" val="1174492838"/>
+      </p:ext>
+    </p:extLst>
+  </p:cSld>
+  <p:clrMapOvr>
+    <a:masterClrMapping/>
+  </p:clrMapOvr>
+</p:sld>
+</file>
+
+<file path=ppt/slides/slide23.xml><?xml version="1.0" encoding="utf-8"?>
+<p:sld xmlns:a="http://schemas.openxmlformats.org/drawingml/2006/main" xmlns:r="http://schemas.openxmlformats.org/officeDocument/2006/relationships" xmlns:p="http://schemas.openxmlformats.org/presentationml/2006/main">
+  <p:cSld>
+    <p:spTree>
+      <p:nvGrpSpPr>
+        <p:cNvPr id="1" name=""/>
+        <p:cNvGrpSpPr/>
+        <p:nvPr/>
+      </p:nvGrpSpPr>
+      <p:grpSpPr>
+        <a:xfrm>
+          <a:off x="0" y="0"/>
+          <a:ext cx="0" cy="0"/>
+          <a:chOff x="0" y="0"/>
+          <a:chExt cx="0" cy="0"/>
+        </a:xfrm>
+      </p:grpSpPr>
+      <p:sp>
+        <p:nvSpPr>
+          <p:cNvPr id="2" name="Segnaposto testo 1">
+            <a:extLst>
+              <a:ext uri="{FF2B5EF4-FFF2-40B4-BE49-F238E27FC236}">
+                <a16:creationId xmlns:a16="http://schemas.microsoft.com/office/drawing/2014/main" id="{E5AE986C-196F-4141-A898-FA4C4198CDCC}"/>
+              </a:ext>
+            </a:extLst>
+          </p:cNvPr>
+          <p:cNvSpPr>
+            <a:spLocks noGrp="1"/>
+          </p:cNvSpPr>
+          <p:nvPr>
+            <p:ph type="body" idx="1"/>
+          </p:nvPr>
+        </p:nvSpPr>
+        <p:spPr>
+          <a:xfrm>
+            <a:off x="323469" y="1382937"/>
+            <a:ext cx="11711216" cy="4392612"/>
+          </a:xfrm>
+        </p:spPr>
+        <p:txBody>
+          <a:bodyPr/>
+          <a:lstStyle/>
+          <a:p>
+            <a:pPr marL="342900" indent="-342900">
+              <a:buFont typeface="Wingdings" panose="05000000000000000000" pitchFamily="2" charset="2"/>
+              <a:buChar char="ü"/>
+            </a:pPr>
+            <a:r>
+              <a:rPr lang="it-IT" sz="2400" dirty="0" smtClean="0">
+                <a:solidFill>
+                  <a:schemeClr val="tx1"/>
+                </a:solidFill>
+                <a:latin typeface="Tahoma" panose="020B0604030504040204" pitchFamily="34" charset="0"/>
+                <a:ea typeface="Tahoma" panose="020B0604030504040204" pitchFamily="34" charset="0"/>
+                <a:cs typeface="Tahoma" panose="020B0604030504040204" pitchFamily="34" charset="0"/>
+              </a:rPr>
+              <a:t>Grazie </a:t>
+            </a:r>
+            <a:r>
+              <a:rPr lang="it-IT" sz="2400" dirty="0">
+                <a:solidFill>
+                  <a:schemeClr val="tx1"/>
+                </a:solidFill>
+                <a:latin typeface="Tahoma" panose="020B0604030504040204" pitchFamily="34" charset="0"/>
+                <a:ea typeface="Tahoma" panose="020B0604030504040204" pitchFamily="34" charset="0"/>
+                <a:cs typeface="Tahoma" panose="020B0604030504040204" pitchFamily="34" charset="0"/>
+              </a:rPr>
+              <a:t>a tali </a:t>
+            </a:r>
+            <a:r>
+              <a:rPr lang="it-IT" sz="2400" b="1" dirty="0">
+                <a:solidFill>
+                  <a:schemeClr val="tx1"/>
+                </a:solidFill>
+                <a:latin typeface="Tahoma" panose="020B0604030504040204" pitchFamily="34" charset="0"/>
+                <a:ea typeface="Tahoma" panose="020B0604030504040204" pitchFamily="34" charset="0"/>
+                <a:cs typeface="Tahoma" panose="020B0604030504040204" pitchFamily="34" charset="0"/>
+              </a:rPr>
+              <a:t>caratteristiche</a:t>
+            </a:r>
+            <a:r>
+              <a:rPr lang="it-IT" sz="2400" dirty="0">
+                <a:solidFill>
+                  <a:schemeClr val="tx1"/>
+                </a:solidFill>
+                <a:latin typeface="Tahoma" panose="020B0604030504040204" pitchFamily="34" charset="0"/>
+                <a:ea typeface="Tahoma" panose="020B0604030504040204" pitchFamily="34" charset="0"/>
+                <a:cs typeface="Tahoma" panose="020B0604030504040204" pitchFamily="34" charset="0"/>
+              </a:rPr>
+              <a:t>, la </a:t>
+            </a:r>
+            <a:r>
+              <a:rPr lang="it-IT" sz="2400" b="1" dirty="0" err="1">
+                <a:solidFill>
+                  <a:schemeClr val="tx1"/>
+                </a:solidFill>
+                <a:latin typeface="Tahoma" panose="020B0604030504040204" pitchFamily="34" charset="0"/>
+                <a:ea typeface="Tahoma" panose="020B0604030504040204" pitchFamily="34" charset="0"/>
+                <a:cs typeface="Tahoma" panose="020B0604030504040204" pitchFamily="34" charset="0"/>
+              </a:rPr>
+              <a:t>blockchain</a:t>
+            </a:r>
+            <a:r>
+              <a:rPr lang="it-IT" sz="2400" dirty="0">
+                <a:solidFill>
+                  <a:schemeClr val="tx1"/>
+                </a:solidFill>
+                <a:latin typeface="Tahoma" panose="020B0604030504040204" pitchFamily="34" charset="0"/>
+                <a:ea typeface="Tahoma" panose="020B0604030504040204" pitchFamily="34" charset="0"/>
+                <a:cs typeface="Tahoma" panose="020B0604030504040204" pitchFamily="34" charset="0"/>
+              </a:rPr>
+              <a:t> è considerata pertanto un'alternativa in termini di </a:t>
+            </a:r>
+            <a:r>
+              <a:rPr lang="it-IT" sz="2400" b="1" dirty="0">
+                <a:solidFill>
+                  <a:schemeClr val="tx1"/>
+                </a:solidFill>
+                <a:latin typeface="Tahoma" panose="020B0604030504040204" pitchFamily="34" charset="0"/>
+                <a:ea typeface="Tahoma" panose="020B0604030504040204" pitchFamily="34" charset="0"/>
+                <a:cs typeface="Tahoma" panose="020B0604030504040204" pitchFamily="34" charset="0"/>
+              </a:rPr>
+              <a:t>sicurezza</a:t>
+            </a:r>
+            <a:r>
+              <a:rPr lang="it-IT" sz="2400" dirty="0">
+                <a:solidFill>
+                  <a:schemeClr val="tx1"/>
+                </a:solidFill>
+                <a:latin typeface="Tahoma" panose="020B0604030504040204" pitchFamily="34" charset="0"/>
+                <a:ea typeface="Tahoma" panose="020B0604030504040204" pitchFamily="34" charset="0"/>
+                <a:cs typeface="Tahoma" panose="020B0604030504040204" pitchFamily="34" charset="0"/>
+              </a:rPr>
+              <a:t>, </a:t>
+            </a:r>
+            <a:r>
+              <a:rPr lang="it-IT" sz="2400" b="1" dirty="0">
+                <a:solidFill>
+                  <a:schemeClr val="tx1"/>
+                </a:solidFill>
+                <a:latin typeface="Tahoma" panose="020B0604030504040204" pitchFamily="34" charset="0"/>
+                <a:ea typeface="Tahoma" panose="020B0604030504040204" pitchFamily="34" charset="0"/>
+                <a:cs typeface="Tahoma" panose="020B0604030504040204" pitchFamily="34" charset="0"/>
+              </a:rPr>
+              <a:t>affidabilità</a:t>
+            </a:r>
+            <a:r>
+              <a:rPr lang="it-IT" sz="2400" dirty="0">
+                <a:solidFill>
+                  <a:schemeClr val="tx1"/>
+                </a:solidFill>
+                <a:latin typeface="Tahoma" panose="020B0604030504040204" pitchFamily="34" charset="0"/>
+                <a:ea typeface="Tahoma" panose="020B0604030504040204" pitchFamily="34" charset="0"/>
+                <a:cs typeface="Tahoma" panose="020B0604030504040204" pitchFamily="34" charset="0"/>
+              </a:rPr>
+              <a:t>, </a:t>
+            </a:r>
+            <a:r>
+              <a:rPr lang="it-IT" sz="2400" b="1" dirty="0">
+                <a:solidFill>
+                  <a:schemeClr val="tx1"/>
+                </a:solidFill>
+                <a:latin typeface="Tahoma" panose="020B0604030504040204" pitchFamily="34" charset="0"/>
+                <a:ea typeface="Tahoma" panose="020B0604030504040204" pitchFamily="34" charset="0"/>
+                <a:cs typeface="Tahoma" panose="020B0604030504040204" pitchFamily="34" charset="0"/>
+              </a:rPr>
+              <a:t>trasparenza</a:t>
+            </a:r>
+            <a:r>
+              <a:rPr lang="it-IT" sz="2400" dirty="0">
+                <a:solidFill>
+                  <a:schemeClr val="tx1"/>
+                </a:solidFill>
+                <a:latin typeface="Tahoma" panose="020B0604030504040204" pitchFamily="34" charset="0"/>
+                <a:ea typeface="Tahoma" panose="020B0604030504040204" pitchFamily="34" charset="0"/>
+                <a:cs typeface="Tahoma" panose="020B0604030504040204" pitchFamily="34" charset="0"/>
+              </a:rPr>
+              <a:t> e </a:t>
+            </a:r>
+            <a:r>
+              <a:rPr lang="it-IT" sz="2400" b="1" dirty="0">
+                <a:solidFill>
+                  <a:schemeClr val="tx1"/>
+                </a:solidFill>
+                <a:latin typeface="Tahoma" panose="020B0604030504040204" pitchFamily="34" charset="0"/>
+                <a:ea typeface="Tahoma" panose="020B0604030504040204" pitchFamily="34" charset="0"/>
+                <a:cs typeface="Tahoma" panose="020B0604030504040204" pitchFamily="34" charset="0"/>
+              </a:rPr>
+              <a:t>costi</a:t>
+            </a:r>
+            <a:r>
+              <a:rPr lang="it-IT" sz="2400" dirty="0">
+                <a:solidFill>
+                  <a:schemeClr val="tx1"/>
+                </a:solidFill>
+                <a:latin typeface="Tahoma" panose="020B0604030504040204" pitchFamily="34" charset="0"/>
+                <a:ea typeface="Tahoma" panose="020B0604030504040204" pitchFamily="34" charset="0"/>
+                <a:cs typeface="Tahoma" panose="020B0604030504040204" pitchFamily="34" charset="0"/>
+              </a:rPr>
+              <a:t> alle </a:t>
+            </a:r>
+            <a:r>
+              <a:rPr lang="it-IT" sz="2400" b="1" dirty="0">
+                <a:solidFill>
+                  <a:schemeClr val="tx1"/>
+                </a:solidFill>
+                <a:latin typeface="Tahoma" panose="020B0604030504040204" pitchFamily="34" charset="0"/>
+                <a:ea typeface="Tahoma" panose="020B0604030504040204" pitchFamily="34" charset="0"/>
+                <a:cs typeface="Tahoma" panose="020B0604030504040204" pitchFamily="34" charset="0"/>
+              </a:rPr>
+              <a:t>banche</a:t>
+            </a:r>
+            <a:r>
+              <a:rPr lang="it-IT" sz="2400" dirty="0">
+                <a:solidFill>
+                  <a:schemeClr val="tx1"/>
+                </a:solidFill>
+                <a:latin typeface="Tahoma" panose="020B0604030504040204" pitchFamily="34" charset="0"/>
+                <a:ea typeface="Tahoma" panose="020B0604030504040204" pitchFamily="34" charset="0"/>
+                <a:cs typeface="Tahoma" panose="020B0604030504040204" pitchFamily="34" charset="0"/>
+              </a:rPr>
+              <a:t> </a:t>
+            </a:r>
+            <a:r>
+              <a:rPr lang="it-IT" sz="2400" b="1" dirty="0">
+                <a:solidFill>
+                  <a:schemeClr val="tx1"/>
+                </a:solidFill>
+                <a:latin typeface="Tahoma" panose="020B0604030504040204" pitchFamily="34" charset="0"/>
+                <a:ea typeface="Tahoma" panose="020B0604030504040204" pitchFamily="34" charset="0"/>
+                <a:cs typeface="Tahoma" panose="020B0604030504040204" pitchFamily="34" charset="0"/>
+              </a:rPr>
+              <a:t>dati</a:t>
+            </a:r>
+            <a:r>
+              <a:rPr lang="it-IT" sz="2400" dirty="0">
+                <a:solidFill>
+                  <a:schemeClr val="tx1"/>
+                </a:solidFill>
+                <a:latin typeface="Tahoma" panose="020B0604030504040204" pitchFamily="34" charset="0"/>
+                <a:ea typeface="Tahoma" panose="020B0604030504040204" pitchFamily="34" charset="0"/>
+                <a:cs typeface="Tahoma" panose="020B0604030504040204" pitchFamily="34" charset="0"/>
+              </a:rPr>
+              <a:t> e ai registri gestiti in maniera </a:t>
+            </a:r>
+            <a:r>
+              <a:rPr lang="it-IT" sz="2400" b="1" dirty="0">
+                <a:solidFill>
+                  <a:schemeClr val="tx1"/>
+                </a:solidFill>
+                <a:latin typeface="Tahoma" panose="020B0604030504040204" pitchFamily="34" charset="0"/>
+                <a:ea typeface="Tahoma" panose="020B0604030504040204" pitchFamily="34" charset="0"/>
+                <a:cs typeface="Tahoma" panose="020B0604030504040204" pitchFamily="34" charset="0"/>
+              </a:rPr>
+              <a:t>centralizzata</a:t>
+            </a:r>
+            <a:r>
+              <a:rPr lang="it-IT" sz="2400" dirty="0">
+                <a:solidFill>
+                  <a:schemeClr val="tx1"/>
+                </a:solidFill>
+                <a:latin typeface="Tahoma" panose="020B0604030504040204" pitchFamily="34" charset="0"/>
+                <a:ea typeface="Tahoma" panose="020B0604030504040204" pitchFamily="34" charset="0"/>
+                <a:cs typeface="Tahoma" panose="020B0604030504040204" pitchFamily="34" charset="0"/>
+              </a:rPr>
+              <a:t> da autorità riconosciute e </a:t>
+            </a:r>
+            <a:r>
+              <a:rPr lang="it-IT" sz="2400" b="1" dirty="0">
+                <a:solidFill>
+                  <a:schemeClr val="tx1"/>
+                </a:solidFill>
+                <a:latin typeface="Tahoma" panose="020B0604030504040204" pitchFamily="34" charset="0"/>
+                <a:ea typeface="Tahoma" panose="020B0604030504040204" pitchFamily="34" charset="0"/>
+                <a:cs typeface="Tahoma" panose="020B0604030504040204" pitchFamily="34" charset="0"/>
+              </a:rPr>
+              <a:t>regolamentate</a:t>
+            </a:r>
+            <a:r>
+              <a:rPr lang="it-IT" sz="2400" dirty="0">
+                <a:solidFill>
+                  <a:schemeClr val="tx1"/>
+                </a:solidFill>
+                <a:latin typeface="Tahoma" panose="020B0604030504040204" pitchFamily="34" charset="0"/>
+                <a:ea typeface="Tahoma" panose="020B0604030504040204" pitchFamily="34" charset="0"/>
+                <a:cs typeface="Tahoma" panose="020B0604030504040204" pitchFamily="34" charset="0"/>
+              </a:rPr>
+              <a:t> (</a:t>
+            </a:r>
+            <a:r>
+              <a:rPr lang="it-IT" sz="2400" b="1" dirty="0">
+                <a:solidFill>
+                  <a:schemeClr val="tx1"/>
+                </a:solidFill>
+                <a:latin typeface="Tahoma" panose="020B0604030504040204" pitchFamily="34" charset="0"/>
+                <a:ea typeface="Tahoma" panose="020B0604030504040204" pitchFamily="34" charset="0"/>
+                <a:cs typeface="Tahoma" panose="020B0604030504040204" pitchFamily="34" charset="0"/>
+              </a:rPr>
+              <a:t>pubbliche</a:t>
+            </a:r>
+            <a:r>
+              <a:rPr lang="it-IT" sz="2400" dirty="0">
+                <a:solidFill>
+                  <a:schemeClr val="tx1"/>
+                </a:solidFill>
+                <a:latin typeface="Tahoma" panose="020B0604030504040204" pitchFamily="34" charset="0"/>
+                <a:ea typeface="Tahoma" panose="020B0604030504040204" pitchFamily="34" charset="0"/>
+                <a:cs typeface="Tahoma" panose="020B0604030504040204" pitchFamily="34" charset="0"/>
+              </a:rPr>
+              <a:t> </a:t>
+            </a:r>
+            <a:r>
+              <a:rPr lang="it-IT" sz="2400" b="1" dirty="0">
+                <a:solidFill>
+                  <a:schemeClr val="tx1"/>
+                </a:solidFill>
+                <a:latin typeface="Tahoma" panose="020B0604030504040204" pitchFamily="34" charset="0"/>
+                <a:ea typeface="Tahoma" panose="020B0604030504040204" pitchFamily="34" charset="0"/>
+                <a:cs typeface="Tahoma" panose="020B0604030504040204" pitchFamily="34" charset="0"/>
+              </a:rPr>
+              <a:t>amministrazioni</a:t>
+            </a:r>
+            <a:r>
+              <a:rPr lang="it-IT" sz="2400" dirty="0">
+                <a:solidFill>
+                  <a:schemeClr val="tx1"/>
+                </a:solidFill>
+                <a:latin typeface="Tahoma" panose="020B0604030504040204" pitchFamily="34" charset="0"/>
+                <a:ea typeface="Tahoma" panose="020B0604030504040204" pitchFamily="34" charset="0"/>
+                <a:cs typeface="Tahoma" panose="020B0604030504040204" pitchFamily="34" charset="0"/>
+              </a:rPr>
+              <a:t>, </a:t>
+            </a:r>
+            <a:r>
+              <a:rPr lang="it-IT" sz="2400" b="1" dirty="0">
+                <a:solidFill>
+                  <a:schemeClr val="tx1"/>
+                </a:solidFill>
+                <a:latin typeface="Tahoma" panose="020B0604030504040204" pitchFamily="34" charset="0"/>
+                <a:ea typeface="Tahoma" panose="020B0604030504040204" pitchFamily="34" charset="0"/>
+                <a:cs typeface="Tahoma" panose="020B0604030504040204" pitchFamily="34" charset="0"/>
+              </a:rPr>
+              <a:t>banche</a:t>
+            </a:r>
+            <a:r>
+              <a:rPr lang="it-IT" sz="2400" dirty="0">
+                <a:solidFill>
+                  <a:schemeClr val="tx1"/>
+                </a:solidFill>
+                <a:latin typeface="Tahoma" panose="020B0604030504040204" pitchFamily="34" charset="0"/>
+                <a:ea typeface="Tahoma" panose="020B0604030504040204" pitchFamily="34" charset="0"/>
+                <a:cs typeface="Tahoma" panose="020B0604030504040204" pitchFamily="34" charset="0"/>
+              </a:rPr>
+              <a:t>, </a:t>
+            </a:r>
+            <a:r>
+              <a:rPr lang="it-IT" sz="2400" b="1" dirty="0">
+                <a:solidFill>
+                  <a:schemeClr val="tx1"/>
+                </a:solidFill>
+                <a:latin typeface="Tahoma" panose="020B0604030504040204" pitchFamily="34" charset="0"/>
+                <a:ea typeface="Tahoma" panose="020B0604030504040204" pitchFamily="34" charset="0"/>
+                <a:cs typeface="Tahoma" panose="020B0604030504040204" pitchFamily="34" charset="0"/>
+              </a:rPr>
+              <a:t>assicurazioni</a:t>
+            </a:r>
+            <a:r>
+              <a:rPr lang="it-IT" sz="2400" dirty="0">
+                <a:solidFill>
+                  <a:schemeClr val="tx1"/>
+                </a:solidFill>
+                <a:latin typeface="Tahoma" panose="020B0604030504040204" pitchFamily="34" charset="0"/>
+                <a:ea typeface="Tahoma" panose="020B0604030504040204" pitchFamily="34" charset="0"/>
+                <a:cs typeface="Tahoma" panose="020B0604030504040204" pitchFamily="34" charset="0"/>
+              </a:rPr>
+              <a:t>, </a:t>
+            </a:r>
+            <a:r>
+              <a:rPr lang="it-IT" sz="2400" b="1" dirty="0">
+                <a:solidFill>
+                  <a:schemeClr val="tx1"/>
+                </a:solidFill>
+                <a:latin typeface="Tahoma" panose="020B0604030504040204" pitchFamily="34" charset="0"/>
+                <a:ea typeface="Tahoma" panose="020B0604030504040204" pitchFamily="34" charset="0"/>
+                <a:cs typeface="Tahoma" panose="020B0604030504040204" pitchFamily="34" charset="0"/>
+              </a:rPr>
+              <a:t>intermediari</a:t>
+            </a:r>
+            <a:r>
+              <a:rPr lang="it-IT" sz="2400" dirty="0">
+                <a:solidFill>
+                  <a:schemeClr val="tx1"/>
+                </a:solidFill>
+                <a:latin typeface="Tahoma" panose="020B0604030504040204" pitchFamily="34" charset="0"/>
+                <a:ea typeface="Tahoma" panose="020B0604030504040204" pitchFamily="34" charset="0"/>
+                <a:cs typeface="Tahoma" panose="020B0604030504040204" pitchFamily="34" charset="0"/>
+              </a:rPr>
+              <a:t> di pagamento, ecc</a:t>
+            </a:r>
+            <a:r>
+              <a:rPr lang="it-IT" sz="2400" dirty="0" smtClean="0">
+                <a:solidFill>
+                  <a:schemeClr val="tx1"/>
+                </a:solidFill>
+                <a:latin typeface="Tahoma" panose="020B0604030504040204" pitchFamily="34" charset="0"/>
+                <a:ea typeface="Tahoma" panose="020B0604030504040204" pitchFamily="34" charset="0"/>
+                <a:cs typeface="Tahoma" panose="020B0604030504040204" pitchFamily="34" charset="0"/>
+              </a:rPr>
+              <a:t>.). </a:t>
+            </a:r>
+          </a:p>
+          <a:p>
+            <a:pPr marL="342900" indent="-342900">
+              <a:buFont typeface="Wingdings" panose="05000000000000000000" pitchFamily="2" charset="2"/>
+              <a:buChar char="ü"/>
+            </a:pPr>
+            <a:r>
+              <a:rPr lang="it-IT" sz="2400" dirty="0" smtClean="0">
+                <a:solidFill>
+                  <a:schemeClr val="tx1"/>
+                </a:solidFill>
+                <a:latin typeface="Tahoma" panose="020B0604030504040204" pitchFamily="34" charset="0"/>
+                <a:ea typeface="Tahoma" panose="020B0604030504040204" pitchFamily="34" charset="0"/>
+                <a:cs typeface="Tahoma" panose="020B0604030504040204" pitchFamily="34" charset="0"/>
+              </a:rPr>
+              <a:t>Elementi essenziali della </a:t>
+            </a:r>
+            <a:r>
+              <a:rPr lang="it-IT" sz="2400" dirty="0" err="1" smtClean="0">
+                <a:solidFill>
+                  <a:schemeClr val="tx1"/>
+                </a:solidFill>
+                <a:latin typeface="Tahoma" panose="020B0604030504040204" pitchFamily="34" charset="0"/>
+                <a:ea typeface="Tahoma" panose="020B0604030504040204" pitchFamily="34" charset="0"/>
+                <a:cs typeface="Tahoma" panose="020B0604030504040204" pitchFamily="34" charset="0"/>
+              </a:rPr>
+              <a:t>Blockchain</a:t>
+            </a:r>
+            <a:r>
+              <a:rPr lang="it-IT" sz="2400" dirty="0" smtClean="0">
+                <a:solidFill>
+                  <a:schemeClr val="tx1"/>
+                </a:solidFill>
+                <a:latin typeface="Tahoma" panose="020B0604030504040204" pitchFamily="34" charset="0"/>
+                <a:ea typeface="Tahoma" panose="020B0604030504040204" pitchFamily="34" charset="0"/>
+                <a:cs typeface="Tahoma" panose="020B0604030504040204" pitchFamily="34" charset="0"/>
+              </a:rPr>
+              <a:t>: </a:t>
+            </a:r>
+            <a:endParaRPr lang="en-US" sz="2400" dirty="0">
+              <a:solidFill>
+                <a:schemeClr val="tx1"/>
+              </a:solidFill>
+              <a:latin typeface="Tahoma" panose="020B0604030504040204" pitchFamily="34" charset="0"/>
+              <a:ea typeface="Tahoma" panose="020B0604030504040204" pitchFamily="34" charset="0"/>
+              <a:cs typeface="Tahoma" panose="020B0604030504040204" pitchFamily="34" charset="0"/>
+            </a:endParaRPr>
+          </a:p>
+          <a:p>
+            <a:pPr marL="800100" lvl="1" indent="-342900">
+              <a:buFont typeface="Arial" panose="020B0604020202020204" pitchFamily="34" charset="0"/>
+              <a:buChar char="•"/>
+            </a:pPr>
+            <a:r>
+              <a:rPr lang="en-US" sz="2600" b="0" dirty="0" smtClean="0">
+                <a:solidFill>
+                  <a:schemeClr val="tx1"/>
+                </a:solidFill>
+                <a:latin typeface="Tahoma" panose="020B0604030504040204" pitchFamily="34" charset="0"/>
+                <a:ea typeface="Tahoma" panose="020B0604030504040204" pitchFamily="34" charset="0"/>
+                <a:cs typeface="Tahoma" panose="020B0604030504040204" pitchFamily="34" charset="0"/>
+              </a:rPr>
+              <a:t>I </a:t>
+            </a:r>
+            <a:r>
+              <a:rPr lang="en-US" sz="2600" dirty="0" err="1" smtClean="0">
+                <a:solidFill>
+                  <a:schemeClr val="tx1"/>
+                </a:solidFill>
+                <a:latin typeface="Tahoma" panose="020B0604030504040204" pitchFamily="34" charset="0"/>
+                <a:ea typeface="Tahoma" panose="020B0604030504040204" pitchFamily="34" charset="0"/>
+                <a:cs typeface="Tahoma" panose="020B0604030504040204" pitchFamily="34" charset="0"/>
+              </a:rPr>
+              <a:t>blocchi</a:t>
+            </a:r>
+            <a:r>
+              <a:rPr lang="en-US" sz="2600" b="0" dirty="0" smtClean="0">
+                <a:solidFill>
+                  <a:schemeClr val="tx1"/>
+                </a:solidFill>
+                <a:latin typeface="Tahoma" panose="020B0604030504040204" pitchFamily="34" charset="0"/>
+                <a:ea typeface="Tahoma" panose="020B0604030504040204" pitchFamily="34" charset="0"/>
+                <a:cs typeface="Tahoma" panose="020B0604030504040204" pitchFamily="34" charset="0"/>
+              </a:rPr>
+              <a:t> </a:t>
+            </a:r>
+            <a:r>
+              <a:rPr lang="en-US" sz="2600" b="0" dirty="0" err="1" smtClean="0">
+                <a:solidFill>
+                  <a:schemeClr val="tx1"/>
+                </a:solidFill>
+                <a:latin typeface="Tahoma" panose="020B0604030504040204" pitchFamily="34" charset="0"/>
+                <a:ea typeface="Tahoma" panose="020B0604030504040204" pitchFamily="34" charset="0"/>
+                <a:cs typeface="Tahoma" panose="020B0604030504040204" pitchFamily="34" charset="0"/>
+              </a:rPr>
+              <a:t>sono</a:t>
+            </a:r>
+            <a:r>
+              <a:rPr lang="en-US" sz="2600" b="0" dirty="0" smtClean="0">
+                <a:solidFill>
+                  <a:schemeClr val="tx1"/>
+                </a:solidFill>
+                <a:latin typeface="Tahoma" panose="020B0604030504040204" pitchFamily="34" charset="0"/>
+                <a:ea typeface="Tahoma" panose="020B0604030504040204" pitchFamily="34" charset="0"/>
+                <a:cs typeface="Tahoma" panose="020B0604030504040204" pitchFamily="34" charset="0"/>
+              </a:rPr>
+              <a:t> </a:t>
+            </a:r>
+            <a:r>
+              <a:rPr lang="en-US" sz="2600" b="0" dirty="0" err="1" smtClean="0">
+                <a:solidFill>
+                  <a:schemeClr val="tx1"/>
+                </a:solidFill>
+                <a:latin typeface="Tahoma" panose="020B0604030504040204" pitchFamily="34" charset="0"/>
+                <a:ea typeface="Tahoma" panose="020B0604030504040204" pitchFamily="34" charset="0"/>
+                <a:cs typeface="Tahoma" panose="020B0604030504040204" pitchFamily="34" charset="0"/>
+              </a:rPr>
+              <a:t>i</a:t>
+            </a:r>
+            <a:r>
+              <a:rPr lang="en-US" sz="2600" b="0" dirty="0" smtClean="0">
+                <a:solidFill>
+                  <a:schemeClr val="tx1"/>
+                </a:solidFill>
+                <a:latin typeface="Tahoma" panose="020B0604030504040204" pitchFamily="34" charset="0"/>
+                <a:ea typeface="Tahoma" panose="020B0604030504040204" pitchFamily="34" charset="0"/>
+                <a:cs typeface="Tahoma" panose="020B0604030504040204" pitchFamily="34" charset="0"/>
+              </a:rPr>
+              <a:t> </a:t>
+            </a:r>
+            <a:r>
+              <a:rPr lang="en-US" sz="2600" dirty="0" err="1" smtClean="0">
+                <a:solidFill>
+                  <a:schemeClr val="tx1"/>
+                </a:solidFill>
+                <a:latin typeface="Tahoma" panose="020B0604030504040204" pitchFamily="34" charset="0"/>
+                <a:ea typeface="Tahoma" panose="020B0604030504040204" pitchFamily="34" charset="0"/>
+                <a:cs typeface="Tahoma" panose="020B0604030504040204" pitchFamily="34" charset="0"/>
+              </a:rPr>
+              <a:t>contenitori</a:t>
+            </a:r>
+            <a:r>
+              <a:rPr lang="en-US" sz="2600" b="0" dirty="0" smtClean="0">
+                <a:solidFill>
+                  <a:schemeClr val="tx1"/>
+                </a:solidFill>
+                <a:latin typeface="Tahoma" panose="020B0604030504040204" pitchFamily="34" charset="0"/>
+                <a:ea typeface="Tahoma" panose="020B0604030504040204" pitchFamily="34" charset="0"/>
+                <a:cs typeface="Tahoma" panose="020B0604030504040204" pitchFamily="34" charset="0"/>
+              </a:rPr>
+              <a:t> di </a:t>
+            </a:r>
+            <a:r>
+              <a:rPr lang="en-US" sz="2600" b="0" dirty="0" err="1" smtClean="0">
+                <a:solidFill>
+                  <a:schemeClr val="tx1"/>
+                </a:solidFill>
+                <a:latin typeface="Tahoma" panose="020B0604030504040204" pitchFamily="34" charset="0"/>
+                <a:ea typeface="Tahoma" panose="020B0604030504040204" pitchFamily="34" charset="0"/>
+                <a:cs typeface="Tahoma" panose="020B0604030504040204" pitchFamily="34" charset="0"/>
+              </a:rPr>
+              <a:t>informazioni</a:t>
+            </a:r>
+            <a:r>
+              <a:rPr lang="en-US" sz="2600" b="0" dirty="0" smtClean="0">
+                <a:solidFill>
+                  <a:schemeClr val="tx1"/>
+                </a:solidFill>
+                <a:latin typeface="Tahoma" panose="020B0604030504040204" pitchFamily="34" charset="0"/>
+                <a:ea typeface="Tahoma" panose="020B0604030504040204" pitchFamily="34" charset="0"/>
+                <a:cs typeface="Tahoma" panose="020B0604030504040204" pitchFamily="34" charset="0"/>
+              </a:rPr>
+              <a:t> </a:t>
+            </a:r>
+            <a:r>
+              <a:rPr lang="en-US" sz="2600" b="0" dirty="0" err="1" smtClean="0">
+                <a:solidFill>
+                  <a:schemeClr val="tx1"/>
+                </a:solidFill>
+                <a:latin typeface="Tahoma" panose="020B0604030504040204" pitchFamily="34" charset="0"/>
+                <a:ea typeface="Tahoma" panose="020B0604030504040204" pitchFamily="34" charset="0"/>
+                <a:cs typeface="Tahoma" panose="020B0604030504040204" pitchFamily="34" charset="0"/>
+              </a:rPr>
+              <a:t>all’interno</a:t>
+            </a:r>
+            <a:r>
+              <a:rPr lang="en-US" sz="2600" b="0" dirty="0" smtClean="0">
+                <a:solidFill>
+                  <a:schemeClr val="tx1"/>
+                </a:solidFill>
+                <a:latin typeface="Tahoma" panose="020B0604030504040204" pitchFamily="34" charset="0"/>
+                <a:ea typeface="Tahoma" panose="020B0604030504040204" pitchFamily="34" charset="0"/>
+                <a:cs typeface="Tahoma" panose="020B0604030504040204" pitchFamily="34" charset="0"/>
+              </a:rPr>
+              <a:t> </a:t>
+            </a:r>
+            <a:r>
+              <a:rPr lang="en-US" sz="2600" b="0" dirty="0" err="1" smtClean="0">
+                <a:solidFill>
+                  <a:schemeClr val="tx1"/>
+                </a:solidFill>
+                <a:latin typeface="Tahoma" panose="020B0604030504040204" pitchFamily="34" charset="0"/>
+                <a:ea typeface="Tahoma" panose="020B0604030504040204" pitchFamily="34" charset="0"/>
+                <a:cs typeface="Tahoma" panose="020B0604030504040204" pitchFamily="34" charset="0"/>
+              </a:rPr>
+              <a:t>della</a:t>
+            </a:r>
+            <a:r>
+              <a:rPr lang="en-US" sz="2600" b="0" dirty="0" smtClean="0">
+                <a:solidFill>
+                  <a:schemeClr val="tx1"/>
+                </a:solidFill>
+                <a:latin typeface="Tahoma" panose="020B0604030504040204" pitchFamily="34" charset="0"/>
+                <a:ea typeface="Tahoma" panose="020B0604030504040204" pitchFamily="34" charset="0"/>
+                <a:cs typeface="Tahoma" panose="020B0604030504040204" pitchFamily="34" charset="0"/>
+              </a:rPr>
+              <a:t> </a:t>
+            </a:r>
+            <a:r>
+              <a:rPr lang="en-US" sz="2600" dirty="0" err="1" smtClean="0">
+                <a:solidFill>
+                  <a:schemeClr val="tx1"/>
+                </a:solidFill>
+                <a:latin typeface="Tahoma" panose="020B0604030504040204" pitchFamily="34" charset="0"/>
+                <a:ea typeface="Tahoma" panose="020B0604030504040204" pitchFamily="34" charset="0"/>
+                <a:cs typeface="Tahoma" panose="020B0604030504040204" pitchFamily="34" charset="0"/>
+              </a:rPr>
+              <a:t>Blockchain</a:t>
+            </a:r>
+            <a:r>
+              <a:rPr lang="en-US" sz="2600" b="0" dirty="0" smtClean="0">
+                <a:solidFill>
+                  <a:schemeClr val="tx1"/>
+                </a:solidFill>
+                <a:latin typeface="Tahoma" panose="020B0604030504040204" pitchFamily="34" charset="0"/>
+                <a:ea typeface="Tahoma" panose="020B0604030504040204" pitchFamily="34" charset="0"/>
+                <a:cs typeface="Tahoma" panose="020B0604030504040204" pitchFamily="34" charset="0"/>
+              </a:rPr>
+              <a:t>.</a:t>
+            </a:r>
+          </a:p>
+          <a:p>
+            <a:pPr marL="800100" lvl="1" indent="-342900">
+              <a:buFont typeface="Arial" panose="020B0604020202020204" pitchFamily="34" charset="0"/>
+              <a:buChar char="•"/>
+            </a:pPr>
+            <a:r>
+              <a:rPr lang="en-US" sz="2400" b="0" dirty="0" err="1" smtClean="0">
+                <a:solidFill>
+                  <a:schemeClr val="tx1"/>
+                </a:solidFill>
+                <a:latin typeface="Tahoma" panose="020B0604030504040204" pitchFamily="34" charset="0"/>
+                <a:ea typeface="Tahoma" panose="020B0604030504040204" pitchFamily="34" charset="0"/>
+                <a:cs typeface="Tahoma" panose="020B0604030504040204" pitchFamily="34" charset="0"/>
+              </a:rPr>
+              <a:t>Essi</a:t>
+            </a:r>
+            <a:r>
+              <a:rPr lang="en-US" sz="2400" b="0" dirty="0" smtClean="0">
+                <a:solidFill>
+                  <a:schemeClr val="tx1"/>
+                </a:solidFill>
+                <a:latin typeface="Tahoma" panose="020B0604030504040204" pitchFamily="34" charset="0"/>
+                <a:ea typeface="Tahoma" panose="020B0604030504040204" pitchFamily="34" charset="0"/>
+                <a:cs typeface="Tahoma" panose="020B0604030504040204" pitchFamily="34" charset="0"/>
+              </a:rPr>
+              <a:t> </a:t>
+            </a:r>
+            <a:r>
+              <a:rPr lang="en-US" sz="2400" dirty="0" err="1" smtClean="0">
+                <a:solidFill>
+                  <a:schemeClr val="tx1"/>
+                </a:solidFill>
+                <a:latin typeface="Tahoma" panose="020B0604030504040204" pitchFamily="34" charset="0"/>
+                <a:ea typeface="Tahoma" panose="020B0604030504040204" pitchFamily="34" charset="0"/>
+                <a:cs typeface="Tahoma" panose="020B0604030504040204" pitchFamily="34" charset="0"/>
+              </a:rPr>
+              <a:t>contengono</a:t>
+            </a:r>
+            <a:r>
+              <a:rPr lang="en-US" sz="2400" b="0" dirty="0" smtClean="0">
+                <a:solidFill>
+                  <a:schemeClr val="tx1"/>
+                </a:solidFill>
+                <a:latin typeface="Tahoma" panose="020B0604030504040204" pitchFamily="34" charset="0"/>
+                <a:ea typeface="Tahoma" panose="020B0604030504040204" pitchFamily="34" charset="0"/>
+                <a:cs typeface="Tahoma" panose="020B0604030504040204" pitchFamily="34" charset="0"/>
+              </a:rPr>
+              <a:t> </a:t>
+            </a:r>
+            <a:r>
+              <a:rPr lang="en-US" sz="2400" b="0" dirty="0" err="1" smtClean="0">
+                <a:solidFill>
+                  <a:schemeClr val="tx1"/>
+                </a:solidFill>
+                <a:latin typeface="Tahoma" panose="020B0604030504040204" pitchFamily="34" charset="0"/>
+                <a:ea typeface="Tahoma" panose="020B0604030504040204" pitchFamily="34" charset="0"/>
+                <a:cs typeface="Tahoma" panose="020B0604030504040204" pitchFamily="34" charset="0"/>
+              </a:rPr>
+              <a:t>dati</a:t>
+            </a:r>
+            <a:r>
+              <a:rPr lang="en-US" sz="2400" b="0" dirty="0" smtClean="0">
+                <a:solidFill>
+                  <a:schemeClr val="tx1"/>
+                </a:solidFill>
+                <a:latin typeface="Tahoma" panose="020B0604030504040204" pitchFamily="34" charset="0"/>
+                <a:ea typeface="Tahoma" panose="020B0604030504040204" pitchFamily="34" charset="0"/>
+                <a:cs typeface="Tahoma" panose="020B0604030504040204" pitchFamily="34" charset="0"/>
+              </a:rPr>
+              <a:t> di </a:t>
+            </a:r>
+            <a:r>
+              <a:rPr lang="en-US" sz="2400" dirty="0" err="1" smtClean="0">
+                <a:solidFill>
+                  <a:schemeClr val="tx1"/>
+                </a:solidFill>
+                <a:latin typeface="Tahoma" panose="020B0604030504040204" pitchFamily="34" charset="0"/>
+                <a:ea typeface="Tahoma" panose="020B0604030504040204" pitchFamily="34" charset="0"/>
+                <a:cs typeface="Tahoma" panose="020B0604030504040204" pitchFamily="34" charset="0"/>
+              </a:rPr>
+              <a:t>transazione</a:t>
+            </a:r>
+            <a:r>
+              <a:rPr lang="en-US" sz="2400" b="0" dirty="0" smtClean="0">
+                <a:solidFill>
+                  <a:schemeClr val="tx1"/>
+                </a:solidFill>
+                <a:latin typeface="Tahoma" panose="020B0604030504040204" pitchFamily="34" charset="0"/>
+                <a:ea typeface="Tahoma" panose="020B0604030504040204" pitchFamily="34" charset="0"/>
+                <a:cs typeface="Tahoma" panose="020B0604030504040204" pitchFamily="34" charset="0"/>
+              </a:rPr>
+              <a:t>. </a:t>
+            </a:r>
+          </a:p>
+          <a:p>
+            <a:pPr marL="800100" lvl="1" indent="-342900">
+              <a:buFont typeface="Arial" panose="020B0604020202020204" pitchFamily="34" charset="0"/>
+              <a:buChar char="•"/>
+            </a:pPr>
+            <a:r>
+              <a:rPr lang="en-US" sz="2400" b="0" dirty="0" err="1" smtClean="0">
+                <a:solidFill>
+                  <a:schemeClr val="tx1"/>
+                </a:solidFill>
+                <a:latin typeface="Tahoma" panose="020B0604030504040204" pitchFamily="34" charset="0"/>
+                <a:ea typeface="Tahoma" panose="020B0604030504040204" pitchFamily="34" charset="0"/>
+                <a:cs typeface="Tahoma" panose="020B0604030504040204" pitchFamily="34" charset="0"/>
+              </a:rPr>
+              <a:t>Una</a:t>
+            </a:r>
+            <a:r>
+              <a:rPr lang="en-US" sz="2400" b="0" dirty="0" smtClean="0">
+                <a:solidFill>
+                  <a:schemeClr val="tx1"/>
+                </a:solidFill>
+                <a:latin typeface="Tahoma" panose="020B0604030504040204" pitchFamily="34" charset="0"/>
+                <a:ea typeface="Tahoma" panose="020B0604030504040204" pitchFamily="34" charset="0"/>
+                <a:cs typeface="Tahoma" panose="020B0604030504040204" pitchFamily="34" charset="0"/>
+              </a:rPr>
+              <a:t> </a:t>
+            </a:r>
+            <a:r>
+              <a:rPr lang="en-US" sz="2400" dirty="0" err="1" smtClean="0">
+                <a:solidFill>
+                  <a:schemeClr val="tx1"/>
+                </a:solidFill>
+                <a:latin typeface="Tahoma" panose="020B0604030504040204" pitchFamily="34" charset="0"/>
+                <a:ea typeface="Tahoma" panose="020B0604030504040204" pitchFamily="34" charset="0"/>
+                <a:cs typeface="Tahoma" panose="020B0604030504040204" pitchFamily="34" charset="0"/>
+              </a:rPr>
+              <a:t>volta</a:t>
+            </a:r>
+            <a:r>
+              <a:rPr lang="en-US" sz="2400" b="0" dirty="0" smtClean="0">
+                <a:solidFill>
+                  <a:schemeClr val="tx1"/>
+                </a:solidFill>
+                <a:latin typeface="Tahoma" panose="020B0604030504040204" pitchFamily="34" charset="0"/>
+                <a:ea typeface="Tahoma" panose="020B0604030504040204" pitchFamily="34" charset="0"/>
+                <a:cs typeface="Tahoma" panose="020B0604030504040204" pitchFamily="34" charset="0"/>
+              </a:rPr>
+              <a:t> </a:t>
+            </a:r>
+            <a:r>
+              <a:rPr lang="en-US" sz="2400" b="0" dirty="0" err="1" smtClean="0">
+                <a:solidFill>
+                  <a:schemeClr val="tx1"/>
+                </a:solidFill>
+                <a:latin typeface="Tahoma" panose="020B0604030504040204" pitchFamily="34" charset="0"/>
+                <a:ea typeface="Tahoma" panose="020B0604030504040204" pitchFamily="34" charset="0"/>
+                <a:cs typeface="Tahoma" panose="020B0604030504040204" pitchFamily="34" charset="0"/>
+              </a:rPr>
+              <a:t>aggiunti</a:t>
+            </a:r>
+            <a:r>
+              <a:rPr lang="en-US" sz="2400" b="0" dirty="0" smtClean="0">
+                <a:solidFill>
+                  <a:schemeClr val="tx1"/>
+                </a:solidFill>
+                <a:latin typeface="Tahoma" panose="020B0604030504040204" pitchFamily="34" charset="0"/>
+                <a:ea typeface="Tahoma" panose="020B0604030504040204" pitchFamily="34" charset="0"/>
+                <a:cs typeface="Tahoma" panose="020B0604030504040204" pitchFamily="34" charset="0"/>
+              </a:rPr>
+              <a:t> </a:t>
+            </a:r>
+            <a:r>
+              <a:rPr lang="en-US" sz="2400" b="0" dirty="0" err="1" smtClean="0">
+                <a:solidFill>
+                  <a:schemeClr val="tx1"/>
+                </a:solidFill>
+                <a:latin typeface="Tahoma" panose="020B0604030504040204" pitchFamily="34" charset="0"/>
+                <a:ea typeface="Tahoma" panose="020B0604030504040204" pitchFamily="34" charset="0"/>
+                <a:cs typeface="Tahoma" panose="020B0604030504040204" pitchFamily="34" charset="0"/>
+              </a:rPr>
+              <a:t>alla</a:t>
+            </a:r>
+            <a:r>
+              <a:rPr lang="en-US" sz="2400" b="0" dirty="0" smtClean="0">
+                <a:solidFill>
+                  <a:schemeClr val="tx1"/>
+                </a:solidFill>
+                <a:latin typeface="Tahoma" panose="020B0604030504040204" pitchFamily="34" charset="0"/>
+                <a:ea typeface="Tahoma" panose="020B0604030504040204" pitchFamily="34" charset="0"/>
+                <a:cs typeface="Tahoma" panose="020B0604030504040204" pitchFamily="34" charset="0"/>
+              </a:rPr>
+              <a:t> </a:t>
+            </a:r>
+            <a:r>
+              <a:rPr lang="en-US" sz="2400" dirty="0" err="1" smtClean="0">
+                <a:solidFill>
+                  <a:schemeClr val="tx1"/>
+                </a:solidFill>
+                <a:latin typeface="Tahoma" panose="020B0604030504040204" pitchFamily="34" charset="0"/>
+                <a:ea typeface="Tahoma" panose="020B0604030504040204" pitchFamily="34" charset="0"/>
+                <a:cs typeface="Tahoma" panose="020B0604030504040204" pitchFamily="34" charset="0"/>
+              </a:rPr>
+              <a:t>blockchain</a:t>
+            </a:r>
+            <a:r>
+              <a:rPr lang="en-US" sz="2400" b="0" dirty="0">
+                <a:solidFill>
+                  <a:schemeClr val="tx1"/>
+                </a:solidFill>
+                <a:latin typeface="Tahoma" panose="020B0604030504040204" pitchFamily="34" charset="0"/>
+                <a:ea typeface="Tahoma" panose="020B0604030504040204" pitchFamily="34" charset="0"/>
+                <a:cs typeface="Tahoma" panose="020B0604030504040204" pitchFamily="34" charset="0"/>
+              </a:rPr>
+              <a:t>, </a:t>
+            </a:r>
+            <a:r>
+              <a:rPr lang="en-US" sz="2400" b="0" dirty="0" smtClean="0">
+                <a:solidFill>
+                  <a:schemeClr val="tx1"/>
+                </a:solidFill>
+                <a:latin typeface="Tahoma" panose="020B0604030504040204" pitchFamily="34" charset="0"/>
+                <a:ea typeface="Tahoma" panose="020B0604030504040204" pitchFamily="34" charset="0"/>
+                <a:cs typeface="Tahoma" panose="020B0604030504040204" pitchFamily="34" charset="0"/>
+              </a:rPr>
+              <a:t>un </a:t>
+            </a:r>
+            <a:r>
+              <a:rPr lang="en-US" sz="2400" dirty="0" err="1" smtClean="0">
+                <a:solidFill>
+                  <a:schemeClr val="tx1"/>
+                </a:solidFill>
+                <a:latin typeface="Tahoma" panose="020B0604030504040204" pitchFamily="34" charset="0"/>
+                <a:ea typeface="Tahoma" panose="020B0604030504040204" pitchFamily="34" charset="0"/>
+                <a:cs typeface="Tahoma" panose="020B0604030504040204" pitchFamily="34" charset="0"/>
+              </a:rPr>
+              <a:t>blocco</a:t>
+            </a:r>
+            <a:r>
+              <a:rPr lang="en-US" sz="2400" b="0" dirty="0" smtClean="0">
+                <a:solidFill>
+                  <a:schemeClr val="tx1"/>
+                </a:solidFill>
+                <a:latin typeface="Tahoma" panose="020B0604030504040204" pitchFamily="34" charset="0"/>
+                <a:ea typeface="Tahoma" panose="020B0604030504040204" pitchFamily="34" charset="0"/>
+                <a:cs typeface="Tahoma" panose="020B0604030504040204" pitchFamily="34" charset="0"/>
+              </a:rPr>
+              <a:t> non </a:t>
+            </a:r>
+            <a:r>
+              <a:rPr lang="en-US" sz="2400" b="0" dirty="0" err="1" smtClean="0">
+                <a:solidFill>
+                  <a:schemeClr val="tx1"/>
+                </a:solidFill>
+                <a:latin typeface="Tahoma" panose="020B0604030504040204" pitchFamily="34" charset="0"/>
+                <a:ea typeface="Tahoma" panose="020B0604030504040204" pitchFamily="34" charset="0"/>
+                <a:cs typeface="Tahoma" panose="020B0604030504040204" pitchFamily="34" charset="0"/>
+              </a:rPr>
+              <a:t>può</a:t>
+            </a:r>
+            <a:r>
+              <a:rPr lang="en-US" sz="2400" b="0" dirty="0" smtClean="0">
+                <a:solidFill>
+                  <a:schemeClr val="tx1"/>
+                </a:solidFill>
+                <a:latin typeface="Tahoma" panose="020B0604030504040204" pitchFamily="34" charset="0"/>
+                <a:ea typeface="Tahoma" panose="020B0604030504040204" pitchFamily="34" charset="0"/>
+                <a:cs typeface="Tahoma" panose="020B0604030504040204" pitchFamily="34" charset="0"/>
+              </a:rPr>
+              <a:t> </a:t>
+            </a:r>
+            <a:r>
+              <a:rPr lang="en-US" sz="2400" b="0" dirty="0" err="1" smtClean="0">
+                <a:solidFill>
+                  <a:schemeClr val="tx1"/>
+                </a:solidFill>
+                <a:latin typeface="Tahoma" panose="020B0604030504040204" pitchFamily="34" charset="0"/>
+                <a:ea typeface="Tahoma" panose="020B0604030504040204" pitchFamily="34" charset="0"/>
+                <a:cs typeface="Tahoma" panose="020B0604030504040204" pitchFamily="34" charset="0"/>
+              </a:rPr>
+              <a:t>essere</a:t>
+            </a:r>
+            <a:r>
+              <a:rPr lang="en-US" sz="2400" b="0" dirty="0" smtClean="0">
+                <a:solidFill>
+                  <a:schemeClr val="tx1"/>
+                </a:solidFill>
+                <a:latin typeface="Tahoma" panose="020B0604030504040204" pitchFamily="34" charset="0"/>
+                <a:ea typeface="Tahoma" panose="020B0604030504040204" pitchFamily="34" charset="0"/>
+                <a:cs typeface="Tahoma" panose="020B0604030504040204" pitchFamily="34" charset="0"/>
+              </a:rPr>
+              <a:t> </a:t>
+            </a:r>
+            <a:r>
+              <a:rPr lang="en-US" sz="2400" dirty="0" err="1" smtClean="0">
+                <a:solidFill>
+                  <a:schemeClr val="tx1"/>
+                </a:solidFill>
+                <a:latin typeface="Tahoma" panose="020B0604030504040204" pitchFamily="34" charset="0"/>
+                <a:ea typeface="Tahoma" panose="020B0604030504040204" pitchFamily="34" charset="0"/>
+                <a:cs typeface="Tahoma" panose="020B0604030504040204" pitchFamily="34" charset="0"/>
+              </a:rPr>
+              <a:t>cambiato</a:t>
+            </a:r>
+            <a:r>
+              <a:rPr lang="en-US" sz="2400" b="0" dirty="0" smtClean="0">
+                <a:solidFill>
+                  <a:schemeClr val="tx1"/>
+                </a:solidFill>
+                <a:latin typeface="Tahoma" panose="020B0604030504040204" pitchFamily="34" charset="0"/>
+                <a:ea typeface="Tahoma" panose="020B0604030504040204" pitchFamily="34" charset="0"/>
+                <a:cs typeface="Tahoma" panose="020B0604030504040204" pitchFamily="34" charset="0"/>
+              </a:rPr>
+              <a:t>. </a:t>
+            </a:r>
+          </a:p>
+          <a:p>
+            <a:pPr marL="800100" lvl="1" indent="-342900">
+              <a:buFont typeface="Arial" panose="020B0604020202020204" pitchFamily="34" charset="0"/>
+              <a:buChar char="•"/>
+            </a:pPr>
+            <a:r>
+              <a:rPr lang="en-US" sz="2400" b="0" dirty="0" smtClean="0">
+                <a:solidFill>
+                  <a:schemeClr val="tx1"/>
+                </a:solidFill>
+                <a:latin typeface="Tahoma" panose="020B0604030504040204" pitchFamily="34" charset="0"/>
+                <a:ea typeface="Tahoma" panose="020B0604030504040204" pitchFamily="34" charset="0"/>
+                <a:cs typeface="Tahoma" panose="020B0604030504040204" pitchFamily="34" charset="0"/>
+              </a:rPr>
+              <a:t>I </a:t>
+            </a:r>
+            <a:r>
+              <a:rPr lang="en-US" sz="2400" dirty="0" err="1" smtClean="0">
+                <a:solidFill>
+                  <a:schemeClr val="tx1"/>
+                </a:solidFill>
+                <a:latin typeface="Tahoma" panose="020B0604030504040204" pitchFamily="34" charset="0"/>
+                <a:ea typeface="Tahoma" panose="020B0604030504040204" pitchFamily="34" charset="0"/>
+                <a:cs typeface="Tahoma" panose="020B0604030504040204" pitchFamily="34" charset="0"/>
+              </a:rPr>
+              <a:t>blocchi</a:t>
+            </a:r>
+            <a:r>
+              <a:rPr lang="en-US" sz="2400" b="0" dirty="0" smtClean="0">
+                <a:solidFill>
+                  <a:schemeClr val="tx1"/>
+                </a:solidFill>
+                <a:latin typeface="Tahoma" panose="020B0604030504040204" pitchFamily="34" charset="0"/>
+                <a:ea typeface="Tahoma" panose="020B0604030504040204" pitchFamily="34" charset="0"/>
+                <a:cs typeface="Tahoma" panose="020B0604030504040204" pitchFamily="34" charset="0"/>
+              </a:rPr>
+              <a:t> </a:t>
+            </a:r>
+            <a:r>
+              <a:rPr lang="en-US" sz="2400" b="0" dirty="0" err="1" smtClean="0">
+                <a:solidFill>
+                  <a:schemeClr val="tx1"/>
+                </a:solidFill>
+                <a:latin typeface="Tahoma" panose="020B0604030504040204" pitchFamily="34" charset="0"/>
+                <a:ea typeface="Tahoma" panose="020B0604030504040204" pitchFamily="34" charset="0"/>
+                <a:cs typeface="Tahoma" panose="020B0604030504040204" pitchFamily="34" charset="0"/>
+              </a:rPr>
+              <a:t>sono</a:t>
+            </a:r>
+            <a:r>
+              <a:rPr lang="en-US" sz="2400" b="0" dirty="0" smtClean="0">
+                <a:solidFill>
+                  <a:schemeClr val="tx1"/>
+                </a:solidFill>
+                <a:latin typeface="Tahoma" panose="020B0604030504040204" pitchFamily="34" charset="0"/>
+                <a:ea typeface="Tahoma" panose="020B0604030504040204" pitchFamily="34" charset="0"/>
+                <a:cs typeface="Tahoma" panose="020B0604030504040204" pitchFamily="34" charset="0"/>
+              </a:rPr>
+              <a:t> </a:t>
+            </a:r>
+            <a:r>
+              <a:rPr lang="en-US" sz="2400" b="0" dirty="0" err="1" smtClean="0">
+                <a:solidFill>
+                  <a:schemeClr val="tx1"/>
+                </a:solidFill>
+                <a:latin typeface="Tahoma" panose="020B0604030504040204" pitchFamily="34" charset="0"/>
+                <a:ea typeface="Tahoma" panose="020B0604030504040204" pitchFamily="34" charset="0"/>
+                <a:cs typeface="Tahoma" panose="020B0604030504040204" pitchFamily="34" charset="0"/>
+              </a:rPr>
+              <a:t>messi</a:t>
+            </a:r>
+            <a:r>
+              <a:rPr lang="en-US" sz="2400" b="0" dirty="0" smtClean="0">
+                <a:solidFill>
+                  <a:schemeClr val="tx1"/>
+                </a:solidFill>
+                <a:latin typeface="Tahoma" panose="020B0604030504040204" pitchFamily="34" charset="0"/>
+                <a:ea typeface="Tahoma" panose="020B0604030504040204" pitchFamily="34" charset="0"/>
+                <a:cs typeface="Tahoma" panose="020B0604030504040204" pitchFamily="34" charset="0"/>
+              </a:rPr>
+              <a:t> al </a:t>
+            </a:r>
+            <a:r>
+              <a:rPr lang="en-US" sz="2400" dirty="0" err="1" smtClean="0">
+                <a:solidFill>
+                  <a:schemeClr val="tx1"/>
+                </a:solidFill>
+                <a:latin typeface="Tahoma" panose="020B0604030504040204" pitchFamily="34" charset="0"/>
+                <a:ea typeface="Tahoma" panose="020B0604030504040204" pitchFamily="34" charset="0"/>
+                <a:cs typeface="Tahoma" panose="020B0604030504040204" pitchFamily="34" charset="0"/>
+              </a:rPr>
+              <a:t>sicuro</a:t>
+            </a:r>
+            <a:r>
+              <a:rPr lang="en-US" sz="2400" b="0" dirty="0" smtClean="0">
+                <a:solidFill>
+                  <a:schemeClr val="tx1"/>
+                </a:solidFill>
+                <a:latin typeface="Tahoma" panose="020B0604030504040204" pitchFamily="34" charset="0"/>
+                <a:ea typeface="Tahoma" panose="020B0604030504040204" pitchFamily="34" charset="0"/>
+                <a:cs typeface="Tahoma" panose="020B0604030504040204" pitchFamily="34" charset="0"/>
+              </a:rPr>
+              <a:t> </a:t>
+            </a:r>
+            <a:r>
+              <a:rPr lang="en-US" sz="2400" b="0" dirty="0" err="1" smtClean="0">
+                <a:solidFill>
+                  <a:schemeClr val="tx1"/>
+                </a:solidFill>
+                <a:latin typeface="Tahoma" panose="020B0604030504040204" pitchFamily="34" charset="0"/>
+                <a:ea typeface="Tahoma" panose="020B0604030504040204" pitchFamily="34" charset="0"/>
+                <a:cs typeface="Tahoma" panose="020B0604030504040204" pitchFamily="34" charset="0"/>
+              </a:rPr>
+              <a:t>usando</a:t>
+            </a:r>
+            <a:r>
+              <a:rPr lang="en-US" sz="2400" b="0" dirty="0" smtClean="0">
+                <a:solidFill>
+                  <a:schemeClr val="tx1"/>
+                </a:solidFill>
+                <a:latin typeface="Tahoma" panose="020B0604030504040204" pitchFamily="34" charset="0"/>
+                <a:ea typeface="Tahoma" panose="020B0604030504040204" pitchFamily="34" charset="0"/>
+                <a:cs typeface="Tahoma" panose="020B0604030504040204" pitchFamily="34" charset="0"/>
+              </a:rPr>
+              <a:t> </a:t>
+            </a:r>
+            <a:r>
+              <a:rPr lang="en-US" sz="2400" b="0" dirty="0" err="1" smtClean="0">
+                <a:solidFill>
+                  <a:schemeClr val="tx1"/>
+                </a:solidFill>
+                <a:latin typeface="Tahoma" panose="020B0604030504040204" pitchFamily="34" charset="0"/>
+                <a:ea typeface="Tahoma" panose="020B0604030504040204" pitchFamily="34" charset="0"/>
+                <a:cs typeface="Tahoma" panose="020B0604030504040204" pitchFamily="34" charset="0"/>
+              </a:rPr>
+              <a:t>i</a:t>
+            </a:r>
+            <a:r>
+              <a:rPr lang="en-US" sz="2400" b="0" dirty="0" smtClean="0">
+                <a:solidFill>
+                  <a:schemeClr val="tx1"/>
+                </a:solidFill>
+                <a:latin typeface="Tahoma" panose="020B0604030504040204" pitchFamily="34" charset="0"/>
+                <a:ea typeface="Tahoma" panose="020B0604030504040204" pitchFamily="34" charset="0"/>
+                <a:cs typeface="Tahoma" panose="020B0604030504040204" pitchFamily="34" charset="0"/>
+              </a:rPr>
+              <a:t> </a:t>
+            </a:r>
+            <a:r>
+              <a:rPr lang="en-US" sz="2400" b="0" dirty="0" err="1" smtClean="0">
+                <a:solidFill>
+                  <a:schemeClr val="tx1"/>
+                </a:solidFill>
+                <a:latin typeface="Tahoma" panose="020B0604030504040204" pitchFamily="34" charset="0"/>
+                <a:ea typeface="Tahoma" panose="020B0604030504040204" pitchFamily="34" charset="0"/>
+                <a:cs typeface="Tahoma" panose="020B0604030504040204" pitchFamily="34" charset="0"/>
+              </a:rPr>
+              <a:t>metodi</a:t>
+            </a:r>
+            <a:r>
+              <a:rPr lang="en-US" sz="2400" b="0" dirty="0" smtClean="0">
+                <a:solidFill>
+                  <a:schemeClr val="tx1"/>
+                </a:solidFill>
+                <a:latin typeface="Tahoma" panose="020B0604030504040204" pitchFamily="34" charset="0"/>
+                <a:ea typeface="Tahoma" panose="020B0604030504040204" pitchFamily="34" charset="0"/>
+                <a:cs typeface="Tahoma" panose="020B0604030504040204" pitchFamily="34" charset="0"/>
+              </a:rPr>
+              <a:t> </a:t>
+            </a:r>
+            <a:r>
+              <a:rPr lang="en-US" sz="2400" dirty="0" err="1" smtClean="0">
+                <a:solidFill>
+                  <a:schemeClr val="tx1"/>
+                </a:solidFill>
+                <a:latin typeface="Tahoma" panose="020B0604030504040204" pitchFamily="34" charset="0"/>
+                <a:ea typeface="Tahoma" panose="020B0604030504040204" pitchFamily="34" charset="0"/>
+                <a:cs typeface="Tahoma" panose="020B0604030504040204" pitchFamily="34" charset="0"/>
+              </a:rPr>
+              <a:t>crittografici</a:t>
+            </a:r>
+            <a:r>
+              <a:rPr lang="en-US" sz="2400" b="0" dirty="0" smtClean="0">
+                <a:solidFill>
+                  <a:schemeClr val="tx1"/>
+                </a:solidFill>
+                <a:latin typeface="Tahoma" panose="020B0604030504040204" pitchFamily="34" charset="0"/>
+                <a:ea typeface="Tahoma" panose="020B0604030504040204" pitchFamily="34" charset="0"/>
+                <a:cs typeface="Tahoma" panose="020B0604030504040204" pitchFamily="34" charset="0"/>
+              </a:rPr>
+              <a:t>.</a:t>
+            </a:r>
+            <a:r>
+              <a:rPr lang="en-US" sz="2400" dirty="0" smtClean="0">
+                <a:solidFill>
+                  <a:schemeClr val="tx1"/>
+                </a:solidFill>
+                <a:latin typeface="Tahoma" panose="020B0604030504040204" pitchFamily="34" charset="0"/>
+                <a:ea typeface="Tahoma" panose="020B0604030504040204" pitchFamily="34" charset="0"/>
+                <a:cs typeface="Tahoma" panose="020B0604030504040204" pitchFamily="34" charset="0"/>
+              </a:rPr>
+              <a:t> </a:t>
+            </a:r>
+          </a:p>
+          <a:p>
+            <a:pPr marL="342900" indent="-342900">
+              <a:buFont typeface="Wingdings" panose="05000000000000000000" pitchFamily="2" charset="2"/>
+              <a:buChar char="ü"/>
+            </a:pPr>
+            <a:endParaRPr lang="it-IT" sz="2400" dirty="0">
+              <a:solidFill>
+                <a:schemeClr val="tx1"/>
+              </a:solidFill>
+              <a:latin typeface="Tahoma" panose="020B0604030504040204" pitchFamily="34" charset="0"/>
+              <a:ea typeface="Tahoma" panose="020B0604030504040204" pitchFamily="34" charset="0"/>
+              <a:cs typeface="Tahoma" panose="020B0604030504040204" pitchFamily="34" charset="0"/>
+            </a:endParaRPr>
+          </a:p>
+        </p:txBody>
+      </p:sp>
+      <p:sp>
+        <p:nvSpPr>
+          <p:cNvPr id="7" name="Segnaposto numero diapositiva 6">
+            <a:extLst>
+              <a:ext uri="{FF2B5EF4-FFF2-40B4-BE49-F238E27FC236}">
+                <a16:creationId xmlns:a16="http://schemas.microsoft.com/office/drawing/2014/main" id="{AB740BE9-E218-4144-BFDE-AE473D230A3D}"/>
+              </a:ext>
+            </a:extLst>
+          </p:cNvPr>
+          <p:cNvSpPr>
+            <a:spLocks noGrp="1"/>
+          </p:cNvSpPr>
+          <p:nvPr>
+            <p:ph type="sldNum" sz="quarter" idx="12"/>
+          </p:nvPr>
+        </p:nvSpPr>
+        <p:spPr/>
+        <p:txBody>
+          <a:bodyPr/>
+          <a:lstStyle/>
+          <a:p>
+            <a:pPr>
+              <a:defRPr/>
+            </a:pPr>
+            <a:fld id="{48B4153A-D4C5-4CEF-8992-0D8815C829E3}" type="slidenum">
+              <a:rPr lang="en-US" smtClean="0"/>
+              <a:pPr>
+                <a:defRPr/>
+              </a:pPr>
+              <a:t>23</a:t>
+            </a:fld>
+            <a:endParaRPr lang="en-US" dirty="0"/>
+          </a:p>
+        </p:txBody>
+      </p:sp>
+      <p:sp>
+        <p:nvSpPr>
+          <p:cNvPr id="6" name="Titolo 4">
+            <a:extLst>
+              <a:ext uri="{FF2B5EF4-FFF2-40B4-BE49-F238E27FC236}">
+                <a16:creationId xmlns:a16="http://schemas.microsoft.com/office/drawing/2014/main" id="{CF9A4806-60B4-80DC-1F76-D2EB3E6C376B}"/>
+              </a:ext>
+            </a:extLst>
+          </p:cNvPr>
+          <p:cNvSpPr>
+            <a:spLocks noGrp="1"/>
+          </p:cNvSpPr>
+          <p:nvPr>
+            <p:ph type="title"/>
+          </p:nvPr>
+        </p:nvSpPr>
+        <p:spPr>
+          <a:xfrm>
+            <a:off x="468313" y="286788"/>
+            <a:ext cx="11269662" cy="769441"/>
+          </a:xfrm>
+        </p:spPr>
+        <p:txBody>
+          <a:bodyPr/>
+          <a:lstStyle/>
+          <a:p>
+            <a:r>
+              <a:rPr lang="it-IT" dirty="0">
+                <a:solidFill>
+                  <a:schemeClr val="tx1"/>
+                </a:solidFill>
+              </a:rPr>
+              <a:t>Architetture di </a:t>
+            </a:r>
+            <a:r>
+              <a:rPr lang="it-IT" dirty="0" err="1" smtClean="0">
+                <a:solidFill>
+                  <a:schemeClr val="tx1"/>
+                </a:solidFill>
+              </a:rPr>
+              <a:t>Blockchain</a:t>
+            </a:r>
+            <a:r>
+              <a:rPr lang="it-IT" dirty="0" smtClean="0">
+                <a:solidFill>
+                  <a:schemeClr val="tx1"/>
+                </a:solidFill>
+              </a:rPr>
+              <a:t> più nel dettaglio</a:t>
+            </a:r>
+            <a:r>
+              <a:rPr lang="it-IT" dirty="0">
+                <a:solidFill>
+                  <a:schemeClr val="tx1"/>
+                </a:solidFill>
+              </a:rPr>
+              <a:t/>
+            </a:r>
+            <a:br>
+              <a:rPr lang="it-IT" dirty="0">
+                <a:solidFill>
+                  <a:schemeClr val="tx1"/>
+                </a:solidFill>
+              </a:rPr>
+            </a:br>
+            <a:endParaRPr lang="it-IT" dirty="0">
+              <a:solidFill>
+                <a:schemeClr val="tx1"/>
+              </a:solidFill>
+            </a:endParaRPr>
+          </a:p>
+        </p:txBody>
+      </p:sp>
+    </p:spTree>
+    <p:extLst>
+      <p:ext uri="{BB962C8B-B14F-4D97-AF65-F5344CB8AC3E}">
+        <p14:creationId xmlns:p14="http://schemas.microsoft.com/office/powerpoint/2010/main" val="689761554"/>
+      </p:ext>
+    </p:extLst>
+  </p:cSld>
+  <p:clrMapOvr>
+    <a:masterClrMapping/>
+  </p:clrMapOvr>
+</p:sld>
+</file>
+
+<file path=ppt/slides/slide24.xml><?xml version="1.0" encoding="utf-8"?>
+<p:sld xmlns:a="http://schemas.openxmlformats.org/drawingml/2006/main" xmlns:r="http://schemas.openxmlformats.org/officeDocument/2006/relationships" xmlns:p="http://schemas.openxmlformats.org/presentationml/2006/main">
+  <p:cSld>
+    <p:spTree>
+      <p:nvGrpSpPr>
+        <p:cNvPr id="1" name=""/>
+        <p:cNvGrpSpPr/>
+        <p:nvPr/>
+      </p:nvGrpSpPr>
+      <p:grpSpPr>
+        <a:xfrm>
+          <a:off x="0" y="0"/>
+          <a:ext cx="0" cy="0"/>
+          <a:chOff x="0" y="0"/>
+          <a:chExt cx="0" cy="0"/>
+        </a:xfrm>
+      </p:grpSpPr>
+      <p:sp>
+        <p:nvSpPr>
+          <p:cNvPr id="2" name="Segnaposto testo 1">
+            <a:extLst>
+              <a:ext uri="{FF2B5EF4-FFF2-40B4-BE49-F238E27FC236}">
+                <a16:creationId xmlns:a16="http://schemas.microsoft.com/office/drawing/2014/main" id="{E5AE986C-196F-4141-A898-FA4C4198CDCC}"/>
+              </a:ext>
+            </a:extLst>
+          </p:cNvPr>
+          <p:cNvSpPr>
+            <a:spLocks noGrp="1"/>
+          </p:cNvSpPr>
+          <p:nvPr>
+            <p:ph type="body" idx="1"/>
+          </p:nvPr>
+        </p:nvSpPr>
+        <p:spPr>
+          <a:xfrm>
+            <a:off x="323469" y="1382937"/>
+            <a:ext cx="11414506" cy="4392612"/>
+          </a:xfrm>
+        </p:spPr>
+        <p:txBody>
+          <a:bodyPr/>
+          <a:lstStyle/>
+          <a:p>
+            <a:pPr marL="342900" indent="-342900">
+              <a:buFont typeface="Wingdings" panose="05000000000000000000" pitchFamily="2" charset="2"/>
+              <a:buChar char="ü"/>
+            </a:pPr>
+            <a:r>
+              <a:rPr lang="it-IT" sz="2400" dirty="0" smtClean="0">
+                <a:solidFill>
+                  <a:schemeClr val="tx1"/>
+                </a:solidFill>
+                <a:latin typeface="Tahoma" panose="020B0604030504040204" pitchFamily="34" charset="0"/>
+                <a:ea typeface="Tahoma" panose="020B0604030504040204" pitchFamily="34" charset="0"/>
+                <a:cs typeface="Tahoma" panose="020B0604030504040204" pitchFamily="34" charset="0"/>
+              </a:rPr>
+              <a:t>Il </a:t>
+            </a:r>
+            <a:r>
+              <a:rPr lang="it-IT" sz="2400" b="1" dirty="0" smtClean="0">
+                <a:solidFill>
+                  <a:schemeClr val="tx1"/>
+                </a:solidFill>
+                <a:latin typeface="Tahoma" panose="020B0604030504040204" pitchFamily="34" charset="0"/>
+                <a:ea typeface="Tahoma" panose="020B0604030504040204" pitchFamily="34" charset="0"/>
+                <a:cs typeface="Tahoma" panose="020B0604030504040204" pitchFamily="34" charset="0"/>
+              </a:rPr>
+              <a:t>corpo</a:t>
+            </a:r>
+            <a:r>
+              <a:rPr lang="it-IT" sz="2400" dirty="0" smtClean="0">
+                <a:solidFill>
+                  <a:schemeClr val="tx1"/>
+                </a:solidFill>
+                <a:latin typeface="Tahoma" panose="020B0604030504040204" pitchFamily="34" charset="0"/>
+                <a:ea typeface="Tahoma" panose="020B0604030504040204" pitchFamily="34" charset="0"/>
+                <a:cs typeface="Tahoma" panose="020B0604030504040204" pitchFamily="34" charset="0"/>
+              </a:rPr>
+              <a:t> di un </a:t>
+            </a:r>
+            <a:r>
+              <a:rPr lang="it-IT" sz="2400" b="1" dirty="0" smtClean="0">
+                <a:solidFill>
+                  <a:schemeClr val="tx1"/>
+                </a:solidFill>
+                <a:latin typeface="Tahoma" panose="020B0604030504040204" pitchFamily="34" charset="0"/>
+                <a:ea typeface="Tahoma" panose="020B0604030504040204" pitchFamily="34" charset="0"/>
+                <a:cs typeface="Tahoma" panose="020B0604030504040204" pitchFamily="34" charset="0"/>
+              </a:rPr>
+              <a:t>blocco</a:t>
+            </a:r>
+            <a:r>
+              <a:rPr lang="it-IT" sz="2400" dirty="0" smtClean="0">
+                <a:solidFill>
+                  <a:schemeClr val="tx1"/>
+                </a:solidFill>
+                <a:latin typeface="Tahoma" panose="020B0604030504040204" pitchFamily="34" charset="0"/>
+                <a:ea typeface="Tahoma" panose="020B0604030504040204" pitchFamily="34" charset="0"/>
+                <a:cs typeface="Tahoma" panose="020B0604030504040204" pitchFamily="34" charset="0"/>
+              </a:rPr>
+              <a:t> contiene i </a:t>
+            </a:r>
+            <a:r>
+              <a:rPr lang="it-IT" sz="2400" b="1" dirty="0" smtClean="0">
+                <a:solidFill>
+                  <a:schemeClr val="tx1"/>
+                </a:solidFill>
+                <a:latin typeface="Tahoma" panose="020B0604030504040204" pitchFamily="34" charset="0"/>
+                <a:ea typeface="Tahoma" panose="020B0604030504040204" pitchFamily="34" charset="0"/>
+                <a:cs typeface="Tahoma" panose="020B0604030504040204" pitchFamily="34" charset="0"/>
+              </a:rPr>
+              <a:t>record</a:t>
+            </a:r>
+            <a:r>
+              <a:rPr lang="it-IT" sz="2400" dirty="0" smtClean="0">
+                <a:solidFill>
+                  <a:schemeClr val="tx1"/>
+                </a:solidFill>
+                <a:latin typeface="Tahoma" panose="020B0604030504040204" pitchFamily="34" charset="0"/>
+                <a:ea typeface="Tahoma" panose="020B0604030504040204" pitchFamily="34" charset="0"/>
+                <a:cs typeface="Tahoma" panose="020B0604030504040204" pitchFamily="34" charset="0"/>
+              </a:rPr>
+              <a:t> di una </a:t>
+            </a:r>
+            <a:r>
+              <a:rPr lang="it-IT" sz="2400" b="1" dirty="0" smtClean="0">
+                <a:solidFill>
+                  <a:schemeClr val="tx1"/>
+                </a:solidFill>
+                <a:latin typeface="Tahoma" panose="020B0604030504040204" pitchFamily="34" charset="0"/>
+                <a:ea typeface="Tahoma" panose="020B0604030504040204" pitchFamily="34" charset="0"/>
+                <a:cs typeface="Tahoma" panose="020B0604030504040204" pitchFamily="34" charset="0"/>
+              </a:rPr>
+              <a:t>transazione</a:t>
+            </a:r>
+            <a:r>
+              <a:rPr lang="it-IT" sz="2400" dirty="0" smtClean="0">
+                <a:solidFill>
+                  <a:schemeClr val="tx1"/>
+                </a:solidFill>
+                <a:latin typeface="Tahoma" panose="020B0604030504040204" pitchFamily="34" charset="0"/>
+                <a:ea typeface="Tahoma" panose="020B0604030504040204" pitchFamily="34" charset="0"/>
+                <a:cs typeface="Tahoma" panose="020B0604030504040204" pitchFamily="34" charset="0"/>
+              </a:rPr>
+              <a:t>. </a:t>
+            </a:r>
+            <a:r>
+              <a:rPr lang="it-IT" sz="2400" b="1" dirty="0" smtClean="0">
+                <a:solidFill>
+                  <a:schemeClr val="tx1"/>
+                </a:solidFill>
+                <a:latin typeface="Tahoma" panose="020B0604030504040204" pitchFamily="34" charset="0"/>
+                <a:ea typeface="Tahoma" panose="020B0604030504040204" pitchFamily="34" charset="0"/>
+                <a:cs typeface="Tahoma" panose="020B0604030504040204" pitchFamily="34" charset="0"/>
+              </a:rPr>
+              <a:t>Immagazzinare</a:t>
+            </a:r>
+            <a:r>
+              <a:rPr lang="it-IT" sz="2400" dirty="0" smtClean="0">
+                <a:solidFill>
+                  <a:schemeClr val="tx1"/>
+                </a:solidFill>
+                <a:latin typeface="Tahoma" panose="020B0604030504040204" pitchFamily="34" charset="0"/>
+                <a:ea typeface="Tahoma" panose="020B0604030504040204" pitchFamily="34" charset="0"/>
+                <a:cs typeface="Tahoma" panose="020B0604030504040204" pitchFamily="34" charset="0"/>
+              </a:rPr>
+              <a:t> questi </a:t>
+            </a:r>
+            <a:r>
+              <a:rPr lang="it-IT" sz="2400" b="1" dirty="0" smtClean="0">
+                <a:solidFill>
+                  <a:schemeClr val="tx1"/>
+                </a:solidFill>
+                <a:latin typeface="Tahoma" panose="020B0604030504040204" pitchFamily="34" charset="0"/>
+                <a:ea typeface="Tahoma" panose="020B0604030504040204" pitchFamily="34" charset="0"/>
+                <a:cs typeface="Tahoma" panose="020B0604030504040204" pitchFamily="34" charset="0"/>
+              </a:rPr>
+              <a:t>record</a:t>
+            </a:r>
+            <a:r>
+              <a:rPr lang="it-IT" sz="2400" dirty="0" smtClean="0">
+                <a:solidFill>
+                  <a:schemeClr val="tx1"/>
+                </a:solidFill>
+                <a:latin typeface="Tahoma" panose="020B0604030504040204" pitchFamily="34" charset="0"/>
+                <a:ea typeface="Tahoma" panose="020B0604030504040204" pitchFamily="34" charset="0"/>
+                <a:cs typeface="Tahoma" panose="020B0604030504040204" pitchFamily="34" charset="0"/>
+              </a:rPr>
+              <a:t> con la massima </a:t>
+            </a:r>
+            <a:r>
+              <a:rPr lang="it-IT" sz="2400" b="1" dirty="0" smtClean="0">
+                <a:solidFill>
+                  <a:schemeClr val="tx1"/>
+                </a:solidFill>
+                <a:latin typeface="Tahoma" panose="020B0604030504040204" pitchFamily="34" charset="0"/>
+                <a:ea typeface="Tahoma" panose="020B0604030504040204" pitchFamily="34" charset="0"/>
+                <a:cs typeface="Tahoma" panose="020B0604030504040204" pitchFamily="34" charset="0"/>
+              </a:rPr>
+              <a:t>sicurezza</a:t>
+            </a:r>
+            <a:r>
+              <a:rPr lang="it-IT" sz="2400" dirty="0" smtClean="0">
+                <a:solidFill>
+                  <a:schemeClr val="tx1"/>
+                </a:solidFill>
+                <a:latin typeface="Tahoma" panose="020B0604030504040204" pitchFamily="34" charset="0"/>
+                <a:ea typeface="Tahoma" panose="020B0604030504040204" pitchFamily="34" charset="0"/>
+                <a:cs typeface="Tahoma" panose="020B0604030504040204" pitchFamily="34" charset="0"/>
+              </a:rPr>
+              <a:t> è una delle priorità della </a:t>
+            </a:r>
+            <a:r>
+              <a:rPr lang="it-IT" sz="2400" b="1" dirty="0" err="1" smtClean="0">
+                <a:solidFill>
+                  <a:schemeClr val="tx1"/>
+                </a:solidFill>
+                <a:latin typeface="Tahoma" panose="020B0604030504040204" pitchFamily="34" charset="0"/>
+                <a:ea typeface="Tahoma" panose="020B0604030504040204" pitchFamily="34" charset="0"/>
+                <a:cs typeface="Tahoma" panose="020B0604030504040204" pitchFamily="34" charset="0"/>
+              </a:rPr>
+              <a:t>blockchain</a:t>
+            </a:r>
+            <a:r>
+              <a:rPr lang="it-IT" sz="2400" dirty="0" smtClean="0">
+                <a:solidFill>
+                  <a:schemeClr val="tx1"/>
+                </a:solidFill>
+                <a:latin typeface="Tahoma" panose="020B0604030504040204" pitchFamily="34" charset="0"/>
+                <a:ea typeface="Tahoma" panose="020B0604030504040204" pitchFamily="34" charset="0"/>
+                <a:cs typeface="Tahoma" panose="020B0604030504040204" pitchFamily="34" charset="0"/>
+              </a:rPr>
+              <a:t>. </a:t>
+            </a:r>
+          </a:p>
+          <a:p>
+            <a:pPr marL="342900" indent="-342900">
+              <a:buFont typeface="Wingdings" panose="05000000000000000000" pitchFamily="2" charset="2"/>
+              <a:buChar char="ü"/>
+            </a:pPr>
+            <a:r>
+              <a:rPr lang="en-US" sz="2400" dirty="0" smtClean="0">
+                <a:solidFill>
+                  <a:schemeClr val="tx1"/>
+                </a:solidFill>
+                <a:latin typeface="Tahoma" panose="020B0604030504040204" pitchFamily="34" charset="0"/>
+                <a:ea typeface="Tahoma" panose="020B0604030504040204" pitchFamily="34" charset="0"/>
+                <a:cs typeface="Tahoma" panose="020B0604030504040204" pitchFamily="34" charset="0"/>
+              </a:rPr>
+              <a:t>Ma per </a:t>
+            </a:r>
+            <a:r>
+              <a:rPr lang="en-US" sz="2400" dirty="0" err="1" smtClean="0">
+                <a:solidFill>
+                  <a:schemeClr val="tx1"/>
+                </a:solidFill>
+                <a:latin typeface="Tahoma" panose="020B0604030504040204" pitchFamily="34" charset="0"/>
+                <a:ea typeface="Tahoma" panose="020B0604030504040204" pitchFamily="34" charset="0"/>
+                <a:cs typeface="Tahoma" panose="020B0604030504040204" pitchFamily="34" charset="0"/>
+              </a:rPr>
+              <a:t>essere</a:t>
+            </a:r>
+            <a:r>
+              <a:rPr lang="en-US" sz="2400" dirty="0" smtClean="0">
+                <a:solidFill>
+                  <a:schemeClr val="tx1"/>
+                </a:solidFill>
+                <a:latin typeface="Tahoma" panose="020B0604030504040204" pitchFamily="34" charset="0"/>
+                <a:ea typeface="Tahoma" panose="020B0604030504040204" pitchFamily="34" charset="0"/>
+                <a:cs typeface="Tahoma" panose="020B0604030504040204" pitchFamily="34" charset="0"/>
+              </a:rPr>
+              <a:t> in </a:t>
+            </a:r>
+            <a:r>
+              <a:rPr lang="en-US" sz="2400" dirty="0" err="1" smtClean="0">
+                <a:solidFill>
+                  <a:schemeClr val="tx1"/>
+                </a:solidFill>
+                <a:latin typeface="Tahoma" panose="020B0604030504040204" pitchFamily="34" charset="0"/>
+                <a:ea typeface="Tahoma" panose="020B0604030504040204" pitchFamily="34" charset="0"/>
+                <a:cs typeface="Tahoma" panose="020B0604030504040204" pitchFamily="34" charset="0"/>
+              </a:rPr>
+              <a:t>grado</a:t>
+            </a:r>
+            <a:r>
+              <a:rPr lang="en-US" sz="2400" dirty="0" smtClean="0">
+                <a:solidFill>
+                  <a:schemeClr val="tx1"/>
+                </a:solidFill>
+                <a:latin typeface="Tahoma" panose="020B0604030504040204" pitchFamily="34" charset="0"/>
+                <a:ea typeface="Tahoma" panose="020B0604030504040204" pitchFamily="34" charset="0"/>
+                <a:cs typeface="Tahoma" panose="020B0604030504040204" pitchFamily="34" charset="0"/>
+              </a:rPr>
+              <a:t> di </a:t>
+            </a:r>
+            <a:r>
+              <a:rPr lang="en-US" sz="2400" dirty="0" err="1" smtClean="0">
+                <a:solidFill>
+                  <a:schemeClr val="tx1"/>
+                </a:solidFill>
+                <a:latin typeface="Tahoma" panose="020B0604030504040204" pitchFamily="34" charset="0"/>
+                <a:ea typeface="Tahoma" panose="020B0604030504040204" pitchFamily="34" charset="0"/>
+                <a:cs typeface="Tahoma" panose="020B0604030504040204" pitchFamily="34" charset="0"/>
+              </a:rPr>
+              <a:t>funzionare</a:t>
+            </a:r>
+            <a:r>
+              <a:rPr lang="en-US" sz="2400" dirty="0" smtClean="0">
+                <a:solidFill>
+                  <a:schemeClr val="tx1"/>
+                </a:solidFill>
+                <a:latin typeface="Tahoma" panose="020B0604030504040204" pitchFamily="34" charset="0"/>
+                <a:ea typeface="Tahoma" panose="020B0604030504040204" pitchFamily="34" charset="0"/>
+                <a:cs typeface="Tahoma" panose="020B0604030504040204" pitchFamily="34" charset="0"/>
+              </a:rPr>
+              <a:t> in </a:t>
+            </a:r>
+            <a:r>
+              <a:rPr lang="en-US" sz="2400" dirty="0" err="1" smtClean="0">
+                <a:solidFill>
+                  <a:schemeClr val="tx1"/>
+                </a:solidFill>
+                <a:latin typeface="Tahoma" panose="020B0604030504040204" pitchFamily="34" charset="0"/>
+                <a:ea typeface="Tahoma" panose="020B0604030504040204" pitchFamily="34" charset="0"/>
+                <a:cs typeface="Tahoma" panose="020B0604030504040204" pitchFamily="34" charset="0"/>
+              </a:rPr>
+              <a:t>una</a:t>
+            </a:r>
+            <a:r>
+              <a:rPr lang="en-US" sz="2400" dirty="0" smtClean="0">
+                <a:solidFill>
+                  <a:schemeClr val="tx1"/>
+                </a:solidFill>
+                <a:latin typeface="Tahoma" panose="020B0604030504040204" pitchFamily="34" charset="0"/>
+                <a:ea typeface="Tahoma" panose="020B0604030504040204" pitchFamily="34" charset="0"/>
+                <a:cs typeface="Tahoma" panose="020B0604030504040204" pitchFamily="34" charset="0"/>
+              </a:rPr>
+              <a:t> </a:t>
+            </a:r>
+            <a:r>
+              <a:rPr lang="en-US" sz="2400" b="1" dirty="0" err="1" smtClean="0">
+                <a:solidFill>
+                  <a:schemeClr val="tx1"/>
+                </a:solidFill>
+                <a:latin typeface="Tahoma" panose="020B0604030504040204" pitchFamily="34" charset="0"/>
+                <a:ea typeface="Tahoma" panose="020B0604030504040204" pitchFamily="34" charset="0"/>
+                <a:cs typeface="Tahoma" panose="020B0604030504040204" pitchFamily="34" charset="0"/>
+              </a:rPr>
+              <a:t>blockchain</a:t>
+            </a:r>
+            <a:r>
+              <a:rPr lang="en-US" sz="2400" dirty="0">
+                <a:solidFill>
+                  <a:schemeClr val="tx1"/>
+                </a:solidFill>
+                <a:latin typeface="Tahoma" panose="020B0604030504040204" pitchFamily="34" charset="0"/>
+                <a:ea typeface="Tahoma" panose="020B0604030504040204" pitchFamily="34" charset="0"/>
+                <a:cs typeface="Tahoma" panose="020B0604030504040204" pitchFamily="34" charset="0"/>
+              </a:rPr>
+              <a:t>, </a:t>
+            </a:r>
+            <a:r>
+              <a:rPr lang="en-US" sz="2400" dirty="0" smtClean="0">
+                <a:solidFill>
+                  <a:schemeClr val="tx1"/>
+                </a:solidFill>
+                <a:latin typeface="Tahoma" panose="020B0604030504040204" pitchFamily="34" charset="0"/>
+                <a:ea typeface="Tahoma" panose="020B0604030504040204" pitchFamily="34" charset="0"/>
+                <a:cs typeface="Tahoma" panose="020B0604030504040204" pitchFamily="34" charset="0"/>
+              </a:rPr>
+              <a:t>un </a:t>
+            </a:r>
+            <a:r>
+              <a:rPr lang="en-US" sz="2400" dirty="0" err="1" smtClean="0">
+                <a:solidFill>
+                  <a:schemeClr val="tx1"/>
+                </a:solidFill>
+                <a:latin typeface="Tahoma" panose="020B0604030504040204" pitchFamily="34" charset="0"/>
+                <a:ea typeface="Tahoma" panose="020B0604030504040204" pitchFamily="34" charset="0"/>
+                <a:cs typeface="Tahoma" panose="020B0604030504040204" pitchFamily="34" charset="0"/>
+              </a:rPr>
+              <a:t>blocco</a:t>
+            </a:r>
+            <a:r>
+              <a:rPr lang="en-US" sz="2400" dirty="0" smtClean="0">
+                <a:solidFill>
+                  <a:schemeClr val="tx1"/>
+                </a:solidFill>
+                <a:latin typeface="Tahoma" panose="020B0604030504040204" pitchFamily="34" charset="0"/>
+                <a:ea typeface="Tahoma" panose="020B0604030504040204" pitchFamily="34" charset="0"/>
+                <a:cs typeface="Tahoma" panose="020B0604030504040204" pitchFamily="34" charset="0"/>
+              </a:rPr>
+              <a:t> ha </a:t>
+            </a:r>
+            <a:r>
+              <a:rPr lang="en-US" sz="2400" dirty="0" err="1" smtClean="0">
+                <a:solidFill>
+                  <a:schemeClr val="tx1"/>
+                </a:solidFill>
+                <a:latin typeface="Tahoma" panose="020B0604030504040204" pitchFamily="34" charset="0"/>
+                <a:ea typeface="Tahoma" panose="020B0604030504040204" pitchFamily="34" charset="0"/>
+                <a:cs typeface="Tahoma" panose="020B0604030504040204" pitchFamily="34" charset="0"/>
+              </a:rPr>
+              <a:t>anche</a:t>
+            </a:r>
+            <a:r>
+              <a:rPr lang="en-US" sz="2400" dirty="0" smtClean="0">
+                <a:solidFill>
+                  <a:schemeClr val="tx1"/>
+                </a:solidFill>
+                <a:latin typeface="Tahoma" panose="020B0604030504040204" pitchFamily="34" charset="0"/>
+                <a:ea typeface="Tahoma" panose="020B0604030504040204" pitchFamily="34" charset="0"/>
+                <a:cs typeface="Tahoma" panose="020B0604030504040204" pitchFamily="34" charset="0"/>
+              </a:rPr>
+              <a:t> di </a:t>
+            </a:r>
+            <a:r>
+              <a:rPr lang="en-US" sz="2400" dirty="0" err="1" smtClean="0">
+                <a:solidFill>
+                  <a:schemeClr val="tx1"/>
+                </a:solidFill>
+                <a:latin typeface="Tahoma" panose="020B0604030504040204" pitchFamily="34" charset="0"/>
+                <a:ea typeface="Tahoma" panose="020B0604030504040204" pitchFamily="34" charset="0"/>
+                <a:cs typeface="Tahoma" panose="020B0604030504040204" pitchFamily="34" charset="0"/>
+              </a:rPr>
+              <a:t>bisogno</a:t>
+            </a:r>
+            <a:r>
+              <a:rPr lang="en-US" sz="2400" dirty="0" smtClean="0">
+                <a:solidFill>
+                  <a:schemeClr val="tx1"/>
+                </a:solidFill>
+                <a:latin typeface="Tahoma" panose="020B0604030504040204" pitchFamily="34" charset="0"/>
+                <a:ea typeface="Tahoma" panose="020B0604030504040204" pitchFamily="34" charset="0"/>
+                <a:cs typeface="Tahoma" panose="020B0604030504040204" pitchFamily="34" charset="0"/>
+              </a:rPr>
+              <a:t> di </a:t>
+            </a:r>
+            <a:r>
+              <a:rPr lang="en-US" sz="2400" dirty="0" err="1" smtClean="0">
+                <a:solidFill>
+                  <a:schemeClr val="tx1"/>
+                </a:solidFill>
+                <a:latin typeface="Tahoma" panose="020B0604030504040204" pitchFamily="34" charset="0"/>
+                <a:ea typeface="Tahoma" panose="020B0604030504040204" pitchFamily="34" charset="0"/>
+                <a:cs typeface="Tahoma" panose="020B0604030504040204" pitchFamily="34" charset="0"/>
+              </a:rPr>
+              <a:t>altri</a:t>
+            </a:r>
+            <a:r>
+              <a:rPr lang="en-US" sz="2400" dirty="0" smtClean="0">
+                <a:solidFill>
+                  <a:schemeClr val="tx1"/>
+                </a:solidFill>
+                <a:latin typeface="Tahoma" panose="020B0604030504040204" pitchFamily="34" charset="0"/>
+                <a:ea typeface="Tahoma" panose="020B0604030504040204" pitchFamily="34" charset="0"/>
+                <a:cs typeface="Tahoma" panose="020B0604030504040204" pitchFamily="34" charset="0"/>
+              </a:rPr>
+              <a:t> </a:t>
+            </a:r>
+            <a:r>
+              <a:rPr lang="en-US" sz="2400" b="1" dirty="0" smtClean="0">
+                <a:solidFill>
+                  <a:schemeClr val="tx1"/>
+                </a:solidFill>
+                <a:latin typeface="Tahoma" panose="020B0604030504040204" pitchFamily="34" charset="0"/>
+                <a:ea typeface="Tahoma" panose="020B0604030504040204" pitchFamily="34" charset="0"/>
+                <a:cs typeface="Tahoma" panose="020B0604030504040204" pitchFamily="34" charset="0"/>
+              </a:rPr>
+              <a:t>4 </a:t>
+            </a:r>
+            <a:r>
+              <a:rPr lang="en-US" sz="2400" b="1" dirty="0" err="1" smtClean="0">
+                <a:solidFill>
+                  <a:schemeClr val="tx1"/>
+                </a:solidFill>
+                <a:latin typeface="Tahoma" panose="020B0604030504040204" pitchFamily="34" charset="0"/>
+                <a:ea typeface="Tahoma" panose="020B0604030504040204" pitchFamily="34" charset="0"/>
+                <a:cs typeface="Tahoma" panose="020B0604030504040204" pitchFamily="34" charset="0"/>
+              </a:rPr>
+              <a:t>elementi</a:t>
+            </a:r>
+            <a:r>
+              <a:rPr lang="en-US" sz="2400" dirty="0" smtClean="0">
+                <a:solidFill>
+                  <a:schemeClr val="tx1"/>
+                </a:solidFill>
+                <a:latin typeface="Tahoma" panose="020B0604030504040204" pitchFamily="34" charset="0"/>
+                <a:ea typeface="Tahoma" panose="020B0604030504040204" pitchFamily="34" charset="0"/>
+                <a:cs typeface="Tahoma" panose="020B0604030504040204" pitchFamily="34" charset="0"/>
+              </a:rPr>
+              <a:t>. Ma prima di </a:t>
+            </a:r>
+            <a:r>
+              <a:rPr lang="en-US" sz="2400" dirty="0" err="1" smtClean="0">
+                <a:solidFill>
+                  <a:schemeClr val="tx1"/>
+                </a:solidFill>
+                <a:latin typeface="Tahoma" panose="020B0604030504040204" pitchFamily="34" charset="0"/>
+                <a:ea typeface="Tahoma" panose="020B0604030504040204" pitchFamily="34" charset="0"/>
+                <a:cs typeface="Tahoma" panose="020B0604030504040204" pitchFamily="34" charset="0"/>
+              </a:rPr>
+              <a:t>scoprire</a:t>
+            </a:r>
+            <a:r>
+              <a:rPr lang="en-US" sz="2400" dirty="0" smtClean="0">
+                <a:solidFill>
+                  <a:schemeClr val="tx1"/>
+                </a:solidFill>
+                <a:latin typeface="Tahoma" panose="020B0604030504040204" pitchFamily="34" charset="0"/>
+                <a:ea typeface="Tahoma" panose="020B0604030504040204" pitchFamily="34" charset="0"/>
+                <a:cs typeface="Tahoma" panose="020B0604030504040204" pitchFamily="34" charset="0"/>
+              </a:rPr>
+              <a:t> </a:t>
+            </a:r>
+            <a:r>
+              <a:rPr lang="en-US" sz="2400" dirty="0" err="1" smtClean="0">
+                <a:solidFill>
+                  <a:schemeClr val="tx1"/>
+                </a:solidFill>
+                <a:latin typeface="Tahoma" panose="020B0604030504040204" pitchFamily="34" charset="0"/>
+                <a:ea typeface="Tahoma" panose="020B0604030504040204" pitchFamily="34" charset="0"/>
+                <a:cs typeface="Tahoma" panose="020B0604030504040204" pitchFamily="34" charset="0"/>
+              </a:rPr>
+              <a:t>quali</a:t>
+            </a:r>
+            <a:r>
+              <a:rPr lang="en-US" sz="2400" dirty="0" smtClean="0">
+                <a:solidFill>
+                  <a:schemeClr val="tx1"/>
+                </a:solidFill>
+                <a:latin typeface="Tahoma" panose="020B0604030504040204" pitchFamily="34" charset="0"/>
+                <a:ea typeface="Tahoma" panose="020B0604030504040204" pitchFamily="34" charset="0"/>
+                <a:cs typeface="Tahoma" panose="020B0604030504040204" pitchFamily="34" charset="0"/>
+              </a:rPr>
+              <a:t> </a:t>
+            </a:r>
+            <a:r>
+              <a:rPr lang="en-US" sz="2400" dirty="0" err="1" smtClean="0">
+                <a:solidFill>
+                  <a:schemeClr val="tx1"/>
+                </a:solidFill>
+                <a:latin typeface="Tahoma" panose="020B0604030504040204" pitchFamily="34" charset="0"/>
+                <a:ea typeface="Tahoma" panose="020B0604030504040204" pitchFamily="34" charset="0"/>
+                <a:cs typeface="Tahoma" panose="020B0604030504040204" pitchFamily="34" charset="0"/>
+              </a:rPr>
+              <a:t>sono</a:t>
+            </a:r>
+            <a:r>
+              <a:rPr lang="en-US" sz="2400" dirty="0" smtClean="0">
+                <a:solidFill>
+                  <a:schemeClr val="tx1"/>
+                </a:solidFill>
+                <a:latin typeface="Tahoma" panose="020B0604030504040204" pitchFamily="34" charset="0"/>
+                <a:ea typeface="Tahoma" panose="020B0604030504040204" pitchFamily="34" charset="0"/>
+                <a:cs typeface="Tahoma" panose="020B0604030504040204" pitchFamily="34" charset="0"/>
+              </a:rPr>
+              <a:t>, </a:t>
+            </a:r>
+            <a:r>
+              <a:rPr lang="en-US" sz="2400" dirty="0" err="1" smtClean="0">
+                <a:solidFill>
+                  <a:schemeClr val="tx1"/>
+                </a:solidFill>
+                <a:latin typeface="Tahoma" panose="020B0604030504040204" pitchFamily="34" charset="0"/>
+                <a:ea typeface="Tahoma" panose="020B0604030504040204" pitchFamily="34" charset="0"/>
+                <a:cs typeface="Tahoma" panose="020B0604030504040204" pitchFamily="34" charset="0"/>
+              </a:rPr>
+              <a:t>vediamo</a:t>
+            </a:r>
+            <a:r>
+              <a:rPr lang="en-US" sz="2400" dirty="0" smtClean="0">
+                <a:solidFill>
+                  <a:schemeClr val="tx1"/>
+                </a:solidFill>
+                <a:latin typeface="Tahoma" panose="020B0604030504040204" pitchFamily="34" charset="0"/>
+                <a:ea typeface="Tahoma" panose="020B0604030504040204" pitchFamily="34" charset="0"/>
+                <a:cs typeface="Tahoma" panose="020B0604030504040204" pitchFamily="34" charset="0"/>
+              </a:rPr>
+              <a:t> prima come I </a:t>
+            </a:r>
+            <a:r>
+              <a:rPr lang="en-US" sz="2400" dirty="0" err="1" smtClean="0">
+                <a:solidFill>
+                  <a:schemeClr val="tx1"/>
+                </a:solidFill>
+                <a:latin typeface="Tahoma" panose="020B0604030504040204" pitchFamily="34" charset="0"/>
+                <a:ea typeface="Tahoma" panose="020B0604030504040204" pitchFamily="34" charset="0"/>
+                <a:cs typeface="Tahoma" panose="020B0604030504040204" pitchFamily="34" charset="0"/>
+              </a:rPr>
+              <a:t>dati</a:t>
+            </a:r>
+            <a:r>
+              <a:rPr lang="en-US" sz="2400" dirty="0" smtClean="0">
+                <a:solidFill>
+                  <a:schemeClr val="tx1"/>
+                </a:solidFill>
+                <a:latin typeface="Tahoma" panose="020B0604030504040204" pitchFamily="34" charset="0"/>
+                <a:ea typeface="Tahoma" panose="020B0604030504040204" pitchFamily="34" charset="0"/>
+                <a:cs typeface="Tahoma" panose="020B0604030504040204" pitchFamily="34" charset="0"/>
+              </a:rPr>
+              <a:t> </a:t>
+            </a:r>
+            <a:r>
+              <a:rPr lang="en-US" sz="2400" dirty="0" err="1" smtClean="0">
+                <a:solidFill>
+                  <a:schemeClr val="tx1"/>
+                </a:solidFill>
+                <a:latin typeface="Tahoma" panose="020B0604030504040204" pitchFamily="34" charset="0"/>
+                <a:ea typeface="Tahoma" panose="020B0604030504040204" pitchFamily="34" charset="0"/>
+                <a:cs typeface="Tahoma" panose="020B0604030504040204" pitchFamily="34" charset="0"/>
+              </a:rPr>
+              <a:t>vengono</a:t>
+            </a:r>
+            <a:r>
+              <a:rPr lang="en-US" sz="2400" dirty="0" smtClean="0">
+                <a:solidFill>
+                  <a:schemeClr val="tx1"/>
+                </a:solidFill>
+                <a:latin typeface="Tahoma" panose="020B0604030504040204" pitchFamily="34" charset="0"/>
+                <a:ea typeface="Tahoma" panose="020B0604030504040204" pitchFamily="34" charset="0"/>
+                <a:cs typeface="Tahoma" panose="020B0604030504040204" pitchFamily="34" charset="0"/>
+              </a:rPr>
+              <a:t> </a:t>
+            </a:r>
+            <a:r>
+              <a:rPr lang="en-US" sz="2400" b="1" dirty="0" err="1" smtClean="0">
+                <a:solidFill>
+                  <a:schemeClr val="tx1"/>
+                </a:solidFill>
+                <a:latin typeface="Tahoma" panose="020B0604030504040204" pitchFamily="34" charset="0"/>
+                <a:ea typeface="Tahoma" panose="020B0604030504040204" pitchFamily="34" charset="0"/>
+                <a:cs typeface="Tahoma" panose="020B0604030504040204" pitchFamily="34" charset="0"/>
+              </a:rPr>
+              <a:t>memorizzati</a:t>
+            </a:r>
+            <a:r>
+              <a:rPr lang="en-US" sz="2400" dirty="0" smtClean="0">
+                <a:solidFill>
+                  <a:schemeClr val="tx1"/>
+                </a:solidFill>
+                <a:latin typeface="Tahoma" panose="020B0604030504040204" pitchFamily="34" charset="0"/>
+                <a:ea typeface="Tahoma" panose="020B0604030504040204" pitchFamily="34" charset="0"/>
+                <a:cs typeface="Tahoma" panose="020B0604030504040204" pitchFamily="34" charset="0"/>
+              </a:rPr>
+              <a:t> </a:t>
+            </a:r>
+            <a:r>
+              <a:rPr lang="en-US" sz="2400" dirty="0" err="1" smtClean="0">
+                <a:solidFill>
+                  <a:schemeClr val="tx1"/>
+                </a:solidFill>
+                <a:latin typeface="Tahoma" panose="020B0604030504040204" pitchFamily="34" charset="0"/>
+                <a:ea typeface="Tahoma" panose="020B0604030504040204" pitchFamily="34" charset="0"/>
+                <a:cs typeface="Tahoma" panose="020B0604030504040204" pitchFamily="34" charset="0"/>
+              </a:rPr>
+              <a:t>all’interno</a:t>
+            </a:r>
+            <a:r>
+              <a:rPr lang="en-US" sz="2400" dirty="0" smtClean="0">
+                <a:solidFill>
+                  <a:schemeClr val="tx1"/>
+                </a:solidFill>
+                <a:latin typeface="Tahoma" panose="020B0604030504040204" pitchFamily="34" charset="0"/>
+                <a:ea typeface="Tahoma" panose="020B0604030504040204" pitchFamily="34" charset="0"/>
+                <a:cs typeface="Tahoma" panose="020B0604030504040204" pitchFamily="34" charset="0"/>
+              </a:rPr>
+              <a:t> di un </a:t>
+            </a:r>
+            <a:r>
+              <a:rPr lang="en-US" sz="2400" b="1" dirty="0" err="1" smtClean="0">
+                <a:solidFill>
+                  <a:schemeClr val="tx1"/>
+                </a:solidFill>
+                <a:latin typeface="Tahoma" panose="020B0604030504040204" pitchFamily="34" charset="0"/>
+                <a:ea typeface="Tahoma" panose="020B0604030504040204" pitchFamily="34" charset="0"/>
+                <a:cs typeface="Tahoma" panose="020B0604030504040204" pitchFamily="34" charset="0"/>
+              </a:rPr>
+              <a:t>blocco</a:t>
+            </a:r>
+            <a:r>
+              <a:rPr lang="en-US" sz="2400" dirty="0" smtClean="0">
+                <a:solidFill>
+                  <a:schemeClr val="tx1"/>
+                </a:solidFill>
+                <a:latin typeface="Tahoma" panose="020B0604030504040204" pitchFamily="34" charset="0"/>
+                <a:ea typeface="Tahoma" panose="020B0604030504040204" pitchFamily="34" charset="0"/>
+                <a:cs typeface="Tahoma" panose="020B0604030504040204" pitchFamily="34" charset="0"/>
+              </a:rPr>
+              <a:t>. </a:t>
+            </a:r>
+            <a:endParaRPr lang="it-IT" sz="2400" dirty="0">
+              <a:solidFill>
+                <a:schemeClr val="tx1"/>
+              </a:solidFill>
+              <a:latin typeface="Tahoma" panose="020B0604030504040204" pitchFamily="34" charset="0"/>
+              <a:ea typeface="Tahoma" panose="020B0604030504040204" pitchFamily="34" charset="0"/>
+              <a:cs typeface="Tahoma" panose="020B0604030504040204" pitchFamily="34" charset="0"/>
+            </a:endParaRPr>
+          </a:p>
+        </p:txBody>
+      </p:sp>
+      <p:sp>
+        <p:nvSpPr>
+          <p:cNvPr id="7" name="Segnaposto numero diapositiva 6">
+            <a:extLst>
+              <a:ext uri="{FF2B5EF4-FFF2-40B4-BE49-F238E27FC236}">
+                <a16:creationId xmlns:a16="http://schemas.microsoft.com/office/drawing/2014/main" id="{AB740BE9-E218-4144-BFDE-AE473D230A3D}"/>
+              </a:ext>
+            </a:extLst>
+          </p:cNvPr>
+          <p:cNvSpPr>
+            <a:spLocks noGrp="1"/>
+          </p:cNvSpPr>
+          <p:nvPr>
+            <p:ph type="sldNum" sz="quarter" idx="12"/>
+          </p:nvPr>
+        </p:nvSpPr>
+        <p:spPr/>
+        <p:txBody>
+          <a:bodyPr/>
+          <a:lstStyle/>
+          <a:p>
+            <a:pPr>
+              <a:defRPr/>
+            </a:pPr>
+            <a:fld id="{48B4153A-D4C5-4CEF-8992-0D8815C829E3}" type="slidenum">
+              <a:rPr lang="en-US" smtClean="0"/>
+              <a:pPr>
+                <a:defRPr/>
+              </a:pPr>
+              <a:t>24</a:t>
+            </a:fld>
+            <a:endParaRPr lang="en-US" dirty="0"/>
+          </a:p>
+        </p:txBody>
+      </p:sp>
+      <p:sp>
+        <p:nvSpPr>
+          <p:cNvPr id="6" name="Titolo 4">
+            <a:extLst>
+              <a:ext uri="{FF2B5EF4-FFF2-40B4-BE49-F238E27FC236}">
+                <a16:creationId xmlns:a16="http://schemas.microsoft.com/office/drawing/2014/main" id="{CF9A4806-60B4-80DC-1F76-D2EB3E6C376B}"/>
+              </a:ext>
+            </a:extLst>
+          </p:cNvPr>
+          <p:cNvSpPr>
+            <a:spLocks noGrp="1"/>
+          </p:cNvSpPr>
+          <p:nvPr>
+            <p:ph type="title"/>
+          </p:nvPr>
+        </p:nvSpPr>
+        <p:spPr>
+          <a:xfrm>
+            <a:off x="468313" y="286788"/>
+            <a:ext cx="11269662" cy="769441"/>
+          </a:xfrm>
+        </p:spPr>
+        <p:txBody>
+          <a:bodyPr/>
+          <a:lstStyle/>
+          <a:p>
+            <a:r>
+              <a:rPr lang="it-IT" dirty="0" smtClean="0">
+                <a:solidFill>
+                  <a:schemeClr val="tx1"/>
+                </a:solidFill>
+              </a:rPr>
+              <a:t>Le parti di un Blocco</a:t>
+            </a:r>
+            <a:r>
+              <a:rPr lang="it-IT" dirty="0">
+                <a:solidFill>
+                  <a:schemeClr val="tx1"/>
+                </a:solidFill>
+              </a:rPr>
+              <a:t/>
+            </a:r>
+            <a:br>
+              <a:rPr lang="it-IT" dirty="0">
+                <a:solidFill>
+                  <a:schemeClr val="tx1"/>
+                </a:solidFill>
+              </a:rPr>
+            </a:br>
+            <a:endParaRPr lang="it-IT" dirty="0">
+              <a:solidFill>
+                <a:schemeClr val="tx1"/>
+              </a:solidFill>
+            </a:endParaRPr>
+          </a:p>
+        </p:txBody>
+      </p:sp>
+      <p:pic>
+        <p:nvPicPr>
+          <p:cNvPr id="3" name="Immagine 2"/>
+          <p:cNvPicPr>
+            <a:picLocks noChangeAspect="1"/>
+          </p:cNvPicPr>
+          <p:nvPr/>
+        </p:nvPicPr>
+        <p:blipFill>
+          <a:blip r:embed="rId2">
+            <a:extLst>
+              <a:ext uri="{28A0092B-C50C-407E-A947-70E740481C1C}">
+                <a14:useLocalDpi xmlns:a14="http://schemas.microsoft.com/office/drawing/2010/main" val="0"/>
+              </a:ext>
+            </a:extLst>
+          </a:blip>
+          <a:stretch>
+            <a:fillRect/>
+          </a:stretch>
+        </p:blipFill>
+        <p:spPr>
+          <a:xfrm>
+            <a:off x="2090584" y="3579243"/>
+            <a:ext cx="8626578" cy="2929620"/>
+          </a:xfrm>
+          <a:prstGeom prst="rect">
+            <a:avLst/>
+          </a:prstGeom>
+        </p:spPr>
+      </p:pic>
+    </p:spTree>
+    <p:extLst>
+      <p:ext uri="{BB962C8B-B14F-4D97-AF65-F5344CB8AC3E}">
+        <p14:creationId xmlns:p14="http://schemas.microsoft.com/office/powerpoint/2010/main" val="2016075522"/>
+      </p:ext>
+    </p:extLst>
+  </p:cSld>
+  <p:clrMapOvr>
+    <a:masterClrMapping/>
+  </p:clrMapOvr>
+</p:sld>
+</file>
+
+<file path=ppt/slides/slide25.xml><?xml version="1.0" encoding="utf-8"?>
+<p:sld xmlns:a="http://schemas.openxmlformats.org/drawingml/2006/main" xmlns:r="http://schemas.openxmlformats.org/officeDocument/2006/relationships" xmlns:p="http://schemas.openxmlformats.org/presentationml/2006/main">
+  <p:cSld>
+    <p:spTree>
+      <p:nvGrpSpPr>
+        <p:cNvPr id="1" name=""/>
+        <p:cNvGrpSpPr/>
+        <p:nvPr/>
+      </p:nvGrpSpPr>
+      <p:grpSpPr>
+        <a:xfrm>
+          <a:off x="0" y="0"/>
+          <a:ext cx="0" cy="0"/>
+          <a:chOff x="0" y="0"/>
+          <a:chExt cx="0" cy="0"/>
+        </a:xfrm>
+      </p:grpSpPr>
+      <p:sp>
+        <p:nvSpPr>
+          <p:cNvPr id="2" name="Segnaposto testo 1">
+            <a:extLst>
+              <a:ext uri="{FF2B5EF4-FFF2-40B4-BE49-F238E27FC236}">
+                <a16:creationId xmlns:a16="http://schemas.microsoft.com/office/drawing/2014/main" id="{E5AE986C-196F-4141-A898-FA4C4198CDCC}"/>
+              </a:ext>
+            </a:extLst>
+          </p:cNvPr>
+          <p:cNvSpPr>
+            <a:spLocks noGrp="1"/>
+          </p:cNvSpPr>
+          <p:nvPr>
+            <p:ph type="body" idx="1"/>
+          </p:nvPr>
+        </p:nvSpPr>
+        <p:spPr>
+          <a:xfrm>
+            <a:off x="323470" y="1382937"/>
+            <a:ext cx="7109718" cy="4392612"/>
+          </a:xfrm>
+        </p:spPr>
+        <p:txBody>
+          <a:bodyPr/>
+          <a:lstStyle/>
+          <a:p>
+            <a:pPr marL="342900" indent="-342900">
+              <a:buFont typeface="Wingdings" panose="05000000000000000000" pitchFamily="2" charset="2"/>
+              <a:buChar char="ü"/>
+            </a:pPr>
+            <a:r>
+              <a:rPr lang="it-IT" sz="2400" dirty="0" smtClean="0">
+                <a:solidFill>
+                  <a:schemeClr val="tx1"/>
+                </a:solidFill>
+                <a:latin typeface="Tahoma" panose="020B0604030504040204" pitchFamily="34" charset="0"/>
+                <a:ea typeface="Tahoma" panose="020B0604030504040204" pitchFamily="34" charset="0"/>
+                <a:cs typeface="Tahoma" panose="020B0604030504040204" pitchFamily="34" charset="0"/>
+              </a:rPr>
+              <a:t>Le </a:t>
+            </a:r>
+            <a:r>
+              <a:rPr lang="it-IT" sz="2400" b="1" dirty="0" err="1" smtClean="0">
+                <a:solidFill>
+                  <a:schemeClr val="tx1"/>
+                </a:solidFill>
+                <a:latin typeface="Tahoma" panose="020B0604030504040204" pitchFamily="34" charset="0"/>
+                <a:ea typeface="Tahoma" panose="020B0604030504040204" pitchFamily="34" charset="0"/>
+                <a:cs typeface="Tahoma" panose="020B0604030504040204" pitchFamily="34" charset="0"/>
+              </a:rPr>
+              <a:t>Criptovalute</a:t>
+            </a:r>
+            <a:r>
+              <a:rPr lang="it-IT" sz="2400" dirty="0" smtClean="0">
+                <a:solidFill>
+                  <a:schemeClr val="tx1"/>
+                </a:solidFill>
+                <a:latin typeface="Tahoma" panose="020B0604030504040204" pitchFamily="34" charset="0"/>
+                <a:ea typeface="Tahoma" panose="020B0604030504040204" pitchFamily="34" charset="0"/>
+                <a:cs typeface="Tahoma" panose="020B0604030504040204" pitchFamily="34" charset="0"/>
+              </a:rPr>
+              <a:t> hanno guadagnato questo nome dal momento che si basano </a:t>
+            </a:r>
+            <a:r>
+              <a:rPr lang="it-IT" sz="2400" b="1" dirty="0" smtClean="0">
+                <a:solidFill>
+                  <a:schemeClr val="tx1"/>
+                </a:solidFill>
+                <a:latin typeface="Tahoma" panose="020B0604030504040204" pitchFamily="34" charset="0"/>
+                <a:ea typeface="Tahoma" panose="020B0604030504040204" pitchFamily="34" charset="0"/>
+                <a:cs typeface="Tahoma" panose="020B0604030504040204" pitchFamily="34" charset="0"/>
+              </a:rPr>
+              <a:t>pesantemente</a:t>
+            </a:r>
+            <a:r>
+              <a:rPr lang="it-IT" sz="2400" dirty="0" smtClean="0">
+                <a:solidFill>
+                  <a:schemeClr val="tx1"/>
+                </a:solidFill>
+                <a:latin typeface="Tahoma" panose="020B0604030504040204" pitchFamily="34" charset="0"/>
+                <a:ea typeface="Tahoma" panose="020B0604030504040204" pitchFamily="34" charset="0"/>
+                <a:cs typeface="Tahoma" panose="020B0604030504040204" pitchFamily="34" charset="0"/>
+              </a:rPr>
+              <a:t> sulla </a:t>
+            </a:r>
+            <a:r>
+              <a:rPr lang="it-IT" sz="2400" b="1" dirty="0" smtClean="0">
+                <a:solidFill>
+                  <a:schemeClr val="tx1"/>
+                </a:solidFill>
+                <a:latin typeface="Tahoma" panose="020B0604030504040204" pitchFamily="34" charset="0"/>
+                <a:ea typeface="Tahoma" panose="020B0604030504040204" pitchFamily="34" charset="0"/>
+                <a:cs typeface="Tahoma" panose="020B0604030504040204" pitchFamily="34" charset="0"/>
+              </a:rPr>
+              <a:t>crittografia</a:t>
+            </a:r>
+            <a:r>
+              <a:rPr lang="it-IT" sz="2400" dirty="0" smtClean="0">
+                <a:solidFill>
+                  <a:schemeClr val="tx1"/>
+                </a:solidFill>
+                <a:latin typeface="Tahoma" panose="020B0604030504040204" pitchFamily="34" charset="0"/>
+                <a:ea typeface="Tahoma" panose="020B0604030504040204" pitchFamily="34" charset="0"/>
+                <a:cs typeface="Tahoma" panose="020B0604030504040204" pitchFamily="34" charset="0"/>
+              </a:rPr>
+              <a:t>. </a:t>
+            </a:r>
+          </a:p>
+          <a:p>
+            <a:pPr marL="342900" indent="-342900">
+              <a:buFont typeface="Wingdings" panose="05000000000000000000" pitchFamily="2" charset="2"/>
+              <a:buChar char="ü"/>
+            </a:pPr>
+            <a:r>
+              <a:rPr lang="en-US" sz="2400" dirty="0" err="1" smtClean="0">
+                <a:solidFill>
+                  <a:schemeClr val="tx1"/>
+                </a:solidFill>
+                <a:latin typeface="Tahoma" panose="020B0604030504040204" pitchFamily="34" charset="0"/>
+                <a:ea typeface="Tahoma" panose="020B0604030504040204" pitchFamily="34" charset="0"/>
+                <a:cs typeface="Tahoma" panose="020B0604030504040204" pitchFamily="34" charset="0"/>
+              </a:rPr>
+              <a:t>Nel</a:t>
+            </a:r>
+            <a:r>
+              <a:rPr lang="en-US" sz="2400" dirty="0" smtClean="0">
+                <a:solidFill>
+                  <a:schemeClr val="tx1"/>
+                </a:solidFill>
+                <a:latin typeface="Tahoma" panose="020B0604030504040204" pitchFamily="34" charset="0"/>
+                <a:ea typeface="Tahoma" panose="020B0604030504040204" pitchFamily="34" charset="0"/>
+                <a:cs typeface="Tahoma" panose="020B0604030504040204" pitchFamily="34" charset="0"/>
+              </a:rPr>
+              <a:t> </a:t>
+            </a:r>
+            <a:r>
+              <a:rPr lang="en-US" sz="2400" dirty="0" err="1" smtClean="0">
+                <a:solidFill>
+                  <a:schemeClr val="tx1"/>
+                </a:solidFill>
+                <a:latin typeface="Tahoma" panose="020B0604030504040204" pitchFamily="34" charset="0"/>
+                <a:ea typeface="Tahoma" panose="020B0604030504040204" pitchFamily="34" charset="0"/>
+                <a:cs typeface="Tahoma" panose="020B0604030504040204" pitchFamily="34" charset="0"/>
+              </a:rPr>
+              <a:t>caso</a:t>
+            </a:r>
+            <a:r>
+              <a:rPr lang="en-US" sz="2400" dirty="0" smtClean="0">
+                <a:solidFill>
+                  <a:schemeClr val="tx1"/>
+                </a:solidFill>
+                <a:latin typeface="Tahoma" panose="020B0604030504040204" pitchFamily="34" charset="0"/>
+                <a:ea typeface="Tahoma" panose="020B0604030504040204" pitchFamily="34" charset="0"/>
+                <a:cs typeface="Tahoma" panose="020B0604030504040204" pitchFamily="34" charset="0"/>
+              </a:rPr>
+              <a:t> </a:t>
+            </a:r>
+            <a:r>
+              <a:rPr lang="en-US" sz="2400" dirty="0" err="1" smtClean="0">
+                <a:solidFill>
+                  <a:schemeClr val="tx1"/>
+                </a:solidFill>
+                <a:latin typeface="Tahoma" panose="020B0604030504040204" pitchFamily="34" charset="0"/>
+                <a:ea typeface="Tahoma" panose="020B0604030504040204" pitchFamily="34" charset="0"/>
+                <a:cs typeface="Tahoma" panose="020B0604030504040204" pitchFamily="34" charset="0"/>
+              </a:rPr>
+              <a:t>dei</a:t>
+            </a:r>
+            <a:r>
+              <a:rPr lang="en-US" sz="2400" dirty="0" smtClean="0">
+                <a:solidFill>
+                  <a:schemeClr val="tx1"/>
+                </a:solidFill>
+                <a:latin typeface="Tahoma" panose="020B0604030504040204" pitchFamily="34" charset="0"/>
+                <a:ea typeface="Tahoma" panose="020B0604030504040204" pitchFamily="34" charset="0"/>
+                <a:cs typeface="Tahoma" panose="020B0604030504040204" pitchFamily="34" charset="0"/>
+              </a:rPr>
+              <a:t> </a:t>
+            </a:r>
+            <a:r>
+              <a:rPr lang="en-US" sz="2400" dirty="0" err="1" smtClean="0">
+                <a:solidFill>
+                  <a:schemeClr val="tx1"/>
+                </a:solidFill>
+                <a:latin typeface="Tahoma" panose="020B0604030504040204" pitchFamily="34" charset="0"/>
+                <a:ea typeface="Tahoma" panose="020B0604030504040204" pitchFamily="34" charset="0"/>
+                <a:cs typeface="Tahoma" panose="020B0604030504040204" pitchFamily="34" charset="0"/>
+              </a:rPr>
+              <a:t>blocchi</a:t>
+            </a:r>
+            <a:r>
+              <a:rPr lang="en-US" sz="2400" dirty="0" smtClean="0">
+                <a:solidFill>
+                  <a:schemeClr val="tx1"/>
+                </a:solidFill>
+                <a:latin typeface="Tahoma" panose="020B0604030504040204" pitchFamily="34" charset="0"/>
+                <a:ea typeface="Tahoma" panose="020B0604030504040204" pitchFamily="34" charset="0"/>
+                <a:cs typeface="Tahoma" panose="020B0604030504040204" pitchFamily="34" charset="0"/>
+              </a:rPr>
+              <a:t>, la </a:t>
+            </a:r>
+            <a:r>
+              <a:rPr lang="en-US" sz="2400" dirty="0" err="1" smtClean="0">
+                <a:solidFill>
+                  <a:schemeClr val="tx1"/>
+                </a:solidFill>
+                <a:latin typeface="Tahoma" panose="020B0604030504040204" pitchFamily="34" charset="0"/>
+                <a:ea typeface="Tahoma" panose="020B0604030504040204" pitchFamily="34" charset="0"/>
+                <a:cs typeface="Tahoma" panose="020B0604030504040204" pitchFamily="34" charset="0"/>
+              </a:rPr>
+              <a:t>crittografia</a:t>
+            </a:r>
+            <a:r>
+              <a:rPr lang="en-US" sz="2400" dirty="0" smtClean="0">
+                <a:solidFill>
+                  <a:schemeClr val="tx1"/>
+                </a:solidFill>
+                <a:latin typeface="Tahoma" panose="020B0604030504040204" pitchFamily="34" charset="0"/>
+                <a:ea typeface="Tahoma" panose="020B0604030504040204" pitchFamily="34" charset="0"/>
+                <a:cs typeface="Tahoma" panose="020B0604030504040204" pitchFamily="34" charset="0"/>
+              </a:rPr>
+              <a:t> </a:t>
+            </a:r>
+            <a:r>
+              <a:rPr lang="en-US" sz="2400" dirty="0" err="1" smtClean="0">
+                <a:solidFill>
+                  <a:schemeClr val="tx1"/>
+                </a:solidFill>
+                <a:latin typeface="Tahoma" panose="020B0604030504040204" pitchFamily="34" charset="0"/>
+                <a:ea typeface="Tahoma" panose="020B0604030504040204" pitchFamily="34" charset="0"/>
+                <a:cs typeface="Tahoma" panose="020B0604030504040204" pitchFamily="34" charset="0"/>
+              </a:rPr>
+              <a:t>principalmente</a:t>
+            </a:r>
+            <a:r>
+              <a:rPr lang="en-US" sz="2400" dirty="0" smtClean="0">
+                <a:solidFill>
+                  <a:schemeClr val="tx1"/>
+                </a:solidFill>
+                <a:latin typeface="Tahoma" panose="020B0604030504040204" pitchFamily="34" charset="0"/>
+                <a:ea typeface="Tahoma" panose="020B0604030504040204" pitchFamily="34" charset="0"/>
+                <a:cs typeface="Tahoma" panose="020B0604030504040204" pitchFamily="34" charset="0"/>
+              </a:rPr>
+              <a:t> </a:t>
+            </a:r>
+            <a:r>
+              <a:rPr lang="en-US" sz="2400" dirty="0" err="1" smtClean="0">
+                <a:solidFill>
+                  <a:schemeClr val="tx1"/>
+                </a:solidFill>
+                <a:latin typeface="Tahoma" panose="020B0604030504040204" pitchFamily="34" charset="0"/>
+                <a:ea typeface="Tahoma" panose="020B0604030504040204" pitchFamily="34" charset="0"/>
+                <a:cs typeface="Tahoma" panose="020B0604030504040204" pitchFamily="34" charset="0"/>
+              </a:rPr>
+              <a:t>usata</a:t>
+            </a:r>
+            <a:r>
+              <a:rPr lang="en-US" sz="2400" dirty="0" smtClean="0">
+                <a:solidFill>
+                  <a:schemeClr val="tx1"/>
+                </a:solidFill>
+                <a:latin typeface="Tahoma" panose="020B0604030504040204" pitchFamily="34" charset="0"/>
+                <a:ea typeface="Tahoma" panose="020B0604030504040204" pitchFamily="34" charset="0"/>
+                <a:cs typeface="Tahoma" panose="020B0604030504040204" pitchFamily="34" charset="0"/>
+              </a:rPr>
+              <a:t> è </a:t>
+            </a:r>
+            <a:r>
+              <a:rPr lang="en-US" sz="2400" dirty="0" err="1" smtClean="0">
+                <a:solidFill>
+                  <a:schemeClr val="tx1"/>
+                </a:solidFill>
+                <a:latin typeface="Tahoma" panose="020B0604030504040204" pitchFamily="34" charset="0"/>
+                <a:ea typeface="Tahoma" panose="020B0604030504040204" pitchFamily="34" charset="0"/>
+                <a:cs typeface="Tahoma" panose="020B0604030504040204" pitchFamily="34" charset="0"/>
+              </a:rPr>
+              <a:t>chiamata</a:t>
+            </a:r>
+            <a:r>
+              <a:rPr lang="en-US" sz="2400" dirty="0" smtClean="0">
+                <a:solidFill>
+                  <a:schemeClr val="tx1"/>
+                </a:solidFill>
+                <a:latin typeface="Tahoma" panose="020B0604030504040204" pitchFamily="34" charset="0"/>
+                <a:ea typeface="Tahoma" panose="020B0604030504040204" pitchFamily="34" charset="0"/>
+                <a:cs typeface="Tahoma" panose="020B0604030504040204" pitchFamily="34" charset="0"/>
+              </a:rPr>
+              <a:t> </a:t>
+            </a:r>
+            <a:r>
+              <a:rPr lang="en-US" sz="2400" b="1" dirty="0" err="1" smtClean="0">
+                <a:solidFill>
+                  <a:schemeClr val="tx1"/>
+                </a:solidFill>
+                <a:latin typeface="Tahoma" panose="020B0604030504040204" pitchFamily="34" charset="0"/>
+                <a:ea typeface="Tahoma" panose="020B0604030504040204" pitchFamily="34" charset="0"/>
+                <a:cs typeface="Tahoma" panose="020B0604030504040204" pitchFamily="34" charset="0"/>
+              </a:rPr>
+              <a:t>funzione</a:t>
+            </a:r>
+            <a:r>
+              <a:rPr lang="en-US" sz="2400" b="1" dirty="0" smtClean="0">
+                <a:solidFill>
+                  <a:schemeClr val="tx1"/>
+                </a:solidFill>
+                <a:latin typeface="Tahoma" panose="020B0604030504040204" pitchFamily="34" charset="0"/>
+                <a:ea typeface="Tahoma" panose="020B0604030504040204" pitchFamily="34" charset="0"/>
+                <a:cs typeface="Tahoma" panose="020B0604030504040204" pitchFamily="34" charset="0"/>
+              </a:rPr>
+              <a:t> hash. </a:t>
+            </a:r>
+            <a:r>
+              <a:rPr lang="en-US" sz="2400" dirty="0" err="1" smtClean="0">
+                <a:solidFill>
+                  <a:schemeClr val="tx1"/>
+                </a:solidFill>
+                <a:latin typeface="Tahoma" panose="020B0604030504040204" pitchFamily="34" charset="0"/>
+                <a:ea typeface="Tahoma" panose="020B0604030504040204" pitchFamily="34" charset="0"/>
+                <a:cs typeface="Tahoma" panose="020B0604030504040204" pitchFamily="34" charset="0"/>
+              </a:rPr>
+              <a:t>Una</a:t>
+            </a:r>
+            <a:r>
+              <a:rPr lang="en-US" sz="2400" dirty="0" smtClean="0">
+                <a:solidFill>
+                  <a:schemeClr val="tx1"/>
+                </a:solidFill>
+                <a:latin typeface="Tahoma" panose="020B0604030504040204" pitchFamily="34" charset="0"/>
+                <a:ea typeface="Tahoma" panose="020B0604030504040204" pitchFamily="34" charset="0"/>
+                <a:cs typeface="Tahoma" panose="020B0604030504040204" pitchFamily="34" charset="0"/>
+              </a:rPr>
+              <a:t> </a:t>
+            </a:r>
+            <a:r>
+              <a:rPr lang="en-US" sz="2400" dirty="0" err="1" smtClean="0">
+                <a:solidFill>
+                  <a:schemeClr val="tx1"/>
+                </a:solidFill>
+                <a:latin typeface="Tahoma" panose="020B0604030504040204" pitchFamily="34" charset="0"/>
+                <a:ea typeface="Tahoma" panose="020B0604030504040204" pitchFamily="34" charset="0"/>
+                <a:cs typeface="Tahoma" panose="020B0604030504040204" pitchFamily="34" charset="0"/>
+              </a:rPr>
+              <a:t>stringa</a:t>
+            </a:r>
+            <a:r>
+              <a:rPr lang="en-US" sz="2400" dirty="0" smtClean="0">
+                <a:solidFill>
+                  <a:schemeClr val="tx1"/>
+                </a:solidFill>
+                <a:latin typeface="Tahoma" panose="020B0604030504040204" pitchFamily="34" charset="0"/>
+                <a:ea typeface="Tahoma" panose="020B0604030504040204" pitchFamily="34" charset="0"/>
+                <a:cs typeface="Tahoma" panose="020B0604030504040204" pitchFamily="34" charset="0"/>
+              </a:rPr>
+              <a:t> di </a:t>
+            </a:r>
+            <a:r>
+              <a:rPr lang="en-US" sz="2400" dirty="0" err="1" smtClean="0">
+                <a:solidFill>
+                  <a:schemeClr val="tx1"/>
+                </a:solidFill>
+                <a:latin typeface="Tahoma" panose="020B0604030504040204" pitchFamily="34" charset="0"/>
+                <a:ea typeface="Tahoma" panose="020B0604030504040204" pitchFamily="34" charset="0"/>
+                <a:cs typeface="Tahoma" panose="020B0604030504040204" pitchFamily="34" charset="0"/>
+              </a:rPr>
+              <a:t>simboli</a:t>
+            </a:r>
+            <a:r>
+              <a:rPr lang="en-US" sz="2400" dirty="0" smtClean="0">
+                <a:solidFill>
+                  <a:schemeClr val="tx1"/>
+                </a:solidFill>
+                <a:latin typeface="Tahoma" panose="020B0604030504040204" pitchFamily="34" charset="0"/>
+                <a:ea typeface="Tahoma" panose="020B0604030504040204" pitchFamily="34" charset="0"/>
+                <a:cs typeface="Tahoma" panose="020B0604030504040204" pitchFamily="34" charset="0"/>
+              </a:rPr>
+              <a:t>, </a:t>
+            </a:r>
+            <a:r>
+              <a:rPr lang="en-US" sz="2400" dirty="0" err="1" smtClean="0">
+                <a:solidFill>
+                  <a:schemeClr val="tx1"/>
+                </a:solidFill>
+                <a:latin typeface="Tahoma" panose="020B0604030504040204" pitchFamily="34" charset="0"/>
+                <a:ea typeface="Tahoma" panose="020B0604030504040204" pitchFamily="34" charset="0"/>
+                <a:cs typeface="Tahoma" panose="020B0604030504040204" pitchFamily="34" charset="0"/>
+              </a:rPr>
+              <a:t>chiamata</a:t>
+            </a:r>
+            <a:r>
+              <a:rPr lang="en-US" sz="2400" dirty="0" smtClean="0">
+                <a:solidFill>
+                  <a:schemeClr val="tx1"/>
+                </a:solidFill>
+                <a:latin typeface="Tahoma" panose="020B0604030504040204" pitchFamily="34" charset="0"/>
+                <a:ea typeface="Tahoma" panose="020B0604030504040204" pitchFamily="34" charset="0"/>
+                <a:cs typeface="Tahoma" panose="020B0604030504040204" pitchFamily="34" charset="0"/>
+              </a:rPr>
+              <a:t> </a:t>
+            </a:r>
+            <a:r>
+              <a:rPr lang="en-US" sz="2400" b="1" dirty="0" smtClean="0">
+                <a:solidFill>
+                  <a:schemeClr val="tx1"/>
+                </a:solidFill>
+                <a:latin typeface="Tahoma" panose="020B0604030504040204" pitchFamily="34" charset="0"/>
+                <a:ea typeface="Tahoma" panose="020B0604030504040204" pitchFamily="34" charset="0"/>
+                <a:cs typeface="Tahoma" panose="020B0604030504040204" pitchFamily="34" charset="0"/>
+              </a:rPr>
+              <a:t>hash</a:t>
+            </a:r>
+            <a:r>
+              <a:rPr lang="en-US" sz="2400" dirty="0" smtClean="0">
+                <a:solidFill>
+                  <a:schemeClr val="tx1"/>
+                </a:solidFill>
+                <a:latin typeface="Tahoma" panose="020B0604030504040204" pitchFamily="34" charset="0"/>
+                <a:ea typeface="Tahoma" panose="020B0604030504040204" pitchFamily="34" charset="0"/>
+                <a:cs typeface="Tahoma" panose="020B0604030504040204" pitchFamily="34" charset="0"/>
+              </a:rPr>
+              <a:t>, </a:t>
+            </a:r>
+            <a:r>
+              <a:rPr lang="en-US" sz="2400" dirty="0" err="1" smtClean="0">
+                <a:solidFill>
+                  <a:schemeClr val="tx1"/>
+                </a:solidFill>
+                <a:latin typeface="Tahoma" panose="020B0604030504040204" pitchFamily="34" charset="0"/>
+                <a:ea typeface="Tahoma" panose="020B0604030504040204" pitchFamily="34" charset="0"/>
+                <a:cs typeface="Tahoma" panose="020B0604030504040204" pitchFamily="34" charset="0"/>
+              </a:rPr>
+              <a:t>viene</a:t>
+            </a:r>
+            <a:r>
+              <a:rPr lang="en-US" sz="2400" dirty="0" smtClean="0">
+                <a:solidFill>
+                  <a:schemeClr val="tx1"/>
+                </a:solidFill>
+                <a:latin typeface="Tahoma" panose="020B0604030504040204" pitchFamily="34" charset="0"/>
+                <a:ea typeface="Tahoma" panose="020B0604030504040204" pitchFamily="34" charset="0"/>
+                <a:cs typeface="Tahoma" panose="020B0604030504040204" pitchFamily="34" charset="0"/>
+              </a:rPr>
+              <a:t> determinate </a:t>
+            </a:r>
+            <a:r>
+              <a:rPr lang="en-US" sz="2400" dirty="0" err="1" smtClean="0">
+                <a:solidFill>
+                  <a:schemeClr val="tx1"/>
+                </a:solidFill>
+                <a:latin typeface="Tahoma" panose="020B0604030504040204" pitchFamily="34" charset="0"/>
+                <a:ea typeface="Tahoma" panose="020B0604030504040204" pitchFamily="34" charset="0"/>
+                <a:cs typeface="Tahoma" panose="020B0604030504040204" pitchFamily="34" charset="0"/>
+              </a:rPr>
+              <a:t>attraverso</a:t>
+            </a:r>
+            <a:r>
+              <a:rPr lang="en-US" sz="2400" dirty="0" smtClean="0">
+                <a:solidFill>
+                  <a:schemeClr val="tx1"/>
+                </a:solidFill>
+                <a:latin typeface="Tahoma" panose="020B0604030504040204" pitchFamily="34" charset="0"/>
+                <a:ea typeface="Tahoma" panose="020B0604030504040204" pitchFamily="34" charset="0"/>
+                <a:cs typeface="Tahoma" panose="020B0604030504040204" pitchFamily="34" charset="0"/>
+              </a:rPr>
+              <a:t> un </a:t>
+            </a:r>
+            <a:r>
+              <a:rPr lang="en-US" sz="2400" dirty="0" err="1" smtClean="0">
+                <a:solidFill>
+                  <a:schemeClr val="tx1"/>
+                </a:solidFill>
+                <a:latin typeface="Tahoma" panose="020B0604030504040204" pitchFamily="34" charset="0"/>
+                <a:ea typeface="Tahoma" panose="020B0604030504040204" pitchFamily="34" charset="0"/>
+                <a:cs typeface="Tahoma" panose="020B0604030504040204" pitchFamily="34" charset="0"/>
+              </a:rPr>
+              <a:t>algoritmo</a:t>
+            </a:r>
+            <a:r>
+              <a:rPr lang="en-US" sz="2400" dirty="0" smtClean="0">
+                <a:solidFill>
+                  <a:schemeClr val="tx1"/>
+                </a:solidFill>
+                <a:latin typeface="Tahoma" panose="020B0604030504040204" pitchFamily="34" charset="0"/>
+                <a:ea typeface="Tahoma" panose="020B0604030504040204" pitchFamily="34" charset="0"/>
+                <a:cs typeface="Tahoma" panose="020B0604030504040204" pitchFamily="34" charset="0"/>
+              </a:rPr>
+              <a:t> di </a:t>
+            </a:r>
+            <a:r>
+              <a:rPr lang="en-US" sz="2400" b="1" dirty="0" smtClean="0">
+                <a:solidFill>
+                  <a:schemeClr val="tx1"/>
+                </a:solidFill>
+                <a:latin typeface="Tahoma" panose="020B0604030504040204" pitchFamily="34" charset="0"/>
+                <a:ea typeface="Tahoma" panose="020B0604030504040204" pitchFamily="34" charset="0"/>
+                <a:cs typeface="Tahoma" panose="020B0604030504040204" pitchFamily="34" charset="0"/>
+              </a:rPr>
+              <a:t>hashing</a:t>
+            </a:r>
+            <a:r>
+              <a:rPr lang="en-US" sz="2400" dirty="0" smtClean="0">
+                <a:solidFill>
+                  <a:schemeClr val="tx1"/>
+                </a:solidFill>
+                <a:latin typeface="Tahoma" panose="020B0604030504040204" pitchFamily="34" charset="0"/>
+                <a:ea typeface="Tahoma" panose="020B0604030504040204" pitchFamily="34" charset="0"/>
+                <a:cs typeface="Tahoma" panose="020B0604030504040204" pitchFamily="34" charset="0"/>
+              </a:rPr>
+              <a:t> </a:t>
+            </a:r>
+            <a:r>
+              <a:rPr lang="en-US" sz="2400" b="1" dirty="0" smtClean="0">
+                <a:solidFill>
+                  <a:schemeClr val="tx1"/>
+                </a:solidFill>
+                <a:latin typeface="Tahoma" panose="020B0604030504040204" pitchFamily="34" charset="0"/>
+                <a:ea typeface="Tahoma" panose="020B0604030504040204" pitchFamily="34" charset="0"/>
+                <a:cs typeface="Tahoma" panose="020B0604030504040204" pitchFamily="34" charset="0"/>
+              </a:rPr>
+              <a:t>algorithm</a:t>
+            </a:r>
+            <a:r>
+              <a:rPr lang="en-US" sz="2400" dirty="0" smtClean="0">
+                <a:solidFill>
+                  <a:schemeClr val="tx1"/>
+                </a:solidFill>
+                <a:latin typeface="Tahoma" panose="020B0604030504040204" pitchFamily="34" charset="0"/>
+                <a:ea typeface="Tahoma" panose="020B0604030504040204" pitchFamily="34" charset="0"/>
+                <a:cs typeface="Tahoma" panose="020B0604030504040204" pitchFamily="34" charset="0"/>
+              </a:rPr>
+              <a:t>. </a:t>
+            </a:r>
+          </a:p>
+          <a:p>
+            <a:pPr marL="342900" indent="-342900">
+              <a:buFont typeface="Wingdings" panose="05000000000000000000" pitchFamily="2" charset="2"/>
+              <a:buChar char="ü"/>
+            </a:pPr>
+            <a:r>
+              <a:rPr lang="en-US" sz="2400" dirty="0" smtClean="0">
+                <a:solidFill>
+                  <a:schemeClr val="tx1"/>
+                </a:solidFill>
+                <a:latin typeface="Tahoma" panose="020B0604030504040204" pitchFamily="34" charset="0"/>
+                <a:ea typeface="Tahoma" panose="020B0604030504040204" pitchFamily="34" charset="0"/>
+                <a:cs typeface="Tahoma" panose="020B0604030504040204" pitchFamily="34" charset="0"/>
+              </a:rPr>
+              <a:t>Il </a:t>
+            </a:r>
+            <a:r>
+              <a:rPr lang="en-US" sz="2400" b="1" dirty="0" smtClean="0">
+                <a:solidFill>
+                  <a:schemeClr val="tx1"/>
+                </a:solidFill>
+                <a:latin typeface="Tahoma" panose="020B0604030504040204" pitchFamily="34" charset="0"/>
+                <a:ea typeface="Tahoma" panose="020B0604030504040204" pitchFamily="34" charset="0"/>
+                <a:cs typeface="Tahoma" panose="020B0604030504040204" pitchFamily="34" charset="0"/>
+              </a:rPr>
+              <a:t>Bitcoin</a:t>
+            </a:r>
+            <a:r>
+              <a:rPr lang="en-US" sz="2400" dirty="0" smtClean="0">
+                <a:solidFill>
+                  <a:schemeClr val="tx1"/>
+                </a:solidFill>
+                <a:latin typeface="Tahoma" panose="020B0604030504040204" pitchFamily="34" charset="0"/>
+                <a:ea typeface="Tahoma" panose="020B0604030504040204" pitchFamily="34" charset="0"/>
+                <a:cs typeface="Tahoma" panose="020B0604030504040204" pitchFamily="34" charset="0"/>
+              </a:rPr>
+              <a:t> </a:t>
+            </a:r>
+            <a:r>
+              <a:rPr lang="en-US" sz="2400" dirty="0" err="1" smtClean="0">
+                <a:solidFill>
+                  <a:schemeClr val="tx1"/>
+                </a:solidFill>
+                <a:latin typeface="Tahoma" panose="020B0604030504040204" pitchFamily="34" charset="0"/>
+                <a:ea typeface="Tahoma" panose="020B0604030504040204" pitchFamily="34" charset="0"/>
+                <a:cs typeface="Tahoma" panose="020B0604030504040204" pitchFamily="34" charset="0"/>
+              </a:rPr>
+              <a:t>usa</a:t>
+            </a:r>
+            <a:r>
+              <a:rPr lang="en-US" sz="2400" dirty="0" smtClean="0">
+                <a:solidFill>
+                  <a:schemeClr val="tx1"/>
+                </a:solidFill>
+                <a:latin typeface="Tahoma" panose="020B0604030504040204" pitchFamily="34" charset="0"/>
+                <a:ea typeface="Tahoma" panose="020B0604030504040204" pitchFamily="34" charset="0"/>
+                <a:cs typeface="Tahoma" panose="020B0604030504040204" pitchFamily="34" charset="0"/>
+              </a:rPr>
+              <a:t> </a:t>
+            </a:r>
+            <a:r>
+              <a:rPr lang="en-US" sz="2400" b="1" dirty="0" smtClean="0">
+                <a:solidFill>
+                  <a:schemeClr val="tx1"/>
+                </a:solidFill>
+                <a:latin typeface="Tahoma" panose="020B0604030504040204" pitchFamily="34" charset="0"/>
+                <a:ea typeface="Tahoma" panose="020B0604030504040204" pitchFamily="34" charset="0"/>
+                <a:cs typeface="Tahoma" panose="020B0604030504040204" pitchFamily="34" charset="0"/>
+              </a:rPr>
+              <a:t>SHA-256</a:t>
+            </a:r>
+            <a:r>
+              <a:rPr lang="en-US" sz="2400" dirty="0">
+                <a:solidFill>
+                  <a:schemeClr val="tx1"/>
+                </a:solidFill>
+                <a:latin typeface="Tahoma" panose="020B0604030504040204" pitchFamily="34" charset="0"/>
+                <a:ea typeface="Tahoma" panose="020B0604030504040204" pitchFamily="34" charset="0"/>
+                <a:cs typeface="Tahoma" panose="020B0604030504040204" pitchFamily="34" charset="0"/>
+              </a:rPr>
+              <a:t>, </a:t>
+            </a:r>
+            <a:r>
+              <a:rPr lang="en-US" sz="2400" dirty="0" smtClean="0">
+                <a:solidFill>
+                  <a:schemeClr val="tx1"/>
+                </a:solidFill>
+                <a:latin typeface="Tahoma" panose="020B0604030504040204" pitchFamily="34" charset="0"/>
+                <a:ea typeface="Tahoma" panose="020B0604030504040204" pitchFamily="34" charset="0"/>
+                <a:cs typeface="Tahoma" panose="020B0604030504040204" pitchFamily="34" charset="0"/>
+              </a:rPr>
+              <a:t>ma non </a:t>
+            </a:r>
+            <a:r>
+              <a:rPr lang="en-US" sz="2400" dirty="0" err="1" smtClean="0">
+                <a:solidFill>
+                  <a:schemeClr val="tx1"/>
+                </a:solidFill>
+                <a:latin typeface="Tahoma" panose="020B0604030504040204" pitchFamily="34" charset="0"/>
+                <a:ea typeface="Tahoma" panose="020B0604030504040204" pitchFamily="34" charset="0"/>
+                <a:cs typeface="Tahoma" panose="020B0604030504040204" pitchFamily="34" charset="0"/>
+              </a:rPr>
+              <a:t>tutte</a:t>
+            </a:r>
+            <a:r>
+              <a:rPr lang="en-US" sz="2400" dirty="0" smtClean="0">
+                <a:solidFill>
+                  <a:schemeClr val="tx1"/>
+                </a:solidFill>
+                <a:latin typeface="Tahoma" panose="020B0604030504040204" pitchFamily="34" charset="0"/>
+                <a:ea typeface="Tahoma" panose="020B0604030504040204" pitchFamily="34" charset="0"/>
+                <a:cs typeface="Tahoma" panose="020B0604030504040204" pitchFamily="34" charset="0"/>
+              </a:rPr>
+              <a:t> le </a:t>
+            </a:r>
+            <a:r>
+              <a:rPr lang="en-US" sz="2400" b="1" dirty="0" err="1" smtClean="0">
+                <a:solidFill>
+                  <a:schemeClr val="tx1"/>
+                </a:solidFill>
+                <a:latin typeface="Tahoma" panose="020B0604030504040204" pitchFamily="34" charset="0"/>
+                <a:ea typeface="Tahoma" panose="020B0604030504040204" pitchFamily="34" charset="0"/>
+                <a:cs typeface="Tahoma" panose="020B0604030504040204" pitchFamily="34" charset="0"/>
+              </a:rPr>
+              <a:t>criptovalute</a:t>
+            </a:r>
+            <a:r>
+              <a:rPr lang="en-US" sz="2400" dirty="0" smtClean="0">
+                <a:solidFill>
+                  <a:schemeClr val="tx1"/>
+                </a:solidFill>
+                <a:latin typeface="Tahoma" panose="020B0604030504040204" pitchFamily="34" charset="0"/>
+                <a:ea typeface="Tahoma" panose="020B0604030504040204" pitchFamily="34" charset="0"/>
+                <a:cs typeface="Tahoma" panose="020B0604030504040204" pitchFamily="34" charset="0"/>
+              </a:rPr>
+              <a:t> </a:t>
+            </a:r>
+            <a:r>
+              <a:rPr lang="en-US" sz="2400" dirty="0" err="1" smtClean="0">
+                <a:solidFill>
+                  <a:schemeClr val="tx1"/>
+                </a:solidFill>
+                <a:latin typeface="Tahoma" panose="020B0604030504040204" pitchFamily="34" charset="0"/>
+                <a:ea typeface="Tahoma" panose="020B0604030504040204" pitchFamily="34" charset="0"/>
+                <a:cs typeface="Tahoma" panose="020B0604030504040204" pitchFamily="34" charset="0"/>
+              </a:rPr>
+              <a:t>usano</a:t>
+            </a:r>
+            <a:r>
+              <a:rPr lang="en-US" sz="2400" dirty="0" smtClean="0">
+                <a:solidFill>
+                  <a:schemeClr val="tx1"/>
+                </a:solidFill>
+                <a:latin typeface="Tahoma" panose="020B0604030504040204" pitchFamily="34" charset="0"/>
+                <a:ea typeface="Tahoma" panose="020B0604030504040204" pitchFamily="34" charset="0"/>
+                <a:cs typeface="Tahoma" panose="020B0604030504040204" pitchFamily="34" charset="0"/>
+              </a:rPr>
+              <a:t> lo </a:t>
+            </a:r>
+            <a:r>
+              <a:rPr lang="en-US" sz="2400" dirty="0" err="1" smtClean="0">
+                <a:solidFill>
+                  <a:schemeClr val="tx1"/>
+                </a:solidFill>
+                <a:latin typeface="Tahoma" panose="020B0604030504040204" pitchFamily="34" charset="0"/>
+                <a:ea typeface="Tahoma" panose="020B0604030504040204" pitchFamily="34" charset="0"/>
+                <a:cs typeface="Tahoma" panose="020B0604030504040204" pitchFamily="34" charset="0"/>
+              </a:rPr>
+              <a:t>stesso</a:t>
+            </a:r>
+            <a:r>
+              <a:rPr lang="en-US" sz="2400" dirty="0" smtClean="0">
+                <a:solidFill>
+                  <a:schemeClr val="tx1"/>
+                </a:solidFill>
+                <a:latin typeface="Tahoma" panose="020B0604030504040204" pitchFamily="34" charset="0"/>
+                <a:ea typeface="Tahoma" panose="020B0604030504040204" pitchFamily="34" charset="0"/>
+                <a:cs typeface="Tahoma" panose="020B0604030504040204" pitchFamily="34" charset="0"/>
+              </a:rPr>
+              <a:t> </a:t>
+            </a:r>
+            <a:r>
+              <a:rPr lang="en-US" sz="2400" dirty="0" err="1" smtClean="0">
+                <a:solidFill>
+                  <a:schemeClr val="tx1"/>
+                </a:solidFill>
+                <a:latin typeface="Tahoma" panose="020B0604030504040204" pitchFamily="34" charset="0"/>
+                <a:ea typeface="Tahoma" panose="020B0604030504040204" pitchFamily="34" charset="0"/>
+                <a:cs typeface="Tahoma" panose="020B0604030504040204" pitchFamily="34" charset="0"/>
+              </a:rPr>
+              <a:t>algoritmo</a:t>
+            </a:r>
+            <a:r>
+              <a:rPr lang="en-US" sz="2400" dirty="0" smtClean="0">
+                <a:solidFill>
+                  <a:schemeClr val="tx1"/>
+                </a:solidFill>
+                <a:latin typeface="Tahoma" panose="020B0604030504040204" pitchFamily="34" charset="0"/>
+                <a:ea typeface="Tahoma" panose="020B0604030504040204" pitchFamily="34" charset="0"/>
+                <a:cs typeface="Tahoma" panose="020B0604030504040204" pitchFamily="34" charset="0"/>
+              </a:rPr>
+              <a:t>. </a:t>
+            </a:r>
+            <a:r>
+              <a:rPr lang="en-US" sz="2400" dirty="0" err="1" smtClean="0">
+                <a:solidFill>
+                  <a:schemeClr val="tx1"/>
+                </a:solidFill>
+                <a:latin typeface="Tahoma" panose="020B0604030504040204" pitchFamily="34" charset="0"/>
+                <a:ea typeface="Tahoma" panose="020B0604030504040204" pitchFamily="34" charset="0"/>
+                <a:cs typeface="Tahoma" panose="020B0604030504040204" pitchFamily="34" charset="0"/>
+              </a:rPr>
+              <a:t>Questo</a:t>
+            </a:r>
+            <a:r>
+              <a:rPr lang="en-US" sz="2400" dirty="0" smtClean="0">
+                <a:solidFill>
+                  <a:schemeClr val="tx1"/>
+                </a:solidFill>
+                <a:latin typeface="Tahoma" panose="020B0604030504040204" pitchFamily="34" charset="0"/>
+                <a:ea typeface="Tahoma" panose="020B0604030504040204" pitchFamily="34" charset="0"/>
+                <a:cs typeface="Tahoma" panose="020B0604030504040204" pitchFamily="34" charset="0"/>
+              </a:rPr>
+              <a:t> </a:t>
+            </a:r>
+            <a:r>
+              <a:rPr lang="en-US" sz="2400" dirty="0" err="1" smtClean="0">
+                <a:solidFill>
+                  <a:schemeClr val="tx1"/>
+                </a:solidFill>
+                <a:latin typeface="Tahoma" panose="020B0604030504040204" pitchFamily="34" charset="0"/>
+                <a:ea typeface="Tahoma" panose="020B0604030504040204" pitchFamily="34" charset="0"/>
+                <a:cs typeface="Tahoma" panose="020B0604030504040204" pitchFamily="34" charset="0"/>
+              </a:rPr>
+              <a:t>algoritmo</a:t>
+            </a:r>
+            <a:r>
+              <a:rPr lang="en-US" sz="2400" dirty="0" smtClean="0">
+                <a:solidFill>
+                  <a:schemeClr val="tx1"/>
+                </a:solidFill>
+                <a:latin typeface="Tahoma" panose="020B0604030504040204" pitchFamily="34" charset="0"/>
+                <a:ea typeface="Tahoma" panose="020B0604030504040204" pitchFamily="34" charset="0"/>
+                <a:cs typeface="Tahoma" panose="020B0604030504040204" pitchFamily="34" charset="0"/>
+              </a:rPr>
+              <a:t> </a:t>
+            </a:r>
+            <a:r>
+              <a:rPr lang="en-US" sz="2400" dirty="0" err="1" smtClean="0">
+                <a:solidFill>
+                  <a:schemeClr val="tx1"/>
+                </a:solidFill>
+                <a:latin typeface="Tahoma" panose="020B0604030504040204" pitchFamily="34" charset="0"/>
+                <a:ea typeface="Tahoma" panose="020B0604030504040204" pitchFamily="34" charset="0"/>
+                <a:cs typeface="Tahoma" panose="020B0604030504040204" pitchFamily="34" charset="0"/>
+              </a:rPr>
+              <a:t>prende</a:t>
+            </a:r>
+            <a:r>
+              <a:rPr lang="en-US" sz="2400" dirty="0" smtClean="0">
+                <a:solidFill>
+                  <a:schemeClr val="tx1"/>
+                </a:solidFill>
+                <a:latin typeface="Tahoma" panose="020B0604030504040204" pitchFamily="34" charset="0"/>
+                <a:ea typeface="Tahoma" panose="020B0604030504040204" pitchFamily="34" charset="0"/>
+                <a:cs typeface="Tahoma" panose="020B0604030504040204" pitchFamily="34" charset="0"/>
+              </a:rPr>
+              <a:t> </a:t>
+            </a:r>
+            <a:r>
+              <a:rPr lang="en-US" sz="2400" dirty="0" err="1" smtClean="0">
+                <a:solidFill>
+                  <a:schemeClr val="tx1"/>
+                </a:solidFill>
+                <a:latin typeface="Tahoma" panose="020B0604030504040204" pitchFamily="34" charset="0"/>
+                <a:ea typeface="Tahoma" panose="020B0604030504040204" pitchFamily="34" charset="0"/>
+                <a:cs typeface="Tahoma" panose="020B0604030504040204" pitchFamily="34" charset="0"/>
+              </a:rPr>
+              <a:t>tutti</a:t>
+            </a:r>
+            <a:r>
+              <a:rPr lang="en-US" sz="2400" dirty="0" smtClean="0">
+                <a:solidFill>
+                  <a:schemeClr val="tx1"/>
+                </a:solidFill>
+                <a:latin typeface="Tahoma" panose="020B0604030504040204" pitchFamily="34" charset="0"/>
+                <a:ea typeface="Tahoma" panose="020B0604030504040204" pitchFamily="34" charset="0"/>
+                <a:cs typeface="Tahoma" panose="020B0604030504040204" pitchFamily="34" charset="0"/>
+              </a:rPr>
+              <a:t> I </a:t>
+            </a:r>
+            <a:r>
+              <a:rPr lang="en-US" sz="2400" dirty="0" err="1" smtClean="0">
+                <a:solidFill>
+                  <a:schemeClr val="tx1"/>
+                </a:solidFill>
+                <a:latin typeface="Tahoma" panose="020B0604030504040204" pitchFamily="34" charset="0"/>
+                <a:ea typeface="Tahoma" panose="020B0604030504040204" pitchFamily="34" charset="0"/>
+                <a:cs typeface="Tahoma" panose="020B0604030504040204" pitchFamily="34" charset="0"/>
+              </a:rPr>
+              <a:t>dati</a:t>
+            </a:r>
+            <a:r>
+              <a:rPr lang="en-US" sz="2400" dirty="0" smtClean="0">
+                <a:solidFill>
+                  <a:schemeClr val="tx1"/>
+                </a:solidFill>
+                <a:latin typeface="Tahoma" panose="020B0604030504040204" pitchFamily="34" charset="0"/>
+                <a:ea typeface="Tahoma" panose="020B0604030504040204" pitchFamily="34" charset="0"/>
+                <a:cs typeface="Tahoma" panose="020B0604030504040204" pitchFamily="34" charset="0"/>
+              </a:rPr>
+              <a:t> </a:t>
+            </a:r>
+            <a:r>
+              <a:rPr lang="en-US" sz="2400" dirty="0" err="1" smtClean="0">
+                <a:solidFill>
+                  <a:schemeClr val="tx1"/>
+                </a:solidFill>
+                <a:latin typeface="Tahoma" panose="020B0604030504040204" pitchFamily="34" charset="0"/>
+                <a:ea typeface="Tahoma" panose="020B0604030504040204" pitchFamily="34" charset="0"/>
+                <a:cs typeface="Tahoma" panose="020B0604030504040204" pitchFamily="34" charset="0"/>
+              </a:rPr>
+              <a:t>presenti</a:t>
+            </a:r>
+            <a:r>
+              <a:rPr lang="en-US" sz="2400" dirty="0" smtClean="0">
+                <a:solidFill>
+                  <a:schemeClr val="tx1"/>
+                </a:solidFill>
+                <a:latin typeface="Tahoma" panose="020B0604030504040204" pitchFamily="34" charset="0"/>
+                <a:ea typeface="Tahoma" panose="020B0604030504040204" pitchFamily="34" charset="0"/>
+                <a:cs typeface="Tahoma" panose="020B0604030504040204" pitchFamily="34" charset="0"/>
+              </a:rPr>
+              <a:t> in un </a:t>
+            </a:r>
+            <a:r>
+              <a:rPr lang="en-US" sz="2400" dirty="0" err="1" smtClean="0">
+                <a:solidFill>
+                  <a:schemeClr val="tx1"/>
+                </a:solidFill>
+                <a:latin typeface="Tahoma" panose="020B0604030504040204" pitchFamily="34" charset="0"/>
+                <a:ea typeface="Tahoma" panose="020B0604030504040204" pitchFamily="34" charset="0"/>
+                <a:cs typeface="Tahoma" panose="020B0604030504040204" pitchFamily="34" charset="0"/>
+              </a:rPr>
+              <a:t>blocco</a:t>
+            </a:r>
+            <a:r>
+              <a:rPr lang="en-US" sz="2400" dirty="0" smtClean="0">
+                <a:solidFill>
+                  <a:schemeClr val="tx1"/>
+                </a:solidFill>
+                <a:latin typeface="Tahoma" panose="020B0604030504040204" pitchFamily="34" charset="0"/>
+                <a:ea typeface="Tahoma" panose="020B0604030504040204" pitchFamily="34" charset="0"/>
+                <a:cs typeface="Tahoma" panose="020B0604030504040204" pitchFamily="34" charset="0"/>
+              </a:rPr>
+              <a:t> e li </a:t>
+            </a:r>
+            <a:r>
+              <a:rPr lang="en-US" sz="2400" b="1" dirty="0" err="1" smtClean="0">
+                <a:solidFill>
+                  <a:schemeClr val="tx1"/>
+                </a:solidFill>
+                <a:latin typeface="Tahoma" panose="020B0604030504040204" pitchFamily="34" charset="0"/>
+                <a:ea typeface="Tahoma" panose="020B0604030504040204" pitchFamily="34" charset="0"/>
+                <a:cs typeface="Tahoma" panose="020B0604030504040204" pitchFamily="34" charset="0"/>
+              </a:rPr>
+              <a:t>trasforma</a:t>
+            </a:r>
+            <a:r>
+              <a:rPr lang="en-US" sz="2400" dirty="0" smtClean="0">
+                <a:solidFill>
+                  <a:schemeClr val="tx1"/>
+                </a:solidFill>
+                <a:latin typeface="Tahoma" panose="020B0604030504040204" pitchFamily="34" charset="0"/>
+                <a:ea typeface="Tahoma" panose="020B0604030504040204" pitchFamily="34" charset="0"/>
+                <a:cs typeface="Tahoma" panose="020B0604030504040204" pitchFamily="34" charset="0"/>
+              </a:rPr>
+              <a:t> in </a:t>
+            </a:r>
+            <a:r>
+              <a:rPr lang="en-US" sz="2400" dirty="0" err="1" smtClean="0">
+                <a:solidFill>
+                  <a:schemeClr val="tx1"/>
+                </a:solidFill>
+                <a:latin typeface="Tahoma" panose="020B0604030504040204" pitchFamily="34" charset="0"/>
+                <a:ea typeface="Tahoma" panose="020B0604030504040204" pitchFamily="34" charset="0"/>
+                <a:cs typeface="Tahoma" panose="020B0604030504040204" pitchFamily="34" charset="0"/>
+              </a:rPr>
+              <a:t>un’unica</a:t>
+            </a:r>
+            <a:r>
+              <a:rPr lang="en-US" sz="2400" dirty="0" smtClean="0">
+                <a:solidFill>
+                  <a:schemeClr val="tx1"/>
+                </a:solidFill>
+                <a:latin typeface="Tahoma" panose="020B0604030504040204" pitchFamily="34" charset="0"/>
+                <a:ea typeface="Tahoma" panose="020B0604030504040204" pitchFamily="34" charset="0"/>
+                <a:cs typeface="Tahoma" panose="020B0604030504040204" pitchFamily="34" charset="0"/>
+              </a:rPr>
+              <a:t> </a:t>
+            </a:r>
+            <a:r>
+              <a:rPr lang="en-US" sz="2400" b="1" dirty="0" err="1" smtClean="0">
+                <a:solidFill>
+                  <a:schemeClr val="tx1"/>
+                </a:solidFill>
+                <a:latin typeface="Tahoma" panose="020B0604030504040204" pitchFamily="34" charset="0"/>
+                <a:ea typeface="Tahoma" panose="020B0604030504040204" pitchFamily="34" charset="0"/>
+                <a:cs typeface="Tahoma" panose="020B0604030504040204" pitchFamily="34" charset="0"/>
+              </a:rPr>
+              <a:t>stringa</a:t>
+            </a:r>
+            <a:r>
+              <a:rPr lang="en-US" sz="2400" dirty="0" smtClean="0">
+                <a:solidFill>
+                  <a:schemeClr val="tx1"/>
+                </a:solidFill>
+                <a:latin typeface="Tahoma" panose="020B0604030504040204" pitchFamily="34" charset="0"/>
+                <a:ea typeface="Tahoma" panose="020B0604030504040204" pitchFamily="34" charset="0"/>
+                <a:cs typeface="Tahoma" panose="020B0604030504040204" pitchFamily="34" charset="0"/>
+              </a:rPr>
+              <a:t> di </a:t>
+            </a:r>
+            <a:r>
+              <a:rPr lang="en-US" sz="2400" dirty="0" err="1" smtClean="0">
+                <a:solidFill>
+                  <a:schemeClr val="tx1"/>
+                </a:solidFill>
+                <a:latin typeface="Tahoma" panose="020B0604030504040204" pitchFamily="34" charset="0"/>
+                <a:ea typeface="Tahoma" panose="020B0604030504040204" pitchFamily="34" charset="0"/>
+                <a:cs typeface="Tahoma" panose="020B0604030504040204" pitchFamily="34" charset="0"/>
+              </a:rPr>
+              <a:t>simboli</a:t>
+            </a:r>
+            <a:r>
+              <a:rPr lang="en-US" sz="2400" dirty="0" smtClean="0">
+                <a:solidFill>
+                  <a:schemeClr val="tx1"/>
+                </a:solidFill>
+                <a:latin typeface="Tahoma" panose="020B0604030504040204" pitchFamily="34" charset="0"/>
+                <a:ea typeface="Tahoma" panose="020B0604030504040204" pitchFamily="34" charset="0"/>
+                <a:cs typeface="Tahoma" panose="020B0604030504040204" pitchFamily="34" charset="0"/>
+              </a:rPr>
+              <a:t> </a:t>
+            </a:r>
+            <a:r>
+              <a:rPr lang="en-US" sz="2400" dirty="0" err="1" smtClean="0">
+                <a:solidFill>
+                  <a:schemeClr val="tx1"/>
+                </a:solidFill>
+                <a:latin typeface="Tahoma" panose="020B0604030504040204" pitchFamily="34" charset="0"/>
+                <a:ea typeface="Tahoma" panose="020B0604030504040204" pitchFamily="34" charset="0"/>
+                <a:cs typeface="Tahoma" panose="020B0604030504040204" pitchFamily="34" charset="0"/>
+              </a:rPr>
+              <a:t>che</a:t>
+            </a:r>
+            <a:r>
+              <a:rPr lang="en-US" sz="2400" dirty="0" smtClean="0">
+                <a:solidFill>
+                  <a:schemeClr val="tx1"/>
+                </a:solidFill>
+                <a:latin typeface="Tahoma" panose="020B0604030504040204" pitchFamily="34" charset="0"/>
+                <a:ea typeface="Tahoma" panose="020B0604030504040204" pitchFamily="34" charset="0"/>
+                <a:cs typeface="Tahoma" panose="020B0604030504040204" pitchFamily="34" charset="0"/>
+              </a:rPr>
+              <a:t> </a:t>
+            </a:r>
+            <a:r>
+              <a:rPr lang="en-US" sz="2400" dirty="0" err="1" smtClean="0">
+                <a:solidFill>
+                  <a:schemeClr val="tx1"/>
+                </a:solidFill>
+                <a:latin typeface="Tahoma" panose="020B0604030504040204" pitchFamily="34" charset="0"/>
+                <a:ea typeface="Tahoma" panose="020B0604030504040204" pitchFamily="34" charset="0"/>
+                <a:cs typeface="Tahoma" panose="020B0604030504040204" pitchFamily="34" charset="0"/>
+              </a:rPr>
+              <a:t>hanno</a:t>
+            </a:r>
+            <a:r>
+              <a:rPr lang="en-US" sz="2400" dirty="0" smtClean="0">
+                <a:solidFill>
+                  <a:schemeClr val="tx1"/>
+                </a:solidFill>
+                <a:latin typeface="Tahoma" panose="020B0604030504040204" pitchFamily="34" charset="0"/>
+                <a:ea typeface="Tahoma" panose="020B0604030504040204" pitchFamily="34" charset="0"/>
+                <a:cs typeface="Tahoma" panose="020B0604030504040204" pitchFamily="34" charset="0"/>
+              </a:rPr>
+              <a:t> la </a:t>
+            </a:r>
+            <a:r>
+              <a:rPr lang="en-US" sz="2400" dirty="0" err="1" smtClean="0">
+                <a:solidFill>
+                  <a:schemeClr val="tx1"/>
+                </a:solidFill>
+                <a:latin typeface="Tahoma" panose="020B0604030504040204" pitchFamily="34" charset="0"/>
+                <a:ea typeface="Tahoma" panose="020B0604030504040204" pitchFamily="34" charset="0"/>
+                <a:cs typeface="Tahoma" panose="020B0604030504040204" pitchFamily="34" charset="0"/>
+              </a:rPr>
+              <a:t>funzione</a:t>
+            </a:r>
+            <a:r>
+              <a:rPr lang="en-US" sz="2400" dirty="0" smtClean="0">
+                <a:solidFill>
+                  <a:schemeClr val="tx1"/>
+                </a:solidFill>
+                <a:latin typeface="Tahoma" panose="020B0604030504040204" pitchFamily="34" charset="0"/>
+                <a:ea typeface="Tahoma" panose="020B0604030504040204" pitchFamily="34" charset="0"/>
+                <a:cs typeface="Tahoma" panose="020B0604030504040204" pitchFamily="34" charset="0"/>
+              </a:rPr>
+              <a:t> di </a:t>
+            </a:r>
+            <a:r>
+              <a:rPr lang="en-US" sz="2400" b="1" dirty="0" smtClean="0">
+                <a:solidFill>
+                  <a:schemeClr val="tx1"/>
+                </a:solidFill>
+                <a:latin typeface="Tahoma" panose="020B0604030504040204" pitchFamily="34" charset="0"/>
+                <a:ea typeface="Tahoma" panose="020B0604030504040204" pitchFamily="34" charset="0"/>
+                <a:cs typeface="Tahoma" panose="020B0604030504040204" pitchFamily="34" charset="0"/>
+              </a:rPr>
+              <a:t>ID</a:t>
+            </a:r>
+            <a:r>
+              <a:rPr lang="en-US" sz="2400" dirty="0" smtClean="0">
+                <a:solidFill>
+                  <a:schemeClr val="tx1"/>
+                </a:solidFill>
+                <a:latin typeface="Tahoma" panose="020B0604030504040204" pitchFamily="34" charset="0"/>
+                <a:ea typeface="Tahoma" panose="020B0604030504040204" pitchFamily="34" charset="0"/>
+                <a:cs typeface="Tahoma" panose="020B0604030504040204" pitchFamily="34" charset="0"/>
+              </a:rPr>
+              <a:t> del </a:t>
+            </a:r>
+            <a:r>
+              <a:rPr lang="en-US" sz="2400" b="1" dirty="0" err="1" smtClean="0">
+                <a:solidFill>
+                  <a:schemeClr val="tx1"/>
+                </a:solidFill>
+                <a:latin typeface="Tahoma" panose="020B0604030504040204" pitchFamily="34" charset="0"/>
+                <a:ea typeface="Tahoma" panose="020B0604030504040204" pitchFamily="34" charset="0"/>
+                <a:cs typeface="Tahoma" panose="020B0604030504040204" pitchFamily="34" charset="0"/>
+              </a:rPr>
+              <a:t>blocco</a:t>
+            </a:r>
+            <a:r>
+              <a:rPr lang="en-US" sz="2400" dirty="0" smtClean="0">
+                <a:solidFill>
+                  <a:schemeClr val="tx1"/>
+                </a:solidFill>
+                <a:latin typeface="Tahoma" panose="020B0604030504040204" pitchFamily="34" charset="0"/>
+                <a:ea typeface="Tahoma" panose="020B0604030504040204" pitchFamily="34" charset="0"/>
+                <a:cs typeface="Tahoma" panose="020B0604030504040204" pitchFamily="34" charset="0"/>
+              </a:rPr>
+              <a:t>. </a:t>
+            </a:r>
+            <a:endParaRPr lang="it-IT" sz="2400" dirty="0">
+              <a:solidFill>
+                <a:schemeClr val="tx1"/>
+              </a:solidFill>
+              <a:latin typeface="Tahoma" panose="020B0604030504040204" pitchFamily="34" charset="0"/>
+              <a:ea typeface="Tahoma" panose="020B0604030504040204" pitchFamily="34" charset="0"/>
+              <a:cs typeface="Tahoma" panose="020B0604030504040204" pitchFamily="34" charset="0"/>
+            </a:endParaRPr>
+          </a:p>
+        </p:txBody>
+      </p:sp>
+      <p:sp>
+        <p:nvSpPr>
+          <p:cNvPr id="7" name="Segnaposto numero diapositiva 6">
+            <a:extLst>
+              <a:ext uri="{FF2B5EF4-FFF2-40B4-BE49-F238E27FC236}">
+                <a16:creationId xmlns:a16="http://schemas.microsoft.com/office/drawing/2014/main" id="{AB740BE9-E218-4144-BFDE-AE473D230A3D}"/>
+              </a:ext>
+            </a:extLst>
+          </p:cNvPr>
+          <p:cNvSpPr>
+            <a:spLocks noGrp="1"/>
+          </p:cNvSpPr>
+          <p:nvPr>
+            <p:ph type="sldNum" sz="quarter" idx="12"/>
+          </p:nvPr>
+        </p:nvSpPr>
+        <p:spPr/>
+        <p:txBody>
+          <a:bodyPr/>
+          <a:lstStyle/>
+          <a:p>
+            <a:pPr>
+              <a:defRPr/>
+            </a:pPr>
+            <a:fld id="{48B4153A-D4C5-4CEF-8992-0D8815C829E3}" type="slidenum">
+              <a:rPr lang="en-US" smtClean="0"/>
+              <a:pPr>
+                <a:defRPr/>
+              </a:pPr>
+              <a:t>25</a:t>
+            </a:fld>
+            <a:endParaRPr lang="en-US" dirty="0"/>
+          </a:p>
+        </p:txBody>
+      </p:sp>
+      <p:sp>
+        <p:nvSpPr>
+          <p:cNvPr id="6" name="Titolo 4">
+            <a:extLst>
+              <a:ext uri="{FF2B5EF4-FFF2-40B4-BE49-F238E27FC236}">
+                <a16:creationId xmlns:a16="http://schemas.microsoft.com/office/drawing/2014/main" id="{CF9A4806-60B4-80DC-1F76-D2EB3E6C376B}"/>
+              </a:ext>
+            </a:extLst>
+          </p:cNvPr>
+          <p:cNvSpPr>
+            <a:spLocks noGrp="1"/>
+          </p:cNvSpPr>
+          <p:nvPr>
+            <p:ph type="title"/>
+          </p:nvPr>
+        </p:nvSpPr>
+        <p:spPr>
+          <a:xfrm>
+            <a:off x="468313" y="286788"/>
+            <a:ext cx="11269662" cy="769441"/>
+          </a:xfrm>
+        </p:spPr>
+        <p:txBody>
+          <a:bodyPr/>
+          <a:lstStyle/>
+          <a:p>
+            <a:r>
+              <a:rPr lang="it-IT" dirty="0" smtClean="0">
+                <a:solidFill>
+                  <a:schemeClr val="tx1"/>
+                </a:solidFill>
+              </a:rPr>
+              <a:t>Le parti di un Blocco</a:t>
+            </a:r>
+            <a:r>
+              <a:rPr lang="it-IT" dirty="0">
+                <a:solidFill>
+                  <a:schemeClr val="tx1"/>
+                </a:solidFill>
+              </a:rPr>
+              <a:t/>
+            </a:r>
+            <a:br>
+              <a:rPr lang="it-IT" dirty="0">
+                <a:solidFill>
+                  <a:schemeClr val="tx1"/>
+                </a:solidFill>
+              </a:rPr>
+            </a:br>
+            <a:endParaRPr lang="it-IT" dirty="0">
+              <a:solidFill>
+                <a:schemeClr val="tx1"/>
+              </a:solidFill>
+            </a:endParaRPr>
+          </a:p>
+        </p:txBody>
+      </p:sp>
+      <p:pic>
+        <p:nvPicPr>
+          <p:cNvPr id="4" name="Immagine 3"/>
+          <p:cNvPicPr>
+            <a:picLocks noChangeAspect="1"/>
+          </p:cNvPicPr>
+          <p:nvPr/>
+        </p:nvPicPr>
+        <p:blipFill>
+          <a:blip r:embed="rId2">
+            <a:extLst>
+              <a:ext uri="{28A0092B-C50C-407E-A947-70E740481C1C}">
+                <a14:useLocalDpi xmlns:a14="http://schemas.microsoft.com/office/drawing/2010/main" val="0"/>
+              </a:ext>
+            </a:extLst>
+          </a:blip>
+          <a:stretch>
+            <a:fillRect/>
+          </a:stretch>
+        </p:blipFill>
+        <p:spPr>
+          <a:xfrm>
+            <a:off x="7635614" y="1762857"/>
+            <a:ext cx="4556386" cy="4264317"/>
+          </a:xfrm>
+          <a:prstGeom prst="rect">
+            <a:avLst/>
+          </a:prstGeom>
+        </p:spPr>
+      </p:pic>
+    </p:spTree>
+    <p:extLst>
+      <p:ext uri="{BB962C8B-B14F-4D97-AF65-F5344CB8AC3E}">
+        <p14:creationId xmlns:p14="http://schemas.microsoft.com/office/powerpoint/2010/main" val="3656689742"/>
+      </p:ext>
+    </p:extLst>
+  </p:cSld>
+  <p:clrMapOvr>
+    <a:masterClrMapping/>
+  </p:clrMapOvr>
+</p:sld>
+</file>
+
+<file path=ppt/slides/slide26.xml><?xml version="1.0" encoding="utf-8"?>
+<p:sld xmlns:a="http://schemas.openxmlformats.org/drawingml/2006/main" xmlns:r="http://schemas.openxmlformats.org/officeDocument/2006/relationships" xmlns:p="http://schemas.openxmlformats.org/presentationml/2006/main">
+  <p:cSld>
+    <p:spTree>
+      <p:nvGrpSpPr>
+        <p:cNvPr id="1" name=""/>
+        <p:cNvGrpSpPr/>
+        <p:nvPr/>
+      </p:nvGrpSpPr>
+      <p:grpSpPr>
+        <a:xfrm>
+          <a:off x="0" y="0"/>
+          <a:ext cx="0" cy="0"/>
+          <a:chOff x="0" y="0"/>
+          <a:chExt cx="0" cy="0"/>
+        </a:xfrm>
+      </p:grpSpPr>
+      <p:sp>
+        <p:nvSpPr>
+          <p:cNvPr id="2" name="Segnaposto testo 1">
+            <a:extLst>
+              <a:ext uri="{FF2B5EF4-FFF2-40B4-BE49-F238E27FC236}">
+                <a16:creationId xmlns:a16="http://schemas.microsoft.com/office/drawing/2014/main" id="{E5AE986C-196F-4141-A898-FA4C4198CDCC}"/>
+              </a:ext>
+            </a:extLst>
+          </p:cNvPr>
+          <p:cNvSpPr>
+            <a:spLocks noGrp="1"/>
+          </p:cNvSpPr>
+          <p:nvPr>
+            <p:ph type="body" idx="1"/>
+          </p:nvPr>
+        </p:nvSpPr>
+        <p:spPr>
+          <a:xfrm>
+            <a:off x="323469" y="1382937"/>
+            <a:ext cx="4258363" cy="4392612"/>
+          </a:xfrm>
+        </p:spPr>
+        <p:txBody>
+          <a:bodyPr/>
+          <a:lstStyle/>
+          <a:p>
+            <a:pPr marL="342900" indent="-342900">
+              <a:buFont typeface="Wingdings" panose="05000000000000000000" pitchFamily="2" charset="2"/>
+              <a:buChar char="ü"/>
+            </a:pPr>
+            <a:r>
+              <a:rPr lang="it-IT" sz="2400" dirty="0" smtClean="0">
+                <a:solidFill>
+                  <a:schemeClr val="tx1"/>
+                </a:solidFill>
+                <a:latin typeface="Tahoma" panose="020B0604030504040204" pitchFamily="34" charset="0"/>
+                <a:ea typeface="Tahoma" panose="020B0604030504040204" pitchFamily="34" charset="0"/>
+                <a:cs typeface="Tahoma" panose="020B0604030504040204" pitchFamily="34" charset="0"/>
+              </a:rPr>
+              <a:t>Nella </a:t>
+            </a:r>
+            <a:r>
+              <a:rPr lang="it-IT" sz="2400" b="1" dirty="0" err="1">
+                <a:solidFill>
+                  <a:schemeClr val="tx1"/>
+                </a:solidFill>
+                <a:latin typeface="Tahoma" panose="020B0604030504040204" pitchFamily="34" charset="0"/>
+                <a:ea typeface="Tahoma" panose="020B0604030504040204" pitchFamily="34" charset="0"/>
+                <a:cs typeface="Tahoma" panose="020B0604030504040204" pitchFamily="34" charset="0"/>
+              </a:rPr>
+              <a:t>blockchain</a:t>
+            </a:r>
+            <a:r>
+              <a:rPr lang="it-IT" sz="2400" dirty="0">
+                <a:solidFill>
+                  <a:schemeClr val="tx1"/>
+                </a:solidFill>
+                <a:latin typeface="Tahoma" panose="020B0604030504040204" pitchFamily="34" charset="0"/>
+                <a:ea typeface="Tahoma" panose="020B0604030504040204" pitchFamily="34" charset="0"/>
+                <a:cs typeface="Tahoma" panose="020B0604030504040204" pitchFamily="34" charset="0"/>
+              </a:rPr>
+              <a:t>, </a:t>
+            </a:r>
+            <a:r>
+              <a:rPr lang="it-IT" sz="2400" b="1" dirty="0">
+                <a:solidFill>
+                  <a:schemeClr val="tx1"/>
+                </a:solidFill>
+                <a:latin typeface="Tahoma" panose="020B0604030504040204" pitchFamily="34" charset="0"/>
+                <a:ea typeface="Tahoma" panose="020B0604030504040204" pitchFamily="34" charset="0"/>
+                <a:cs typeface="Tahoma" panose="020B0604030504040204" pitchFamily="34" charset="0"/>
+              </a:rPr>
+              <a:t>l'</a:t>
+            </a:r>
+            <a:r>
+              <a:rPr lang="it-IT" sz="2400" b="1" dirty="0" err="1">
+                <a:solidFill>
+                  <a:schemeClr val="tx1"/>
+                </a:solidFill>
+                <a:latin typeface="Tahoma" panose="020B0604030504040204" pitchFamily="34" charset="0"/>
+                <a:ea typeface="Tahoma" panose="020B0604030504040204" pitchFamily="34" charset="0"/>
+                <a:cs typeface="Tahoma" panose="020B0604030504040204" pitchFamily="34" charset="0"/>
+              </a:rPr>
+              <a:t>hash</a:t>
+            </a:r>
+            <a:r>
+              <a:rPr lang="it-IT" sz="2400" dirty="0">
+                <a:solidFill>
+                  <a:schemeClr val="tx1"/>
+                </a:solidFill>
+                <a:latin typeface="Tahoma" panose="020B0604030504040204" pitchFamily="34" charset="0"/>
+                <a:ea typeface="Tahoma" panose="020B0604030504040204" pitchFamily="34" charset="0"/>
+                <a:cs typeface="Tahoma" panose="020B0604030504040204" pitchFamily="34" charset="0"/>
+              </a:rPr>
+              <a:t> è una funzione </a:t>
+            </a:r>
+            <a:r>
+              <a:rPr lang="it-IT" sz="2400" b="1" dirty="0">
+                <a:solidFill>
+                  <a:schemeClr val="tx1"/>
+                </a:solidFill>
+                <a:latin typeface="Tahoma" panose="020B0604030504040204" pitchFamily="34" charset="0"/>
+                <a:ea typeface="Tahoma" panose="020B0604030504040204" pitchFamily="34" charset="0"/>
+                <a:cs typeface="Tahoma" panose="020B0604030504040204" pitchFamily="34" charset="0"/>
+              </a:rPr>
+              <a:t>crittografica</a:t>
+            </a:r>
+            <a:r>
+              <a:rPr lang="it-IT" sz="2400" dirty="0">
+                <a:solidFill>
+                  <a:schemeClr val="tx1"/>
+                </a:solidFill>
+                <a:latin typeface="Tahoma" panose="020B0604030504040204" pitchFamily="34" charset="0"/>
+                <a:ea typeface="Tahoma" panose="020B0604030504040204" pitchFamily="34" charset="0"/>
+                <a:cs typeface="Tahoma" panose="020B0604030504040204" pitchFamily="34" charset="0"/>
+              </a:rPr>
+              <a:t> che serve a condensare gruppi di transazioni in </a:t>
+            </a:r>
+            <a:r>
+              <a:rPr lang="it-IT" sz="2400" b="1" dirty="0">
+                <a:solidFill>
+                  <a:schemeClr val="tx1"/>
+                </a:solidFill>
+                <a:latin typeface="Tahoma" panose="020B0604030504040204" pitchFamily="34" charset="0"/>
+                <a:ea typeface="Tahoma" panose="020B0604030504040204" pitchFamily="34" charset="0"/>
+                <a:cs typeface="Tahoma" panose="020B0604030504040204" pitchFamily="34" charset="0"/>
+              </a:rPr>
+              <a:t>blocchi</a:t>
+            </a:r>
+            <a:r>
+              <a:rPr lang="it-IT" sz="2400" dirty="0">
+                <a:solidFill>
+                  <a:schemeClr val="tx1"/>
+                </a:solidFill>
+                <a:latin typeface="Tahoma" panose="020B0604030504040204" pitchFamily="34" charset="0"/>
+                <a:ea typeface="Tahoma" panose="020B0604030504040204" pitchFamily="34" charset="0"/>
+                <a:cs typeface="Tahoma" panose="020B0604030504040204" pitchFamily="34" charset="0"/>
+              </a:rPr>
+              <a:t>, </a:t>
+            </a:r>
+            <a:r>
+              <a:rPr lang="it-IT" sz="2400" b="1" dirty="0">
+                <a:solidFill>
+                  <a:schemeClr val="tx1"/>
+                </a:solidFill>
+                <a:latin typeface="Tahoma" panose="020B0604030504040204" pitchFamily="34" charset="0"/>
+                <a:ea typeface="Tahoma" panose="020B0604030504040204" pitchFamily="34" charset="0"/>
+                <a:cs typeface="Tahoma" panose="020B0604030504040204" pitchFamily="34" charset="0"/>
+              </a:rPr>
+              <a:t>collegare</a:t>
+            </a:r>
+            <a:r>
+              <a:rPr lang="it-IT" sz="2400" dirty="0">
+                <a:solidFill>
+                  <a:schemeClr val="tx1"/>
+                </a:solidFill>
+                <a:latin typeface="Tahoma" panose="020B0604030504040204" pitchFamily="34" charset="0"/>
+                <a:ea typeface="Tahoma" panose="020B0604030504040204" pitchFamily="34" charset="0"/>
+                <a:cs typeface="Tahoma" panose="020B0604030504040204" pitchFamily="34" charset="0"/>
+              </a:rPr>
+              <a:t> </a:t>
+            </a:r>
+            <a:r>
+              <a:rPr lang="it-IT" sz="2400" b="1" dirty="0">
+                <a:solidFill>
+                  <a:schemeClr val="tx1"/>
+                </a:solidFill>
+                <a:latin typeface="Tahoma" panose="020B0604030504040204" pitchFamily="34" charset="0"/>
+                <a:ea typeface="Tahoma" panose="020B0604030504040204" pitchFamily="34" charset="0"/>
+                <a:cs typeface="Tahoma" panose="020B0604030504040204" pitchFamily="34" charset="0"/>
+              </a:rPr>
+              <a:t>ciascun</a:t>
+            </a:r>
+            <a:r>
+              <a:rPr lang="it-IT" sz="2400" dirty="0">
+                <a:solidFill>
+                  <a:schemeClr val="tx1"/>
+                </a:solidFill>
+                <a:latin typeface="Tahoma" panose="020B0604030504040204" pitchFamily="34" charset="0"/>
+                <a:ea typeface="Tahoma" panose="020B0604030504040204" pitchFamily="34" charset="0"/>
+                <a:cs typeface="Tahoma" panose="020B0604030504040204" pitchFamily="34" charset="0"/>
+              </a:rPr>
+              <a:t> </a:t>
+            </a:r>
+            <a:r>
+              <a:rPr lang="it-IT" sz="2400" b="1" dirty="0">
+                <a:solidFill>
+                  <a:schemeClr val="tx1"/>
+                </a:solidFill>
+                <a:latin typeface="Tahoma" panose="020B0604030504040204" pitchFamily="34" charset="0"/>
+                <a:ea typeface="Tahoma" panose="020B0604030504040204" pitchFamily="34" charset="0"/>
+                <a:cs typeface="Tahoma" panose="020B0604030504040204" pitchFamily="34" charset="0"/>
+              </a:rPr>
+              <a:t>blocco</a:t>
+            </a:r>
+            <a:r>
+              <a:rPr lang="it-IT" sz="2400" dirty="0">
+                <a:solidFill>
+                  <a:schemeClr val="tx1"/>
+                </a:solidFill>
+                <a:latin typeface="Tahoma" panose="020B0604030504040204" pitchFamily="34" charset="0"/>
+                <a:ea typeface="Tahoma" panose="020B0604030504040204" pitchFamily="34" charset="0"/>
+                <a:cs typeface="Tahoma" panose="020B0604030504040204" pitchFamily="34" charset="0"/>
+              </a:rPr>
+              <a:t> con il successivo, e </a:t>
+            </a:r>
+            <a:r>
+              <a:rPr lang="it-IT" sz="2400" b="1" dirty="0">
+                <a:solidFill>
+                  <a:schemeClr val="tx1"/>
+                </a:solidFill>
+                <a:latin typeface="Tahoma" panose="020B0604030504040204" pitchFamily="34" charset="0"/>
+                <a:ea typeface="Tahoma" panose="020B0604030504040204" pitchFamily="34" charset="0"/>
+                <a:cs typeface="Tahoma" panose="020B0604030504040204" pitchFamily="34" charset="0"/>
+              </a:rPr>
+              <a:t>identificare</a:t>
+            </a:r>
+            <a:r>
+              <a:rPr lang="it-IT" sz="2400" dirty="0">
+                <a:solidFill>
+                  <a:schemeClr val="tx1"/>
+                </a:solidFill>
+                <a:latin typeface="Tahoma" panose="020B0604030504040204" pitchFamily="34" charset="0"/>
+                <a:ea typeface="Tahoma" panose="020B0604030504040204" pitchFamily="34" charset="0"/>
+                <a:cs typeface="Tahoma" panose="020B0604030504040204" pitchFamily="34" charset="0"/>
+              </a:rPr>
+              <a:t> ogni blocco. </a:t>
+            </a:r>
+            <a:endParaRPr lang="it-IT" sz="2400" dirty="0" smtClean="0">
+              <a:solidFill>
+                <a:schemeClr val="tx1"/>
+              </a:solidFill>
+              <a:latin typeface="Tahoma" panose="020B0604030504040204" pitchFamily="34" charset="0"/>
+              <a:ea typeface="Tahoma" panose="020B0604030504040204" pitchFamily="34" charset="0"/>
+              <a:cs typeface="Tahoma" panose="020B0604030504040204" pitchFamily="34" charset="0"/>
+            </a:endParaRPr>
+          </a:p>
+          <a:p>
+            <a:pPr marL="342900" indent="-342900">
+              <a:buFont typeface="Wingdings" panose="05000000000000000000" pitchFamily="2" charset="2"/>
+              <a:buChar char="ü"/>
+            </a:pPr>
+            <a:r>
+              <a:rPr lang="it-IT" sz="2400" b="1" dirty="0" smtClean="0">
+                <a:solidFill>
+                  <a:schemeClr val="tx1"/>
+                </a:solidFill>
+                <a:latin typeface="Tahoma" panose="020B0604030504040204" pitchFamily="34" charset="0"/>
+                <a:ea typeface="Tahoma" panose="020B0604030504040204" pitchFamily="34" charset="0"/>
+                <a:cs typeface="Tahoma" panose="020B0604030504040204" pitchFamily="34" charset="0"/>
+              </a:rPr>
+              <a:t>L'</a:t>
+            </a:r>
+            <a:r>
+              <a:rPr lang="it-IT" sz="2400" b="1" dirty="0" err="1" smtClean="0">
+                <a:solidFill>
+                  <a:schemeClr val="tx1"/>
+                </a:solidFill>
+                <a:latin typeface="Tahoma" panose="020B0604030504040204" pitchFamily="34" charset="0"/>
+                <a:ea typeface="Tahoma" panose="020B0604030504040204" pitchFamily="34" charset="0"/>
+                <a:cs typeface="Tahoma" panose="020B0604030504040204" pitchFamily="34" charset="0"/>
+              </a:rPr>
+              <a:t>hash</a:t>
+            </a:r>
+            <a:r>
+              <a:rPr lang="it-IT" sz="2400" dirty="0" smtClean="0">
+                <a:solidFill>
+                  <a:schemeClr val="tx1"/>
+                </a:solidFill>
+                <a:latin typeface="Tahoma" panose="020B0604030504040204" pitchFamily="34" charset="0"/>
+                <a:ea typeface="Tahoma" panose="020B0604030504040204" pitchFamily="34" charset="0"/>
+                <a:cs typeface="Tahoma" panose="020B0604030504040204" pitchFamily="34" charset="0"/>
+              </a:rPr>
+              <a:t> </a:t>
+            </a:r>
+            <a:r>
+              <a:rPr lang="it-IT" sz="2400" dirty="0">
+                <a:solidFill>
+                  <a:schemeClr val="tx1"/>
+                </a:solidFill>
+                <a:latin typeface="Tahoma" panose="020B0604030504040204" pitchFamily="34" charset="0"/>
+                <a:ea typeface="Tahoma" panose="020B0604030504040204" pitchFamily="34" charset="0"/>
+                <a:cs typeface="Tahoma" panose="020B0604030504040204" pitchFamily="34" charset="0"/>
+              </a:rPr>
+              <a:t>infatti è spesso usato per </a:t>
+            </a:r>
+            <a:r>
+              <a:rPr lang="it-IT" sz="2400" b="1" dirty="0">
+                <a:solidFill>
+                  <a:schemeClr val="tx1"/>
+                </a:solidFill>
+                <a:latin typeface="Tahoma" panose="020B0604030504040204" pitchFamily="34" charset="0"/>
+                <a:ea typeface="Tahoma" panose="020B0604030504040204" pitchFamily="34" charset="0"/>
+                <a:cs typeface="Tahoma" panose="020B0604030504040204" pitchFamily="34" charset="0"/>
+              </a:rPr>
+              <a:t>identificare</a:t>
+            </a:r>
+            <a:r>
+              <a:rPr lang="it-IT" sz="2400" dirty="0">
+                <a:solidFill>
+                  <a:schemeClr val="tx1"/>
+                </a:solidFill>
+                <a:latin typeface="Tahoma" panose="020B0604030504040204" pitchFamily="34" charset="0"/>
+                <a:ea typeface="Tahoma" panose="020B0604030504040204" pitchFamily="34" charset="0"/>
+                <a:cs typeface="Tahoma" panose="020B0604030504040204" pitchFamily="34" charset="0"/>
+              </a:rPr>
+              <a:t> e </a:t>
+            </a:r>
+            <a:r>
+              <a:rPr lang="it-IT" sz="2400" b="1" dirty="0">
+                <a:solidFill>
+                  <a:schemeClr val="tx1"/>
+                </a:solidFill>
+                <a:latin typeface="Tahoma" panose="020B0604030504040204" pitchFamily="34" charset="0"/>
+                <a:ea typeface="Tahoma" panose="020B0604030504040204" pitchFamily="34" charset="0"/>
+                <a:cs typeface="Tahoma" panose="020B0604030504040204" pitchFamily="34" charset="0"/>
+              </a:rPr>
+              <a:t>trovare</a:t>
+            </a:r>
+            <a:r>
+              <a:rPr lang="it-IT" sz="2400" dirty="0">
+                <a:solidFill>
+                  <a:schemeClr val="tx1"/>
+                </a:solidFill>
+                <a:latin typeface="Tahoma" panose="020B0604030504040204" pitchFamily="34" charset="0"/>
+                <a:ea typeface="Tahoma" panose="020B0604030504040204" pitchFamily="34" charset="0"/>
+                <a:cs typeface="Tahoma" panose="020B0604030504040204" pitchFamily="34" charset="0"/>
+              </a:rPr>
+              <a:t> una transazione sulla </a:t>
+            </a:r>
+            <a:r>
+              <a:rPr lang="it-IT" sz="2400" b="1" dirty="0" err="1" smtClean="0">
+                <a:solidFill>
+                  <a:schemeClr val="tx1"/>
+                </a:solidFill>
+                <a:latin typeface="Tahoma" panose="020B0604030504040204" pitchFamily="34" charset="0"/>
+                <a:ea typeface="Tahoma" panose="020B0604030504040204" pitchFamily="34" charset="0"/>
+                <a:cs typeface="Tahoma" panose="020B0604030504040204" pitchFamily="34" charset="0"/>
+              </a:rPr>
+              <a:t>blockchain</a:t>
+            </a:r>
+            <a:r>
+              <a:rPr lang="it-IT" sz="2400" dirty="0" smtClean="0">
+                <a:solidFill>
+                  <a:schemeClr val="tx1"/>
+                </a:solidFill>
+                <a:latin typeface="Tahoma" panose="020B0604030504040204" pitchFamily="34" charset="0"/>
+                <a:ea typeface="Tahoma" panose="020B0604030504040204" pitchFamily="34" charset="0"/>
+                <a:cs typeface="Tahoma" panose="020B0604030504040204" pitchFamily="34" charset="0"/>
+              </a:rPr>
+              <a:t>.</a:t>
+            </a:r>
+          </a:p>
+        </p:txBody>
+      </p:sp>
+      <p:sp>
+        <p:nvSpPr>
+          <p:cNvPr id="7" name="Segnaposto numero diapositiva 6">
+            <a:extLst>
+              <a:ext uri="{FF2B5EF4-FFF2-40B4-BE49-F238E27FC236}">
+                <a16:creationId xmlns:a16="http://schemas.microsoft.com/office/drawing/2014/main" id="{AB740BE9-E218-4144-BFDE-AE473D230A3D}"/>
+              </a:ext>
+            </a:extLst>
+          </p:cNvPr>
+          <p:cNvSpPr>
+            <a:spLocks noGrp="1"/>
+          </p:cNvSpPr>
+          <p:nvPr>
+            <p:ph type="sldNum" sz="quarter" idx="12"/>
+          </p:nvPr>
+        </p:nvSpPr>
+        <p:spPr/>
+        <p:txBody>
+          <a:bodyPr/>
+          <a:lstStyle/>
+          <a:p>
+            <a:pPr>
+              <a:defRPr/>
+            </a:pPr>
+            <a:fld id="{48B4153A-D4C5-4CEF-8992-0D8815C829E3}" type="slidenum">
+              <a:rPr lang="en-US" smtClean="0"/>
+              <a:pPr>
+                <a:defRPr/>
+              </a:pPr>
+              <a:t>26</a:t>
+            </a:fld>
+            <a:endParaRPr lang="en-US" dirty="0"/>
+          </a:p>
+        </p:txBody>
+      </p:sp>
+      <p:sp>
+        <p:nvSpPr>
+          <p:cNvPr id="6" name="Titolo 4">
+            <a:extLst>
+              <a:ext uri="{FF2B5EF4-FFF2-40B4-BE49-F238E27FC236}">
+                <a16:creationId xmlns:a16="http://schemas.microsoft.com/office/drawing/2014/main" id="{CF9A4806-60B4-80DC-1F76-D2EB3E6C376B}"/>
+              </a:ext>
+            </a:extLst>
+          </p:cNvPr>
+          <p:cNvSpPr>
+            <a:spLocks noGrp="1"/>
+          </p:cNvSpPr>
+          <p:nvPr>
+            <p:ph type="title"/>
+          </p:nvPr>
+        </p:nvSpPr>
+        <p:spPr>
+          <a:xfrm>
+            <a:off x="468313" y="286788"/>
+            <a:ext cx="11269662" cy="769441"/>
+          </a:xfrm>
+        </p:spPr>
+        <p:txBody>
+          <a:bodyPr/>
+          <a:lstStyle/>
+          <a:p>
+            <a:r>
+              <a:rPr lang="it-IT" dirty="0" smtClean="0">
+                <a:solidFill>
+                  <a:schemeClr val="tx1"/>
+                </a:solidFill>
+              </a:rPr>
+              <a:t>Le parti di un Blocco</a:t>
+            </a:r>
+            <a:r>
+              <a:rPr lang="it-IT" dirty="0">
+                <a:solidFill>
+                  <a:schemeClr val="tx1"/>
+                </a:solidFill>
+              </a:rPr>
+              <a:t/>
+            </a:r>
+            <a:br>
+              <a:rPr lang="it-IT" dirty="0">
+                <a:solidFill>
+                  <a:schemeClr val="tx1"/>
+                </a:solidFill>
+              </a:rPr>
+            </a:br>
+            <a:endParaRPr lang="it-IT" dirty="0">
+              <a:solidFill>
+                <a:schemeClr val="tx1"/>
+              </a:solidFill>
+            </a:endParaRPr>
+          </a:p>
+        </p:txBody>
+      </p:sp>
+      <p:pic>
+        <p:nvPicPr>
+          <p:cNvPr id="3" name="Immagine 2"/>
+          <p:cNvPicPr>
+            <a:picLocks noChangeAspect="1"/>
+          </p:cNvPicPr>
+          <p:nvPr/>
+        </p:nvPicPr>
+        <p:blipFill>
+          <a:blip r:embed="rId2">
+            <a:extLst>
+              <a:ext uri="{28A0092B-C50C-407E-A947-70E740481C1C}">
+                <a14:useLocalDpi xmlns:a14="http://schemas.microsoft.com/office/drawing/2010/main" val="0"/>
+              </a:ext>
+            </a:extLst>
+          </a:blip>
+          <a:stretch>
+            <a:fillRect/>
+          </a:stretch>
+        </p:blipFill>
+        <p:spPr>
+          <a:xfrm>
+            <a:off x="4982623" y="1465007"/>
+            <a:ext cx="6855415" cy="5144902"/>
+          </a:xfrm>
+          <a:prstGeom prst="rect">
+            <a:avLst/>
+          </a:prstGeom>
+        </p:spPr>
+      </p:pic>
+    </p:spTree>
+    <p:extLst>
+      <p:ext uri="{BB962C8B-B14F-4D97-AF65-F5344CB8AC3E}">
+        <p14:creationId xmlns:p14="http://schemas.microsoft.com/office/powerpoint/2010/main" val="2617697256"/>
+      </p:ext>
+    </p:extLst>
+  </p:cSld>
+  <p:clrMapOvr>
+    <a:masterClrMapping/>
+  </p:clrMapOvr>
+</p:sld>
+</file>
+
+<file path=ppt/slides/slide27.xml><?xml version="1.0" encoding="utf-8"?>
+<p:sld xmlns:a="http://schemas.openxmlformats.org/drawingml/2006/main" xmlns:r="http://schemas.openxmlformats.org/officeDocument/2006/relationships" xmlns:p="http://schemas.openxmlformats.org/presentationml/2006/main">
+  <p:cSld>
+    <p:spTree>
+      <p:nvGrpSpPr>
+        <p:cNvPr id="1" name=""/>
+        <p:cNvGrpSpPr/>
+        <p:nvPr/>
+      </p:nvGrpSpPr>
+      <p:grpSpPr>
+        <a:xfrm>
+          <a:off x="0" y="0"/>
+          <a:ext cx="0" cy="0"/>
+          <a:chOff x="0" y="0"/>
+          <a:chExt cx="0" cy="0"/>
+        </a:xfrm>
+      </p:grpSpPr>
+      <p:sp>
+        <p:nvSpPr>
+          <p:cNvPr id="2" name="Segnaposto testo 1">
+            <a:extLst>
+              <a:ext uri="{FF2B5EF4-FFF2-40B4-BE49-F238E27FC236}">
+                <a16:creationId xmlns:a16="http://schemas.microsoft.com/office/drawing/2014/main" id="{E5AE986C-196F-4141-A898-FA4C4198CDCC}"/>
+              </a:ext>
+            </a:extLst>
+          </p:cNvPr>
+          <p:cNvSpPr>
+            <a:spLocks noGrp="1"/>
+          </p:cNvSpPr>
+          <p:nvPr>
+            <p:ph type="body" idx="1"/>
+          </p:nvPr>
+        </p:nvSpPr>
+        <p:spPr>
+          <a:xfrm>
+            <a:off x="323469" y="1382937"/>
+            <a:ext cx="11414505" cy="4392612"/>
+          </a:xfrm>
+        </p:spPr>
+        <p:txBody>
+          <a:bodyPr/>
+          <a:lstStyle/>
+          <a:p>
+            <a:pPr marL="342900" indent="-342900">
+              <a:buFont typeface="Wingdings" panose="05000000000000000000" pitchFamily="2" charset="2"/>
+              <a:buChar char="ü"/>
+            </a:pPr>
+            <a:r>
+              <a:rPr lang="en-US" sz="2400" dirty="0" err="1" smtClean="0">
+                <a:solidFill>
+                  <a:schemeClr val="tx1"/>
+                </a:solidFill>
+                <a:latin typeface="Tahoma" panose="020B0604030504040204" pitchFamily="34" charset="0"/>
+                <a:ea typeface="Tahoma" panose="020B0604030504040204" pitchFamily="34" charset="0"/>
+                <a:cs typeface="Tahoma" panose="020B0604030504040204" pitchFamily="34" charset="0"/>
+              </a:rPr>
+              <a:t>L’hash</a:t>
+            </a:r>
+            <a:r>
+              <a:rPr lang="en-US" sz="2400" dirty="0" smtClean="0">
+                <a:solidFill>
+                  <a:schemeClr val="tx1"/>
+                </a:solidFill>
+                <a:latin typeface="Tahoma" panose="020B0604030504040204" pitchFamily="34" charset="0"/>
+                <a:ea typeface="Tahoma" panose="020B0604030504040204" pitchFamily="34" charset="0"/>
+                <a:cs typeface="Tahoma" panose="020B0604030504040204" pitchFamily="34" charset="0"/>
+              </a:rPr>
+              <a:t> di un </a:t>
+            </a:r>
+            <a:r>
+              <a:rPr lang="en-US" sz="2400" b="1" dirty="0" err="1" smtClean="0">
+                <a:solidFill>
+                  <a:schemeClr val="tx1"/>
+                </a:solidFill>
+                <a:latin typeface="Tahoma" panose="020B0604030504040204" pitchFamily="34" charset="0"/>
+                <a:ea typeface="Tahoma" panose="020B0604030504040204" pitchFamily="34" charset="0"/>
+                <a:cs typeface="Tahoma" panose="020B0604030504040204" pitchFamily="34" charset="0"/>
+              </a:rPr>
+              <a:t>blocco</a:t>
+            </a:r>
+            <a:r>
+              <a:rPr lang="en-US" sz="2400" dirty="0" smtClean="0">
+                <a:solidFill>
+                  <a:schemeClr val="tx1"/>
+                </a:solidFill>
+                <a:latin typeface="Tahoma" panose="020B0604030504040204" pitchFamily="34" charset="0"/>
+                <a:ea typeface="Tahoma" panose="020B0604030504040204" pitchFamily="34" charset="0"/>
+                <a:cs typeface="Tahoma" panose="020B0604030504040204" pitchFamily="34" charset="0"/>
+              </a:rPr>
+              <a:t> (</a:t>
+            </a:r>
+            <a:r>
+              <a:rPr lang="en-US" sz="2400" dirty="0" err="1" smtClean="0">
+                <a:solidFill>
+                  <a:schemeClr val="tx1"/>
+                </a:solidFill>
+                <a:latin typeface="Tahoma" panose="020B0604030504040204" pitchFamily="34" charset="0"/>
+                <a:ea typeface="Tahoma" panose="020B0604030504040204" pitchFamily="34" charset="0"/>
+                <a:cs typeface="Tahoma" panose="020B0604030504040204" pitchFamily="34" charset="0"/>
+              </a:rPr>
+              <a:t>ossia</a:t>
+            </a:r>
+            <a:r>
+              <a:rPr lang="en-US" sz="2400" dirty="0" smtClean="0">
+                <a:solidFill>
+                  <a:schemeClr val="tx1"/>
+                </a:solidFill>
+                <a:latin typeface="Tahoma" panose="020B0604030504040204" pitchFamily="34" charset="0"/>
+                <a:ea typeface="Tahoma" panose="020B0604030504040204" pitchFamily="34" charset="0"/>
+                <a:cs typeface="Tahoma" panose="020B0604030504040204" pitchFamily="34" charset="0"/>
+              </a:rPr>
+              <a:t> </a:t>
+            </a:r>
+            <a:r>
+              <a:rPr lang="en-US" sz="2400" b="1" dirty="0" err="1" smtClean="0">
+                <a:solidFill>
+                  <a:schemeClr val="tx1"/>
+                </a:solidFill>
+                <a:latin typeface="Tahoma" panose="020B0604030504040204" pitchFamily="34" charset="0"/>
+                <a:ea typeface="Tahoma" panose="020B0604030504040204" pitchFamily="34" charset="0"/>
+                <a:cs typeface="Tahoma" panose="020B0604030504040204" pitchFamily="34" charset="0"/>
+              </a:rPr>
+              <a:t>l’header</a:t>
+            </a:r>
+            <a:r>
+              <a:rPr lang="en-US" sz="2400" dirty="0" smtClean="0">
+                <a:solidFill>
+                  <a:schemeClr val="tx1"/>
+                </a:solidFill>
+                <a:latin typeface="Tahoma" panose="020B0604030504040204" pitchFamily="34" charset="0"/>
+                <a:ea typeface="Tahoma" panose="020B0604030504040204" pitchFamily="34" charset="0"/>
+                <a:cs typeface="Tahoma" panose="020B0604030504040204" pitchFamily="34" charset="0"/>
+              </a:rPr>
+              <a:t> del </a:t>
+            </a:r>
+            <a:r>
+              <a:rPr lang="en-US" sz="2400" dirty="0" err="1" smtClean="0">
+                <a:solidFill>
+                  <a:schemeClr val="tx1"/>
+                </a:solidFill>
+                <a:latin typeface="Tahoma" panose="020B0604030504040204" pitchFamily="34" charset="0"/>
+                <a:ea typeface="Tahoma" panose="020B0604030504040204" pitchFamily="34" charset="0"/>
+                <a:cs typeface="Tahoma" panose="020B0604030504040204" pitchFamily="34" charset="0"/>
+              </a:rPr>
+              <a:t>blocco</a:t>
+            </a:r>
+            <a:r>
+              <a:rPr lang="en-US" sz="2400" dirty="0" smtClean="0">
+                <a:solidFill>
+                  <a:schemeClr val="tx1"/>
+                </a:solidFill>
+                <a:latin typeface="Tahoma" panose="020B0604030504040204" pitchFamily="34" charset="0"/>
+                <a:ea typeface="Tahoma" panose="020B0604030504040204" pitchFamily="34" charset="0"/>
+                <a:cs typeface="Tahoma" panose="020B0604030504040204" pitchFamily="34" charset="0"/>
+              </a:rPr>
+              <a:t>) è </a:t>
+            </a:r>
+            <a:r>
+              <a:rPr lang="en-US" sz="2400" dirty="0" err="1" smtClean="0">
+                <a:solidFill>
+                  <a:schemeClr val="tx1"/>
+                </a:solidFill>
+                <a:latin typeface="Tahoma" panose="020B0604030504040204" pitchFamily="34" charset="0"/>
+                <a:ea typeface="Tahoma" panose="020B0604030504040204" pitchFamily="34" charset="0"/>
+                <a:cs typeface="Tahoma" panose="020B0604030504040204" pitchFamily="34" charset="0"/>
+              </a:rPr>
+              <a:t>formato</a:t>
+            </a:r>
+            <a:r>
+              <a:rPr lang="en-US" sz="2400" dirty="0" smtClean="0">
+                <a:solidFill>
+                  <a:schemeClr val="tx1"/>
+                </a:solidFill>
+                <a:latin typeface="Tahoma" panose="020B0604030504040204" pitchFamily="34" charset="0"/>
+                <a:ea typeface="Tahoma" panose="020B0604030504040204" pitchFamily="34" charset="0"/>
+                <a:cs typeface="Tahoma" panose="020B0604030504040204" pitchFamily="34" charset="0"/>
+              </a:rPr>
+              <a:t> da </a:t>
+            </a:r>
+            <a:r>
+              <a:rPr lang="en-US" sz="2400" b="1" dirty="0" err="1" smtClean="0">
+                <a:solidFill>
+                  <a:schemeClr val="tx1"/>
+                </a:solidFill>
+                <a:latin typeface="Tahoma" panose="020B0604030504040204" pitchFamily="34" charset="0"/>
+                <a:ea typeface="Tahoma" panose="020B0604030504040204" pitchFamily="34" charset="0"/>
+                <a:cs typeface="Tahoma" panose="020B0604030504040204" pitchFamily="34" charset="0"/>
+              </a:rPr>
+              <a:t>sei</a:t>
+            </a:r>
+            <a:r>
+              <a:rPr lang="en-US" sz="2400" dirty="0" smtClean="0">
+                <a:solidFill>
+                  <a:schemeClr val="tx1"/>
+                </a:solidFill>
+                <a:latin typeface="Tahoma" panose="020B0604030504040204" pitchFamily="34" charset="0"/>
+                <a:ea typeface="Tahoma" panose="020B0604030504040204" pitchFamily="34" charset="0"/>
+                <a:cs typeface="Tahoma" panose="020B0604030504040204" pitchFamily="34" charset="0"/>
+              </a:rPr>
+              <a:t> </a:t>
+            </a:r>
+            <a:r>
+              <a:rPr lang="en-US" sz="2400" b="1" dirty="0" err="1" smtClean="0">
+                <a:solidFill>
+                  <a:schemeClr val="tx1"/>
+                </a:solidFill>
+                <a:latin typeface="Tahoma" panose="020B0604030504040204" pitchFamily="34" charset="0"/>
+                <a:ea typeface="Tahoma" panose="020B0604030504040204" pitchFamily="34" charset="0"/>
+                <a:cs typeface="Tahoma" panose="020B0604030504040204" pitchFamily="34" charset="0"/>
+              </a:rPr>
+              <a:t>elementi</a:t>
+            </a:r>
+            <a:r>
+              <a:rPr lang="en-US" sz="2400" dirty="0" smtClean="0">
+                <a:solidFill>
+                  <a:schemeClr val="tx1"/>
+                </a:solidFill>
+                <a:latin typeface="Tahoma" panose="020B0604030504040204" pitchFamily="34" charset="0"/>
+                <a:ea typeface="Tahoma" panose="020B0604030504040204" pitchFamily="34" charset="0"/>
+                <a:cs typeface="Tahoma" panose="020B0604030504040204" pitchFamily="34" charset="0"/>
+              </a:rPr>
+              <a:t> </a:t>
+            </a:r>
+            <a:r>
+              <a:rPr lang="en-US" sz="2400" dirty="0" err="1" smtClean="0">
+                <a:solidFill>
+                  <a:schemeClr val="tx1"/>
+                </a:solidFill>
+                <a:latin typeface="Tahoma" panose="020B0604030504040204" pitchFamily="34" charset="0"/>
+                <a:ea typeface="Tahoma" panose="020B0604030504040204" pitchFamily="34" charset="0"/>
+                <a:cs typeface="Tahoma" panose="020B0604030504040204" pitchFamily="34" charset="0"/>
+              </a:rPr>
+              <a:t>che</a:t>
+            </a:r>
+            <a:r>
+              <a:rPr lang="en-US" sz="2400" dirty="0" smtClean="0">
+                <a:solidFill>
+                  <a:schemeClr val="tx1"/>
+                </a:solidFill>
+                <a:latin typeface="Tahoma" panose="020B0604030504040204" pitchFamily="34" charset="0"/>
+                <a:ea typeface="Tahoma" panose="020B0604030504040204" pitchFamily="34" charset="0"/>
+                <a:cs typeface="Tahoma" panose="020B0604030504040204" pitchFamily="34" charset="0"/>
+              </a:rPr>
+              <a:t> </a:t>
+            </a:r>
+            <a:r>
+              <a:rPr lang="en-US" sz="2400" dirty="0" err="1" smtClean="0">
+                <a:solidFill>
+                  <a:schemeClr val="tx1"/>
+                </a:solidFill>
+                <a:latin typeface="Tahoma" panose="020B0604030504040204" pitchFamily="34" charset="0"/>
+                <a:ea typeface="Tahoma" panose="020B0604030504040204" pitchFamily="34" charset="0"/>
+                <a:cs typeface="Tahoma" panose="020B0604030504040204" pitchFamily="34" charset="0"/>
+              </a:rPr>
+              <a:t>costituiscono</a:t>
+            </a:r>
+            <a:r>
+              <a:rPr lang="en-US" sz="2400" dirty="0" smtClean="0">
+                <a:solidFill>
+                  <a:schemeClr val="tx1"/>
+                </a:solidFill>
+                <a:latin typeface="Tahoma" panose="020B0604030504040204" pitchFamily="34" charset="0"/>
+                <a:ea typeface="Tahoma" panose="020B0604030504040204" pitchFamily="34" charset="0"/>
+                <a:cs typeface="Tahoma" panose="020B0604030504040204" pitchFamily="34" charset="0"/>
+              </a:rPr>
+              <a:t> un </a:t>
+            </a:r>
+            <a:r>
+              <a:rPr lang="en-US" sz="2400" dirty="0" err="1" smtClean="0">
+                <a:solidFill>
+                  <a:schemeClr val="tx1"/>
+                </a:solidFill>
+                <a:latin typeface="Tahoma" panose="020B0604030504040204" pitchFamily="34" charset="0"/>
+                <a:ea typeface="Tahoma" panose="020B0604030504040204" pitchFamily="34" charset="0"/>
+                <a:cs typeface="Tahoma" panose="020B0604030504040204" pitchFamily="34" charset="0"/>
+              </a:rPr>
+              <a:t>blocco</a:t>
+            </a:r>
+            <a:r>
+              <a:rPr lang="en-US" sz="2400" dirty="0" smtClean="0">
+                <a:solidFill>
+                  <a:schemeClr val="tx1"/>
+                </a:solidFill>
+                <a:latin typeface="Tahoma" panose="020B0604030504040204" pitchFamily="34" charset="0"/>
+                <a:ea typeface="Tahoma" panose="020B0604030504040204" pitchFamily="34" charset="0"/>
+                <a:cs typeface="Tahoma" panose="020B0604030504040204" pitchFamily="34" charset="0"/>
+              </a:rPr>
+              <a:t>: </a:t>
+            </a:r>
+            <a:endParaRPr lang="en-US" sz="2400" dirty="0">
+              <a:solidFill>
+                <a:schemeClr val="tx1"/>
+              </a:solidFill>
+              <a:latin typeface="Tahoma" panose="020B0604030504040204" pitchFamily="34" charset="0"/>
+              <a:ea typeface="Tahoma" panose="020B0604030504040204" pitchFamily="34" charset="0"/>
+              <a:cs typeface="Tahoma" panose="020B0604030504040204" pitchFamily="34" charset="0"/>
+            </a:endParaRPr>
+          </a:p>
+          <a:p>
+            <a:pPr marL="1257300" lvl="2" indent="-342900">
+              <a:buFont typeface="Arial" panose="020B0604020202020204" pitchFamily="34" charset="0"/>
+              <a:buChar char="•"/>
+            </a:pPr>
+            <a:r>
+              <a:rPr lang="en-US" sz="2400" b="0" dirty="0" smtClean="0">
+                <a:solidFill>
+                  <a:schemeClr val="tx1"/>
+                </a:solidFill>
+                <a:latin typeface="Tahoma" panose="020B0604030504040204" pitchFamily="34" charset="0"/>
+                <a:ea typeface="Tahoma" panose="020B0604030504040204" pitchFamily="34" charset="0"/>
+                <a:cs typeface="Tahoma" panose="020B0604030504040204" pitchFamily="34" charset="0"/>
+              </a:rPr>
+              <a:t>Il </a:t>
+            </a:r>
+            <a:r>
+              <a:rPr lang="en-US" sz="2400" dirty="0" err="1" smtClean="0">
+                <a:solidFill>
+                  <a:schemeClr val="tx1"/>
+                </a:solidFill>
+                <a:latin typeface="Tahoma" panose="020B0604030504040204" pitchFamily="34" charset="0"/>
+                <a:ea typeface="Tahoma" panose="020B0604030504040204" pitchFamily="34" charset="0"/>
+                <a:cs typeface="Tahoma" panose="020B0604030504040204" pitchFamily="34" charset="0"/>
+              </a:rPr>
+              <a:t>numero</a:t>
+            </a:r>
+            <a:r>
+              <a:rPr lang="en-US" sz="2400" b="0" dirty="0" smtClean="0">
+                <a:solidFill>
+                  <a:schemeClr val="tx1"/>
+                </a:solidFill>
+                <a:latin typeface="Tahoma" panose="020B0604030504040204" pitchFamily="34" charset="0"/>
+                <a:ea typeface="Tahoma" panose="020B0604030504040204" pitchFamily="34" charset="0"/>
+                <a:cs typeface="Tahoma" panose="020B0604030504040204" pitchFamily="34" charset="0"/>
+              </a:rPr>
+              <a:t> di </a:t>
+            </a:r>
+            <a:r>
+              <a:rPr lang="en-US" sz="2400" dirty="0" err="1" smtClean="0">
+                <a:solidFill>
+                  <a:schemeClr val="tx1"/>
+                </a:solidFill>
+                <a:latin typeface="Tahoma" panose="020B0604030504040204" pitchFamily="34" charset="0"/>
+                <a:ea typeface="Tahoma" panose="020B0604030504040204" pitchFamily="34" charset="0"/>
+                <a:cs typeface="Tahoma" panose="020B0604030504040204" pitchFamily="34" charset="0"/>
+              </a:rPr>
+              <a:t>versione</a:t>
+            </a:r>
+            <a:r>
+              <a:rPr lang="en-US" sz="2400" b="0" dirty="0" smtClean="0">
+                <a:solidFill>
+                  <a:schemeClr val="tx1"/>
+                </a:solidFill>
+                <a:latin typeface="Tahoma" panose="020B0604030504040204" pitchFamily="34" charset="0"/>
+                <a:ea typeface="Tahoma" panose="020B0604030504040204" pitchFamily="34" charset="0"/>
+                <a:cs typeface="Tahoma" panose="020B0604030504040204" pitchFamily="34" charset="0"/>
+              </a:rPr>
+              <a:t> del </a:t>
+            </a:r>
+            <a:r>
+              <a:rPr lang="en-US" sz="2400" b="0" dirty="0" err="1" smtClean="0">
+                <a:solidFill>
+                  <a:schemeClr val="tx1"/>
+                </a:solidFill>
+                <a:latin typeface="Tahoma" panose="020B0604030504040204" pitchFamily="34" charset="0"/>
+                <a:ea typeface="Tahoma" panose="020B0604030504040204" pitchFamily="34" charset="0"/>
+                <a:cs typeface="Tahoma" panose="020B0604030504040204" pitchFamily="34" charset="0"/>
+              </a:rPr>
+              <a:t>blocco</a:t>
+            </a:r>
+            <a:r>
+              <a:rPr lang="en-US" sz="2400" b="0" dirty="0" smtClean="0">
+                <a:solidFill>
+                  <a:schemeClr val="tx1"/>
+                </a:solidFill>
+                <a:latin typeface="Tahoma" panose="020B0604030504040204" pitchFamily="34" charset="0"/>
+                <a:ea typeface="Tahoma" panose="020B0604030504040204" pitchFamily="34" charset="0"/>
+                <a:cs typeface="Tahoma" panose="020B0604030504040204" pitchFamily="34" charset="0"/>
+              </a:rPr>
+              <a:t>,</a:t>
+            </a:r>
+          </a:p>
+          <a:p>
+            <a:pPr marL="1257300" lvl="2" indent="-342900">
+              <a:buFont typeface="Arial" panose="020B0604020202020204" pitchFamily="34" charset="0"/>
+              <a:buChar char="•"/>
+            </a:pPr>
+            <a:r>
+              <a:rPr lang="en-US" sz="2400" dirty="0" err="1" smtClean="0">
+                <a:solidFill>
+                  <a:schemeClr val="tx1"/>
+                </a:solidFill>
+                <a:latin typeface="Tahoma" panose="020B0604030504040204" pitchFamily="34" charset="0"/>
+                <a:ea typeface="Tahoma" panose="020B0604030504040204" pitchFamily="34" charset="0"/>
+                <a:cs typeface="Tahoma" panose="020B0604030504040204" pitchFamily="34" charset="0"/>
+              </a:rPr>
+              <a:t>L’hash</a:t>
+            </a:r>
+            <a:r>
+              <a:rPr lang="en-US" sz="2400" b="0" dirty="0" smtClean="0">
+                <a:solidFill>
+                  <a:schemeClr val="tx1"/>
+                </a:solidFill>
+                <a:latin typeface="Tahoma" panose="020B0604030504040204" pitchFamily="34" charset="0"/>
+                <a:ea typeface="Tahoma" panose="020B0604030504040204" pitchFamily="34" charset="0"/>
+                <a:cs typeface="Tahoma" panose="020B0604030504040204" pitchFamily="34" charset="0"/>
+              </a:rPr>
+              <a:t> del </a:t>
+            </a:r>
+            <a:r>
+              <a:rPr lang="en-US" sz="2400" dirty="0" err="1" smtClean="0">
+                <a:solidFill>
+                  <a:schemeClr val="tx1"/>
+                </a:solidFill>
+                <a:latin typeface="Tahoma" panose="020B0604030504040204" pitchFamily="34" charset="0"/>
+                <a:ea typeface="Tahoma" panose="020B0604030504040204" pitchFamily="34" charset="0"/>
+                <a:cs typeface="Tahoma" panose="020B0604030504040204" pitchFamily="34" charset="0"/>
+              </a:rPr>
+              <a:t>precedente</a:t>
+            </a:r>
+            <a:r>
+              <a:rPr lang="en-US" sz="2400" b="0" dirty="0" smtClean="0">
+                <a:solidFill>
+                  <a:schemeClr val="tx1"/>
+                </a:solidFill>
+                <a:latin typeface="Tahoma" panose="020B0604030504040204" pitchFamily="34" charset="0"/>
+                <a:ea typeface="Tahoma" panose="020B0604030504040204" pitchFamily="34" charset="0"/>
+                <a:cs typeface="Tahoma" panose="020B0604030504040204" pitchFamily="34" charset="0"/>
+              </a:rPr>
+              <a:t> </a:t>
+            </a:r>
+            <a:r>
+              <a:rPr lang="en-US" sz="2400" dirty="0" err="1" smtClean="0">
+                <a:solidFill>
+                  <a:schemeClr val="tx1"/>
+                </a:solidFill>
+                <a:latin typeface="Tahoma" panose="020B0604030504040204" pitchFamily="34" charset="0"/>
+                <a:ea typeface="Tahoma" panose="020B0604030504040204" pitchFamily="34" charset="0"/>
+                <a:cs typeface="Tahoma" panose="020B0604030504040204" pitchFamily="34" charset="0"/>
+              </a:rPr>
+              <a:t>blocco</a:t>
+            </a:r>
+            <a:r>
+              <a:rPr lang="en-US" sz="2400" b="0" dirty="0" smtClean="0">
+                <a:solidFill>
+                  <a:schemeClr val="tx1"/>
+                </a:solidFill>
+                <a:latin typeface="Tahoma" panose="020B0604030504040204" pitchFamily="34" charset="0"/>
+                <a:ea typeface="Tahoma" panose="020B0604030504040204" pitchFamily="34" charset="0"/>
+                <a:cs typeface="Tahoma" panose="020B0604030504040204" pitchFamily="34" charset="0"/>
+              </a:rPr>
+              <a:t> </a:t>
+            </a:r>
+            <a:r>
+              <a:rPr lang="en-US" sz="2400" b="0" dirty="0" err="1" smtClean="0">
+                <a:solidFill>
+                  <a:schemeClr val="tx1"/>
+                </a:solidFill>
+                <a:latin typeface="Tahoma" panose="020B0604030504040204" pitchFamily="34" charset="0"/>
+                <a:ea typeface="Tahoma" panose="020B0604030504040204" pitchFamily="34" charset="0"/>
+                <a:cs typeface="Tahoma" panose="020B0604030504040204" pitchFamily="34" charset="0"/>
+              </a:rPr>
+              <a:t>nella</a:t>
+            </a:r>
+            <a:r>
+              <a:rPr lang="en-US" sz="2400" b="0" dirty="0" smtClean="0">
+                <a:solidFill>
+                  <a:schemeClr val="tx1"/>
+                </a:solidFill>
+                <a:latin typeface="Tahoma" panose="020B0604030504040204" pitchFamily="34" charset="0"/>
+                <a:ea typeface="Tahoma" panose="020B0604030504040204" pitchFamily="34" charset="0"/>
+                <a:cs typeface="Tahoma" panose="020B0604030504040204" pitchFamily="34" charset="0"/>
+              </a:rPr>
+              <a:t> catena, </a:t>
+            </a:r>
+            <a:endParaRPr lang="en-US" sz="2400" dirty="0">
+              <a:solidFill>
+                <a:schemeClr val="tx1"/>
+              </a:solidFill>
+              <a:latin typeface="Tahoma" panose="020B0604030504040204" pitchFamily="34" charset="0"/>
+              <a:ea typeface="Tahoma" panose="020B0604030504040204" pitchFamily="34" charset="0"/>
+              <a:cs typeface="Tahoma" panose="020B0604030504040204" pitchFamily="34" charset="0"/>
+            </a:endParaRPr>
+          </a:p>
+          <a:p>
+            <a:pPr marL="1257300" lvl="2" indent="-342900">
+              <a:buFont typeface="Arial" panose="020B0604020202020204" pitchFamily="34" charset="0"/>
+              <a:buChar char="•"/>
+            </a:pPr>
+            <a:r>
+              <a:rPr lang="en-US" sz="2400" b="0" dirty="0" smtClean="0">
+                <a:solidFill>
+                  <a:schemeClr val="tx1"/>
+                </a:solidFill>
+                <a:latin typeface="Tahoma" panose="020B0604030504040204" pitchFamily="34" charset="0"/>
+                <a:ea typeface="Tahoma" panose="020B0604030504040204" pitchFamily="34" charset="0"/>
+                <a:cs typeface="Tahoma" panose="020B0604030504040204" pitchFamily="34" charset="0"/>
+              </a:rPr>
+              <a:t>Un </a:t>
+            </a:r>
+            <a:r>
+              <a:rPr lang="en-US" sz="2400" dirty="0" err="1" smtClean="0">
+                <a:solidFill>
+                  <a:schemeClr val="tx1"/>
+                </a:solidFill>
+                <a:latin typeface="Tahoma" panose="020B0604030504040204" pitchFamily="34" charset="0"/>
+                <a:ea typeface="Tahoma" panose="020B0604030504040204" pitchFamily="34" charset="0"/>
+                <a:cs typeface="Tahoma" panose="020B0604030504040204" pitchFamily="34" charset="0"/>
+              </a:rPr>
+              <a:t>codice</a:t>
+            </a:r>
+            <a:r>
+              <a:rPr lang="en-US" sz="2400" b="0" dirty="0" smtClean="0">
+                <a:solidFill>
+                  <a:schemeClr val="tx1"/>
+                </a:solidFill>
+                <a:latin typeface="Tahoma" panose="020B0604030504040204" pitchFamily="34" charset="0"/>
+                <a:ea typeface="Tahoma" panose="020B0604030504040204" pitchFamily="34" charset="0"/>
+                <a:cs typeface="Tahoma" panose="020B0604030504040204" pitchFamily="34" charset="0"/>
+              </a:rPr>
+              <a:t> </a:t>
+            </a:r>
+            <a:r>
+              <a:rPr lang="en-US" sz="2400" b="0" dirty="0" err="1" smtClean="0">
+                <a:solidFill>
+                  <a:schemeClr val="tx1"/>
+                </a:solidFill>
+                <a:latin typeface="Tahoma" panose="020B0604030504040204" pitchFamily="34" charset="0"/>
+                <a:ea typeface="Tahoma" panose="020B0604030504040204" pitchFamily="34" charset="0"/>
+                <a:cs typeface="Tahoma" panose="020B0604030504040204" pitchFamily="34" charset="0"/>
+              </a:rPr>
+              <a:t>generato</a:t>
+            </a:r>
+            <a:r>
+              <a:rPr lang="en-US" sz="2400" b="0" dirty="0" smtClean="0">
+                <a:solidFill>
+                  <a:schemeClr val="tx1"/>
+                </a:solidFill>
+                <a:latin typeface="Tahoma" panose="020B0604030504040204" pitchFamily="34" charset="0"/>
+                <a:ea typeface="Tahoma" panose="020B0604030504040204" pitchFamily="34" charset="0"/>
+                <a:cs typeface="Tahoma" panose="020B0604030504040204" pitchFamily="34" charset="0"/>
+              </a:rPr>
+              <a:t> </a:t>
+            </a:r>
+            <a:r>
+              <a:rPr lang="en-US" sz="2400" b="0" dirty="0" err="1" smtClean="0">
+                <a:solidFill>
+                  <a:schemeClr val="tx1"/>
+                </a:solidFill>
+                <a:latin typeface="Tahoma" panose="020B0604030504040204" pitchFamily="34" charset="0"/>
+                <a:ea typeface="Tahoma" panose="020B0604030504040204" pitchFamily="34" charset="0"/>
+                <a:cs typeface="Tahoma" panose="020B0604030504040204" pitchFamily="34" charset="0"/>
+              </a:rPr>
+              <a:t>dai</a:t>
+            </a:r>
+            <a:r>
+              <a:rPr lang="en-US" sz="2400" b="0" dirty="0" smtClean="0">
+                <a:solidFill>
+                  <a:schemeClr val="tx1"/>
+                </a:solidFill>
+                <a:latin typeface="Tahoma" panose="020B0604030504040204" pitchFamily="34" charset="0"/>
+                <a:ea typeface="Tahoma" panose="020B0604030504040204" pitchFamily="34" charset="0"/>
+                <a:cs typeface="Tahoma" panose="020B0604030504040204" pitchFamily="34" charset="0"/>
+              </a:rPr>
+              <a:t> </a:t>
+            </a:r>
+            <a:r>
+              <a:rPr lang="en-US" sz="2400" dirty="0" err="1" smtClean="0">
+                <a:solidFill>
+                  <a:schemeClr val="tx1"/>
+                </a:solidFill>
+                <a:latin typeface="Tahoma" panose="020B0604030504040204" pitchFamily="34" charset="0"/>
+                <a:ea typeface="Tahoma" panose="020B0604030504040204" pitchFamily="34" charset="0"/>
+                <a:cs typeface="Tahoma" panose="020B0604030504040204" pitchFamily="34" charset="0"/>
+              </a:rPr>
+              <a:t>dati</a:t>
+            </a:r>
+            <a:r>
+              <a:rPr lang="en-US" sz="2400" b="0" dirty="0" smtClean="0">
+                <a:solidFill>
+                  <a:schemeClr val="tx1"/>
+                </a:solidFill>
+                <a:latin typeface="Tahoma" panose="020B0604030504040204" pitchFamily="34" charset="0"/>
+                <a:ea typeface="Tahoma" panose="020B0604030504040204" pitchFamily="34" charset="0"/>
+                <a:cs typeface="Tahoma" panose="020B0604030504040204" pitchFamily="34" charset="0"/>
+              </a:rPr>
+              <a:t> </a:t>
+            </a:r>
+            <a:r>
+              <a:rPr lang="en-US" sz="2400" b="0" dirty="0" err="1" smtClean="0">
+                <a:solidFill>
+                  <a:schemeClr val="tx1"/>
+                </a:solidFill>
+                <a:latin typeface="Tahoma" panose="020B0604030504040204" pitchFamily="34" charset="0"/>
+                <a:ea typeface="Tahoma" panose="020B0604030504040204" pitchFamily="34" charset="0"/>
+                <a:cs typeface="Tahoma" panose="020B0604030504040204" pitchFamily="34" charset="0"/>
+              </a:rPr>
+              <a:t>della</a:t>
+            </a:r>
+            <a:r>
+              <a:rPr lang="en-US" sz="2400" b="0" dirty="0" smtClean="0">
+                <a:solidFill>
+                  <a:schemeClr val="tx1"/>
+                </a:solidFill>
+                <a:latin typeface="Tahoma" panose="020B0604030504040204" pitchFamily="34" charset="0"/>
+                <a:ea typeface="Tahoma" panose="020B0604030504040204" pitchFamily="34" charset="0"/>
+                <a:cs typeface="Tahoma" panose="020B0604030504040204" pitchFamily="34" charset="0"/>
+              </a:rPr>
+              <a:t> </a:t>
+            </a:r>
+            <a:r>
+              <a:rPr lang="en-US" sz="2400" b="0" dirty="0" err="1" smtClean="0">
+                <a:solidFill>
+                  <a:schemeClr val="tx1"/>
+                </a:solidFill>
+                <a:latin typeface="Tahoma" panose="020B0604030504040204" pitchFamily="34" charset="0"/>
+                <a:ea typeface="Tahoma" panose="020B0604030504040204" pitchFamily="34" charset="0"/>
+                <a:cs typeface="Tahoma" panose="020B0604030504040204" pitchFamily="34" charset="0"/>
+              </a:rPr>
+              <a:t>transazione</a:t>
+            </a:r>
+            <a:r>
+              <a:rPr lang="en-US" sz="2400" b="0" dirty="0" smtClean="0">
+                <a:solidFill>
+                  <a:schemeClr val="tx1"/>
+                </a:solidFill>
+                <a:latin typeface="Tahoma" panose="020B0604030504040204" pitchFamily="34" charset="0"/>
+                <a:ea typeface="Tahoma" panose="020B0604030504040204" pitchFamily="34" charset="0"/>
+                <a:cs typeface="Tahoma" panose="020B0604030504040204" pitchFamily="34" charset="0"/>
+              </a:rPr>
+              <a:t>,</a:t>
+            </a:r>
+            <a:endParaRPr lang="en-US" sz="2400" dirty="0">
+              <a:solidFill>
+                <a:schemeClr val="tx1"/>
+              </a:solidFill>
+              <a:latin typeface="Tahoma" panose="020B0604030504040204" pitchFamily="34" charset="0"/>
+              <a:ea typeface="Tahoma" panose="020B0604030504040204" pitchFamily="34" charset="0"/>
+              <a:cs typeface="Tahoma" panose="020B0604030504040204" pitchFamily="34" charset="0"/>
+            </a:endParaRPr>
+          </a:p>
+          <a:p>
+            <a:pPr marL="1257300" lvl="2" indent="-342900">
+              <a:buFont typeface="Arial" panose="020B0604020202020204" pitchFamily="34" charset="0"/>
+              <a:buChar char="•"/>
+            </a:pPr>
+            <a:r>
+              <a:rPr lang="en-US" sz="2400" b="0" dirty="0" smtClean="0">
+                <a:solidFill>
+                  <a:schemeClr val="tx1"/>
+                </a:solidFill>
+                <a:latin typeface="Tahoma" panose="020B0604030504040204" pitchFamily="34" charset="0"/>
+                <a:ea typeface="Tahoma" panose="020B0604030504040204" pitchFamily="34" charset="0"/>
+                <a:cs typeface="Tahoma" panose="020B0604030504040204" pitchFamily="34" charset="0"/>
+              </a:rPr>
+              <a:t>Un </a:t>
+            </a:r>
+            <a:r>
+              <a:rPr lang="en-US" sz="2400" dirty="0" smtClean="0">
+                <a:solidFill>
+                  <a:schemeClr val="tx1"/>
+                </a:solidFill>
+                <a:latin typeface="Tahoma" panose="020B0604030504040204" pitchFamily="34" charset="0"/>
+                <a:ea typeface="Tahoma" panose="020B0604030504040204" pitchFamily="34" charset="0"/>
+                <a:cs typeface="Tahoma" panose="020B0604030504040204" pitchFamily="34" charset="0"/>
+              </a:rPr>
+              <a:t>timestamp </a:t>
+            </a:r>
+            <a:r>
+              <a:rPr lang="en-US" sz="2400" b="0" dirty="0" smtClean="0">
+                <a:solidFill>
+                  <a:schemeClr val="tx1"/>
+                </a:solidFill>
+                <a:latin typeface="Tahoma" panose="020B0604030504040204" pitchFamily="34" charset="0"/>
+                <a:ea typeface="Tahoma" panose="020B0604030504040204" pitchFamily="34" charset="0"/>
+                <a:cs typeface="Tahoma" panose="020B0604030504040204" pitchFamily="34" charset="0"/>
+              </a:rPr>
+              <a:t>relative a </a:t>
+            </a:r>
+            <a:r>
+              <a:rPr lang="en-US" sz="2400" b="0" dirty="0" err="1" smtClean="0">
+                <a:solidFill>
+                  <a:schemeClr val="tx1"/>
+                </a:solidFill>
+                <a:latin typeface="Tahoma" panose="020B0604030504040204" pitchFamily="34" charset="0"/>
+                <a:ea typeface="Tahoma" panose="020B0604030504040204" pitchFamily="34" charset="0"/>
+                <a:cs typeface="Tahoma" panose="020B0604030504040204" pitchFamily="34" charset="0"/>
+              </a:rPr>
+              <a:t>quando</a:t>
+            </a:r>
+            <a:r>
+              <a:rPr lang="en-US" sz="2400" b="0" dirty="0" smtClean="0">
+                <a:solidFill>
+                  <a:schemeClr val="tx1"/>
+                </a:solidFill>
+                <a:latin typeface="Tahoma" panose="020B0604030504040204" pitchFamily="34" charset="0"/>
+                <a:ea typeface="Tahoma" panose="020B0604030504040204" pitchFamily="34" charset="0"/>
+                <a:cs typeface="Tahoma" panose="020B0604030504040204" pitchFamily="34" charset="0"/>
+              </a:rPr>
+              <a:t> </a:t>
+            </a:r>
+            <a:r>
+              <a:rPr lang="en-US" sz="2400" b="0" dirty="0" err="1" smtClean="0">
+                <a:solidFill>
+                  <a:schemeClr val="tx1"/>
+                </a:solidFill>
+                <a:latin typeface="Tahoma" panose="020B0604030504040204" pitchFamily="34" charset="0"/>
+                <a:ea typeface="Tahoma" panose="020B0604030504040204" pitchFamily="34" charset="0"/>
+                <a:cs typeface="Tahoma" panose="020B0604030504040204" pitchFamily="34" charset="0"/>
+              </a:rPr>
+              <a:t>il</a:t>
+            </a:r>
+            <a:r>
+              <a:rPr lang="en-US" sz="2400" b="0" dirty="0" smtClean="0">
+                <a:solidFill>
+                  <a:schemeClr val="tx1"/>
+                </a:solidFill>
+                <a:latin typeface="Tahoma" panose="020B0604030504040204" pitchFamily="34" charset="0"/>
+                <a:ea typeface="Tahoma" panose="020B0604030504040204" pitchFamily="34" charset="0"/>
+                <a:cs typeface="Tahoma" panose="020B0604030504040204" pitchFamily="34" charset="0"/>
+              </a:rPr>
+              <a:t> </a:t>
+            </a:r>
+            <a:r>
+              <a:rPr lang="en-US" sz="2400" dirty="0" err="1" smtClean="0">
+                <a:solidFill>
+                  <a:schemeClr val="tx1"/>
+                </a:solidFill>
+                <a:latin typeface="Tahoma" panose="020B0604030504040204" pitchFamily="34" charset="0"/>
+                <a:ea typeface="Tahoma" panose="020B0604030504040204" pitchFamily="34" charset="0"/>
+                <a:cs typeface="Tahoma" panose="020B0604030504040204" pitchFamily="34" charset="0"/>
+              </a:rPr>
+              <a:t>blocco</a:t>
+            </a:r>
+            <a:r>
+              <a:rPr lang="en-US" sz="2400" b="0" dirty="0" smtClean="0">
+                <a:solidFill>
+                  <a:schemeClr val="tx1"/>
+                </a:solidFill>
+                <a:latin typeface="Tahoma" panose="020B0604030504040204" pitchFamily="34" charset="0"/>
+                <a:ea typeface="Tahoma" panose="020B0604030504040204" pitchFamily="34" charset="0"/>
+                <a:cs typeface="Tahoma" panose="020B0604030504040204" pitchFamily="34" charset="0"/>
+              </a:rPr>
+              <a:t> è </a:t>
+            </a:r>
+            <a:r>
+              <a:rPr lang="en-US" sz="2400" b="0" dirty="0" err="1" smtClean="0">
+                <a:solidFill>
+                  <a:schemeClr val="tx1"/>
+                </a:solidFill>
+                <a:latin typeface="Tahoma" panose="020B0604030504040204" pitchFamily="34" charset="0"/>
+                <a:ea typeface="Tahoma" panose="020B0604030504040204" pitchFamily="34" charset="0"/>
+                <a:cs typeface="Tahoma" panose="020B0604030504040204" pitchFamily="34" charset="0"/>
+              </a:rPr>
+              <a:t>stato</a:t>
+            </a:r>
+            <a:r>
+              <a:rPr lang="en-US" sz="2400" b="0" dirty="0" smtClean="0">
+                <a:solidFill>
+                  <a:schemeClr val="tx1"/>
+                </a:solidFill>
+                <a:latin typeface="Tahoma" panose="020B0604030504040204" pitchFamily="34" charset="0"/>
+                <a:ea typeface="Tahoma" panose="020B0604030504040204" pitchFamily="34" charset="0"/>
+                <a:cs typeface="Tahoma" panose="020B0604030504040204" pitchFamily="34" charset="0"/>
+              </a:rPr>
+              <a:t> </a:t>
+            </a:r>
+            <a:r>
+              <a:rPr lang="en-US" sz="2400" b="0" dirty="0" err="1" smtClean="0">
+                <a:solidFill>
+                  <a:schemeClr val="tx1"/>
+                </a:solidFill>
+                <a:latin typeface="Tahoma" panose="020B0604030504040204" pitchFamily="34" charset="0"/>
+                <a:ea typeface="Tahoma" panose="020B0604030504040204" pitchFamily="34" charset="0"/>
+                <a:cs typeface="Tahoma" panose="020B0604030504040204" pitchFamily="34" charset="0"/>
+              </a:rPr>
+              <a:t>creato</a:t>
+            </a:r>
+            <a:r>
+              <a:rPr lang="en-US" sz="2400" b="0" dirty="0" smtClean="0">
+                <a:solidFill>
+                  <a:schemeClr val="tx1"/>
+                </a:solidFill>
+                <a:latin typeface="Tahoma" panose="020B0604030504040204" pitchFamily="34" charset="0"/>
+                <a:ea typeface="Tahoma" panose="020B0604030504040204" pitchFamily="34" charset="0"/>
+                <a:cs typeface="Tahoma" panose="020B0604030504040204" pitchFamily="34" charset="0"/>
+              </a:rPr>
+              <a:t>, </a:t>
+            </a:r>
+          </a:p>
+          <a:p>
+            <a:pPr marL="1257300" lvl="2" indent="-342900">
+              <a:buFont typeface="Arial" panose="020B0604020202020204" pitchFamily="34" charset="0"/>
+              <a:buChar char="•"/>
+            </a:pPr>
+            <a:r>
+              <a:rPr lang="en-US" sz="2400" b="0" dirty="0" err="1" smtClean="0">
+                <a:solidFill>
+                  <a:schemeClr val="tx1"/>
+                </a:solidFill>
+                <a:latin typeface="Tahoma" panose="020B0604030504040204" pitchFamily="34" charset="0"/>
+                <a:ea typeface="Tahoma" panose="020B0604030504040204" pitchFamily="34" charset="0"/>
+                <a:cs typeface="Tahoma" panose="020B0604030504040204" pitchFamily="34" charset="0"/>
+              </a:rPr>
+              <a:t>L’ostacolo</a:t>
+            </a:r>
+            <a:r>
+              <a:rPr lang="en-US" sz="2400" b="0" dirty="0" smtClean="0">
+                <a:solidFill>
+                  <a:schemeClr val="tx1"/>
+                </a:solidFill>
+                <a:latin typeface="Tahoma" panose="020B0604030504040204" pitchFamily="34" charset="0"/>
+                <a:ea typeface="Tahoma" panose="020B0604030504040204" pitchFamily="34" charset="0"/>
+                <a:cs typeface="Tahoma" panose="020B0604030504040204" pitchFamily="34" charset="0"/>
+              </a:rPr>
+              <a:t> </a:t>
+            </a:r>
+            <a:r>
+              <a:rPr lang="en-US" sz="2400" dirty="0" err="1" smtClean="0">
+                <a:solidFill>
+                  <a:schemeClr val="tx1"/>
+                </a:solidFill>
+                <a:latin typeface="Tahoma" panose="020B0604030504040204" pitchFamily="34" charset="0"/>
+                <a:ea typeface="Tahoma" panose="020B0604030504040204" pitchFamily="34" charset="0"/>
+                <a:cs typeface="Tahoma" panose="020B0604030504040204" pitchFamily="34" charset="0"/>
+              </a:rPr>
+              <a:t>dell’obiettivo</a:t>
+            </a:r>
+            <a:r>
+              <a:rPr lang="en-US" sz="2400" b="0" dirty="0" smtClean="0">
+                <a:solidFill>
+                  <a:schemeClr val="tx1"/>
+                </a:solidFill>
+                <a:latin typeface="Tahoma" panose="020B0604030504040204" pitchFamily="34" charset="0"/>
+                <a:ea typeface="Tahoma" panose="020B0604030504040204" pitchFamily="34" charset="0"/>
+                <a:cs typeface="Tahoma" panose="020B0604030504040204" pitchFamily="34" charset="0"/>
+              </a:rPr>
+              <a:t> </a:t>
+            </a:r>
+            <a:r>
+              <a:rPr lang="en-US" sz="2400" b="0" dirty="0" err="1" smtClean="0">
+                <a:solidFill>
+                  <a:schemeClr val="tx1"/>
+                </a:solidFill>
+                <a:latin typeface="Tahoma" panose="020B0604030504040204" pitchFamily="34" charset="0"/>
+                <a:ea typeface="Tahoma" panose="020B0604030504040204" pitchFamily="34" charset="0"/>
+                <a:cs typeface="Tahoma" panose="020B0604030504040204" pitchFamily="34" charset="0"/>
+              </a:rPr>
+              <a:t>che</a:t>
+            </a:r>
+            <a:r>
+              <a:rPr lang="en-US" sz="2400" b="0" dirty="0" smtClean="0">
+                <a:solidFill>
+                  <a:schemeClr val="tx1"/>
+                </a:solidFill>
+                <a:latin typeface="Tahoma" panose="020B0604030504040204" pitchFamily="34" charset="0"/>
+                <a:ea typeface="Tahoma" panose="020B0604030504040204" pitchFamily="34" charset="0"/>
+                <a:cs typeface="Tahoma" panose="020B0604030504040204" pitchFamily="34" charset="0"/>
+              </a:rPr>
+              <a:t> </a:t>
+            </a:r>
+            <a:r>
+              <a:rPr lang="en-US" sz="2400" b="0" dirty="0" err="1" smtClean="0">
+                <a:solidFill>
+                  <a:schemeClr val="tx1"/>
+                </a:solidFill>
+                <a:latin typeface="Tahoma" panose="020B0604030504040204" pitchFamily="34" charset="0"/>
+                <a:ea typeface="Tahoma" panose="020B0604030504040204" pitchFamily="34" charset="0"/>
+                <a:cs typeface="Tahoma" panose="020B0604030504040204" pitchFamily="34" charset="0"/>
+              </a:rPr>
+              <a:t>aggiusta</a:t>
+            </a:r>
+            <a:r>
+              <a:rPr lang="en-US" sz="2400" b="0" dirty="0" smtClean="0">
+                <a:solidFill>
+                  <a:schemeClr val="tx1"/>
+                </a:solidFill>
+                <a:latin typeface="Tahoma" panose="020B0604030504040204" pitchFamily="34" charset="0"/>
+                <a:ea typeface="Tahoma" panose="020B0604030504040204" pitchFamily="34" charset="0"/>
+                <a:cs typeface="Tahoma" panose="020B0604030504040204" pitchFamily="34" charset="0"/>
+              </a:rPr>
+              <a:t> </a:t>
+            </a:r>
+            <a:r>
+              <a:rPr lang="en-US" sz="2400" b="0" dirty="0" err="1" smtClean="0">
+                <a:solidFill>
+                  <a:schemeClr val="tx1"/>
+                </a:solidFill>
+                <a:latin typeface="Tahoma" panose="020B0604030504040204" pitchFamily="34" charset="0"/>
+                <a:ea typeface="Tahoma" panose="020B0604030504040204" pitchFamily="34" charset="0"/>
+                <a:cs typeface="Tahoma" panose="020B0604030504040204" pitchFamily="34" charset="0"/>
+              </a:rPr>
+              <a:t>l’ostacolo</a:t>
+            </a:r>
+            <a:r>
+              <a:rPr lang="en-US" sz="2400" b="0" dirty="0" smtClean="0">
+                <a:solidFill>
+                  <a:schemeClr val="tx1"/>
+                </a:solidFill>
+                <a:latin typeface="Tahoma" panose="020B0604030504040204" pitchFamily="34" charset="0"/>
+                <a:ea typeface="Tahoma" panose="020B0604030504040204" pitchFamily="34" charset="0"/>
+                <a:cs typeface="Tahoma" panose="020B0604030504040204" pitchFamily="34" charset="0"/>
+              </a:rPr>
+              <a:t> del </a:t>
+            </a:r>
+            <a:r>
+              <a:rPr lang="en-US" sz="2400" dirty="0" smtClean="0">
+                <a:solidFill>
+                  <a:schemeClr val="tx1"/>
+                </a:solidFill>
+                <a:latin typeface="Tahoma" panose="020B0604030504040204" pitchFamily="34" charset="0"/>
+                <a:ea typeface="Tahoma" panose="020B0604030504040204" pitchFamily="34" charset="0"/>
+                <a:cs typeface="Tahoma" panose="020B0604030504040204" pitchFamily="34" charset="0"/>
+              </a:rPr>
+              <a:t>mining</a:t>
+            </a:r>
+            <a:r>
+              <a:rPr lang="en-US" sz="2400" b="0" dirty="0" smtClean="0">
+                <a:solidFill>
+                  <a:schemeClr val="tx1"/>
+                </a:solidFill>
+                <a:latin typeface="Tahoma" panose="020B0604030504040204" pitchFamily="34" charset="0"/>
+                <a:ea typeface="Tahoma" panose="020B0604030504040204" pitchFamily="34" charset="0"/>
+                <a:cs typeface="Tahoma" panose="020B0604030504040204" pitchFamily="34" charset="0"/>
+              </a:rPr>
+              <a:t>,</a:t>
+            </a:r>
+            <a:endParaRPr lang="en-US" sz="2400" dirty="0" smtClean="0">
+              <a:solidFill>
+                <a:schemeClr val="tx1"/>
+              </a:solidFill>
+              <a:latin typeface="Tahoma" panose="020B0604030504040204" pitchFamily="34" charset="0"/>
+              <a:ea typeface="Tahoma" panose="020B0604030504040204" pitchFamily="34" charset="0"/>
+              <a:cs typeface="Tahoma" panose="020B0604030504040204" pitchFamily="34" charset="0"/>
+            </a:endParaRPr>
+          </a:p>
+          <a:p>
+            <a:pPr marL="1257300" lvl="2" indent="-342900">
+              <a:buFont typeface="Arial" panose="020B0604020202020204" pitchFamily="34" charset="0"/>
+              <a:buChar char="•"/>
+            </a:pPr>
+            <a:r>
+              <a:rPr lang="en-US" sz="2400" b="0" dirty="0" smtClean="0">
+                <a:solidFill>
+                  <a:schemeClr val="tx1"/>
+                </a:solidFill>
+                <a:latin typeface="Tahoma" panose="020B0604030504040204" pitchFamily="34" charset="0"/>
+                <a:ea typeface="Tahoma" panose="020B0604030504040204" pitchFamily="34" charset="0"/>
+                <a:cs typeface="Tahoma" panose="020B0604030504040204" pitchFamily="34" charset="0"/>
+              </a:rPr>
+              <a:t>E </a:t>
+            </a:r>
+            <a:r>
+              <a:rPr lang="en-US" sz="2400" b="0" dirty="0" err="1" smtClean="0">
+                <a:solidFill>
+                  <a:schemeClr val="tx1"/>
+                </a:solidFill>
+                <a:latin typeface="Tahoma" panose="020B0604030504040204" pitchFamily="34" charset="0"/>
+                <a:ea typeface="Tahoma" panose="020B0604030504040204" pitchFamily="34" charset="0"/>
+                <a:cs typeface="Tahoma" panose="020B0604030504040204" pitchFamily="34" charset="0"/>
+              </a:rPr>
+              <a:t>una</a:t>
+            </a:r>
+            <a:r>
+              <a:rPr lang="en-US" sz="2400" b="0" dirty="0" smtClean="0">
+                <a:solidFill>
+                  <a:schemeClr val="tx1"/>
+                </a:solidFill>
+                <a:latin typeface="Tahoma" panose="020B0604030504040204" pitchFamily="34" charset="0"/>
+                <a:ea typeface="Tahoma" panose="020B0604030504040204" pitchFamily="34" charset="0"/>
+                <a:cs typeface="Tahoma" panose="020B0604030504040204" pitchFamily="34" charset="0"/>
+              </a:rPr>
+              <a:t> </a:t>
+            </a:r>
+            <a:r>
+              <a:rPr lang="en-US" sz="2400" b="0" dirty="0" err="1" smtClean="0">
+                <a:solidFill>
+                  <a:schemeClr val="tx1"/>
+                </a:solidFill>
+                <a:latin typeface="Tahoma" panose="020B0604030504040204" pitchFamily="34" charset="0"/>
+                <a:ea typeface="Tahoma" panose="020B0604030504040204" pitchFamily="34" charset="0"/>
+                <a:cs typeface="Tahoma" panose="020B0604030504040204" pitchFamily="34" charset="0"/>
+              </a:rPr>
+              <a:t>stringa</a:t>
+            </a:r>
+            <a:r>
+              <a:rPr lang="en-US" sz="2400" b="0" dirty="0" smtClean="0">
+                <a:solidFill>
+                  <a:schemeClr val="tx1"/>
+                </a:solidFill>
+                <a:latin typeface="Tahoma" panose="020B0604030504040204" pitchFamily="34" charset="0"/>
+                <a:ea typeface="Tahoma" panose="020B0604030504040204" pitchFamily="34" charset="0"/>
+                <a:cs typeface="Tahoma" panose="020B0604030504040204" pitchFamily="34" charset="0"/>
+              </a:rPr>
+              <a:t> casual di </a:t>
+            </a:r>
+            <a:r>
+              <a:rPr lang="en-US" sz="2400" b="0" dirty="0" err="1" smtClean="0">
+                <a:solidFill>
+                  <a:schemeClr val="tx1"/>
+                </a:solidFill>
+                <a:latin typeface="Tahoma" panose="020B0604030504040204" pitchFamily="34" charset="0"/>
+                <a:ea typeface="Tahoma" panose="020B0604030504040204" pitchFamily="34" charset="0"/>
+                <a:cs typeface="Tahoma" panose="020B0604030504040204" pitchFamily="34" charset="0"/>
+              </a:rPr>
+              <a:t>caratteri</a:t>
+            </a:r>
+            <a:r>
+              <a:rPr lang="en-US" sz="2400" b="0" dirty="0" smtClean="0">
+                <a:solidFill>
+                  <a:schemeClr val="tx1"/>
+                </a:solidFill>
+                <a:latin typeface="Tahoma" panose="020B0604030504040204" pitchFamily="34" charset="0"/>
+                <a:ea typeface="Tahoma" panose="020B0604030504040204" pitchFamily="34" charset="0"/>
+                <a:cs typeface="Tahoma" panose="020B0604030504040204" pitchFamily="34" charset="0"/>
+              </a:rPr>
+              <a:t> </a:t>
+            </a:r>
+            <a:r>
+              <a:rPr lang="en-US" sz="2400" b="0" dirty="0" err="1" smtClean="0">
+                <a:solidFill>
+                  <a:schemeClr val="tx1"/>
+                </a:solidFill>
+                <a:latin typeface="Tahoma" panose="020B0604030504040204" pitchFamily="34" charset="0"/>
+                <a:ea typeface="Tahoma" panose="020B0604030504040204" pitchFamily="34" charset="0"/>
+                <a:cs typeface="Tahoma" panose="020B0604030504040204" pitchFamily="34" charset="0"/>
+              </a:rPr>
+              <a:t>chiamata</a:t>
+            </a:r>
+            <a:r>
+              <a:rPr lang="en-US" sz="2400" b="0" dirty="0" smtClean="0">
+                <a:solidFill>
+                  <a:schemeClr val="tx1"/>
+                </a:solidFill>
+                <a:latin typeface="Tahoma" panose="020B0604030504040204" pitchFamily="34" charset="0"/>
+                <a:ea typeface="Tahoma" panose="020B0604030504040204" pitchFamily="34" charset="0"/>
+                <a:cs typeface="Tahoma" panose="020B0604030504040204" pitchFamily="34" charset="0"/>
+              </a:rPr>
+              <a:t> “the nonce”.</a:t>
+            </a:r>
+          </a:p>
+          <a:p>
+            <a:pPr marL="342900" indent="-342900">
+              <a:buFont typeface="Wingdings" panose="05000000000000000000" pitchFamily="2" charset="2"/>
+              <a:buChar char="ü"/>
+            </a:pPr>
+            <a:r>
+              <a:rPr lang="en-US" sz="2400" dirty="0" err="1" smtClean="0"/>
+              <a:t>Tutti</a:t>
+            </a:r>
+            <a:r>
+              <a:rPr lang="en-US" sz="2400" dirty="0" smtClean="0"/>
+              <a:t>, </a:t>
+            </a:r>
+            <a:r>
+              <a:rPr lang="en-US" sz="2400" b="1" dirty="0" err="1" smtClean="0"/>
+              <a:t>eccetto</a:t>
+            </a:r>
+            <a:r>
+              <a:rPr lang="en-US" sz="2400" dirty="0" smtClean="0"/>
+              <a:t> </a:t>
+            </a:r>
+            <a:r>
+              <a:rPr lang="en-US" sz="2400" dirty="0" err="1"/>
+              <a:t>l’ultimo</a:t>
+            </a:r>
+            <a:r>
+              <a:rPr lang="en-US" sz="2400" dirty="0" smtClean="0"/>
+              <a:t> di </a:t>
+            </a:r>
+            <a:r>
+              <a:rPr lang="en-US" sz="2400" dirty="0" err="1" smtClean="0"/>
+              <a:t>questi</a:t>
+            </a:r>
+            <a:r>
+              <a:rPr lang="en-US" sz="2400" dirty="0" smtClean="0"/>
+              <a:t> </a:t>
+            </a:r>
+            <a:r>
+              <a:rPr lang="en-US" sz="2400" dirty="0" err="1" smtClean="0"/>
+              <a:t>elementi</a:t>
+            </a:r>
+            <a:r>
+              <a:rPr lang="en-US" sz="2400" dirty="0" smtClean="0"/>
+              <a:t> </a:t>
+            </a:r>
+            <a:r>
+              <a:rPr lang="en-US" sz="2400" dirty="0" err="1" smtClean="0"/>
+              <a:t>sono</a:t>
+            </a:r>
+            <a:r>
+              <a:rPr lang="en-US" sz="2400" dirty="0" smtClean="0"/>
+              <a:t> </a:t>
+            </a:r>
+            <a:r>
+              <a:rPr lang="en-US" sz="2400" dirty="0" err="1" smtClean="0"/>
+              <a:t>conosciuti</a:t>
+            </a:r>
+            <a:r>
+              <a:rPr lang="en-US" sz="2400" dirty="0" smtClean="0"/>
+              <a:t> in </a:t>
+            </a:r>
+            <a:r>
+              <a:rPr lang="en-US" sz="2400" b="1" dirty="0" err="1" smtClean="0"/>
+              <a:t>anticipo</a:t>
+            </a:r>
+            <a:r>
+              <a:rPr lang="en-US" sz="2400" dirty="0" smtClean="0"/>
+              <a:t> prima </a:t>
+            </a:r>
+            <a:r>
+              <a:rPr lang="en-US" sz="2400" dirty="0" err="1" smtClean="0"/>
+              <a:t>che</a:t>
+            </a:r>
+            <a:r>
+              <a:rPr lang="en-US" sz="2400" dirty="0" smtClean="0"/>
+              <a:t> un </a:t>
+            </a:r>
+            <a:r>
+              <a:rPr lang="en-US" sz="2400" b="1" dirty="0" err="1" smtClean="0"/>
+              <a:t>blocco</a:t>
+            </a:r>
+            <a:r>
+              <a:rPr lang="en-US" sz="2400" dirty="0" smtClean="0"/>
+              <a:t> </a:t>
+            </a:r>
+            <a:r>
+              <a:rPr lang="en-US" sz="2400" dirty="0" err="1" smtClean="0"/>
+              <a:t>sia</a:t>
+            </a:r>
+            <a:r>
+              <a:rPr lang="en-US" sz="2400" dirty="0" smtClean="0"/>
+              <a:t> </a:t>
+            </a:r>
+            <a:r>
+              <a:rPr lang="en-US" sz="2400" b="1" dirty="0" err="1" smtClean="0"/>
+              <a:t>aggiunto</a:t>
+            </a:r>
+            <a:r>
+              <a:rPr lang="en-US" sz="2400" dirty="0" smtClean="0"/>
+              <a:t> </a:t>
+            </a:r>
+            <a:r>
+              <a:rPr lang="en-US" sz="2400" dirty="0" err="1" smtClean="0"/>
+              <a:t>alla</a:t>
+            </a:r>
+            <a:r>
+              <a:rPr lang="en-US" sz="2400" dirty="0" smtClean="0"/>
+              <a:t> </a:t>
+            </a:r>
+            <a:r>
+              <a:rPr lang="en-US" sz="2400" b="1" dirty="0" smtClean="0"/>
+              <a:t>catena</a:t>
+            </a:r>
+            <a:r>
+              <a:rPr lang="en-US" sz="2400" dirty="0" smtClean="0"/>
+              <a:t>. </a:t>
+            </a:r>
+            <a:endParaRPr lang="it-IT" sz="2400" dirty="0">
+              <a:solidFill>
+                <a:schemeClr val="tx1"/>
+              </a:solidFill>
+              <a:latin typeface="Tahoma" panose="020B0604030504040204" pitchFamily="34" charset="0"/>
+              <a:ea typeface="Tahoma" panose="020B0604030504040204" pitchFamily="34" charset="0"/>
+              <a:cs typeface="Tahoma" panose="020B0604030504040204" pitchFamily="34" charset="0"/>
+            </a:endParaRPr>
+          </a:p>
+        </p:txBody>
+      </p:sp>
+      <p:sp>
+        <p:nvSpPr>
+          <p:cNvPr id="7" name="Segnaposto numero diapositiva 6">
+            <a:extLst>
+              <a:ext uri="{FF2B5EF4-FFF2-40B4-BE49-F238E27FC236}">
+                <a16:creationId xmlns:a16="http://schemas.microsoft.com/office/drawing/2014/main" id="{AB740BE9-E218-4144-BFDE-AE473D230A3D}"/>
+              </a:ext>
+            </a:extLst>
+          </p:cNvPr>
+          <p:cNvSpPr>
+            <a:spLocks noGrp="1"/>
+          </p:cNvSpPr>
+          <p:nvPr>
+            <p:ph type="sldNum" sz="quarter" idx="12"/>
+          </p:nvPr>
+        </p:nvSpPr>
+        <p:spPr/>
+        <p:txBody>
+          <a:bodyPr/>
+          <a:lstStyle/>
+          <a:p>
+            <a:pPr>
+              <a:defRPr/>
+            </a:pPr>
+            <a:fld id="{48B4153A-D4C5-4CEF-8992-0D8815C829E3}" type="slidenum">
+              <a:rPr lang="en-US" smtClean="0"/>
+              <a:pPr>
+                <a:defRPr/>
+              </a:pPr>
+              <a:t>27</a:t>
+            </a:fld>
+            <a:endParaRPr lang="en-US" dirty="0"/>
+          </a:p>
+        </p:txBody>
+      </p:sp>
+      <p:sp>
+        <p:nvSpPr>
+          <p:cNvPr id="6" name="Titolo 4">
+            <a:extLst>
+              <a:ext uri="{FF2B5EF4-FFF2-40B4-BE49-F238E27FC236}">
+                <a16:creationId xmlns:a16="http://schemas.microsoft.com/office/drawing/2014/main" id="{CF9A4806-60B4-80DC-1F76-D2EB3E6C376B}"/>
+              </a:ext>
+            </a:extLst>
+          </p:cNvPr>
+          <p:cNvSpPr>
+            <a:spLocks noGrp="1"/>
+          </p:cNvSpPr>
+          <p:nvPr>
+            <p:ph type="title"/>
+          </p:nvPr>
+        </p:nvSpPr>
+        <p:spPr>
+          <a:xfrm>
+            <a:off x="468313" y="286788"/>
+            <a:ext cx="11269662" cy="769441"/>
+          </a:xfrm>
+        </p:spPr>
+        <p:txBody>
+          <a:bodyPr/>
+          <a:lstStyle/>
+          <a:p>
+            <a:r>
+              <a:rPr lang="it-IT" dirty="0" smtClean="0">
+                <a:solidFill>
+                  <a:schemeClr val="tx1"/>
+                </a:solidFill>
+              </a:rPr>
+              <a:t>Le parti di un Blocco</a:t>
+            </a:r>
+            <a:r>
+              <a:rPr lang="it-IT" dirty="0">
+                <a:solidFill>
+                  <a:schemeClr val="tx1"/>
+                </a:solidFill>
+              </a:rPr>
+              <a:t/>
+            </a:r>
+            <a:br>
+              <a:rPr lang="it-IT" dirty="0">
+                <a:solidFill>
+                  <a:schemeClr val="tx1"/>
+                </a:solidFill>
+              </a:rPr>
+            </a:br>
+            <a:endParaRPr lang="it-IT" dirty="0">
+              <a:solidFill>
+                <a:schemeClr val="tx1"/>
+              </a:solidFill>
+            </a:endParaRPr>
+          </a:p>
+        </p:txBody>
+      </p:sp>
+    </p:spTree>
+    <p:extLst>
+      <p:ext uri="{BB962C8B-B14F-4D97-AF65-F5344CB8AC3E}">
+        <p14:creationId xmlns:p14="http://schemas.microsoft.com/office/powerpoint/2010/main" val="4140191882"/>
+      </p:ext>
+    </p:extLst>
+  </p:cSld>
+  <p:clrMapOvr>
+    <a:masterClrMapping/>
+  </p:clrMapOvr>
+</p:sld>
+</file>
+
+<file path=ppt/slides/slide28.xml><?xml version="1.0" encoding="utf-8"?>
 <p:sld xmlns:a="http://schemas.openxmlformats.org/drawingml/2006/main" xmlns:r="http://schemas.openxmlformats.org/officeDocument/2006/relationships" xmlns:p="http://schemas.openxmlformats.org/presentationml/2006/main">
   <p:cSld>
     <p:spTree>
@@ -16262,7 +23715,7 @@
               <a:pPr>
                 <a:defRPr/>
               </a:pPr>
-              <a:t>21</a:t>
+              <a:t>28</a:t>
             </a:fld>
             <a:endParaRPr lang="en-US" dirty="0"/>
           </a:p>
@@ -16457,6 +23910,34 @@
             <a:r>
               <a:rPr lang="it-IT" dirty="0"/>
               <a:t>https://www.bitstamp.net/learn/crypto-101/what-are-blocks-in-the-blockchain/</a:t>
+            </a:r>
+          </a:p>
+        </p:txBody>
+      </p:sp>
+      <p:sp>
+        <p:nvSpPr>
+          <p:cNvPr id="9" name="Rettangolo 8"/>
+          <p:cNvSpPr/>
+          <p:nvPr/>
+        </p:nvSpPr>
+        <p:spPr>
+          <a:xfrm>
+            <a:off x="825119" y="5010667"/>
+            <a:ext cx="3996607" cy="369332"/>
+          </a:xfrm>
+          <a:prstGeom prst="rect">
+            <a:avLst/>
+          </a:prstGeom>
+        </p:spPr>
+        <p:txBody>
+          <a:bodyPr wrap="none">
+            <a:spAutoFit/>
+          </a:bodyPr>
+          <a:lstStyle/>
+          <a:p>
+            <a:r>
+              <a:rPr lang="it-IT" dirty="0"/>
+              <a:t>https://youngplatform.com/glossary/hash/</a:t>
             </a:r>
           </a:p>
         </p:txBody>
@@ -20197,6 +27678,56 @@
 </file>
 
 <file path=customXml/item1.xml><?xml version="1.0" encoding="utf-8"?>
+<?mso-contentType ?>
+<spe:Receivers xmlns:spe="http://schemas.microsoft.com/sharepoint/events">
+  <Receiver>
+    <Name>Document ID Generator</Name>
+    <Synchronization>Synchronous</Synchronization>
+    <Type>10001</Type>
+    <SequenceNumber>1000</SequenceNumber>
+    <Url/>
+    <Assembly>Microsoft.Office.DocumentManagement, Version=15.0.0.0, Culture=neutral, PublicKeyToken=71e9bce111e9429c</Assembly>
+    <Class>Microsoft.Office.DocumentManagement.Internal.DocIdHandler</Class>
+    <Data/>
+    <Filter/>
+  </Receiver>
+  <Receiver>
+    <Name>Document ID Generator</Name>
+    <Synchronization>Synchronous</Synchronization>
+    <Type>10002</Type>
+    <SequenceNumber>1001</SequenceNumber>
+    <Url/>
+    <Assembly>Microsoft.Office.DocumentManagement, Version=15.0.0.0, Culture=neutral, PublicKeyToken=71e9bce111e9429c</Assembly>
+    <Class>Microsoft.Office.DocumentManagement.Internal.DocIdHandler</Class>
+    <Data/>
+    <Filter/>
+  </Receiver>
+  <Receiver>
+    <Name>Document ID Generator</Name>
+    <Synchronization>Synchronous</Synchronization>
+    <Type>10004</Type>
+    <SequenceNumber>1002</SequenceNumber>
+    <Url/>
+    <Assembly>Microsoft.Office.DocumentManagement, Version=15.0.0.0, Culture=neutral, PublicKeyToken=71e9bce111e9429c</Assembly>
+    <Class>Microsoft.Office.DocumentManagement.Internal.DocIdHandler</Class>
+    <Data/>
+    <Filter/>
+  </Receiver>
+  <Receiver>
+    <Name>Document ID Generator</Name>
+    <Synchronization>Synchronous</Synchronization>
+    <Type>10006</Type>
+    <SequenceNumber>1003</SequenceNumber>
+    <Url/>
+    <Assembly>Microsoft.Office.DocumentManagement, Version=15.0.0.0, Culture=neutral, PublicKeyToken=71e9bce111e9429c</Assembly>
+    <Class>Microsoft.Office.DocumentManagement.Internal.DocIdHandler</Class>
+    <Data/>
+    <Filter/>
+  </Receiver>
+</spe:Receivers>
+</file>
+
+<file path=customXml/item2.xml><?xml version="1.0" encoding="utf-8"?>
 <ct:contentTypeSchema xmlns:ct="http://schemas.microsoft.com/office/2006/metadata/contentType" xmlns:ma="http://schemas.microsoft.com/office/2006/metadata/properties/metaAttributes" ct:_="" ma:_="" ma:contentTypeName="Documento" ma:contentTypeID="0x010100661A2BE3120D674DA36C11D6006822D4" ma:contentTypeVersion="3" ma:contentTypeDescription="Creare un nuovo documento." ma:contentTypeScope="" ma:versionID="2ad8b07f9840a1ce9cd199d874146b74">
   <xsd:schema xmlns:xsd="http://www.w3.org/2001/XMLSchema" xmlns:xs="http://www.w3.org/2001/XMLSchema" xmlns:p="http://schemas.microsoft.com/office/2006/metadata/properties" xmlns:ns2="c58f2efd-82a8-4ecf-b395-8c25e928921d" xmlns:ns3="459159c4-d20a-4ff3-9b11-fbd127bd52e5" xmlns:ns4="679261c3-551f-4e86-913f-177e0e529669" targetNamespace="http://schemas.microsoft.com/office/2006/metadata/properties" ma:root="true" ma:fieldsID="fffb0e16fb90ffea59fef1085e90ecca" ns2:_="" ns3:_="" ns4:_="">
     <xsd:import namespace="c58f2efd-82a8-4ecf-b395-8c25e928921d"/>
@@ -20383,66 +27914,7 @@
 </ct:contentTypeSchema>
 </file>
 
-<file path=customXml/item2.xml><?xml version="1.0" encoding="utf-8"?>
-<?mso-contentType ?>
-<spe:Receivers xmlns:spe="http://schemas.microsoft.com/sharepoint/events">
-  <Receiver>
-    <Name>Document ID Generator</Name>
-    <Synchronization>Synchronous</Synchronization>
-    <Type>10001</Type>
-    <SequenceNumber>1000</SequenceNumber>
-    <Url/>
-    <Assembly>Microsoft.Office.DocumentManagement, Version=15.0.0.0, Culture=neutral, PublicKeyToken=71e9bce111e9429c</Assembly>
-    <Class>Microsoft.Office.DocumentManagement.Internal.DocIdHandler</Class>
-    <Data/>
-    <Filter/>
-  </Receiver>
-  <Receiver>
-    <Name>Document ID Generator</Name>
-    <Synchronization>Synchronous</Synchronization>
-    <Type>10002</Type>
-    <SequenceNumber>1001</SequenceNumber>
-    <Url/>
-    <Assembly>Microsoft.Office.DocumentManagement, Version=15.0.0.0, Culture=neutral, PublicKeyToken=71e9bce111e9429c</Assembly>
-    <Class>Microsoft.Office.DocumentManagement.Internal.DocIdHandler</Class>
-    <Data/>
-    <Filter/>
-  </Receiver>
-  <Receiver>
-    <Name>Document ID Generator</Name>
-    <Synchronization>Synchronous</Synchronization>
-    <Type>10004</Type>
-    <SequenceNumber>1002</SequenceNumber>
-    <Url/>
-    <Assembly>Microsoft.Office.DocumentManagement, Version=15.0.0.0, Culture=neutral, PublicKeyToken=71e9bce111e9429c</Assembly>
-    <Class>Microsoft.Office.DocumentManagement.Internal.DocIdHandler</Class>
-    <Data/>
-    <Filter/>
-  </Receiver>
-  <Receiver>
-    <Name>Document ID Generator</Name>
-    <Synchronization>Synchronous</Synchronization>
-    <Type>10006</Type>
-    <SequenceNumber>1003</SequenceNumber>
-    <Url/>
-    <Assembly>Microsoft.Office.DocumentManagement, Version=15.0.0.0, Culture=neutral, PublicKeyToken=71e9bce111e9429c</Assembly>
-    <Class>Microsoft.Office.DocumentManagement.Internal.DocIdHandler</Class>
-    <Data/>
-    <Filter/>
-  </Receiver>
-</spe:Receivers>
-</file>
-
 <file path=customXml/item3.xml><?xml version="1.0" encoding="utf-8"?>
-<?mso-contentType ?>
-<FormTemplates xmlns="http://schemas.microsoft.com/sharepoint/v3/contenttype/forms">
-  <Display>DocumentLibraryForm</Display>
-  <Edit>DocumentLibraryForm</Edit>
-  <New>DocumentLibraryForm</New>
-</FormTemplates>
-</file>
-
-<file path=customXml/item4.xml><?xml version="1.0" encoding="utf-8"?>
 <p:properties xmlns:p="http://schemas.microsoft.com/office/2006/metadata/properties" xmlns:xsi="http://www.w3.org/2001/XMLSchema-instance" xmlns:pc="http://schemas.microsoft.com/office/infopath/2007/PartnerControls">
   <documentManagement>
     <SottoCategoria xmlns="679261c3-551f-4e86-913f-177e0e529669">-</SottoCategoria>
@@ -20456,7 +27928,24 @@
 </p:properties>
 </file>
 
+<file path=customXml/item4.xml><?xml version="1.0" encoding="utf-8"?>
+<?mso-contentType ?>
+<FormTemplates xmlns="http://schemas.microsoft.com/sharepoint/v3/contenttype/forms">
+  <Display>DocumentLibraryForm</Display>
+  <Edit>DocumentLibraryForm</Edit>
+  <New>DocumentLibraryForm</New>
+</FormTemplates>
+</file>
+
 <file path=customXml/itemProps1.xml><?xml version="1.0" encoding="utf-8"?>
+<ds:datastoreItem xmlns:ds="http://schemas.openxmlformats.org/officeDocument/2006/customXml" ds:itemID="{D9296C4F-9DE9-4B43-AA80-1FC85656CFFA}">
+  <ds:schemaRefs>
+    <ds:schemaRef ds:uri="http://schemas.microsoft.com/sharepoint/events"/>
+  </ds:schemaRefs>
+</ds:datastoreItem>
+</file>
+
+<file path=customXml/itemProps2.xml><?xml version="1.0" encoding="utf-8"?>
 <ds:datastoreItem xmlns:ds="http://schemas.openxmlformats.org/officeDocument/2006/customXml" ds:itemID="{3F66F418-6054-4EA5-BF8E-6AF3CEAE6265}">
   <ds:schemaRefs>
     <ds:schemaRef ds:uri="http://schemas.microsoft.com/office/2006/metadata/contentType"/>
@@ -20476,23 +27965,7 @@
 </ds:datastoreItem>
 </file>
 
-<file path=customXml/itemProps2.xml><?xml version="1.0" encoding="utf-8"?>
-<ds:datastoreItem xmlns:ds="http://schemas.openxmlformats.org/officeDocument/2006/customXml" ds:itemID="{D9296C4F-9DE9-4B43-AA80-1FC85656CFFA}">
-  <ds:schemaRefs>
-    <ds:schemaRef ds:uri="http://schemas.microsoft.com/sharepoint/events"/>
-  </ds:schemaRefs>
-</ds:datastoreItem>
-</file>
-
 <file path=customXml/itemProps3.xml><?xml version="1.0" encoding="utf-8"?>
-<ds:datastoreItem xmlns:ds="http://schemas.openxmlformats.org/officeDocument/2006/customXml" ds:itemID="{BD9C238D-4D5C-4783-820B-4854DCE45D41}">
-  <ds:schemaRefs>
-    <ds:schemaRef ds:uri="http://schemas.microsoft.com/sharepoint/v3/contenttype/forms"/>
-  </ds:schemaRefs>
-</ds:datastoreItem>
-</file>
-
-<file path=customXml/itemProps4.xml><?xml version="1.0" encoding="utf-8"?>
 <ds:datastoreItem xmlns:ds="http://schemas.openxmlformats.org/officeDocument/2006/customXml" ds:itemID="{3EF378BC-F4D0-4510-B4EC-07B6EFE18CF8}">
   <ds:schemaRefs>
     <ds:schemaRef ds:uri="http://schemas.microsoft.com/office/infopath/2007/PartnerControls"/>
@@ -20508,4 +27981,12 @@
     <ds:schemaRef ds:uri="http://purl.org/dc/dcmitype/"/>
   </ds:schemaRefs>
 </ds:datastoreItem>
+</file>
+
+<file path=customXml/itemProps4.xml><?xml version="1.0" encoding="utf-8"?>
+<ds:datastoreItem xmlns:ds="http://schemas.openxmlformats.org/officeDocument/2006/customXml" ds:itemID="{BD9C238D-4D5C-4783-820B-4854DCE45D41}">
+  <ds:schemaRefs>
+    <ds:schemaRef ds:uri="http://schemas.microsoft.com/sharepoint/v3/contenttype/forms"/>
+  </ds:schemaRefs>
+</ds:datastoreItem>
 </file>